--- a/Presentations/Mid-Term Presentation.pptx
+++ b/Presentations/Mid-Term Presentation.pptx
@@ -6,15 +6,18 @@
     <p:sldMasterId id="2147483659" r:id="rId3"/>
   </p:sldMasterIdLst>
   <p:notesMasterIdLst>
-    <p:notesMasterId r:id="rId7"/>
+    <p:notesMasterId r:id="rId10"/>
   </p:notesMasterIdLst>
   <p:handoutMasterIdLst>
-    <p:handoutMasterId r:id="rId8"/>
+    <p:handoutMasterId r:id="rId11"/>
   </p:handoutMasterIdLst>
   <p:sldIdLst>
     <p:sldId id="256" r:id="rId4"/>
     <p:sldId id="257" r:id="rId5"/>
     <p:sldId id="259" r:id="rId6"/>
+    <p:sldId id="261" r:id="rId7"/>
+    <p:sldId id="260" r:id="rId8"/>
+    <p:sldId id="262" r:id="rId9"/>
   </p:sldIdLst>
   <p:sldSz cx="12192000" cy="6858000"/>
   <p:notesSz cx="7103745" cy="10234295"/>
@@ -7085,7 +7088,7 @@
               <a:rPr lang="de-DE" altLang="en-US">
                 <a:latin typeface="Calibri" charset="0"/>
               </a:rPr>
-              <a:t>Obtain the solutions in less than 1 second</a:t>
+              <a:t>Robustly obtain solutions in less than 1 second</a:t>
             </a:r>
             <a:endParaRPr lang="de-DE" altLang="en-US">
               <a:latin typeface="Calibri" charset="0"/>
@@ -7659,7 +7662,7 @@
             <p:spPr>
               <a:xfrm>
                 <a:off x="647700" y="1762125"/>
-                <a:ext cx="6860540" cy="5033010"/>
+                <a:ext cx="6860540" cy="2678430"/>
               </a:xfrm>
               <a:prstGeom prst="rect">
                 <a:avLst/>
@@ -8182,92 +8185,8 @@
                     <a:latin typeface="+mn-ea"/>
                     <a:cs typeface="+mn-ea"/>
                   </a:rPr>
-                  <a:t>Choose OCP solver architecture:</a:t>
+                  <a:t>Choose OCP solver architecture</a:t>
                 </a:r>
-                <a:endParaRPr lang="de-DE" altLang="en-US">
-                  <a:latin typeface="+mn-ea"/>
-                  <a:cs typeface="+mn-ea"/>
-                </a:endParaRPr>
-              </a:p>
-              <a:p>
-                <a:pPr marL="742950" lvl="1" indent="-285750">
-                  <a:lnSpc>
-                    <a:spcPct val="200000"/>
-                  </a:lnSpc>
-                  <a:buFont typeface="Arial" panose="020B0604020202020204" pitchFamily="34" charset="0"/>
-                  <a:buChar char="•"/>
-                </a:pPr>
-                <a:r>
-                  <a:rPr lang="de-DE" altLang="en-US">
-                    <a:latin typeface="+mn-ea"/>
-                    <a:cs typeface="+mn-ea"/>
-                  </a:rPr>
-                  <a:t>Direct vs Indirect methods</a:t>
-                </a:r>
-                <a:endParaRPr lang="de-DE" altLang="en-US">
-                  <a:latin typeface="+mn-ea"/>
-                  <a:cs typeface="+mn-ea"/>
-                </a:endParaRPr>
-              </a:p>
-              <a:p>
-                <a:pPr marL="742950" lvl="1" indent="-285750">
-                  <a:lnSpc>
-                    <a:spcPct val="200000"/>
-                  </a:lnSpc>
-                  <a:buFont typeface="Arial" panose="020B0604020202020204" pitchFamily="34" charset="0"/>
-                  <a:buChar char="•"/>
-                </a:pPr>
-                <a:r>
-                  <a:rPr lang="de-DE" altLang="en-US">
-                    <a:latin typeface="+mn-ea"/>
-                    <a:cs typeface="+mn-ea"/>
-                  </a:rPr>
-                  <a:t>Transcription method: Collocation vs Shooting</a:t>
-                </a:r>
-                <a:endParaRPr lang="de-DE" altLang="en-US">
-                  <a:latin typeface="+mn-ea"/>
-                  <a:cs typeface="+mn-ea"/>
-                </a:endParaRPr>
-              </a:p>
-              <a:p>
-                <a:pPr marL="742950" lvl="1" indent="-285750">
-                  <a:lnSpc>
-                    <a:spcPct val="200000"/>
-                  </a:lnSpc>
-                  <a:buFont typeface="Arial" panose="020B0604020202020204" pitchFamily="34" charset="0"/>
-                  <a:buChar char="•"/>
-                </a:pPr>
-                <a:r>
-                  <a:rPr lang="de-DE" altLang="en-US">
-                    <a:latin typeface="+mn-ea"/>
-                    <a:cs typeface="+mn-ea"/>
-                  </a:rPr>
-                  <a:t>Non-linear problem (NLP) solver</a:t>
-                </a:r>
-                <a:endParaRPr lang="de-DE" altLang="en-US">
-                  <a:latin typeface="+mn-ea"/>
-                  <a:cs typeface="+mn-ea"/>
-                </a:endParaRPr>
-              </a:p>
-              <a:p>
-                <a:pPr lvl="1" indent="0">
-                  <a:lnSpc>
-                    <a:spcPct val="150000"/>
-                  </a:lnSpc>
-                  <a:buFont typeface="Arial" panose="020B0604020202020204" pitchFamily="34" charset="0"/>
-                  <a:buNone/>
-                </a:pPr>
-                <a:endParaRPr lang="de-DE" altLang="en-US">
-                  <a:latin typeface="+mn-ea"/>
-                  <a:cs typeface="+mn-ea"/>
-                  <a:sym typeface="+mn-ea"/>
-                </a:endParaRPr>
-              </a:p>
-              <a:p>
-                <a:pPr lvl="1" indent="0">
-                  <a:buFont typeface="Arial" panose="020B0604020202020204" pitchFamily="34" charset="0"/>
-                  <a:buNone/>
-                </a:pPr>
                 <a:endParaRPr lang="de-DE" altLang="en-US">
                   <a:latin typeface="+mn-ea"/>
                   <a:cs typeface="+mn-ea"/>
@@ -8288,7 +8207,7 @@
             <p:spPr>
               <a:xfrm>
                 <a:off x="647700" y="1762125"/>
-                <a:ext cx="6860540" cy="5033010"/>
+                <a:ext cx="6860540" cy="2678430"/>
               </a:xfrm>
               <a:prstGeom prst="rect">
                 <a:avLst/>
@@ -8325,7 +8244,7 @@
             </p:nvSpPr>
             <p:spPr>
               <a:xfrm>
-                <a:off x="6110605" y="2579370"/>
+                <a:off x="5420995" y="3648710"/>
                 <a:ext cx="2252980" cy="2553970"/>
               </a:xfrm>
               <a:prstGeom prst="rect">
@@ -8388,21 +8307,16 @@
                   <a:t>→</a:t>
                 </a:r>
                 <a14:m>
-                  <m:oMathPara xmlns:m="http://schemas.openxmlformats.org/officeDocument/2006/math">
-                    <m:oMathParaPr>
-                      <m:jc m:val="left"/>
-                    </m:oMathParaPr>
-                    <m:oMath xmlns:m="http://schemas.openxmlformats.org/officeDocument/2006/math">
-                      <m:r>
-                        <a:rPr lang="en-US" altLang="de-DE" sz="1200" i="1">
-                          <a:latin typeface="DejaVu Math TeX Gyre" panose="02000503000000000000" charset="0"/>
-                          <a:cs typeface="DejaVu Math TeX Gyre" panose="02000503000000000000" charset="0"/>
-                          <a:sym typeface="+mn-ea"/>
-                        </a:rPr>
-                        <m:t> </m:t>
-                      </m:r>
-                    </m:oMath>
-                  </m:oMathPara>
+                  <m:oMath xmlns:m="http://schemas.openxmlformats.org/officeDocument/2006/math">
+                    <m:r>
+                      <a:rPr lang="en-US" altLang="de-DE" sz="1200" i="1">
+                        <a:latin typeface="DejaVu Math TeX Gyre" panose="02000503000000000000" charset="0"/>
+                        <a:cs typeface="DejaVu Math TeX Gyre" panose="02000503000000000000" charset="0"/>
+                        <a:sym typeface="+mn-ea"/>
+                      </a:rPr>
+                      <m:t> </m:t>
+                    </m:r>
+                  </m:oMath>
                 </a14:m>
                 <a:r>
                   <a:rPr lang="de-DE" altLang="en-US" sz="1200">
@@ -8450,21 +8364,16 @@
                   <a:t>→</a:t>
                 </a:r>
                 <a14:m>
-                  <m:oMathPara xmlns:m="http://schemas.openxmlformats.org/officeDocument/2006/math">
-                    <m:oMathParaPr>
-                      <m:jc m:val="left"/>
-                    </m:oMathParaPr>
-                    <m:oMath xmlns:m="http://schemas.openxmlformats.org/officeDocument/2006/math">
-                      <m:r>
-                        <a:rPr lang="en-US" altLang="de-DE" sz="1200" i="1">
-                          <a:latin typeface="DejaVu Math TeX Gyre" panose="02000503000000000000" charset="0"/>
-                          <a:cs typeface="DejaVu Math TeX Gyre" panose="02000503000000000000" charset="0"/>
-                          <a:sym typeface="+mn-ea"/>
-                        </a:rPr>
-                        <m:t> </m:t>
-                      </m:r>
-                    </m:oMath>
-                  </m:oMathPara>
+                  <m:oMath xmlns:m="http://schemas.openxmlformats.org/officeDocument/2006/math">
+                    <m:r>
+                      <a:rPr lang="en-US" altLang="de-DE" sz="1200" i="1">
+                        <a:latin typeface="DejaVu Math TeX Gyre" panose="02000503000000000000" charset="0"/>
+                        <a:cs typeface="DejaVu Math TeX Gyre" panose="02000503000000000000" charset="0"/>
+                        <a:sym typeface="+mn-ea"/>
+                      </a:rPr>
+                      <m:t> </m:t>
+                    </m:r>
+                  </m:oMath>
                 </a14:m>
                 <a:r>
                   <a:rPr lang="de-DE" altLang="en-US" sz="1200">
@@ -8511,21 +8420,16 @@
                   <a:t>→</a:t>
                 </a:r>
                 <a14:m>
-                  <m:oMathPara xmlns:m="http://schemas.openxmlformats.org/officeDocument/2006/math">
-                    <m:oMathParaPr>
-                      <m:jc m:val="left"/>
-                    </m:oMathParaPr>
-                    <m:oMath xmlns:m="http://schemas.openxmlformats.org/officeDocument/2006/math">
-                      <m:r>
-                        <a:rPr lang="en-US" altLang="de-DE" sz="1200" i="1">
-                          <a:latin typeface="DejaVu Math TeX Gyre" panose="02000503000000000000" charset="0"/>
-                          <a:cs typeface="DejaVu Math TeX Gyre" panose="02000503000000000000" charset="0"/>
-                          <a:sym typeface="+mn-ea"/>
-                        </a:rPr>
-                        <m:t> </m:t>
-                      </m:r>
-                    </m:oMath>
-                  </m:oMathPara>
+                  <m:oMath xmlns:m="http://schemas.openxmlformats.org/officeDocument/2006/math">
+                    <m:r>
+                      <a:rPr lang="en-US" altLang="de-DE" sz="1200" i="1">
+                        <a:latin typeface="DejaVu Math TeX Gyre" panose="02000503000000000000" charset="0"/>
+                        <a:cs typeface="DejaVu Math TeX Gyre" panose="02000503000000000000" charset="0"/>
+                        <a:sym typeface="+mn-ea"/>
+                      </a:rPr>
+                      <m:t> </m:t>
+                    </m:r>
+                  </m:oMath>
                 </a14:m>
                 <a:r>
                   <a:rPr lang="de-DE" altLang="en-US" sz="1200">
@@ -8573,21 +8477,16 @@
                   <a:t>→</a:t>
                 </a:r>
                 <a14:m>
-                  <m:oMathPara xmlns:m="http://schemas.openxmlformats.org/officeDocument/2006/math">
-                    <m:oMathParaPr>
-                      <m:jc m:val="left"/>
-                    </m:oMathParaPr>
-                    <m:oMath xmlns:m="http://schemas.openxmlformats.org/officeDocument/2006/math">
-                      <m:r>
-                        <a:rPr lang="en-US" altLang="de-DE" sz="1200" i="1">
-                          <a:latin typeface="DejaVu Math TeX Gyre" panose="02000503000000000000" charset="0"/>
-                          <a:cs typeface="DejaVu Math TeX Gyre" panose="02000503000000000000" charset="0"/>
-                          <a:sym typeface="+mn-ea"/>
-                        </a:rPr>
-                        <m:t> </m:t>
-                      </m:r>
-                    </m:oMath>
-                  </m:oMathPara>
+                  <m:oMath xmlns:m="http://schemas.openxmlformats.org/officeDocument/2006/math">
+                    <m:r>
+                      <a:rPr lang="en-US" altLang="de-DE" sz="1200" i="1">
+                        <a:latin typeface="DejaVu Math TeX Gyre" panose="02000503000000000000" charset="0"/>
+                        <a:cs typeface="DejaVu Math TeX Gyre" panose="02000503000000000000" charset="0"/>
+                        <a:sym typeface="+mn-ea"/>
+                      </a:rPr>
+                      <m:t> </m:t>
+                    </m:r>
+                  </m:oMath>
                 </a14:m>
                 <a:r>
                   <a:rPr lang="de-DE" altLang="en-US" sz="1200">
@@ -8635,21 +8534,16 @@
                   <a:t>→</a:t>
                 </a:r>
                 <a14:m>
-                  <m:oMathPara xmlns:m="http://schemas.openxmlformats.org/officeDocument/2006/math">
-                    <m:oMathParaPr>
-                      <m:jc m:val="left"/>
-                    </m:oMathParaPr>
-                    <m:oMath xmlns:m="http://schemas.openxmlformats.org/officeDocument/2006/math">
-                      <m:r>
-                        <a:rPr lang="en-US" altLang="de-DE" sz="1200" i="1">
-                          <a:latin typeface="DejaVu Math TeX Gyre" panose="02000503000000000000" charset="0"/>
-                          <a:cs typeface="DejaVu Math TeX Gyre" panose="02000503000000000000" charset="0"/>
-                          <a:sym typeface="+mn-ea"/>
-                        </a:rPr>
-                        <m:t> </m:t>
-                      </m:r>
-                    </m:oMath>
-                  </m:oMathPara>
+                  <m:oMath xmlns:m="http://schemas.openxmlformats.org/officeDocument/2006/math">
+                    <m:r>
+                      <a:rPr lang="en-US" altLang="de-DE" sz="1200" i="1">
+                        <a:latin typeface="DejaVu Math TeX Gyre" panose="02000503000000000000" charset="0"/>
+                        <a:cs typeface="DejaVu Math TeX Gyre" panose="02000503000000000000" charset="0"/>
+                        <a:sym typeface="+mn-ea"/>
+                      </a:rPr>
+                      <m:t> </m:t>
+                    </m:r>
+                  </m:oMath>
                 </a14:m>
                 <a:r>
                   <a:rPr lang="de-DE" altLang="en-US" sz="1200">
@@ -8697,21 +8591,16 @@
                   <a:t>→</a:t>
                 </a:r>
                 <a14:m>
-                  <m:oMathPara xmlns:m="http://schemas.openxmlformats.org/officeDocument/2006/math">
-                    <m:oMathParaPr>
-                      <m:jc m:val="left"/>
-                    </m:oMathParaPr>
-                    <m:oMath xmlns:m="http://schemas.openxmlformats.org/officeDocument/2006/math">
-                      <m:r>
-                        <a:rPr lang="en-US" altLang="de-DE" sz="1200" i="1">
-                          <a:latin typeface="DejaVu Math TeX Gyre" panose="02000503000000000000" charset="0"/>
-                          <a:cs typeface="DejaVu Math TeX Gyre" panose="02000503000000000000" charset="0"/>
-                          <a:sym typeface="+mn-ea"/>
-                        </a:rPr>
-                        <m:t> </m:t>
-                      </m:r>
-                    </m:oMath>
-                  </m:oMathPara>
+                  <m:oMath xmlns:m="http://schemas.openxmlformats.org/officeDocument/2006/math">
+                    <m:r>
+                      <a:rPr lang="en-US" altLang="de-DE" sz="1200" i="1">
+                        <a:latin typeface="DejaVu Math TeX Gyre" panose="02000503000000000000" charset="0"/>
+                        <a:cs typeface="DejaVu Math TeX Gyre" panose="02000503000000000000" charset="0"/>
+                        <a:sym typeface="+mn-ea"/>
+                      </a:rPr>
+                      <m:t> </m:t>
+                    </m:r>
+                  </m:oMath>
                 </a14:m>
                 <a:r>
                   <a:rPr lang="de-DE" altLang="en-US" sz="1200">
@@ -8759,21 +8648,16 @@
                   <a:t>→</a:t>
                 </a:r>
                 <a14:m>
-                  <m:oMathPara xmlns:m="http://schemas.openxmlformats.org/officeDocument/2006/math">
-                    <m:oMathParaPr>
-                      <m:jc m:val="left"/>
-                    </m:oMathParaPr>
-                    <m:oMath xmlns:m="http://schemas.openxmlformats.org/officeDocument/2006/math">
-                      <m:r>
-                        <a:rPr lang="en-US" altLang="de-DE" sz="1200" i="1">
-                          <a:latin typeface="DejaVu Math TeX Gyre" panose="02000503000000000000" charset="0"/>
-                          <a:cs typeface="DejaVu Math TeX Gyre" panose="02000503000000000000" charset="0"/>
-                          <a:sym typeface="+mn-ea"/>
-                        </a:rPr>
-                        <m:t> </m:t>
-                      </m:r>
-                    </m:oMath>
-                  </m:oMathPara>
+                  <m:oMath xmlns:m="http://schemas.openxmlformats.org/officeDocument/2006/math">
+                    <m:r>
+                      <a:rPr lang="en-US" altLang="de-DE" sz="1200" i="1">
+                        <a:latin typeface="DejaVu Math TeX Gyre" panose="02000503000000000000" charset="0"/>
+                        <a:cs typeface="DejaVu Math TeX Gyre" panose="02000503000000000000" charset="0"/>
+                        <a:sym typeface="+mn-ea"/>
+                      </a:rPr>
+                      <m:t> </m:t>
+                    </m:r>
+                  </m:oMath>
                 </a14:m>
                 <a:r>
                   <a:rPr lang="de-DE" altLang="en-US" sz="1200">
@@ -8820,21 +8704,16 @@
                   <a:t>→</a:t>
                 </a:r>
                 <a14:m>
-                  <m:oMathPara xmlns:m="http://schemas.openxmlformats.org/officeDocument/2006/math">
-                    <m:oMathParaPr>
-                      <m:jc m:val="left"/>
-                    </m:oMathParaPr>
-                    <m:oMath xmlns:m="http://schemas.openxmlformats.org/officeDocument/2006/math">
-                      <m:r>
-                        <a:rPr lang="en-US" altLang="de-DE" sz="1200" i="1">
-                          <a:latin typeface="DejaVu Math TeX Gyre" panose="02000503000000000000" charset="0"/>
-                          <a:cs typeface="DejaVu Math TeX Gyre" panose="02000503000000000000" charset="0"/>
-                          <a:sym typeface="+mn-ea"/>
-                        </a:rPr>
-                        <m:t> </m:t>
-                      </m:r>
-                    </m:oMath>
-                  </m:oMathPara>
+                  <m:oMath xmlns:m="http://schemas.openxmlformats.org/officeDocument/2006/math">
+                    <m:r>
+                      <a:rPr lang="en-US" altLang="de-DE" sz="1200" i="1">
+                        <a:latin typeface="DejaVu Math TeX Gyre" panose="02000503000000000000" charset="0"/>
+                        <a:cs typeface="DejaVu Math TeX Gyre" panose="02000503000000000000" charset="0"/>
+                        <a:sym typeface="+mn-ea"/>
+                      </a:rPr>
+                      <m:t> </m:t>
+                    </m:r>
+                  </m:oMath>
                 </a14:m>
                 <a:r>
                   <a:rPr lang="de-DE" altLang="en-US" sz="1200">
@@ -8895,21 +8774,16 @@
                   <a:t>→</a:t>
                 </a:r>
                 <a14:m>
-                  <m:oMathPara xmlns:m="http://schemas.openxmlformats.org/officeDocument/2006/math">
-                    <m:oMathParaPr>
-                      <m:jc m:val="left"/>
-                    </m:oMathParaPr>
-                    <m:oMath xmlns:m="http://schemas.openxmlformats.org/officeDocument/2006/math">
-                      <m:r>
-                        <a:rPr lang="en-US" altLang="de-DE" sz="1200" i="1">
-                          <a:latin typeface="DejaVu Math TeX Gyre" panose="02000503000000000000" charset="0"/>
-                          <a:cs typeface="DejaVu Math TeX Gyre" panose="02000503000000000000" charset="0"/>
-                          <a:sym typeface="+mn-ea"/>
-                        </a:rPr>
-                        <m:t> </m:t>
-                      </m:r>
-                    </m:oMath>
-                  </m:oMathPara>
+                  <m:oMath xmlns:m="http://schemas.openxmlformats.org/officeDocument/2006/math">
+                    <m:r>
+                      <a:rPr lang="en-US" altLang="de-DE" sz="1200" i="1">
+                        <a:latin typeface="DejaVu Math TeX Gyre" panose="02000503000000000000" charset="0"/>
+                        <a:cs typeface="DejaVu Math TeX Gyre" panose="02000503000000000000" charset="0"/>
+                        <a:sym typeface="+mn-ea"/>
+                      </a:rPr>
+                      <m:t> </m:t>
+                    </m:r>
+                  </m:oMath>
                 </a14:m>
                 <a:r>
                   <a:rPr lang="de-DE" altLang="en-US" sz="1200">
@@ -8964,21 +8838,16 @@
                   <a:t>→</a:t>
                 </a:r>
                 <a14:m>
-                  <m:oMathPara xmlns:m="http://schemas.openxmlformats.org/officeDocument/2006/math">
-                    <m:oMathParaPr>
-                      <m:jc m:val="left"/>
-                    </m:oMathParaPr>
-                    <m:oMath xmlns:m="http://schemas.openxmlformats.org/officeDocument/2006/math">
-                      <m:r>
-                        <a:rPr lang="en-US" altLang="de-DE" sz="1200" i="1">
-                          <a:latin typeface="DejaVu Math TeX Gyre" panose="02000503000000000000" charset="0"/>
-                          <a:cs typeface="DejaVu Math TeX Gyre" panose="02000503000000000000" charset="0"/>
-                          <a:sym typeface="+mn-ea"/>
-                        </a:rPr>
-                        <m:t> </m:t>
-                      </m:r>
-                    </m:oMath>
-                  </m:oMathPara>
+                  <m:oMath xmlns:m="http://schemas.openxmlformats.org/officeDocument/2006/math">
+                    <m:r>
+                      <a:rPr lang="en-US" altLang="de-DE" sz="1200" i="1">
+                        <a:latin typeface="DejaVu Math TeX Gyre" panose="02000503000000000000" charset="0"/>
+                        <a:cs typeface="DejaVu Math TeX Gyre" panose="02000503000000000000" charset="0"/>
+                        <a:sym typeface="+mn-ea"/>
+                      </a:rPr>
+                      <m:t> </m:t>
+                    </m:r>
+                  </m:oMath>
                 </a14:m>
                 <a:r>
                   <a:rPr lang="de-DE" altLang="en-US" sz="1200">
@@ -9006,7 +8875,7 @@
             </p:nvSpPr>
             <p:spPr>
               <a:xfrm>
-                <a:off x="6110605" y="2579370"/>
+                <a:off x="5420995" y="3648710"/>
                 <a:ext cx="2252980" cy="2553970"/>
               </a:xfrm>
               <a:prstGeom prst="rect">
@@ -9051,6 +8920,3248 @@
       </p:transition>
     </mc:Fallback>
   </mc:AlternateContent>
+  <p:timing>
+    <p:tnLst>
+      <p:par>
+        <p:cTn id="1" dur="indefinite" restart="never" nodeType="tmRoot">
+          <p:childTnLst>
+            <p:seq concurrent="1" nextAc="seek">
+              <p:cTn id="2" dur="indefinite" nodeType="mainSeq">
+                <p:childTnLst>
+                  <p:par>
+                    <p:cTn id="3" fill="hold">
+                      <p:stCondLst>
+                        <p:cond delay="indefinite"/>
+                        <p:cond evt="onBegin" delay="0">
+                          <p:tn val="2"/>
+                        </p:cond>
+                      </p:stCondLst>
+                      <p:childTnLst>
+                        <p:par>
+                          <p:cTn id="4" fill="hold">
+                            <p:stCondLst>
+                              <p:cond delay="0"/>
+                            </p:stCondLst>
+                            <p:childTnLst>
+                              <p:par>
+                                <p:cTn id="5" presetID="9" presetClass="entr" presetSubtype="0" fill="hold" grpId="0" nodeType="afterEffect">
+                                  <p:stCondLst>
+                                    <p:cond delay="0"/>
+                                  </p:stCondLst>
+                                  <p:childTnLst>
+                                    <p:set>
+                                      <p:cBhvr>
+                                        <p:cTn id="6" dur="1" fill="hold">
+                                          <p:stCondLst>
+                                            <p:cond delay="0"/>
+                                          </p:stCondLst>
+                                        </p:cTn>
+                                        <p:tgtEl>
+                                          <p:spTgt spid="18"/>
+                                        </p:tgtEl>
+                                        <p:attrNameLst>
+                                          <p:attrName>style.visibility</p:attrName>
+                                        </p:attrNameLst>
+                                      </p:cBhvr>
+                                      <p:to>
+                                        <p:strVal val="visible"/>
+                                      </p:to>
+                                    </p:set>
+                                    <p:animEffect transition="in" filter="dissolve">
+                                      <p:cBhvr>
+                                        <p:cTn id="7" dur="500"/>
+                                        <p:tgtEl>
+                                          <p:spTgt spid="18"/>
+                                        </p:tgtEl>
+                                      </p:cBhvr>
+                                    </p:animEffect>
+                                  </p:childTnLst>
+                                </p:cTn>
+                              </p:par>
+                              <p:par>
+                                <p:cTn id="8" presetID="1" presetClass="entr" presetSubtype="0" fill="hold" grpId="0" nodeType="withEffect">
+                                  <p:stCondLst>
+                                    <p:cond delay="0"/>
+                                  </p:stCondLst>
+                                  <p:childTnLst>
+                                    <p:set>
+                                      <p:cBhvr>
+                                        <p:cTn id="9" dur="1" fill="hold">
+                                          <p:stCondLst>
+                                            <p:cond delay="0"/>
+                                          </p:stCondLst>
+                                        </p:cTn>
+                                        <p:tgtEl>
+                                          <p:spTgt spid="17"/>
+                                        </p:tgtEl>
+                                        <p:attrNameLst>
+                                          <p:attrName>style.visibility</p:attrName>
+                                        </p:attrNameLst>
+                                      </p:cBhvr>
+                                      <p:to>
+                                        <p:strVal val="visible"/>
+                                      </p:to>
+                                    </p:set>
+                                  </p:childTnLst>
+                                </p:cTn>
+                              </p:par>
+                            </p:childTnLst>
+                          </p:cTn>
+                        </p:par>
+                      </p:childTnLst>
+                    </p:cTn>
+                  </p:par>
+                </p:childTnLst>
+              </p:cTn>
+              <p:prevCondLst>
+                <p:cond evt="onPrev" delay="0">
+                  <p:tgtEl>
+                    <p:sldTgt/>
+                  </p:tgtEl>
+                </p:cond>
+              </p:prevCondLst>
+              <p:nextCondLst>
+                <p:cond evt="onNext" delay="0">
+                  <p:tgtEl>
+                    <p:sldTgt/>
+                  </p:tgtEl>
+                </p:cond>
+              </p:nextCondLst>
+            </p:seq>
+          </p:childTnLst>
+        </p:cTn>
+      </p:par>
+    </p:tnLst>
+    <p:bldLst>
+      <p:bldP spid="18" grpId="0"/>
+      <p:bldP spid="18" grpId="1"/>
+      <p:bldP spid="17" grpId="0"/>
+      <p:bldP spid="17" grpId="1"/>
+    </p:bldLst>
+  </p:timing>
+</p:sld>
+</file>
+
+<file path=ppt/slides/slide4.xml><?xml version="1.0" encoding="utf-8"?>
+<p:sld xmlns:a="http://schemas.openxmlformats.org/drawingml/2006/main" xmlns:r="http://schemas.openxmlformats.org/officeDocument/2006/relationships" xmlns:p="http://schemas.openxmlformats.org/presentationml/2006/main">
+  <p:cSld>
+    <p:spTree>
+      <p:nvGrpSpPr>
+        <p:cNvPr id="1" name=""/>
+        <p:cNvGrpSpPr/>
+        <p:nvPr/>
+      </p:nvGrpSpPr>
+      <p:grpSpPr/>
+      <p:sp>
+        <p:nvSpPr>
+          <p:cNvPr id="6" name="Oval 5"/>
+          <p:cNvSpPr/>
+          <p:nvPr/>
+        </p:nvSpPr>
+        <p:spPr>
+          <a:xfrm>
+            <a:off x="9732010" y="1922780"/>
+            <a:ext cx="743585" cy="743585"/>
+          </a:xfrm>
+          <a:prstGeom prst="ellipse">
+            <a:avLst/>
+          </a:prstGeom>
+          <a:solidFill>
+            <a:schemeClr val="bg1"/>
+          </a:solidFill>
+          <a:ln>
+            <a:noFill/>
+          </a:ln>
+        </p:spPr>
+        <p:style>
+          <a:lnRef idx="2">
+            <a:schemeClr val="accent1">
+              <a:shade val="50000"/>
+            </a:schemeClr>
+          </a:lnRef>
+          <a:fillRef idx="1">
+            <a:schemeClr val="accent1"/>
+          </a:fillRef>
+          <a:effectRef idx="0">
+            <a:schemeClr val="accent1"/>
+          </a:effectRef>
+          <a:fontRef idx="minor">
+            <a:schemeClr val="lt1"/>
+          </a:fontRef>
+        </p:style>
+        <p:txBody>
+          <a:bodyPr rtlCol="0" anchor="ctr"/>
+          <a:p>
+            <a:pPr algn="ctr"/>
+            <a:r>
+              <a:rPr lang="de-DE" altLang="en-US" sz="2000" b="1">
+                <a:solidFill>
+                  <a:srgbClr val="000000"/>
+                </a:solidFill>
+                <a:cs typeface="+mn-lt"/>
+              </a:rPr>
+              <a:t>2</a:t>
+            </a:r>
+            <a:r>
+              <a:rPr lang="de-DE" altLang="en-US" sz="2000" b="1" baseline="50000">
+                <a:solidFill>
+                  <a:srgbClr val="000000"/>
+                </a:solidFill>
+                <a:uFillTx/>
+                <a:cs typeface="+mn-lt"/>
+              </a:rPr>
+              <a:t>nd</a:t>
+            </a:r>
+            <a:endParaRPr lang="de-DE" altLang="en-US" sz="2000" b="1" baseline="50000">
+              <a:solidFill>
+                <a:srgbClr val="000000"/>
+              </a:solidFill>
+              <a:uFillTx/>
+              <a:cs typeface="+mn-lt"/>
+            </a:endParaRPr>
+          </a:p>
+        </p:txBody>
+      </p:sp>
+      <p:sp>
+        <p:nvSpPr>
+          <p:cNvPr id="4" name="Rounded Rectangle 3"/>
+          <p:cNvSpPr/>
+          <p:nvPr/>
+        </p:nvSpPr>
+        <p:spPr>
+          <a:xfrm>
+            <a:off x="8711565" y="2530475"/>
+            <a:ext cx="2784475" cy="1570990"/>
+          </a:xfrm>
+          <a:prstGeom prst="roundRect">
+            <a:avLst/>
+          </a:prstGeom>
+          <a:solidFill>
+            <a:srgbClr val="002060"/>
+          </a:solidFill>
+          <a:ln w="47625">
+            <a:solidFill>
+              <a:schemeClr val="bg1"/>
+            </a:solidFill>
+          </a:ln>
+        </p:spPr>
+        <p:style>
+          <a:lnRef idx="2">
+            <a:schemeClr val="accent1">
+              <a:shade val="50000"/>
+            </a:schemeClr>
+          </a:lnRef>
+          <a:fillRef idx="1">
+            <a:schemeClr val="accent1"/>
+          </a:fillRef>
+          <a:effectRef idx="0">
+            <a:schemeClr val="accent1"/>
+          </a:effectRef>
+          <a:fontRef idx="minor">
+            <a:schemeClr val="lt1"/>
+          </a:fontRef>
+        </p:style>
+        <p:txBody>
+          <a:bodyPr rtlCol="0" anchor="ctr"/>
+          <a:p>
+            <a:pPr algn="ctr"/>
+            <a:r>
+              <a:rPr lang="de-DE" altLang="en-US">
+                <a:latin typeface="Calibri" charset="0"/>
+                <a:sym typeface="+mn-ea"/>
+              </a:rPr>
+              <a:t>Robustly obtain solutions in less than 1 second</a:t>
+            </a:r>
+            <a:endParaRPr lang="de-DE" altLang="en-US">
+              <a:cs typeface="+mn-lt"/>
+            </a:endParaRPr>
+          </a:p>
+        </p:txBody>
+      </p:sp>
+      <p:sp>
+        <p:nvSpPr>
+          <p:cNvPr id="8" name="!!Down Arrow 7"/>
+          <p:cNvSpPr/>
+          <p:nvPr/>
+        </p:nvSpPr>
+        <p:spPr>
+          <a:xfrm>
+            <a:off x="9954895" y="4101465"/>
+            <a:ext cx="297815" cy="1045210"/>
+          </a:xfrm>
+          <a:prstGeom prst="downArrow">
+            <a:avLst>
+              <a:gd name="adj1" fmla="val 50000"/>
+              <a:gd name="adj2" fmla="val 85074"/>
+            </a:avLst>
+          </a:prstGeom>
+          <a:solidFill>
+            <a:schemeClr val="bg1"/>
+          </a:solidFill>
+          <a:ln>
+            <a:noFill/>
+          </a:ln>
+        </p:spPr>
+        <p:style>
+          <a:lnRef idx="2">
+            <a:schemeClr val="accent1">
+              <a:shade val="50000"/>
+            </a:schemeClr>
+          </a:lnRef>
+          <a:fillRef idx="1">
+            <a:schemeClr val="accent1"/>
+          </a:fillRef>
+          <a:effectRef idx="0">
+            <a:schemeClr val="accent1"/>
+          </a:effectRef>
+          <a:fontRef idx="minor">
+            <a:schemeClr val="lt1"/>
+          </a:fontRef>
+        </p:style>
+        <p:txBody>
+          <a:bodyPr rtlCol="0" anchor="ctr"/>
+          <a:p>
+            <a:pPr algn="ctr"/>
+            <a:endParaRPr lang="en-US"/>
+          </a:p>
+        </p:txBody>
+      </p:sp>
+      <p:sp>
+        <p:nvSpPr>
+          <p:cNvPr id="9" name="Text Box 8"/>
+          <p:cNvSpPr txBox="1"/>
+          <p:nvPr/>
+        </p:nvSpPr>
+        <p:spPr>
+          <a:xfrm>
+            <a:off x="8587741" y="5146675"/>
+            <a:ext cx="3031490" cy="398780"/>
+          </a:xfrm>
+          <a:prstGeom prst="rect">
+            <a:avLst/>
+          </a:prstGeom>
+          <a:noFill/>
+        </p:spPr>
+        <p:txBody>
+          <a:bodyPr wrap="none" rtlCol="0">
+            <a:spAutoFit/>
+          </a:bodyPr>
+          <a:p>
+            <a:pPr algn="ctr"/>
+            <a:r>
+              <a:rPr lang="de-DE" altLang="en-US" sz="2000" b="1" i="1">
+                <a:latin typeface="Calibri" charset="0"/>
+                <a:sym typeface="+mn-ea"/>
+              </a:rPr>
+              <a:t>computation_time &lt; 1 </a:t>
+            </a:r>
+            <a:r>
+              <a:rPr lang="de-DE" altLang="en-US" sz="2000" b="1">
+                <a:latin typeface="Calibri" charset="0"/>
+                <a:sym typeface="+mn-ea"/>
+              </a:rPr>
+              <a:t>s</a:t>
+            </a:r>
+            <a:endParaRPr lang="de-DE" altLang="en-US" sz="2000" b="1" i="1">
+              <a:latin typeface="Calibri" charset="0"/>
+            </a:endParaRPr>
+          </a:p>
+        </p:txBody>
+      </p:sp>
+      <p:sp>
+        <p:nvSpPr>
+          <p:cNvPr id="3" name="Date Placeholder 2"/>
+          <p:cNvSpPr>
+            <a:spLocks noGrp="1"/>
+          </p:cNvSpPr>
+          <p:nvPr>
+            <p:ph type="dt" sz="half" idx="10"/>
+          </p:nvPr>
+        </p:nvSpPr>
+        <p:spPr/>
+        <p:txBody>
+          <a:bodyPr/>
+          <a:p>
+            <a:fld id="{760FBDFE-C587-4B4C-A407-44438C67B59E}" type="datetime1">
+              <a:rPr lang="en-US" altLang="en-US" smtClean="0"/>
+            </a:fld>
+            <a:endParaRPr lang="zh-CN" altLang="en-US"/>
+          </a:p>
+        </p:txBody>
+      </p:sp>
+      <p:sp>
+        <p:nvSpPr>
+          <p:cNvPr id="12" name="Slide Number Placeholder 11"/>
+          <p:cNvSpPr>
+            <a:spLocks noGrp="1"/>
+          </p:cNvSpPr>
+          <p:nvPr>
+            <p:ph type="sldNum" sz="quarter" idx="12"/>
+          </p:nvPr>
+        </p:nvSpPr>
+        <p:spPr/>
+        <p:txBody>
+          <a:bodyPr/>
+          <a:p>
+            <a:fld id="{49AE70B2-8BF9-45C0-BB95-33D1B9D3A854}" type="slidenum">
+              <a:rPr lang="zh-CN" altLang="en-US" smtClean="0"/>
+            </a:fld>
+            <a:endParaRPr lang="zh-CN" altLang="en-US"/>
+          </a:p>
+        </p:txBody>
+      </p:sp>
+      <p:sp>
+        <p:nvSpPr>
+          <p:cNvPr id="13" name="Footer Placeholder 12"/>
+          <p:cNvSpPr>
+            <a:spLocks noGrp="1"/>
+          </p:cNvSpPr>
+          <p:nvPr>
+            <p:ph type="ftr" sz="quarter" idx="11"/>
+          </p:nvPr>
+        </p:nvSpPr>
+        <p:spPr/>
+        <p:txBody>
+          <a:bodyPr/>
+          <a:p>
+            <a:r>
+              <a:rPr lang="de-DE" altLang="zh-CN">
+                <a:sym typeface="+mn-ea"/>
+              </a:rPr>
+              <a:t>Real-Time Time-Optimal Spacecraft Attitude Control</a:t>
+            </a:r>
+            <a:endParaRPr lang="zh-CN" altLang="en-US"/>
+          </a:p>
+        </p:txBody>
+      </p:sp>
+      <p:sp>
+        <p:nvSpPr>
+          <p:cNvPr id="2" name="Title 1"/>
+          <p:cNvSpPr>
+            <a:spLocks noGrp="1"/>
+          </p:cNvSpPr>
+          <p:nvPr>
+            <p:ph type="title"/>
+          </p:nvPr>
+        </p:nvSpPr>
+        <p:spPr/>
+        <p:txBody>
+          <a:bodyPr/>
+          <a:p>
+            <a:r>
+              <a:rPr lang="de-DE" altLang="en-US" sz="4400">
+                <a:latin typeface="Arial Black" panose="020B0A04020102020204" charset="0"/>
+                <a:cs typeface="Arial Black" panose="020B0A04020102020204" charset="0"/>
+              </a:rPr>
+              <a:t>Methodology</a:t>
+            </a:r>
+            <a:endParaRPr lang="de-DE" altLang="en-US" sz="4400">
+              <a:latin typeface="Arial Black" panose="020B0A04020102020204" charset="0"/>
+              <a:cs typeface="Arial Black" panose="020B0A04020102020204" charset="0"/>
+            </a:endParaRPr>
+          </a:p>
+        </p:txBody>
+      </p:sp>
+      <p:sp>
+        <p:nvSpPr>
+          <p:cNvPr id="5" name="Text Box 4"/>
+          <p:cNvSpPr txBox="1"/>
+          <p:nvPr/>
+        </p:nvSpPr>
+        <p:spPr>
+          <a:xfrm>
+            <a:off x="647700" y="1762125"/>
+            <a:ext cx="6860540" cy="1198880"/>
+          </a:xfrm>
+          <a:prstGeom prst="rect">
+            <a:avLst/>
+          </a:prstGeom>
+          <a:noFill/>
+        </p:spPr>
+        <p:txBody>
+          <a:bodyPr wrap="square" rtlCol="0">
+            <a:spAutoFit/>
+          </a:bodyPr>
+          <a:p>
+            <a:pPr marL="342900" indent="-342900">
+              <a:lnSpc>
+                <a:spcPct val="200000"/>
+              </a:lnSpc>
+              <a:buFont typeface="+mj-lt"/>
+              <a:buAutoNum type="arabicPeriod" startAt="3"/>
+            </a:pPr>
+            <a:r>
+              <a:rPr lang="de-DE" altLang="en-US">
+                <a:latin typeface="+mn-ea"/>
+                <a:cs typeface="+mn-ea"/>
+              </a:rPr>
+              <a:t>Choose OCP solver architecture</a:t>
+            </a:r>
+            <a:endParaRPr lang="de-DE" altLang="en-US">
+              <a:latin typeface="+mn-ea"/>
+              <a:cs typeface="+mn-ea"/>
+            </a:endParaRPr>
+          </a:p>
+          <a:p>
+            <a:pPr marL="800100" lvl="1" indent="-342900">
+              <a:lnSpc>
+                <a:spcPct val="200000"/>
+              </a:lnSpc>
+              <a:buFont typeface="+mj-lt"/>
+              <a:buAutoNum type="arabicPeriod"/>
+            </a:pPr>
+            <a:r>
+              <a:rPr lang="en-US" altLang="de-DE">
+                <a:latin typeface="+mn-ea"/>
+                <a:cs typeface="+mn-ea"/>
+              </a:rPr>
+              <a:t>Solving methods:</a:t>
+            </a:r>
+            <a:endParaRPr lang="en-US" altLang="de-DE">
+              <a:latin typeface="+mn-ea"/>
+              <a:cs typeface="+mn-ea"/>
+            </a:endParaRPr>
+          </a:p>
+        </p:txBody>
+      </p:sp>
+      <p:graphicFrame>
+        <p:nvGraphicFramePr>
+          <p:cNvPr id="7" name="Table 6"/>
+          <p:cNvGraphicFramePr/>
+          <p:nvPr/>
+        </p:nvGraphicFramePr>
+        <p:xfrm>
+          <a:off x="647700" y="3370580"/>
+          <a:ext cx="7383145" cy="2270760"/>
+        </p:xfrm>
+        <a:graphic>
+          <a:graphicData uri="http://schemas.openxmlformats.org/drawingml/2006/table">
+            <a:tbl>
+              <a:tblPr firstRow="1" bandRow="1">
+                <a:tableStyleId>{5C22544A-7EE6-4342-B048-85BDC9FD1C3A}</a:tableStyleId>
+              </a:tblPr>
+              <a:tblGrid>
+                <a:gridCol w="1449705"/>
+                <a:gridCol w="2947670"/>
+                <a:gridCol w="2985770"/>
+              </a:tblGrid>
+              <a:tr h="378460">
+                <a:tc>
+                  <a:txBody>
+                    <a:bodyPr/>
+                    <a:p>
+                      <a:pPr>
+                        <a:buNone/>
+                      </a:pPr>
+                      <a:endParaRPr lang="en-US"/>
+                    </a:p>
+                  </a:txBody>
+                  <a:tcPr anchor="ctr" anchorCtr="0">
+                    <a:lnL>
+                      <a:noFill/>
+                    </a:lnL>
+                    <a:lnR w="38100" cmpd="sng">
+                      <a:solidFill>
+                        <a:schemeClr val="tx1"/>
+                      </a:solidFill>
+                      <a:prstDash val="solid"/>
+                    </a:lnR>
+                    <a:lnT>
+                      <a:noFill/>
+                    </a:lnT>
+                    <a:noFill/>
+                  </a:tcPr>
+                </a:tc>
+                <a:tc>
+                  <a:txBody>
+                    <a:bodyPr/>
+                    <a:p>
+                      <a:pPr algn="ctr">
+                        <a:buNone/>
+                      </a:pPr>
+                      <a:r>
+                        <a:rPr lang="en-US"/>
+                        <a:t>Direct</a:t>
+                      </a:r>
+                      <a:endParaRPr lang="en-US"/>
+                    </a:p>
+                  </a:txBody>
+                  <a:tcPr anchor="ctr" anchorCtr="0">
+                    <a:lnL w="38100" cmpd="sng">
+                      <a:solidFill>
+                        <a:schemeClr val="tx1"/>
+                      </a:solidFill>
+                      <a:prstDash val="solid"/>
+                    </a:lnL>
+                    <a:lnT w="38100" cmpd="sng">
+                      <a:solidFill>
+                        <a:schemeClr val="tx1"/>
+                      </a:solidFill>
+                      <a:prstDash val="solid"/>
+                    </a:lnT>
+                  </a:tcPr>
+                </a:tc>
+                <a:tc>
+                  <a:txBody>
+                    <a:bodyPr/>
+                    <a:p>
+                      <a:pPr algn="ctr">
+                        <a:buNone/>
+                      </a:pPr>
+                      <a:r>
+                        <a:rPr lang="en-US"/>
+                        <a:t>Indirect</a:t>
+                      </a:r>
+                      <a:endParaRPr lang="en-US"/>
+                    </a:p>
+                  </a:txBody>
+                  <a:tcPr anchor="ctr" anchorCtr="0">
+                    <a:lnR w="38100" cmpd="sng">
+                      <a:solidFill>
+                        <a:schemeClr val="tx1"/>
+                      </a:solidFill>
+                      <a:prstDash val="solid"/>
+                    </a:lnR>
+                    <a:lnT w="38100" cmpd="sng">
+                      <a:solidFill>
+                        <a:schemeClr val="tx1"/>
+                      </a:solidFill>
+                      <a:prstDash val="solid"/>
+                    </a:lnT>
+                  </a:tcPr>
+                </a:tc>
+              </a:tr>
+              <a:tr h="378460">
+                <a:tc>
+                  <a:txBody>
+                    <a:bodyPr/>
+                    <a:p>
+                      <a:pPr>
+                        <a:buNone/>
+                      </a:pPr>
+                      <a:r>
+                        <a:rPr lang="en-US" sz="1400">
+                          <a:solidFill>
+                            <a:schemeClr val="bg1"/>
+                          </a:solidFill>
+                        </a:rPr>
+                        <a:t>Approach</a:t>
+                      </a:r>
+                      <a:endParaRPr lang="en-US" sz="1400">
+                        <a:solidFill>
+                          <a:schemeClr val="bg1"/>
+                        </a:solidFill>
+                      </a:endParaRPr>
+                    </a:p>
+                  </a:txBody>
+                  <a:tcPr anchor="ctr" anchorCtr="0">
+                    <a:lnL w="38100" cmpd="sng">
+                      <a:solidFill>
+                        <a:schemeClr val="tx1"/>
+                      </a:solidFill>
+                      <a:prstDash val="solid"/>
+                    </a:lnL>
+                    <a:lnR w="38100" cmpd="sng">
+                      <a:solidFill>
+                        <a:schemeClr val="tx1"/>
+                      </a:solidFill>
+                      <a:prstDash val="solid"/>
+                    </a:lnR>
+                    <a:solidFill>
+                      <a:schemeClr val="accent1"/>
+                    </a:solidFill>
+                  </a:tcPr>
+                </a:tc>
+                <a:tc>
+                  <a:txBody>
+                    <a:bodyPr/>
+                    <a:p>
+                      <a:pPr>
+                        <a:buNone/>
+                      </a:pPr>
+                      <a:r>
+                        <a:rPr lang="en-US" sz="1200">
+                          <a:solidFill>
+                            <a:srgbClr val="000000"/>
+                          </a:solidFill>
+                          <a:cs typeface="+mn-lt"/>
+                          <a:sym typeface="+mn-ea"/>
+                        </a:rPr>
+                        <a:t>Discretize → Optimize</a:t>
+                      </a:r>
+                      <a:endParaRPr lang="en-US" sz="1200">
+                        <a:solidFill>
+                          <a:srgbClr val="000000"/>
+                        </a:solidFill>
+                        <a:cs typeface="+mn-lt"/>
+                        <a:sym typeface="+mn-ea"/>
+                      </a:endParaRPr>
+                    </a:p>
+                  </a:txBody>
+                  <a:tcPr anchor="ctr" anchorCtr="0">
+                    <a:lnL w="38100" cmpd="sng">
+                      <a:solidFill>
+                        <a:schemeClr val="tx1"/>
+                      </a:solidFill>
+                      <a:prstDash val="solid"/>
+                    </a:lnL>
+                  </a:tcPr>
+                </a:tc>
+                <a:tc>
+                  <a:txBody>
+                    <a:bodyPr/>
+                    <a:p>
+                      <a:pPr>
+                        <a:buNone/>
+                      </a:pPr>
+                      <a:r>
+                        <a:rPr lang="en-US" sz="1200">
+                          <a:solidFill>
+                            <a:srgbClr val="000000"/>
+                          </a:solidFill>
+                          <a:cs typeface="+mn-lt"/>
+                          <a:sym typeface="+mn-ea"/>
+                        </a:rPr>
+                        <a:t>Derive optimality conditions → Discretize</a:t>
+                      </a:r>
+                      <a:endParaRPr lang="en-US" sz="1200">
+                        <a:solidFill>
+                          <a:srgbClr val="000000"/>
+                        </a:solidFill>
+                        <a:cs typeface="+mn-lt"/>
+                        <a:sym typeface="+mn-ea"/>
+                      </a:endParaRPr>
+                    </a:p>
+                  </a:txBody>
+                  <a:tcPr anchor="ctr" anchorCtr="0">
+                    <a:lnR w="38100" cmpd="sng">
+                      <a:solidFill>
+                        <a:schemeClr val="tx1"/>
+                      </a:solidFill>
+                      <a:prstDash val="solid"/>
+                    </a:lnR>
+                  </a:tcPr>
+                </a:tc>
+              </a:tr>
+              <a:tr h="378460">
+                <a:tc>
+                  <a:txBody>
+                    <a:bodyPr/>
+                    <a:p>
+                      <a:pPr>
+                        <a:buNone/>
+                      </a:pPr>
+                      <a:r>
+                        <a:rPr lang="en-US" sz="1400">
+                          <a:solidFill>
+                            <a:schemeClr val="bg1"/>
+                          </a:solidFill>
+                        </a:rPr>
+                        <a:t>Robustness</a:t>
+                      </a:r>
+                      <a:endParaRPr lang="en-US" sz="1400">
+                        <a:solidFill>
+                          <a:schemeClr val="bg1"/>
+                        </a:solidFill>
+                      </a:endParaRPr>
+                    </a:p>
+                  </a:txBody>
+                  <a:tcPr anchor="ctr" anchorCtr="0">
+                    <a:lnL w="38100" cmpd="sng">
+                      <a:solidFill>
+                        <a:schemeClr val="tx1"/>
+                      </a:solidFill>
+                      <a:prstDash val="solid"/>
+                    </a:lnL>
+                    <a:lnR w="38100" cmpd="sng">
+                      <a:solidFill>
+                        <a:schemeClr val="tx1"/>
+                      </a:solidFill>
+                      <a:prstDash val="solid"/>
+                    </a:lnR>
+                    <a:solidFill>
+                      <a:schemeClr val="accent1"/>
+                    </a:solidFill>
+                  </a:tcPr>
+                </a:tc>
+                <a:tc>
+                  <a:txBody>
+                    <a:bodyPr/>
+                    <a:p>
+                      <a:pPr>
+                        <a:buNone/>
+                      </a:pPr>
+                      <a:r>
+                        <a:rPr lang="en-US" sz="1200">
+                          <a:solidFill>
+                            <a:srgbClr val="000000"/>
+                          </a:solidFill>
+                          <a:cs typeface="+mn-lt"/>
+                        </a:rPr>
+                        <a:t>Can converge even with bad initial guess</a:t>
+                      </a:r>
+                      <a:endParaRPr lang="en-US" sz="1200">
+                        <a:solidFill>
+                          <a:srgbClr val="000000"/>
+                        </a:solidFill>
+                        <a:cs typeface="+mn-lt"/>
+                      </a:endParaRPr>
+                    </a:p>
+                  </a:txBody>
+                  <a:tcPr anchor="ctr" anchorCtr="0">
+                    <a:lnL w="38100" cmpd="sng">
+                      <a:solidFill>
+                        <a:schemeClr val="tx1"/>
+                      </a:solidFill>
+                      <a:prstDash val="solid"/>
+                    </a:lnL>
+                  </a:tcPr>
+                </a:tc>
+                <a:tc>
+                  <a:txBody>
+                    <a:bodyPr/>
+                    <a:p>
+                      <a:pPr>
+                        <a:buNone/>
+                      </a:pPr>
+                      <a:r>
+                        <a:rPr lang="en-US" sz="1200">
+                          <a:solidFill>
+                            <a:srgbClr val="000000"/>
+                          </a:solidFill>
+                          <a:cs typeface="+mn-lt"/>
+                        </a:rPr>
+                        <a:t>Sensitive to initial guess</a:t>
+                      </a:r>
+                      <a:endParaRPr lang="en-US" sz="1200">
+                        <a:solidFill>
+                          <a:srgbClr val="000000"/>
+                        </a:solidFill>
+                        <a:cs typeface="+mn-lt"/>
+                      </a:endParaRPr>
+                    </a:p>
+                  </a:txBody>
+                  <a:tcPr anchor="ctr" anchorCtr="0">
+                    <a:lnR w="38100" cmpd="sng">
+                      <a:solidFill>
+                        <a:schemeClr val="tx1"/>
+                      </a:solidFill>
+                      <a:prstDash val="solid"/>
+                    </a:lnR>
+                  </a:tcPr>
+                </a:tc>
+              </a:tr>
+              <a:tr h="378460">
+                <a:tc>
+                  <a:txBody>
+                    <a:bodyPr/>
+                    <a:p>
+                      <a:pPr>
+                        <a:buNone/>
+                      </a:pPr>
+                      <a:r>
+                        <a:rPr lang="en-US" sz="1400">
+                          <a:solidFill>
+                            <a:schemeClr val="bg1"/>
+                          </a:solidFill>
+                        </a:rPr>
+                        <a:t>Implementation</a:t>
+                      </a:r>
+                      <a:endParaRPr lang="en-US" sz="1400">
+                        <a:solidFill>
+                          <a:schemeClr val="bg1"/>
+                        </a:solidFill>
+                      </a:endParaRPr>
+                    </a:p>
+                  </a:txBody>
+                  <a:tcPr anchor="ctr" anchorCtr="0">
+                    <a:lnL w="38100" cmpd="sng">
+                      <a:solidFill>
+                        <a:schemeClr val="tx1"/>
+                      </a:solidFill>
+                      <a:prstDash val="solid"/>
+                    </a:lnL>
+                    <a:lnR w="38100" cmpd="sng">
+                      <a:solidFill>
+                        <a:schemeClr val="tx1"/>
+                      </a:solidFill>
+                      <a:prstDash val="solid"/>
+                    </a:lnR>
+                    <a:solidFill>
+                      <a:schemeClr val="accent1"/>
+                    </a:solidFill>
+                  </a:tcPr>
+                </a:tc>
+                <a:tc>
+                  <a:txBody>
+                    <a:bodyPr/>
+                    <a:p>
+                      <a:pPr>
+                        <a:buNone/>
+                      </a:pPr>
+                      <a:r>
+                        <a:rPr lang="en-US" sz="1200">
+                          <a:solidFill>
+                            <a:srgbClr val="000000"/>
+                          </a:solidFill>
+                          <a:cs typeface="+mn-lt"/>
+                        </a:rPr>
+                        <a:t>Easier</a:t>
+                      </a:r>
+                      <a:endParaRPr lang="en-US" sz="1200">
+                        <a:solidFill>
+                          <a:srgbClr val="000000"/>
+                        </a:solidFill>
+                        <a:cs typeface="+mn-lt"/>
+                      </a:endParaRPr>
+                    </a:p>
+                  </a:txBody>
+                  <a:tcPr anchor="ctr" anchorCtr="0">
+                    <a:lnL w="38100" cmpd="sng">
+                      <a:solidFill>
+                        <a:schemeClr val="tx1"/>
+                      </a:solidFill>
+                      <a:prstDash val="solid"/>
+                    </a:lnL>
+                  </a:tcPr>
+                </a:tc>
+                <a:tc>
+                  <a:txBody>
+                    <a:bodyPr/>
+                    <a:p>
+                      <a:pPr>
+                        <a:buNone/>
+                      </a:pPr>
+                      <a:r>
+                        <a:rPr lang="en-US" sz="1200">
+                          <a:solidFill>
+                            <a:srgbClr val="000000"/>
+                          </a:solidFill>
+                          <a:cs typeface="+mn-lt"/>
+                        </a:rPr>
+                        <a:t>More complex</a:t>
+                      </a:r>
+                      <a:endParaRPr lang="en-US" sz="1200">
+                        <a:solidFill>
+                          <a:srgbClr val="000000"/>
+                        </a:solidFill>
+                        <a:cs typeface="+mn-lt"/>
+                      </a:endParaRPr>
+                    </a:p>
+                  </a:txBody>
+                  <a:tcPr anchor="ctr" anchorCtr="0">
+                    <a:lnR w="38100" cmpd="sng">
+                      <a:solidFill>
+                        <a:schemeClr val="tx1"/>
+                      </a:solidFill>
+                      <a:prstDash val="solid"/>
+                    </a:lnR>
+                  </a:tcPr>
+                </a:tc>
+              </a:tr>
+              <a:tr h="378460">
+                <a:tc>
+                  <a:txBody>
+                    <a:bodyPr/>
+                    <a:p>
+                      <a:pPr>
+                        <a:buNone/>
+                      </a:pPr>
+                      <a:r>
+                        <a:rPr lang="en-US" sz="1400">
+                          <a:solidFill>
+                            <a:schemeClr val="bg1"/>
+                          </a:solidFill>
+                        </a:rPr>
+                        <a:t>Optimality</a:t>
+                      </a:r>
+                      <a:endParaRPr lang="en-US" sz="1400">
+                        <a:solidFill>
+                          <a:schemeClr val="bg1"/>
+                        </a:solidFill>
+                      </a:endParaRPr>
+                    </a:p>
+                  </a:txBody>
+                  <a:tcPr anchor="ctr" anchorCtr="0">
+                    <a:lnL w="38100" cmpd="sng">
+                      <a:solidFill>
+                        <a:schemeClr val="tx1"/>
+                      </a:solidFill>
+                      <a:prstDash val="solid"/>
+                    </a:lnL>
+                    <a:lnR w="38100" cmpd="sng">
+                      <a:solidFill>
+                        <a:schemeClr val="tx1"/>
+                      </a:solidFill>
+                      <a:prstDash val="solid"/>
+                    </a:lnR>
+                    <a:solidFill>
+                      <a:schemeClr val="accent1"/>
+                    </a:solidFill>
+                  </a:tcPr>
+                </a:tc>
+                <a:tc>
+                  <a:txBody>
+                    <a:bodyPr/>
+                    <a:p>
+                      <a:pPr>
+                        <a:buNone/>
+                      </a:pPr>
+                      <a:r>
+                        <a:rPr lang="en-US" sz="1200">
+                          <a:solidFill>
+                            <a:srgbClr val="000000"/>
+                          </a:solidFill>
+                          <a:cs typeface="+mn-lt"/>
+                        </a:rPr>
+                        <a:t>Approximate solution</a:t>
+                      </a:r>
+                      <a:endParaRPr lang="en-US" sz="1200">
+                        <a:solidFill>
+                          <a:srgbClr val="000000"/>
+                        </a:solidFill>
+                        <a:cs typeface="+mn-lt"/>
+                      </a:endParaRPr>
+                    </a:p>
+                  </a:txBody>
+                  <a:tcPr anchor="ctr" anchorCtr="0">
+                    <a:lnL w="38100" cmpd="sng">
+                      <a:solidFill>
+                        <a:schemeClr val="tx1"/>
+                      </a:solidFill>
+                      <a:prstDash val="solid"/>
+                    </a:lnL>
+                  </a:tcPr>
+                </a:tc>
+                <a:tc>
+                  <a:txBody>
+                    <a:bodyPr/>
+                    <a:p>
+                      <a:pPr>
+                        <a:buNone/>
+                      </a:pPr>
+                      <a:r>
+                        <a:rPr lang="en-US" sz="1200">
+                          <a:solidFill>
+                            <a:srgbClr val="000000"/>
+                          </a:solidFill>
+                          <a:cs typeface="+mn-lt"/>
+                        </a:rPr>
+                        <a:t>Potentially exact</a:t>
+                      </a:r>
+                      <a:endParaRPr lang="en-US" sz="1200">
+                        <a:solidFill>
+                          <a:srgbClr val="000000"/>
+                        </a:solidFill>
+                        <a:cs typeface="+mn-lt"/>
+                      </a:endParaRPr>
+                    </a:p>
+                  </a:txBody>
+                  <a:tcPr anchor="ctr" anchorCtr="0">
+                    <a:lnR w="38100" cmpd="sng">
+                      <a:solidFill>
+                        <a:schemeClr val="tx1"/>
+                      </a:solidFill>
+                      <a:prstDash val="solid"/>
+                    </a:lnR>
+                  </a:tcPr>
+                </a:tc>
+              </a:tr>
+              <a:tr h="378460">
+                <a:tc>
+                  <a:txBody>
+                    <a:bodyPr/>
+                    <a:p>
+                      <a:pPr>
+                        <a:buNone/>
+                      </a:pPr>
+                      <a:r>
+                        <a:rPr lang="en-US" sz="1400">
+                          <a:solidFill>
+                            <a:schemeClr val="bg1"/>
+                          </a:solidFill>
+                        </a:rPr>
+                        <a:t>Solve speed</a:t>
+                      </a:r>
+                      <a:endParaRPr lang="en-US" sz="1400">
+                        <a:solidFill>
+                          <a:schemeClr val="bg1"/>
+                        </a:solidFill>
+                      </a:endParaRPr>
+                    </a:p>
+                  </a:txBody>
+                  <a:tcPr anchor="ctr" anchorCtr="0">
+                    <a:lnL w="38100" cmpd="sng">
+                      <a:solidFill>
+                        <a:schemeClr val="tx1"/>
+                      </a:solidFill>
+                      <a:prstDash val="solid"/>
+                    </a:lnL>
+                    <a:lnR w="38100" cmpd="sng">
+                      <a:solidFill>
+                        <a:schemeClr val="tx1"/>
+                      </a:solidFill>
+                      <a:prstDash val="solid"/>
+                    </a:lnR>
+                    <a:lnB w="38100" cmpd="sng">
+                      <a:solidFill>
+                        <a:schemeClr val="tx1"/>
+                      </a:solidFill>
+                      <a:prstDash val="solid"/>
+                    </a:lnB>
+                    <a:solidFill>
+                      <a:schemeClr val="accent1"/>
+                    </a:solidFill>
+                  </a:tcPr>
+                </a:tc>
+                <a:tc>
+                  <a:txBody>
+                    <a:bodyPr/>
+                    <a:p>
+                      <a:pPr>
+                        <a:buNone/>
+                      </a:pPr>
+                      <a:r>
+                        <a:rPr lang="en-US" sz="1200">
+                          <a:solidFill>
+                            <a:srgbClr val="000000"/>
+                          </a:solidFill>
+                          <a:cs typeface="+mn-lt"/>
+                        </a:rPr>
+                        <a:t>Real-time capable</a:t>
+                      </a:r>
+                      <a:endParaRPr lang="en-US" sz="1200">
+                        <a:solidFill>
+                          <a:srgbClr val="000000"/>
+                        </a:solidFill>
+                        <a:cs typeface="+mn-lt"/>
+                      </a:endParaRPr>
+                    </a:p>
+                  </a:txBody>
+                  <a:tcPr anchor="ctr" anchorCtr="0">
+                    <a:lnL w="38100" cmpd="sng">
+                      <a:solidFill>
+                        <a:schemeClr val="tx1"/>
+                      </a:solidFill>
+                      <a:prstDash val="solid"/>
+                    </a:lnL>
+                    <a:lnB w="38100" cmpd="sng">
+                      <a:solidFill>
+                        <a:schemeClr val="tx1"/>
+                      </a:solidFill>
+                      <a:prstDash val="solid"/>
+                    </a:lnB>
+                  </a:tcPr>
+                </a:tc>
+                <a:tc>
+                  <a:txBody>
+                    <a:bodyPr/>
+                    <a:p>
+                      <a:pPr>
+                        <a:buNone/>
+                      </a:pPr>
+                      <a:r>
+                        <a:rPr lang="en-US" sz="1200">
+                          <a:solidFill>
+                            <a:srgbClr val="000000"/>
+                          </a:solidFill>
+                          <a:cs typeface="+mn-lt"/>
+                        </a:rPr>
+                        <a:t>Slow</a:t>
+                      </a:r>
+                      <a:endParaRPr lang="en-US" sz="1200">
+                        <a:solidFill>
+                          <a:srgbClr val="000000"/>
+                        </a:solidFill>
+                        <a:cs typeface="+mn-lt"/>
+                      </a:endParaRPr>
+                    </a:p>
+                  </a:txBody>
+                  <a:tcPr anchor="ctr" anchorCtr="0">
+                    <a:lnR w="38100" cmpd="sng">
+                      <a:solidFill>
+                        <a:schemeClr val="tx1"/>
+                      </a:solidFill>
+                      <a:prstDash val="solid"/>
+                    </a:lnR>
+                    <a:lnB w="38100" cmpd="sng">
+                      <a:solidFill>
+                        <a:schemeClr val="tx1"/>
+                      </a:solidFill>
+                      <a:prstDash val="solid"/>
+                    </a:lnB>
+                  </a:tcPr>
+                </a:tc>
+              </a:tr>
+            </a:tbl>
+          </a:graphicData>
+        </a:graphic>
+      </p:graphicFrame>
+    </p:spTree>
+  </p:cSld>
+  <p:clrMapOvr>
+    <a:masterClrMapping/>
+  </p:clrMapOvr>
+  <mc:AlternateContent xmlns:mc="http://schemas.openxmlformats.org/markup-compatibility/2006">
+    <mc:Choice xmlns:p14="http://schemas.microsoft.com/office/powerpoint/2010/main" Requires="p14">
+      <p:transition spd="slow" p14:dur="2000"/>
+    </mc:Choice>
+    <mc:Fallback>
+      <p:transition spd="slow"/>
+    </mc:Fallback>
+  </mc:AlternateContent>
+  <p:timing>
+    <p:tnLst>
+      <p:par>
+        <p:cTn id="1" dur="indefinite" restart="never" nodeType="tmRoot"/>
+      </p:par>
+    </p:tnLst>
+  </p:timing>
+</p:sld>
+</file>
+
+<file path=ppt/slides/slide5.xml><?xml version="1.0" encoding="utf-8"?>
+<p:sld xmlns:a="http://schemas.openxmlformats.org/drawingml/2006/main" xmlns:r="http://schemas.openxmlformats.org/officeDocument/2006/relationships" xmlns:p="http://schemas.openxmlformats.org/presentationml/2006/main">
+  <p:cSld>
+    <p:spTree>
+      <p:nvGrpSpPr>
+        <p:cNvPr id="1" name=""/>
+        <p:cNvGrpSpPr/>
+        <p:nvPr/>
+      </p:nvGrpSpPr>
+      <p:grpSpPr/>
+      <p:sp>
+        <p:nvSpPr>
+          <p:cNvPr id="6" name="Oval 5"/>
+          <p:cNvSpPr/>
+          <p:nvPr/>
+        </p:nvSpPr>
+        <p:spPr>
+          <a:xfrm>
+            <a:off x="9732010" y="1922780"/>
+            <a:ext cx="743585" cy="743585"/>
+          </a:xfrm>
+          <a:prstGeom prst="ellipse">
+            <a:avLst/>
+          </a:prstGeom>
+          <a:solidFill>
+            <a:schemeClr val="bg1"/>
+          </a:solidFill>
+          <a:ln>
+            <a:noFill/>
+          </a:ln>
+        </p:spPr>
+        <p:style>
+          <a:lnRef idx="2">
+            <a:schemeClr val="accent1">
+              <a:shade val="50000"/>
+            </a:schemeClr>
+          </a:lnRef>
+          <a:fillRef idx="1">
+            <a:schemeClr val="accent1"/>
+          </a:fillRef>
+          <a:effectRef idx="0">
+            <a:schemeClr val="accent1"/>
+          </a:effectRef>
+          <a:fontRef idx="minor">
+            <a:schemeClr val="lt1"/>
+          </a:fontRef>
+        </p:style>
+        <p:txBody>
+          <a:bodyPr rtlCol="0" anchor="ctr"/>
+          <a:p>
+            <a:pPr algn="ctr"/>
+            <a:r>
+              <a:rPr lang="de-DE" altLang="en-US" sz="2000" b="1">
+                <a:solidFill>
+                  <a:srgbClr val="000000"/>
+                </a:solidFill>
+                <a:cs typeface="+mn-lt"/>
+              </a:rPr>
+              <a:t>2</a:t>
+            </a:r>
+            <a:r>
+              <a:rPr lang="de-DE" altLang="en-US" sz="2000" b="1" baseline="50000">
+                <a:solidFill>
+                  <a:srgbClr val="000000"/>
+                </a:solidFill>
+                <a:uFillTx/>
+                <a:cs typeface="+mn-lt"/>
+              </a:rPr>
+              <a:t>nd</a:t>
+            </a:r>
+            <a:endParaRPr lang="de-DE" altLang="en-US" sz="2000" b="1" baseline="50000">
+              <a:solidFill>
+                <a:srgbClr val="000000"/>
+              </a:solidFill>
+              <a:uFillTx/>
+              <a:cs typeface="+mn-lt"/>
+            </a:endParaRPr>
+          </a:p>
+        </p:txBody>
+      </p:sp>
+      <p:sp>
+        <p:nvSpPr>
+          <p:cNvPr id="4" name="Rounded Rectangle 3"/>
+          <p:cNvSpPr/>
+          <p:nvPr/>
+        </p:nvSpPr>
+        <p:spPr>
+          <a:xfrm>
+            <a:off x="8711565" y="2530475"/>
+            <a:ext cx="2784475" cy="1570990"/>
+          </a:xfrm>
+          <a:prstGeom prst="roundRect">
+            <a:avLst/>
+          </a:prstGeom>
+          <a:solidFill>
+            <a:srgbClr val="002060"/>
+          </a:solidFill>
+          <a:ln w="47625">
+            <a:solidFill>
+              <a:schemeClr val="bg1"/>
+            </a:solidFill>
+          </a:ln>
+        </p:spPr>
+        <p:style>
+          <a:lnRef idx="2">
+            <a:schemeClr val="accent1">
+              <a:shade val="50000"/>
+            </a:schemeClr>
+          </a:lnRef>
+          <a:fillRef idx="1">
+            <a:schemeClr val="accent1"/>
+          </a:fillRef>
+          <a:effectRef idx="0">
+            <a:schemeClr val="accent1"/>
+          </a:effectRef>
+          <a:fontRef idx="minor">
+            <a:schemeClr val="lt1"/>
+          </a:fontRef>
+        </p:style>
+        <p:txBody>
+          <a:bodyPr rtlCol="0" anchor="ctr"/>
+          <a:p>
+            <a:pPr algn="ctr"/>
+            <a:r>
+              <a:rPr lang="de-DE" altLang="en-US">
+                <a:latin typeface="Calibri" charset="0"/>
+                <a:sym typeface="+mn-ea"/>
+              </a:rPr>
+              <a:t>Robustly obtain solutions in less than 1 second</a:t>
+            </a:r>
+            <a:endParaRPr lang="de-DE" altLang="en-US">
+              <a:cs typeface="+mn-lt"/>
+            </a:endParaRPr>
+          </a:p>
+        </p:txBody>
+      </p:sp>
+      <p:sp>
+        <p:nvSpPr>
+          <p:cNvPr id="8" name="!!Down Arrow 7"/>
+          <p:cNvSpPr/>
+          <p:nvPr/>
+        </p:nvSpPr>
+        <p:spPr>
+          <a:xfrm>
+            <a:off x="9954895" y="4101465"/>
+            <a:ext cx="297815" cy="1045210"/>
+          </a:xfrm>
+          <a:prstGeom prst="downArrow">
+            <a:avLst>
+              <a:gd name="adj1" fmla="val 50000"/>
+              <a:gd name="adj2" fmla="val 85074"/>
+            </a:avLst>
+          </a:prstGeom>
+          <a:solidFill>
+            <a:schemeClr val="bg1"/>
+          </a:solidFill>
+          <a:ln>
+            <a:noFill/>
+          </a:ln>
+        </p:spPr>
+        <p:style>
+          <a:lnRef idx="2">
+            <a:schemeClr val="accent1">
+              <a:shade val="50000"/>
+            </a:schemeClr>
+          </a:lnRef>
+          <a:fillRef idx="1">
+            <a:schemeClr val="accent1"/>
+          </a:fillRef>
+          <a:effectRef idx="0">
+            <a:schemeClr val="accent1"/>
+          </a:effectRef>
+          <a:fontRef idx="minor">
+            <a:schemeClr val="lt1"/>
+          </a:fontRef>
+        </p:style>
+        <p:txBody>
+          <a:bodyPr rtlCol="0" anchor="ctr"/>
+          <a:p>
+            <a:pPr algn="ctr"/>
+            <a:endParaRPr lang="en-US"/>
+          </a:p>
+        </p:txBody>
+      </p:sp>
+      <p:sp>
+        <p:nvSpPr>
+          <p:cNvPr id="9" name="Text Box 8"/>
+          <p:cNvSpPr txBox="1"/>
+          <p:nvPr/>
+        </p:nvSpPr>
+        <p:spPr>
+          <a:xfrm>
+            <a:off x="8587741" y="5146675"/>
+            <a:ext cx="3031490" cy="398780"/>
+          </a:xfrm>
+          <a:prstGeom prst="rect">
+            <a:avLst/>
+          </a:prstGeom>
+          <a:noFill/>
+        </p:spPr>
+        <p:txBody>
+          <a:bodyPr wrap="none" rtlCol="0">
+            <a:spAutoFit/>
+          </a:bodyPr>
+          <a:p>
+            <a:pPr algn="ctr"/>
+            <a:r>
+              <a:rPr lang="de-DE" altLang="en-US" sz="2000" b="1" i="1">
+                <a:latin typeface="Calibri" charset="0"/>
+                <a:sym typeface="+mn-ea"/>
+              </a:rPr>
+              <a:t>computation_time &lt; 1 </a:t>
+            </a:r>
+            <a:r>
+              <a:rPr lang="de-DE" altLang="en-US" sz="2000" b="1">
+                <a:latin typeface="Calibri" charset="0"/>
+                <a:sym typeface="+mn-ea"/>
+              </a:rPr>
+              <a:t>s</a:t>
+            </a:r>
+            <a:endParaRPr lang="de-DE" altLang="en-US" sz="2000" b="1" i="1">
+              <a:latin typeface="Calibri" charset="0"/>
+            </a:endParaRPr>
+          </a:p>
+        </p:txBody>
+      </p:sp>
+      <p:sp>
+        <p:nvSpPr>
+          <p:cNvPr id="3" name="Date Placeholder 2"/>
+          <p:cNvSpPr>
+            <a:spLocks noGrp="1"/>
+          </p:cNvSpPr>
+          <p:nvPr>
+            <p:ph type="dt" sz="half" idx="10"/>
+          </p:nvPr>
+        </p:nvSpPr>
+        <p:spPr/>
+        <p:txBody>
+          <a:bodyPr/>
+          <a:p>
+            <a:fld id="{760FBDFE-C587-4B4C-A407-44438C67B59E}" type="datetime1">
+              <a:rPr lang="en-US" altLang="en-US" smtClean="0"/>
+            </a:fld>
+            <a:endParaRPr lang="zh-CN" altLang="en-US"/>
+          </a:p>
+        </p:txBody>
+      </p:sp>
+      <p:sp>
+        <p:nvSpPr>
+          <p:cNvPr id="12" name="Slide Number Placeholder 11"/>
+          <p:cNvSpPr>
+            <a:spLocks noGrp="1"/>
+          </p:cNvSpPr>
+          <p:nvPr>
+            <p:ph type="sldNum" sz="quarter" idx="12"/>
+          </p:nvPr>
+        </p:nvSpPr>
+        <p:spPr/>
+        <p:txBody>
+          <a:bodyPr/>
+          <a:p>
+            <a:fld id="{49AE70B2-8BF9-45C0-BB95-33D1B9D3A854}" type="slidenum">
+              <a:rPr lang="zh-CN" altLang="en-US" smtClean="0"/>
+            </a:fld>
+            <a:endParaRPr lang="zh-CN" altLang="en-US"/>
+          </a:p>
+        </p:txBody>
+      </p:sp>
+      <p:sp>
+        <p:nvSpPr>
+          <p:cNvPr id="13" name="Footer Placeholder 12"/>
+          <p:cNvSpPr>
+            <a:spLocks noGrp="1"/>
+          </p:cNvSpPr>
+          <p:nvPr>
+            <p:ph type="ftr" sz="quarter" idx="11"/>
+          </p:nvPr>
+        </p:nvSpPr>
+        <p:spPr/>
+        <p:txBody>
+          <a:bodyPr/>
+          <a:p>
+            <a:r>
+              <a:rPr lang="de-DE" altLang="zh-CN">
+                <a:sym typeface="+mn-ea"/>
+              </a:rPr>
+              <a:t>Real-Time Time-Optimal Spacecraft Attitude Control</a:t>
+            </a:r>
+            <a:endParaRPr lang="zh-CN" altLang="en-US"/>
+          </a:p>
+        </p:txBody>
+      </p:sp>
+      <p:sp>
+        <p:nvSpPr>
+          <p:cNvPr id="2" name="Title 1"/>
+          <p:cNvSpPr>
+            <a:spLocks noGrp="1"/>
+          </p:cNvSpPr>
+          <p:nvPr>
+            <p:ph type="title"/>
+          </p:nvPr>
+        </p:nvSpPr>
+        <p:spPr/>
+        <p:txBody>
+          <a:bodyPr/>
+          <a:p>
+            <a:r>
+              <a:rPr lang="de-DE" altLang="en-US" sz="4400">
+                <a:latin typeface="Arial Black" panose="020B0A04020102020204" charset="0"/>
+                <a:cs typeface="Arial Black" panose="020B0A04020102020204" charset="0"/>
+              </a:rPr>
+              <a:t>Methodology</a:t>
+            </a:r>
+            <a:endParaRPr lang="de-DE" altLang="en-US" sz="4400">
+              <a:latin typeface="Arial Black" panose="020B0A04020102020204" charset="0"/>
+              <a:cs typeface="Arial Black" panose="020B0A04020102020204" charset="0"/>
+            </a:endParaRPr>
+          </a:p>
+        </p:txBody>
+      </p:sp>
+      <p:sp>
+        <p:nvSpPr>
+          <p:cNvPr id="5" name="Text Box 4"/>
+          <p:cNvSpPr txBox="1"/>
+          <p:nvPr/>
+        </p:nvSpPr>
+        <p:spPr>
+          <a:xfrm>
+            <a:off x="647700" y="1762125"/>
+            <a:ext cx="6860540" cy="4188460"/>
+          </a:xfrm>
+          <a:prstGeom prst="rect">
+            <a:avLst/>
+          </a:prstGeom>
+          <a:noFill/>
+        </p:spPr>
+        <p:txBody>
+          <a:bodyPr wrap="square" rtlCol="0">
+            <a:spAutoFit/>
+          </a:bodyPr>
+          <a:p>
+            <a:pPr marL="342900" indent="-342900">
+              <a:lnSpc>
+                <a:spcPct val="200000"/>
+              </a:lnSpc>
+              <a:buFont typeface="+mj-lt"/>
+              <a:buAutoNum type="arabicPeriod" startAt="3"/>
+            </a:pPr>
+            <a:r>
+              <a:rPr lang="de-DE" altLang="en-US">
+                <a:latin typeface="+mn-ea"/>
+                <a:cs typeface="+mn-ea"/>
+              </a:rPr>
+              <a:t>Choose OCP solver architecture</a:t>
+            </a:r>
+            <a:endParaRPr lang="de-DE" altLang="en-US">
+              <a:latin typeface="+mn-ea"/>
+              <a:cs typeface="+mn-ea"/>
+            </a:endParaRPr>
+          </a:p>
+          <a:p>
+            <a:pPr marL="800100" lvl="1" indent="-342900">
+              <a:lnSpc>
+                <a:spcPct val="200000"/>
+              </a:lnSpc>
+              <a:buFont typeface="+mj-lt"/>
+              <a:buAutoNum type="arabicPeriod" startAt="2"/>
+            </a:pPr>
+            <a:r>
+              <a:rPr lang="en-US" altLang="de-DE">
+                <a:latin typeface="+mn-ea"/>
+                <a:cs typeface="+mn-ea"/>
+              </a:rPr>
+              <a:t>Framework: CasADi</a:t>
+            </a:r>
+            <a:endParaRPr lang="en-US" altLang="de-DE">
+              <a:latin typeface="+mn-ea"/>
+              <a:cs typeface="+mn-ea"/>
+            </a:endParaRPr>
+          </a:p>
+          <a:p>
+            <a:pPr marL="1257300" lvl="2" indent="-342900">
+              <a:lnSpc>
+                <a:spcPct val="180000"/>
+              </a:lnSpc>
+              <a:buFont typeface="Arial" panose="020B0604020202020204" pitchFamily="34" charset="0"/>
+              <a:buChar char="•"/>
+            </a:pPr>
+            <a:r>
+              <a:rPr lang="en-US" altLang="de-DE">
+                <a:latin typeface="+mn-ea"/>
+                <a:cs typeface="+mn-ea"/>
+              </a:rPr>
+              <a:t>Open-source</a:t>
+            </a:r>
+            <a:endParaRPr lang="en-US" altLang="de-DE">
+              <a:latin typeface="+mn-ea"/>
+              <a:cs typeface="+mn-ea"/>
+            </a:endParaRPr>
+          </a:p>
+          <a:p>
+            <a:pPr marL="1257300" lvl="2" indent="-342900">
+              <a:lnSpc>
+                <a:spcPct val="180000"/>
+              </a:lnSpc>
+              <a:buFont typeface="Arial" panose="020B0604020202020204" pitchFamily="34" charset="0"/>
+              <a:buChar char="•"/>
+            </a:pPr>
+            <a:r>
+              <a:rPr lang="en-US" altLang="de-DE">
+                <a:latin typeface="+mn-ea"/>
+                <a:cs typeface="+mn-ea"/>
+              </a:rPr>
+              <a:t>Automatic differentiation</a:t>
+            </a:r>
+            <a:endParaRPr lang="en-US" altLang="de-DE">
+              <a:latin typeface="+mn-ea"/>
+              <a:cs typeface="+mn-ea"/>
+            </a:endParaRPr>
+          </a:p>
+          <a:p>
+            <a:pPr marL="1257300" lvl="2" indent="-342900">
+              <a:lnSpc>
+                <a:spcPct val="180000"/>
+              </a:lnSpc>
+              <a:buFont typeface="Arial" panose="020B0604020202020204" pitchFamily="34" charset="0"/>
+              <a:buChar char="•"/>
+            </a:pPr>
+            <a:r>
+              <a:rPr lang="en-US" altLang="de-DE">
+                <a:latin typeface="+mn-ea"/>
+                <a:cs typeface="+mn-ea"/>
+              </a:rPr>
+              <a:t>Simple NLP interface</a:t>
+            </a:r>
+            <a:endParaRPr lang="en-US" altLang="de-DE">
+              <a:latin typeface="+mn-ea"/>
+              <a:cs typeface="+mn-ea"/>
+            </a:endParaRPr>
+          </a:p>
+          <a:p>
+            <a:pPr marL="1257300" lvl="2" indent="-342900">
+              <a:lnSpc>
+                <a:spcPct val="180000"/>
+              </a:lnSpc>
+              <a:buFont typeface="Arial" panose="020B0604020202020204" pitchFamily="34" charset="0"/>
+              <a:buChar char="•"/>
+            </a:pPr>
+            <a:r>
+              <a:rPr lang="en-US" altLang="de-DE">
+                <a:latin typeface="+mn-ea"/>
+                <a:cs typeface="+mn-ea"/>
+              </a:rPr>
+              <a:t>Automatic c-code generation</a:t>
+            </a:r>
+            <a:endParaRPr lang="en-US" altLang="de-DE">
+              <a:latin typeface="+mn-ea"/>
+              <a:cs typeface="+mn-ea"/>
+            </a:endParaRPr>
+          </a:p>
+          <a:p>
+            <a:pPr marL="1257300" lvl="2" indent="-342900">
+              <a:lnSpc>
+                <a:spcPct val="180000"/>
+              </a:lnSpc>
+              <a:buFont typeface="Arial" panose="020B0604020202020204" pitchFamily="34" charset="0"/>
+              <a:buChar char="•"/>
+            </a:pPr>
+            <a:r>
+              <a:rPr lang="en-US" altLang="de-DE">
+                <a:latin typeface="+mn-ea"/>
+                <a:cs typeface="+mn-ea"/>
+              </a:rPr>
+              <a:t>Source-code in c++</a:t>
+            </a:r>
+            <a:endParaRPr lang="en-US" altLang="de-DE">
+              <a:latin typeface="+mn-ea"/>
+              <a:cs typeface="+mn-ea"/>
+            </a:endParaRPr>
+          </a:p>
+          <a:p>
+            <a:pPr marL="1257300" lvl="2" indent="-342900">
+              <a:lnSpc>
+                <a:spcPct val="180000"/>
+              </a:lnSpc>
+              <a:buFont typeface="Arial" panose="020B0604020202020204" pitchFamily="34" charset="0"/>
+              <a:buChar char="•"/>
+            </a:pPr>
+            <a:r>
+              <a:rPr lang="en-US" altLang="de-DE">
+                <a:latin typeface="+mn-ea"/>
+                <a:cs typeface="+mn-ea"/>
+              </a:rPr>
+              <a:t>Extensive NLP solver compatibility</a:t>
+            </a:r>
+            <a:endParaRPr lang="en-US" altLang="de-DE">
+              <a:latin typeface="+mn-ea"/>
+              <a:cs typeface="+mn-ea"/>
+            </a:endParaRPr>
+          </a:p>
+        </p:txBody>
+      </p:sp>
+    </p:spTree>
+  </p:cSld>
+  <p:clrMapOvr>
+    <a:masterClrMapping/>
+  </p:clrMapOvr>
+  <mc:AlternateContent xmlns:mc="http://schemas.openxmlformats.org/markup-compatibility/2006">
+    <mc:Choice xmlns:p14="http://schemas.microsoft.com/office/powerpoint/2010/main" Requires="p14">
+      <p:transition spd="slow" p14:dur="2000"/>
+    </mc:Choice>
+    <mc:Fallback>
+      <p:transition spd="slow"/>
+    </mc:Fallback>
+  </mc:AlternateContent>
+  <p:timing>
+    <p:tnLst>
+      <p:par>
+        <p:cTn id="1" dur="indefinite" restart="never" nodeType="tmRoot"/>
+      </p:par>
+    </p:tnLst>
+  </p:timing>
+</p:sld>
+</file>
+
+<file path=ppt/slides/slide6.xml><?xml version="1.0" encoding="utf-8"?>
+<p:sld xmlns:a="http://schemas.openxmlformats.org/drawingml/2006/main" xmlns:r="http://schemas.openxmlformats.org/officeDocument/2006/relationships" xmlns:p="http://schemas.openxmlformats.org/presentationml/2006/main">
+  <p:cSld>
+    <p:spTree>
+      <p:nvGrpSpPr>
+        <p:cNvPr id="1" name=""/>
+        <p:cNvGrpSpPr/>
+        <p:nvPr/>
+      </p:nvGrpSpPr>
+      <p:grpSpPr/>
+      <p:sp>
+        <p:nvSpPr>
+          <p:cNvPr id="6" name="Oval 5"/>
+          <p:cNvSpPr/>
+          <p:nvPr/>
+        </p:nvSpPr>
+        <p:spPr>
+          <a:xfrm>
+            <a:off x="9732010" y="1922780"/>
+            <a:ext cx="743585" cy="743585"/>
+          </a:xfrm>
+          <a:prstGeom prst="ellipse">
+            <a:avLst/>
+          </a:prstGeom>
+          <a:solidFill>
+            <a:schemeClr val="bg1"/>
+          </a:solidFill>
+          <a:ln>
+            <a:noFill/>
+          </a:ln>
+        </p:spPr>
+        <p:style>
+          <a:lnRef idx="2">
+            <a:schemeClr val="accent1">
+              <a:shade val="50000"/>
+            </a:schemeClr>
+          </a:lnRef>
+          <a:fillRef idx="1">
+            <a:schemeClr val="accent1"/>
+          </a:fillRef>
+          <a:effectRef idx="0">
+            <a:schemeClr val="accent1"/>
+          </a:effectRef>
+          <a:fontRef idx="minor">
+            <a:schemeClr val="lt1"/>
+          </a:fontRef>
+        </p:style>
+        <p:txBody>
+          <a:bodyPr rtlCol="0" anchor="ctr"/>
+          <a:p>
+            <a:pPr algn="ctr"/>
+            <a:r>
+              <a:rPr lang="de-DE" altLang="en-US" sz="2000" b="1">
+                <a:solidFill>
+                  <a:srgbClr val="000000"/>
+                </a:solidFill>
+                <a:cs typeface="+mn-lt"/>
+              </a:rPr>
+              <a:t>2</a:t>
+            </a:r>
+            <a:r>
+              <a:rPr lang="de-DE" altLang="en-US" sz="2000" b="1" baseline="50000">
+                <a:solidFill>
+                  <a:srgbClr val="000000"/>
+                </a:solidFill>
+                <a:uFillTx/>
+                <a:cs typeface="+mn-lt"/>
+              </a:rPr>
+              <a:t>nd</a:t>
+            </a:r>
+            <a:endParaRPr lang="de-DE" altLang="en-US" sz="2000" b="1" baseline="50000">
+              <a:solidFill>
+                <a:srgbClr val="000000"/>
+              </a:solidFill>
+              <a:uFillTx/>
+              <a:cs typeface="+mn-lt"/>
+            </a:endParaRPr>
+          </a:p>
+        </p:txBody>
+      </p:sp>
+      <p:sp>
+        <p:nvSpPr>
+          <p:cNvPr id="4" name="Rounded Rectangle 3"/>
+          <p:cNvSpPr/>
+          <p:nvPr/>
+        </p:nvSpPr>
+        <p:spPr>
+          <a:xfrm>
+            <a:off x="8711565" y="2530475"/>
+            <a:ext cx="2784475" cy="1570990"/>
+          </a:xfrm>
+          <a:prstGeom prst="roundRect">
+            <a:avLst/>
+          </a:prstGeom>
+          <a:solidFill>
+            <a:srgbClr val="002060"/>
+          </a:solidFill>
+          <a:ln w="47625">
+            <a:solidFill>
+              <a:schemeClr val="bg1"/>
+            </a:solidFill>
+          </a:ln>
+        </p:spPr>
+        <p:style>
+          <a:lnRef idx="2">
+            <a:schemeClr val="accent1">
+              <a:shade val="50000"/>
+            </a:schemeClr>
+          </a:lnRef>
+          <a:fillRef idx="1">
+            <a:schemeClr val="accent1"/>
+          </a:fillRef>
+          <a:effectRef idx="0">
+            <a:schemeClr val="accent1"/>
+          </a:effectRef>
+          <a:fontRef idx="minor">
+            <a:schemeClr val="lt1"/>
+          </a:fontRef>
+        </p:style>
+        <p:txBody>
+          <a:bodyPr rtlCol="0" anchor="ctr"/>
+          <a:p>
+            <a:pPr algn="ctr"/>
+            <a:r>
+              <a:rPr lang="de-DE" altLang="en-US">
+                <a:latin typeface="Calibri" charset="0"/>
+                <a:sym typeface="+mn-ea"/>
+              </a:rPr>
+              <a:t>Robustly obtain solutions in less than 1 second</a:t>
+            </a:r>
+            <a:endParaRPr lang="de-DE" altLang="en-US">
+              <a:cs typeface="+mn-lt"/>
+            </a:endParaRPr>
+          </a:p>
+        </p:txBody>
+      </p:sp>
+      <p:sp>
+        <p:nvSpPr>
+          <p:cNvPr id="8" name="!!Down Arrow 7"/>
+          <p:cNvSpPr/>
+          <p:nvPr/>
+        </p:nvSpPr>
+        <p:spPr>
+          <a:xfrm>
+            <a:off x="9954895" y="4101465"/>
+            <a:ext cx="297815" cy="1045210"/>
+          </a:xfrm>
+          <a:prstGeom prst="downArrow">
+            <a:avLst>
+              <a:gd name="adj1" fmla="val 50000"/>
+              <a:gd name="adj2" fmla="val 85074"/>
+            </a:avLst>
+          </a:prstGeom>
+          <a:solidFill>
+            <a:schemeClr val="bg1"/>
+          </a:solidFill>
+          <a:ln>
+            <a:noFill/>
+          </a:ln>
+        </p:spPr>
+        <p:style>
+          <a:lnRef idx="2">
+            <a:schemeClr val="accent1">
+              <a:shade val="50000"/>
+            </a:schemeClr>
+          </a:lnRef>
+          <a:fillRef idx="1">
+            <a:schemeClr val="accent1"/>
+          </a:fillRef>
+          <a:effectRef idx="0">
+            <a:schemeClr val="accent1"/>
+          </a:effectRef>
+          <a:fontRef idx="minor">
+            <a:schemeClr val="lt1"/>
+          </a:fontRef>
+        </p:style>
+        <p:txBody>
+          <a:bodyPr rtlCol="0" anchor="ctr"/>
+          <a:p>
+            <a:pPr algn="ctr"/>
+            <a:endParaRPr lang="en-US"/>
+          </a:p>
+        </p:txBody>
+      </p:sp>
+      <p:sp>
+        <p:nvSpPr>
+          <p:cNvPr id="9" name="Text Box 8"/>
+          <p:cNvSpPr txBox="1"/>
+          <p:nvPr/>
+        </p:nvSpPr>
+        <p:spPr>
+          <a:xfrm>
+            <a:off x="8587741" y="5146675"/>
+            <a:ext cx="3031490" cy="398780"/>
+          </a:xfrm>
+          <a:prstGeom prst="rect">
+            <a:avLst/>
+          </a:prstGeom>
+          <a:noFill/>
+        </p:spPr>
+        <p:txBody>
+          <a:bodyPr wrap="none" rtlCol="0">
+            <a:spAutoFit/>
+          </a:bodyPr>
+          <a:p>
+            <a:pPr algn="ctr"/>
+            <a:r>
+              <a:rPr lang="de-DE" altLang="en-US" sz="2000" b="1" i="1">
+                <a:latin typeface="Calibri" charset="0"/>
+                <a:sym typeface="+mn-ea"/>
+              </a:rPr>
+              <a:t>computation_time &lt; 1 </a:t>
+            </a:r>
+            <a:r>
+              <a:rPr lang="de-DE" altLang="en-US" sz="2000" b="1">
+                <a:latin typeface="Calibri" charset="0"/>
+                <a:sym typeface="+mn-ea"/>
+              </a:rPr>
+              <a:t>s</a:t>
+            </a:r>
+            <a:endParaRPr lang="de-DE" altLang="en-US" sz="2000" b="1" i="1">
+              <a:latin typeface="Calibri" charset="0"/>
+            </a:endParaRPr>
+          </a:p>
+        </p:txBody>
+      </p:sp>
+      <p:sp>
+        <p:nvSpPr>
+          <p:cNvPr id="3" name="Date Placeholder 2"/>
+          <p:cNvSpPr>
+            <a:spLocks noGrp="1"/>
+          </p:cNvSpPr>
+          <p:nvPr>
+            <p:ph type="dt" sz="half" idx="10"/>
+          </p:nvPr>
+        </p:nvSpPr>
+        <p:spPr/>
+        <p:txBody>
+          <a:bodyPr/>
+          <a:p>
+            <a:fld id="{760FBDFE-C587-4B4C-A407-44438C67B59E}" type="datetime1">
+              <a:rPr lang="en-US" altLang="en-US" smtClean="0"/>
+            </a:fld>
+            <a:endParaRPr lang="zh-CN" altLang="en-US"/>
+          </a:p>
+        </p:txBody>
+      </p:sp>
+      <p:sp>
+        <p:nvSpPr>
+          <p:cNvPr id="12" name="Slide Number Placeholder 11"/>
+          <p:cNvSpPr>
+            <a:spLocks noGrp="1"/>
+          </p:cNvSpPr>
+          <p:nvPr>
+            <p:ph type="sldNum" sz="quarter" idx="12"/>
+          </p:nvPr>
+        </p:nvSpPr>
+        <p:spPr/>
+        <p:txBody>
+          <a:bodyPr/>
+          <a:p>
+            <a:fld id="{49AE70B2-8BF9-45C0-BB95-33D1B9D3A854}" type="slidenum">
+              <a:rPr lang="zh-CN" altLang="en-US" smtClean="0"/>
+            </a:fld>
+            <a:endParaRPr lang="zh-CN" altLang="en-US"/>
+          </a:p>
+        </p:txBody>
+      </p:sp>
+      <p:sp>
+        <p:nvSpPr>
+          <p:cNvPr id="13" name="Footer Placeholder 12"/>
+          <p:cNvSpPr>
+            <a:spLocks noGrp="1"/>
+          </p:cNvSpPr>
+          <p:nvPr>
+            <p:ph type="ftr" sz="quarter" idx="11"/>
+          </p:nvPr>
+        </p:nvSpPr>
+        <p:spPr/>
+        <p:txBody>
+          <a:bodyPr/>
+          <a:p>
+            <a:r>
+              <a:rPr lang="de-DE" altLang="zh-CN">
+                <a:sym typeface="+mn-ea"/>
+              </a:rPr>
+              <a:t>Real-Time Time-Optimal Spacecraft Attitude Control</a:t>
+            </a:r>
+            <a:endParaRPr lang="zh-CN" altLang="en-US"/>
+          </a:p>
+        </p:txBody>
+      </p:sp>
+      <p:sp>
+        <p:nvSpPr>
+          <p:cNvPr id="2" name="Title 1"/>
+          <p:cNvSpPr>
+            <a:spLocks noGrp="1"/>
+          </p:cNvSpPr>
+          <p:nvPr>
+            <p:ph type="title"/>
+          </p:nvPr>
+        </p:nvSpPr>
+        <p:spPr/>
+        <p:txBody>
+          <a:bodyPr/>
+          <a:p>
+            <a:r>
+              <a:rPr lang="de-DE" altLang="en-US" sz="4400">
+                <a:latin typeface="Arial Black" panose="020B0A04020102020204" charset="0"/>
+                <a:cs typeface="Arial Black" panose="020B0A04020102020204" charset="0"/>
+              </a:rPr>
+              <a:t>Methodology</a:t>
+            </a:r>
+            <a:endParaRPr lang="de-DE" altLang="en-US" sz="4400">
+              <a:latin typeface="Arial Black" panose="020B0A04020102020204" charset="0"/>
+              <a:cs typeface="Arial Black" panose="020B0A04020102020204" charset="0"/>
+            </a:endParaRPr>
+          </a:p>
+        </p:txBody>
+      </p:sp>
+      <p:sp>
+        <p:nvSpPr>
+          <p:cNvPr id="5" name="Text Box 4"/>
+          <p:cNvSpPr txBox="1"/>
+          <p:nvPr/>
+        </p:nvSpPr>
+        <p:spPr>
+          <a:xfrm>
+            <a:off x="647700" y="1762125"/>
+            <a:ext cx="6860540" cy="1198880"/>
+          </a:xfrm>
+          <a:prstGeom prst="rect">
+            <a:avLst/>
+          </a:prstGeom>
+          <a:noFill/>
+        </p:spPr>
+        <p:txBody>
+          <a:bodyPr wrap="square" rtlCol="0">
+            <a:spAutoFit/>
+          </a:bodyPr>
+          <a:p>
+            <a:pPr marL="342900" indent="-342900">
+              <a:lnSpc>
+                <a:spcPct val="200000"/>
+              </a:lnSpc>
+              <a:buFont typeface="+mj-lt"/>
+              <a:buAutoNum type="arabicPeriod" startAt="3"/>
+            </a:pPr>
+            <a:r>
+              <a:rPr lang="de-DE" altLang="en-US">
+                <a:latin typeface="+mn-ea"/>
+                <a:cs typeface="+mn-ea"/>
+              </a:rPr>
+              <a:t>Choose OCP solver architecture</a:t>
+            </a:r>
+            <a:endParaRPr lang="de-DE" altLang="en-US">
+              <a:latin typeface="+mn-ea"/>
+              <a:cs typeface="+mn-ea"/>
+            </a:endParaRPr>
+          </a:p>
+          <a:p>
+            <a:pPr marL="800100" lvl="1" indent="-342900">
+              <a:lnSpc>
+                <a:spcPct val="200000"/>
+              </a:lnSpc>
+              <a:buFont typeface="+mj-lt"/>
+              <a:buAutoNum type="arabicPeriod" startAt="3"/>
+            </a:pPr>
+            <a:r>
+              <a:rPr lang="en-US" altLang="de-DE">
+                <a:latin typeface="+mn-ea"/>
+                <a:cs typeface="+mn-ea"/>
+              </a:rPr>
+              <a:t>Direct transcription methods:</a:t>
+            </a:r>
+            <a:endParaRPr lang="en-US" altLang="de-DE">
+              <a:latin typeface="+mn-ea"/>
+              <a:cs typeface="+mn-ea"/>
+            </a:endParaRPr>
+          </a:p>
+        </p:txBody>
+      </p:sp>
+      <p:graphicFrame>
+        <p:nvGraphicFramePr>
+          <p:cNvPr id="7" name="Table 6"/>
+          <p:cNvGraphicFramePr/>
+          <p:nvPr/>
+        </p:nvGraphicFramePr>
+        <p:xfrm>
+          <a:off x="838200" y="509905"/>
+          <a:ext cx="8678545" cy="5979160"/>
+        </p:xfrm>
+        <a:graphic>
+          <a:graphicData uri="http://schemas.openxmlformats.org/drawingml/2006/table">
+            <a:tbl>
+              <a:tblPr firstRow="1" bandRow="1">
+                <a:tableStyleId>{5C22544A-7EE6-4342-B048-85BDC9FD1C3A}</a:tableStyleId>
+              </a:tblPr>
+              <a:tblGrid>
+                <a:gridCol w="1414145"/>
+                <a:gridCol w="1367155"/>
+                <a:gridCol w="1965960"/>
+                <a:gridCol w="1965960"/>
+                <a:gridCol w="1965325"/>
+              </a:tblGrid>
+              <a:tr h="365760">
+                <a:tc rowSpan="2">
+                  <a:txBody>
+                    <a:bodyPr/>
+                    <a:p>
+                      <a:pPr>
+                        <a:buNone/>
+                      </a:pPr>
+                      <a:endParaRPr lang="en-US"/>
+                    </a:p>
+                  </a:txBody>
+                  <a:tcPr anchor="ctr" anchorCtr="0">
+                    <a:lnL>
+                      <a:noFill/>
+                    </a:lnL>
+                    <a:lnR w="38100" cmpd="sng">
+                      <a:solidFill>
+                        <a:schemeClr val="tx1"/>
+                      </a:solidFill>
+                      <a:prstDash val="solid"/>
+                    </a:lnR>
+                    <a:lnT>
+                      <a:noFill/>
+                    </a:lnT>
+                    <a:noFill/>
+                  </a:tcPr>
+                </a:tc>
+                <a:tc gridSpan="2">
+                  <a:txBody>
+                    <a:bodyPr/>
+                    <a:p>
+                      <a:pPr algn="ctr">
+                        <a:buNone/>
+                      </a:pPr>
+                      <a:r>
+                        <a:rPr lang="en-US"/>
+                        <a:t>Shooting</a:t>
+                      </a:r>
+                      <a:endParaRPr lang="en-US"/>
+                    </a:p>
+                  </a:txBody>
+                  <a:tcPr anchor="ctr" anchorCtr="0">
+                    <a:lnL w="38100" cmpd="sng">
+                      <a:solidFill>
+                        <a:schemeClr val="tx1"/>
+                      </a:solidFill>
+                      <a:prstDash val="solid"/>
+                    </a:lnL>
+                    <a:lnR w="38100" cmpd="sng">
+                      <a:solidFill>
+                        <a:schemeClr val="tx1"/>
+                      </a:solidFill>
+                      <a:prstDash val="solid"/>
+                    </a:lnR>
+                    <a:lnT w="38100" cmpd="sng">
+                      <a:solidFill>
+                        <a:schemeClr val="tx1"/>
+                      </a:solidFill>
+                      <a:prstDash val="solid"/>
+                    </a:lnT>
+                  </a:tcPr>
+                </a:tc>
+                <a:tc hMerge="1">
+                  <a:tcPr anchor="ctr" anchorCtr="0">
+                    <a:lnR w="38100" cmpd="sng">
+                      <a:solidFill>
+                        <a:schemeClr val="tx1"/>
+                      </a:solidFill>
+                      <a:prstDash val="solid"/>
+                    </a:lnR>
+                    <a:lnT w="38100" cmpd="sng">
+                      <a:solidFill>
+                        <a:schemeClr val="tx1"/>
+                      </a:solidFill>
+                      <a:prstDash val="solid"/>
+                    </a:lnT>
+                  </a:tcPr>
+                </a:tc>
+                <a:tc gridSpan="2">
+                  <a:txBody>
+                    <a:bodyPr/>
+                    <a:p>
+                      <a:pPr algn="ctr">
+                        <a:buNone/>
+                      </a:pPr>
+                      <a:r>
+                        <a:rPr lang="en-US"/>
+                        <a:t>Collocation</a:t>
+                      </a:r>
+                      <a:endParaRPr lang="en-US"/>
+                    </a:p>
+                  </a:txBody>
+                  <a:tcPr anchor="ctr" anchorCtr="0">
+                    <a:lnR w="38100" cmpd="sng">
+                      <a:solidFill>
+                        <a:schemeClr val="tx1"/>
+                      </a:solidFill>
+                      <a:prstDash val="solid"/>
+                    </a:lnR>
+                    <a:lnT w="38100" cmpd="sng">
+                      <a:solidFill>
+                        <a:schemeClr val="tx1"/>
+                      </a:solidFill>
+                      <a:prstDash val="solid"/>
+                    </a:lnT>
+                  </a:tcPr>
+                </a:tc>
+                <a:tc hMerge="1">
+                  <a:tcPr anchor="ctr" anchorCtr="0">
+                    <a:lnR w="38100" cmpd="sng">
+                      <a:solidFill>
+                        <a:schemeClr val="tx1"/>
+                      </a:solidFill>
+                      <a:prstDash val="solid"/>
+                    </a:lnR>
+                    <a:lnT w="38100" cmpd="sng">
+                      <a:solidFill>
+                        <a:schemeClr val="tx1"/>
+                      </a:solidFill>
+                      <a:prstDash val="solid"/>
+                    </a:lnT>
+                  </a:tcPr>
+                </a:tc>
+              </a:tr>
+              <a:tr h="606425">
+                <a:tc vMerge="1">
+                  <a:tcPr anchor="ctr" anchorCtr="0">
+                    <a:lnL>
+                      <a:noFill/>
+                    </a:lnL>
+                    <a:lnR w="38100" cmpd="sng">
+                      <a:solidFill>
+                        <a:schemeClr val="tx1"/>
+                      </a:solidFill>
+                      <a:prstDash val="solid"/>
+                    </a:lnR>
+                    <a:lnT>
+                      <a:noFill/>
+                    </a:lnT>
+                    <a:noFill/>
+                  </a:tcPr>
+                </a:tc>
+                <a:tc>
+                  <a:txBody>
+                    <a:bodyPr/>
+                    <a:p>
+                      <a:pPr algn="ctr">
+                        <a:buNone/>
+                      </a:pPr>
+                      <a:r>
+                        <a:rPr lang="en-US"/>
+                        <a:t>Single</a:t>
+                      </a:r>
+                      <a:endParaRPr lang="en-US"/>
+                    </a:p>
+                  </a:txBody>
+                  <a:tcPr anchor="ctr" anchorCtr="0">
+                    <a:lnL w="38100" cmpd="sng">
+                      <a:solidFill>
+                        <a:schemeClr val="tx1"/>
+                      </a:solidFill>
+                      <a:prstDash val="solid"/>
+                    </a:lnL>
+                    <a:lnT w="38100" cmpd="sng">
+                      <a:solidFill>
+                        <a:schemeClr val="tx1"/>
+                      </a:solidFill>
+                      <a:prstDash val="solid"/>
+                    </a:lnT>
+                  </a:tcPr>
+                </a:tc>
+                <a:tc>
+                  <a:txBody>
+                    <a:bodyPr/>
+                    <a:p>
+                      <a:pPr lvl="1" algn="ctr">
+                        <a:buNone/>
+                      </a:pPr>
+                      <a:r>
+                        <a:rPr lang="en-US"/>
+                        <a:t>Multiple</a:t>
+                      </a:r>
+                      <a:endParaRPr lang="en-US"/>
+                    </a:p>
+                  </a:txBody>
+                  <a:tcPr marL="0" marR="0" marT="0" marB="0" anchor="ctr" anchorCtr="0">
+                    <a:lnR w="38100" cmpd="sng">
+                      <a:solidFill>
+                        <a:schemeClr val="tx1"/>
+                      </a:solidFill>
+                      <a:prstDash val="solid"/>
+                    </a:lnR>
+                    <a:lnT w="38100" cmpd="sng">
+                      <a:solidFill>
+                        <a:schemeClr val="tx1"/>
+                      </a:solidFill>
+                      <a:prstDash val="solid"/>
+                    </a:lnT>
+                  </a:tcPr>
+                </a:tc>
+                <a:tc>
+                  <a:txBody>
+                    <a:bodyPr/>
+                    <a:p>
+                      <a:pPr algn="ctr">
+                        <a:buNone/>
+                      </a:pPr>
+                      <a:r>
+                        <a:rPr lang="en-US"/>
+                        <a:t>Direct</a:t>
+                      </a:r>
+                      <a:endParaRPr lang="en-US"/>
+                    </a:p>
+                  </a:txBody>
+                  <a:tcPr anchor="ctr" anchorCtr="0">
+                    <a:lnR w="12700">
+                      <a:solidFill>
+                        <a:schemeClr val="tx1"/>
+                      </a:solidFill>
+                      <a:prstDash val="solid"/>
+                    </a:lnR>
+                    <a:lnT w="38100" cmpd="sng">
+                      <a:solidFill>
+                        <a:schemeClr val="tx1"/>
+                      </a:solidFill>
+                      <a:prstDash val="solid"/>
+                    </a:lnT>
+                  </a:tcPr>
+                </a:tc>
+                <a:tc>
+                  <a:txBody>
+                    <a:bodyPr/>
+                    <a:p>
+                      <a:pPr algn="ctr">
+                        <a:buNone/>
+                      </a:pPr>
+                      <a:r>
+                        <a:rPr lang="en-US"/>
+                        <a:t>Pseudospectral</a:t>
+                      </a:r>
+                      <a:endParaRPr lang="en-US"/>
+                    </a:p>
+                  </a:txBody>
+                  <a:tcPr anchor="ctr" anchorCtr="0">
+                    <a:lnL w="12700">
+                      <a:solidFill>
+                        <a:schemeClr val="tx1"/>
+                      </a:solidFill>
+                      <a:prstDash val="solid"/>
+                    </a:lnL>
+                    <a:lnR w="38100" cmpd="sng">
+                      <a:solidFill>
+                        <a:schemeClr val="tx1"/>
+                      </a:solidFill>
+                      <a:prstDash val="solid"/>
+                    </a:lnR>
+                    <a:lnT w="38100" cmpd="sng">
+                      <a:solidFill>
+                        <a:schemeClr val="tx1"/>
+                      </a:solidFill>
+                      <a:prstDash val="solid"/>
+                    </a:lnT>
+                  </a:tcPr>
+                </a:tc>
+              </a:tr>
+              <a:tr h="778510">
+                <a:tc>
+                  <a:txBody>
+                    <a:bodyPr/>
+                    <a:p>
+                      <a:pPr>
+                        <a:buNone/>
+                      </a:pPr>
+                      <a:r>
+                        <a:rPr lang="en-US" sz="1200">
+                          <a:solidFill>
+                            <a:srgbClr val="000000"/>
+                          </a:solidFill>
+                        </a:rPr>
+                        <a:t>Decision Variables</a:t>
+                      </a:r>
+                      <a:endParaRPr lang="en-US" sz="1200">
+                        <a:solidFill>
+                          <a:srgbClr val="000000"/>
+                        </a:solidFill>
+                      </a:endParaRPr>
+                    </a:p>
+                  </a:txBody>
+                  <a:tcPr anchor="ctr" anchorCtr="0">
+                    <a:lnL w="38100" cmpd="sng">
+                      <a:solidFill>
+                        <a:schemeClr val="tx1"/>
+                      </a:solidFill>
+                      <a:prstDash val="solid"/>
+                    </a:lnL>
+                    <a:lnR w="38100" cmpd="sng">
+                      <a:solidFill>
+                        <a:schemeClr val="tx1"/>
+                      </a:solidFill>
+                      <a:prstDash val="solid"/>
+                    </a:lnR>
+                  </a:tcPr>
+                </a:tc>
+                <a:tc>
+                  <a:txBody>
+                    <a:bodyPr/>
+                    <a:p>
+                      <a:pPr>
+                        <a:buNone/>
+                      </a:pPr>
+                      <a:r>
+                        <a:rPr lang="en-US" sz="1200">
+                          <a:solidFill>
+                            <a:srgbClr val="000000"/>
+                          </a:solidFill>
+                          <a:cs typeface="+mn-lt"/>
+                          <a:sym typeface="+mn-ea"/>
+                        </a:rPr>
+                        <a:t>Discretize → Optimize</a:t>
+                      </a:r>
+                      <a:endParaRPr lang="en-US" sz="1200">
+                        <a:solidFill>
+                          <a:srgbClr val="000000"/>
+                        </a:solidFill>
+                        <a:cs typeface="+mn-lt"/>
+                        <a:sym typeface="+mn-ea"/>
+                      </a:endParaRPr>
+                    </a:p>
+                  </a:txBody>
+                  <a:tcPr anchor="ctr" anchorCtr="0">
+                    <a:lnL w="38100" cmpd="sng">
+                      <a:solidFill>
+                        <a:schemeClr val="tx1"/>
+                      </a:solidFill>
+                      <a:prstDash val="solid"/>
+                    </a:lnL>
+                  </a:tcPr>
+                </a:tc>
+                <a:tc>
+                  <a:txBody>
+                    <a:bodyPr/>
+                    <a:p>
+                      <a:pPr>
+                        <a:buNone/>
+                      </a:pPr>
+                      <a:r>
+                        <a:rPr lang="en-US" sz="1200">
+                          <a:solidFill>
+                            <a:srgbClr val="000000"/>
+                          </a:solidFill>
+                          <a:cs typeface="+mn-lt"/>
+                          <a:sym typeface="+mn-ea"/>
+                        </a:rPr>
+                        <a:t>Derive optimality conditions → Discretize</a:t>
+                      </a:r>
+                      <a:endParaRPr lang="en-US" sz="1200">
+                        <a:solidFill>
+                          <a:srgbClr val="000000"/>
+                        </a:solidFill>
+                        <a:cs typeface="+mn-lt"/>
+                        <a:sym typeface="+mn-ea"/>
+                      </a:endParaRPr>
+                    </a:p>
+                  </a:txBody>
+                  <a:tcPr anchor="ctr" anchorCtr="0">
+                    <a:lnR w="38100" cmpd="sng">
+                      <a:solidFill>
+                        <a:schemeClr val="tx1"/>
+                      </a:solidFill>
+                      <a:prstDash val="solid"/>
+                    </a:lnR>
+                  </a:tcPr>
+                </a:tc>
+                <a:tc>
+                  <a:txBody>
+                    <a:bodyPr/>
+                    <a:p>
+                      <a:pPr>
+                        <a:buNone/>
+                      </a:pPr>
+                      <a:endParaRPr lang="en-US" sz="1200">
+                        <a:solidFill>
+                          <a:srgbClr val="000000"/>
+                        </a:solidFill>
+                        <a:cs typeface="+mn-lt"/>
+                        <a:sym typeface="+mn-ea"/>
+                      </a:endParaRPr>
+                    </a:p>
+                  </a:txBody>
+                  <a:tcPr anchor="ctr" anchorCtr="0">
+                    <a:lnR w="12700">
+                      <a:solidFill>
+                        <a:schemeClr val="tx1"/>
+                      </a:solidFill>
+                      <a:prstDash val="solid"/>
+                    </a:lnR>
+                  </a:tcPr>
+                </a:tc>
+                <a:tc>
+                  <a:txBody>
+                    <a:bodyPr/>
+                    <a:p>
+                      <a:pPr>
+                        <a:buNone/>
+                      </a:pPr>
+                      <a:endParaRPr lang="en-US" sz="1200">
+                        <a:solidFill>
+                          <a:srgbClr val="000000"/>
+                        </a:solidFill>
+                        <a:cs typeface="+mn-lt"/>
+                        <a:sym typeface="+mn-ea"/>
+                      </a:endParaRPr>
+                    </a:p>
+                  </a:txBody>
+                  <a:tcPr anchor="ctr" anchorCtr="0">
+                    <a:lnL w="12700">
+                      <a:solidFill>
+                        <a:schemeClr val="tx1"/>
+                      </a:solidFill>
+                      <a:prstDash val="solid"/>
+                    </a:lnL>
+                    <a:lnR w="38100" cmpd="sng">
+                      <a:solidFill>
+                        <a:schemeClr val="tx1"/>
+                      </a:solidFill>
+                      <a:prstDash val="solid"/>
+                    </a:lnR>
+                  </a:tcPr>
+                </a:tc>
+              </a:tr>
+              <a:tr h="2856865">
+                <a:tc>
+                  <a:txBody>
+                    <a:bodyPr/>
+                    <a:p>
+                      <a:pPr lvl="1" algn="l">
+                        <a:buNone/>
+                      </a:pPr>
+                      <a:endParaRPr lang="en-US" sz="1200">
+                        <a:solidFill>
+                          <a:srgbClr val="000000"/>
+                        </a:solidFill>
+                      </a:endParaRPr>
+                    </a:p>
+                  </a:txBody>
+                  <a:tcPr marL="0" marR="0" marT="0" marB="0" anchor="ctr" anchorCtr="0">
+                    <a:lnL w="38100" cmpd="sng">
+                      <a:solidFill>
+                        <a:schemeClr val="tx1"/>
+                      </a:solidFill>
+                      <a:prstDash val="solid"/>
+                    </a:lnL>
+                    <a:lnR w="38100" cmpd="sng">
+                      <a:solidFill>
+                        <a:schemeClr val="tx1"/>
+                      </a:solidFill>
+                      <a:prstDash val="solid"/>
+                    </a:lnR>
+                  </a:tcPr>
+                </a:tc>
+                <a:tc>
+                  <a:txBody>
+                    <a:bodyPr/>
+                    <a:p>
+                      <a:pPr>
+                        <a:buNone/>
+                      </a:pPr>
+                      <a:r>
+                        <a:rPr lang="en-US" sz="1200">
+                          <a:solidFill>
+                            <a:srgbClr val="000000"/>
+                          </a:solidFill>
+                          <a:cs typeface="+mn-lt"/>
+                        </a:rPr>
+                        <a:t>Can converge even with bad initial guess</a:t>
+                      </a:r>
+                      <a:endParaRPr lang="en-US" sz="1200">
+                        <a:solidFill>
+                          <a:srgbClr val="000000"/>
+                        </a:solidFill>
+                        <a:cs typeface="+mn-lt"/>
+                      </a:endParaRPr>
+                    </a:p>
+                  </a:txBody>
+                  <a:tcPr anchor="ctr" anchorCtr="0">
+                    <a:lnL w="38100" cmpd="sng">
+                      <a:solidFill>
+                        <a:schemeClr val="tx1"/>
+                      </a:solidFill>
+                      <a:prstDash val="solid"/>
+                    </a:lnL>
+                  </a:tcPr>
+                </a:tc>
+                <a:tc>
+                  <a:txBody>
+                    <a:bodyPr/>
+                    <a:p>
+                      <a:pPr>
+                        <a:buNone/>
+                      </a:pPr>
+                      <a:r>
+                        <a:rPr lang="en-US" sz="1200">
+                          <a:solidFill>
+                            <a:srgbClr val="000000"/>
+                          </a:solidFill>
+                          <a:cs typeface="+mn-lt"/>
+                        </a:rPr>
+                        <a:t>Sensitive to initial guess</a:t>
+                      </a:r>
+                      <a:endParaRPr lang="en-US" sz="1200">
+                        <a:solidFill>
+                          <a:srgbClr val="000000"/>
+                        </a:solidFill>
+                        <a:cs typeface="+mn-lt"/>
+                      </a:endParaRPr>
+                    </a:p>
+                  </a:txBody>
+                  <a:tcPr anchor="ctr" anchorCtr="0">
+                    <a:lnR w="38100" cmpd="sng">
+                      <a:solidFill>
+                        <a:schemeClr val="tx1"/>
+                      </a:solidFill>
+                      <a:prstDash val="solid"/>
+                    </a:lnR>
+                  </a:tcPr>
+                </a:tc>
+                <a:tc>
+                  <a:txBody>
+                    <a:bodyPr/>
+                    <a:p>
+                      <a:pPr>
+                        <a:buNone/>
+                      </a:pPr>
+                      <a:endParaRPr lang="en-US" sz="1200">
+                        <a:solidFill>
+                          <a:srgbClr val="000000"/>
+                        </a:solidFill>
+                        <a:cs typeface="+mn-lt"/>
+                      </a:endParaRPr>
+                    </a:p>
+                  </a:txBody>
+                  <a:tcPr anchor="ctr" anchorCtr="0">
+                    <a:lnR w="12700">
+                      <a:solidFill>
+                        <a:schemeClr val="tx1"/>
+                      </a:solidFill>
+                      <a:prstDash val="solid"/>
+                    </a:lnR>
+                  </a:tcPr>
+                </a:tc>
+                <a:tc>
+                  <a:txBody>
+                    <a:bodyPr/>
+                    <a:p>
+                      <a:pPr>
+                        <a:buNone/>
+                      </a:pPr>
+                      <a:endParaRPr lang="en-US" sz="1200">
+                        <a:solidFill>
+                          <a:srgbClr val="000000"/>
+                        </a:solidFill>
+                        <a:cs typeface="+mn-lt"/>
+                      </a:endParaRPr>
+                    </a:p>
+                  </a:txBody>
+                  <a:tcPr anchor="ctr" anchorCtr="0">
+                    <a:lnL w="12700">
+                      <a:solidFill>
+                        <a:schemeClr val="tx1"/>
+                      </a:solidFill>
+                      <a:prstDash val="solid"/>
+                    </a:lnL>
+                    <a:lnR w="38100" cmpd="sng">
+                      <a:solidFill>
+                        <a:schemeClr val="tx1"/>
+                      </a:solidFill>
+                      <a:prstDash val="solid"/>
+                    </a:lnR>
+                  </a:tcPr>
+                </a:tc>
+              </a:tr>
+              <a:tr h="457200">
+                <a:tc>
+                  <a:txBody>
+                    <a:bodyPr/>
+                    <a:p>
+                      <a:pPr>
+                        <a:buNone/>
+                      </a:pPr>
+                      <a:r>
+                        <a:rPr lang="en-US" sz="1200">
+                          <a:solidFill>
+                            <a:srgbClr val="000000"/>
+                          </a:solidFill>
+                        </a:rPr>
+                        <a:t>Continuity</a:t>
+                      </a:r>
+                      <a:endParaRPr lang="en-US" sz="1200">
+                        <a:solidFill>
+                          <a:srgbClr val="000000"/>
+                        </a:solidFill>
+                      </a:endParaRPr>
+                    </a:p>
+                  </a:txBody>
+                  <a:tcPr anchor="ctr" anchorCtr="0">
+                    <a:lnL w="38100" cmpd="sng">
+                      <a:solidFill>
+                        <a:schemeClr val="tx1"/>
+                      </a:solidFill>
+                      <a:prstDash val="solid"/>
+                    </a:lnL>
+                    <a:lnR w="38100" cmpd="sng">
+                      <a:solidFill>
+                        <a:schemeClr val="tx1"/>
+                      </a:solidFill>
+                      <a:prstDash val="solid"/>
+                    </a:lnR>
+                  </a:tcPr>
+                </a:tc>
+                <a:tc>
+                  <a:txBody>
+                    <a:bodyPr/>
+                    <a:p>
+                      <a:pPr>
+                        <a:buNone/>
+                      </a:pPr>
+                      <a:r>
+                        <a:rPr lang="en-US" sz="1200">
+                          <a:solidFill>
+                            <a:srgbClr val="000000"/>
+                          </a:solidFill>
+                          <a:cs typeface="+mn-lt"/>
+                        </a:rPr>
+                        <a:t>Easier</a:t>
+                      </a:r>
+                      <a:endParaRPr lang="en-US" sz="1200">
+                        <a:solidFill>
+                          <a:srgbClr val="000000"/>
+                        </a:solidFill>
+                        <a:cs typeface="+mn-lt"/>
+                      </a:endParaRPr>
+                    </a:p>
+                  </a:txBody>
+                  <a:tcPr anchor="ctr" anchorCtr="0">
+                    <a:lnL w="38100" cmpd="sng">
+                      <a:solidFill>
+                        <a:schemeClr val="tx1"/>
+                      </a:solidFill>
+                      <a:prstDash val="solid"/>
+                    </a:lnL>
+                  </a:tcPr>
+                </a:tc>
+                <a:tc>
+                  <a:txBody>
+                    <a:bodyPr/>
+                    <a:p>
+                      <a:pPr>
+                        <a:buNone/>
+                      </a:pPr>
+                      <a:r>
+                        <a:rPr lang="en-US" sz="1200">
+                          <a:solidFill>
+                            <a:srgbClr val="000000"/>
+                          </a:solidFill>
+                          <a:cs typeface="+mn-lt"/>
+                        </a:rPr>
+                        <a:t>More complex</a:t>
+                      </a:r>
+                      <a:endParaRPr lang="en-US" sz="1200">
+                        <a:solidFill>
+                          <a:srgbClr val="000000"/>
+                        </a:solidFill>
+                        <a:cs typeface="+mn-lt"/>
+                      </a:endParaRPr>
+                    </a:p>
+                  </a:txBody>
+                  <a:tcPr anchor="ctr" anchorCtr="0">
+                    <a:lnR w="38100" cmpd="sng">
+                      <a:solidFill>
+                        <a:schemeClr val="tx1"/>
+                      </a:solidFill>
+                      <a:prstDash val="solid"/>
+                    </a:lnR>
+                  </a:tcPr>
+                </a:tc>
+                <a:tc>
+                  <a:txBody>
+                    <a:bodyPr/>
+                    <a:p>
+                      <a:pPr>
+                        <a:buNone/>
+                      </a:pPr>
+                      <a:endParaRPr lang="en-US" sz="1200">
+                        <a:solidFill>
+                          <a:srgbClr val="000000"/>
+                        </a:solidFill>
+                        <a:cs typeface="+mn-lt"/>
+                      </a:endParaRPr>
+                    </a:p>
+                  </a:txBody>
+                  <a:tcPr anchor="ctr" anchorCtr="0">
+                    <a:lnR w="12700">
+                      <a:solidFill>
+                        <a:schemeClr val="tx1"/>
+                      </a:solidFill>
+                      <a:prstDash val="solid"/>
+                    </a:lnR>
+                  </a:tcPr>
+                </a:tc>
+                <a:tc>
+                  <a:txBody>
+                    <a:bodyPr/>
+                    <a:p>
+                      <a:pPr>
+                        <a:buNone/>
+                      </a:pPr>
+                      <a:endParaRPr lang="en-US" sz="1200">
+                        <a:solidFill>
+                          <a:srgbClr val="000000"/>
+                        </a:solidFill>
+                        <a:cs typeface="+mn-lt"/>
+                      </a:endParaRPr>
+                    </a:p>
+                  </a:txBody>
+                  <a:tcPr anchor="ctr" anchorCtr="0">
+                    <a:lnL w="12700">
+                      <a:solidFill>
+                        <a:schemeClr val="tx1"/>
+                      </a:solidFill>
+                      <a:prstDash val="solid"/>
+                    </a:lnL>
+                    <a:lnR w="38100" cmpd="sng">
+                      <a:solidFill>
+                        <a:schemeClr val="tx1"/>
+                      </a:solidFill>
+                      <a:prstDash val="solid"/>
+                    </a:lnR>
+                  </a:tcPr>
+                </a:tc>
+              </a:tr>
+              <a:tr h="457200">
+                <a:tc>
+                  <a:txBody>
+                    <a:bodyPr/>
+                    <a:p>
+                      <a:pPr>
+                        <a:buNone/>
+                      </a:pPr>
+                      <a:r>
+                        <a:rPr lang="en-US" sz="1200">
+                          <a:solidFill>
+                            <a:srgbClr val="000000"/>
+                          </a:solidFill>
+                        </a:rPr>
+                        <a:t>Optimality</a:t>
+                      </a:r>
+                      <a:endParaRPr lang="en-US" sz="1200">
+                        <a:solidFill>
+                          <a:srgbClr val="000000"/>
+                        </a:solidFill>
+                      </a:endParaRPr>
+                    </a:p>
+                  </a:txBody>
+                  <a:tcPr anchor="ctr" anchorCtr="0">
+                    <a:lnL w="38100" cmpd="sng">
+                      <a:solidFill>
+                        <a:schemeClr val="tx1"/>
+                      </a:solidFill>
+                      <a:prstDash val="solid"/>
+                    </a:lnL>
+                    <a:lnR w="38100" cmpd="sng">
+                      <a:solidFill>
+                        <a:schemeClr val="tx1"/>
+                      </a:solidFill>
+                      <a:prstDash val="solid"/>
+                    </a:lnR>
+                  </a:tcPr>
+                </a:tc>
+                <a:tc>
+                  <a:txBody>
+                    <a:bodyPr/>
+                    <a:p>
+                      <a:pPr>
+                        <a:buNone/>
+                      </a:pPr>
+                      <a:r>
+                        <a:rPr lang="en-US" sz="1200">
+                          <a:solidFill>
+                            <a:srgbClr val="000000"/>
+                          </a:solidFill>
+                          <a:cs typeface="+mn-lt"/>
+                        </a:rPr>
+                        <a:t>Approximate solution</a:t>
+                      </a:r>
+                      <a:endParaRPr lang="en-US" sz="1200">
+                        <a:solidFill>
+                          <a:srgbClr val="000000"/>
+                        </a:solidFill>
+                        <a:cs typeface="+mn-lt"/>
+                      </a:endParaRPr>
+                    </a:p>
+                  </a:txBody>
+                  <a:tcPr anchor="ctr" anchorCtr="0">
+                    <a:lnL w="38100" cmpd="sng">
+                      <a:solidFill>
+                        <a:schemeClr val="tx1"/>
+                      </a:solidFill>
+                      <a:prstDash val="solid"/>
+                    </a:lnL>
+                  </a:tcPr>
+                </a:tc>
+                <a:tc>
+                  <a:txBody>
+                    <a:bodyPr/>
+                    <a:p>
+                      <a:pPr>
+                        <a:buNone/>
+                      </a:pPr>
+                      <a:r>
+                        <a:rPr lang="en-US" sz="1200">
+                          <a:solidFill>
+                            <a:srgbClr val="000000"/>
+                          </a:solidFill>
+                          <a:cs typeface="+mn-lt"/>
+                        </a:rPr>
+                        <a:t>Potentially exact</a:t>
+                      </a:r>
+                      <a:endParaRPr lang="en-US" sz="1200">
+                        <a:solidFill>
+                          <a:srgbClr val="000000"/>
+                        </a:solidFill>
+                        <a:cs typeface="+mn-lt"/>
+                      </a:endParaRPr>
+                    </a:p>
+                  </a:txBody>
+                  <a:tcPr anchor="ctr" anchorCtr="0">
+                    <a:lnR w="38100" cmpd="sng">
+                      <a:solidFill>
+                        <a:schemeClr val="tx1"/>
+                      </a:solidFill>
+                      <a:prstDash val="solid"/>
+                    </a:lnR>
+                  </a:tcPr>
+                </a:tc>
+                <a:tc>
+                  <a:txBody>
+                    <a:bodyPr/>
+                    <a:p>
+                      <a:pPr>
+                        <a:buNone/>
+                      </a:pPr>
+                      <a:endParaRPr lang="en-US" sz="1200">
+                        <a:solidFill>
+                          <a:srgbClr val="000000"/>
+                        </a:solidFill>
+                        <a:cs typeface="+mn-lt"/>
+                      </a:endParaRPr>
+                    </a:p>
+                  </a:txBody>
+                  <a:tcPr anchor="ctr" anchorCtr="0">
+                    <a:lnR w="12700">
+                      <a:solidFill>
+                        <a:schemeClr val="tx1"/>
+                      </a:solidFill>
+                      <a:prstDash val="solid"/>
+                    </a:lnR>
+                  </a:tcPr>
+                </a:tc>
+                <a:tc>
+                  <a:txBody>
+                    <a:bodyPr/>
+                    <a:p>
+                      <a:pPr>
+                        <a:buNone/>
+                      </a:pPr>
+                      <a:endParaRPr lang="en-US" sz="1200">
+                        <a:solidFill>
+                          <a:srgbClr val="000000"/>
+                        </a:solidFill>
+                        <a:cs typeface="+mn-lt"/>
+                      </a:endParaRPr>
+                    </a:p>
+                  </a:txBody>
+                  <a:tcPr anchor="ctr" anchorCtr="0">
+                    <a:lnL w="12700">
+                      <a:solidFill>
+                        <a:schemeClr val="tx1"/>
+                      </a:solidFill>
+                      <a:prstDash val="solid"/>
+                    </a:lnL>
+                    <a:lnR w="38100" cmpd="sng">
+                      <a:solidFill>
+                        <a:schemeClr val="tx1"/>
+                      </a:solidFill>
+                      <a:prstDash val="solid"/>
+                    </a:lnR>
+                  </a:tcPr>
+                </a:tc>
+              </a:tr>
+              <a:tr h="457200">
+                <a:tc>
+                  <a:txBody>
+                    <a:bodyPr/>
+                    <a:p>
+                      <a:pPr>
+                        <a:buNone/>
+                      </a:pPr>
+                      <a:r>
+                        <a:rPr lang="en-US" sz="1200">
+                          <a:solidFill>
+                            <a:srgbClr val="000000"/>
+                          </a:solidFill>
+                        </a:rPr>
+                        <a:t>Solve speed</a:t>
+                      </a:r>
+                      <a:endParaRPr lang="en-US" sz="1200">
+                        <a:solidFill>
+                          <a:srgbClr val="000000"/>
+                        </a:solidFill>
+                      </a:endParaRPr>
+                    </a:p>
+                  </a:txBody>
+                  <a:tcPr anchor="ctr" anchorCtr="0">
+                    <a:lnL w="38100" cmpd="sng">
+                      <a:solidFill>
+                        <a:schemeClr val="tx1"/>
+                      </a:solidFill>
+                      <a:prstDash val="solid"/>
+                    </a:lnL>
+                    <a:lnR w="38100" cmpd="sng">
+                      <a:solidFill>
+                        <a:schemeClr val="tx1"/>
+                      </a:solidFill>
+                      <a:prstDash val="solid"/>
+                    </a:lnR>
+                    <a:lnB w="38100" cmpd="sng">
+                      <a:solidFill>
+                        <a:schemeClr val="tx1"/>
+                      </a:solidFill>
+                      <a:prstDash val="solid"/>
+                    </a:lnB>
+                  </a:tcPr>
+                </a:tc>
+                <a:tc>
+                  <a:txBody>
+                    <a:bodyPr/>
+                    <a:p>
+                      <a:pPr>
+                        <a:buNone/>
+                      </a:pPr>
+                      <a:r>
+                        <a:rPr lang="en-US" sz="1200">
+                          <a:solidFill>
+                            <a:srgbClr val="000000"/>
+                          </a:solidFill>
+                          <a:cs typeface="+mn-lt"/>
+                        </a:rPr>
+                        <a:t>Real-time capable</a:t>
+                      </a:r>
+                      <a:endParaRPr lang="en-US" sz="1200">
+                        <a:solidFill>
+                          <a:srgbClr val="000000"/>
+                        </a:solidFill>
+                        <a:cs typeface="+mn-lt"/>
+                      </a:endParaRPr>
+                    </a:p>
+                  </a:txBody>
+                  <a:tcPr anchor="ctr" anchorCtr="0">
+                    <a:lnL w="38100" cmpd="sng">
+                      <a:solidFill>
+                        <a:schemeClr val="tx1"/>
+                      </a:solidFill>
+                      <a:prstDash val="solid"/>
+                    </a:lnL>
+                    <a:lnB w="38100" cmpd="sng">
+                      <a:solidFill>
+                        <a:schemeClr val="tx1"/>
+                      </a:solidFill>
+                      <a:prstDash val="solid"/>
+                    </a:lnB>
+                  </a:tcPr>
+                </a:tc>
+                <a:tc>
+                  <a:txBody>
+                    <a:bodyPr/>
+                    <a:p>
+                      <a:pPr>
+                        <a:buNone/>
+                      </a:pPr>
+                      <a:r>
+                        <a:rPr lang="en-US" sz="1200">
+                          <a:solidFill>
+                            <a:srgbClr val="000000"/>
+                          </a:solidFill>
+                          <a:cs typeface="+mn-lt"/>
+                        </a:rPr>
+                        <a:t>Slow</a:t>
+                      </a:r>
+                      <a:endParaRPr lang="en-US" sz="1200">
+                        <a:solidFill>
+                          <a:srgbClr val="000000"/>
+                        </a:solidFill>
+                        <a:cs typeface="+mn-lt"/>
+                      </a:endParaRPr>
+                    </a:p>
+                  </a:txBody>
+                  <a:tcPr anchor="ctr" anchorCtr="0">
+                    <a:lnR w="38100" cmpd="sng">
+                      <a:solidFill>
+                        <a:schemeClr val="tx1"/>
+                      </a:solidFill>
+                      <a:prstDash val="solid"/>
+                    </a:lnR>
+                    <a:lnB w="38100" cmpd="sng">
+                      <a:solidFill>
+                        <a:schemeClr val="tx1"/>
+                      </a:solidFill>
+                      <a:prstDash val="solid"/>
+                    </a:lnB>
+                  </a:tcPr>
+                </a:tc>
+                <a:tc>
+                  <a:txBody>
+                    <a:bodyPr/>
+                    <a:p>
+                      <a:pPr>
+                        <a:buNone/>
+                      </a:pPr>
+                      <a:endParaRPr lang="en-US" sz="1200">
+                        <a:solidFill>
+                          <a:srgbClr val="000000"/>
+                        </a:solidFill>
+                        <a:cs typeface="+mn-lt"/>
+                      </a:endParaRPr>
+                    </a:p>
+                  </a:txBody>
+                  <a:tcPr anchor="ctr" anchorCtr="0">
+                    <a:lnR w="12700">
+                      <a:solidFill>
+                        <a:schemeClr val="tx1"/>
+                      </a:solidFill>
+                      <a:prstDash val="solid"/>
+                    </a:lnR>
+                    <a:lnB w="38100" cmpd="sng">
+                      <a:solidFill>
+                        <a:schemeClr val="tx1"/>
+                      </a:solidFill>
+                      <a:prstDash val="solid"/>
+                    </a:lnB>
+                  </a:tcPr>
+                </a:tc>
+                <a:tc>
+                  <a:txBody>
+                    <a:bodyPr/>
+                    <a:p>
+                      <a:pPr>
+                        <a:buNone/>
+                      </a:pPr>
+                      <a:endParaRPr lang="en-US" sz="1200">
+                        <a:solidFill>
+                          <a:srgbClr val="000000"/>
+                        </a:solidFill>
+                        <a:cs typeface="+mn-lt"/>
+                      </a:endParaRPr>
+                    </a:p>
+                  </a:txBody>
+                  <a:tcPr anchor="ctr" anchorCtr="0">
+                    <a:lnL w="12700">
+                      <a:solidFill>
+                        <a:schemeClr val="tx1"/>
+                      </a:solidFill>
+                      <a:prstDash val="solid"/>
+                    </a:lnL>
+                    <a:lnR w="38100" cmpd="sng">
+                      <a:solidFill>
+                        <a:schemeClr val="tx1"/>
+                      </a:solidFill>
+                      <a:prstDash val="solid"/>
+                    </a:lnR>
+                    <a:lnB w="38100" cmpd="sng">
+                      <a:solidFill>
+                        <a:schemeClr val="tx1"/>
+                      </a:solidFill>
+                      <a:prstDash val="solid"/>
+                    </a:lnB>
+                  </a:tcPr>
+                </a:tc>
+              </a:tr>
+            </a:tbl>
+          </a:graphicData>
+        </a:graphic>
+      </p:graphicFrame>
+    </p:spTree>
+  </p:cSld>
+  <p:clrMapOvr>
+    <a:masterClrMapping/>
+  </p:clrMapOvr>
+  <mc:AlternateContent xmlns:mc="http://schemas.openxmlformats.org/markup-compatibility/2006">
+    <mc:Choice xmlns:p14="http://schemas.microsoft.com/office/powerpoint/2010/main" Requires="p14">
+      <p:transition spd="slow" p14:dur="2000"/>
+    </mc:Choice>
+    <mc:Fallback>
+      <p:transition spd="slow"/>
+    </mc:Fallback>
+  </mc:AlternateContent>
+  <p:timing>
+    <p:tnLst>
+      <p:par>
+        <p:cTn id="1" dur="indefinite" restart="never" nodeType="tmRoot"/>
+      </p:par>
+    </p:tnLst>
+  </p:timing>
 </p:sld>
 </file>
 

--- a/Presentations/Mid-Term Presentation.pptx
+++ b/Presentations/Mid-Term Presentation.pptx
@@ -3,24 +3,28 @@
 <p:presentation xmlns:a="http://schemas.openxmlformats.org/drawingml/2006/main" xmlns:r="http://schemas.openxmlformats.org/officeDocument/2006/relationships" xmlns:p="http://schemas.openxmlformats.org/presentationml/2006/main" showSpecialPlsOnTitleSld="0">
   <p:sldMasterIdLst>
     <p:sldMasterId id="2147483648" r:id="rId1"/>
-    <p:sldMasterId id="2147483659" r:id="rId3"/>
+    <p:sldMasterId id="2147483659" r:id="rId2"/>
   </p:sldMasterIdLst>
   <p:notesMasterIdLst>
-    <p:notesMasterId r:id="rId10"/>
+    <p:notesMasterId r:id="rId13"/>
   </p:notesMasterIdLst>
   <p:handoutMasterIdLst>
-    <p:handoutMasterId r:id="rId11"/>
+    <p:handoutMasterId r:id="rId14"/>
   </p:handoutMasterIdLst>
   <p:sldIdLst>
-    <p:sldId id="256" r:id="rId4"/>
-    <p:sldId id="257" r:id="rId5"/>
-    <p:sldId id="259" r:id="rId6"/>
-    <p:sldId id="261" r:id="rId7"/>
+    <p:sldId id="256" r:id="rId3"/>
+    <p:sldId id="257" r:id="rId4"/>
+    <p:sldId id="259" r:id="rId5"/>
+    <p:sldId id="261" r:id="rId6"/>
+    <p:sldId id="262" r:id="rId7"/>
     <p:sldId id="260" r:id="rId8"/>
-    <p:sldId id="262" r:id="rId9"/>
+    <p:sldId id="264" r:id="rId9"/>
+    <p:sldId id="265" r:id="rId10"/>
+    <p:sldId id="266" r:id="rId11"/>
+    <p:sldId id="267" r:id="rId12"/>
   </p:sldIdLst>
   <p:sldSz cx="12192000" cy="6858000"/>
-  <p:notesSz cx="7103745" cy="10234295"/>
+  <p:notesSz cx="7104063" cy="10234613"/>
   <p:defaultTextStyle>
     <a:defPPr>
       <a:defRPr lang="zh-CN"/>
@@ -116,6 +120,22 @@
       </a:defRPr>
     </a:lvl9pPr>
   </p:defaultTextStyle>
+  <p:extLst>
+    <p:ext uri="{EFAFB233-063F-42B5-8137-9DF3F51BA10A}">
+      <p15:sldGuideLst xmlns:p15="http://schemas.microsoft.com/office/powerpoint/2012/main">
+        <p15:guide id="1" orient="horz" pos="2214">
+          <p15:clr>
+            <a:srgbClr val="A4A3A4"/>
+          </p15:clr>
+        </p15:guide>
+        <p15:guide id="2" pos="3840">
+          <p15:clr>
+            <a:srgbClr val="A4A3A4"/>
+          </p15:clr>
+        </p15:guide>
+      </p15:sldGuideLst>
+    </p:ext>
+  </p:extLst>
 </p:presentation>
 </file>
 
@@ -201,6 +221,7 @@
           <a:p>
             <a:fld id="{0F9B84EA-7D68-4D60-9CB1-D50884785D1C}" type="datetimeFigureOut">
               <a:rPr lang="zh-CN" altLang="en-US" smtClean="0"/>
+              <a:t>2025/9/22</a:t>
             </a:fld>
             <a:endParaRPr lang="zh-CN" altLang="en-US"/>
           </a:p>
@@ -266,12 +287,18 @@
           <a:p>
             <a:fld id="{8D4E0FC9-F1F8-4FAE-9988-3BA365CFD46F}" type="slidenum">
               <a:rPr lang="zh-CN" altLang="en-US" smtClean="0"/>
+              <a:t>‹#›</a:t>
             </a:fld>
             <a:endParaRPr lang="zh-CN" altLang="en-US"/>
           </a:p>
         </p:txBody>
       </p:sp>
     </p:spTree>
+    <p:extLst>
+      <p:ext uri="{BB962C8B-B14F-4D97-AF65-F5344CB8AC3E}">
+        <p14:creationId xmlns:p14="http://schemas.microsoft.com/office/powerpoint/2010/main" val="1"/>
+      </p:ext>
+    </p:extLst>
   </p:cSld>
   <p:clrMap bg1="lt1" tx1="dk1" bg2="lt2" tx2="dk2" accent1="accent1" accent2="accent2" accent3="accent3" accent4="accent4" accent5="accent5" accent6="accent6" hlink="hlink" folHlink="folHlink"/>
 </p:handoutMaster>
@@ -359,6 +386,7 @@
           <a:p>
             <a:fld id="{D6C8D182-E4C8-4120-9249-FC9774456FFA}" type="datetimeFigureOut">
               <a:rPr lang="zh-CN" altLang="en-US" smtClean="0"/>
+              <a:t>2025/9/22</a:t>
             </a:fld>
             <a:endParaRPr lang="zh-CN" altLang="en-US"/>
           </a:p>
@@ -425,7 +453,6 @@
               <a:rPr lang="zh-CN" altLang="en-US"/>
               <a:t>编辑母版文本样式</a:t>
             </a:r>
-            <a:endParaRPr lang="zh-CN" altLang="en-US"/>
           </a:p>
           <a:p>
             <a:pPr lvl="1"/>
@@ -433,7 +460,6 @@
               <a:rPr lang="zh-CN" altLang="en-US"/>
               <a:t>第二级</a:t>
             </a:r>
-            <a:endParaRPr lang="zh-CN" altLang="en-US"/>
           </a:p>
           <a:p>
             <a:pPr lvl="2"/>
@@ -441,7 +467,6 @@
               <a:rPr lang="zh-CN" altLang="en-US"/>
               <a:t>第三级</a:t>
             </a:r>
-            <a:endParaRPr lang="zh-CN" altLang="en-US"/>
           </a:p>
           <a:p>
             <a:pPr lvl="3"/>
@@ -449,7 +474,6 @@
               <a:rPr lang="zh-CN" altLang="en-US"/>
               <a:t>第四级</a:t>
             </a:r>
-            <a:endParaRPr lang="zh-CN" altLang="en-US"/>
           </a:p>
           <a:p>
             <a:pPr lvl="4"/>
@@ -457,7 +481,6 @@
               <a:rPr lang="zh-CN" altLang="en-US"/>
               <a:t>第五级</a:t>
             </a:r>
-            <a:endParaRPr lang="zh-CN" altLang="en-US"/>
           </a:p>
         </p:txBody>
       </p:sp>
@@ -521,6 +544,7 @@
           <a:p>
             <a:fld id="{85D0DACE-38E0-42D2-9336-2B707D34BC6D}" type="slidenum">
               <a:rPr lang="zh-CN" altLang="en-US" smtClean="0"/>
+              <a:t>‹#›</a:t>
             </a:fld>
             <a:endParaRPr lang="zh-CN" altLang="en-US"/>
           </a:p>
@@ -684,9 +708,6 @@
               </a:rPr>
               <a:t>Click to edit Master title style</a:t>
             </a:r>
-            <a:endParaRPr lang="zh-CN" altLang="en-US" dirty="0">
-              <a:sym typeface="+mn-ea"/>
-            </a:endParaRPr>
           </a:p>
         </p:txBody>
       </p:sp>
@@ -707,6 +728,7 @@
           <a:p>
             <a:fld id="{760FBDFE-C587-4B4C-A407-44438C67B59E}" type="datetime1">
               <a:rPr lang="en-US" altLang="en-US" smtClean="0"/>
+              <a:t>9/22/2025</a:t>
             </a:fld>
             <a:endParaRPr lang="zh-CN" altLang="en-US"/>
           </a:p>
@@ -731,7 +753,6 @@
               <a:rPr lang="zh-CN" altLang="en-US"/>
               <a:t>Real-Time Time-Optimal Spacecraft Attitude Control</a:t>
             </a:r>
-            <a:endParaRPr lang="zh-CN" altLang="en-US"/>
           </a:p>
         </p:txBody>
       </p:sp>
@@ -752,6 +773,7 @@
           <a:p>
             <a:fld id="{49AE70B2-8BF9-45C0-BB95-33D1B9D3A854}" type="slidenum">
               <a:rPr lang="zh-CN" altLang="en-US" smtClean="0"/>
+              <a:t>‹#›</a:t>
             </a:fld>
             <a:endParaRPr lang="zh-CN" altLang="en-US"/>
           </a:p>
@@ -830,7 +852,6 @@
               <a:rPr lang="zh-CN" altLang="en-US" dirty="0"/>
               <a:t>Click to edit Master subtitle style</a:t>
             </a:r>
-            <a:endParaRPr lang="zh-CN" altLang="en-US" dirty="0"/>
           </a:p>
         </p:txBody>
       </p:sp>
@@ -877,6 +898,7 @@
           <a:p>
             <a:fld id="{760FBDFE-C587-4B4C-A407-44438C67B59E}" type="datetime1">
               <a:rPr lang="en-US" altLang="en-US" smtClean="0"/>
+              <a:t>9/22/2025</a:t>
             </a:fld>
             <a:endParaRPr lang="zh-CN" altLang="en-US"/>
           </a:p>
@@ -901,7 +923,6 @@
               <a:rPr lang="zh-CN" altLang="en-US"/>
               <a:t>Real-Time Time-Optimal Spacecraft Attitude Control</a:t>
             </a:r>
-            <a:endParaRPr lang="zh-CN" altLang="en-US"/>
           </a:p>
         </p:txBody>
       </p:sp>
@@ -922,6 +943,7 @@
           <a:p>
             <a:fld id="{49AE70B2-8BF9-45C0-BB95-33D1B9D3A854}" type="slidenum">
               <a:rPr lang="zh-CN" altLang="en-US" smtClean="0"/>
+              <a:t>‹#›</a:t>
             </a:fld>
             <a:endParaRPr lang="zh-CN" altLang="en-US"/>
           </a:p>
@@ -954,9 +976,6 @@
               </a:rPr>
               <a:t>Click to edit Master text styles</a:t>
             </a:r>
-            <a:endParaRPr lang="zh-CN" altLang="en-US" dirty="0">
-              <a:sym typeface="+mn-ea"/>
-            </a:endParaRPr>
           </a:p>
           <a:p>
             <a:pPr lvl="1"/>
@@ -964,7 +983,6 @@
               <a:rPr lang="zh-CN" altLang="en-US" dirty="0"/>
               <a:t>Second level</a:t>
             </a:r>
-            <a:endParaRPr lang="zh-CN" altLang="en-US" dirty="0"/>
           </a:p>
           <a:p>
             <a:pPr lvl="2"/>
@@ -972,7 +990,6 @@
               <a:rPr lang="zh-CN" altLang="en-US" dirty="0"/>
               <a:t>Third level</a:t>
             </a:r>
-            <a:endParaRPr lang="zh-CN" altLang="en-US" dirty="0"/>
           </a:p>
           <a:p>
             <a:pPr lvl="3"/>
@@ -980,7 +997,6 @@
               <a:rPr lang="zh-CN" altLang="en-US" dirty="0"/>
               <a:t>Fourth level</a:t>
             </a:r>
-            <a:endParaRPr lang="zh-CN" altLang="en-US" dirty="0"/>
           </a:p>
           <a:p>
             <a:pPr lvl="4"/>
@@ -988,7 +1004,6 @@
               <a:rPr lang="zh-CN" altLang="en-US" dirty="0"/>
               <a:t>Fifth level</a:t>
             </a:r>
-            <a:endParaRPr lang="zh-CN" altLang="en-US" dirty="0"/>
           </a:p>
         </p:txBody>
       </p:sp>
@@ -1061,9 +1076,6 @@
               </a:rPr>
               <a:t>Click to edit Master title style</a:t>
             </a:r>
-            <a:endParaRPr lang="zh-CN" altLang="en-US" dirty="0">
-              <a:sym typeface="+mn-ea"/>
-            </a:endParaRPr>
           </a:p>
         </p:txBody>
       </p:sp>
@@ -1084,6 +1096,7 @@
           <a:p>
             <a:fld id="{760FBDFE-C587-4B4C-A407-44438C67B59E}" type="datetime1">
               <a:rPr lang="en-US" altLang="en-US" smtClean="0"/>
+              <a:t>9/22/2025</a:t>
             </a:fld>
             <a:endParaRPr lang="zh-CN" altLang="en-US"/>
           </a:p>
@@ -1108,7 +1121,6 @@
               <a:rPr lang="zh-CN" altLang="en-US"/>
               <a:t>Real-Time Time-Optimal Spacecraft Attitude Control</a:t>
             </a:r>
-            <a:endParaRPr lang="zh-CN" altLang="en-US"/>
           </a:p>
         </p:txBody>
       </p:sp>
@@ -1129,6 +1141,7 @@
           <a:p>
             <a:fld id="{49AE70B2-8BF9-45C0-BB95-33D1B9D3A854}" type="slidenum">
               <a:rPr lang="zh-CN" altLang="en-US" smtClean="0"/>
+              <a:t>‹#›</a:t>
             </a:fld>
             <a:endParaRPr lang="zh-CN" altLang="en-US"/>
           </a:p>
@@ -1207,7 +1220,6 @@
               <a:rPr lang="zh-CN" altLang="en-US" dirty="0"/>
               <a:t>Click to edit Master subtitle style</a:t>
             </a:r>
-            <a:endParaRPr lang="zh-CN" altLang="en-US" dirty="0"/>
           </a:p>
         </p:txBody>
       </p:sp>
@@ -1275,7 +1287,6 @@
               <a:rPr lang="zh-CN" altLang="en-US" dirty="0"/>
               <a:t>Click to edit Master title style</a:t>
             </a:r>
-            <a:endParaRPr lang="zh-CN" altLang="en-US" dirty="0"/>
           </a:p>
         </p:txBody>
       </p:sp>
@@ -1359,9 +1370,6 @@
               </a:rPr>
               <a:t>Click to edit Master text styles</a:t>
             </a:r>
-            <a:endParaRPr lang="zh-CN" altLang="en-US" dirty="0">
-              <a:sym typeface="+mn-ea"/>
-            </a:endParaRPr>
           </a:p>
           <a:p>
             <a:pPr lvl="1"/>
@@ -1369,7 +1377,6 @@
               <a:rPr lang="zh-CN" altLang="en-US" dirty="0"/>
               <a:t>Second level</a:t>
             </a:r>
-            <a:endParaRPr lang="zh-CN" altLang="en-US" dirty="0"/>
           </a:p>
           <a:p>
             <a:pPr lvl="2"/>
@@ -1377,7 +1384,6 @@
               <a:rPr lang="zh-CN" altLang="en-US" dirty="0"/>
               <a:t>Third level</a:t>
             </a:r>
-            <a:endParaRPr lang="zh-CN" altLang="en-US" dirty="0"/>
           </a:p>
           <a:p>
             <a:pPr lvl="3"/>
@@ -1385,7 +1391,6 @@
               <a:rPr lang="zh-CN" altLang="en-US" dirty="0"/>
               <a:t>Fourth level</a:t>
             </a:r>
-            <a:endParaRPr lang="zh-CN" altLang="en-US" dirty="0"/>
           </a:p>
           <a:p>
             <a:pPr lvl="4"/>
@@ -1393,7 +1398,6 @@
               <a:rPr lang="zh-CN" altLang="en-US" dirty="0"/>
               <a:t>Fifth level</a:t>
             </a:r>
-            <a:endParaRPr lang="zh-CN" altLang="en-US" dirty="0"/>
           </a:p>
         </p:txBody>
       </p:sp>
@@ -1414,6 +1418,7 @@
           <a:p>
             <a:fld id="{760FBDFE-C587-4B4C-A407-44438C67B59E}" type="datetime1">
               <a:rPr lang="en-US" altLang="en-US" smtClean="0"/>
+              <a:t>9/22/2025</a:t>
             </a:fld>
             <a:endParaRPr lang="zh-CN" altLang="en-US"/>
           </a:p>
@@ -1461,6 +1466,7 @@
           <a:p>
             <a:fld id="{49AE70B2-8BF9-45C0-BB95-33D1B9D3A854}" type="slidenum">
               <a:rPr lang="zh-CN" altLang="en-US" smtClean="0"/>
+              <a:t>‹#›</a:t>
             </a:fld>
             <a:endParaRPr lang="zh-CN" altLang="en-US"/>
           </a:p>
@@ -1530,7 +1536,6 @@
               <a:rPr lang="zh-CN" altLang="en-US" dirty="0"/>
               <a:t>Click to edit Master title style</a:t>
             </a:r>
-            <a:endParaRPr lang="zh-CN" altLang="en-US" dirty="0"/>
           </a:p>
         </p:txBody>
       </p:sp>
@@ -1652,9 +1657,6 @@
               </a:rPr>
               <a:t>Click to edit Master text styles</a:t>
             </a:r>
-            <a:endParaRPr lang="zh-CN" altLang="en-US" dirty="0">
-              <a:sym typeface="+mn-ea"/>
-            </a:endParaRPr>
           </a:p>
         </p:txBody>
       </p:sp>
@@ -1675,6 +1677,7 @@
           <a:p>
             <a:fld id="{760FBDFE-C587-4B4C-A407-44438C67B59E}" type="datetime1">
               <a:rPr lang="en-US" altLang="en-US" smtClean="0"/>
+              <a:t>9/22/2025</a:t>
             </a:fld>
             <a:endParaRPr lang="zh-CN" altLang="en-US"/>
           </a:p>
@@ -1699,7 +1702,6 @@
               <a:rPr lang="zh-CN" altLang="en-US"/>
               <a:t>Real-Time Time-Optimal Spacecraft Attitude Control</a:t>
             </a:r>
-            <a:endParaRPr lang="zh-CN" altLang="en-US"/>
           </a:p>
         </p:txBody>
       </p:sp>
@@ -1720,6 +1722,7 @@
           <a:p>
             <a:fld id="{49AE70B2-8BF9-45C0-BB95-33D1B9D3A854}" type="slidenum">
               <a:rPr lang="zh-CN" altLang="en-US" smtClean="0"/>
+              <a:t>‹#›</a:t>
             </a:fld>
             <a:endParaRPr lang="zh-CN" altLang="en-US"/>
           </a:p>
@@ -1789,7 +1792,6 @@
               <a:rPr lang="zh-CN" altLang="en-US" dirty="0"/>
               <a:t>Click to edit Master title style</a:t>
             </a:r>
-            <a:endParaRPr lang="zh-CN" altLang="en-US" dirty="0"/>
           </a:p>
         </p:txBody>
       </p:sp>
@@ -1888,9 +1890,6 @@
               </a:rPr>
               <a:t>Click to edit Master text styles</a:t>
             </a:r>
-            <a:endParaRPr lang="zh-CN" altLang="en-US" dirty="0">
-              <a:sym typeface="+mn-ea"/>
-            </a:endParaRPr>
           </a:p>
           <a:p>
             <a:pPr lvl="1"/>
@@ -1898,7 +1897,6 @@
               <a:rPr lang="zh-CN" altLang="en-US" dirty="0"/>
               <a:t>Second level</a:t>
             </a:r>
-            <a:endParaRPr lang="zh-CN" altLang="en-US" dirty="0"/>
           </a:p>
           <a:p>
             <a:pPr lvl="2"/>
@@ -1906,7 +1904,6 @@
               <a:rPr lang="zh-CN" altLang="en-US" dirty="0"/>
               <a:t>Third level</a:t>
             </a:r>
-            <a:endParaRPr lang="zh-CN" altLang="en-US" dirty="0"/>
           </a:p>
           <a:p>
             <a:pPr lvl="3"/>
@@ -1914,7 +1911,6 @@
               <a:rPr lang="zh-CN" altLang="en-US" dirty="0"/>
               <a:t>Fourth level</a:t>
             </a:r>
-            <a:endParaRPr lang="zh-CN" altLang="en-US" dirty="0"/>
           </a:p>
           <a:p>
             <a:pPr lvl="4"/>
@@ -1922,7 +1918,6 @@
               <a:rPr lang="zh-CN" altLang="en-US" dirty="0"/>
               <a:t>Fifth level</a:t>
             </a:r>
-            <a:endParaRPr lang="zh-CN" altLang="en-US" dirty="0"/>
           </a:p>
         </p:txBody>
       </p:sp>
@@ -2021,9 +2016,6 @@
               </a:rPr>
               <a:t>Click to edit Master text styles</a:t>
             </a:r>
-            <a:endParaRPr lang="zh-CN" altLang="en-US" dirty="0">
-              <a:sym typeface="+mn-ea"/>
-            </a:endParaRPr>
           </a:p>
           <a:p>
             <a:pPr lvl="1"/>
@@ -2031,7 +2023,6 @@
               <a:rPr lang="zh-CN" altLang="en-US" dirty="0"/>
               <a:t>Second level</a:t>
             </a:r>
-            <a:endParaRPr lang="zh-CN" altLang="en-US" dirty="0"/>
           </a:p>
           <a:p>
             <a:pPr lvl="2"/>
@@ -2039,7 +2030,6 @@
               <a:rPr lang="zh-CN" altLang="en-US" dirty="0"/>
               <a:t>Third level</a:t>
             </a:r>
-            <a:endParaRPr lang="zh-CN" altLang="en-US" dirty="0"/>
           </a:p>
           <a:p>
             <a:pPr lvl="3"/>
@@ -2047,7 +2037,6 @@
               <a:rPr lang="zh-CN" altLang="en-US" dirty="0"/>
               <a:t>Fourth level</a:t>
             </a:r>
-            <a:endParaRPr lang="zh-CN" altLang="en-US" dirty="0"/>
           </a:p>
           <a:p>
             <a:pPr lvl="4"/>
@@ -2055,7 +2044,6 @@
               <a:rPr lang="zh-CN" altLang="en-US" dirty="0"/>
               <a:t>Fifth level</a:t>
             </a:r>
-            <a:endParaRPr lang="zh-CN" altLang="en-US" dirty="0"/>
           </a:p>
         </p:txBody>
       </p:sp>
@@ -2076,6 +2064,7 @@
           <a:p>
             <a:fld id="{760FBDFE-C587-4B4C-A407-44438C67B59E}" type="datetime1">
               <a:rPr lang="en-US" altLang="en-US" smtClean="0"/>
+              <a:t>9/22/2025</a:t>
             </a:fld>
             <a:endParaRPr lang="zh-CN" altLang="en-US"/>
           </a:p>
@@ -2123,6 +2112,7 @@
           <a:p>
             <a:fld id="{49AE70B2-8BF9-45C0-BB95-33D1B9D3A854}" type="slidenum">
               <a:rPr lang="zh-CN" altLang="en-US" smtClean="0"/>
+              <a:t>‹#›</a:t>
             </a:fld>
             <a:endParaRPr lang="zh-CN" altLang="en-US"/>
           </a:p>
@@ -2178,7 +2168,6 @@
               <a:rPr lang="zh-CN" altLang="en-US"/>
               <a:t>Click to edit Master title style</a:t>
             </a:r>
-            <a:endParaRPr lang="zh-CN" altLang="en-US"/>
           </a:p>
         </p:txBody>
       </p:sp>
@@ -2246,9 +2235,6 @@
               </a:rPr>
               <a:t>Click to edit Master text styles</a:t>
             </a:r>
-            <a:endParaRPr lang="zh-CN" altLang="en-US" dirty="0">
-              <a:sym typeface="+mn-ea"/>
-            </a:endParaRPr>
           </a:p>
         </p:txBody>
       </p:sp>
@@ -2279,9 +2265,6 @@
               </a:rPr>
               <a:t>Click to edit Master text styles</a:t>
             </a:r>
-            <a:endParaRPr lang="zh-CN" altLang="en-US" dirty="0">
-              <a:sym typeface="+mn-ea"/>
-            </a:endParaRPr>
           </a:p>
           <a:p>
             <a:pPr lvl="1"/>
@@ -2289,7 +2272,6 @@
               <a:rPr lang="zh-CN" altLang="en-US" dirty="0"/>
               <a:t>Second level</a:t>
             </a:r>
-            <a:endParaRPr lang="zh-CN" altLang="en-US" dirty="0"/>
           </a:p>
           <a:p>
             <a:pPr lvl="2"/>
@@ -2297,7 +2279,6 @@
               <a:rPr lang="zh-CN" altLang="en-US" dirty="0"/>
               <a:t>Third level</a:t>
             </a:r>
-            <a:endParaRPr lang="zh-CN" altLang="en-US" dirty="0"/>
           </a:p>
           <a:p>
             <a:pPr lvl="3"/>
@@ -2305,7 +2286,6 @@
               <a:rPr lang="zh-CN" altLang="en-US" dirty="0"/>
               <a:t>Fourth level</a:t>
             </a:r>
-            <a:endParaRPr lang="zh-CN" altLang="en-US" dirty="0"/>
           </a:p>
           <a:p>
             <a:pPr lvl="4"/>
@@ -2313,7 +2293,6 @@
               <a:rPr lang="zh-CN" altLang="en-US" dirty="0"/>
               <a:t>Fifth level</a:t>
             </a:r>
-            <a:endParaRPr lang="zh-CN" altLang="en-US" dirty="0"/>
           </a:p>
         </p:txBody>
       </p:sp>
@@ -2381,9 +2360,6 @@
               </a:rPr>
               <a:t>Click to edit Master text styles</a:t>
             </a:r>
-            <a:endParaRPr lang="zh-CN" altLang="en-US" dirty="0">
-              <a:sym typeface="+mn-ea"/>
-            </a:endParaRPr>
           </a:p>
         </p:txBody>
       </p:sp>
@@ -2414,9 +2390,6 @@
               </a:rPr>
               <a:t>Click to edit Master text styles</a:t>
             </a:r>
-            <a:endParaRPr lang="zh-CN" altLang="en-US" dirty="0">
-              <a:sym typeface="+mn-ea"/>
-            </a:endParaRPr>
           </a:p>
           <a:p>
             <a:pPr lvl="1"/>
@@ -2424,7 +2397,6 @@
               <a:rPr lang="zh-CN" altLang="en-US" dirty="0"/>
               <a:t>Second level</a:t>
             </a:r>
-            <a:endParaRPr lang="zh-CN" altLang="en-US" dirty="0"/>
           </a:p>
           <a:p>
             <a:pPr lvl="2"/>
@@ -2432,7 +2404,6 @@
               <a:rPr lang="zh-CN" altLang="en-US" dirty="0"/>
               <a:t>Third level</a:t>
             </a:r>
-            <a:endParaRPr lang="zh-CN" altLang="en-US" dirty="0"/>
           </a:p>
           <a:p>
             <a:pPr lvl="3"/>
@@ -2440,7 +2411,6 @@
               <a:rPr lang="zh-CN" altLang="en-US" dirty="0"/>
               <a:t>Fourth level</a:t>
             </a:r>
-            <a:endParaRPr lang="zh-CN" altLang="en-US" dirty="0"/>
           </a:p>
           <a:p>
             <a:pPr lvl="4"/>
@@ -2448,7 +2418,6 @@
               <a:rPr lang="zh-CN" altLang="en-US" dirty="0"/>
               <a:t>Fifth level</a:t>
             </a:r>
-            <a:endParaRPr lang="zh-CN" altLang="en-US" dirty="0"/>
           </a:p>
         </p:txBody>
       </p:sp>
@@ -2469,6 +2438,7 @@
           <a:p>
             <a:fld id="{760FBDFE-C587-4B4C-A407-44438C67B59E}" type="datetime1">
               <a:rPr lang="en-US" altLang="en-US" smtClean="0"/>
+              <a:t>9/22/2025</a:t>
             </a:fld>
             <a:endParaRPr lang="zh-CN" altLang="en-US"/>
           </a:p>
@@ -2493,7 +2463,6 @@
               <a:rPr lang="zh-CN" altLang="en-US"/>
               <a:t>Real-Time Time-Optimal Spacecraft Attitude Control</a:t>
             </a:r>
-            <a:endParaRPr lang="zh-CN" altLang="en-US"/>
           </a:p>
         </p:txBody>
       </p:sp>
@@ -2514,6 +2483,7 @@
           <a:p>
             <a:fld id="{49AE70B2-8BF9-45C0-BB95-33D1B9D3A854}" type="slidenum">
               <a:rPr lang="zh-CN" altLang="en-US" smtClean="0"/>
+              <a:t>‹#›</a:t>
             </a:fld>
             <a:endParaRPr lang="zh-CN" altLang="en-US"/>
           </a:p>
@@ -2583,7 +2553,6 @@
               <a:rPr lang="zh-CN" altLang="en-US" dirty="0"/>
               <a:t>Click to edit Master title style</a:t>
             </a:r>
-            <a:endParaRPr lang="zh-CN" altLang="en-US" dirty="0"/>
           </a:p>
         </p:txBody>
       </p:sp>
@@ -2604,6 +2573,7 @@
           <a:p>
             <a:fld id="{760FBDFE-C587-4B4C-A407-44438C67B59E}" type="datetime1">
               <a:rPr lang="en-US" altLang="en-US" smtClean="0"/>
+              <a:t>9/22/2025</a:t>
             </a:fld>
             <a:endParaRPr lang="zh-CN" altLang="en-US"/>
           </a:p>
@@ -2628,7 +2598,6 @@
               <a:rPr lang="zh-CN" altLang="en-US"/>
               <a:t>Real-Time Time-Optimal Spacecraft Attitude Control</a:t>
             </a:r>
-            <a:endParaRPr lang="zh-CN" altLang="en-US"/>
           </a:p>
         </p:txBody>
       </p:sp>
@@ -2649,6 +2618,7 @@
           <a:p>
             <a:fld id="{49AE70B2-8BF9-45C0-BB95-33D1B9D3A854}" type="slidenum">
               <a:rPr lang="zh-CN" altLang="en-US" smtClean="0"/>
+              <a:t>‹#›</a:t>
             </a:fld>
             <a:endParaRPr lang="zh-CN" altLang="en-US"/>
           </a:p>
@@ -2697,6 +2667,7 @@
           <a:p>
             <a:fld id="{760FBDFE-C587-4B4C-A407-44438C67B59E}" type="datetime1">
               <a:rPr lang="en-US" altLang="en-US" smtClean="0"/>
+              <a:t>9/22/2025</a:t>
             </a:fld>
             <a:endParaRPr lang="zh-CN" altLang="en-US"/>
           </a:p>
@@ -2721,7 +2692,6 @@
               <a:rPr lang="zh-CN" altLang="en-US"/>
               <a:t>Real-Time Time-Optimal Spacecraft Attitude Control</a:t>
             </a:r>
-            <a:endParaRPr lang="zh-CN" altLang="en-US"/>
           </a:p>
         </p:txBody>
       </p:sp>
@@ -2742,6 +2712,7 @@
           <a:p>
             <a:fld id="{49AE70B2-8BF9-45C0-BB95-33D1B9D3A854}" type="slidenum">
               <a:rPr lang="zh-CN" altLang="en-US" smtClean="0"/>
+              <a:t>‹#›</a:t>
             </a:fld>
             <a:endParaRPr lang="zh-CN" altLang="en-US"/>
           </a:p>
@@ -2813,9 +2784,6 @@
               </a:rPr>
               <a:t>Click to edit Master title style</a:t>
             </a:r>
-            <a:endParaRPr lang="zh-CN" altLang="en-US" dirty="0">
-              <a:sym typeface="+mn-ea"/>
-            </a:endParaRPr>
           </a:p>
         </p:txBody>
       </p:sp>
@@ -2947,7 +2915,6 @@
               <a:rPr lang="zh-CN" altLang="en-US" dirty="0"/>
               <a:t>Click to edit Master text styles</a:t>
             </a:r>
-            <a:endParaRPr lang="zh-CN" altLang="en-US" dirty="0"/>
           </a:p>
         </p:txBody>
       </p:sp>
@@ -2968,6 +2935,7 @@
           <a:p>
             <a:fld id="{9EFD9D74-47D9-4702-A33C-335B63B48DBF}" type="datetime1">
               <a:rPr lang="en-US" altLang="en-US" smtClean="0"/>
+              <a:t>9/22/2025</a:t>
             </a:fld>
             <a:endParaRPr lang="zh-CN" altLang="en-US" dirty="0"/>
           </a:p>
@@ -2992,7 +2960,6 @@
               <a:rPr lang="zh-CN" altLang="en-US" dirty="0"/>
               <a:t>Real-Time Time-Optimal Spacecraft Attitude Control</a:t>
             </a:r>
-            <a:endParaRPr lang="zh-CN" altLang="en-US" dirty="0"/>
           </a:p>
         </p:txBody>
       </p:sp>
@@ -3013,6 +2980,7 @@
           <a:p>
             <a:fld id="{FABC47A4-756D-490B-A52F-7D9E2C9FC05F}" type="slidenum">
               <a:rPr lang="zh-CN" altLang="en-US" smtClean="0"/>
+              <a:t>‹#›</a:t>
             </a:fld>
             <a:endParaRPr lang="zh-CN" altLang="en-US"/>
           </a:p>
@@ -3104,7 +3072,6 @@
               <a:rPr lang="zh-CN" altLang="en-US"/>
               <a:t>Click to edit Master title style</a:t>
             </a:r>
-            <a:endParaRPr lang="zh-CN" altLang="en-US"/>
           </a:p>
         </p:txBody>
       </p:sp>
@@ -3135,9 +3102,6 @@
               </a:rPr>
               <a:t>Click to edit Master text styles</a:t>
             </a:r>
-            <a:endParaRPr lang="zh-CN" altLang="en-US" dirty="0">
-              <a:sym typeface="+mn-ea"/>
-            </a:endParaRPr>
           </a:p>
           <a:p>
             <a:pPr lvl="1"/>
@@ -3145,7 +3109,6 @@
               <a:rPr lang="zh-CN" altLang="en-US" dirty="0"/>
               <a:t>Second level</a:t>
             </a:r>
-            <a:endParaRPr lang="zh-CN" altLang="en-US" dirty="0"/>
           </a:p>
           <a:p>
             <a:pPr lvl="2"/>
@@ -3153,7 +3116,6 @@
               <a:rPr lang="zh-CN" altLang="en-US" dirty="0"/>
               <a:t>Third level</a:t>
             </a:r>
-            <a:endParaRPr lang="zh-CN" altLang="en-US" dirty="0"/>
           </a:p>
           <a:p>
             <a:pPr lvl="3"/>
@@ -3161,7 +3123,6 @@
               <a:rPr lang="zh-CN" altLang="en-US" dirty="0"/>
               <a:t>Fourth level</a:t>
             </a:r>
-            <a:endParaRPr lang="zh-CN" altLang="en-US" dirty="0"/>
           </a:p>
           <a:p>
             <a:pPr lvl="4"/>
@@ -3169,7 +3130,6 @@
               <a:rPr lang="zh-CN" altLang="en-US" dirty="0"/>
               <a:t>Fifth level</a:t>
             </a:r>
-            <a:endParaRPr lang="zh-CN" altLang="en-US" dirty="0"/>
           </a:p>
         </p:txBody>
       </p:sp>
@@ -3190,6 +3150,7 @@
           <a:p>
             <a:fld id="{760FBDFE-C587-4B4C-A407-44438C67B59E}" type="datetime1">
               <a:rPr lang="en-US" altLang="en-US" smtClean="0"/>
+              <a:t>9/22/2025</a:t>
             </a:fld>
             <a:endParaRPr lang="zh-CN" altLang="en-US"/>
           </a:p>
@@ -3214,7 +3175,6 @@
               <a:rPr lang="zh-CN" altLang="en-US"/>
               <a:t>Real-Time Time-Optimal Spacecraft Attitude Control</a:t>
             </a:r>
-            <a:endParaRPr lang="zh-CN" altLang="en-US"/>
           </a:p>
         </p:txBody>
       </p:sp>
@@ -3235,6 +3195,7 @@
           <a:p>
             <a:fld id="{49AE70B2-8BF9-45C0-BB95-33D1B9D3A854}" type="slidenum">
               <a:rPr lang="zh-CN" altLang="en-US" smtClean="0"/>
+              <a:t>‹#›</a:t>
             </a:fld>
             <a:endParaRPr lang="zh-CN" altLang="en-US"/>
           </a:p>
@@ -3304,7 +3265,6 @@
               <a:rPr lang="zh-CN" altLang="en-US" dirty="0"/>
               <a:t>Click to edit Master title style</a:t>
             </a:r>
-            <a:endParaRPr lang="zh-CN" altLang="en-US" dirty="0"/>
           </a:p>
         </p:txBody>
       </p:sp>
@@ -3388,9 +3348,6 @@
               </a:rPr>
               <a:t>Click to edit Master text styles</a:t>
             </a:r>
-            <a:endParaRPr lang="zh-CN" altLang="en-US" dirty="0">
-              <a:sym typeface="+mn-ea"/>
-            </a:endParaRPr>
           </a:p>
           <a:p>
             <a:pPr lvl="1"/>
@@ -3398,7 +3355,6 @@
               <a:rPr lang="zh-CN" altLang="en-US" dirty="0"/>
               <a:t>Second level</a:t>
             </a:r>
-            <a:endParaRPr lang="zh-CN" altLang="en-US" dirty="0"/>
           </a:p>
           <a:p>
             <a:pPr lvl="2"/>
@@ -3406,7 +3362,6 @@
               <a:rPr lang="zh-CN" altLang="en-US" dirty="0"/>
               <a:t>Third level</a:t>
             </a:r>
-            <a:endParaRPr lang="zh-CN" altLang="en-US" dirty="0"/>
           </a:p>
           <a:p>
             <a:pPr lvl="3"/>
@@ -3414,7 +3369,6 @@
               <a:rPr lang="zh-CN" altLang="en-US" dirty="0"/>
               <a:t>Fourth level</a:t>
             </a:r>
-            <a:endParaRPr lang="zh-CN" altLang="en-US" dirty="0"/>
           </a:p>
           <a:p>
             <a:pPr lvl="4"/>
@@ -3422,7 +3376,6 @@
               <a:rPr lang="zh-CN" altLang="en-US" dirty="0"/>
               <a:t>Fifth level</a:t>
             </a:r>
-            <a:endParaRPr lang="zh-CN" altLang="en-US" dirty="0"/>
           </a:p>
         </p:txBody>
       </p:sp>
@@ -3443,6 +3396,7 @@
           <a:p>
             <a:fld id="{760FBDFE-C587-4B4C-A407-44438C67B59E}" type="datetime1">
               <a:rPr lang="en-US" altLang="en-US" smtClean="0"/>
+              <a:t>9/22/2025</a:t>
             </a:fld>
             <a:endParaRPr lang="zh-CN" altLang="en-US"/>
           </a:p>
@@ -3490,6 +3444,7 @@
           <a:p>
             <a:fld id="{49AE70B2-8BF9-45C0-BB95-33D1B9D3A854}" type="slidenum">
               <a:rPr lang="zh-CN" altLang="en-US" smtClean="0"/>
+              <a:t>‹#›</a:t>
             </a:fld>
             <a:endParaRPr lang="zh-CN" altLang="en-US"/>
           </a:p>
@@ -3538,6 +3493,7 @@
           <a:p>
             <a:fld id="{760FBDFE-C587-4B4C-A407-44438C67B59E}" type="datetime1">
               <a:rPr lang="en-US" altLang="en-US" smtClean="0"/>
+              <a:t>9/22/2025</a:t>
             </a:fld>
             <a:endParaRPr lang="zh-CN" altLang="en-US"/>
           </a:p>
@@ -3562,7 +3518,6 @@
               <a:rPr lang="zh-CN" altLang="en-US"/>
               <a:t>Real-Time Time-Optimal Spacecraft Attitude Control</a:t>
             </a:r>
-            <a:endParaRPr lang="zh-CN" altLang="en-US"/>
           </a:p>
         </p:txBody>
       </p:sp>
@@ -3583,6 +3538,7 @@
           <a:p>
             <a:fld id="{49AE70B2-8BF9-45C0-BB95-33D1B9D3A854}" type="slidenum">
               <a:rPr lang="zh-CN" altLang="en-US" smtClean="0"/>
+              <a:t>‹#›</a:t>
             </a:fld>
             <a:endParaRPr lang="zh-CN" altLang="en-US"/>
           </a:p>
@@ -3615,9 +3571,6 @@
               </a:rPr>
               <a:t>Click to edit Master text styles</a:t>
             </a:r>
-            <a:endParaRPr lang="zh-CN" altLang="en-US" dirty="0">
-              <a:sym typeface="+mn-ea"/>
-            </a:endParaRPr>
           </a:p>
           <a:p>
             <a:pPr lvl="1"/>
@@ -3625,7 +3578,6 @@
               <a:rPr lang="zh-CN" altLang="en-US" dirty="0"/>
               <a:t>Second level</a:t>
             </a:r>
-            <a:endParaRPr lang="zh-CN" altLang="en-US" dirty="0"/>
           </a:p>
           <a:p>
             <a:pPr lvl="2"/>
@@ -3633,7 +3585,6 @@
               <a:rPr lang="zh-CN" altLang="en-US" dirty="0"/>
               <a:t>Third level</a:t>
             </a:r>
-            <a:endParaRPr lang="zh-CN" altLang="en-US" dirty="0"/>
           </a:p>
           <a:p>
             <a:pPr lvl="3"/>
@@ -3641,7 +3592,6 @@
               <a:rPr lang="zh-CN" altLang="en-US" dirty="0"/>
               <a:t>Fourth level</a:t>
             </a:r>
-            <a:endParaRPr lang="zh-CN" altLang="en-US" dirty="0"/>
           </a:p>
           <a:p>
             <a:pPr lvl="4"/>
@@ -3649,7 +3599,6 @@
               <a:rPr lang="zh-CN" altLang="en-US" dirty="0"/>
               <a:t>Fifth level</a:t>
             </a:r>
-            <a:endParaRPr lang="zh-CN" altLang="en-US" dirty="0"/>
           </a:p>
         </p:txBody>
       </p:sp>
@@ -3717,7 +3666,6 @@
               <a:rPr lang="zh-CN" altLang="en-US" dirty="0"/>
               <a:t>Click to edit Master title style</a:t>
             </a:r>
-            <a:endParaRPr lang="zh-CN" altLang="en-US" dirty="0"/>
           </a:p>
         </p:txBody>
       </p:sp>
@@ -3839,9 +3787,6 @@
               </a:rPr>
               <a:t>Click to edit Master text styles</a:t>
             </a:r>
-            <a:endParaRPr lang="zh-CN" altLang="en-US" dirty="0">
-              <a:sym typeface="+mn-ea"/>
-            </a:endParaRPr>
           </a:p>
         </p:txBody>
       </p:sp>
@@ -3862,6 +3807,7 @@
           <a:p>
             <a:fld id="{760FBDFE-C587-4B4C-A407-44438C67B59E}" type="datetime1">
               <a:rPr lang="en-US" altLang="en-US" smtClean="0"/>
+              <a:t>9/22/2025</a:t>
             </a:fld>
             <a:endParaRPr lang="zh-CN" altLang="en-US"/>
           </a:p>
@@ -3886,7 +3832,6 @@
               <a:rPr lang="zh-CN" altLang="en-US"/>
               <a:t>Real-Time Time-Optimal Spacecraft Attitude Control</a:t>
             </a:r>
-            <a:endParaRPr lang="zh-CN" altLang="en-US"/>
           </a:p>
         </p:txBody>
       </p:sp>
@@ -3907,6 +3852,7 @@
           <a:p>
             <a:fld id="{49AE70B2-8BF9-45C0-BB95-33D1B9D3A854}" type="slidenum">
               <a:rPr lang="zh-CN" altLang="en-US" smtClean="0"/>
+              <a:t>‹#›</a:t>
             </a:fld>
             <a:endParaRPr lang="zh-CN" altLang="en-US"/>
           </a:p>
@@ -3976,7 +3922,6 @@
               <a:rPr lang="zh-CN" altLang="en-US" dirty="0"/>
               <a:t>Click to edit Master title style</a:t>
             </a:r>
-            <a:endParaRPr lang="zh-CN" altLang="en-US" dirty="0"/>
           </a:p>
         </p:txBody>
       </p:sp>
@@ -4075,9 +4020,6 @@
               </a:rPr>
               <a:t>Click to edit Master text styles</a:t>
             </a:r>
-            <a:endParaRPr lang="zh-CN" altLang="en-US" dirty="0">
-              <a:sym typeface="+mn-ea"/>
-            </a:endParaRPr>
           </a:p>
           <a:p>
             <a:pPr lvl="1"/>
@@ -4085,7 +4027,6 @@
               <a:rPr lang="zh-CN" altLang="en-US" dirty="0"/>
               <a:t>Second level</a:t>
             </a:r>
-            <a:endParaRPr lang="zh-CN" altLang="en-US" dirty="0"/>
           </a:p>
           <a:p>
             <a:pPr lvl="2"/>
@@ -4093,7 +4034,6 @@
               <a:rPr lang="zh-CN" altLang="en-US" dirty="0"/>
               <a:t>Third level</a:t>
             </a:r>
-            <a:endParaRPr lang="zh-CN" altLang="en-US" dirty="0"/>
           </a:p>
           <a:p>
             <a:pPr lvl="3"/>
@@ -4101,7 +4041,6 @@
               <a:rPr lang="zh-CN" altLang="en-US" dirty="0"/>
               <a:t>Fourth level</a:t>
             </a:r>
-            <a:endParaRPr lang="zh-CN" altLang="en-US" dirty="0"/>
           </a:p>
           <a:p>
             <a:pPr lvl="4"/>
@@ -4109,7 +4048,6 @@
               <a:rPr lang="zh-CN" altLang="en-US" dirty="0"/>
               <a:t>Fifth level</a:t>
             </a:r>
-            <a:endParaRPr lang="zh-CN" altLang="en-US" dirty="0"/>
           </a:p>
         </p:txBody>
       </p:sp>
@@ -4208,9 +4146,6 @@
               </a:rPr>
               <a:t>Click to edit Master text styles</a:t>
             </a:r>
-            <a:endParaRPr lang="zh-CN" altLang="en-US" dirty="0">
-              <a:sym typeface="+mn-ea"/>
-            </a:endParaRPr>
           </a:p>
           <a:p>
             <a:pPr lvl="1"/>
@@ -4218,7 +4153,6 @@
               <a:rPr lang="zh-CN" altLang="en-US" dirty="0"/>
               <a:t>Second level</a:t>
             </a:r>
-            <a:endParaRPr lang="zh-CN" altLang="en-US" dirty="0"/>
           </a:p>
           <a:p>
             <a:pPr lvl="2"/>
@@ -4226,7 +4160,6 @@
               <a:rPr lang="zh-CN" altLang="en-US" dirty="0"/>
               <a:t>Third level</a:t>
             </a:r>
-            <a:endParaRPr lang="zh-CN" altLang="en-US" dirty="0"/>
           </a:p>
           <a:p>
             <a:pPr lvl="3"/>
@@ -4234,7 +4167,6 @@
               <a:rPr lang="zh-CN" altLang="en-US" dirty="0"/>
               <a:t>Fourth level</a:t>
             </a:r>
-            <a:endParaRPr lang="zh-CN" altLang="en-US" dirty="0"/>
           </a:p>
           <a:p>
             <a:pPr lvl="4"/>
@@ -4242,7 +4174,6 @@
               <a:rPr lang="zh-CN" altLang="en-US" dirty="0"/>
               <a:t>Fifth level</a:t>
             </a:r>
-            <a:endParaRPr lang="zh-CN" altLang="en-US" dirty="0"/>
           </a:p>
         </p:txBody>
       </p:sp>
@@ -4263,6 +4194,7 @@
           <a:p>
             <a:fld id="{760FBDFE-C587-4B4C-A407-44438C67B59E}" type="datetime1">
               <a:rPr lang="en-US" altLang="en-US" smtClean="0"/>
+              <a:t>9/22/2025</a:t>
             </a:fld>
             <a:endParaRPr lang="zh-CN" altLang="en-US"/>
           </a:p>
@@ -4310,6 +4242,7 @@
           <a:p>
             <a:fld id="{49AE70B2-8BF9-45C0-BB95-33D1B9D3A854}" type="slidenum">
               <a:rPr lang="zh-CN" altLang="en-US" smtClean="0"/>
+              <a:t>‹#›</a:t>
             </a:fld>
             <a:endParaRPr lang="zh-CN" altLang="en-US"/>
           </a:p>
@@ -4365,7 +4298,6 @@
               <a:rPr lang="zh-CN" altLang="en-US"/>
               <a:t>Click to edit Master title style</a:t>
             </a:r>
-            <a:endParaRPr lang="zh-CN" altLang="en-US"/>
           </a:p>
         </p:txBody>
       </p:sp>
@@ -4433,9 +4365,6 @@
               </a:rPr>
               <a:t>Click to edit Master text styles</a:t>
             </a:r>
-            <a:endParaRPr lang="zh-CN" altLang="en-US" dirty="0">
-              <a:sym typeface="+mn-ea"/>
-            </a:endParaRPr>
           </a:p>
         </p:txBody>
       </p:sp>
@@ -4466,9 +4395,6 @@
               </a:rPr>
               <a:t>Click to edit Master text styles</a:t>
             </a:r>
-            <a:endParaRPr lang="zh-CN" altLang="en-US" dirty="0">
-              <a:sym typeface="+mn-ea"/>
-            </a:endParaRPr>
           </a:p>
           <a:p>
             <a:pPr lvl="1"/>
@@ -4476,7 +4402,6 @@
               <a:rPr lang="zh-CN" altLang="en-US" dirty="0"/>
               <a:t>Second level</a:t>
             </a:r>
-            <a:endParaRPr lang="zh-CN" altLang="en-US" dirty="0"/>
           </a:p>
           <a:p>
             <a:pPr lvl="2"/>
@@ -4484,7 +4409,6 @@
               <a:rPr lang="zh-CN" altLang="en-US" dirty="0"/>
               <a:t>Third level</a:t>
             </a:r>
-            <a:endParaRPr lang="zh-CN" altLang="en-US" dirty="0"/>
           </a:p>
           <a:p>
             <a:pPr lvl="3"/>
@@ -4492,7 +4416,6 @@
               <a:rPr lang="zh-CN" altLang="en-US" dirty="0"/>
               <a:t>Fourth level</a:t>
             </a:r>
-            <a:endParaRPr lang="zh-CN" altLang="en-US" dirty="0"/>
           </a:p>
           <a:p>
             <a:pPr lvl="4"/>
@@ -4500,7 +4423,6 @@
               <a:rPr lang="zh-CN" altLang="en-US" dirty="0"/>
               <a:t>Fifth level</a:t>
             </a:r>
-            <a:endParaRPr lang="zh-CN" altLang="en-US" dirty="0"/>
           </a:p>
         </p:txBody>
       </p:sp>
@@ -4568,9 +4490,6 @@
               </a:rPr>
               <a:t>Click to edit Master text styles</a:t>
             </a:r>
-            <a:endParaRPr lang="zh-CN" altLang="en-US" dirty="0">
-              <a:sym typeface="+mn-ea"/>
-            </a:endParaRPr>
           </a:p>
         </p:txBody>
       </p:sp>
@@ -4601,9 +4520,6 @@
               </a:rPr>
               <a:t>Click to edit Master text styles</a:t>
             </a:r>
-            <a:endParaRPr lang="zh-CN" altLang="en-US" dirty="0">
-              <a:sym typeface="+mn-ea"/>
-            </a:endParaRPr>
           </a:p>
           <a:p>
             <a:pPr lvl="1"/>
@@ -4611,7 +4527,6 @@
               <a:rPr lang="zh-CN" altLang="en-US" dirty="0"/>
               <a:t>Second level</a:t>
             </a:r>
-            <a:endParaRPr lang="zh-CN" altLang="en-US" dirty="0"/>
           </a:p>
           <a:p>
             <a:pPr lvl="2"/>
@@ -4619,7 +4534,6 @@
               <a:rPr lang="zh-CN" altLang="en-US" dirty="0"/>
               <a:t>Third level</a:t>
             </a:r>
-            <a:endParaRPr lang="zh-CN" altLang="en-US" dirty="0"/>
           </a:p>
           <a:p>
             <a:pPr lvl="3"/>
@@ -4627,7 +4541,6 @@
               <a:rPr lang="zh-CN" altLang="en-US" dirty="0"/>
               <a:t>Fourth level</a:t>
             </a:r>
-            <a:endParaRPr lang="zh-CN" altLang="en-US" dirty="0"/>
           </a:p>
           <a:p>
             <a:pPr lvl="4"/>
@@ -4635,7 +4548,6 @@
               <a:rPr lang="zh-CN" altLang="en-US" dirty="0"/>
               <a:t>Fifth level</a:t>
             </a:r>
-            <a:endParaRPr lang="zh-CN" altLang="en-US" dirty="0"/>
           </a:p>
         </p:txBody>
       </p:sp>
@@ -4656,6 +4568,7 @@
           <a:p>
             <a:fld id="{760FBDFE-C587-4B4C-A407-44438C67B59E}" type="datetime1">
               <a:rPr lang="en-US" altLang="en-US" smtClean="0"/>
+              <a:t>9/22/2025</a:t>
             </a:fld>
             <a:endParaRPr lang="zh-CN" altLang="en-US"/>
           </a:p>
@@ -4680,7 +4593,6 @@
               <a:rPr lang="zh-CN" altLang="en-US"/>
               <a:t>Real-Time Time-Optimal Spacecraft Attitude Control</a:t>
             </a:r>
-            <a:endParaRPr lang="zh-CN" altLang="en-US"/>
           </a:p>
         </p:txBody>
       </p:sp>
@@ -4701,6 +4613,7 @@
           <a:p>
             <a:fld id="{49AE70B2-8BF9-45C0-BB95-33D1B9D3A854}" type="slidenum">
               <a:rPr lang="zh-CN" altLang="en-US" smtClean="0"/>
+              <a:t>‹#›</a:t>
             </a:fld>
             <a:endParaRPr lang="zh-CN" altLang="en-US"/>
           </a:p>
@@ -4770,7 +4683,6 @@
               <a:rPr lang="zh-CN" altLang="en-US" dirty="0"/>
               <a:t>Click to edit Master title style</a:t>
             </a:r>
-            <a:endParaRPr lang="zh-CN" altLang="en-US" dirty="0"/>
           </a:p>
         </p:txBody>
       </p:sp>
@@ -4791,6 +4703,7 @@
           <a:p>
             <a:fld id="{760FBDFE-C587-4B4C-A407-44438C67B59E}" type="datetime1">
               <a:rPr lang="en-US" altLang="en-US" smtClean="0"/>
+              <a:t>9/22/2025</a:t>
             </a:fld>
             <a:endParaRPr lang="zh-CN" altLang="en-US"/>
           </a:p>
@@ -4815,7 +4728,6 @@
               <a:rPr lang="zh-CN" altLang="en-US"/>
               <a:t>Real-Time Time-Optimal Spacecraft Attitude Control</a:t>
             </a:r>
-            <a:endParaRPr lang="zh-CN" altLang="en-US"/>
           </a:p>
         </p:txBody>
       </p:sp>
@@ -4836,6 +4748,7 @@
           <a:p>
             <a:fld id="{49AE70B2-8BF9-45C0-BB95-33D1B9D3A854}" type="slidenum">
               <a:rPr lang="zh-CN" altLang="en-US" smtClean="0"/>
+              <a:t>‹#›</a:t>
             </a:fld>
             <a:endParaRPr lang="zh-CN" altLang="en-US"/>
           </a:p>
@@ -4884,6 +4797,7 @@
           <a:p>
             <a:fld id="{760FBDFE-C587-4B4C-A407-44438C67B59E}" type="datetime1">
               <a:rPr lang="en-US" altLang="en-US" smtClean="0"/>
+              <a:t>9/22/2025</a:t>
             </a:fld>
             <a:endParaRPr lang="zh-CN" altLang="en-US"/>
           </a:p>
@@ -4908,7 +4822,6 @@
               <a:rPr lang="zh-CN" altLang="en-US"/>
               <a:t>Real-Time Time-Optimal Spacecraft Attitude Control</a:t>
             </a:r>
-            <a:endParaRPr lang="zh-CN" altLang="en-US"/>
           </a:p>
         </p:txBody>
       </p:sp>
@@ -4929,6 +4842,7 @@
           <a:p>
             <a:fld id="{49AE70B2-8BF9-45C0-BB95-33D1B9D3A854}" type="slidenum">
               <a:rPr lang="zh-CN" altLang="en-US" smtClean="0"/>
+              <a:t>‹#›</a:t>
             </a:fld>
             <a:endParaRPr lang="zh-CN" altLang="en-US"/>
           </a:p>
@@ -5000,9 +4914,6 @@
               </a:rPr>
               <a:t>Click to edit Master title style</a:t>
             </a:r>
-            <a:endParaRPr lang="zh-CN" altLang="en-US" dirty="0">
-              <a:sym typeface="+mn-ea"/>
-            </a:endParaRPr>
           </a:p>
         </p:txBody>
       </p:sp>
@@ -5134,7 +5045,6 @@
               <a:rPr lang="zh-CN" altLang="en-US" dirty="0"/>
               <a:t>Click to edit Master text styles</a:t>
             </a:r>
-            <a:endParaRPr lang="zh-CN" altLang="en-US" dirty="0"/>
           </a:p>
         </p:txBody>
       </p:sp>
@@ -5155,6 +5065,7 @@
           <a:p>
             <a:fld id="{9EFD9D74-47D9-4702-A33C-335B63B48DBF}" type="datetime1">
               <a:rPr lang="en-US" altLang="en-US" smtClean="0"/>
+              <a:t>9/22/2025</a:t>
             </a:fld>
             <a:endParaRPr lang="zh-CN" altLang="en-US" dirty="0"/>
           </a:p>
@@ -5179,7 +5090,6 @@
               <a:rPr lang="zh-CN" altLang="en-US" dirty="0"/>
               <a:t>Real-Time Time-Optimal Spacecraft Attitude Control</a:t>
             </a:r>
-            <a:endParaRPr lang="zh-CN" altLang="en-US" dirty="0"/>
           </a:p>
         </p:txBody>
       </p:sp>
@@ -5200,6 +5110,7 @@
           <a:p>
             <a:fld id="{FABC47A4-756D-490B-A52F-7D9E2C9FC05F}" type="slidenum">
               <a:rPr lang="zh-CN" altLang="en-US" smtClean="0"/>
+              <a:t>‹#›</a:t>
             </a:fld>
             <a:endParaRPr lang="zh-CN" altLang="en-US"/>
           </a:p>
@@ -5291,7 +5202,6 @@
               <a:rPr lang="zh-CN" altLang="en-US"/>
               <a:t>Click to edit Master title style</a:t>
             </a:r>
-            <a:endParaRPr lang="zh-CN" altLang="en-US"/>
           </a:p>
         </p:txBody>
       </p:sp>
@@ -5322,9 +5232,6 @@
               </a:rPr>
               <a:t>Click to edit Master text styles</a:t>
             </a:r>
-            <a:endParaRPr lang="zh-CN" altLang="en-US" dirty="0">
-              <a:sym typeface="+mn-ea"/>
-            </a:endParaRPr>
           </a:p>
           <a:p>
             <a:pPr lvl="1"/>
@@ -5332,7 +5239,6 @@
               <a:rPr lang="zh-CN" altLang="en-US" dirty="0"/>
               <a:t>Second level</a:t>
             </a:r>
-            <a:endParaRPr lang="zh-CN" altLang="en-US" dirty="0"/>
           </a:p>
           <a:p>
             <a:pPr lvl="2"/>
@@ -5340,7 +5246,6 @@
               <a:rPr lang="zh-CN" altLang="en-US" dirty="0"/>
               <a:t>Third level</a:t>
             </a:r>
-            <a:endParaRPr lang="zh-CN" altLang="en-US" dirty="0"/>
           </a:p>
           <a:p>
             <a:pPr lvl="3"/>
@@ -5348,7 +5253,6 @@
               <a:rPr lang="zh-CN" altLang="en-US" dirty="0"/>
               <a:t>Fourth level</a:t>
             </a:r>
-            <a:endParaRPr lang="zh-CN" altLang="en-US" dirty="0"/>
           </a:p>
           <a:p>
             <a:pPr lvl="4"/>
@@ -5356,7 +5260,6 @@
               <a:rPr lang="zh-CN" altLang="en-US" dirty="0"/>
               <a:t>Fifth level</a:t>
             </a:r>
-            <a:endParaRPr lang="zh-CN" altLang="en-US" dirty="0"/>
           </a:p>
         </p:txBody>
       </p:sp>
@@ -5377,6 +5280,7 @@
           <a:p>
             <a:fld id="{760FBDFE-C587-4B4C-A407-44438C67B59E}" type="datetime1">
               <a:rPr lang="en-US" altLang="en-US" smtClean="0"/>
+              <a:t>9/22/2025</a:t>
             </a:fld>
             <a:endParaRPr lang="zh-CN" altLang="en-US"/>
           </a:p>
@@ -5401,7 +5305,6 @@
               <a:rPr lang="zh-CN" altLang="en-US"/>
               <a:t>Real-Time Time-Optimal Spacecraft Attitude Control</a:t>
             </a:r>
-            <a:endParaRPr lang="zh-CN" altLang="en-US"/>
           </a:p>
         </p:txBody>
       </p:sp>
@@ -5422,6 +5325,7 @@
           <a:p>
             <a:fld id="{49AE70B2-8BF9-45C0-BB95-33D1B9D3A854}" type="slidenum">
               <a:rPr lang="zh-CN" altLang="en-US" smtClean="0"/>
+              <a:t>‹#›</a:t>
             </a:fld>
             <a:endParaRPr lang="zh-CN" altLang="en-US"/>
           </a:p>
@@ -5470,7 +5374,7 @@
           <p:nvPr userDrawn="1"/>
         </p:nvPicPr>
         <p:blipFill>
-          <a:blip r:embed="rId11">
+          <a:blip r:embed="rId12">
             <a:clrChange>
               <a:clrFrom>
                 <a:srgbClr val="0065C1">
@@ -5508,7 +5412,7 @@
           <p:nvPr userDrawn="1"/>
         </p:nvPicPr>
         <p:blipFill>
-          <a:blip r:embed="rId12"/>
+          <a:blip r:embed="rId13"/>
           <a:srcRect t="17400" b="13059"/>
           <a:stretch>
             <a:fillRect/>
@@ -5553,7 +5457,6 @@
               <a:rPr lang="zh-CN" altLang="en-US" dirty="0"/>
               <a:t>Click to edit Master title style</a:t>
             </a:r>
-            <a:endParaRPr lang="zh-CN" altLang="en-US" dirty="0"/>
           </a:p>
         </p:txBody>
       </p:sp>
@@ -5589,9 +5492,6 @@
               </a:rPr>
               <a:t>Click to edit Master text styles</a:t>
             </a:r>
-            <a:endParaRPr lang="zh-CN" altLang="en-US" dirty="0">
-              <a:sym typeface="+mn-ea"/>
-            </a:endParaRPr>
           </a:p>
           <a:p>
             <a:pPr lvl="1"/>
@@ -5599,7 +5499,6 @@
               <a:rPr lang="zh-CN" altLang="en-US" dirty="0"/>
               <a:t>Second level</a:t>
             </a:r>
-            <a:endParaRPr lang="zh-CN" altLang="en-US" dirty="0"/>
           </a:p>
           <a:p>
             <a:pPr lvl="2"/>
@@ -5607,7 +5506,6 @@
               <a:rPr lang="zh-CN" altLang="en-US" dirty="0"/>
               <a:t>Third level</a:t>
             </a:r>
-            <a:endParaRPr lang="zh-CN" altLang="en-US" dirty="0"/>
           </a:p>
           <a:p>
             <a:pPr lvl="3"/>
@@ -5615,7 +5513,6 @@
               <a:rPr lang="zh-CN" altLang="en-US" dirty="0"/>
               <a:t>Fourth level</a:t>
             </a:r>
-            <a:endParaRPr lang="zh-CN" altLang="en-US" dirty="0"/>
           </a:p>
           <a:p>
             <a:pPr lvl="4"/>
@@ -5623,7 +5520,6 @@
               <a:rPr lang="zh-CN" altLang="en-US" dirty="0"/>
               <a:t>Fifth level</a:t>
             </a:r>
-            <a:endParaRPr lang="zh-CN" altLang="en-US" dirty="0"/>
           </a:p>
         </p:txBody>
       </p:sp>
@@ -5664,6 +5560,7 @@
           <a:p>
             <a:fld id="{760FBDFE-C587-4B4C-A407-44438C67B59E}" type="datetime1">
               <a:rPr lang="en-US" altLang="en-US" smtClean="0"/>
+              <a:t>9/22/2025</a:t>
             </a:fld>
             <a:endParaRPr lang="zh-CN" altLang="en-US"/>
           </a:p>
@@ -5709,7 +5606,6 @@
               <a:rPr lang="de-DE" altLang="zh-CN"/>
               <a:t>Real-Time Time-Optimal Spacecraft Attitude Control</a:t>
             </a:r>
-            <a:endParaRPr lang="de-DE" altLang="zh-CN"/>
           </a:p>
         </p:txBody>
       </p:sp>
@@ -5750,6 +5646,7 @@
           <a:p>
             <a:fld id="{49AE70B2-8BF9-45C0-BB95-33D1B9D3A854}" type="slidenum">
               <a:rPr lang="zh-CN" altLang="en-US" smtClean="0"/>
+              <a:t>‹#›</a:t>
             </a:fld>
             <a:endParaRPr lang="zh-CN" altLang="en-US"/>
           </a:p>
@@ -6088,7 +5985,7 @@
           <p:nvPr userDrawn="1"/>
         </p:nvPicPr>
         <p:blipFill>
-          <a:blip r:embed="rId11">
+          <a:blip r:embed="rId12">
             <a:clrChange>
               <a:clrFrom>
                 <a:srgbClr val="0065C1">
@@ -6126,7 +6023,7 @@
           <p:nvPr userDrawn="1"/>
         </p:nvPicPr>
         <p:blipFill>
-          <a:blip r:embed="rId12"/>
+          <a:blip r:embed="rId13"/>
           <a:srcRect t="17400" b="13059"/>
           <a:stretch>
             <a:fillRect/>
@@ -6171,7 +6068,6 @@
               <a:rPr lang="zh-CN" altLang="en-US" dirty="0"/>
               <a:t>Click to edit Master title style</a:t>
             </a:r>
-            <a:endParaRPr lang="zh-CN" altLang="en-US" dirty="0"/>
           </a:p>
         </p:txBody>
       </p:sp>
@@ -6207,9 +6103,6 @@
               </a:rPr>
               <a:t>Click to edit Master text styles</a:t>
             </a:r>
-            <a:endParaRPr lang="zh-CN" altLang="en-US" dirty="0">
-              <a:sym typeface="+mn-ea"/>
-            </a:endParaRPr>
           </a:p>
           <a:p>
             <a:pPr lvl="1"/>
@@ -6217,7 +6110,6 @@
               <a:rPr lang="zh-CN" altLang="en-US" dirty="0"/>
               <a:t>Second level</a:t>
             </a:r>
-            <a:endParaRPr lang="zh-CN" altLang="en-US" dirty="0"/>
           </a:p>
           <a:p>
             <a:pPr lvl="2"/>
@@ -6225,7 +6117,6 @@
               <a:rPr lang="zh-CN" altLang="en-US" dirty="0"/>
               <a:t>Third level</a:t>
             </a:r>
-            <a:endParaRPr lang="zh-CN" altLang="en-US" dirty="0"/>
           </a:p>
           <a:p>
             <a:pPr lvl="3"/>
@@ -6233,7 +6124,6 @@
               <a:rPr lang="zh-CN" altLang="en-US" dirty="0"/>
               <a:t>Fourth level</a:t>
             </a:r>
-            <a:endParaRPr lang="zh-CN" altLang="en-US" dirty="0"/>
           </a:p>
           <a:p>
             <a:pPr lvl="4"/>
@@ -6241,7 +6131,6 @@
               <a:rPr lang="zh-CN" altLang="en-US" dirty="0"/>
               <a:t>Fifth level</a:t>
             </a:r>
-            <a:endParaRPr lang="zh-CN" altLang="en-US" dirty="0"/>
           </a:p>
         </p:txBody>
       </p:sp>
@@ -6282,6 +6171,7 @@
           <a:p>
             <a:fld id="{760FBDFE-C587-4B4C-A407-44438C67B59E}" type="datetime1">
               <a:rPr lang="en-US" altLang="en-US" smtClean="0"/>
+              <a:t>9/22/2025</a:t>
             </a:fld>
             <a:endParaRPr lang="zh-CN" altLang="en-US"/>
           </a:p>
@@ -6327,7 +6217,6 @@
               <a:rPr lang="de-DE" altLang="zh-CN"/>
               <a:t>Real-Time Time-Optimal Spacecraft Attitude Control</a:t>
             </a:r>
-            <a:endParaRPr lang="de-DE" altLang="zh-CN"/>
           </a:p>
         </p:txBody>
       </p:sp>
@@ -6368,6 +6257,7 @@
           <a:p>
             <a:fld id="{49AE70B2-8BF9-45C0-BB95-33D1B9D3A854}" type="slidenum">
               <a:rPr lang="zh-CN" altLang="en-US" smtClean="0"/>
+              <a:t>‹#›</a:t>
             </a:fld>
             <a:endParaRPr lang="zh-CN" altLang="en-US"/>
           </a:p>
@@ -6710,16 +6600,12 @@
           <a:lstStyle/>
           <a:p>
             <a:r>
-              <a:rPr lang="de-DE" altLang="zh-CN" sz="4800">
+              <a:rPr lang="de-DE" altLang="zh-CN" sz="4800" dirty="0">
                 <a:latin typeface="Arial Black" panose="020B0A04020102020204" charset="0"/>
                 <a:cs typeface="Arial Black" panose="020B0A04020102020204" charset="0"/>
               </a:rPr>
               <a:t>Real-Time Time-Optimal Spacecraft Attitude Control</a:t>
             </a:r>
-            <a:endParaRPr lang="de-DE" altLang="zh-CN" sz="4800">
-              <a:latin typeface="Arial Black" panose="020B0A04020102020204" charset="0"/>
-              <a:cs typeface="Arial Black" panose="020B0A04020102020204" charset="0"/>
-            </a:endParaRPr>
           </a:p>
         </p:txBody>
       </p:sp>
@@ -6746,61 +6632,278 @@
             <a:pPr algn="l"/>
             <a:r>
               <a:rPr lang="de-DE" altLang="zh-CN">
+                <a:latin typeface="+mn-lt"/>
+                <a:cs typeface="+mn-ea"/>
+              </a:rPr>
+              <a:t>Author: Leonardo Eitner, M.Sc. candidate</a:t>
+            </a:r>
+          </a:p>
+          <a:p>
+            <a:pPr algn="l"/>
+            <a:r>
+              <a:rPr lang="de-DE" altLang="zh-CN">
+                <a:latin typeface="+mn-lt"/>
+                <a:cs typeface="+mn-ea"/>
+              </a:rPr>
+              <a:t>Assistant Supervisor: Silvia Busi, PhD candidate</a:t>
+            </a:r>
+          </a:p>
+          <a:p>
+            <a:pPr algn="l"/>
+            <a:r>
+              <a:rPr lang="de-DE" altLang="zh-CN">
+                <a:latin typeface="+mn-lt"/>
+                <a:cs typeface="+mn-ea"/>
+              </a:rPr>
+              <a:t>Head Supervisor: Prof. Dr. Marcello Romano</a:t>
+            </a:r>
+          </a:p>
+          <a:p>
+            <a:pPr algn="l"/>
+            <a:r>
+              <a:rPr lang="de-DE" altLang="zh-CN">
+                <a:latin typeface="+mn-lt"/>
+                <a:cs typeface="+mn-ea"/>
+              </a:rPr>
+              <a:t>Context: Master’s Thesis</a:t>
+            </a:r>
+          </a:p>
+        </p:txBody>
+      </p:sp>
+    </p:spTree>
+  </p:cSld>
+  <p:clrMapOvr>
+    <a:masterClrMapping/>
+  </p:clrMapOvr>
+</p:sld>
+</file>
+
+<file path=ppt/slides/slide10.xml><?xml version="1.0" encoding="utf-8"?>
+<p:sld xmlns:a="http://schemas.openxmlformats.org/drawingml/2006/main" xmlns:r="http://schemas.openxmlformats.org/officeDocument/2006/relationships" xmlns:p="http://schemas.openxmlformats.org/presentationml/2006/main">
+  <p:cSld>
+    <p:spTree>
+      <p:nvGrpSpPr>
+        <p:cNvPr id="1" name="">
+          <a:extLst>
+            <a:ext uri="{FF2B5EF4-FFF2-40B4-BE49-F238E27FC236}">
+              <a16:creationId xmlns:a16="http://schemas.microsoft.com/office/drawing/2014/main" id="{74C25DCD-7AAE-93A9-2CD8-14695EAFC6B2}"/>
+            </a:ext>
+          </a:extLst>
+        </p:cNvPr>
+        <p:cNvGrpSpPr/>
+        <p:nvPr/>
+      </p:nvGrpSpPr>
+      <p:grpSpPr>
+        <a:xfrm>
+          <a:off x="0" y="0"/>
+          <a:ext cx="0" cy="0"/>
+          <a:chOff x="0" y="0"/>
+          <a:chExt cx="0" cy="0"/>
+        </a:xfrm>
+      </p:grpSpPr>
+      <p:sp>
+        <p:nvSpPr>
+          <p:cNvPr id="3" name="Date Placeholder 2">
+            <a:extLst>
+              <a:ext uri="{FF2B5EF4-FFF2-40B4-BE49-F238E27FC236}">
+                <a16:creationId xmlns:a16="http://schemas.microsoft.com/office/drawing/2014/main" id="{91BF173D-E5C1-8DCC-A80B-190573403C9E}"/>
+              </a:ext>
+            </a:extLst>
+          </p:cNvPr>
+          <p:cNvSpPr>
+            <a:spLocks noGrp="1"/>
+          </p:cNvSpPr>
+          <p:nvPr>
+            <p:ph type="dt" sz="half" idx="10"/>
+          </p:nvPr>
+        </p:nvSpPr>
+        <p:spPr/>
+        <p:txBody>
+          <a:bodyPr/>
+          <a:lstStyle/>
+          <a:p>
+            <a:fld id="{760FBDFE-C587-4B4C-A407-44438C67B59E}" type="datetime1">
+              <a:rPr lang="en-US" altLang="en-US" smtClean="0"/>
+              <a:t>9/22/2025</a:t>
+            </a:fld>
+            <a:endParaRPr lang="zh-CN" altLang="en-US"/>
+          </a:p>
+        </p:txBody>
+      </p:sp>
+      <p:sp>
+        <p:nvSpPr>
+          <p:cNvPr id="12" name="Slide Number Placeholder 11">
+            <a:extLst>
+              <a:ext uri="{FF2B5EF4-FFF2-40B4-BE49-F238E27FC236}">
+                <a16:creationId xmlns:a16="http://schemas.microsoft.com/office/drawing/2014/main" id="{E5DE4A5A-A1B1-FC6D-8473-4EF11D2A8E58}"/>
+              </a:ext>
+            </a:extLst>
+          </p:cNvPr>
+          <p:cNvSpPr>
+            <a:spLocks noGrp="1"/>
+          </p:cNvSpPr>
+          <p:nvPr>
+            <p:ph type="sldNum" sz="quarter" idx="12"/>
+          </p:nvPr>
+        </p:nvSpPr>
+        <p:spPr/>
+        <p:txBody>
+          <a:bodyPr/>
+          <a:lstStyle/>
+          <a:p>
+            <a:fld id="{49AE70B2-8BF9-45C0-BB95-33D1B9D3A854}" type="slidenum">
+              <a:rPr lang="zh-CN" altLang="en-US" smtClean="0"/>
+              <a:t>10</a:t>
+            </a:fld>
+            <a:endParaRPr lang="zh-CN" altLang="en-US"/>
+          </a:p>
+        </p:txBody>
+      </p:sp>
+      <p:sp>
+        <p:nvSpPr>
+          <p:cNvPr id="13" name="Footer Placeholder 12">
+            <a:extLst>
+              <a:ext uri="{FF2B5EF4-FFF2-40B4-BE49-F238E27FC236}">
+                <a16:creationId xmlns:a16="http://schemas.microsoft.com/office/drawing/2014/main" id="{6F5F8F18-C831-1CBF-4018-E574F7AE648E}"/>
+              </a:ext>
+            </a:extLst>
+          </p:cNvPr>
+          <p:cNvSpPr>
+            <a:spLocks noGrp="1"/>
+          </p:cNvSpPr>
+          <p:nvPr>
+            <p:ph type="ftr" sz="quarter" idx="11"/>
+          </p:nvPr>
+        </p:nvSpPr>
+        <p:spPr/>
+        <p:txBody>
+          <a:bodyPr/>
+          <a:lstStyle/>
+          <a:p>
+            <a:r>
+              <a:rPr lang="de-DE" altLang="zh-CN">
+                <a:sym typeface="+mn-ea"/>
+              </a:rPr>
+              <a:t>Real-Time Time-Optimal Spacecraft Attitude Control</a:t>
+            </a:r>
+            <a:endParaRPr lang="zh-CN" altLang="en-US"/>
+          </a:p>
+        </p:txBody>
+      </p:sp>
+      <p:sp>
+        <p:nvSpPr>
+          <p:cNvPr id="2" name="Title 1">
+            <a:extLst>
+              <a:ext uri="{FF2B5EF4-FFF2-40B4-BE49-F238E27FC236}">
+                <a16:creationId xmlns:a16="http://schemas.microsoft.com/office/drawing/2014/main" id="{9550A6E7-2ABF-0003-A4D6-6ABF846BD403}"/>
+              </a:ext>
+            </a:extLst>
+          </p:cNvPr>
+          <p:cNvSpPr>
+            <a:spLocks noGrp="1"/>
+          </p:cNvSpPr>
+          <p:nvPr>
+            <p:ph type="title"/>
+          </p:nvPr>
+        </p:nvSpPr>
+        <p:spPr/>
+        <p:txBody>
+          <a:bodyPr/>
+          <a:lstStyle/>
+          <a:p>
+            <a:r>
+              <a:rPr lang="de-DE" altLang="en-US" sz="4400" dirty="0">
+                <a:latin typeface="Arial Black" panose="020B0A04020102020204" charset="0"/>
+                <a:cs typeface="Arial Black" panose="020B0A04020102020204" charset="0"/>
+              </a:rPr>
+              <a:t>What‘s Next?</a:t>
+            </a:r>
+          </a:p>
+        </p:txBody>
+      </p:sp>
+      <p:sp>
+        <p:nvSpPr>
+          <p:cNvPr id="5" name="Text Box 4">
+            <a:extLst>
+              <a:ext uri="{FF2B5EF4-FFF2-40B4-BE49-F238E27FC236}">
+                <a16:creationId xmlns:a16="http://schemas.microsoft.com/office/drawing/2014/main" id="{949AB608-BB86-1E36-93FF-EE5C4F28F0FE}"/>
+              </a:ext>
+            </a:extLst>
+          </p:cNvPr>
+          <p:cNvSpPr txBox="1"/>
+          <p:nvPr/>
+        </p:nvSpPr>
+        <p:spPr>
+          <a:xfrm>
+            <a:off x="647700" y="1762125"/>
+            <a:ext cx="6860540" cy="1668405"/>
+          </a:xfrm>
+          <a:prstGeom prst="rect">
+            <a:avLst/>
+          </a:prstGeom>
+          <a:noFill/>
+        </p:spPr>
+        <p:txBody>
+          <a:bodyPr wrap="square" rtlCol="0">
+            <a:spAutoFit/>
+          </a:bodyPr>
+          <a:lstStyle/>
+          <a:p>
+            <a:pPr marL="800100" lvl="1" indent="-342900">
+              <a:lnSpc>
+                <a:spcPct val="200000"/>
+              </a:lnSpc>
+              <a:buFont typeface="+mj-lt"/>
+              <a:buAutoNum type="arabicPeriod"/>
+            </a:pPr>
+            <a:r>
+              <a:rPr lang="en-GB" altLang="de-DE" dirty="0">
                 <a:latin typeface="+mn-ea"/>
                 <a:cs typeface="+mn-ea"/>
               </a:rPr>
-              <a:t>Author: Leonardo Eitner, M.Sc. candidate</a:t>
-            </a:r>
-            <a:endParaRPr lang="de-DE" altLang="zh-CN">
-              <a:latin typeface="+mn-ea"/>
-              <a:cs typeface="+mn-ea"/>
-            </a:endParaRPr>
-          </a:p>
-          <a:p>
-            <a:pPr algn="l"/>
-            <a:r>
-              <a:rPr lang="de-DE" altLang="zh-CN">
+              <a:t>Implement and test direct collocation</a:t>
+            </a:r>
+          </a:p>
+          <a:p>
+            <a:pPr marL="800100" lvl="1" indent="-342900">
+              <a:lnSpc>
+                <a:spcPct val="200000"/>
+              </a:lnSpc>
+              <a:buFont typeface="+mj-lt"/>
+              <a:buAutoNum type="arabicPeriod"/>
+            </a:pPr>
+            <a:r>
+              <a:rPr lang="en-GB" altLang="de-DE" dirty="0">
                 <a:latin typeface="+mn-ea"/>
                 <a:cs typeface="+mn-ea"/>
               </a:rPr>
-              <a:t>Assistant Supervisor: Silvia Busi, PhD candidate</a:t>
-            </a:r>
-            <a:endParaRPr lang="de-DE" altLang="zh-CN">
-              <a:latin typeface="+mn-ea"/>
-              <a:cs typeface="+mn-ea"/>
-            </a:endParaRPr>
-          </a:p>
-          <a:p>
-            <a:pPr algn="l"/>
-            <a:r>
-              <a:rPr lang="de-DE" altLang="zh-CN">
+              <a:t>Experiment with different solvers</a:t>
+            </a:r>
+          </a:p>
+          <a:p>
+            <a:pPr marL="800100" lvl="1" indent="-342900">
+              <a:lnSpc>
+                <a:spcPct val="200000"/>
+              </a:lnSpc>
+              <a:buFont typeface="+mj-lt"/>
+              <a:buAutoNum type="arabicPeriod"/>
+            </a:pPr>
+            <a:r>
+              <a:rPr lang="en-US" altLang="de-DE" dirty="0">
                 <a:latin typeface="+mn-ea"/>
                 <a:cs typeface="+mn-ea"/>
               </a:rPr>
-              <a:t>Head Supervisor: Prof. Dr. Marcello Romano</a:t>
-            </a:r>
-            <a:endParaRPr lang="de-DE" altLang="zh-CN">
-              <a:latin typeface="+mn-ea"/>
-              <a:cs typeface="+mn-ea"/>
-            </a:endParaRPr>
-          </a:p>
-          <a:p>
-            <a:pPr algn="l"/>
-            <a:r>
-              <a:rPr lang="de-DE" altLang="zh-CN">
-                <a:latin typeface="+mn-ea"/>
-                <a:cs typeface="+mn-ea"/>
-              </a:rPr>
-              <a:t>Context: Master’s Thesis</a:t>
-            </a:r>
-            <a:endParaRPr lang="de-DE" altLang="zh-CN">
-              <a:latin typeface="+mn-ea"/>
-              <a:cs typeface="+mn-ea"/>
-            </a:endParaRPr>
+              <a:t>Create a Monte-Carlo simulation for robustness testing</a:t>
+            </a:r>
           </a:p>
         </p:txBody>
       </p:sp>
     </p:spTree>
+    <p:extLst>
+      <p:ext uri="{BB962C8B-B14F-4D97-AF65-F5344CB8AC3E}">
+        <p14:creationId xmlns:p14="http://schemas.microsoft.com/office/powerpoint/2010/main" val="1474374287"/>
+      </p:ext>
+    </p:extLst>
   </p:cSld>
   <p:clrMapOvr>
     <a:masterClrMapping/>
@@ -6817,7 +6920,14 @@
         <p:cNvGrpSpPr/>
         <p:nvPr/>
       </p:nvGrpSpPr>
-      <p:grpSpPr/>
+      <p:grpSpPr>
+        <a:xfrm>
+          <a:off x="0" y="0"/>
+          <a:ext cx="0" cy="0"/>
+          <a:chOff x="0" y="0"/>
+          <a:chExt cx="0" cy="0"/>
+        </a:xfrm>
+      </p:grpSpPr>
       <p:sp>
         <p:nvSpPr>
           <p:cNvPr id="2" name="Title 1"/>
@@ -6831,6 +6941,7 @@
         <p:spPr/>
         <p:txBody>
           <a:bodyPr/>
+          <a:lstStyle/>
           <a:p>
             <a:r>
               <a:rPr lang="de-DE" altLang="en-US" sz="4400">
@@ -6839,10 +6950,6 @@
               </a:rPr>
               <a:t>Objectives</a:t>
             </a:r>
-            <a:endParaRPr lang="de-DE" altLang="en-US" sz="4400">
-              <a:latin typeface="Arial Black" panose="020B0A04020102020204" charset="0"/>
-              <a:cs typeface="Arial Black" panose="020B0A04020102020204" charset="0"/>
-            </a:endParaRPr>
           </a:p>
         </p:txBody>
       </p:sp>
@@ -6885,6 +6992,7 @@
         </p:style>
         <p:txBody>
           <a:bodyPr rtlCol="0" anchor="ctr"/>
+          <a:lstStyle/>
           <a:p>
             <a:pPr algn="ctr"/>
             <a:r>
@@ -6906,13 +7014,6 @@
               </a:rPr>
               <a:t>st</a:t>
             </a:r>
-            <a:endParaRPr lang="de-DE" altLang="en-US" sz="2000" b="1" baseline="50000">
-              <a:solidFill>
-                <a:srgbClr val="000000"/>
-              </a:solidFill>
-              <a:uFillTx/>
-              <a:cs typeface="+mn-lt"/>
-            </a:endParaRPr>
           </a:p>
         </p:txBody>
       </p:sp>
@@ -6954,11 +7055,12 @@
           </a:fontRef>
         </p:style>
         <p:txBody>
-          <a:bodyPr rtlCol="0" anchor="ctr"/>
+          <a:bodyPr lIns="0" tIns="0" rIns="0" bIns="0" rtlCol="0" anchor="ctr"/>
+          <a:lstStyle/>
           <a:p>
             <a:pPr algn="ctr"/>
             <a:r>
-              <a:rPr lang="de-DE" altLang="en-US" sz="2000" b="1">
+              <a:rPr lang="de-DE" altLang="en-US" sz="2000" b="1" dirty="0">
                 <a:solidFill>
                   <a:srgbClr val="000000"/>
                 </a:solidFill>
@@ -6967,7 +7069,7 @@
               <a:t>2</a:t>
             </a:r>
             <a:r>
-              <a:rPr lang="de-DE" altLang="en-US" sz="2000" b="1" baseline="50000">
+              <a:rPr lang="de-DE" altLang="en-US" sz="2000" b="1" baseline="50000" dirty="0">
                 <a:solidFill>
                   <a:srgbClr val="000000"/>
                 </a:solidFill>
@@ -6976,13 +7078,6 @@
               </a:rPr>
               <a:t>nd</a:t>
             </a:r>
-            <a:endParaRPr lang="de-DE" altLang="en-US" sz="2000" b="1" baseline="50000">
-              <a:solidFill>
-                <a:srgbClr val="000000"/>
-              </a:solidFill>
-              <a:uFillTx/>
-              <a:cs typeface="+mn-lt"/>
-            </a:endParaRPr>
           </a:p>
         </p:txBody>
       </p:sp>
@@ -7027,6 +7122,7 @@
         </p:style>
         <p:txBody>
           <a:bodyPr rtlCol="0" anchor="ctr"/>
+          <a:lstStyle/>
           <a:p>
             <a:pPr algn="ctr"/>
             <a:r>
@@ -7035,9 +7131,6 @@
               </a:rPr>
               <a:t>Compute the time-optimal trajectory for any attitude maneuver</a:t>
             </a:r>
-            <a:endParaRPr lang="de-DE" altLang="en-US">
-              <a:cs typeface="+mn-lt"/>
-            </a:endParaRPr>
           </a:p>
         </p:txBody>
       </p:sp>
@@ -7082,6 +7175,7 @@
         </p:style>
         <p:txBody>
           <a:bodyPr rtlCol="0" anchor="ctr"/>
+          <a:lstStyle/>
           <a:p>
             <a:pPr algn="ctr"/>
             <a:r>
@@ -7090,9 +7184,6 @@
               </a:rPr>
               <a:t>Robustly obtain solutions in less than 1 second</a:t>
             </a:r>
-            <a:endParaRPr lang="de-DE" altLang="en-US">
-              <a:latin typeface="Calibri" charset="0"/>
-            </a:endParaRPr>
           </a:p>
         </p:txBody>
       </p:sp>
@@ -7138,6 +7229,7 @@
         </p:style>
         <p:txBody>
           <a:bodyPr rtlCol="0" anchor="ctr"/>
+          <a:lstStyle/>
           <a:p>
             <a:pPr algn="ctr"/>
             <a:endParaRPr lang="en-US"/>
@@ -7164,6 +7256,7 @@
           <a:bodyPr wrap="none" rtlCol="0">
             <a:spAutoFit/>
           </a:bodyPr>
+          <a:lstStyle/>
           <a:p>
             <a:pPr algn="ctr"/>
             <a:r>
@@ -7172,9 +7265,6 @@
               </a:rPr>
               <a:t>min(maneuver_duration)</a:t>
             </a:r>
-            <a:endParaRPr lang="de-DE" altLang="en-US" sz="2000" b="1" i="1">
-              <a:latin typeface="Calibri" charset="0"/>
-            </a:endParaRPr>
           </a:p>
         </p:txBody>
       </p:sp>
@@ -7220,6 +7310,7 @@
         </p:style>
         <p:txBody>
           <a:bodyPr rtlCol="0" anchor="ctr"/>
+          <a:lstStyle/>
           <a:p>
             <a:pPr algn="ctr"/>
             <a:endParaRPr lang="en-US"/>
@@ -7246,6 +7337,7 @@
           <a:bodyPr wrap="none" rtlCol="0">
             <a:spAutoFit/>
           </a:bodyPr>
+          <a:lstStyle/>
           <a:p>
             <a:pPr algn="ctr"/>
             <a:r>
@@ -7260,9 +7352,6 @@
               </a:rPr>
               <a:t>s</a:t>
             </a:r>
-            <a:endParaRPr lang="de-DE" altLang="en-US" sz="2000" b="1">
-              <a:latin typeface="Calibri" charset="0"/>
-            </a:endParaRPr>
           </a:p>
         </p:txBody>
       </p:sp>
@@ -7279,9 +7368,11 @@
         <p:spPr/>
         <p:txBody>
           <a:bodyPr/>
+          <a:lstStyle/>
           <a:p>
             <a:fld id="{760FBDFE-C587-4B4C-A407-44438C67B59E}" type="datetime1">
               <a:rPr lang="en-US" altLang="en-US" smtClean="0"/>
+              <a:t>9/22/2025</a:t>
             </a:fld>
             <a:endParaRPr lang="zh-CN" altLang="en-US"/>
           </a:p>
@@ -7300,9 +7391,11 @@
         <p:spPr/>
         <p:txBody>
           <a:bodyPr/>
+          <a:lstStyle/>
           <a:p>
             <a:fld id="{49AE70B2-8BF9-45C0-BB95-33D1B9D3A854}" type="slidenum">
               <a:rPr lang="zh-CN" altLang="en-US" smtClean="0"/>
+              <a:t>2</a:t>
             </a:fld>
             <a:endParaRPr lang="zh-CN" altLang="en-US"/>
           </a:p>
@@ -7321,6 +7414,7 @@
         <p:spPr/>
         <p:txBody>
           <a:bodyPr/>
+          <a:lstStyle/>
           <a:p>
             <a:r>
               <a:rPr lang="de-DE" altLang="zh-CN">
@@ -7349,7 +7443,14 @@
         <p:cNvGrpSpPr/>
         <p:nvPr/>
       </p:nvGrpSpPr>
-      <p:grpSpPr/>
+      <p:grpSpPr>
+        <a:xfrm>
+          <a:off x="0" y="0"/>
+          <a:ext cx="0" cy="0"/>
+          <a:chOff x="0" y="0"/>
+          <a:chExt cx="0" cy="0"/>
+        </a:xfrm>
+      </p:grpSpPr>
       <p:sp>
         <p:nvSpPr>
           <p:cNvPr id="2" name="Title 1"/>
@@ -7363,6 +7464,7 @@
         <p:spPr/>
         <p:txBody>
           <a:bodyPr/>
+          <a:lstStyle/>
           <a:p>
             <a:r>
               <a:rPr lang="de-DE" altLang="en-US" sz="4400">
@@ -7371,10 +7473,6 @@
               </a:rPr>
               <a:t>Methodology</a:t>
             </a:r>
-            <a:endParaRPr lang="de-DE" altLang="en-US" sz="4400">
-              <a:latin typeface="Arial Black" panose="020B0A04020102020204" charset="0"/>
-              <a:cs typeface="Arial Black" panose="020B0A04020102020204" charset="0"/>
-            </a:endParaRPr>
           </a:p>
         </p:txBody>
       </p:sp>
@@ -7417,6 +7515,7 @@
         </p:style>
         <p:txBody>
           <a:bodyPr rtlCol="0" anchor="ctr"/>
+          <a:lstStyle/>
           <a:p>
             <a:pPr algn="ctr"/>
             <a:r>
@@ -7438,13 +7537,6 @@
               </a:rPr>
               <a:t>st</a:t>
             </a:r>
-            <a:endParaRPr lang="de-DE" altLang="en-US" sz="2000" b="1" baseline="50000">
-              <a:solidFill>
-                <a:srgbClr val="000000"/>
-              </a:solidFill>
-              <a:uFillTx/>
-              <a:cs typeface="+mn-lt"/>
-            </a:endParaRPr>
           </a:p>
         </p:txBody>
       </p:sp>
@@ -7489,6 +7581,7 @@
         </p:style>
         <p:txBody>
           <a:bodyPr rtlCol="0" anchor="ctr"/>
+          <a:lstStyle/>
           <a:p>
             <a:pPr algn="ctr"/>
             <a:r>
@@ -7497,9 +7590,6 @@
               </a:rPr>
               <a:t>Compute the time-optimal trajectory for any attitude maneuver</a:t>
             </a:r>
-            <a:endParaRPr lang="de-DE" altLang="en-US">
-              <a:cs typeface="+mn-lt"/>
-            </a:endParaRPr>
           </a:p>
         </p:txBody>
       </p:sp>
@@ -7545,6 +7635,7 @@
         </p:style>
         <p:txBody>
           <a:bodyPr rtlCol="0" anchor="ctr"/>
+          <a:lstStyle/>
           <a:p>
             <a:pPr algn="ctr"/>
             <a:endParaRPr lang="en-US"/>
@@ -7571,6 +7662,7 @@
           <a:bodyPr wrap="none" rtlCol="0">
             <a:spAutoFit/>
           </a:bodyPr>
+          <a:lstStyle/>
           <a:p>
             <a:pPr algn="ctr"/>
             <a:r>
@@ -7579,9 +7671,6 @@
               </a:rPr>
               <a:t>min(maneuver_duration)</a:t>
             </a:r>
-            <a:endParaRPr lang="de-DE" altLang="en-US" sz="2000" b="1" i="1">
-              <a:latin typeface="Calibri" charset="0"/>
-            </a:endParaRPr>
           </a:p>
         </p:txBody>
       </p:sp>
@@ -7598,9 +7687,11 @@
         <p:spPr/>
         <p:txBody>
           <a:bodyPr/>
+          <a:lstStyle/>
           <a:p>
             <a:fld id="{760FBDFE-C587-4B4C-A407-44438C67B59E}" type="datetime1">
               <a:rPr lang="en-US" altLang="en-US" smtClean="0"/>
+              <a:t>9/22/2025</a:t>
             </a:fld>
             <a:endParaRPr lang="zh-CN" altLang="en-US"/>
           </a:p>
@@ -7619,9 +7710,11 @@
         <p:spPr/>
         <p:txBody>
           <a:bodyPr/>
+          <a:lstStyle/>
           <a:p>
             <a:fld id="{49AE70B2-8BF9-45C0-BB95-33D1B9D3A854}" type="slidenum">
               <a:rPr lang="zh-CN" altLang="en-US" smtClean="0"/>
+              <a:t>3</a:t>
             </a:fld>
             <a:endParaRPr lang="zh-CN" altLang="en-US"/>
           </a:p>
@@ -7640,6 +7733,7 @@
         <p:spPr/>
         <p:txBody>
           <a:bodyPr/>
+          <a:lstStyle/>
           <a:p>
             <a:r>
               <a:rPr lang="de-DE" altLang="zh-CN">
@@ -7651,8 +7745,8 @@
           </a:p>
         </p:txBody>
       </p:sp>
-      <mc:AlternateContent xmlns:mc="http://schemas.openxmlformats.org/markup-compatibility/2006">
-        <mc:Choice xmlns:a14="http://schemas.microsoft.com/office/drawing/2010/main" Requires="a14">
+      <mc:AlternateContent xmlns:mc="http://schemas.openxmlformats.org/markup-compatibility/2006" xmlns:a14="http://schemas.microsoft.com/office/drawing/2010/main">
+        <mc:Choice Requires="a14">
           <p:sp>
             <p:nvSpPr>
               <p:cNvPr id="17" name="Text Box 16"/>
@@ -7673,6 +7767,7 @@
               <a:bodyPr wrap="square" rtlCol="0">
                 <a:spAutoFit/>
               </a:bodyPr>
+              <a:lstStyle/>
               <a:p>
                 <a:pPr marL="342900" indent="-342900">
                   <a:lnSpc>
@@ -7709,7 +7804,7 @@
                         <m:endChr m:val="]"/>
                         <m:ctrlPr>
                           <a:rPr lang="en-US" altLang="de-DE" i="1">
-                            <a:latin typeface="DejaVu Math TeX Gyre" panose="02000503000000000000" charset="0"/>
+                            <a:latin typeface="Cambria Math" panose="02040503050406030204" pitchFamily="18" charset="0"/>
                             <a:cs typeface="DejaVu Math TeX Gyre" panose="02000503000000000000" charset="0"/>
                           </a:rPr>
                         </m:ctrlPr>
@@ -7720,7 +7815,7 @@
                             <m:chr m:val="̇"/>
                             <m:ctrlPr>
                               <a:rPr lang="en-US" altLang="de-DE" i="1">
-                                <a:latin typeface="DejaVu Math TeX Gyre" panose="02000503000000000000" charset="0"/>
+                                <a:latin typeface="Cambria Math" panose="02040503050406030204" pitchFamily="18" charset="0"/>
                                 <a:cs typeface="DejaVu Math TeX Gyre" panose="02000503000000000000" charset="0"/>
                               </a:rPr>
                             </m:ctrlPr>
@@ -7730,7 +7825,7 @@
                               <m:eqArrPr>
                                 <m:ctrlPr>
                                   <a:rPr lang="en-US" altLang="de-DE" i="1">
-                                    <a:latin typeface="DejaVu Math TeX Gyre" panose="02000503000000000000" charset="0"/>
+                                    <a:latin typeface="Cambria Math" panose="02040503050406030204" pitchFamily="18" charset="0"/>
                                     <a:cs typeface="DejaVu Math TeX Gyre" panose="02000503000000000000" charset="0"/>
                                   </a:rPr>
                                 </m:ctrlPr>
@@ -7738,7 +7833,7 @@
                               <m:e>
                                 <m:r>
                                   <a:rPr lang="en-US" altLang="de-DE" i="1">
-                                    <a:latin typeface="DejaVu Math TeX Gyre" panose="02000503000000000000" charset="0"/>
+                                    <a:latin typeface="Cambria Math" panose="02040503050406030204" pitchFamily="18" charset="0"/>
                                     <a:cs typeface="DejaVu Math TeX Gyre" panose="02000503000000000000" charset="0"/>
                                   </a:rPr>
                                   <m:t>𝑞</m:t>
@@ -7747,7 +7842,7 @@
                               <m:e>
                                 <m:r>
                                   <a:rPr lang="en-US" altLang="de-DE" i="1">
-                                    <a:latin typeface="DejaVu Math TeX Gyre" panose="02000503000000000000" charset="0"/>
+                                    <a:latin typeface="Cambria Math" panose="02040503050406030204" pitchFamily="18" charset="0"/>
                                     <a:cs typeface="DejaVu Math TeX Gyre" panose="02000503000000000000" charset="0"/>
                                   </a:rPr>
                                   <m:t>𝐼</m:t>
@@ -7757,7 +7852,7 @@
                                     <m:chr m:val="̇"/>
                                     <m:ctrlPr>
                                       <a:rPr lang="en-US" altLang="de-DE" i="1">
-                                        <a:latin typeface="DejaVu Math TeX Gyre" panose="02000503000000000000" charset="0"/>
+                                        <a:latin typeface="Cambria Math" panose="02040503050406030204" pitchFamily="18" charset="0"/>
                                         <a:cs typeface="DejaVu Math TeX Gyre" panose="02000503000000000000" charset="0"/>
                                       </a:rPr>
                                     </m:ctrlPr>
@@ -7765,7 +7860,7 @@
                                   <m:e>
                                     <m:r>
                                       <a:rPr lang="en-US" altLang="de-DE" i="1">
-                                        <a:latin typeface="DejaVu Math TeX Gyre" panose="02000503000000000000" charset="0"/>
+                                        <a:latin typeface="Cambria Math" panose="02040503050406030204" pitchFamily="18" charset="0"/>
                                         <a:ea typeface="MS Mincho" charset="0"/>
                                         <a:cs typeface="DejaVu Math TeX Gyre" panose="02000503000000000000" charset="0"/>
                                       </a:rPr>
@@ -7781,7 +7876,7 @@
                     </m:d>
                     <m:r>
                       <a:rPr lang="en-US" altLang="de-DE" i="1">
-                        <a:latin typeface="DejaVu Math TeX Gyre" panose="02000503000000000000" charset="0"/>
+                        <a:latin typeface="Cambria Math" panose="02040503050406030204" pitchFamily="18" charset="0"/>
                         <a:cs typeface="DejaVu Math TeX Gyre" panose="02000503000000000000" charset="0"/>
                       </a:rPr>
                       <m:t>=</m:t>
@@ -7792,7 +7887,7 @@
                         <m:endChr m:val="]"/>
                         <m:ctrlPr>
                           <a:rPr lang="en-US" altLang="de-DE" i="1">
-                            <a:latin typeface="DejaVu Math TeX Gyre" panose="02000503000000000000" charset="0"/>
+                            <a:latin typeface="Cambria Math" panose="02040503050406030204" pitchFamily="18" charset="0"/>
                             <a:cs typeface="DejaVu Math TeX Gyre" panose="02000503000000000000" charset="0"/>
                           </a:rPr>
                         </m:ctrlPr>
@@ -7802,7 +7897,7 @@
                           <m:eqArrPr>
                             <m:ctrlPr>
                               <a:rPr lang="en-US" altLang="de-DE" i="1">
-                                <a:latin typeface="DejaVu Math TeX Gyre" panose="02000503000000000000" charset="0"/>
+                                <a:latin typeface="Cambria Math" panose="02040503050406030204" pitchFamily="18" charset="0"/>
                                 <a:cs typeface="DejaVu Math TeX Gyre" panose="02000503000000000000" charset="0"/>
                               </a:rPr>
                             </m:ctrlPr>
@@ -7813,7 +7908,7 @@
                                 <m:noBreak m:val="on"/>
                                 <m:ctrlPr>
                                   <a:rPr lang="en-US" altLang="de-DE" i="1">
-                                    <a:latin typeface="DejaVu Math TeX Gyre" panose="02000503000000000000" charset="0"/>
+                                    <a:latin typeface="Cambria Math" panose="02040503050406030204" pitchFamily="18" charset="0"/>
                                     <a:cs typeface="DejaVu Math TeX Gyre" panose="02000503000000000000" charset="0"/>
                                   </a:rPr>
                                 </m:ctrlPr>
@@ -7826,7 +7921,7 @@
                                   <m:fPr>
                                     <m:ctrlPr>
                                       <a:rPr lang="en-US" altLang="de-DE" i="1">
-                                        <a:latin typeface="DejaVu Math TeX Gyre" panose="02000503000000000000" charset="0"/>
+                                        <a:latin typeface="Cambria Math" panose="02040503050406030204" pitchFamily="18" charset="0"/>
                                         <a:cs typeface="DejaVu Math TeX Gyre" panose="02000503000000000000" charset="0"/>
                                       </a:rPr>
                                     </m:ctrlPr>
@@ -7834,7 +7929,7 @@
                                   <m:num>
                                     <m:r>
                                       <a:rPr lang="en-US" altLang="de-DE" i="1">
-                                        <a:latin typeface="DejaVu Math TeX Gyre" panose="02000503000000000000" charset="0"/>
+                                        <a:latin typeface="Cambria Math" panose="02040503050406030204" pitchFamily="18" charset="0"/>
                                         <a:ea typeface="MS Mincho" charset="0"/>
                                         <a:cs typeface="DejaVu Math TeX Gyre" panose="02000503000000000000" charset="0"/>
                                       </a:rPr>
@@ -7844,7 +7939,7 @@
                                   <m:den>
                                     <m:r>
                                       <a:rPr lang="en-US" altLang="de-DE" i="1">
-                                        <a:latin typeface="DejaVu Math TeX Gyre" panose="02000503000000000000" charset="0"/>
+                                        <a:latin typeface="Cambria Math" panose="02040503050406030204" pitchFamily="18" charset="0"/>
                                         <a:ea typeface="MS Mincho" charset="0"/>
                                         <a:cs typeface="DejaVu Math TeX Gyre" panose="02000503000000000000" charset="0"/>
                                       </a:rPr>
@@ -7854,34 +7949,26 @@
                                 </m:f>
                                 <m:r>
                                   <a:rPr lang="en-US" altLang="de-DE" i="1">
-                                    <a:latin typeface="DejaVu Math TeX Gyre" panose="02000503000000000000" charset="0"/>
+                                    <a:latin typeface="Cambria Math" panose="02040503050406030204" pitchFamily="18" charset="0"/>
                                     <a:ea typeface="MS Mincho" charset="0"/>
                                     <a:cs typeface="DejaVu Math TeX Gyre" panose="02000503000000000000" charset="0"/>
                                   </a:rPr>
-                                  <m:t> </m:t>
+                                  <m:t> </m:t>
                                 </m:r>
                                 <m:r>
                                   <a:rPr lang="en-US" altLang="de-DE" i="1">
-                                    <a:latin typeface="DejaVu Math TeX Gyre" panose="02000503000000000000" charset="0"/>
+                                    <a:latin typeface="Cambria Math" panose="02040503050406030204" pitchFamily="18" charset="0"/>
                                     <a:cs typeface="DejaVu Math TeX Gyre" panose="02000503000000000000" charset="0"/>
                                   </a:rPr>
                                   <m:t>𝑞</m:t>
                                 </m:r>
                                 <m:r>
                                   <a:rPr lang="en-US" altLang="de-DE" i="1">
-                                    <a:latin typeface="DejaVu Math TeX Gyre" panose="02000503000000000000" charset="0"/>
+                                    <a:latin typeface="Cambria Math" panose="02040503050406030204" pitchFamily="18" charset="0"/>
                                     <a:ea typeface="MS Mincho" charset="0"/>
                                     <a:cs typeface="DejaVu Math TeX Gyre" panose="02000503000000000000" charset="0"/>
                                   </a:rPr>
-                                  <m:t> </m:t>
-                                </m:r>
-                                <m:r>
-                                  <a:rPr lang="en-US" altLang="de-DE" i="1">
-                                    <a:latin typeface="DejaVu Math TeX Gyre" panose="02000503000000000000" charset="0"/>
-                                    <a:ea typeface="MS Mincho" charset="0"/>
-                                    <a:cs typeface="DejaVu Math TeX Gyre" panose="02000503000000000000" charset="0"/>
-                                  </a:rPr>
-                                  <m:t>⊗ </m:t>
+                                  <m:t> ⊗ </m:t>
                                 </m:r>
                                 <m:d>
                                   <m:dPr>
@@ -7889,7 +7976,7 @@
                                     <m:endChr m:val="]"/>
                                     <m:ctrlPr>
                                       <a:rPr lang="en-US" altLang="de-DE" i="1">
-                                        <a:latin typeface="DejaVu Math TeX Gyre" panose="02000503000000000000" charset="0"/>
+                                        <a:latin typeface="Cambria Math" panose="02040503050406030204" pitchFamily="18" charset="0"/>
                                         <a:ea typeface="MS Mincho" charset="0"/>
                                         <a:cs typeface="DejaVu Math TeX Gyre" panose="02000503000000000000" charset="0"/>
                                       </a:rPr>
@@ -7900,7 +7987,7 @@
                                       <m:eqArrPr>
                                         <m:ctrlPr>
                                           <a:rPr lang="en-US" altLang="de-DE" i="1">
-                                            <a:latin typeface="DejaVu Math TeX Gyre" panose="02000503000000000000" charset="0"/>
+                                            <a:latin typeface="Cambria Math" panose="02040503050406030204" pitchFamily="18" charset="0"/>
                                             <a:ea typeface="MS Mincho" charset="0"/>
                                             <a:cs typeface="DejaVu Math TeX Gyre" panose="02000503000000000000" charset="0"/>
                                           </a:rPr>
@@ -7909,7 +7996,7 @@
                                       <m:e>
                                         <m:r>
                                           <a:rPr lang="en-US" altLang="de-DE" i="1">
-                                            <a:latin typeface="DejaVu Math TeX Gyre" panose="02000503000000000000" charset="0"/>
+                                            <a:latin typeface="Cambria Math" panose="02040503050406030204" pitchFamily="18" charset="0"/>
                                             <a:ea typeface="MS Mincho" charset="0"/>
                                             <a:cs typeface="DejaVu Math TeX Gyre" panose="02000503000000000000" charset="0"/>
                                           </a:rPr>
@@ -7919,7 +8006,7 @@
                                       <m:e>
                                         <m:r>
                                           <a:rPr lang="en-US" altLang="de-DE" i="1">
-                                            <a:latin typeface="DejaVu Math TeX Gyre" panose="02000503000000000000" charset="0"/>
+                                            <a:latin typeface="Cambria Math" panose="02040503050406030204" pitchFamily="18" charset="0"/>
                                             <a:ea typeface="MS Mincho" charset="0"/>
                                             <a:cs typeface="DejaVu Math TeX Gyre" panose="02000503000000000000" charset="0"/>
                                           </a:rPr>
@@ -7935,7 +8022,7 @@
                           <m:e>
                             <m:r>
                               <a:rPr lang="en-US" altLang="de-DE" i="1">
-                                <a:latin typeface="DejaVu Math TeX Gyre" panose="02000503000000000000" charset="0"/>
+                                <a:latin typeface="Cambria Math" panose="02040503050406030204" pitchFamily="18" charset="0"/>
                                 <a:ea typeface="MS Mincho" charset="0"/>
                                 <a:cs typeface="DejaVu Math TeX Gyre" panose="02000503000000000000" charset="0"/>
                               </a:rPr>
@@ -7943,14 +8030,14 @@
                             </m:r>
                             <m:r>
                               <a:rPr lang="en-US" altLang="de-DE" i="1">
-                                <a:latin typeface="DejaVu Math TeX Gyre" panose="02000503000000000000" charset="0"/>
+                                <a:latin typeface="Cambria Math" panose="02040503050406030204" pitchFamily="18" charset="0"/>
                                 <a:cs typeface="DejaVu Math TeX Gyre" panose="02000503000000000000" charset="0"/>
                               </a:rPr>
                               <m:t>−</m:t>
                             </m:r>
                             <m:r>
                               <a:rPr lang="en-US" altLang="de-DE" i="1">
-                                <a:latin typeface="DejaVu Math TeX Gyre" panose="02000503000000000000" charset="0"/>
+                                <a:latin typeface="Cambria Math" panose="02040503050406030204" pitchFamily="18" charset="0"/>
                                 <a:ea typeface="MS Mincho" charset="0"/>
                                 <a:cs typeface="DejaVu Math TeX Gyre" panose="02000503000000000000" charset="0"/>
                               </a:rPr>
@@ -7958,7 +8045,7 @@
                             </m:r>
                             <m:r>
                               <a:rPr lang="en-US" altLang="de-DE" i="1">
-                                <a:latin typeface="DejaVu Math TeX Gyre" panose="02000503000000000000" charset="0"/>
+                                <a:latin typeface="Cambria Math" panose="02040503050406030204" pitchFamily="18" charset="0"/>
                                 <a:ea typeface="MS Mincho" charset="0"/>
                                 <a:cs typeface="DejaVu Math TeX Gyre" panose="02000503000000000000" charset="0"/>
                               </a:rPr>
@@ -7966,7 +8053,7 @@
                             </m:r>
                             <m:r>
                               <a:rPr lang="en-US" altLang="de-DE" i="1">
-                                <a:latin typeface="DejaVu Math TeX Gyre" panose="02000503000000000000" charset="0"/>
+                                <a:latin typeface="Cambria Math" panose="02040503050406030204" pitchFamily="18" charset="0"/>
                                 <a:ea typeface="MS Mincho" charset="0"/>
                                 <a:cs typeface="DejaVu Math TeX Gyre" panose="02000503000000000000" charset="0"/>
                               </a:rPr>
@@ -7974,7 +8061,7 @@
                             </m:r>
                             <m:r>
                               <a:rPr lang="en-US" altLang="de-DE" i="1">
-                                <a:latin typeface="DejaVu Math TeX Gyre" panose="02000503000000000000" charset="0"/>
+                                <a:latin typeface="Cambria Math" panose="02040503050406030204" pitchFamily="18" charset="0"/>
                                 <a:ea typeface="MS Mincho" charset="0"/>
                                 <a:cs typeface="DejaVu Math TeX Gyre" panose="02000503000000000000" charset="0"/>
                               </a:rPr>
@@ -7982,11 +8069,11 @@
                             </m:r>
                             <m:r>
                               <a:rPr lang="en-US" altLang="de-DE" i="1">
-                                <a:latin typeface="DejaVu Math TeX Gyre" panose="02000503000000000000" charset="0"/>
+                                <a:latin typeface="Cambria Math" panose="02040503050406030204" pitchFamily="18" charset="0"/>
                                 <a:ea typeface="MS Mincho" charset="0"/>
                                 <a:cs typeface="DejaVu Math TeX Gyre" panose="02000503000000000000" charset="0"/>
                               </a:rPr>
-                              <m:t>) </m:t>
+                              <m:t>) </m:t>
                             </m:r>
                           </m:e>
                         </m:eqArr>
@@ -7994,11 +8081,11 @@
                     </m:d>
                     <m:r>
                       <a:rPr lang="en-US" altLang="de-DE" i="1">
-                        <a:latin typeface="DejaVu Math TeX Gyre" panose="02000503000000000000" charset="0"/>
+                        <a:latin typeface="Cambria Math" panose="02040503050406030204" pitchFamily="18" charset="0"/>
                         <a:ea typeface="MS Mincho" charset="0"/>
                         <a:cs typeface="DejaVu Math TeX Gyre" panose="02000503000000000000" charset="0"/>
                       </a:rPr>
-                      <m:t> </m:t>
+                      <m:t> </m:t>
                     </m:r>
                   </m:oMath>
                 </a14:m>
@@ -8021,10 +8108,6 @@
                   </a:rPr>
                   <a:t>Construct Optimal Control Problem (OCP):</a:t>
                 </a:r>
-                <a:endParaRPr lang="de-DE" altLang="en-US">
-                  <a:latin typeface="+mn-ea"/>
-                  <a:cs typeface="+mn-ea"/>
-                </a:endParaRPr>
               </a:p>
               <a:p>
                 <a:pPr marL="800100" lvl="1" indent="-342900">
@@ -8040,29 +8123,21 @@
                     <a:cs typeface="+mn-ea"/>
                     <a:sym typeface="+mn-ea"/>
                   </a:rPr>
-                  <a:t>Define objective/cost function </a:t>
-                </a:r>
-                <a:r>
-                  <a:rPr lang="de-DE" altLang="en-US">
-                    <a:latin typeface="+mn-ea"/>
-                    <a:cs typeface="+mn-ea"/>
-                    <a:sym typeface="+mn-ea"/>
-                  </a:rPr>
-                  <a:t>→</a:t>
+                  <a:t>Define objective/cost function →</a:t>
                 </a:r>
                 <a14:m>
                   <m:oMath xmlns:m="http://schemas.openxmlformats.org/officeDocument/2006/math">
                     <m:r>
                       <a:rPr lang="en-US" altLang="de-DE" i="1">
-                        <a:latin typeface="DejaVu Math TeX Gyre" panose="02000503000000000000" charset="0"/>
+                        <a:latin typeface="Cambria Math" panose="02040503050406030204" pitchFamily="18" charset="0"/>
                         <a:cs typeface="DejaVu Math TeX Gyre" panose="02000503000000000000" charset="0"/>
                         <a:sym typeface="+mn-ea"/>
                       </a:rPr>
-                      <m:t> </m:t>
+                      <m:t> </m:t>
                     </m:r>
                     <m:r>
                       <a:rPr lang="en-US" altLang="de-DE" i="1">
-                        <a:latin typeface="DejaVu Math TeX Gyre" panose="02000503000000000000" charset="0"/>
+                        <a:latin typeface="Cambria Math" panose="02040503050406030204" pitchFamily="18" charset="0"/>
                         <a:cs typeface="DejaVu Math TeX Gyre" panose="02000503000000000000" charset="0"/>
                         <a:sym typeface="+mn-ea"/>
                       </a:rPr>
@@ -8070,7 +8145,7 @@
                     </m:r>
                     <m:r>
                       <a:rPr lang="en-US" altLang="de-DE" i="1">
-                        <a:latin typeface="DejaVu Math TeX Gyre" panose="02000503000000000000" charset="0"/>
+                        <a:latin typeface="Cambria Math" panose="02040503050406030204" pitchFamily="18" charset="0"/>
                         <a:cs typeface="DejaVu Math TeX Gyre" panose="02000503000000000000" charset="0"/>
                         <a:sym typeface="+mn-ea"/>
                       </a:rPr>
@@ -8078,7 +8153,7 @@
                     </m:r>
                     <m:r>
                       <a:rPr lang="en-US" altLang="de-DE" i="1">
-                        <a:latin typeface="DejaVu Math TeX Gyre" panose="02000503000000000000" charset="0"/>
+                        <a:latin typeface="Cambria Math" panose="02040503050406030204" pitchFamily="18" charset="0"/>
                         <a:cs typeface="DejaVu Math TeX Gyre" panose="02000503000000000000" charset="0"/>
                         <a:sym typeface="+mn-ea"/>
                       </a:rPr>
@@ -8094,11 +8169,6 @@
                   </a:rPr>
                   <a:t> </a:t>
                 </a:r>
-                <a:endParaRPr lang="de-DE" altLang="en-US">
-                  <a:latin typeface="+mn-ea"/>
-                  <a:cs typeface="+mn-ea"/>
-                  <a:sym typeface="+mn-ea"/>
-                </a:endParaRPr>
               </a:p>
               <a:p>
                 <a:pPr marL="800100" lvl="1" indent="-342900">
@@ -8114,21 +8184,13 @@
                     <a:cs typeface="+mn-ea"/>
                     <a:sym typeface="+mn-ea"/>
                   </a:rPr>
-                  <a:t>Define constraints </a:t>
-                </a:r>
-                <a:r>
-                  <a:rPr lang="de-DE" altLang="en-US">
-                    <a:latin typeface="+mn-ea"/>
-                    <a:cs typeface="+mn-ea"/>
-                    <a:sym typeface="+mn-ea"/>
-                  </a:rPr>
-                  <a:t>→ </a:t>
+                  <a:t>Define constraints → </a:t>
                 </a:r>
                 <a14:m>
                   <m:oMath xmlns:m="http://schemas.openxmlformats.org/officeDocument/2006/math">
                     <m:r>
                       <a:rPr lang="en-US" altLang="de-DE" i="1">
-                        <a:latin typeface="DejaVu Math TeX Gyre" panose="02000503000000000000" charset="0"/>
+                        <a:latin typeface="Cambria Math" panose="02040503050406030204" pitchFamily="18" charset="0"/>
                         <a:cs typeface="DejaVu Math TeX Gyre" panose="02000503000000000000" charset="0"/>
                         <a:sym typeface="+mn-ea"/>
                       </a:rPr>
@@ -8136,7 +8198,7 @@
                     </m:r>
                     <m:r>
                       <a:rPr lang="en-US" altLang="de-DE" i="1">
-                        <a:latin typeface="DejaVu Math TeX Gyre" panose="02000503000000000000" charset="0"/>
+                        <a:latin typeface="Cambria Math" panose="02040503050406030204" pitchFamily="18" charset="0"/>
                         <a:cs typeface="DejaVu Math TeX Gyre" panose="02000503000000000000" charset="0"/>
                         <a:sym typeface="+mn-ea"/>
                       </a:rPr>
@@ -8144,19 +8206,11 @@
                     </m:r>
                     <m:r>
                       <a:rPr lang="en-US" altLang="de-DE" i="1">
-                        <a:latin typeface="DejaVu Math TeX Gyre" panose="02000503000000000000" charset="0"/>
+                        <a:latin typeface="Cambria Math" panose="02040503050406030204" pitchFamily="18" charset="0"/>
                         <a:cs typeface="DejaVu Math TeX Gyre" panose="02000503000000000000" charset="0"/>
                         <a:sym typeface="+mn-ea"/>
                       </a:rPr>
-                      <m:t>||=</m:t>
-                    </m:r>
-                    <m:r>
-                      <a:rPr lang="en-US" altLang="de-DE" i="1">
-                        <a:latin typeface="DejaVu Math TeX Gyre" panose="02000503000000000000" charset="0"/>
-                        <a:cs typeface="DejaVu Math TeX Gyre" panose="02000503000000000000" charset="0"/>
-                        <a:sym typeface="+mn-ea"/>
-                      </a:rPr>
-                      <m:t>1</m:t>
+                      <m:t>||=1</m:t>
                     </m:r>
                   </m:oMath>
                 </a14:m>
@@ -8187,15 +8241,11 @@
                   </a:rPr>
                   <a:t>Choose OCP solver architecture</a:t>
                 </a:r>
-                <a:endParaRPr lang="de-DE" altLang="en-US">
-                  <a:latin typeface="+mn-ea"/>
-                  <a:cs typeface="+mn-ea"/>
-                </a:endParaRPr>
               </a:p>
             </p:txBody>
           </p:sp>
         </mc:Choice>
-        <mc:Fallback>
+        <mc:Fallback xmlns="">
           <p:sp>
             <p:nvSpPr>
               <p:cNvPr id="17" name="Text Box 16"/>
@@ -8213,7 +8263,7 @@
                 <a:avLst/>
               </a:prstGeom>
               <a:blipFill rotWithShape="1">
-                <a:blip r:embed="rId1"/>
+                <a:blip r:embed="rId2"/>
                 <a:stretch>
                   <a:fillRect/>
                 </a:stretch>
@@ -8234,8 +8284,8 @@
           </p:sp>
         </mc:Fallback>
       </mc:AlternateContent>
-      <mc:AlternateContent xmlns:mc="http://schemas.openxmlformats.org/markup-compatibility/2006">
-        <mc:Choice xmlns:a14="http://schemas.microsoft.com/office/drawing/2010/main" Requires="a14">
+      <mc:AlternateContent xmlns:mc="http://schemas.openxmlformats.org/markup-compatibility/2006" xmlns:a14="http://schemas.microsoft.com/office/drawing/2010/main">
+        <mc:Choice Requires="a14">
           <p:sp>
             <p:nvSpPr>
               <p:cNvPr id="18" name="Text Box 17"/>
@@ -8256,6 +8306,7 @@
               <a:bodyPr wrap="square" rtlCol="0">
                 <a:spAutoFit/>
               </a:bodyPr>
+              <a:lstStyle/>
               <a:p>
                 <a:pPr algn="ctr">
                   <a:lnSpc>
@@ -8269,10 +8320,6 @@
                   </a:rPr>
                   <a:t>Legend:</a:t>
                 </a:r>
-                <a:endParaRPr lang="de-DE" altLang="en-US" sz="1200">
-                  <a:latin typeface="+mn-ea"/>
-                  <a:cs typeface="+mn-ea"/>
-                </a:endParaRPr>
               </a:p>
               <a:p>
                 <a:pPr algn="l">
@@ -8284,7 +8331,7 @@
                   <m:oMath xmlns:m="http://schemas.openxmlformats.org/officeDocument/2006/math">
                     <m:r>
                       <a:rPr lang="en-US" altLang="de-DE" sz="1200" i="1">
-                        <a:latin typeface="DejaVu Math TeX Gyre" panose="02000503000000000000" charset="0"/>
+                        <a:latin typeface="Cambria Math" panose="02040503050406030204" pitchFamily="18" charset="0"/>
                         <a:cs typeface="DejaVu Math TeX Gyre" panose="02000503000000000000" charset="0"/>
                       </a:rPr>
                       <m:t>𝑞</m:t>
@@ -8310,11 +8357,11 @@
                   <m:oMath xmlns:m="http://schemas.openxmlformats.org/officeDocument/2006/math">
                     <m:r>
                       <a:rPr lang="en-US" altLang="de-DE" sz="1200" i="1">
-                        <a:latin typeface="DejaVu Math TeX Gyre" panose="02000503000000000000" charset="0"/>
+                        <a:latin typeface="Cambria Math" panose="02040503050406030204" pitchFamily="18" charset="0"/>
                         <a:cs typeface="DejaVu Math TeX Gyre" panose="02000503000000000000" charset="0"/>
                         <a:sym typeface="+mn-ea"/>
                       </a:rPr>
-                      <m:t> </m:t>
+                      <m:t> </m:t>
                     </m:r>
                   </m:oMath>
                 </a14:m>
@@ -8325,10 +8372,6 @@
                   </a:rPr>
                   <a:t>Quaternion vector</a:t>
                 </a:r>
-                <a:endParaRPr lang="de-DE" altLang="en-US" sz="1200">
-                  <a:latin typeface="+mn-ea"/>
-                  <a:cs typeface="+mn-ea"/>
-                </a:endParaRPr>
               </a:p>
               <a:p>
                 <a:pPr algn="l">
@@ -8340,7 +8383,7 @@
                   <m:oMath xmlns:m="http://schemas.openxmlformats.org/officeDocument/2006/math">
                     <m:r>
                       <a:rPr lang="en-US" altLang="de-DE" sz="1200" i="1">
-                        <a:latin typeface="DejaVu Math TeX Gyre" panose="02000503000000000000" charset="0"/>
+                        <a:latin typeface="Cambria Math" panose="02040503050406030204" pitchFamily="18" charset="0"/>
                         <a:ea typeface="MS Mincho" charset="0"/>
                         <a:cs typeface="DejaVu Math TeX Gyre" panose="02000503000000000000" charset="0"/>
                       </a:rPr>
@@ -8367,11 +8410,11 @@
                   <m:oMath xmlns:m="http://schemas.openxmlformats.org/officeDocument/2006/math">
                     <m:r>
                       <a:rPr lang="en-US" altLang="de-DE" sz="1200" i="1">
-                        <a:latin typeface="DejaVu Math TeX Gyre" panose="02000503000000000000" charset="0"/>
+                        <a:latin typeface="Cambria Math" panose="02040503050406030204" pitchFamily="18" charset="0"/>
                         <a:cs typeface="DejaVu Math TeX Gyre" panose="02000503000000000000" charset="0"/>
                         <a:sym typeface="+mn-ea"/>
                       </a:rPr>
-                      <m:t> </m:t>
+                      <m:t> </m:t>
                     </m:r>
                   </m:oMath>
                 </a14:m>
@@ -8382,10 +8425,6 @@
                   </a:rPr>
                   <a:t>Angular velocity vector</a:t>
                 </a:r>
-                <a:endParaRPr lang="de-DE" altLang="en-US" sz="1200">
-                  <a:latin typeface="+mn-ea"/>
-                  <a:cs typeface="+mn-ea"/>
-                </a:endParaRPr>
               </a:p>
               <a:p>
                 <a:pPr algn="l">
@@ -8397,7 +8436,7 @@
                   <m:oMath xmlns:m="http://schemas.openxmlformats.org/officeDocument/2006/math">
                     <m:r>
                       <a:rPr lang="en-US" altLang="de-DE" sz="1200" i="1">
-                        <a:latin typeface="DejaVu Math TeX Gyre" panose="02000503000000000000" charset="0"/>
+                        <a:latin typeface="Cambria Math" panose="02040503050406030204" pitchFamily="18" charset="0"/>
                         <a:cs typeface="DejaVu Math TeX Gyre" panose="02000503000000000000" charset="0"/>
                       </a:rPr>
                       <m:t>𝐼</m:t>
@@ -8423,11 +8462,11 @@
                   <m:oMath xmlns:m="http://schemas.openxmlformats.org/officeDocument/2006/math">
                     <m:r>
                       <a:rPr lang="en-US" altLang="de-DE" sz="1200" i="1">
-                        <a:latin typeface="DejaVu Math TeX Gyre" panose="02000503000000000000" charset="0"/>
+                        <a:latin typeface="Cambria Math" panose="02040503050406030204" pitchFamily="18" charset="0"/>
                         <a:cs typeface="DejaVu Math TeX Gyre" panose="02000503000000000000" charset="0"/>
                         <a:sym typeface="+mn-ea"/>
                       </a:rPr>
-                      <m:t> </m:t>
+                      <m:t> </m:t>
                     </m:r>
                   </m:oMath>
                 </a14:m>
@@ -8438,10 +8477,6 @@
                   </a:rPr>
                   <a:t>Inertia matrix</a:t>
                 </a:r>
-                <a:endParaRPr lang="de-DE" altLang="en-US" sz="1200">
-                  <a:latin typeface="+mn-ea"/>
-                  <a:cs typeface="+mn-ea"/>
-                </a:endParaRPr>
               </a:p>
               <a:p>
                 <a:pPr algn="l">
@@ -8453,7 +8488,7 @@
                   <m:oMath xmlns:m="http://schemas.openxmlformats.org/officeDocument/2006/math">
                     <m:r>
                       <a:rPr lang="en-US" altLang="de-DE" sz="1200" i="1">
-                        <a:latin typeface="DejaVu Math TeX Gyre" panose="02000503000000000000" charset="0"/>
+                        <a:latin typeface="Cambria Math" panose="02040503050406030204" pitchFamily="18" charset="0"/>
                         <a:ea typeface="MS Mincho" charset="0"/>
                         <a:cs typeface="DejaVu Math TeX Gyre" panose="02000503000000000000" charset="0"/>
                       </a:rPr>
@@ -8480,11 +8515,11 @@
                   <m:oMath xmlns:m="http://schemas.openxmlformats.org/officeDocument/2006/math">
                     <m:r>
                       <a:rPr lang="en-US" altLang="de-DE" sz="1200" i="1">
-                        <a:latin typeface="DejaVu Math TeX Gyre" panose="02000503000000000000" charset="0"/>
+                        <a:latin typeface="Cambria Math" panose="02040503050406030204" pitchFamily="18" charset="0"/>
                         <a:cs typeface="DejaVu Math TeX Gyre" panose="02000503000000000000" charset="0"/>
                         <a:sym typeface="+mn-ea"/>
                       </a:rPr>
-                      <m:t> </m:t>
+                      <m:t> </m:t>
                     </m:r>
                   </m:oMath>
                 </a14:m>
@@ -8495,10 +8530,6 @@
                   </a:rPr>
                   <a:t>External torque vector</a:t>
                 </a:r>
-                <a:endParaRPr lang="de-DE" altLang="en-US" sz="1200">
-                  <a:latin typeface="+mn-ea"/>
-                  <a:cs typeface="+mn-ea"/>
-                </a:endParaRPr>
               </a:p>
               <a:p>
                 <a:pPr algn="l">
@@ -8510,7 +8541,7 @@
                   <m:oMath xmlns:m="http://schemas.openxmlformats.org/officeDocument/2006/math">
                     <m:r>
                       <a:rPr lang="en-US" altLang="de-DE" sz="1200" i="1">
-                        <a:latin typeface="DejaVu Math TeX Gyre" panose="02000503000000000000" charset="0"/>
+                        <a:latin typeface="Cambria Math" panose="02040503050406030204" pitchFamily="18" charset="0"/>
                         <a:cs typeface="DejaVu Math TeX Gyre" panose="02000503000000000000" charset="0"/>
                         <a:sym typeface="+mn-ea"/>
                       </a:rPr>
@@ -8537,11 +8568,11 @@
                   <m:oMath xmlns:m="http://schemas.openxmlformats.org/officeDocument/2006/math">
                     <m:r>
                       <a:rPr lang="en-US" altLang="de-DE" sz="1200" i="1">
-                        <a:latin typeface="DejaVu Math TeX Gyre" panose="02000503000000000000" charset="0"/>
+                        <a:latin typeface="Cambria Math" panose="02040503050406030204" pitchFamily="18" charset="0"/>
                         <a:cs typeface="DejaVu Math TeX Gyre" panose="02000503000000000000" charset="0"/>
                         <a:sym typeface="+mn-ea"/>
                       </a:rPr>
-                      <m:t> </m:t>
+                      <m:t> </m:t>
                     </m:r>
                   </m:oMath>
                 </a14:m>
@@ -8552,10 +8583,6 @@
                   </a:rPr>
                   <a:t>Cost function</a:t>
                 </a:r>
-                <a:endParaRPr lang="de-DE" altLang="en-US" sz="1200">
-                  <a:latin typeface="+mn-ea"/>
-                  <a:cs typeface="+mn-ea"/>
-                </a:endParaRPr>
               </a:p>
               <a:p>
                 <a:pPr algn="l">
@@ -8567,7 +8594,7 @@
                   <m:oMath xmlns:m="http://schemas.openxmlformats.org/officeDocument/2006/math">
                     <m:r>
                       <a:rPr lang="en-US" altLang="de-DE" sz="1200" i="1">
-                        <a:latin typeface="DejaVu Math TeX Gyre" panose="02000503000000000000" charset="0"/>
+                        <a:latin typeface="Cambria Math" panose="02040503050406030204" pitchFamily="18" charset="0"/>
                         <a:cs typeface="DejaVu Math TeX Gyre" panose="02000503000000000000" charset="0"/>
                         <a:sym typeface="+mn-ea"/>
                       </a:rPr>
@@ -8594,11 +8621,11 @@
                   <m:oMath xmlns:m="http://schemas.openxmlformats.org/officeDocument/2006/math">
                     <m:r>
                       <a:rPr lang="en-US" altLang="de-DE" sz="1200" i="1">
-                        <a:latin typeface="DejaVu Math TeX Gyre" panose="02000503000000000000" charset="0"/>
+                        <a:latin typeface="Cambria Math" panose="02040503050406030204" pitchFamily="18" charset="0"/>
                         <a:cs typeface="DejaVu Math TeX Gyre" panose="02000503000000000000" charset="0"/>
                         <a:sym typeface="+mn-ea"/>
                       </a:rPr>
-                      <m:t> </m:t>
+                      <m:t> </m:t>
                     </m:r>
                   </m:oMath>
                 </a14:m>
@@ -8609,10 +8636,6 @@
                   </a:rPr>
                   <a:t>Total maneuver duration</a:t>
                 </a:r>
-                <a:endParaRPr lang="de-DE" altLang="en-US" sz="1200">
-                  <a:latin typeface="+mn-ea"/>
-                  <a:cs typeface="+mn-ea"/>
-                </a:endParaRPr>
               </a:p>
               <a:p>
                 <a:pPr algn="l">
@@ -8624,7 +8647,7 @@
                   <m:oMath xmlns:m="http://schemas.openxmlformats.org/officeDocument/2006/math">
                     <m:r>
                       <a:rPr lang="en-US" altLang="de-DE" sz="1200" i="1">
-                        <a:latin typeface="DejaVu Math TeX Gyre" panose="02000503000000000000" charset="0"/>
+                        <a:latin typeface="Cambria Math" panose="02040503050406030204" pitchFamily="18" charset="0"/>
                         <a:ea typeface="MS Mincho" charset="0"/>
                         <a:cs typeface="DejaVu Math TeX Gyre" panose="02000503000000000000" charset="0"/>
                       </a:rPr>
@@ -8651,11 +8674,11 @@
                   <m:oMath xmlns:m="http://schemas.openxmlformats.org/officeDocument/2006/math">
                     <m:r>
                       <a:rPr lang="en-US" altLang="de-DE" sz="1200" i="1">
-                        <a:latin typeface="DejaVu Math TeX Gyre" panose="02000503000000000000" charset="0"/>
+                        <a:latin typeface="Cambria Math" panose="02040503050406030204" pitchFamily="18" charset="0"/>
                         <a:cs typeface="DejaVu Math TeX Gyre" panose="02000503000000000000" charset="0"/>
                         <a:sym typeface="+mn-ea"/>
                       </a:rPr>
-                      <m:t> </m:t>
+                      <m:t> </m:t>
                     </m:r>
                   </m:oMath>
                 </a14:m>
@@ -8666,10 +8689,6 @@
                   </a:rPr>
                   <a:t>Quaternion multiplication</a:t>
                 </a:r>
-                <a:endParaRPr lang="de-DE" altLang="en-US" sz="1200">
-                  <a:latin typeface="+mn-ea"/>
-                  <a:cs typeface="+mn-ea"/>
-                </a:endParaRPr>
               </a:p>
               <a:p>
                 <a:pPr algn="l">
@@ -8681,7 +8700,7 @@
                   <m:oMath xmlns:m="http://schemas.openxmlformats.org/officeDocument/2006/math">
                     <m:r>
                       <a:rPr lang="en-US" altLang="de-DE" sz="1200" i="1">
-                        <a:latin typeface="DejaVu Math TeX Gyre" panose="02000503000000000000" charset="0"/>
+                        <a:latin typeface="Cambria Math" panose="02040503050406030204" pitchFamily="18" charset="0"/>
                         <a:cs typeface="DejaVu Math TeX Gyre" panose="02000503000000000000" charset="0"/>
                       </a:rPr>
                       <m:t>×</m:t>
@@ -8707,11 +8726,11 @@
                   <m:oMath xmlns:m="http://schemas.openxmlformats.org/officeDocument/2006/math">
                     <m:r>
                       <a:rPr lang="en-US" altLang="de-DE" sz="1200" i="1">
-                        <a:latin typeface="DejaVu Math TeX Gyre" panose="02000503000000000000" charset="0"/>
+                        <a:latin typeface="Cambria Math" panose="02040503050406030204" pitchFamily="18" charset="0"/>
                         <a:cs typeface="DejaVu Math TeX Gyre" panose="02000503000000000000" charset="0"/>
                         <a:sym typeface="+mn-ea"/>
                       </a:rPr>
-                      <m:t> </m:t>
+                      <m:t> </m:t>
                     </m:r>
                   </m:oMath>
                 </a14:m>
@@ -8722,10 +8741,6 @@
                   </a:rPr>
                   <a:t>Cross product</a:t>
                 </a:r>
-                <a:endParaRPr lang="de-DE" altLang="en-US" sz="1200">
-                  <a:latin typeface="+mn-ea"/>
-                  <a:cs typeface="+mn-ea"/>
-                </a:endParaRPr>
               </a:p>
               <a:p>
                 <a:pPr algn="l">
@@ -8740,7 +8755,7 @@
                         <m:chr m:val="̇"/>
                         <m:ctrlPr>
                           <a:rPr lang="en-US" altLang="de-DE" sz="1200" i="1">
-                            <a:latin typeface="DejaVu Math TeX Gyre" panose="02000503000000000000" charset="0"/>
+                            <a:latin typeface="Cambria Math" panose="02040503050406030204" pitchFamily="18" charset="0"/>
                             <a:cs typeface="DejaVu Math TeX Gyre" panose="02000503000000000000" charset="0"/>
                           </a:rPr>
                         </m:ctrlPr>
@@ -8748,7 +8763,7 @@
                       <m:e>
                         <m:r>
                           <a:rPr lang="en-US" altLang="de-DE" sz="1200">
-                            <a:latin typeface="DejaVu Math TeX Gyre" panose="02000503000000000000" charset="0"/>
+                            <a:latin typeface="Cambria Math" panose="02040503050406030204" pitchFamily="18" charset="0"/>
                             <a:ea typeface="MS Mincho" charset="0"/>
                             <a:cs typeface="DejaVu Math TeX Gyre" panose="02000503000000000000" charset="0"/>
                           </a:rPr>
@@ -8777,11 +8792,11 @@
                   <m:oMath xmlns:m="http://schemas.openxmlformats.org/officeDocument/2006/math">
                     <m:r>
                       <a:rPr lang="en-US" altLang="de-DE" sz="1200" i="1">
-                        <a:latin typeface="DejaVu Math TeX Gyre" panose="02000503000000000000" charset="0"/>
+                        <a:latin typeface="Cambria Math" panose="02040503050406030204" pitchFamily="18" charset="0"/>
                         <a:cs typeface="DejaVu Math TeX Gyre" panose="02000503000000000000" charset="0"/>
                         <a:sym typeface="+mn-ea"/>
                       </a:rPr>
-                      <m:t> </m:t>
+                      <m:t> </m:t>
                     </m:r>
                   </m:oMath>
                 </a14:m>
@@ -8792,10 +8807,6 @@
                   </a:rPr>
                   <a:t>Time derivative</a:t>
                 </a:r>
-                <a:endParaRPr lang="de-DE" altLang="en-US" sz="1200">
-                  <a:latin typeface="+mn-ea"/>
-                  <a:cs typeface="+mn-ea"/>
-                </a:endParaRPr>
               </a:p>
               <a:p>
                 <a:pPr algn="l">
@@ -8814,7 +8825,7 @@
                   <m:oMath xmlns:m="http://schemas.openxmlformats.org/officeDocument/2006/math">
                     <m:r>
                       <a:rPr lang="en-US" altLang="de-DE" sz="1200">
-                        <a:latin typeface="DejaVu Math TeX Gyre" panose="02000503000000000000" charset="0"/>
+                        <a:latin typeface="Cambria Math" panose="02040503050406030204" pitchFamily="18" charset="0"/>
                         <a:ea typeface="MS Mincho" charset="0"/>
                         <a:cs typeface="DejaVu Math TeX Gyre" panose="02000503000000000000" charset="0"/>
                       </a:rPr>
@@ -8841,11 +8852,11 @@
                   <m:oMath xmlns:m="http://schemas.openxmlformats.org/officeDocument/2006/math">
                     <m:r>
                       <a:rPr lang="en-US" altLang="de-DE" sz="1200" i="1">
-                        <a:latin typeface="DejaVu Math TeX Gyre" panose="02000503000000000000" charset="0"/>
+                        <a:latin typeface="Cambria Math" panose="02040503050406030204" pitchFamily="18" charset="0"/>
                         <a:cs typeface="DejaVu Math TeX Gyre" panose="02000503000000000000" charset="0"/>
                         <a:sym typeface="+mn-ea"/>
                       </a:rPr>
-                      <m:t> </m:t>
+                      <m:t> </m:t>
                     </m:r>
                   </m:oMath>
                 </a14:m>
@@ -8856,15 +8867,11 @@
                   </a:rPr>
                   <a:t>Euclidean norm</a:t>
                 </a:r>
-                <a:endParaRPr lang="de-DE" altLang="en-US" sz="1200">
-                  <a:latin typeface="+mn-ea"/>
-                  <a:cs typeface="+mn-ea"/>
-                </a:endParaRPr>
               </a:p>
             </p:txBody>
           </p:sp>
         </mc:Choice>
-        <mc:Fallback>
+        <mc:Fallback xmlns="">
           <p:sp>
             <p:nvSpPr>
               <p:cNvPr id="18" name="Text Box 17"/>
@@ -8882,7 +8889,7 @@
                 <a:avLst/>
               </a:prstGeom>
               <a:blipFill rotWithShape="1">
-                <a:blip r:embed="rId2"/>
+                <a:blip r:embed="rId3"/>
                 <a:stretch>
                   <a:fillRect/>
                 </a:stretch>
@@ -8914,7 +8921,7 @@
         <p159:morph option="byObject"/>
       </p:transition>
     </mc:Choice>
-    <mc:Fallback>
+    <mc:Fallback xmlns="">
       <p:transition spd="slow">
         <p:fade/>
       </p:transition>
@@ -9033,10 +9040,10 @@
       </p:par>
     </p:tnLst>
     <p:bldLst>
+      <p:bldP spid="17" grpId="0"/>
+      <p:bldP spid="17" grpId="1"/>
       <p:bldP spid="18" grpId="0"/>
       <p:bldP spid="18" grpId="1"/>
-      <p:bldP spid="17" grpId="0"/>
-      <p:bldP spid="17" grpId="1"/>
     </p:bldLst>
   </p:timing>
 </p:sld>
@@ -9051,7 +9058,14 @@
         <p:cNvGrpSpPr/>
         <p:nvPr/>
       </p:nvGrpSpPr>
-      <p:grpSpPr/>
+      <p:grpSpPr>
+        <a:xfrm>
+          <a:off x="0" y="0"/>
+          <a:ext cx="0" cy="0"/>
+          <a:chOff x="0" y="0"/>
+          <a:chExt cx="0" cy="0"/>
+        </a:xfrm>
+      </p:grpSpPr>
       <p:sp>
         <p:nvSpPr>
           <p:cNvPr id="6" name="Oval 5"/>
@@ -9090,11 +9104,12 @@
           </a:fontRef>
         </p:style>
         <p:txBody>
-          <a:bodyPr rtlCol="0" anchor="ctr"/>
+          <a:bodyPr lIns="0" tIns="0" rIns="0" bIns="0" rtlCol="0" anchor="ctr"/>
+          <a:lstStyle/>
           <a:p>
             <a:pPr algn="ctr"/>
             <a:r>
-              <a:rPr lang="de-DE" altLang="en-US" sz="2000" b="1">
+              <a:rPr lang="de-DE" altLang="en-US" sz="2000" b="1" dirty="0">
                 <a:solidFill>
                   <a:srgbClr val="000000"/>
                 </a:solidFill>
@@ -9103,7 +9118,7 @@
               <a:t>2</a:t>
             </a:r>
             <a:r>
-              <a:rPr lang="de-DE" altLang="en-US" sz="2000" b="1" baseline="50000">
+              <a:rPr lang="de-DE" altLang="en-US" sz="2000" b="1" baseline="50000" dirty="0">
                 <a:solidFill>
                   <a:srgbClr val="000000"/>
                 </a:solidFill>
@@ -9112,13 +9127,6 @@
               </a:rPr>
               <a:t>nd</a:t>
             </a:r>
-            <a:endParaRPr lang="de-DE" altLang="en-US" sz="2000" b="1" baseline="50000">
-              <a:solidFill>
-                <a:srgbClr val="000000"/>
-              </a:solidFill>
-              <a:uFillTx/>
-              <a:cs typeface="+mn-lt"/>
-            </a:endParaRPr>
           </a:p>
         </p:txBody>
       </p:sp>
@@ -9163,6 +9171,7 @@
         </p:style>
         <p:txBody>
           <a:bodyPr rtlCol="0" anchor="ctr"/>
+          <a:lstStyle/>
           <a:p>
             <a:pPr algn="ctr"/>
             <a:r>
@@ -9220,6 +9229,7 @@
         </p:style>
         <p:txBody>
           <a:bodyPr rtlCol="0" anchor="ctr"/>
+          <a:lstStyle/>
           <a:p>
             <a:pPr algn="ctr"/>
             <a:endParaRPr lang="en-US"/>
@@ -9246,6 +9256,7 @@
           <a:bodyPr wrap="none" rtlCol="0">
             <a:spAutoFit/>
           </a:bodyPr>
+          <a:lstStyle/>
           <a:p>
             <a:pPr algn="ctr"/>
             <a:r>
@@ -9281,9 +9292,11 @@
         <p:spPr/>
         <p:txBody>
           <a:bodyPr/>
+          <a:lstStyle/>
           <a:p>
             <a:fld id="{760FBDFE-C587-4B4C-A407-44438C67B59E}" type="datetime1">
               <a:rPr lang="en-US" altLang="en-US" smtClean="0"/>
+              <a:t>9/22/2025</a:t>
             </a:fld>
             <a:endParaRPr lang="zh-CN" altLang="en-US"/>
           </a:p>
@@ -9302,9 +9315,11 @@
         <p:spPr/>
         <p:txBody>
           <a:bodyPr/>
+          <a:lstStyle/>
           <a:p>
             <a:fld id="{49AE70B2-8BF9-45C0-BB95-33D1B9D3A854}" type="slidenum">
               <a:rPr lang="zh-CN" altLang="en-US" smtClean="0"/>
+              <a:t>4</a:t>
             </a:fld>
             <a:endParaRPr lang="zh-CN" altLang="en-US"/>
           </a:p>
@@ -9323,6 +9338,7 @@
         <p:spPr/>
         <p:txBody>
           <a:bodyPr/>
+          <a:lstStyle/>
           <a:p>
             <a:r>
               <a:rPr lang="de-DE" altLang="zh-CN">
@@ -9347,6 +9363,7 @@
         <p:spPr/>
         <p:txBody>
           <a:bodyPr/>
+          <a:lstStyle/>
           <a:p>
             <a:r>
               <a:rPr lang="de-DE" altLang="en-US" sz="4400">
@@ -9355,10 +9372,6 @@
               </a:rPr>
               <a:t>Methodology</a:t>
             </a:r>
-            <a:endParaRPr lang="de-DE" altLang="en-US" sz="4400">
-              <a:latin typeface="Arial Black" panose="020B0A04020102020204" charset="0"/>
-              <a:cs typeface="Arial Black" panose="020B0A04020102020204" charset="0"/>
-            </a:endParaRPr>
           </a:p>
         </p:txBody>
       </p:sp>
@@ -9370,7 +9383,7 @@
         </p:nvSpPr>
         <p:spPr>
           <a:xfrm>
-            <a:off x="647700" y="1762125"/>
+            <a:off x="647700" y="1724801"/>
             <a:ext cx="6860540" cy="1198880"/>
           </a:xfrm>
           <a:prstGeom prst="rect">
@@ -9382,6 +9395,7 @@
           <a:bodyPr wrap="square" rtlCol="0">
             <a:spAutoFit/>
           </a:bodyPr>
+          <a:lstStyle/>
           <a:p>
             <a:pPr marL="342900" indent="-342900">
               <a:lnSpc>
@@ -9391,16 +9405,12 @@
               <a:buAutoNum type="arabicPeriod" startAt="3"/>
             </a:pPr>
             <a:r>
-              <a:rPr lang="de-DE" altLang="en-US">
+              <a:rPr lang="de-DE" altLang="en-US" dirty="0">
                 <a:latin typeface="+mn-ea"/>
                 <a:cs typeface="+mn-ea"/>
               </a:rPr>
               <a:t>Choose OCP solver architecture</a:t>
             </a:r>
-            <a:endParaRPr lang="de-DE" altLang="en-US">
-              <a:latin typeface="+mn-ea"/>
-              <a:cs typeface="+mn-ea"/>
-            </a:endParaRPr>
           </a:p>
           <a:p>
             <a:pPr marL="800100" lvl="1" indent="-342900">
@@ -9411,16 +9421,12 @@
               <a:buAutoNum type="arabicPeriod"/>
             </a:pPr>
             <a:r>
-              <a:rPr lang="en-US" altLang="de-DE">
+              <a:rPr lang="en-US" altLang="de-DE" dirty="0">
                 <a:latin typeface="+mn-ea"/>
                 <a:cs typeface="+mn-ea"/>
               </a:rPr>
               <a:t>Solving methods:</a:t>
             </a:r>
-            <a:endParaRPr lang="en-US" altLang="de-DE">
-              <a:latin typeface="+mn-ea"/>
-              <a:cs typeface="+mn-ea"/>
-            </a:endParaRPr>
           </a:p>
         </p:txBody>
       </p:sp>
@@ -9428,10 +9434,16 @@
         <p:nvGraphicFramePr>
           <p:cNvPr id="7" name="Table 6"/>
           <p:cNvGraphicFramePr/>
-          <p:nvPr/>
+          <p:nvPr>
+            <p:extLst>
+              <p:ext uri="{D42A27DB-BD31-4B8C-83A1-F6EECF244321}">
+                <p14:modId xmlns:p14="http://schemas.microsoft.com/office/powerpoint/2010/main" val="580102511"/>
+              </p:ext>
+            </p:extLst>
+          </p:nvPr>
         </p:nvGraphicFramePr>
         <p:xfrm>
-          <a:off x="647700" y="3370580"/>
+          <a:off x="647700" y="3333256"/>
           <a:ext cx="7383145" cy="2270760"/>
         </p:xfrm>
         <a:graphic>
@@ -9441,14 +9453,33 @@
                 <a:tableStyleId>{5C22544A-7EE6-4342-B048-85BDC9FD1C3A}</a:tableStyleId>
               </a:tblPr>
               <a:tblGrid>
-                <a:gridCol w="1449705"/>
-                <a:gridCol w="2947670"/>
-                <a:gridCol w="2985770"/>
+                <a:gridCol w="1449705">
+                  <a:extLst>
+                    <a:ext uri="{9D8B030D-6E8A-4147-A177-3AD203B41FA5}">
+                      <a16:colId xmlns:a16="http://schemas.microsoft.com/office/drawing/2014/main" val="20000"/>
+                    </a:ext>
+                  </a:extLst>
+                </a:gridCol>
+                <a:gridCol w="2947670">
+                  <a:extLst>
+                    <a:ext uri="{9D8B030D-6E8A-4147-A177-3AD203B41FA5}">
+                      <a16:colId xmlns:a16="http://schemas.microsoft.com/office/drawing/2014/main" val="20001"/>
+                    </a:ext>
+                  </a:extLst>
+                </a:gridCol>
+                <a:gridCol w="2985770">
+                  <a:extLst>
+                    <a:ext uri="{9D8B030D-6E8A-4147-A177-3AD203B41FA5}">
+                      <a16:colId xmlns:a16="http://schemas.microsoft.com/office/drawing/2014/main" val="20002"/>
+                    </a:ext>
+                  </a:extLst>
+                </a:gridCol>
               </a:tblGrid>
               <a:tr h="378460">
                 <a:tc>
                   <a:txBody>
                     <a:bodyPr/>
+                    <a:lstStyle/>
                     <a:p>
                       <a:pPr>
                         <a:buNone/>
@@ -9456,7 +9487,7 @@
                       <a:endParaRPr lang="en-US"/>
                     </a:p>
                   </a:txBody>
-                  <a:tcPr anchor="ctr" anchorCtr="0">
+                  <a:tcPr anchor="ctr">
                     <a:lnL>
                       <a:noFill/>
                     </a:lnL>
@@ -9475,6 +9506,7 @@
                 <a:tc>
                   <a:txBody>
                     <a:bodyPr/>
+                    <a:lstStyle/>
                     <a:p>
                       <a:pPr algn="ctr">
                         <a:buNone/>
@@ -9483,10 +9515,9 @@
                         <a:rPr lang="en-US"/>
                         <a:t>Direct</a:t>
                       </a:r>
-                      <a:endParaRPr lang="en-US"/>
                     </a:p>
                   </a:txBody>
-                  <a:tcPr anchor="ctr" anchorCtr="0">
+                  <a:tcPr anchor="ctr">
                     <a:lnL w="38100" cmpd="sng">
                       <a:solidFill>
                         <a:schemeClr val="tx1"/>
@@ -9504,6 +9535,7 @@
                 <a:tc>
                   <a:txBody>
                     <a:bodyPr/>
+                    <a:lstStyle/>
                     <a:p>
                       <a:pPr algn="ctr">
                         <a:buNone/>
@@ -9512,10 +9544,9 @@
                         <a:rPr lang="en-US"/>
                         <a:t>Indirect</a:t>
                       </a:r>
-                      <a:endParaRPr lang="en-US"/>
                     </a:p>
                   </a:txBody>
-                  <a:tcPr anchor="ctr" anchorCtr="0">
+                  <a:tcPr anchor="ctr">
                     <a:lnR w="38100" cmpd="sng">
                       <a:solidFill>
                         <a:schemeClr val="tx1"/>
@@ -9530,31 +9561,32 @@
                     </a:lnT>
                   </a:tcPr>
                 </a:tc>
+                <a:extLst>
+                  <a:ext uri="{0D108BD9-81ED-4DB2-BD59-A6C34878D82A}">
+                    <a16:rowId xmlns:a16="http://schemas.microsoft.com/office/drawing/2014/main" val="10000"/>
+                  </a:ext>
+                </a:extLst>
               </a:tr>
               <a:tr h="378460">
                 <a:tc>
                   <a:txBody>
                     <a:bodyPr/>
+                    <a:lstStyle/>
                     <a:p>
                       <a:pPr>
                         <a:buNone/>
                       </a:pPr>
                       <a:r>
-                        <a:rPr lang="en-US" sz="1400">
+                        <a:rPr lang="en-US" sz="1400" dirty="0">
                           <a:solidFill>
                             <a:schemeClr val="bg1"/>
                           </a:solidFill>
                         </a:rPr>
                         <a:t>Approach</a:t>
                       </a:r>
-                      <a:endParaRPr lang="en-US" sz="1400">
-                        <a:solidFill>
-                          <a:schemeClr val="bg1"/>
-                        </a:solidFill>
-                      </a:endParaRPr>
                     </a:p>
                   </a:txBody>
-                  <a:tcPr anchor="ctr" anchorCtr="0">
+                  <a:tcPr anchor="ctr">
                     <a:lnL w="38100" cmpd="sng">
                       <a:solidFill>
                         <a:schemeClr val="tx1"/>
@@ -9575,12 +9607,13 @@
                 <a:tc>
                   <a:txBody>
                     <a:bodyPr/>
+                    <a:lstStyle/>
                     <a:p>
                       <a:pPr>
                         <a:buNone/>
                       </a:pPr>
                       <a:r>
-                        <a:rPr lang="en-US" sz="1200">
+                        <a:rPr lang="en-US" sz="1200" dirty="0">
                           <a:solidFill>
                             <a:srgbClr val="000000"/>
                           </a:solidFill>
@@ -9589,16 +9622,9 @@
                         </a:rPr>
                         <a:t>Discretize → Optimize</a:t>
                       </a:r>
-                      <a:endParaRPr lang="en-US" sz="1200">
-                        <a:solidFill>
-                          <a:srgbClr val="000000"/>
-                        </a:solidFill>
-                        <a:cs typeface="+mn-lt"/>
-                        <a:sym typeface="+mn-ea"/>
-                      </a:endParaRPr>
                     </a:p>
                   </a:txBody>
-                  <a:tcPr anchor="ctr" anchorCtr="0">
+                  <a:tcPr anchor="ctr">
                     <a:lnL w="38100" cmpd="sng">
                       <a:solidFill>
                         <a:schemeClr val="tx1"/>
@@ -9610,6 +9636,7 @@
                 <a:tc>
                   <a:txBody>
                     <a:bodyPr/>
+                    <a:lstStyle/>
                     <a:p>
                       <a:pPr>
                         <a:buNone/>
@@ -9624,16 +9651,9 @@
                         </a:rPr>
                         <a:t>Derive optimality conditions → Discretize</a:t>
                       </a:r>
-                      <a:endParaRPr lang="en-US" sz="1200">
-                        <a:solidFill>
-                          <a:srgbClr val="000000"/>
-                        </a:solidFill>
-                        <a:cs typeface="+mn-lt"/>
-                        <a:sym typeface="+mn-ea"/>
-                      </a:endParaRPr>
                     </a:p>
                   </a:txBody>
-                  <a:tcPr anchor="ctr" anchorCtr="0">
+                  <a:tcPr anchor="ctr">
                     <a:lnR w="38100" cmpd="sng">
                       <a:solidFill>
                         <a:schemeClr val="tx1"/>
@@ -9642,31 +9662,32 @@
                     </a:lnR>
                   </a:tcPr>
                 </a:tc>
+                <a:extLst>
+                  <a:ext uri="{0D108BD9-81ED-4DB2-BD59-A6C34878D82A}">
+                    <a16:rowId xmlns:a16="http://schemas.microsoft.com/office/drawing/2014/main" val="10001"/>
+                  </a:ext>
+                </a:extLst>
               </a:tr>
               <a:tr h="378460">
                 <a:tc>
                   <a:txBody>
                     <a:bodyPr/>
+                    <a:lstStyle/>
                     <a:p>
                       <a:pPr>
                         <a:buNone/>
                       </a:pPr>
                       <a:r>
-                        <a:rPr lang="en-US" sz="1400">
+                        <a:rPr lang="en-US" sz="1400" dirty="0">
                           <a:solidFill>
                             <a:schemeClr val="bg1"/>
                           </a:solidFill>
                         </a:rPr>
                         <a:t>Robustness</a:t>
                       </a:r>
-                      <a:endParaRPr lang="en-US" sz="1400">
-                        <a:solidFill>
-                          <a:schemeClr val="bg1"/>
-                        </a:solidFill>
-                      </a:endParaRPr>
                     </a:p>
                   </a:txBody>
-                  <a:tcPr anchor="ctr" anchorCtr="0">
+                  <a:tcPr anchor="ctr">
                     <a:lnL w="38100" cmpd="sng">
                       <a:solidFill>
                         <a:schemeClr val="tx1"/>
@@ -9687,6 +9708,7 @@
                 <a:tc>
                   <a:txBody>
                     <a:bodyPr/>
+                    <a:lstStyle/>
                     <a:p>
                       <a:pPr>
                         <a:buNone/>
@@ -9700,15 +9722,9 @@
                         </a:rPr>
                         <a:t>Can converge even with bad initial guess</a:t>
                       </a:r>
-                      <a:endParaRPr lang="en-US" sz="1200">
-                        <a:solidFill>
-                          <a:srgbClr val="000000"/>
-                        </a:solidFill>
-                        <a:cs typeface="+mn-lt"/>
-                      </a:endParaRPr>
                     </a:p>
                   </a:txBody>
-                  <a:tcPr anchor="ctr" anchorCtr="0">
+                  <a:tcPr anchor="ctr">
                     <a:lnL w="38100" cmpd="sng">
                       <a:solidFill>
                         <a:schemeClr val="tx1"/>
@@ -9720,6 +9736,7 @@
                 <a:tc>
                   <a:txBody>
                     <a:bodyPr/>
+                    <a:lstStyle/>
                     <a:p>
                       <a:pPr>
                         <a:buNone/>
@@ -9733,15 +9750,9 @@
                         </a:rPr>
                         <a:t>Sensitive to initial guess</a:t>
                       </a:r>
-                      <a:endParaRPr lang="en-US" sz="1200">
-                        <a:solidFill>
-                          <a:srgbClr val="000000"/>
-                        </a:solidFill>
-                        <a:cs typeface="+mn-lt"/>
-                      </a:endParaRPr>
                     </a:p>
                   </a:txBody>
-                  <a:tcPr anchor="ctr" anchorCtr="0">
+                  <a:tcPr anchor="ctr">
                     <a:lnR w="38100" cmpd="sng">
                       <a:solidFill>
                         <a:schemeClr val="tx1"/>
@@ -9750,31 +9761,32 @@
                     </a:lnR>
                   </a:tcPr>
                 </a:tc>
+                <a:extLst>
+                  <a:ext uri="{0D108BD9-81ED-4DB2-BD59-A6C34878D82A}">
+                    <a16:rowId xmlns:a16="http://schemas.microsoft.com/office/drawing/2014/main" val="10002"/>
+                  </a:ext>
+                </a:extLst>
               </a:tr>
               <a:tr h="378460">
                 <a:tc>
                   <a:txBody>
                     <a:bodyPr/>
+                    <a:lstStyle/>
                     <a:p>
                       <a:pPr>
                         <a:buNone/>
                       </a:pPr>
                       <a:r>
-                        <a:rPr lang="en-US" sz="1400">
+                        <a:rPr lang="en-US" sz="1400" dirty="0">
                           <a:solidFill>
                             <a:schemeClr val="bg1"/>
                           </a:solidFill>
                         </a:rPr>
                         <a:t>Implementation</a:t>
                       </a:r>
-                      <a:endParaRPr lang="en-US" sz="1400">
-                        <a:solidFill>
-                          <a:schemeClr val="bg1"/>
-                        </a:solidFill>
-                      </a:endParaRPr>
                     </a:p>
                   </a:txBody>
-                  <a:tcPr anchor="ctr" anchorCtr="0">
+                  <a:tcPr anchor="ctr">
                     <a:lnL w="38100" cmpd="sng">
                       <a:solidFill>
                         <a:schemeClr val="tx1"/>
@@ -9795,6 +9807,7 @@
                 <a:tc>
                   <a:txBody>
                     <a:bodyPr/>
+                    <a:lstStyle/>
                     <a:p>
                       <a:pPr>
                         <a:buNone/>
@@ -9808,15 +9821,9 @@
                         </a:rPr>
                         <a:t>Easier</a:t>
                       </a:r>
-                      <a:endParaRPr lang="en-US" sz="1200">
-                        <a:solidFill>
-                          <a:srgbClr val="000000"/>
-                        </a:solidFill>
-                        <a:cs typeface="+mn-lt"/>
-                      </a:endParaRPr>
                     </a:p>
                   </a:txBody>
-                  <a:tcPr anchor="ctr" anchorCtr="0">
+                  <a:tcPr anchor="ctr">
                     <a:lnL w="38100" cmpd="sng">
                       <a:solidFill>
                         <a:schemeClr val="tx1"/>
@@ -9828,6 +9835,7 @@
                 <a:tc>
                   <a:txBody>
                     <a:bodyPr/>
+                    <a:lstStyle/>
                     <a:p>
                       <a:pPr>
                         <a:buNone/>
@@ -9841,15 +9849,9 @@
                         </a:rPr>
                         <a:t>More complex</a:t>
                       </a:r>
-                      <a:endParaRPr lang="en-US" sz="1200">
-                        <a:solidFill>
-                          <a:srgbClr val="000000"/>
-                        </a:solidFill>
-                        <a:cs typeface="+mn-lt"/>
-                      </a:endParaRPr>
                     </a:p>
                   </a:txBody>
-                  <a:tcPr anchor="ctr" anchorCtr="0">
+                  <a:tcPr anchor="ctr">
                     <a:lnR w="38100" cmpd="sng">
                       <a:solidFill>
                         <a:schemeClr val="tx1"/>
@@ -9858,31 +9860,32 @@
                     </a:lnR>
                   </a:tcPr>
                 </a:tc>
+                <a:extLst>
+                  <a:ext uri="{0D108BD9-81ED-4DB2-BD59-A6C34878D82A}">
+                    <a16:rowId xmlns:a16="http://schemas.microsoft.com/office/drawing/2014/main" val="10003"/>
+                  </a:ext>
+                </a:extLst>
               </a:tr>
               <a:tr h="378460">
                 <a:tc>
                   <a:txBody>
                     <a:bodyPr/>
+                    <a:lstStyle/>
                     <a:p>
                       <a:pPr>
                         <a:buNone/>
                       </a:pPr>
                       <a:r>
-                        <a:rPr lang="en-US" sz="1400">
+                        <a:rPr lang="en-US" sz="1400" dirty="0">
                           <a:solidFill>
                             <a:schemeClr val="bg1"/>
                           </a:solidFill>
                         </a:rPr>
                         <a:t>Optimality</a:t>
                       </a:r>
-                      <a:endParaRPr lang="en-US" sz="1400">
-                        <a:solidFill>
-                          <a:schemeClr val="bg1"/>
-                        </a:solidFill>
-                      </a:endParaRPr>
                     </a:p>
                   </a:txBody>
-                  <a:tcPr anchor="ctr" anchorCtr="0">
+                  <a:tcPr anchor="ctr">
                     <a:lnL w="38100" cmpd="sng">
                       <a:solidFill>
                         <a:schemeClr val="tx1"/>
@@ -9903,6 +9906,7 @@
                 <a:tc>
                   <a:txBody>
                     <a:bodyPr/>
+                    <a:lstStyle/>
                     <a:p>
                       <a:pPr>
                         <a:buNone/>
@@ -9916,15 +9920,9 @@
                         </a:rPr>
                         <a:t>Approximate solution</a:t>
                       </a:r>
-                      <a:endParaRPr lang="en-US" sz="1200">
-                        <a:solidFill>
-                          <a:srgbClr val="000000"/>
-                        </a:solidFill>
-                        <a:cs typeface="+mn-lt"/>
-                      </a:endParaRPr>
                     </a:p>
                   </a:txBody>
-                  <a:tcPr anchor="ctr" anchorCtr="0">
+                  <a:tcPr anchor="ctr">
                     <a:lnL w="38100" cmpd="sng">
                       <a:solidFill>
                         <a:schemeClr val="tx1"/>
@@ -9936,6 +9934,7 @@
                 <a:tc>
                   <a:txBody>
                     <a:bodyPr/>
+                    <a:lstStyle/>
                     <a:p>
                       <a:pPr>
                         <a:buNone/>
@@ -9949,15 +9948,9 @@
                         </a:rPr>
                         <a:t>Potentially exact</a:t>
                       </a:r>
-                      <a:endParaRPr lang="en-US" sz="1200">
-                        <a:solidFill>
-                          <a:srgbClr val="000000"/>
-                        </a:solidFill>
-                        <a:cs typeface="+mn-lt"/>
-                      </a:endParaRPr>
                     </a:p>
                   </a:txBody>
-                  <a:tcPr anchor="ctr" anchorCtr="0">
+                  <a:tcPr anchor="ctr">
                     <a:lnR w="38100" cmpd="sng">
                       <a:solidFill>
                         <a:schemeClr val="tx1"/>
@@ -9966,31 +9959,32 @@
                     </a:lnR>
                   </a:tcPr>
                 </a:tc>
+                <a:extLst>
+                  <a:ext uri="{0D108BD9-81ED-4DB2-BD59-A6C34878D82A}">
+                    <a16:rowId xmlns:a16="http://schemas.microsoft.com/office/drawing/2014/main" val="10004"/>
+                  </a:ext>
+                </a:extLst>
               </a:tr>
               <a:tr h="378460">
                 <a:tc>
                   <a:txBody>
                     <a:bodyPr/>
+                    <a:lstStyle/>
                     <a:p>
                       <a:pPr>
                         <a:buNone/>
                       </a:pPr>
                       <a:r>
-                        <a:rPr lang="en-US" sz="1400">
+                        <a:rPr lang="en-US" sz="1400" dirty="0">
                           <a:solidFill>
                             <a:schemeClr val="bg1"/>
                           </a:solidFill>
                         </a:rPr>
                         <a:t>Solve speed</a:t>
                       </a:r>
-                      <a:endParaRPr lang="en-US" sz="1400">
-                        <a:solidFill>
-                          <a:schemeClr val="bg1"/>
-                        </a:solidFill>
-                      </a:endParaRPr>
                     </a:p>
                   </a:txBody>
-                  <a:tcPr anchor="ctr" anchorCtr="0">
+                  <a:tcPr anchor="ctr">
                     <a:lnL w="38100" cmpd="sng">
                       <a:solidFill>
                         <a:schemeClr val="tx1"/>
@@ -10017,6 +10011,7 @@
                 <a:tc>
                   <a:txBody>
                     <a:bodyPr/>
+                    <a:lstStyle/>
                     <a:p>
                       <a:pPr>
                         <a:buNone/>
@@ -10030,15 +10025,9 @@
                         </a:rPr>
                         <a:t>Real-time capable</a:t>
                       </a:r>
-                      <a:endParaRPr lang="en-US" sz="1200">
-                        <a:solidFill>
-                          <a:srgbClr val="000000"/>
-                        </a:solidFill>
-                        <a:cs typeface="+mn-lt"/>
-                      </a:endParaRPr>
                     </a:p>
                   </a:txBody>
-                  <a:tcPr anchor="ctr" anchorCtr="0">
+                  <a:tcPr anchor="ctr">
                     <a:lnL w="38100" cmpd="sng">
                       <a:solidFill>
                         <a:schemeClr val="tx1"/>
@@ -10056,12 +10045,13 @@
                 <a:tc>
                   <a:txBody>
                     <a:bodyPr/>
+                    <a:lstStyle/>
                     <a:p>
                       <a:pPr>
                         <a:buNone/>
                       </a:pPr>
                       <a:r>
-                        <a:rPr lang="en-US" sz="1200">
+                        <a:rPr lang="en-US" sz="1200" dirty="0">
                           <a:solidFill>
                             <a:srgbClr val="000000"/>
                           </a:solidFill>
@@ -10069,15 +10059,9 @@
                         </a:rPr>
                         <a:t>Slow</a:t>
                       </a:r>
-                      <a:endParaRPr lang="en-US" sz="1200">
-                        <a:solidFill>
-                          <a:srgbClr val="000000"/>
-                        </a:solidFill>
-                        <a:cs typeface="+mn-lt"/>
-                      </a:endParaRPr>
                     </a:p>
                   </a:txBody>
-                  <a:tcPr anchor="ctr" anchorCtr="0">
+                  <a:tcPr anchor="ctr">
                     <a:lnR w="38100" cmpd="sng">
                       <a:solidFill>
                         <a:schemeClr val="tx1"/>
@@ -10092,6 +10076,11 @@
                     </a:lnB>
                   </a:tcPr>
                 </a:tc>
+                <a:extLst>
+                  <a:ext uri="{0D108BD9-81ED-4DB2-BD59-A6C34878D82A}">
+                    <a16:rowId xmlns:a16="http://schemas.microsoft.com/office/drawing/2014/main" val="10005"/>
+                  </a:ext>
+                </a:extLst>
               </a:tr>
             </a:tbl>
           </a:graphicData>
@@ -10102,21 +10091,6 @@
   <p:clrMapOvr>
     <a:masterClrMapping/>
   </p:clrMapOvr>
-  <mc:AlternateContent xmlns:mc="http://schemas.openxmlformats.org/markup-compatibility/2006">
-    <mc:Choice xmlns:p14="http://schemas.microsoft.com/office/powerpoint/2010/main" Requires="p14">
-      <p:transition spd="slow" p14:dur="2000"/>
-    </mc:Choice>
-    <mc:Fallback>
-      <p:transition spd="slow"/>
-    </mc:Fallback>
-  </mc:AlternateContent>
-  <p:timing>
-    <p:tnLst>
-      <p:par>
-        <p:cTn id="1" dur="indefinite" restart="never" nodeType="tmRoot"/>
-      </p:par>
-    </p:tnLst>
-  </p:timing>
 </p:sld>
 </file>
 
@@ -10129,7 +10103,14 @@
         <p:cNvGrpSpPr/>
         <p:nvPr/>
       </p:nvGrpSpPr>
-      <p:grpSpPr/>
+      <p:grpSpPr>
+        <a:xfrm>
+          <a:off x="0" y="0"/>
+          <a:ext cx="0" cy="0"/>
+          <a:chOff x="0" y="0"/>
+          <a:chExt cx="0" cy="0"/>
+        </a:xfrm>
+      </p:grpSpPr>
       <p:sp>
         <p:nvSpPr>
           <p:cNvPr id="6" name="Oval 5"/>
@@ -10168,11 +10149,12 @@
           </a:fontRef>
         </p:style>
         <p:txBody>
-          <a:bodyPr rtlCol="0" anchor="ctr"/>
+          <a:bodyPr lIns="0" tIns="0" rIns="0" bIns="0" rtlCol="0" anchor="ctr"/>
+          <a:lstStyle/>
           <a:p>
             <a:pPr algn="ctr"/>
             <a:r>
-              <a:rPr lang="de-DE" altLang="en-US" sz="2000" b="1">
+              <a:rPr lang="de-DE" altLang="en-US" sz="2000" b="1" dirty="0">
                 <a:solidFill>
                   <a:srgbClr val="000000"/>
                 </a:solidFill>
@@ -10181,7 +10163,7 @@
               <a:t>2</a:t>
             </a:r>
             <a:r>
-              <a:rPr lang="de-DE" altLang="en-US" sz="2000" b="1" baseline="50000">
+              <a:rPr lang="de-DE" altLang="en-US" sz="2000" b="1" baseline="50000" dirty="0">
                 <a:solidFill>
                   <a:srgbClr val="000000"/>
                 </a:solidFill>
@@ -10190,13 +10172,6 @@
               </a:rPr>
               <a:t>nd</a:t>
             </a:r>
-            <a:endParaRPr lang="de-DE" altLang="en-US" sz="2000" b="1" baseline="50000">
-              <a:solidFill>
-                <a:srgbClr val="000000"/>
-              </a:solidFill>
-              <a:uFillTx/>
-              <a:cs typeface="+mn-lt"/>
-            </a:endParaRPr>
           </a:p>
         </p:txBody>
       </p:sp>
@@ -10241,6 +10216,7 @@
         </p:style>
         <p:txBody>
           <a:bodyPr rtlCol="0" anchor="ctr"/>
+          <a:lstStyle/>
           <a:p>
             <a:pPr algn="ctr"/>
             <a:r>
@@ -10298,6 +10274,7 @@
         </p:style>
         <p:txBody>
           <a:bodyPr rtlCol="0" anchor="ctr"/>
+          <a:lstStyle/>
           <a:p>
             <a:pPr algn="ctr"/>
             <a:endParaRPr lang="en-US"/>
@@ -10324,6 +10301,7 @@
           <a:bodyPr wrap="none" rtlCol="0">
             <a:spAutoFit/>
           </a:bodyPr>
+          <a:lstStyle/>
           <a:p>
             <a:pPr algn="ctr"/>
             <a:r>
@@ -10359,9 +10337,11 @@
         <p:spPr/>
         <p:txBody>
           <a:bodyPr/>
+          <a:lstStyle/>
           <a:p>
             <a:fld id="{760FBDFE-C587-4B4C-A407-44438C67B59E}" type="datetime1">
               <a:rPr lang="en-US" altLang="en-US" smtClean="0"/>
+              <a:t>9/22/2025</a:t>
             </a:fld>
             <a:endParaRPr lang="zh-CN" altLang="en-US"/>
           </a:p>
@@ -10380,9 +10360,11 @@
         <p:spPr/>
         <p:txBody>
           <a:bodyPr/>
+          <a:lstStyle/>
           <a:p>
             <a:fld id="{49AE70B2-8BF9-45C0-BB95-33D1B9D3A854}" type="slidenum">
               <a:rPr lang="zh-CN" altLang="en-US" smtClean="0"/>
+              <a:t>5</a:t>
             </a:fld>
             <a:endParaRPr lang="zh-CN" altLang="en-US"/>
           </a:p>
@@ -10401,6 +10383,7 @@
         <p:spPr/>
         <p:txBody>
           <a:bodyPr/>
+          <a:lstStyle/>
           <a:p>
             <a:r>
               <a:rPr lang="de-DE" altLang="zh-CN">
@@ -10425,6 +10408,7 @@
         <p:spPr/>
         <p:txBody>
           <a:bodyPr/>
+          <a:lstStyle/>
           <a:p>
             <a:r>
               <a:rPr lang="de-DE" altLang="en-US" sz="4400">
@@ -10433,10 +10417,6 @@
               </a:rPr>
               <a:t>Methodology</a:t>
             </a:r>
-            <a:endParaRPr lang="de-DE" altLang="en-US" sz="4400">
-              <a:latin typeface="Arial Black" panose="020B0A04020102020204" charset="0"/>
-              <a:cs typeface="Arial Black" panose="020B0A04020102020204" charset="0"/>
-            </a:endParaRPr>
           </a:p>
         </p:txBody>
       </p:sp>
@@ -10449,7 +10429,7 @@
         <p:spPr>
           <a:xfrm>
             <a:off x="647700" y="1762125"/>
-            <a:ext cx="6860540" cy="4188460"/>
+            <a:ext cx="6860540" cy="1114408"/>
           </a:xfrm>
           <a:prstGeom prst="rect">
             <a:avLst/>
@@ -10460,6 +10440,7 @@
           <a:bodyPr wrap="square" rtlCol="0">
             <a:spAutoFit/>
           </a:bodyPr>
+          <a:lstStyle/>
           <a:p>
             <a:pPr marL="342900" indent="-342900">
               <a:lnSpc>
@@ -10469,16 +10450,12 @@
               <a:buAutoNum type="arabicPeriod" startAt="3"/>
             </a:pPr>
             <a:r>
-              <a:rPr lang="de-DE" altLang="en-US">
+              <a:rPr lang="de-DE" altLang="en-US" dirty="0">
                 <a:latin typeface="+mn-ea"/>
                 <a:cs typeface="+mn-ea"/>
               </a:rPr>
               <a:t>Choose OCP solver architecture</a:t>
             </a:r>
-            <a:endParaRPr lang="de-DE" altLang="en-US">
-              <a:latin typeface="+mn-ea"/>
-              <a:cs typeface="+mn-ea"/>
-            </a:endParaRPr>
           </a:p>
           <a:p>
             <a:pPr marL="800100" lvl="1" indent="-342900">
@@ -10489,541 +10466,12 @@
               <a:buAutoNum type="arabicPeriod" startAt="2"/>
             </a:pPr>
             <a:r>
-              <a:rPr lang="en-US" altLang="de-DE">
-                <a:latin typeface="+mn-ea"/>
-                <a:cs typeface="+mn-ea"/>
-              </a:rPr>
-              <a:t>Framework: CasADi</a:t>
-            </a:r>
-            <a:endParaRPr lang="en-US" altLang="de-DE">
-              <a:latin typeface="+mn-ea"/>
-              <a:cs typeface="+mn-ea"/>
-            </a:endParaRPr>
-          </a:p>
-          <a:p>
-            <a:pPr marL="1257300" lvl="2" indent="-342900">
-              <a:lnSpc>
-                <a:spcPct val="180000"/>
-              </a:lnSpc>
-              <a:buFont typeface="Arial" panose="020B0604020202020204" pitchFamily="34" charset="0"/>
-              <a:buChar char="•"/>
-            </a:pPr>
-            <a:r>
-              <a:rPr lang="en-US" altLang="de-DE">
-                <a:latin typeface="+mn-ea"/>
-                <a:cs typeface="+mn-ea"/>
-              </a:rPr>
-              <a:t>Open-source</a:t>
-            </a:r>
-            <a:endParaRPr lang="en-US" altLang="de-DE">
-              <a:latin typeface="+mn-ea"/>
-              <a:cs typeface="+mn-ea"/>
-            </a:endParaRPr>
-          </a:p>
-          <a:p>
-            <a:pPr marL="1257300" lvl="2" indent="-342900">
-              <a:lnSpc>
-                <a:spcPct val="180000"/>
-              </a:lnSpc>
-              <a:buFont typeface="Arial" panose="020B0604020202020204" pitchFamily="34" charset="0"/>
-              <a:buChar char="•"/>
-            </a:pPr>
-            <a:r>
-              <a:rPr lang="en-US" altLang="de-DE">
-                <a:latin typeface="+mn-ea"/>
-                <a:cs typeface="+mn-ea"/>
-              </a:rPr>
-              <a:t>Automatic differentiation</a:t>
-            </a:r>
-            <a:endParaRPr lang="en-US" altLang="de-DE">
-              <a:latin typeface="+mn-ea"/>
-              <a:cs typeface="+mn-ea"/>
-            </a:endParaRPr>
-          </a:p>
-          <a:p>
-            <a:pPr marL="1257300" lvl="2" indent="-342900">
-              <a:lnSpc>
-                <a:spcPct val="180000"/>
-              </a:lnSpc>
-              <a:buFont typeface="Arial" panose="020B0604020202020204" pitchFamily="34" charset="0"/>
-              <a:buChar char="•"/>
-            </a:pPr>
-            <a:r>
-              <a:rPr lang="en-US" altLang="de-DE">
-                <a:latin typeface="+mn-ea"/>
-                <a:cs typeface="+mn-ea"/>
-              </a:rPr>
-              <a:t>Simple NLP interface</a:t>
-            </a:r>
-            <a:endParaRPr lang="en-US" altLang="de-DE">
-              <a:latin typeface="+mn-ea"/>
-              <a:cs typeface="+mn-ea"/>
-            </a:endParaRPr>
-          </a:p>
-          <a:p>
-            <a:pPr marL="1257300" lvl="2" indent="-342900">
-              <a:lnSpc>
-                <a:spcPct val="180000"/>
-              </a:lnSpc>
-              <a:buFont typeface="Arial" panose="020B0604020202020204" pitchFamily="34" charset="0"/>
-              <a:buChar char="•"/>
-            </a:pPr>
-            <a:r>
-              <a:rPr lang="en-US" altLang="de-DE">
-                <a:latin typeface="+mn-ea"/>
-                <a:cs typeface="+mn-ea"/>
-              </a:rPr>
-              <a:t>Automatic c-code generation</a:t>
-            </a:r>
-            <a:endParaRPr lang="en-US" altLang="de-DE">
-              <a:latin typeface="+mn-ea"/>
-              <a:cs typeface="+mn-ea"/>
-            </a:endParaRPr>
-          </a:p>
-          <a:p>
-            <a:pPr marL="1257300" lvl="2" indent="-342900">
-              <a:lnSpc>
-                <a:spcPct val="180000"/>
-              </a:lnSpc>
-              <a:buFont typeface="Arial" panose="020B0604020202020204" pitchFamily="34" charset="0"/>
-              <a:buChar char="•"/>
-            </a:pPr>
-            <a:r>
-              <a:rPr lang="en-US" altLang="de-DE">
-                <a:latin typeface="+mn-ea"/>
-                <a:cs typeface="+mn-ea"/>
-              </a:rPr>
-              <a:t>Source-code in c++</a:t>
-            </a:r>
-            <a:endParaRPr lang="en-US" altLang="de-DE">
-              <a:latin typeface="+mn-ea"/>
-              <a:cs typeface="+mn-ea"/>
-            </a:endParaRPr>
-          </a:p>
-          <a:p>
-            <a:pPr marL="1257300" lvl="2" indent="-342900">
-              <a:lnSpc>
-                <a:spcPct val="180000"/>
-              </a:lnSpc>
-              <a:buFont typeface="Arial" panose="020B0604020202020204" pitchFamily="34" charset="0"/>
-              <a:buChar char="•"/>
-            </a:pPr>
-            <a:r>
-              <a:rPr lang="en-US" altLang="de-DE">
-                <a:latin typeface="+mn-ea"/>
-                <a:cs typeface="+mn-ea"/>
-              </a:rPr>
-              <a:t>Extensive NLP solver compatibility</a:t>
-            </a:r>
-            <a:endParaRPr lang="en-US" altLang="de-DE">
-              <a:latin typeface="+mn-ea"/>
-              <a:cs typeface="+mn-ea"/>
-            </a:endParaRPr>
-          </a:p>
-        </p:txBody>
-      </p:sp>
-    </p:spTree>
-  </p:cSld>
-  <p:clrMapOvr>
-    <a:masterClrMapping/>
-  </p:clrMapOvr>
-  <mc:AlternateContent xmlns:mc="http://schemas.openxmlformats.org/markup-compatibility/2006">
-    <mc:Choice xmlns:p14="http://schemas.microsoft.com/office/powerpoint/2010/main" Requires="p14">
-      <p:transition spd="slow" p14:dur="2000"/>
-    </mc:Choice>
-    <mc:Fallback>
-      <p:transition spd="slow"/>
-    </mc:Fallback>
-  </mc:AlternateContent>
-  <p:timing>
-    <p:tnLst>
-      <p:par>
-        <p:cTn id="1" dur="indefinite" restart="never" nodeType="tmRoot"/>
-      </p:par>
-    </p:tnLst>
-  </p:timing>
-</p:sld>
-</file>
-
-<file path=ppt/slides/slide6.xml><?xml version="1.0" encoding="utf-8"?>
-<p:sld xmlns:a="http://schemas.openxmlformats.org/drawingml/2006/main" xmlns:r="http://schemas.openxmlformats.org/officeDocument/2006/relationships" xmlns:p="http://schemas.openxmlformats.org/presentationml/2006/main">
-  <p:cSld>
-    <p:spTree>
-      <p:nvGrpSpPr>
-        <p:cNvPr id="1" name=""/>
-        <p:cNvGrpSpPr/>
-        <p:nvPr/>
-      </p:nvGrpSpPr>
-      <p:grpSpPr/>
-      <p:sp>
-        <p:nvSpPr>
-          <p:cNvPr id="6" name="Oval 5"/>
-          <p:cNvSpPr/>
-          <p:nvPr/>
-        </p:nvSpPr>
-        <p:spPr>
-          <a:xfrm>
-            <a:off x="9732010" y="1922780"/>
-            <a:ext cx="743585" cy="743585"/>
-          </a:xfrm>
-          <a:prstGeom prst="ellipse">
-            <a:avLst/>
-          </a:prstGeom>
-          <a:solidFill>
-            <a:schemeClr val="bg1"/>
-          </a:solidFill>
-          <a:ln>
-            <a:noFill/>
-          </a:ln>
-        </p:spPr>
-        <p:style>
-          <a:lnRef idx="2">
-            <a:schemeClr val="accent1">
-              <a:shade val="50000"/>
-            </a:schemeClr>
-          </a:lnRef>
-          <a:fillRef idx="1">
-            <a:schemeClr val="accent1"/>
-          </a:fillRef>
-          <a:effectRef idx="0">
-            <a:schemeClr val="accent1"/>
-          </a:effectRef>
-          <a:fontRef idx="minor">
-            <a:schemeClr val="lt1"/>
-          </a:fontRef>
-        </p:style>
-        <p:txBody>
-          <a:bodyPr rtlCol="0" anchor="ctr"/>
-          <a:p>
-            <a:pPr algn="ctr"/>
-            <a:r>
-              <a:rPr lang="de-DE" altLang="en-US" sz="2000" b="1">
-                <a:solidFill>
-                  <a:srgbClr val="000000"/>
-                </a:solidFill>
-                <a:cs typeface="+mn-lt"/>
-              </a:rPr>
-              <a:t>2</a:t>
-            </a:r>
-            <a:r>
-              <a:rPr lang="de-DE" altLang="en-US" sz="2000" b="1" baseline="50000">
-                <a:solidFill>
-                  <a:srgbClr val="000000"/>
-                </a:solidFill>
-                <a:uFillTx/>
-                <a:cs typeface="+mn-lt"/>
-              </a:rPr>
-              <a:t>nd</a:t>
-            </a:r>
-            <a:endParaRPr lang="de-DE" altLang="en-US" sz="2000" b="1" baseline="50000">
-              <a:solidFill>
-                <a:srgbClr val="000000"/>
-              </a:solidFill>
-              <a:uFillTx/>
-              <a:cs typeface="+mn-lt"/>
-            </a:endParaRPr>
-          </a:p>
-        </p:txBody>
-      </p:sp>
-      <p:sp>
-        <p:nvSpPr>
-          <p:cNvPr id="4" name="Rounded Rectangle 3"/>
-          <p:cNvSpPr/>
-          <p:nvPr/>
-        </p:nvSpPr>
-        <p:spPr>
-          <a:xfrm>
-            <a:off x="8711565" y="2530475"/>
-            <a:ext cx="2784475" cy="1570990"/>
-          </a:xfrm>
-          <a:prstGeom prst="roundRect">
-            <a:avLst/>
-          </a:prstGeom>
-          <a:solidFill>
-            <a:srgbClr val="002060"/>
-          </a:solidFill>
-          <a:ln w="47625">
-            <a:solidFill>
-              <a:schemeClr val="bg1"/>
-            </a:solidFill>
-          </a:ln>
-        </p:spPr>
-        <p:style>
-          <a:lnRef idx="2">
-            <a:schemeClr val="accent1">
-              <a:shade val="50000"/>
-            </a:schemeClr>
-          </a:lnRef>
-          <a:fillRef idx="1">
-            <a:schemeClr val="accent1"/>
-          </a:fillRef>
-          <a:effectRef idx="0">
-            <a:schemeClr val="accent1"/>
-          </a:effectRef>
-          <a:fontRef idx="minor">
-            <a:schemeClr val="lt1"/>
-          </a:fontRef>
-        </p:style>
-        <p:txBody>
-          <a:bodyPr rtlCol="0" anchor="ctr"/>
-          <a:p>
-            <a:pPr algn="ctr"/>
-            <a:r>
-              <a:rPr lang="de-DE" altLang="en-US">
-                <a:latin typeface="Calibri" charset="0"/>
-                <a:sym typeface="+mn-ea"/>
-              </a:rPr>
-              <a:t>Robustly obtain solutions in less than 1 second</a:t>
-            </a:r>
-            <a:endParaRPr lang="de-DE" altLang="en-US">
-              <a:cs typeface="+mn-lt"/>
-            </a:endParaRPr>
-          </a:p>
-        </p:txBody>
-      </p:sp>
-      <p:sp>
-        <p:nvSpPr>
-          <p:cNvPr id="8" name="!!Down Arrow 7"/>
-          <p:cNvSpPr/>
-          <p:nvPr/>
-        </p:nvSpPr>
-        <p:spPr>
-          <a:xfrm>
-            <a:off x="9954895" y="4101465"/>
-            <a:ext cx="297815" cy="1045210"/>
-          </a:xfrm>
-          <a:prstGeom prst="downArrow">
-            <a:avLst>
-              <a:gd name="adj1" fmla="val 50000"/>
-              <a:gd name="adj2" fmla="val 85074"/>
-            </a:avLst>
-          </a:prstGeom>
-          <a:solidFill>
-            <a:schemeClr val="bg1"/>
-          </a:solidFill>
-          <a:ln>
-            <a:noFill/>
-          </a:ln>
-        </p:spPr>
-        <p:style>
-          <a:lnRef idx="2">
-            <a:schemeClr val="accent1">
-              <a:shade val="50000"/>
-            </a:schemeClr>
-          </a:lnRef>
-          <a:fillRef idx="1">
-            <a:schemeClr val="accent1"/>
-          </a:fillRef>
-          <a:effectRef idx="0">
-            <a:schemeClr val="accent1"/>
-          </a:effectRef>
-          <a:fontRef idx="minor">
-            <a:schemeClr val="lt1"/>
-          </a:fontRef>
-        </p:style>
-        <p:txBody>
-          <a:bodyPr rtlCol="0" anchor="ctr"/>
-          <a:p>
-            <a:pPr algn="ctr"/>
-            <a:endParaRPr lang="en-US"/>
-          </a:p>
-        </p:txBody>
-      </p:sp>
-      <p:sp>
-        <p:nvSpPr>
-          <p:cNvPr id="9" name="Text Box 8"/>
-          <p:cNvSpPr txBox="1"/>
-          <p:nvPr/>
-        </p:nvSpPr>
-        <p:spPr>
-          <a:xfrm>
-            <a:off x="8587741" y="5146675"/>
-            <a:ext cx="3031490" cy="398780"/>
-          </a:xfrm>
-          <a:prstGeom prst="rect">
-            <a:avLst/>
-          </a:prstGeom>
-          <a:noFill/>
-        </p:spPr>
-        <p:txBody>
-          <a:bodyPr wrap="none" rtlCol="0">
-            <a:spAutoFit/>
-          </a:bodyPr>
-          <a:p>
-            <a:pPr algn="ctr"/>
-            <a:r>
-              <a:rPr lang="de-DE" altLang="en-US" sz="2000" b="1" i="1">
-                <a:latin typeface="Calibri" charset="0"/>
-                <a:sym typeface="+mn-ea"/>
-              </a:rPr>
-              <a:t>computation_time &lt; 1 </a:t>
-            </a:r>
-            <a:r>
-              <a:rPr lang="de-DE" altLang="en-US" sz="2000" b="1">
-                <a:latin typeface="Calibri" charset="0"/>
-                <a:sym typeface="+mn-ea"/>
-              </a:rPr>
-              <a:t>s</a:t>
-            </a:r>
-            <a:endParaRPr lang="de-DE" altLang="en-US" sz="2000" b="1" i="1">
-              <a:latin typeface="Calibri" charset="0"/>
-            </a:endParaRPr>
-          </a:p>
-        </p:txBody>
-      </p:sp>
-      <p:sp>
-        <p:nvSpPr>
-          <p:cNvPr id="3" name="Date Placeholder 2"/>
-          <p:cNvSpPr>
-            <a:spLocks noGrp="1"/>
-          </p:cNvSpPr>
-          <p:nvPr>
-            <p:ph type="dt" sz="half" idx="10"/>
-          </p:nvPr>
-        </p:nvSpPr>
-        <p:spPr/>
-        <p:txBody>
-          <a:bodyPr/>
-          <a:p>
-            <a:fld id="{760FBDFE-C587-4B4C-A407-44438C67B59E}" type="datetime1">
-              <a:rPr lang="en-US" altLang="en-US" smtClean="0"/>
-            </a:fld>
-            <a:endParaRPr lang="zh-CN" altLang="en-US"/>
-          </a:p>
-        </p:txBody>
-      </p:sp>
-      <p:sp>
-        <p:nvSpPr>
-          <p:cNvPr id="12" name="Slide Number Placeholder 11"/>
-          <p:cNvSpPr>
-            <a:spLocks noGrp="1"/>
-          </p:cNvSpPr>
-          <p:nvPr>
-            <p:ph type="sldNum" sz="quarter" idx="12"/>
-          </p:nvPr>
-        </p:nvSpPr>
-        <p:spPr/>
-        <p:txBody>
-          <a:bodyPr/>
-          <a:p>
-            <a:fld id="{49AE70B2-8BF9-45C0-BB95-33D1B9D3A854}" type="slidenum">
-              <a:rPr lang="zh-CN" altLang="en-US" smtClean="0"/>
-            </a:fld>
-            <a:endParaRPr lang="zh-CN" altLang="en-US"/>
-          </a:p>
-        </p:txBody>
-      </p:sp>
-      <p:sp>
-        <p:nvSpPr>
-          <p:cNvPr id="13" name="Footer Placeholder 12"/>
-          <p:cNvSpPr>
-            <a:spLocks noGrp="1"/>
-          </p:cNvSpPr>
-          <p:nvPr>
-            <p:ph type="ftr" sz="quarter" idx="11"/>
-          </p:nvPr>
-        </p:nvSpPr>
-        <p:spPr/>
-        <p:txBody>
-          <a:bodyPr/>
-          <a:p>
-            <a:r>
-              <a:rPr lang="de-DE" altLang="zh-CN">
-                <a:sym typeface="+mn-ea"/>
-              </a:rPr>
-              <a:t>Real-Time Time-Optimal Spacecraft Attitude Control</a:t>
-            </a:r>
-            <a:endParaRPr lang="zh-CN" altLang="en-US"/>
-          </a:p>
-        </p:txBody>
-      </p:sp>
-      <p:sp>
-        <p:nvSpPr>
-          <p:cNvPr id="2" name="Title 1"/>
-          <p:cNvSpPr>
-            <a:spLocks noGrp="1"/>
-          </p:cNvSpPr>
-          <p:nvPr>
-            <p:ph type="title"/>
-          </p:nvPr>
-        </p:nvSpPr>
-        <p:spPr/>
-        <p:txBody>
-          <a:bodyPr/>
-          <a:p>
-            <a:r>
-              <a:rPr lang="de-DE" altLang="en-US" sz="4400">
-                <a:latin typeface="Arial Black" panose="020B0A04020102020204" charset="0"/>
-                <a:cs typeface="Arial Black" panose="020B0A04020102020204" charset="0"/>
-              </a:rPr>
-              <a:t>Methodology</a:t>
-            </a:r>
-            <a:endParaRPr lang="de-DE" altLang="en-US" sz="4400">
-              <a:latin typeface="Arial Black" panose="020B0A04020102020204" charset="0"/>
-              <a:cs typeface="Arial Black" panose="020B0A04020102020204" charset="0"/>
-            </a:endParaRPr>
-          </a:p>
-        </p:txBody>
-      </p:sp>
-      <p:sp>
-        <p:nvSpPr>
-          <p:cNvPr id="5" name="Text Box 4"/>
-          <p:cNvSpPr txBox="1"/>
-          <p:nvPr/>
-        </p:nvSpPr>
-        <p:spPr>
-          <a:xfrm>
-            <a:off x="647700" y="1762125"/>
-            <a:ext cx="6860540" cy="1198880"/>
-          </a:xfrm>
-          <a:prstGeom prst="rect">
-            <a:avLst/>
-          </a:prstGeom>
-          <a:noFill/>
-        </p:spPr>
-        <p:txBody>
-          <a:bodyPr wrap="square" rtlCol="0">
-            <a:spAutoFit/>
-          </a:bodyPr>
-          <a:p>
-            <a:pPr marL="342900" indent="-342900">
-              <a:lnSpc>
-                <a:spcPct val="200000"/>
-              </a:lnSpc>
-              <a:buFont typeface="+mj-lt"/>
-              <a:buAutoNum type="arabicPeriod" startAt="3"/>
-            </a:pPr>
-            <a:r>
-              <a:rPr lang="de-DE" altLang="en-US">
-                <a:latin typeface="+mn-ea"/>
-                <a:cs typeface="+mn-ea"/>
-              </a:rPr>
-              <a:t>Choose OCP solver architecture</a:t>
-            </a:r>
-            <a:endParaRPr lang="de-DE" altLang="en-US">
-              <a:latin typeface="+mn-ea"/>
-              <a:cs typeface="+mn-ea"/>
-            </a:endParaRPr>
-          </a:p>
-          <a:p>
-            <a:pPr marL="800100" lvl="1" indent="-342900">
-              <a:lnSpc>
-                <a:spcPct val="200000"/>
-              </a:lnSpc>
-              <a:buFont typeface="+mj-lt"/>
-              <a:buAutoNum type="arabicPeriod" startAt="3"/>
-            </a:pPr>
-            <a:r>
-              <a:rPr lang="en-US" altLang="de-DE">
+              <a:rPr lang="en-US" altLang="de-DE" dirty="0">
                 <a:latin typeface="+mn-ea"/>
                 <a:cs typeface="+mn-ea"/>
               </a:rPr>
               <a:t>Direct transcription methods:</a:t>
             </a:r>
-            <a:endParaRPr lang="en-US" altLang="de-DE">
-              <a:latin typeface="+mn-ea"/>
-              <a:cs typeface="+mn-ea"/>
-            </a:endParaRPr>
           </a:p>
         </p:txBody>
       </p:sp>
@@ -11031,11 +10479,17 @@
         <p:nvGraphicFramePr>
           <p:cNvPr id="7" name="Table 6"/>
           <p:cNvGraphicFramePr/>
-          <p:nvPr/>
+          <p:nvPr>
+            <p:extLst>
+              <p:ext uri="{D42A27DB-BD31-4B8C-83A1-F6EECF244321}">
+                <p14:modId xmlns:p14="http://schemas.microsoft.com/office/powerpoint/2010/main" val="1366537203"/>
+              </p:ext>
+            </p:extLst>
+          </p:nvPr>
         </p:nvGraphicFramePr>
         <p:xfrm>
-          <a:off x="838200" y="509905"/>
-          <a:ext cx="8678545" cy="5979160"/>
+          <a:off x="1111693" y="2961005"/>
+          <a:ext cx="7041708" cy="3191182"/>
         </p:xfrm>
         <a:graphic>
           <a:graphicData uri="http://schemas.openxmlformats.org/drawingml/2006/table">
@@ -11044,24 +10498,61 @@
                 <a:tableStyleId>{5C22544A-7EE6-4342-B048-85BDC9FD1C3A}</a:tableStyleId>
               </a:tblPr>
               <a:tblGrid>
-                <a:gridCol w="1414145"/>
-                <a:gridCol w="1367155"/>
-                <a:gridCol w="1965960"/>
-                <a:gridCol w="1965960"/>
-                <a:gridCol w="1965325"/>
+                <a:gridCol w="1293627">
+                  <a:extLst>
+                    <a:ext uri="{9D8B030D-6E8A-4147-A177-3AD203B41FA5}">
+                      <a16:colId xmlns:a16="http://schemas.microsoft.com/office/drawing/2014/main" val="20000"/>
+                    </a:ext>
+                  </a:extLst>
+                </a:gridCol>
+                <a:gridCol w="1293627">
+                  <a:extLst>
+                    <a:ext uri="{9D8B030D-6E8A-4147-A177-3AD203B41FA5}">
+                      <a16:colId xmlns:a16="http://schemas.microsoft.com/office/drawing/2014/main" val="20001"/>
+                    </a:ext>
+                  </a:extLst>
+                </a:gridCol>
+                <a:gridCol w="1293627">
+                  <a:extLst>
+                    <a:ext uri="{9D8B030D-6E8A-4147-A177-3AD203B41FA5}">
+                      <a16:colId xmlns:a16="http://schemas.microsoft.com/office/drawing/2014/main" val="20002"/>
+                    </a:ext>
+                  </a:extLst>
+                </a:gridCol>
+                <a:gridCol w="1293627">
+                  <a:extLst>
+                    <a:ext uri="{9D8B030D-6E8A-4147-A177-3AD203B41FA5}">
+                      <a16:colId xmlns:a16="http://schemas.microsoft.com/office/drawing/2014/main" val="20003"/>
+                    </a:ext>
+                  </a:extLst>
+                </a:gridCol>
+                <a:gridCol w="1867200">
+                  <a:extLst>
+                    <a:ext uri="{9D8B030D-6E8A-4147-A177-3AD203B41FA5}">
+                      <a16:colId xmlns:a16="http://schemas.microsoft.com/office/drawing/2014/main" val="20004"/>
+                    </a:ext>
+                  </a:extLst>
+                </a:gridCol>
               </a:tblGrid>
-              <a:tr h="365760">
+              <a:tr h="391599">
                 <a:tc rowSpan="2">
                   <a:txBody>
                     <a:bodyPr/>
+                    <a:lstStyle/>
                     <a:p>
                       <a:pPr>
                         <a:buNone/>
                       </a:pPr>
-                      <a:endParaRPr lang="en-US"/>
+                      <a:endParaRPr lang="en-US" dirty="0">
+                        <a:solidFill>
+                          <a:schemeClr val="bg1">
+                            <a:lumMod val="10000"/>
+                          </a:schemeClr>
+                        </a:solidFill>
+                      </a:endParaRPr>
                     </a:p>
                   </a:txBody>
-                  <a:tcPr anchor="ctr" anchorCtr="0">
+                  <a:tcPr anchor="ctr">
                     <a:lnL>
                       <a:noFill/>
                     </a:lnL>
@@ -11080,18 +10571,18 @@
                 <a:tc gridSpan="2">
                   <a:txBody>
                     <a:bodyPr/>
+                    <a:lstStyle/>
                     <a:p>
                       <a:pPr algn="ctr">
                         <a:buNone/>
                       </a:pPr>
                       <a:r>
-                        <a:rPr lang="en-US"/>
+                        <a:rPr lang="en-US" dirty="0"/>
                         <a:t>Shooting</a:t>
                       </a:r>
-                      <a:endParaRPr lang="en-US"/>
                     </a:p>
                   </a:txBody>
-                  <a:tcPr anchor="ctr" anchorCtr="0">
+                  <a:tcPr anchor="ctr">
                     <a:lnL w="38100" cmpd="sng">
                       <a:solidFill>
                         <a:schemeClr val="tx1"/>
@@ -11113,7 +10604,14 @@
                   </a:tcPr>
                 </a:tc>
                 <a:tc hMerge="1">
-                  <a:tcPr anchor="ctr" anchorCtr="0">
+                  <a:txBody>
+                    <a:bodyPr/>
+                    <a:lstStyle/>
+                    <a:p>
+                      <a:endParaRPr lang="en-US"/>
+                    </a:p>
+                  </a:txBody>
+                  <a:tcPr anchor="ctr">
                     <a:lnR w="38100" cmpd="sng">
                       <a:solidFill>
                         <a:schemeClr val="tx1"/>
@@ -11131,6 +10629,7 @@
                 <a:tc gridSpan="2">
                   <a:txBody>
                     <a:bodyPr/>
+                    <a:lstStyle/>
                     <a:p>
                       <a:pPr algn="ctr">
                         <a:buNone/>
@@ -11139,10 +10638,18 @@
                         <a:rPr lang="en-US"/>
                         <a:t>Collocation</a:t>
                       </a:r>
-                      <a:endParaRPr lang="en-US"/>
                     </a:p>
                   </a:txBody>
-                  <a:tcPr anchor="ctr" anchorCtr="0">
+                  <a:tcPr anchor="ctr">
+                    <a:lnL w="38100" cap="flat" cmpd="sng" algn="ctr">
+                      <a:solidFill>
+                        <a:schemeClr val="tx1"/>
+                      </a:solidFill>
+                      <a:prstDash val="solid"/>
+                      <a:round/>
+                      <a:headEnd type="none" w="med" len="med"/>
+                      <a:tailEnd type="none" w="med" len="med"/>
+                    </a:lnL>
                     <a:lnR w="38100" cmpd="sng">
                       <a:solidFill>
                         <a:schemeClr val="tx1"/>
@@ -11158,7 +10665,14 @@
                   </a:tcPr>
                 </a:tc>
                 <a:tc hMerge="1">
-                  <a:tcPr anchor="ctr" anchorCtr="0">
+                  <a:txBody>
+                    <a:bodyPr/>
+                    <a:lstStyle/>
+                    <a:p>
+                      <a:endParaRPr lang="en-US"/>
+                    </a:p>
+                  </a:txBody>
+                  <a:tcPr anchor="ctr">
                     <a:lnR w="38100" cmpd="sng">
                       <a:solidFill>
                         <a:schemeClr val="tx1"/>
@@ -11173,10 +10687,22 @@
                     </a:lnT>
                   </a:tcPr>
                 </a:tc>
+                <a:extLst>
+                  <a:ext uri="{0D108BD9-81ED-4DB2-BD59-A6C34878D82A}">
+                    <a16:rowId xmlns:a16="http://schemas.microsoft.com/office/drawing/2014/main" val="10000"/>
+                  </a:ext>
+                </a:extLst>
               </a:tr>
-              <a:tr h="606425">
+              <a:tr h="358966">
                 <a:tc vMerge="1">
-                  <a:tcPr anchor="ctr" anchorCtr="0">
+                  <a:txBody>
+                    <a:bodyPr/>
+                    <a:lstStyle/>
+                    <a:p>
+                      <a:endParaRPr lang="en-US"/>
+                    </a:p>
+                  </a:txBody>
+                  <a:tcPr anchor="ctr">
                     <a:lnL>
                       <a:noFill/>
                     </a:lnL>
@@ -11195,47 +10721,60 @@
                 <a:tc>
                   <a:txBody>
                     <a:bodyPr/>
+                    <a:lstStyle/>
                     <a:p>
                       <a:pPr algn="ctr">
                         <a:buNone/>
                       </a:pPr>
                       <a:r>
-                        <a:rPr lang="en-US"/>
+                        <a:rPr lang="en-US" sz="1600" dirty="0">
+                          <a:solidFill>
+                            <a:schemeClr val="bg1">
+                              <a:lumMod val="10000"/>
+                            </a:schemeClr>
+                          </a:solidFill>
+                        </a:rPr>
                         <a:t>Single</a:t>
                       </a:r>
-                      <a:endParaRPr lang="en-US"/>
                     </a:p>
                   </a:txBody>
-                  <a:tcPr anchor="ctr" anchorCtr="0">
+                  <a:tcPr anchor="ctr">
                     <a:lnL w="38100" cmpd="sng">
                       <a:solidFill>
                         <a:schemeClr val="tx1"/>
                       </a:solidFill>
                       <a:prstDash val="solid"/>
                     </a:lnL>
-                    <a:lnT w="38100" cmpd="sng">
-                      <a:solidFill>
-                        <a:schemeClr val="tx1"/>
-                      </a:solidFill>
-                      <a:prstDash val="solid"/>
-                    </a:lnT>
                   </a:tcPr>
                 </a:tc>
                 <a:tc>
                   <a:txBody>
                     <a:bodyPr/>
+                    <a:lstStyle/>
                     <a:p>
-                      <a:pPr lvl="1" algn="ctr">
+                      <a:pPr lvl="0" algn="ctr">
                         <a:buNone/>
                       </a:pPr>
                       <a:r>
-                        <a:rPr lang="en-US"/>
+                        <a:rPr lang="en-GB" sz="1600" dirty="0">
+                          <a:solidFill>
+                            <a:schemeClr val="bg1">
+                              <a:lumMod val="10000"/>
+                            </a:schemeClr>
+                          </a:solidFill>
+                        </a:rPr>
                         <a:t>Multiple</a:t>
                       </a:r>
-                      <a:endParaRPr lang="en-US"/>
+                      <a:endParaRPr lang="en-US" sz="1600" dirty="0">
+                        <a:solidFill>
+                          <a:schemeClr val="bg1">
+                            <a:lumMod val="10000"/>
+                          </a:schemeClr>
+                        </a:solidFill>
+                      </a:endParaRPr>
                     </a:p>
                   </a:txBody>
-                  <a:tcPr marL="0" marR="0" marT="0" marB="0" anchor="ctr" anchorCtr="0">
+                  <a:tcPr marL="0" marR="0" marT="0" marB="0" anchor="ctr">
                     <a:lnR w="38100" cmpd="sng">
                       <a:solidFill>
                         <a:schemeClr val="tx1"/>
@@ -11253,47 +10792,69 @@
                 <a:tc>
                   <a:txBody>
                     <a:bodyPr/>
+                    <a:lstStyle/>
                     <a:p>
                       <a:pPr algn="ctr">
                         <a:buNone/>
                       </a:pPr>
                       <a:r>
-                        <a:rPr lang="en-US"/>
+                        <a:rPr lang="en-US" sz="1600" dirty="0">
+                          <a:solidFill>
+                            <a:schemeClr val="bg1">
+                              <a:lumMod val="10000"/>
+                            </a:schemeClr>
+                          </a:solidFill>
+                        </a:rPr>
                         <a:t>Direct</a:t>
                       </a:r>
-                      <a:endParaRPr lang="en-US"/>
                     </a:p>
                   </a:txBody>
-                  <a:tcPr anchor="ctr" anchorCtr="0">
+                  <a:tcPr anchor="ctr">
+                    <a:lnL w="38100" cap="flat" cmpd="sng" algn="ctr">
+                      <a:solidFill>
+                        <a:schemeClr val="tx1"/>
+                      </a:solidFill>
+                      <a:prstDash val="solid"/>
+                      <a:round/>
+                      <a:headEnd type="none" w="med" len="med"/>
+                      <a:tailEnd type="none" w="med" len="med"/>
+                    </a:lnL>
                     <a:lnR w="12700">
                       <a:solidFill>
                         <a:schemeClr val="tx1"/>
                       </a:solidFill>
                       <a:prstDash val="solid"/>
                     </a:lnR>
-                    <a:lnT w="38100" cmpd="sng">
-                      <a:solidFill>
-                        <a:schemeClr val="tx1"/>
-                      </a:solidFill>
-                      <a:prstDash val="solid"/>
-                    </a:lnT>
                   </a:tcPr>
                 </a:tc>
                 <a:tc>
                   <a:txBody>
                     <a:bodyPr/>
+                    <a:lstStyle/>
                     <a:p>
                       <a:pPr algn="ctr">
                         <a:buNone/>
                       </a:pPr>
                       <a:r>
-                        <a:rPr lang="en-US"/>
+                        <a:rPr lang="en-US" sz="1600" dirty="0" err="1">
+                          <a:solidFill>
+                            <a:schemeClr val="bg1">
+                              <a:lumMod val="10000"/>
+                            </a:schemeClr>
+                          </a:solidFill>
+                        </a:rPr>
                         <a:t>Pseudospectral</a:t>
                       </a:r>
-                      <a:endParaRPr lang="en-US"/>
+                      <a:endParaRPr lang="en-US" sz="1600" dirty="0">
+                        <a:solidFill>
+                          <a:schemeClr val="bg1">
+                            <a:lumMod val="10000"/>
+                          </a:schemeClr>
+                        </a:solidFill>
+                      </a:endParaRPr>
                     </a:p>
                   </a:txBody>
-                  <a:tcPr anchor="ctr" anchorCtr="0">
+                  <a:tcPr anchor="ctr">
                     <a:lnL w="12700">
                       <a:solidFill>
                         <a:schemeClr val="tx1"/>
@@ -11314,31 +10875,32 @@
                     </a:lnT>
                   </a:tcPr>
                 </a:tc>
+                <a:extLst>
+                  <a:ext uri="{0D108BD9-81ED-4DB2-BD59-A6C34878D82A}">
+                    <a16:rowId xmlns:a16="http://schemas.microsoft.com/office/drawing/2014/main" val="10001"/>
+                  </a:ext>
+                </a:extLst>
               </a:tr>
-              <a:tr h="778510">
+              <a:tr h="489498">
                 <a:tc>
                   <a:txBody>
                     <a:bodyPr/>
+                    <a:lstStyle/>
                     <a:p>
                       <a:pPr>
                         <a:buNone/>
                       </a:pPr>
                       <a:r>
-                        <a:rPr lang="en-US" sz="1200">
+                        <a:rPr lang="en-US" sz="1200" b="0" dirty="0">
                           <a:solidFill>
-                            <a:srgbClr val="000000"/>
+                            <a:schemeClr val="bg1"/>
                           </a:solidFill>
                         </a:rPr>
-                        <a:t>Decision Variables</a:t>
+                        <a:t>Dynamics Handling</a:t>
                       </a:r>
-                      <a:endParaRPr lang="en-US" sz="1200">
-                        <a:solidFill>
-                          <a:srgbClr val="000000"/>
-                        </a:solidFill>
-                      </a:endParaRPr>
                     </a:p>
                   </a:txBody>
-                  <a:tcPr anchor="ctr" anchorCtr="0">
+                  <a:tcPr anchor="ctr">
                     <a:lnL w="38100" cmpd="sng">
                       <a:solidFill>
                         <a:schemeClr val="tx1"/>
@@ -11351,35 +10913,32 @@
                       </a:solidFill>
                       <a:prstDash val="solid"/>
                     </a:lnR>
+                    <a:solidFill>
+                      <a:schemeClr val="accent1"/>
+                    </a:solidFill>
                   </a:tcPr>
                 </a:tc>
                 <a:tc>
                   <a:txBody>
                     <a:bodyPr/>
+                    <a:lstStyle/>
                     <a:p>
                       <a:pPr>
                         <a:buNone/>
                       </a:pPr>
                       <a:r>
-                        <a:rPr lang="en-US" sz="1200">
+                        <a:rPr lang="en-US" sz="1200" dirty="0">
                           <a:solidFill>
-                            <a:srgbClr val="000000"/>
+                            <a:schemeClr val="bg1">
+                              <a:lumMod val="10000"/>
+                            </a:schemeClr>
                           </a:solidFill>
-                          <a:cs typeface="+mn-lt"/>
-                          <a:sym typeface="+mn-ea"/>
                         </a:rPr>
-                        <a:t>Discretize → Optimize</a:t>
+                        <a:t>Forward integration</a:t>
                       </a:r>
-                      <a:endParaRPr lang="en-US" sz="1200">
-                        <a:solidFill>
-                          <a:srgbClr val="000000"/>
-                        </a:solidFill>
-                        <a:cs typeface="+mn-lt"/>
-                        <a:sym typeface="+mn-ea"/>
-                      </a:endParaRPr>
                     </a:p>
                   </a:txBody>
-                  <a:tcPr anchor="ctr" anchorCtr="0">
+                  <a:tcPr anchor="ctr">
                     <a:lnL w="38100" cmpd="sng">
                       <a:solidFill>
                         <a:schemeClr val="tx1"/>
@@ -11391,30 +10950,24 @@
                 <a:tc>
                   <a:txBody>
                     <a:bodyPr/>
+                    <a:lstStyle/>
                     <a:p>
                       <a:pPr>
                         <a:buNone/>
                       </a:pPr>
                       <a:r>
-                        <a:rPr lang="en-US" sz="1200">
+                        <a:rPr lang="en-US" sz="1200" dirty="0">
                           <a:solidFill>
-                            <a:srgbClr val="000000"/>
+                            <a:schemeClr val="bg1">
+                              <a:lumMod val="10000"/>
+                            </a:schemeClr>
                           </a:solidFill>
-                          <a:cs typeface="+mn-lt"/>
-                          <a:sym typeface="+mn-ea"/>
                         </a:rPr>
-                        <a:t>Derive optimality conditions → Discretize</a:t>
+                        <a:t>Segmented integration</a:t>
                       </a:r>
-                      <a:endParaRPr lang="en-US" sz="1200">
-                        <a:solidFill>
-                          <a:srgbClr val="000000"/>
-                        </a:solidFill>
-                        <a:cs typeface="+mn-lt"/>
-                        <a:sym typeface="+mn-ea"/>
-                      </a:endParaRPr>
                     </a:p>
                   </a:txBody>
-                  <a:tcPr anchor="ctr" anchorCtr="0">
+                  <a:tcPr anchor="ctr">
                     <a:lnR w="38100" cmpd="sng">
                       <a:solidFill>
                         <a:schemeClr val="tx1"/>
@@ -11426,20 +10979,33 @@
                 <a:tc>
                   <a:txBody>
                     <a:bodyPr/>
+                    <a:lstStyle/>
                     <a:p>
                       <a:pPr>
                         <a:buNone/>
                       </a:pPr>
-                      <a:endParaRPr lang="en-US" sz="1200">
-                        <a:solidFill>
-                          <a:srgbClr val="000000"/>
-                        </a:solidFill>
-                        <a:cs typeface="+mn-lt"/>
-                        <a:sym typeface="+mn-ea"/>
-                      </a:endParaRPr>
+                      <a:r>
+                        <a:rPr lang="en-US" sz="1200" dirty="0">
+                          <a:solidFill>
+                            <a:schemeClr val="bg1">
+                              <a:lumMod val="10000"/>
+                            </a:schemeClr>
+                          </a:solidFill>
+                        </a:rPr>
+                        <a:t>Algebraic constraints</a:t>
+                      </a:r>
                     </a:p>
                   </a:txBody>
-                  <a:tcPr anchor="ctr" anchorCtr="0">
+                  <a:tcPr anchor="ctr">
+                    <a:lnL w="38100" cap="flat" cmpd="sng" algn="ctr">
+                      <a:solidFill>
+                        <a:schemeClr val="tx1"/>
+                      </a:solidFill>
+                      <a:prstDash val="solid"/>
+                      <a:round/>
+                      <a:headEnd type="none" w="med" len="med"/>
+                      <a:tailEnd type="none" w="med" len="med"/>
+                    </a:lnL>
                     <a:lnR w="12700">
                       <a:solidFill>
                         <a:schemeClr val="tx1"/>
@@ -11451,20 +11017,24 @@
                 <a:tc>
                   <a:txBody>
                     <a:bodyPr/>
+                    <a:lstStyle/>
                     <a:p>
                       <a:pPr>
                         <a:buNone/>
                       </a:pPr>
-                      <a:endParaRPr lang="en-US" sz="1200">
-                        <a:solidFill>
-                          <a:srgbClr val="000000"/>
-                        </a:solidFill>
-                        <a:cs typeface="+mn-lt"/>
-                        <a:sym typeface="+mn-ea"/>
-                      </a:endParaRPr>
+                      <a:r>
+                        <a:rPr lang="en-US" sz="1200" dirty="0">
+                          <a:solidFill>
+                            <a:schemeClr val="bg1">
+                              <a:lumMod val="10000"/>
+                            </a:schemeClr>
+                          </a:solidFill>
+                        </a:rPr>
+                        <a:t>Dense global polynomial</a:t>
+                      </a:r>
                     </a:p>
                   </a:txBody>
-                  <a:tcPr anchor="ctr" anchorCtr="0">
+                  <a:tcPr anchor="ctr">
                     <a:lnL w="12700">
                       <a:solidFill>
                         <a:schemeClr val="tx1"/>
@@ -11479,23 +11049,32 @@
                     </a:lnR>
                   </a:tcPr>
                 </a:tc>
+                <a:extLst>
+                  <a:ext uri="{0D108BD9-81ED-4DB2-BD59-A6C34878D82A}">
+                    <a16:rowId xmlns:a16="http://schemas.microsoft.com/office/drawing/2014/main" val="10002"/>
+                  </a:ext>
+                </a:extLst>
               </a:tr>
-              <a:tr h="2856865">
+              <a:tr h="489498">
                 <a:tc>
                   <a:txBody>
                     <a:bodyPr/>
+                    <a:lstStyle/>
                     <a:p>
-                      <a:pPr lvl="1" algn="l">
+                      <a:pPr>
                         <a:buNone/>
                       </a:pPr>
-                      <a:endParaRPr lang="en-US" sz="1200">
-                        <a:solidFill>
-                          <a:srgbClr val="000000"/>
-                        </a:solidFill>
-                      </a:endParaRPr>
+                      <a:r>
+                        <a:rPr lang="en-US" sz="1200" b="0" dirty="0">
+                          <a:solidFill>
+                            <a:schemeClr val="bg1"/>
+                          </a:solidFill>
+                        </a:rPr>
+                        <a:t>Accuracy</a:t>
+                      </a:r>
                     </a:p>
                   </a:txBody>
-                  <a:tcPr marL="0" marR="0" marT="0" marB="0" anchor="ctr" anchorCtr="0">
+                  <a:tcPr anchor="ctr">
                     <a:lnL w="38100" cmpd="sng">
                       <a:solidFill>
                         <a:schemeClr val="tx1"/>
@@ -11508,33 +11087,32 @@
                       </a:solidFill>
                       <a:prstDash val="solid"/>
                     </a:lnR>
+                    <a:solidFill>
+                      <a:schemeClr val="accent1"/>
+                    </a:solidFill>
                   </a:tcPr>
                 </a:tc>
                 <a:tc>
                   <a:txBody>
                     <a:bodyPr/>
+                    <a:lstStyle/>
                     <a:p>
                       <a:pPr>
                         <a:buNone/>
                       </a:pPr>
                       <a:r>
-                        <a:rPr lang="en-US" sz="1200">
+                        <a:rPr lang="en-US" sz="1200" dirty="0">
                           <a:solidFill>
-                            <a:srgbClr val="000000"/>
+                            <a:schemeClr val="bg1">
+                              <a:lumMod val="10000"/>
+                            </a:schemeClr>
                           </a:solidFill>
-                          <a:cs typeface="+mn-lt"/>
                         </a:rPr>
-                        <a:t>Can converge even with bad initial guess</a:t>
+                        <a:t>Integrator-limited</a:t>
                       </a:r>
-                      <a:endParaRPr lang="en-US" sz="1200">
-                        <a:solidFill>
-                          <a:srgbClr val="000000"/>
-                        </a:solidFill>
-                        <a:cs typeface="+mn-lt"/>
-                      </a:endParaRPr>
                     </a:p>
                   </a:txBody>
-                  <a:tcPr anchor="ctr" anchorCtr="0">
+                  <a:tcPr anchor="ctr">
                     <a:lnL w="38100" cmpd="sng">
                       <a:solidFill>
                         <a:schemeClr val="tx1"/>
@@ -11546,28 +11124,24 @@
                 <a:tc>
                   <a:txBody>
                     <a:bodyPr/>
+                    <a:lstStyle/>
                     <a:p>
                       <a:pPr>
                         <a:buNone/>
                       </a:pPr>
                       <a:r>
-                        <a:rPr lang="en-US" sz="1200">
+                        <a:rPr lang="en-US" sz="1200" dirty="0">
                           <a:solidFill>
-                            <a:srgbClr val="000000"/>
+                            <a:schemeClr val="bg1">
+                              <a:lumMod val="10000"/>
+                            </a:schemeClr>
                           </a:solidFill>
-                          <a:cs typeface="+mn-lt"/>
                         </a:rPr>
-                        <a:t>Sensitive to initial guess</a:t>
+                        <a:t>Integrator-limited</a:t>
                       </a:r>
-                      <a:endParaRPr lang="en-US" sz="1200">
-                        <a:solidFill>
-                          <a:srgbClr val="000000"/>
-                        </a:solidFill>
-                        <a:cs typeface="+mn-lt"/>
-                      </a:endParaRPr>
                     </a:p>
                   </a:txBody>
-                  <a:tcPr anchor="ctr" anchorCtr="0">
+                  <a:tcPr anchor="ctr">
                     <a:lnR w="38100" cmpd="sng">
                       <a:solidFill>
                         <a:schemeClr val="tx1"/>
@@ -11579,19 +11153,33 @@
                 <a:tc>
                   <a:txBody>
                     <a:bodyPr/>
+                    <a:lstStyle/>
                     <a:p>
                       <a:pPr>
                         <a:buNone/>
                       </a:pPr>
-                      <a:endParaRPr lang="en-US" sz="1200">
-                        <a:solidFill>
-                          <a:srgbClr val="000000"/>
-                        </a:solidFill>
-                        <a:cs typeface="+mn-lt"/>
-                      </a:endParaRPr>
+                      <a:r>
+                        <a:rPr lang="en-US" sz="1200" dirty="0">
+                          <a:solidFill>
+                            <a:schemeClr val="bg1">
+                              <a:lumMod val="10000"/>
+                            </a:schemeClr>
+                          </a:solidFill>
+                        </a:rPr>
+                        <a:t>Grid density dependent</a:t>
+                      </a:r>
                     </a:p>
                   </a:txBody>
-                  <a:tcPr anchor="ctr" anchorCtr="0">
+                  <a:tcPr anchor="ctr">
+                    <a:lnL w="38100" cap="flat" cmpd="sng" algn="ctr">
+                      <a:solidFill>
+                        <a:schemeClr val="tx1"/>
+                      </a:solidFill>
+                      <a:prstDash val="solid"/>
+                      <a:round/>
+                      <a:headEnd type="none" w="med" len="med"/>
+                      <a:tailEnd type="none" w="med" len="med"/>
+                    </a:lnL>
                     <a:lnR w="12700">
                       <a:solidFill>
                         <a:schemeClr val="tx1"/>
@@ -11603,19 +11191,24 @@
                 <a:tc>
                   <a:txBody>
                     <a:bodyPr/>
+                    <a:lstStyle/>
                     <a:p>
                       <a:pPr>
                         <a:buNone/>
                       </a:pPr>
-                      <a:endParaRPr lang="en-US" sz="1200">
-                        <a:solidFill>
-                          <a:srgbClr val="000000"/>
-                        </a:solidFill>
-                        <a:cs typeface="+mn-lt"/>
-                      </a:endParaRPr>
+                      <a:r>
+                        <a:rPr lang="en-US" sz="1200">
+                          <a:solidFill>
+                            <a:schemeClr val="bg1">
+                              <a:lumMod val="10000"/>
+                            </a:schemeClr>
+                          </a:solidFill>
+                        </a:rPr>
+                        <a:t>Exponential (smooth problems)</a:t>
+                      </a:r>
                     </a:p>
                   </a:txBody>
-                  <a:tcPr anchor="ctr" anchorCtr="0">
+                  <a:tcPr anchor="ctr">
                     <a:lnL w="12700">
                       <a:solidFill>
                         <a:schemeClr val="tx1"/>
@@ -11630,31 +11223,32 @@
                     </a:lnR>
                   </a:tcPr>
                 </a:tc>
+                <a:extLst>
+                  <a:ext uri="{0D108BD9-81ED-4DB2-BD59-A6C34878D82A}">
+                    <a16:rowId xmlns:a16="http://schemas.microsoft.com/office/drawing/2014/main" val="10003"/>
+                  </a:ext>
+                </a:extLst>
               </a:tr>
-              <a:tr h="457200">
+              <a:tr h="324041">
                 <a:tc>
                   <a:txBody>
                     <a:bodyPr/>
+                    <a:lstStyle/>
                     <a:p>
                       <a:pPr>
                         <a:buNone/>
                       </a:pPr>
                       <a:r>
-                        <a:rPr lang="en-US" sz="1200">
+                        <a:rPr lang="en-US" sz="1200" b="0" dirty="0">
                           <a:solidFill>
-                            <a:srgbClr val="000000"/>
+                            <a:schemeClr val="bg1"/>
                           </a:solidFill>
                         </a:rPr>
-                        <a:t>Continuity</a:t>
+                        <a:t>Problem Size</a:t>
                       </a:r>
-                      <a:endParaRPr lang="en-US" sz="1200">
-                        <a:solidFill>
-                          <a:srgbClr val="000000"/>
-                        </a:solidFill>
-                      </a:endParaRPr>
                     </a:p>
                   </a:txBody>
-                  <a:tcPr anchor="ctr" anchorCtr="0">
+                  <a:tcPr anchor="ctr">
                     <a:lnL w="38100" cmpd="sng">
                       <a:solidFill>
                         <a:schemeClr val="tx1"/>
@@ -11667,11 +11261,15 @@
                       </a:solidFill>
                       <a:prstDash val="solid"/>
                     </a:lnR>
+                    <a:solidFill>
+                      <a:schemeClr val="accent1"/>
+                    </a:solidFill>
                   </a:tcPr>
                 </a:tc>
                 <a:tc>
                   <a:txBody>
                     <a:bodyPr/>
+                    <a:lstStyle/>
                     <a:p>
                       <a:pPr>
                         <a:buNone/>
@@ -11679,21 +11277,16 @@
                       <a:r>
                         <a:rPr lang="en-US" sz="1200">
                           <a:solidFill>
-                            <a:srgbClr val="000000"/>
+                            <a:schemeClr val="bg1">
+                              <a:lumMod val="10000"/>
+                            </a:schemeClr>
                           </a:solidFill>
-                          <a:cs typeface="+mn-lt"/>
                         </a:rPr>
-                        <a:t>Easier</a:t>
+                        <a:t>Smallest</a:t>
                       </a:r>
-                      <a:endParaRPr lang="en-US" sz="1200">
-                        <a:solidFill>
-                          <a:srgbClr val="000000"/>
-                        </a:solidFill>
-                        <a:cs typeface="+mn-lt"/>
-                      </a:endParaRPr>
                     </a:p>
                   </a:txBody>
-                  <a:tcPr anchor="ctr" anchorCtr="0">
+                  <a:tcPr anchor="ctr">
                     <a:lnL w="38100" cmpd="sng">
                       <a:solidFill>
                         <a:schemeClr val="tx1"/>
@@ -11705,28 +11298,24 @@
                 <a:tc>
                   <a:txBody>
                     <a:bodyPr/>
+                    <a:lstStyle/>
                     <a:p>
                       <a:pPr>
                         <a:buNone/>
                       </a:pPr>
                       <a:r>
-                        <a:rPr lang="en-US" sz="1200">
+                        <a:rPr lang="en-US" sz="1200" dirty="0">
                           <a:solidFill>
-                            <a:srgbClr val="000000"/>
+                            <a:schemeClr val="bg1">
+                              <a:lumMod val="10000"/>
+                            </a:schemeClr>
                           </a:solidFill>
-                          <a:cs typeface="+mn-lt"/>
                         </a:rPr>
-                        <a:t>More complex</a:t>
+                        <a:t>Medium</a:t>
                       </a:r>
-                      <a:endParaRPr lang="en-US" sz="1200">
-                        <a:solidFill>
-                          <a:srgbClr val="000000"/>
-                        </a:solidFill>
-                        <a:cs typeface="+mn-lt"/>
-                      </a:endParaRPr>
                     </a:p>
                   </a:txBody>
-                  <a:tcPr anchor="ctr" anchorCtr="0">
+                  <a:tcPr anchor="ctr">
                     <a:lnR w="38100" cmpd="sng">
                       <a:solidFill>
                         <a:schemeClr val="tx1"/>
@@ -11738,19 +11327,33 @@
                 <a:tc>
                   <a:txBody>
                     <a:bodyPr/>
+                    <a:lstStyle/>
                     <a:p>
                       <a:pPr>
                         <a:buNone/>
                       </a:pPr>
-                      <a:endParaRPr lang="en-US" sz="1200">
-                        <a:solidFill>
-                          <a:srgbClr val="000000"/>
-                        </a:solidFill>
-                        <a:cs typeface="+mn-lt"/>
-                      </a:endParaRPr>
+                      <a:r>
+                        <a:rPr lang="en-US" sz="1200" dirty="0">
+                          <a:solidFill>
+                            <a:schemeClr val="bg1">
+                              <a:lumMod val="10000"/>
+                            </a:schemeClr>
+                          </a:solidFill>
+                        </a:rPr>
+                        <a:t>Large</a:t>
+                      </a:r>
                     </a:p>
                   </a:txBody>
-                  <a:tcPr anchor="ctr" anchorCtr="0">
+                  <a:tcPr anchor="ctr">
+                    <a:lnL w="38100" cap="flat" cmpd="sng" algn="ctr">
+                      <a:solidFill>
+                        <a:schemeClr val="tx1"/>
+                      </a:solidFill>
+                      <a:prstDash val="solid"/>
+                      <a:round/>
+                      <a:headEnd type="none" w="med" len="med"/>
+                      <a:tailEnd type="none" w="med" len="med"/>
+                    </a:lnL>
                     <a:lnR w="12700">
                       <a:solidFill>
                         <a:schemeClr val="tx1"/>
@@ -11762,19 +11365,24 @@
                 <a:tc>
                   <a:txBody>
                     <a:bodyPr/>
+                    <a:lstStyle/>
                     <a:p>
                       <a:pPr>
                         <a:buNone/>
                       </a:pPr>
-                      <a:endParaRPr lang="en-US" sz="1200">
-                        <a:solidFill>
-                          <a:srgbClr val="000000"/>
-                        </a:solidFill>
-                        <a:cs typeface="+mn-lt"/>
-                      </a:endParaRPr>
+                      <a:r>
+                        <a:rPr lang="en-US" sz="1200">
+                          <a:solidFill>
+                            <a:schemeClr val="bg1">
+                              <a:lumMod val="10000"/>
+                            </a:schemeClr>
+                          </a:solidFill>
+                        </a:rPr>
+                        <a:t>Large</a:t>
+                      </a:r>
                     </a:p>
                   </a:txBody>
-                  <a:tcPr anchor="ctr" anchorCtr="0">
+                  <a:tcPr anchor="ctr">
                     <a:lnL w="12700">
                       <a:solidFill>
                         <a:schemeClr val="tx1"/>
@@ -11789,31 +11397,32 @@
                     </a:lnR>
                   </a:tcPr>
                 </a:tc>
+                <a:extLst>
+                  <a:ext uri="{0D108BD9-81ED-4DB2-BD59-A6C34878D82A}">
+                    <a16:rowId xmlns:a16="http://schemas.microsoft.com/office/drawing/2014/main" val="10004"/>
+                  </a:ext>
+                </a:extLst>
               </a:tr>
-              <a:tr h="457200">
+              <a:tr h="324041">
                 <a:tc>
                   <a:txBody>
                     <a:bodyPr/>
+                    <a:lstStyle/>
                     <a:p>
                       <a:pPr>
                         <a:buNone/>
                       </a:pPr>
                       <a:r>
-                        <a:rPr lang="en-US" sz="1200">
+                        <a:rPr lang="en-US" sz="1200" b="0" dirty="0">
                           <a:solidFill>
-                            <a:srgbClr val="000000"/>
+                            <a:schemeClr val="bg1"/>
                           </a:solidFill>
                         </a:rPr>
-                        <a:t>Optimality</a:t>
+                        <a:t>Complexity</a:t>
                       </a:r>
-                      <a:endParaRPr lang="en-US" sz="1200">
-                        <a:solidFill>
-                          <a:srgbClr val="000000"/>
-                        </a:solidFill>
-                      </a:endParaRPr>
                     </a:p>
                   </a:txBody>
-                  <a:tcPr anchor="ctr" anchorCtr="0">
+                  <a:tcPr anchor="ctr">
                     <a:lnL w="38100" cmpd="sng">
                       <a:solidFill>
                         <a:schemeClr val="tx1"/>
@@ -11826,11 +11435,15 @@
                       </a:solidFill>
                       <a:prstDash val="solid"/>
                     </a:lnR>
+                    <a:solidFill>
+                      <a:schemeClr val="accent1"/>
+                    </a:solidFill>
                   </a:tcPr>
                 </a:tc>
                 <a:tc>
                   <a:txBody>
                     <a:bodyPr/>
+                    <a:lstStyle/>
                     <a:p>
                       <a:pPr>
                         <a:buNone/>
@@ -11838,21 +11451,16 @@
                       <a:r>
                         <a:rPr lang="en-US" sz="1200">
                           <a:solidFill>
-                            <a:srgbClr val="000000"/>
+                            <a:schemeClr val="bg1">
+                              <a:lumMod val="10000"/>
+                            </a:schemeClr>
                           </a:solidFill>
-                          <a:cs typeface="+mn-lt"/>
                         </a:rPr>
-                        <a:t>Approximate solution</a:t>
+                        <a:t>Simplest</a:t>
                       </a:r>
-                      <a:endParaRPr lang="en-US" sz="1200">
-                        <a:solidFill>
-                          <a:srgbClr val="000000"/>
-                        </a:solidFill>
-                        <a:cs typeface="+mn-lt"/>
-                      </a:endParaRPr>
                     </a:p>
                   </a:txBody>
-                  <a:tcPr anchor="ctr" anchorCtr="0">
+                  <a:tcPr anchor="ctr">
                     <a:lnL w="38100" cmpd="sng">
                       <a:solidFill>
                         <a:schemeClr val="tx1"/>
@@ -11864,6 +11472,7 @@
                 <a:tc>
                   <a:txBody>
                     <a:bodyPr/>
+                    <a:lstStyle/>
                     <a:p>
                       <a:pPr>
                         <a:buNone/>
@@ -11871,21 +11480,16 @@
                       <a:r>
                         <a:rPr lang="en-US" sz="1200">
                           <a:solidFill>
-                            <a:srgbClr val="000000"/>
+                            <a:schemeClr val="bg1">
+                              <a:lumMod val="10000"/>
+                            </a:schemeClr>
                           </a:solidFill>
-                          <a:cs typeface="+mn-lt"/>
                         </a:rPr>
-                        <a:t>Potentially exact</a:t>
+                        <a:t>Moderate</a:t>
                       </a:r>
-                      <a:endParaRPr lang="en-US" sz="1200">
-                        <a:solidFill>
-                          <a:srgbClr val="000000"/>
-                        </a:solidFill>
-                        <a:cs typeface="+mn-lt"/>
-                      </a:endParaRPr>
                     </a:p>
                   </a:txBody>
-                  <a:tcPr anchor="ctr" anchorCtr="0">
+                  <a:tcPr anchor="ctr">
                     <a:lnR w="38100" cmpd="sng">
                       <a:solidFill>
                         <a:schemeClr val="tx1"/>
@@ -11897,19 +11501,33 @@
                 <a:tc>
                   <a:txBody>
                     <a:bodyPr/>
+                    <a:lstStyle/>
                     <a:p>
                       <a:pPr>
                         <a:buNone/>
                       </a:pPr>
-                      <a:endParaRPr lang="en-US" sz="1200">
-                        <a:solidFill>
-                          <a:srgbClr val="000000"/>
-                        </a:solidFill>
-                        <a:cs typeface="+mn-lt"/>
-                      </a:endParaRPr>
+                      <a:r>
+                        <a:rPr lang="en-US" sz="1200" dirty="0">
+                          <a:solidFill>
+                            <a:schemeClr val="bg1">
+                              <a:lumMod val="10000"/>
+                            </a:schemeClr>
+                          </a:solidFill>
+                        </a:rPr>
+                        <a:t>Moderate-High</a:t>
+                      </a:r>
                     </a:p>
                   </a:txBody>
-                  <a:tcPr anchor="ctr" anchorCtr="0">
+                  <a:tcPr anchor="ctr">
+                    <a:lnL w="38100" cap="flat" cmpd="sng" algn="ctr">
+                      <a:solidFill>
+                        <a:schemeClr val="tx1"/>
+                      </a:solidFill>
+                      <a:prstDash val="solid"/>
+                      <a:round/>
+                      <a:headEnd type="none" w="med" len="med"/>
+                      <a:tailEnd type="none" w="med" len="med"/>
+                    </a:lnL>
                     <a:lnR w="12700">
                       <a:solidFill>
                         <a:schemeClr val="tx1"/>
@@ -11921,19 +11539,24 @@
                 <a:tc>
                   <a:txBody>
                     <a:bodyPr/>
+                    <a:lstStyle/>
                     <a:p>
                       <a:pPr>
                         <a:buNone/>
                       </a:pPr>
-                      <a:endParaRPr lang="en-US" sz="1200">
-                        <a:solidFill>
-                          <a:srgbClr val="000000"/>
-                        </a:solidFill>
-                        <a:cs typeface="+mn-lt"/>
-                      </a:endParaRPr>
+                      <a:r>
+                        <a:rPr lang="en-US" sz="1200">
+                          <a:solidFill>
+                            <a:schemeClr val="bg1">
+                              <a:lumMod val="10000"/>
+                            </a:schemeClr>
+                          </a:solidFill>
+                        </a:rPr>
+                        <a:t>Highest</a:t>
+                      </a:r>
                     </a:p>
                   </a:txBody>
-                  <a:tcPr anchor="ctr" anchorCtr="0">
+                  <a:tcPr anchor="ctr">
                     <a:lnL w="12700">
                       <a:solidFill>
                         <a:schemeClr val="tx1"/>
@@ -11948,11 +11571,53 @@
                     </a:lnR>
                   </a:tcPr>
                 </a:tc>
+                <a:extLst>
+                  <a:ext uri="{0D108BD9-81ED-4DB2-BD59-A6C34878D82A}">
+                    <a16:rowId xmlns:a16="http://schemas.microsoft.com/office/drawing/2014/main" val="10005"/>
+                  </a:ext>
+                </a:extLst>
               </a:tr>
-              <a:tr h="457200">
+              <a:tr h="324041">
                 <a:tc>
                   <a:txBody>
                     <a:bodyPr/>
+                    <a:lstStyle/>
+                    <a:p>
+                      <a:pPr>
+                        <a:buNone/>
+                      </a:pPr>
+                      <a:r>
+                        <a:rPr lang="en-US" sz="1200" b="0" dirty="0">
+                          <a:solidFill>
+                            <a:schemeClr val="bg1"/>
+                          </a:solidFill>
+                        </a:rPr>
+                        <a:t>Robustness</a:t>
+                      </a:r>
+                    </a:p>
+                  </a:txBody>
+                  <a:tcPr anchor="ctr">
+                    <a:lnL w="38100" cmpd="sng">
+                      <a:solidFill>
+                        <a:schemeClr val="tx1"/>
+                      </a:solidFill>
+                      <a:prstDash val="solid"/>
+                    </a:lnL>
+                    <a:lnR w="38100" cmpd="sng">
+                      <a:solidFill>
+                        <a:schemeClr val="tx1"/>
+                      </a:solidFill>
+                      <a:prstDash val="solid"/>
+                    </a:lnR>
+                    <a:solidFill>
+                      <a:schemeClr val="accent1"/>
+                    </a:solidFill>
+                  </a:tcPr>
+                </a:tc>
+                <a:tc>
+                  <a:txBody>
+                    <a:bodyPr/>
+                    <a:lstStyle/>
                     <a:p>
                       <a:pPr>
                         <a:buNone/>
@@ -11960,25 +11625,1903 @@
                       <a:r>
                         <a:rPr lang="en-US" sz="1200">
                           <a:solidFill>
-                            <a:srgbClr val="000000"/>
+                            <a:schemeClr val="bg1">
+                              <a:lumMod val="10000"/>
+                            </a:schemeClr>
                           </a:solidFill>
                         </a:rPr>
-                        <a:t>Solve speed</a:t>
+                        <a:t>Poor</a:t>
                       </a:r>
-                      <a:endParaRPr lang="en-US" sz="1200">
-                        <a:solidFill>
-                          <a:srgbClr val="000000"/>
-                        </a:solidFill>
-                      </a:endParaRPr>
                     </a:p>
                   </a:txBody>
-                  <a:tcPr anchor="ctr" anchorCtr="0">
+                  <a:tcPr anchor="ctr">
                     <a:lnL w="38100" cmpd="sng">
                       <a:solidFill>
                         <a:schemeClr val="tx1"/>
                       </a:solidFill>
                       <a:prstDash val="solid"/>
                     </a:lnL>
+                  </a:tcPr>
+                </a:tc>
+                <a:tc>
+                  <a:txBody>
+                    <a:bodyPr/>
+                    <a:lstStyle/>
+                    <a:p>
+                      <a:pPr>
+                        <a:buNone/>
+                      </a:pPr>
+                      <a:r>
+                        <a:rPr lang="en-US" sz="1200">
+                          <a:solidFill>
+                            <a:schemeClr val="bg1">
+                              <a:lumMod val="10000"/>
+                            </a:schemeClr>
+                          </a:solidFill>
+                        </a:rPr>
+                        <a:t>Moderate</a:t>
+                      </a:r>
+                    </a:p>
+                  </a:txBody>
+                  <a:tcPr anchor="ctr">
+                    <a:lnR w="38100" cmpd="sng">
+                      <a:solidFill>
+                        <a:schemeClr val="tx1"/>
+                      </a:solidFill>
+                      <a:prstDash val="solid"/>
+                    </a:lnR>
+                  </a:tcPr>
+                </a:tc>
+                <a:tc>
+                  <a:txBody>
+                    <a:bodyPr/>
+                    <a:lstStyle/>
+                    <a:p>
+                      <a:pPr>
+                        <a:buNone/>
+                      </a:pPr>
+                      <a:r>
+                        <a:rPr lang="en-US" sz="1200" dirty="0">
+                          <a:solidFill>
+                            <a:schemeClr val="bg1">
+                              <a:lumMod val="10000"/>
+                            </a:schemeClr>
+                          </a:solidFill>
+                        </a:rPr>
+                        <a:t>Good</a:t>
+                      </a:r>
+                    </a:p>
+                  </a:txBody>
+                  <a:tcPr anchor="ctr">
+                    <a:lnL w="38100" cap="flat" cmpd="sng" algn="ctr">
+                      <a:solidFill>
+                        <a:schemeClr val="tx1"/>
+                      </a:solidFill>
+                      <a:prstDash val="solid"/>
+                      <a:round/>
+                      <a:headEnd type="none" w="med" len="med"/>
+                      <a:tailEnd type="none" w="med" len="med"/>
+                    </a:lnL>
+                    <a:lnR w="12700">
+                      <a:solidFill>
+                        <a:schemeClr val="tx1"/>
+                      </a:solidFill>
+                      <a:prstDash val="solid"/>
+                    </a:lnR>
+                  </a:tcPr>
+                </a:tc>
+                <a:tc>
+                  <a:txBody>
+                    <a:bodyPr/>
+                    <a:lstStyle/>
+                    <a:p>
+                      <a:pPr>
+                        <a:buNone/>
+                      </a:pPr>
+                      <a:r>
+                        <a:rPr lang="en-US" sz="1200">
+                          <a:solidFill>
+                            <a:schemeClr val="bg1">
+                              <a:lumMod val="10000"/>
+                            </a:schemeClr>
+                          </a:solidFill>
+                        </a:rPr>
+                        <a:t>Poor (non-smooth)</a:t>
+                      </a:r>
+                    </a:p>
+                  </a:txBody>
+                  <a:tcPr anchor="ctr">
+                    <a:lnL w="12700">
+                      <a:solidFill>
+                        <a:schemeClr val="tx1"/>
+                      </a:solidFill>
+                      <a:prstDash val="solid"/>
+                    </a:lnL>
+                    <a:lnR w="38100" cmpd="sng">
+                      <a:solidFill>
+                        <a:schemeClr val="tx1"/>
+                      </a:solidFill>
+                      <a:prstDash val="solid"/>
+                    </a:lnR>
+                  </a:tcPr>
+                </a:tc>
+                <a:extLst>
+                  <a:ext uri="{0D108BD9-81ED-4DB2-BD59-A6C34878D82A}">
+                    <a16:rowId xmlns:a16="http://schemas.microsoft.com/office/drawing/2014/main" val="10006"/>
+                  </a:ext>
+                </a:extLst>
+              </a:tr>
+              <a:tr h="489498">
+                <a:tc>
+                  <a:txBody>
+                    <a:bodyPr/>
+                    <a:lstStyle/>
+                    <a:p>
+                      <a:pPr>
+                        <a:buNone/>
+                      </a:pPr>
+                      <a:r>
+                        <a:rPr lang="en-US" sz="1200" b="0" dirty="0">
+                          <a:solidFill>
+                            <a:schemeClr val="bg1"/>
+                          </a:solidFill>
+                        </a:rPr>
+                        <a:t>Real-time Suitability</a:t>
+                      </a:r>
+                    </a:p>
+                  </a:txBody>
+                  <a:tcPr anchor="ctr">
+                    <a:lnL w="38100" cmpd="sng">
+                      <a:solidFill>
+                        <a:schemeClr val="tx1"/>
+                      </a:solidFill>
+                      <a:prstDash val="solid"/>
+                    </a:lnL>
+                    <a:lnR w="38100" cap="flat" cmpd="sng" algn="ctr">
+                      <a:solidFill>
+                        <a:schemeClr val="tx1"/>
+                      </a:solidFill>
+                      <a:prstDash val="solid"/>
+                      <a:round/>
+                      <a:headEnd type="none" w="med" len="med"/>
+                      <a:tailEnd type="none" w="med" len="med"/>
+                    </a:lnR>
+                    <a:solidFill>
+                      <a:schemeClr val="accent1"/>
+                    </a:solidFill>
+                  </a:tcPr>
+                </a:tc>
+                <a:tc>
+                  <a:txBody>
+                    <a:bodyPr/>
+                    <a:lstStyle/>
+                    <a:p>
+                      <a:pPr>
+                        <a:buNone/>
+                      </a:pPr>
+                      <a:r>
+                        <a:rPr lang="en-US" sz="1200">
+                          <a:solidFill>
+                            <a:schemeClr val="bg1">
+                              <a:lumMod val="10000"/>
+                            </a:schemeClr>
+                          </a:solidFill>
+                        </a:rPr>
+                        <a:t>Fast but unreliable</a:t>
+                      </a:r>
+                    </a:p>
+                  </a:txBody>
+                  <a:tcPr anchor="ctr">
+                    <a:lnL w="38100" cap="flat" cmpd="sng" algn="ctr">
+                      <a:solidFill>
+                        <a:schemeClr val="tx1"/>
+                      </a:solidFill>
+                      <a:prstDash val="solid"/>
+                      <a:round/>
+                      <a:headEnd type="none" w="med" len="med"/>
+                      <a:tailEnd type="none" w="med" len="med"/>
+                    </a:lnL>
+                  </a:tcPr>
+                </a:tc>
+                <a:tc>
+                  <a:txBody>
+                    <a:bodyPr/>
+                    <a:lstStyle/>
+                    <a:p>
+                      <a:pPr>
+                        <a:buNone/>
+                      </a:pPr>
+                      <a:r>
+                        <a:rPr lang="en-US" sz="1200">
+                          <a:solidFill>
+                            <a:schemeClr val="bg1">
+                              <a:lumMod val="10000"/>
+                            </a:schemeClr>
+                          </a:solidFill>
+                        </a:rPr>
+                        <a:t>Good balance</a:t>
+                      </a:r>
+                    </a:p>
+                  </a:txBody>
+                  <a:tcPr anchor="ctr">
+                    <a:lnR w="38100" cap="flat" cmpd="sng" algn="ctr">
+                      <a:solidFill>
+                        <a:schemeClr val="tx1"/>
+                      </a:solidFill>
+                      <a:prstDash val="solid"/>
+                      <a:round/>
+                      <a:headEnd type="none" w="med" len="med"/>
+                      <a:tailEnd type="none" w="med" len="med"/>
+                    </a:lnR>
+                  </a:tcPr>
+                </a:tc>
+                <a:tc>
+                  <a:txBody>
+                    <a:bodyPr/>
+                    <a:lstStyle/>
+                    <a:p>
+                      <a:pPr>
+                        <a:buNone/>
+                      </a:pPr>
+                      <a:r>
+                        <a:rPr lang="en-US" sz="1200" dirty="0">
+                          <a:solidFill>
+                            <a:schemeClr val="bg1">
+                              <a:lumMod val="10000"/>
+                            </a:schemeClr>
+                          </a:solidFill>
+                        </a:rPr>
+                        <a:t>Solver dependent</a:t>
+                      </a:r>
+                    </a:p>
+                  </a:txBody>
+                  <a:tcPr anchor="ctr">
+                    <a:lnL w="38100" cap="flat" cmpd="sng" algn="ctr">
+                      <a:solidFill>
+                        <a:schemeClr val="tx1"/>
+                      </a:solidFill>
+                      <a:prstDash val="solid"/>
+                      <a:round/>
+                      <a:headEnd type="none" w="med" len="med"/>
+                      <a:tailEnd type="none" w="med" len="med"/>
+                    </a:lnL>
+                    <a:lnR w="12700" cap="flat" cmpd="sng" algn="ctr">
+                      <a:solidFill>
+                        <a:schemeClr val="tx1"/>
+                      </a:solidFill>
+                      <a:prstDash val="solid"/>
+                      <a:round/>
+                      <a:headEnd type="none" w="med" len="med"/>
+                      <a:tailEnd type="none" w="med" len="med"/>
+                    </a:lnR>
+                  </a:tcPr>
+                </a:tc>
+                <a:tc>
+                  <a:txBody>
+                    <a:bodyPr/>
+                    <a:lstStyle/>
+                    <a:p>
+                      <a:pPr>
+                        <a:buNone/>
+                      </a:pPr>
+                      <a:r>
+                        <a:rPr lang="en-US" sz="1200" dirty="0">
+                          <a:solidFill>
+                            <a:schemeClr val="bg1">
+                              <a:lumMod val="10000"/>
+                            </a:schemeClr>
+                          </a:solidFill>
+                        </a:rPr>
+                        <a:t>Generally slow</a:t>
+                      </a:r>
+                    </a:p>
+                  </a:txBody>
+                  <a:tcPr anchor="ctr">
+                    <a:lnL w="12700" cap="flat" cmpd="sng" algn="ctr">
+                      <a:solidFill>
+                        <a:schemeClr val="tx1"/>
+                      </a:solidFill>
+                      <a:prstDash val="solid"/>
+                      <a:round/>
+                      <a:headEnd type="none" w="med" len="med"/>
+                      <a:tailEnd type="none" w="med" len="med"/>
+                    </a:lnL>
+                    <a:lnR w="38100" cmpd="sng">
+                      <a:solidFill>
+                        <a:schemeClr val="tx1"/>
+                      </a:solidFill>
+                      <a:prstDash val="solid"/>
+                    </a:lnR>
+                  </a:tcPr>
+                </a:tc>
+                <a:extLst>
+                  <a:ext uri="{0D108BD9-81ED-4DB2-BD59-A6C34878D82A}">
+                    <a16:rowId xmlns:a16="http://schemas.microsoft.com/office/drawing/2014/main" val="692757393"/>
+                  </a:ext>
+                </a:extLst>
+              </a:tr>
+            </a:tbl>
+          </a:graphicData>
+        </a:graphic>
+      </p:graphicFrame>
+    </p:spTree>
+  </p:cSld>
+  <p:clrMapOvr>
+    <a:masterClrMapping/>
+  </p:clrMapOvr>
+</p:sld>
+</file>
+
+<file path=ppt/slides/slide6.xml><?xml version="1.0" encoding="utf-8"?>
+<p:sld xmlns:a="http://schemas.openxmlformats.org/drawingml/2006/main" xmlns:r="http://schemas.openxmlformats.org/officeDocument/2006/relationships" xmlns:p="http://schemas.openxmlformats.org/presentationml/2006/main">
+  <p:cSld>
+    <p:spTree>
+      <p:nvGrpSpPr>
+        <p:cNvPr id="1" name=""/>
+        <p:cNvGrpSpPr/>
+        <p:nvPr/>
+      </p:nvGrpSpPr>
+      <p:grpSpPr>
+        <a:xfrm>
+          <a:off x="0" y="0"/>
+          <a:ext cx="0" cy="0"/>
+          <a:chOff x="0" y="0"/>
+          <a:chExt cx="0" cy="0"/>
+        </a:xfrm>
+      </p:grpSpPr>
+      <p:sp>
+        <p:nvSpPr>
+          <p:cNvPr id="3" name="Date Placeholder 2"/>
+          <p:cNvSpPr>
+            <a:spLocks noGrp="1"/>
+          </p:cNvSpPr>
+          <p:nvPr>
+            <p:ph type="dt" sz="half" idx="10"/>
+          </p:nvPr>
+        </p:nvSpPr>
+        <p:spPr/>
+        <p:txBody>
+          <a:bodyPr/>
+          <a:lstStyle/>
+          <a:p>
+            <a:fld id="{760FBDFE-C587-4B4C-A407-44438C67B59E}" type="datetime1">
+              <a:rPr lang="en-US" altLang="en-US" smtClean="0"/>
+              <a:t>9/22/2025</a:t>
+            </a:fld>
+            <a:endParaRPr lang="zh-CN" altLang="en-US"/>
+          </a:p>
+        </p:txBody>
+      </p:sp>
+      <p:sp>
+        <p:nvSpPr>
+          <p:cNvPr id="12" name="Slide Number Placeholder 11"/>
+          <p:cNvSpPr>
+            <a:spLocks noGrp="1"/>
+          </p:cNvSpPr>
+          <p:nvPr>
+            <p:ph type="sldNum" sz="quarter" idx="12"/>
+          </p:nvPr>
+        </p:nvSpPr>
+        <p:spPr/>
+        <p:txBody>
+          <a:bodyPr/>
+          <a:lstStyle/>
+          <a:p>
+            <a:fld id="{49AE70B2-8BF9-45C0-BB95-33D1B9D3A854}" type="slidenum">
+              <a:rPr lang="zh-CN" altLang="en-US" smtClean="0"/>
+              <a:t>6</a:t>
+            </a:fld>
+            <a:endParaRPr lang="zh-CN" altLang="en-US"/>
+          </a:p>
+        </p:txBody>
+      </p:sp>
+      <p:sp>
+        <p:nvSpPr>
+          <p:cNvPr id="13" name="Footer Placeholder 12"/>
+          <p:cNvSpPr>
+            <a:spLocks noGrp="1"/>
+          </p:cNvSpPr>
+          <p:nvPr>
+            <p:ph type="ftr" sz="quarter" idx="11"/>
+          </p:nvPr>
+        </p:nvSpPr>
+        <p:spPr/>
+        <p:txBody>
+          <a:bodyPr/>
+          <a:lstStyle/>
+          <a:p>
+            <a:r>
+              <a:rPr lang="de-DE" altLang="zh-CN">
+                <a:sym typeface="+mn-ea"/>
+              </a:rPr>
+              <a:t>Real-Time Time-Optimal Spacecraft Attitude Control</a:t>
+            </a:r>
+            <a:endParaRPr lang="zh-CN" altLang="en-US"/>
+          </a:p>
+        </p:txBody>
+      </p:sp>
+      <p:sp>
+        <p:nvSpPr>
+          <p:cNvPr id="2" name="Title 1"/>
+          <p:cNvSpPr>
+            <a:spLocks noGrp="1"/>
+          </p:cNvSpPr>
+          <p:nvPr>
+            <p:ph type="title"/>
+          </p:nvPr>
+        </p:nvSpPr>
+        <p:spPr/>
+        <p:txBody>
+          <a:bodyPr/>
+          <a:lstStyle/>
+          <a:p>
+            <a:r>
+              <a:rPr lang="de-DE" altLang="en-US" sz="4400" dirty="0">
+                <a:latin typeface="Arial Black" panose="020B0A04020102020204" charset="0"/>
+                <a:cs typeface="Arial Black" panose="020B0A04020102020204" charset="0"/>
+              </a:rPr>
+              <a:t>Implementation</a:t>
+            </a:r>
+          </a:p>
+        </p:txBody>
+      </p:sp>
+      <p:sp>
+        <p:nvSpPr>
+          <p:cNvPr id="5" name="Text Box 4"/>
+          <p:cNvSpPr txBox="1"/>
+          <p:nvPr/>
+        </p:nvSpPr>
+        <p:spPr>
+          <a:xfrm>
+            <a:off x="647700" y="1762125"/>
+            <a:ext cx="6860540" cy="3565848"/>
+          </a:xfrm>
+          <a:prstGeom prst="rect">
+            <a:avLst/>
+          </a:prstGeom>
+          <a:noFill/>
+        </p:spPr>
+        <p:txBody>
+          <a:bodyPr wrap="square" rtlCol="0">
+            <a:spAutoFit/>
+          </a:bodyPr>
+          <a:lstStyle/>
+          <a:p>
+            <a:pPr marL="800100" lvl="1" indent="-342900">
+              <a:lnSpc>
+                <a:spcPct val="200000"/>
+              </a:lnSpc>
+              <a:buFont typeface="+mj-lt"/>
+              <a:buAutoNum type="arabicPeriod"/>
+            </a:pPr>
+            <a:r>
+              <a:rPr lang="en-US" altLang="de-DE" dirty="0">
+                <a:latin typeface="+mn-ea"/>
+                <a:cs typeface="+mn-ea"/>
+              </a:rPr>
+              <a:t>Framework: CasADi</a:t>
+            </a:r>
+          </a:p>
+          <a:p>
+            <a:pPr marL="1257300" lvl="2" indent="-342900">
+              <a:lnSpc>
+                <a:spcPct val="180000"/>
+              </a:lnSpc>
+              <a:buFont typeface="Arial" panose="020B0604020202020204" pitchFamily="34" charset="0"/>
+              <a:buChar char="•"/>
+            </a:pPr>
+            <a:r>
+              <a:rPr lang="en-US" altLang="de-DE" dirty="0">
+                <a:latin typeface="+mn-ea"/>
+                <a:cs typeface="+mn-ea"/>
+              </a:rPr>
+              <a:t>Open-source</a:t>
+            </a:r>
+          </a:p>
+          <a:p>
+            <a:pPr marL="1257300" lvl="2" indent="-342900">
+              <a:lnSpc>
+                <a:spcPct val="180000"/>
+              </a:lnSpc>
+              <a:buFont typeface="Arial" panose="020B0604020202020204" pitchFamily="34" charset="0"/>
+              <a:buChar char="•"/>
+            </a:pPr>
+            <a:r>
+              <a:rPr lang="en-US" altLang="de-DE" dirty="0">
+                <a:latin typeface="+mn-ea"/>
+                <a:cs typeface="+mn-ea"/>
+              </a:rPr>
+              <a:t>Automatic differentiation</a:t>
+            </a:r>
+          </a:p>
+          <a:p>
+            <a:pPr marL="1257300" lvl="2" indent="-342900">
+              <a:lnSpc>
+                <a:spcPct val="180000"/>
+              </a:lnSpc>
+              <a:buFont typeface="Arial" panose="020B0604020202020204" pitchFamily="34" charset="0"/>
+              <a:buChar char="•"/>
+            </a:pPr>
+            <a:r>
+              <a:rPr lang="en-US" altLang="de-DE" dirty="0">
+                <a:latin typeface="+mn-ea"/>
+                <a:cs typeface="+mn-ea"/>
+              </a:rPr>
+              <a:t>Simple NLP interface</a:t>
+            </a:r>
+          </a:p>
+          <a:p>
+            <a:pPr marL="1257300" lvl="2" indent="-342900">
+              <a:lnSpc>
+                <a:spcPct val="180000"/>
+              </a:lnSpc>
+              <a:buFont typeface="Arial" panose="020B0604020202020204" pitchFamily="34" charset="0"/>
+              <a:buChar char="•"/>
+            </a:pPr>
+            <a:r>
+              <a:rPr lang="en-US" altLang="de-DE" dirty="0">
+                <a:latin typeface="+mn-ea"/>
+                <a:cs typeface="+mn-ea"/>
+              </a:rPr>
+              <a:t>Automatic c-code generation</a:t>
+            </a:r>
+          </a:p>
+          <a:p>
+            <a:pPr marL="1257300" lvl="2" indent="-342900">
+              <a:lnSpc>
+                <a:spcPct val="180000"/>
+              </a:lnSpc>
+              <a:buFont typeface="Arial" panose="020B0604020202020204" pitchFamily="34" charset="0"/>
+              <a:buChar char="•"/>
+            </a:pPr>
+            <a:r>
+              <a:rPr lang="en-US" altLang="de-DE" dirty="0">
+                <a:latin typeface="+mn-ea"/>
+                <a:cs typeface="+mn-ea"/>
+              </a:rPr>
+              <a:t>Source-code in </a:t>
+            </a:r>
+            <a:r>
+              <a:rPr lang="en-US" altLang="de-DE" dirty="0" err="1">
+                <a:latin typeface="+mn-ea"/>
+                <a:cs typeface="+mn-ea"/>
+              </a:rPr>
+              <a:t>c++</a:t>
+            </a:r>
+            <a:endParaRPr lang="en-US" altLang="de-DE" dirty="0">
+              <a:latin typeface="+mn-ea"/>
+              <a:cs typeface="+mn-ea"/>
+            </a:endParaRPr>
+          </a:p>
+          <a:p>
+            <a:pPr marL="1257300" lvl="2" indent="-342900">
+              <a:lnSpc>
+                <a:spcPct val="180000"/>
+              </a:lnSpc>
+              <a:buFont typeface="Arial" panose="020B0604020202020204" pitchFamily="34" charset="0"/>
+              <a:buChar char="•"/>
+            </a:pPr>
+            <a:r>
+              <a:rPr lang="en-US" altLang="de-DE" dirty="0">
+                <a:latin typeface="+mn-ea"/>
+                <a:cs typeface="+mn-ea"/>
+              </a:rPr>
+              <a:t>Extensive NLP solver compatibility</a:t>
+            </a:r>
+          </a:p>
+        </p:txBody>
+      </p:sp>
+      <p:pic>
+        <p:nvPicPr>
+          <p:cNvPr id="1026" name="Picture 2" descr="CasADi: casadi::Function Class Reference">
+            <a:extLst>
+              <a:ext uri="{FF2B5EF4-FFF2-40B4-BE49-F238E27FC236}">
+                <a16:creationId xmlns:a16="http://schemas.microsoft.com/office/drawing/2014/main" id="{CB9CEA6D-87EF-A9BB-A91B-4B9539C18A5E}"/>
+              </a:ext>
+            </a:extLst>
+          </p:cNvPr>
+          <p:cNvPicPr>
+            <a:picLocks noChangeAspect="1" noChangeArrowheads="1"/>
+          </p:cNvPicPr>
+          <p:nvPr/>
+        </p:nvPicPr>
+        <p:blipFill>
+          <a:blip r:embed="rId2">
+            <a:extLst>
+              <a:ext uri="{28A0092B-C50C-407E-A947-70E740481C1C}">
+                <a14:useLocalDpi xmlns:a14="http://schemas.microsoft.com/office/drawing/2010/main" val="0"/>
+              </a:ext>
+            </a:extLst>
+          </a:blip>
+          <a:srcRect/>
+          <a:stretch>
+            <a:fillRect/>
+          </a:stretch>
+        </p:blipFill>
+        <p:spPr bwMode="auto">
+          <a:xfrm>
+            <a:off x="5938848" y="3121706"/>
+            <a:ext cx="5414952" cy="1233024"/>
+          </a:xfrm>
+          <a:prstGeom prst="rect">
+            <a:avLst/>
+          </a:prstGeom>
+          <a:noFill/>
+          <a:extLst>
+            <a:ext uri="{909E8E84-426E-40DD-AFC4-6F175D3DCCD1}">
+              <a14:hiddenFill xmlns:a14="http://schemas.microsoft.com/office/drawing/2010/main">
+                <a:solidFill>
+                  <a:srgbClr val="FFFFFF"/>
+                </a:solidFill>
+              </a14:hiddenFill>
+            </a:ext>
+          </a:extLst>
+        </p:spPr>
+      </p:pic>
+    </p:spTree>
+  </p:cSld>
+  <p:clrMapOvr>
+    <a:masterClrMapping/>
+  </p:clrMapOvr>
+</p:sld>
+</file>
+
+<file path=ppt/slides/slide7.xml><?xml version="1.0" encoding="utf-8"?>
+<p:sld xmlns:a="http://schemas.openxmlformats.org/drawingml/2006/main" xmlns:r="http://schemas.openxmlformats.org/officeDocument/2006/relationships" xmlns:p="http://schemas.openxmlformats.org/presentationml/2006/main">
+  <p:cSld>
+    <p:spTree>
+      <p:nvGrpSpPr>
+        <p:cNvPr id="1" name="">
+          <a:extLst>
+            <a:ext uri="{FF2B5EF4-FFF2-40B4-BE49-F238E27FC236}">
+              <a16:creationId xmlns:a16="http://schemas.microsoft.com/office/drawing/2014/main" id="{9D43AB49-5948-AF9C-A0ED-7C1DA060F979}"/>
+            </a:ext>
+          </a:extLst>
+        </p:cNvPr>
+        <p:cNvGrpSpPr/>
+        <p:nvPr/>
+      </p:nvGrpSpPr>
+      <p:grpSpPr>
+        <a:xfrm>
+          <a:off x="0" y="0"/>
+          <a:ext cx="0" cy="0"/>
+          <a:chOff x="0" y="0"/>
+          <a:chExt cx="0" cy="0"/>
+        </a:xfrm>
+      </p:grpSpPr>
+      <p:sp>
+        <p:nvSpPr>
+          <p:cNvPr id="3" name="Date Placeholder 2">
+            <a:extLst>
+              <a:ext uri="{FF2B5EF4-FFF2-40B4-BE49-F238E27FC236}">
+                <a16:creationId xmlns:a16="http://schemas.microsoft.com/office/drawing/2014/main" id="{5EE43591-E980-4467-29B0-4DD39B8EE5C6}"/>
+              </a:ext>
+            </a:extLst>
+          </p:cNvPr>
+          <p:cNvSpPr>
+            <a:spLocks noGrp="1"/>
+          </p:cNvSpPr>
+          <p:nvPr>
+            <p:ph type="dt" sz="half" idx="10"/>
+          </p:nvPr>
+        </p:nvSpPr>
+        <p:spPr/>
+        <p:txBody>
+          <a:bodyPr/>
+          <a:lstStyle/>
+          <a:p>
+            <a:fld id="{760FBDFE-C587-4B4C-A407-44438C67B59E}" type="datetime1">
+              <a:rPr lang="en-US" altLang="en-US" smtClean="0"/>
+              <a:t>9/22/2025</a:t>
+            </a:fld>
+            <a:endParaRPr lang="zh-CN" altLang="en-US"/>
+          </a:p>
+        </p:txBody>
+      </p:sp>
+      <p:sp>
+        <p:nvSpPr>
+          <p:cNvPr id="12" name="Slide Number Placeholder 11">
+            <a:extLst>
+              <a:ext uri="{FF2B5EF4-FFF2-40B4-BE49-F238E27FC236}">
+                <a16:creationId xmlns:a16="http://schemas.microsoft.com/office/drawing/2014/main" id="{486114D2-ADEC-4519-451B-4C0FECE0E53E}"/>
+              </a:ext>
+            </a:extLst>
+          </p:cNvPr>
+          <p:cNvSpPr>
+            <a:spLocks noGrp="1"/>
+          </p:cNvSpPr>
+          <p:nvPr>
+            <p:ph type="sldNum" sz="quarter" idx="12"/>
+          </p:nvPr>
+        </p:nvSpPr>
+        <p:spPr/>
+        <p:txBody>
+          <a:bodyPr/>
+          <a:lstStyle/>
+          <a:p>
+            <a:fld id="{49AE70B2-8BF9-45C0-BB95-33D1B9D3A854}" type="slidenum">
+              <a:rPr lang="zh-CN" altLang="en-US" smtClean="0"/>
+              <a:t>7</a:t>
+            </a:fld>
+            <a:endParaRPr lang="zh-CN" altLang="en-US"/>
+          </a:p>
+        </p:txBody>
+      </p:sp>
+      <p:sp>
+        <p:nvSpPr>
+          <p:cNvPr id="13" name="Footer Placeholder 12">
+            <a:extLst>
+              <a:ext uri="{FF2B5EF4-FFF2-40B4-BE49-F238E27FC236}">
+                <a16:creationId xmlns:a16="http://schemas.microsoft.com/office/drawing/2014/main" id="{8EE49337-B5E1-CC3F-94E0-0CF1F6527552}"/>
+              </a:ext>
+            </a:extLst>
+          </p:cNvPr>
+          <p:cNvSpPr>
+            <a:spLocks noGrp="1"/>
+          </p:cNvSpPr>
+          <p:nvPr>
+            <p:ph type="ftr" sz="quarter" idx="11"/>
+          </p:nvPr>
+        </p:nvSpPr>
+        <p:spPr/>
+        <p:txBody>
+          <a:bodyPr/>
+          <a:lstStyle/>
+          <a:p>
+            <a:r>
+              <a:rPr lang="de-DE" altLang="zh-CN">
+                <a:sym typeface="+mn-ea"/>
+              </a:rPr>
+              <a:t>Real-Time Time-Optimal Spacecraft Attitude Control</a:t>
+            </a:r>
+            <a:endParaRPr lang="zh-CN" altLang="en-US"/>
+          </a:p>
+        </p:txBody>
+      </p:sp>
+      <p:sp>
+        <p:nvSpPr>
+          <p:cNvPr id="2" name="Title 1">
+            <a:extLst>
+              <a:ext uri="{FF2B5EF4-FFF2-40B4-BE49-F238E27FC236}">
+                <a16:creationId xmlns:a16="http://schemas.microsoft.com/office/drawing/2014/main" id="{F103843A-7AD4-DFFD-7DFB-C13EDD2BE588}"/>
+              </a:ext>
+            </a:extLst>
+          </p:cNvPr>
+          <p:cNvSpPr>
+            <a:spLocks noGrp="1"/>
+          </p:cNvSpPr>
+          <p:nvPr>
+            <p:ph type="title"/>
+          </p:nvPr>
+        </p:nvSpPr>
+        <p:spPr/>
+        <p:txBody>
+          <a:bodyPr/>
+          <a:lstStyle/>
+          <a:p>
+            <a:r>
+              <a:rPr lang="de-DE" altLang="en-US" sz="4400" dirty="0">
+                <a:latin typeface="Arial Black" panose="020B0A04020102020204" charset="0"/>
+                <a:cs typeface="Arial Black" panose="020B0A04020102020204" charset="0"/>
+              </a:rPr>
+              <a:t>Implementation</a:t>
+            </a:r>
+          </a:p>
+        </p:txBody>
+      </p:sp>
+      <p:sp>
+        <p:nvSpPr>
+          <p:cNvPr id="5" name="Text Box 4">
+            <a:extLst>
+              <a:ext uri="{FF2B5EF4-FFF2-40B4-BE49-F238E27FC236}">
+                <a16:creationId xmlns:a16="http://schemas.microsoft.com/office/drawing/2014/main" id="{400FDED1-B9D7-4D4A-06EB-BED724E3B4E6}"/>
+              </a:ext>
+            </a:extLst>
+          </p:cNvPr>
+          <p:cNvSpPr txBox="1"/>
+          <p:nvPr/>
+        </p:nvSpPr>
+        <p:spPr>
+          <a:xfrm>
+            <a:off x="647700" y="1762125"/>
+            <a:ext cx="6860540" cy="560410"/>
+          </a:xfrm>
+          <a:prstGeom prst="rect">
+            <a:avLst/>
+          </a:prstGeom>
+          <a:noFill/>
+        </p:spPr>
+        <p:txBody>
+          <a:bodyPr wrap="square" rtlCol="0">
+            <a:spAutoFit/>
+          </a:bodyPr>
+          <a:lstStyle/>
+          <a:p>
+            <a:pPr marL="800100" lvl="1" indent="-342900">
+              <a:lnSpc>
+                <a:spcPct val="200000"/>
+              </a:lnSpc>
+              <a:buFont typeface="+mj-lt"/>
+              <a:buAutoNum type="arabicPeriod" startAt="2"/>
+            </a:pPr>
+            <a:r>
+              <a:rPr lang="en-US" altLang="de-DE" dirty="0">
+                <a:latin typeface="+mn-ea"/>
+                <a:cs typeface="+mn-ea"/>
+              </a:rPr>
+              <a:t>NLP Solvers:</a:t>
+            </a:r>
+          </a:p>
+        </p:txBody>
+      </p:sp>
+      <p:graphicFrame>
+        <p:nvGraphicFramePr>
+          <p:cNvPr id="10" name="Table 9">
+            <a:extLst>
+              <a:ext uri="{FF2B5EF4-FFF2-40B4-BE49-F238E27FC236}">
+                <a16:creationId xmlns:a16="http://schemas.microsoft.com/office/drawing/2014/main" id="{758D7317-96D7-EECD-4350-AC3A05023A5F}"/>
+              </a:ext>
+            </a:extLst>
+          </p:cNvPr>
+          <p:cNvGraphicFramePr/>
+          <p:nvPr>
+            <p:extLst>
+              <p:ext uri="{D42A27DB-BD31-4B8C-83A1-F6EECF244321}">
+                <p14:modId xmlns:p14="http://schemas.microsoft.com/office/powerpoint/2010/main" val="1713582493"/>
+              </p:ext>
+            </p:extLst>
+          </p:nvPr>
+        </p:nvGraphicFramePr>
+        <p:xfrm>
+          <a:off x="1529715" y="1950447"/>
+          <a:ext cx="9633585" cy="4206514"/>
+        </p:xfrm>
+        <a:graphic>
+          <a:graphicData uri="http://schemas.openxmlformats.org/drawingml/2006/table">
+            <a:tbl>
+              <a:tblPr firstRow="1" bandRow="1">
+                <a:tableStyleId>{5C22544A-7EE6-4342-B048-85BDC9FD1C3A}</a:tableStyleId>
+              </a:tblPr>
+              <a:tblGrid>
+                <a:gridCol w="1496139">
+                  <a:extLst>
+                    <a:ext uri="{9D8B030D-6E8A-4147-A177-3AD203B41FA5}">
+                      <a16:colId xmlns:a16="http://schemas.microsoft.com/office/drawing/2014/main" val="20000"/>
+                    </a:ext>
+                  </a:extLst>
+                </a:gridCol>
+                <a:gridCol w="2589388">
+                  <a:extLst>
+                    <a:ext uri="{9D8B030D-6E8A-4147-A177-3AD203B41FA5}">
+                      <a16:colId xmlns:a16="http://schemas.microsoft.com/office/drawing/2014/main" val="20001"/>
+                    </a:ext>
+                  </a:extLst>
+                </a:gridCol>
+                <a:gridCol w="2774029">
+                  <a:extLst>
+                    <a:ext uri="{9D8B030D-6E8A-4147-A177-3AD203B41FA5}">
+                      <a16:colId xmlns:a16="http://schemas.microsoft.com/office/drawing/2014/main" val="20002"/>
+                    </a:ext>
+                  </a:extLst>
+                </a:gridCol>
+                <a:gridCol w="2774029">
+                  <a:extLst>
+                    <a:ext uri="{9D8B030D-6E8A-4147-A177-3AD203B41FA5}">
+                      <a16:colId xmlns:a16="http://schemas.microsoft.com/office/drawing/2014/main" val="4239251983"/>
+                    </a:ext>
+                  </a:extLst>
+                </a:gridCol>
+              </a:tblGrid>
+              <a:tr h="454841">
+                <a:tc>
+                  <a:txBody>
+                    <a:bodyPr/>
+                    <a:lstStyle/>
+                    <a:p>
+                      <a:pPr>
+                        <a:buNone/>
+                      </a:pPr>
+                      <a:endParaRPr lang="en-US" dirty="0"/>
+                    </a:p>
+                  </a:txBody>
+                  <a:tcPr anchor="ctr">
+                    <a:lnL>
+                      <a:noFill/>
+                    </a:lnL>
+                    <a:lnR w="38100" cmpd="sng">
+                      <a:solidFill>
+                        <a:schemeClr val="tx1"/>
+                      </a:solidFill>
+                      <a:prstDash val="solid"/>
+                    </a:lnR>
+                    <a:lnT>
+                      <a:noFill/>
+                    </a:lnT>
+                    <a:noFill/>
+                  </a:tcPr>
+                </a:tc>
+                <a:tc>
+                  <a:txBody>
+                    <a:bodyPr/>
+                    <a:lstStyle/>
+                    <a:p>
+                      <a:pPr algn="ctr">
+                        <a:buNone/>
+                      </a:pPr>
+                      <a:r>
+                        <a:rPr lang="en-US" dirty="0"/>
+                        <a:t>Interior Point</a:t>
+                      </a:r>
+                    </a:p>
+                  </a:txBody>
+                  <a:tcPr anchor="ctr">
+                    <a:lnL w="38100" cmpd="sng">
+                      <a:solidFill>
+                        <a:schemeClr val="tx1"/>
+                      </a:solidFill>
+                      <a:prstDash val="solid"/>
+                    </a:lnL>
+                    <a:lnT w="38100" cmpd="sng">
+                      <a:solidFill>
+                        <a:schemeClr val="tx1"/>
+                      </a:solidFill>
+                      <a:prstDash val="solid"/>
+                    </a:lnT>
+                  </a:tcPr>
+                </a:tc>
+                <a:tc>
+                  <a:txBody>
+                    <a:bodyPr/>
+                    <a:lstStyle/>
+                    <a:p>
+                      <a:pPr algn="ctr">
+                        <a:buNone/>
+                      </a:pPr>
+                      <a:r>
+                        <a:rPr lang="en-US" dirty="0"/>
+                        <a:t>SQP Methods</a:t>
+                      </a:r>
+                    </a:p>
+                  </a:txBody>
+                  <a:tcPr anchor="ctr">
+                    <a:lnT w="38100" cmpd="sng">
+                      <a:solidFill>
+                        <a:schemeClr val="tx1"/>
+                      </a:solidFill>
+                      <a:prstDash val="solid"/>
+                    </a:lnT>
+                  </a:tcPr>
+                </a:tc>
+                <a:tc>
+                  <a:txBody>
+                    <a:bodyPr/>
+                    <a:lstStyle/>
+                    <a:p>
+                      <a:pPr algn="ctr">
+                        <a:buNone/>
+                      </a:pPr>
+                      <a:r>
+                        <a:rPr lang="en-US" dirty="0"/>
+                        <a:t>SCP Methods</a:t>
+                      </a:r>
+                    </a:p>
+                  </a:txBody>
+                  <a:tcPr anchor="ctr">
+                    <a:lnR w="38100" cmpd="sng">
+                      <a:solidFill>
+                        <a:schemeClr val="tx1"/>
+                      </a:solidFill>
+                      <a:prstDash val="solid"/>
+                    </a:lnR>
+                    <a:lnT w="38100" cmpd="sng">
+                      <a:solidFill>
+                        <a:schemeClr val="tx1"/>
+                      </a:solidFill>
+                      <a:prstDash val="solid"/>
+                    </a:lnT>
+                  </a:tcPr>
+                </a:tc>
+                <a:extLst>
+                  <a:ext uri="{0D108BD9-81ED-4DB2-BD59-A6C34878D82A}">
+                    <a16:rowId xmlns:a16="http://schemas.microsoft.com/office/drawing/2014/main" val="10000"/>
+                  </a:ext>
+                </a:extLst>
+              </a:tr>
+              <a:tr h="549472">
+                <a:tc>
+                  <a:txBody>
+                    <a:bodyPr/>
+                    <a:lstStyle/>
+                    <a:p>
+                      <a:pPr>
+                        <a:buNone/>
+                      </a:pPr>
+                      <a:r>
+                        <a:rPr lang="en-US" sz="1400" b="1" dirty="0"/>
+                        <a:t>Warm-starting</a:t>
+                      </a:r>
+                      <a:endParaRPr lang="en-US" sz="1400" dirty="0"/>
+                    </a:p>
+                  </a:txBody>
+                  <a:tcPr anchor="ctr">
+                    <a:lnL w="38100" cmpd="sng">
+                      <a:solidFill>
+                        <a:schemeClr val="tx1"/>
+                      </a:solidFill>
+                      <a:prstDash val="solid"/>
+                    </a:lnL>
+                    <a:lnR w="38100" cmpd="sng">
+                      <a:solidFill>
+                        <a:schemeClr val="tx1"/>
+                      </a:solidFill>
+                      <a:prstDash val="solid"/>
+                    </a:lnR>
+                    <a:solidFill>
+                      <a:schemeClr val="accent1"/>
+                    </a:solidFill>
+                  </a:tcPr>
+                </a:tc>
+                <a:tc>
+                  <a:txBody>
+                    <a:bodyPr/>
+                    <a:lstStyle/>
+                    <a:p>
+                      <a:pPr>
+                        <a:buNone/>
+                      </a:pPr>
+                      <a:r>
+                        <a:rPr lang="en-US" sz="1400" dirty="0">
+                          <a:solidFill>
+                            <a:schemeClr val="bg1">
+                              <a:lumMod val="10000"/>
+                            </a:schemeClr>
+                          </a:solidFill>
+                        </a:rPr>
+                        <a:t>Poor</a:t>
+                      </a:r>
+                    </a:p>
+                  </a:txBody>
+                  <a:tcPr anchor="ctr">
+                    <a:lnL w="38100" cmpd="sng">
+                      <a:solidFill>
+                        <a:schemeClr val="tx1"/>
+                      </a:solidFill>
+                      <a:prstDash val="solid"/>
+                    </a:lnL>
+                  </a:tcPr>
+                </a:tc>
+                <a:tc>
+                  <a:txBody>
+                    <a:bodyPr/>
+                    <a:lstStyle/>
+                    <a:p>
+                      <a:pPr>
+                        <a:buNone/>
+                      </a:pPr>
+                      <a:r>
+                        <a:rPr lang="en-US" sz="1400" dirty="0">
+                          <a:solidFill>
+                            <a:schemeClr val="bg1">
+                              <a:lumMod val="10000"/>
+                            </a:schemeClr>
+                          </a:solidFill>
+                        </a:rPr>
+                        <a:t>Excellent</a:t>
+                      </a:r>
+                    </a:p>
+                  </a:txBody>
+                  <a:tcPr anchor="ctr"/>
+                </a:tc>
+                <a:tc>
+                  <a:txBody>
+                    <a:bodyPr/>
+                    <a:lstStyle/>
+                    <a:p>
+                      <a:pPr>
+                        <a:buNone/>
+                      </a:pPr>
+                      <a:r>
+                        <a:rPr lang="en-US" sz="1400">
+                          <a:solidFill>
+                            <a:schemeClr val="bg1">
+                              <a:lumMod val="10000"/>
+                            </a:schemeClr>
+                          </a:solidFill>
+                        </a:rPr>
+                        <a:t>Good</a:t>
+                      </a:r>
+                    </a:p>
+                  </a:txBody>
+                  <a:tcPr anchor="ctr">
+                    <a:lnR w="38100" cmpd="sng">
+                      <a:solidFill>
+                        <a:schemeClr val="tx1"/>
+                      </a:solidFill>
+                      <a:prstDash val="solid"/>
+                    </a:lnR>
+                  </a:tcPr>
+                </a:tc>
+                <a:extLst>
+                  <a:ext uri="{0D108BD9-81ED-4DB2-BD59-A6C34878D82A}">
+                    <a16:rowId xmlns:a16="http://schemas.microsoft.com/office/drawing/2014/main" val="10001"/>
+                  </a:ext>
+                </a:extLst>
+              </a:tr>
+              <a:tr h="549472">
+                <a:tc>
+                  <a:txBody>
+                    <a:bodyPr/>
+                    <a:lstStyle/>
+                    <a:p>
+                      <a:pPr>
+                        <a:buNone/>
+                      </a:pPr>
+                      <a:r>
+                        <a:rPr lang="en-US" sz="1400" b="1"/>
+                        <a:t>Convergence Rate</a:t>
+                      </a:r>
+                      <a:endParaRPr lang="en-US" sz="1400"/>
+                    </a:p>
+                  </a:txBody>
+                  <a:tcPr anchor="ctr">
+                    <a:lnL w="38100" cmpd="sng">
+                      <a:solidFill>
+                        <a:schemeClr val="tx1"/>
+                      </a:solidFill>
+                      <a:prstDash val="solid"/>
+                    </a:lnL>
+                    <a:lnR w="38100" cmpd="sng">
+                      <a:solidFill>
+                        <a:schemeClr val="tx1"/>
+                      </a:solidFill>
+                      <a:prstDash val="solid"/>
+                    </a:lnR>
+                    <a:solidFill>
+                      <a:schemeClr val="accent1"/>
+                    </a:solidFill>
+                  </a:tcPr>
+                </a:tc>
+                <a:tc>
+                  <a:txBody>
+                    <a:bodyPr/>
+                    <a:lstStyle/>
+                    <a:p>
+                      <a:pPr>
+                        <a:buNone/>
+                      </a:pPr>
+                      <a:r>
+                        <a:rPr lang="en-US" sz="1400" dirty="0" err="1">
+                          <a:solidFill>
+                            <a:schemeClr val="bg1">
+                              <a:lumMod val="10000"/>
+                            </a:schemeClr>
+                          </a:solidFill>
+                        </a:rPr>
+                        <a:t>Superlinear</a:t>
+                      </a:r>
+                      <a:endParaRPr lang="en-US" sz="1400" dirty="0">
+                        <a:solidFill>
+                          <a:schemeClr val="bg1">
+                            <a:lumMod val="10000"/>
+                          </a:schemeClr>
+                        </a:solidFill>
+                      </a:endParaRPr>
+                    </a:p>
+                  </a:txBody>
+                  <a:tcPr anchor="ctr">
+                    <a:lnL w="38100" cmpd="sng">
+                      <a:solidFill>
+                        <a:schemeClr val="tx1"/>
+                      </a:solidFill>
+                      <a:prstDash val="solid"/>
+                    </a:lnL>
+                  </a:tcPr>
+                </a:tc>
+                <a:tc>
+                  <a:txBody>
+                    <a:bodyPr/>
+                    <a:lstStyle/>
+                    <a:p>
+                      <a:pPr>
+                        <a:buNone/>
+                      </a:pPr>
+                      <a:r>
+                        <a:rPr lang="en-US" sz="1400">
+                          <a:solidFill>
+                            <a:schemeClr val="bg1">
+                              <a:lumMod val="10000"/>
+                            </a:schemeClr>
+                          </a:solidFill>
+                        </a:rPr>
+                        <a:t>Superlinear</a:t>
+                      </a:r>
+                    </a:p>
+                  </a:txBody>
+                  <a:tcPr anchor="ctr"/>
+                </a:tc>
+                <a:tc>
+                  <a:txBody>
+                    <a:bodyPr/>
+                    <a:lstStyle/>
+                    <a:p>
+                      <a:pPr>
+                        <a:buNone/>
+                      </a:pPr>
+                      <a:r>
+                        <a:rPr lang="en-US" sz="1400">
+                          <a:solidFill>
+                            <a:schemeClr val="bg1">
+                              <a:lumMod val="10000"/>
+                            </a:schemeClr>
+                          </a:solidFill>
+                        </a:rPr>
+                        <a:t>Linear to superlinear</a:t>
+                      </a:r>
+                    </a:p>
+                  </a:txBody>
+                  <a:tcPr anchor="ctr">
+                    <a:lnR w="38100" cmpd="sng">
+                      <a:solidFill>
+                        <a:schemeClr val="tx1"/>
+                      </a:solidFill>
+                      <a:prstDash val="solid"/>
+                    </a:lnR>
+                  </a:tcPr>
+                </a:tc>
+                <a:extLst>
+                  <a:ext uri="{0D108BD9-81ED-4DB2-BD59-A6C34878D82A}">
+                    <a16:rowId xmlns:a16="http://schemas.microsoft.com/office/drawing/2014/main" val="10002"/>
+                  </a:ext>
+                </a:extLst>
+              </a:tr>
+              <a:tr h="549472">
+                <a:tc>
+                  <a:txBody>
+                    <a:bodyPr/>
+                    <a:lstStyle/>
+                    <a:p>
+                      <a:pPr>
+                        <a:buNone/>
+                      </a:pPr>
+                      <a:r>
+                        <a:rPr lang="en-US" sz="1400" b="1"/>
+                        <a:t>Problem Scale</a:t>
+                      </a:r>
+                      <a:endParaRPr lang="en-US" sz="1400"/>
+                    </a:p>
+                  </a:txBody>
+                  <a:tcPr anchor="ctr">
+                    <a:lnL w="38100" cmpd="sng">
+                      <a:solidFill>
+                        <a:schemeClr val="tx1"/>
+                      </a:solidFill>
+                      <a:prstDash val="solid"/>
+                    </a:lnL>
+                    <a:lnR w="38100" cmpd="sng">
+                      <a:solidFill>
+                        <a:schemeClr val="tx1"/>
+                      </a:solidFill>
+                      <a:prstDash val="solid"/>
+                    </a:lnR>
+                    <a:solidFill>
+                      <a:schemeClr val="accent1"/>
+                    </a:solidFill>
+                  </a:tcPr>
+                </a:tc>
+                <a:tc>
+                  <a:txBody>
+                    <a:bodyPr/>
+                    <a:lstStyle/>
+                    <a:p>
+                      <a:pPr>
+                        <a:buNone/>
+                      </a:pPr>
+                      <a:r>
+                        <a:rPr lang="en-US" sz="1400" dirty="0">
+                          <a:solidFill>
+                            <a:schemeClr val="bg1">
+                              <a:lumMod val="10000"/>
+                            </a:schemeClr>
+                          </a:solidFill>
+                        </a:rPr>
+                        <a:t>Large-scale optimal</a:t>
+                      </a:r>
+                    </a:p>
+                  </a:txBody>
+                  <a:tcPr anchor="ctr">
+                    <a:lnL w="38100" cmpd="sng">
+                      <a:solidFill>
+                        <a:schemeClr val="tx1"/>
+                      </a:solidFill>
+                      <a:prstDash val="solid"/>
+                    </a:lnL>
+                  </a:tcPr>
+                </a:tc>
+                <a:tc>
+                  <a:txBody>
+                    <a:bodyPr/>
+                    <a:lstStyle/>
+                    <a:p>
+                      <a:pPr>
+                        <a:buNone/>
+                      </a:pPr>
+                      <a:r>
+                        <a:rPr lang="en-US" sz="1400" dirty="0">
+                          <a:solidFill>
+                            <a:schemeClr val="bg1">
+                              <a:lumMod val="10000"/>
+                            </a:schemeClr>
+                          </a:solidFill>
+                        </a:rPr>
+                        <a:t>Medium-scale optimal</a:t>
+                      </a:r>
+                    </a:p>
+                  </a:txBody>
+                  <a:tcPr anchor="ctr"/>
+                </a:tc>
+                <a:tc>
+                  <a:txBody>
+                    <a:bodyPr/>
+                    <a:lstStyle/>
+                    <a:p>
+                      <a:pPr>
+                        <a:buNone/>
+                      </a:pPr>
+                      <a:r>
+                        <a:rPr lang="en-US" sz="1400">
+                          <a:solidFill>
+                            <a:schemeClr val="bg1">
+                              <a:lumMod val="10000"/>
+                            </a:schemeClr>
+                          </a:solidFill>
+                        </a:rPr>
+                        <a:t>Medium-scale</a:t>
+                      </a:r>
+                    </a:p>
+                  </a:txBody>
+                  <a:tcPr anchor="ctr">
+                    <a:lnR w="38100" cmpd="sng">
+                      <a:solidFill>
+                        <a:schemeClr val="tx1"/>
+                      </a:solidFill>
+                      <a:prstDash val="solid"/>
+                    </a:lnR>
+                  </a:tcPr>
+                </a:tc>
+                <a:extLst>
+                  <a:ext uri="{0D108BD9-81ED-4DB2-BD59-A6C34878D82A}">
+                    <a16:rowId xmlns:a16="http://schemas.microsoft.com/office/drawing/2014/main" val="10003"/>
+                  </a:ext>
+                </a:extLst>
+              </a:tr>
+              <a:tr h="454841">
+                <a:tc>
+                  <a:txBody>
+                    <a:bodyPr/>
+                    <a:lstStyle/>
+                    <a:p>
+                      <a:pPr>
+                        <a:buNone/>
+                      </a:pPr>
+                      <a:r>
+                        <a:rPr lang="en-US" sz="1400" b="1"/>
+                        <a:t>Robustness</a:t>
+                      </a:r>
+                      <a:endParaRPr lang="en-US" sz="1400"/>
+                    </a:p>
+                  </a:txBody>
+                  <a:tcPr anchor="ctr">
+                    <a:lnL w="38100" cmpd="sng">
+                      <a:solidFill>
+                        <a:schemeClr val="tx1"/>
+                      </a:solidFill>
+                      <a:prstDash val="solid"/>
+                    </a:lnL>
+                    <a:lnR w="38100" cmpd="sng">
+                      <a:solidFill>
+                        <a:schemeClr val="tx1"/>
+                      </a:solidFill>
+                      <a:prstDash val="solid"/>
+                    </a:lnR>
+                    <a:solidFill>
+                      <a:schemeClr val="accent1"/>
+                    </a:solidFill>
+                  </a:tcPr>
+                </a:tc>
+                <a:tc>
+                  <a:txBody>
+                    <a:bodyPr/>
+                    <a:lstStyle/>
+                    <a:p>
+                      <a:pPr>
+                        <a:buNone/>
+                      </a:pPr>
+                      <a:r>
+                        <a:rPr lang="en-US" sz="1400">
+                          <a:solidFill>
+                            <a:schemeClr val="bg1">
+                              <a:lumMod val="10000"/>
+                            </a:schemeClr>
+                          </a:solidFill>
+                        </a:rPr>
+                        <a:t>Very good</a:t>
+                      </a:r>
+                    </a:p>
+                  </a:txBody>
+                  <a:tcPr anchor="ctr">
+                    <a:lnL w="38100" cmpd="sng">
+                      <a:solidFill>
+                        <a:schemeClr val="tx1"/>
+                      </a:solidFill>
+                      <a:prstDash val="solid"/>
+                    </a:lnL>
+                  </a:tcPr>
+                </a:tc>
+                <a:tc>
+                  <a:txBody>
+                    <a:bodyPr/>
+                    <a:lstStyle/>
+                    <a:p>
+                      <a:pPr>
+                        <a:buNone/>
+                      </a:pPr>
+                      <a:r>
+                        <a:rPr lang="en-US" sz="1400" dirty="0">
+                          <a:solidFill>
+                            <a:schemeClr val="bg1">
+                              <a:lumMod val="10000"/>
+                            </a:schemeClr>
+                          </a:solidFill>
+                        </a:rPr>
+                        <a:t>Good</a:t>
+                      </a:r>
+                    </a:p>
+                  </a:txBody>
+                  <a:tcPr anchor="ctr"/>
+                </a:tc>
+                <a:tc>
+                  <a:txBody>
+                    <a:bodyPr/>
+                    <a:lstStyle/>
+                    <a:p>
+                      <a:pPr>
+                        <a:buNone/>
+                      </a:pPr>
+                      <a:r>
+                        <a:rPr lang="en-US" sz="1400">
+                          <a:solidFill>
+                            <a:schemeClr val="bg1">
+                              <a:lumMod val="10000"/>
+                            </a:schemeClr>
+                          </a:solidFill>
+                        </a:rPr>
+                        <a:t>Moderate</a:t>
+                      </a:r>
+                    </a:p>
+                  </a:txBody>
+                  <a:tcPr anchor="ctr">
+                    <a:lnR w="38100" cmpd="sng">
+                      <a:solidFill>
+                        <a:schemeClr val="tx1"/>
+                      </a:solidFill>
+                      <a:prstDash val="solid"/>
+                    </a:lnR>
+                  </a:tcPr>
+                </a:tc>
+                <a:extLst>
+                  <a:ext uri="{0D108BD9-81ED-4DB2-BD59-A6C34878D82A}">
+                    <a16:rowId xmlns:a16="http://schemas.microsoft.com/office/drawing/2014/main" val="10004"/>
+                  </a:ext>
+                </a:extLst>
+              </a:tr>
+              <a:tr h="549472">
+                <a:tc>
+                  <a:txBody>
+                    <a:bodyPr/>
+                    <a:lstStyle/>
+                    <a:p>
+                      <a:pPr>
+                        <a:buNone/>
+                      </a:pPr>
+                      <a:r>
+                        <a:rPr lang="en-US" sz="1400" b="1"/>
+                        <a:t>Real-time Suitability</a:t>
+                      </a:r>
+                      <a:endParaRPr lang="en-US" sz="1400"/>
+                    </a:p>
+                  </a:txBody>
+                  <a:tcPr anchor="ctr">
+                    <a:lnL w="38100" cmpd="sng">
+                      <a:solidFill>
+                        <a:schemeClr val="tx1"/>
+                      </a:solidFill>
+                      <a:prstDash val="solid"/>
+                    </a:lnL>
+                    <a:lnR w="38100" cmpd="sng">
+                      <a:solidFill>
+                        <a:schemeClr val="tx1"/>
+                      </a:solidFill>
+                      <a:prstDash val="solid"/>
+                    </a:lnR>
+                    <a:solidFill>
+                      <a:schemeClr val="accent1"/>
+                    </a:solidFill>
+                  </a:tcPr>
+                </a:tc>
+                <a:tc>
+                  <a:txBody>
+                    <a:bodyPr/>
+                    <a:lstStyle/>
+                    <a:p>
+                      <a:pPr>
+                        <a:buNone/>
+                      </a:pPr>
+                      <a:r>
+                        <a:rPr lang="en-US" sz="1400">
+                          <a:solidFill>
+                            <a:schemeClr val="bg1">
+                              <a:lumMod val="10000"/>
+                            </a:schemeClr>
+                          </a:solidFill>
+                        </a:rPr>
+                        <a:t>Solver dependent</a:t>
+                      </a:r>
+                    </a:p>
+                  </a:txBody>
+                  <a:tcPr anchor="ctr">
+                    <a:lnL w="38100" cmpd="sng">
+                      <a:solidFill>
+                        <a:schemeClr val="tx1"/>
+                      </a:solidFill>
+                      <a:prstDash val="solid"/>
+                    </a:lnL>
+                  </a:tcPr>
+                </a:tc>
+                <a:tc>
+                  <a:txBody>
+                    <a:bodyPr/>
+                    <a:lstStyle/>
+                    <a:p>
+                      <a:pPr>
+                        <a:buNone/>
+                      </a:pPr>
+                      <a:r>
+                        <a:rPr lang="en-US" sz="1400" dirty="0">
+                          <a:solidFill>
+                            <a:schemeClr val="bg1">
+                              <a:lumMod val="10000"/>
+                            </a:schemeClr>
+                          </a:solidFill>
+                        </a:rPr>
+                        <a:t>Excellent</a:t>
+                      </a:r>
+                    </a:p>
+                  </a:txBody>
+                  <a:tcPr anchor="ctr"/>
+                </a:tc>
+                <a:tc>
+                  <a:txBody>
+                    <a:bodyPr/>
+                    <a:lstStyle/>
+                    <a:p>
+                      <a:pPr>
+                        <a:buNone/>
+                      </a:pPr>
+                      <a:r>
+                        <a:rPr lang="en-US" sz="1400" dirty="0">
+                          <a:solidFill>
+                            <a:schemeClr val="bg1">
+                              <a:lumMod val="10000"/>
+                            </a:schemeClr>
+                          </a:solidFill>
+                        </a:rPr>
+                        <a:t>Good</a:t>
+                      </a:r>
+                    </a:p>
+                  </a:txBody>
+                  <a:tcPr anchor="ctr">
+                    <a:lnR w="38100" cmpd="sng">
+                      <a:solidFill>
+                        <a:schemeClr val="tx1"/>
+                      </a:solidFill>
+                      <a:prstDash val="solid"/>
+                    </a:lnR>
+                  </a:tcPr>
+                </a:tc>
+                <a:extLst>
+                  <a:ext uri="{0D108BD9-81ED-4DB2-BD59-A6C34878D82A}">
+                    <a16:rowId xmlns:a16="http://schemas.microsoft.com/office/drawing/2014/main" val="10005"/>
+                  </a:ext>
+                </a:extLst>
+              </a:tr>
+              <a:tr h="549472">
+                <a:tc>
+                  <a:txBody>
+                    <a:bodyPr/>
+                    <a:lstStyle/>
+                    <a:p>
+                      <a:pPr>
+                        <a:buNone/>
+                      </a:pPr>
+                      <a:r>
+                        <a:rPr lang="en-US" sz="1400" b="1" dirty="0"/>
+                        <a:t>Trajectory Optimization</a:t>
+                      </a:r>
+                      <a:endParaRPr lang="en-US" sz="1400" dirty="0"/>
+                    </a:p>
+                  </a:txBody>
+                  <a:tcPr anchor="ctr">
+                    <a:lnL w="38100" cmpd="sng">
+                      <a:solidFill>
+                        <a:schemeClr val="tx1"/>
+                      </a:solidFill>
+                      <a:prstDash val="solid"/>
+                    </a:lnL>
+                    <a:lnR w="38100" cap="flat" cmpd="sng" algn="ctr">
+                      <a:solidFill>
+                        <a:schemeClr val="tx1"/>
+                      </a:solidFill>
+                      <a:prstDash val="solid"/>
+                      <a:round/>
+                      <a:headEnd type="none" w="med" len="med"/>
+                      <a:tailEnd type="none" w="med" len="med"/>
+                    </a:lnR>
+                    <a:solidFill>
+                      <a:schemeClr val="accent1"/>
+                    </a:solidFill>
+                  </a:tcPr>
+                </a:tc>
+                <a:tc>
+                  <a:txBody>
+                    <a:bodyPr/>
+                    <a:lstStyle/>
+                    <a:p>
+                      <a:pPr>
+                        <a:buNone/>
+                      </a:pPr>
+                      <a:r>
+                        <a:rPr lang="en-US" sz="1400">
+                          <a:solidFill>
+                            <a:schemeClr val="bg1">
+                              <a:lumMod val="10000"/>
+                            </a:schemeClr>
+                          </a:solidFill>
+                        </a:rPr>
+                        <a:t>General purpose</a:t>
+                      </a:r>
+                    </a:p>
+                  </a:txBody>
+                  <a:tcPr anchor="ctr">
+                    <a:lnL w="38100" cap="flat" cmpd="sng" algn="ctr">
+                      <a:solidFill>
+                        <a:schemeClr val="tx1"/>
+                      </a:solidFill>
+                      <a:prstDash val="solid"/>
+                      <a:round/>
+                      <a:headEnd type="none" w="med" len="med"/>
+                      <a:tailEnd type="none" w="med" len="med"/>
+                    </a:lnL>
+                  </a:tcPr>
+                </a:tc>
+                <a:tc>
+                  <a:txBody>
+                    <a:bodyPr/>
+                    <a:lstStyle/>
+                    <a:p>
+                      <a:pPr>
+                        <a:buNone/>
+                      </a:pPr>
+                      <a:r>
+                        <a:rPr lang="en-US" sz="1400">
+                          <a:solidFill>
+                            <a:schemeClr val="bg1">
+                              <a:lumMod val="10000"/>
+                            </a:schemeClr>
+                          </a:solidFill>
+                        </a:rPr>
+                        <a:t>General purpose</a:t>
+                      </a:r>
+                    </a:p>
+                  </a:txBody>
+                  <a:tcPr anchor="ctr"/>
+                </a:tc>
+                <a:tc>
+                  <a:txBody>
+                    <a:bodyPr/>
+                    <a:lstStyle/>
+                    <a:p>
+                      <a:pPr>
+                        <a:buNone/>
+                      </a:pPr>
+                      <a:r>
+                        <a:rPr lang="en-US" sz="1400" dirty="0">
+                          <a:solidFill>
+                            <a:schemeClr val="bg1">
+                              <a:lumMod val="10000"/>
+                            </a:schemeClr>
+                          </a:solidFill>
+                        </a:rPr>
+                        <a:t>Specialized strength</a:t>
+                      </a:r>
+                    </a:p>
+                  </a:txBody>
+                  <a:tcPr anchor="ctr">
+                    <a:lnR w="38100" cmpd="sng">
+                      <a:solidFill>
+                        <a:schemeClr val="tx1"/>
+                      </a:solidFill>
+                      <a:prstDash val="solid"/>
+                    </a:lnR>
+                  </a:tcPr>
+                </a:tc>
+                <a:extLst>
+                  <a:ext uri="{0D108BD9-81ED-4DB2-BD59-A6C34878D82A}">
+                    <a16:rowId xmlns:a16="http://schemas.microsoft.com/office/drawing/2014/main" val="1906906884"/>
+                  </a:ext>
+                </a:extLst>
+              </a:tr>
+              <a:tr h="549472">
+                <a:tc>
+                  <a:txBody>
+                    <a:bodyPr/>
+                    <a:lstStyle/>
+                    <a:p>
+                      <a:pPr>
+                        <a:buNone/>
+                      </a:pPr>
+                      <a:r>
+                        <a:rPr lang="en-GB" sz="1400" b="1" dirty="0"/>
+                        <a:t>Example</a:t>
+                      </a:r>
+                      <a:endParaRPr lang="en-US" sz="1400" b="1" dirty="0"/>
+                    </a:p>
+                  </a:txBody>
+                  <a:tcPr anchor="ctr">
+                    <a:lnL w="38100" cmpd="sng">
+                      <a:solidFill>
+                        <a:schemeClr val="tx1"/>
+                      </a:solidFill>
+                      <a:prstDash val="solid"/>
+                    </a:lnL>
+                    <a:lnR w="38100" cap="flat" cmpd="sng" algn="ctr">
+                      <a:solidFill>
+                        <a:schemeClr val="tx1"/>
+                      </a:solidFill>
+                      <a:prstDash val="solid"/>
+                      <a:round/>
+                      <a:headEnd type="none" w="med" len="med"/>
+                      <a:tailEnd type="none" w="med" len="med"/>
+                    </a:lnR>
+                    <a:lnB w="38100" cmpd="sng">
+                      <a:solidFill>
+                        <a:schemeClr val="tx1"/>
+                      </a:solidFill>
+                      <a:prstDash val="solid"/>
+                    </a:lnB>
+                    <a:solidFill>
+                      <a:schemeClr val="accent1"/>
+                    </a:solidFill>
+                  </a:tcPr>
+                </a:tc>
+                <a:tc>
+                  <a:txBody>
+                    <a:bodyPr/>
+                    <a:lstStyle/>
+                    <a:p>
+                      <a:pPr>
+                        <a:buNone/>
+                      </a:pPr>
+                      <a:r>
+                        <a:rPr lang="en-GB" sz="1400" dirty="0">
+                          <a:solidFill>
+                            <a:schemeClr val="bg1">
+                              <a:lumMod val="10000"/>
+                            </a:schemeClr>
+                          </a:solidFill>
+                        </a:rPr>
+                        <a:t>IPOPT, </a:t>
+                      </a:r>
+                      <a:r>
+                        <a:rPr lang="en-GB" sz="1400" dirty="0" err="1">
+                          <a:solidFill>
+                            <a:schemeClr val="bg1">
+                              <a:lumMod val="10000"/>
+                            </a:schemeClr>
+                          </a:solidFill>
+                        </a:rPr>
+                        <a:t>Fatrop</a:t>
+                      </a:r>
+                      <a:endParaRPr lang="en-US" sz="1400" dirty="0">
+                        <a:solidFill>
+                          <a:schemeClr val="bg1">
+                            <a:lumMod val="10000"/>
+                          </a:schemeClr>
+                        </a:solidFill>
+                      </a:endParaRPr>
+                    </a:p>
+                  </a:txBody>
+                  <a:tcPr anchor="ctr">
+                    <a:lnL w="38100" cap="flat" cmpd="sng" algn="ctr">
+                      <a:solidFill>
+                        <a:schemeClr val="tx1"/>
+                      </a:solidFill>
+                      <a:prstDash val="solid"/>
+                      <a:round/>
+                      <a:headEnd type="none" w="med" len="med"/>
+                      <a:tailEnd type="none" w="med" len="med"/>
+                    </a:lnL>
+                    <a:lnB w="38100" cmpd="sng">
+                      <a:solidFill>
+                        <a:schemeClr val="tx1"/>
+                      </a:solidFill>
+                      <a:prstDash val="solid"/>
+                    </a:lnB>
+                  </a:tcPr>
+                </a:tc>
+                <a:tc>
+                  <a:txBody>
+                    <a:bodyPr/>
+                    <a:lstStyle/>
+                    <a:p>
+                      <a:pPr>
+                        <a:buNone/>
+                      </a:pPr>
+                      <a:r>
+                        <a:rPr lang="en-GB" sz="1400" dirty="0">
+                          <a:solidFill>
+                            <a:schemeClr val="bg1">
+                              <a:lumMod val="10000"/>
+                            </a:schemeClr>
+                          </a:solidFill>
+                        </a:rPr>
+                        <a:t>QRSQP, SNOPT</a:t>
+                      </a:r>
+                      <a:endParaRPr lang="en-US" sz="1400" dirty="0">
+                        <a:solidFill>
+                          <a:schemeClr val="bg1">
+                            <a:lumMod val="10000"/>
+                          </a:schemeClr>
+                        </a:solidFill>
+                      </a:endParaRPr>
+                    </a:p>
+                  </a:txBody>
+                  <a:tcPr anchor="ctr">
+                    <a:lnB w="38100" cmpd="sng">
+                      <a:solidFill>
+                        <a:schemeClr val="tx1"/>
+                      </a:solidFill>
+                      <a:prstDash val="solid"/>
+                    </a:lnB>
+                  </a:tcPr>
+                </a:tc>
+                <a:tc>
+                  <a:txBody>
+                    <a:bodyPr/>
+                    <a:lstStyle/>
+                    <a:p>
+                      <a:pPr>
+                        <a:buNone/>
+                      </a:pPr>
+                      <a:r>
+                        <a:rPr lang="en-GB" sz="1400" dirty="0" err="1">
+                          <a:solidFill>
+                            <a:schemeClr val="bg1">
+                              <a:lumMod val="10000"/>
+                            </a:schemeClr>
+                          </a:solidFill>
+                        </a:rPr>
+                        <a:t>SCPGen</a:t>
+                      </a:r>
+                      <a:endParaRPr lang="en-US" sz="1400" dirty="0">
+                        <a:solidFill>
+                          <a:schemeClr val="bg1">
+                            <a:lumMod val="10000"/>
+                          </a:schemeClr>
+                        </a:solidFill>
+                      </a:endParaRPr>
+                    </a:p>
+                  </a:txBody>
+                  <a:tcPr anchor="ctr">
                     <a:lnR w="38100" cmpd="sng">
                       <a:solidFill>
                         <a:schemeClr val="tx1"/>
@@ -11993,175 +13536,589 @@
                     </a:lnB>
                   </a:tcPr>
                 </a:tc>
-                <a:tc>
-                  <a:txBody>
-                    <a:bodyPr/>
-                    <a:p>
-                      <a:pPr>
-                        <a:buNone/>
-                      </a:pPr>
-                      <a:r>
-                        <a:rPr lang="en-US" sz="1200">
-                          <a:solidFill>
-                            <a:srgbClr val="000000"/>
-                          </a:solidFill>
-                          <a:cs typeface="+mn-lt"/>
-                        </a:rPr>
-                        <a:t>Real-time capable</a:t>
-                      </a:r>
-                      <a:endParaRPr lang="en-US" sz="1200">
-                        <a:solidFill>
-                          <a:srgbClr val="000000"/>
-                        </a:solidFill>
-                        <a:cs typeface="+mn-lt"/>
-                      </a:endParaRPr>
-                    </a:p>
-                  </a:txBody>
-                  <a:tcPr anchor="ctr" anchorCtr="0">
-                    <a:lnL w="38100" cmpd="sng">
-                      <a:solidFill>
-                        <a:schemeClr val="tx1"/>
-                      </a:solidFill>
-                      <a:prstDash val="solid"/>
-                    </a:lnL>
-                    <a:lnB w="38100" cmpd="sng">
-                      <a:solidFill>
-                        <a:schemeClr val="tx1"/>
-                      </a:solidFill>
-                      <a:prstDash val="solid"/>
-                    </a:lnB>
-                  </a:tcPr>
-                </a:tc>
-                <a:tc>
-                  <a:txBody>
-                    <a:bodyPr/>
-                    <a:p>
-                      <a:pPr>
-                        <a:buNone/>
-                      </a:pPr>
-                      <a:r>
-                        <a:rPr lang="en-US" sz="1200">
-                          <a:solidFill>
-                            <a:srgbClr val="000000"/>
-                          </a:solidFill>
-                          <a:cs typeface="+mn-lt"/>
-                        </a:rPr>
-                        <a:t>Slow</a:t>
-                      </a:r>
-                      <a:endParaRPr lang="en-US" sz="1200">
-                        <a:solidFill>
-                          <a:srgbClr val="000000"/>
-                        </a:solidFill>
-                        <a:cs typeface="+mn-lt"/>
-                      </a:endParaRPr>
-                    </a:p>
-                  </a:txBody>
-                  <a:tcPr anchor="ctr" anchorCtr="0">
-                    <a:lnR w="38100" cmpd="sng">
-                      <a:solidFill>
-                        <a:schemeClr val="tx1"/>
-                      </a:solidFill>
-                      <a:prstDash val="solid"/>
-                    </a:lnR>
-                    <a:lnB w="38100" cmpd="sng">
-                      <a:solidFill>
-                        <a:schemeClr val="tx1"/>
-                      </a:solidFill>
-                      <a:prstDash val="solid"/>
-                    </a:lnB>
-                  </a:tcPr>
-                </a:tc>
-                <a:tc>
-                  <a:txBody>
-                    <a:bodyPr/>
-                    <a:p>
-                      <a:pPr>
-                        <a:buNone/>
-                      </a:pPr>
-                      <a:endParaRPr lang="en-US" sz="1200">
-                        <a:solidFill>
-                          <a:srgbClr val="000000"/>
-                        </a:solidFill>
-                        <a:cs typeface="+mn-lt"/>
-                      </a:endParaRPr>
-                    </a:p>
-                  </a:txBody>
-                  <a:tcPr anchor="ctr" anchorCtr="0">
-                    <a:lnR w="12700">
-                      <a:solidFill>
-                        <a:schemeClr val="tx1"/>
-                      </a:solidFill>
-                      <a:prstDash val="solid"/>
-                    </a:lnR>
-                    <a:lnB w="38100" cmpd="sng">
-                      <a:solidFill>
-                        <a:schemeClr val="tx1"/>
-                      </a:solidFill>
-                      <a:prstDash val="solid"/>
-                    </a:lnB>
-                  </a:tcPr>
-                </a:tc>
-                <a:tc>
-                  <a:txBody>
-                    <a:bodyPr/>
-                    <a:p>
-                      <a:pPr>
-                        <a:buNone/>
-                      </a:pPr>
-                      <a:endParaRPr lang="en-US" sz="1200">
-                        <a:solidFill>
-                          <a:srgbClr val="000000"/>
-                        </a:solidFill>
-                        <a:cs typeface="+mn-lt"/>
-                      </a:endParaRPr>
-                    </a:p>
-                  </a:txBody>
-                  <a:tcPr anchor="ctr" anchorCtr="0">
-                    <a:lnL w="12700">
-                      <a:solidFill>
-                        <a:schemeClr val="tx1"/>
-                      </a:solidFill>
-                      <a:prstDash val="solid"/>
-                    </a:lnL>
-                    <a:lnR w="38100" cmpd="sng">
-                      <a:solidFill>
-                        <a:schemeClr val="tx1"/>
-                      </a:solidFill>
-                      <a:prstDash val="solid"/>
-                    </a:lnR>
-                    <a:lnB w="38100" cmpd="sng">
-                      <a:solidFill>
-                        <a:schemeClr val="tx1"/>
-                      </a:solidFill>
-                      <a:prstDash val="solid"/>
-                    </a:lnB>
-                  </a:tcPr>
-                </a:tc>
+                <a:extLst>
+                  <a:ext uri="{0D108BD9-81ED-4DB2-BD59-A6C34878D82A}">
+                    <a16:rowId xmlns:a16="http://schemas.microsoft.com/office/drawing/2014/main" val="659358457"/>
+                  </a:ext>
+                </a:extLst>
               </a:tr>
             </a:tbl>
           </a:graphicData>
         </a:graphic>
       </p:graphicFrame>
     </p:spTree>
+    <p:extLst>
+      <p:ext uri="{BB962C8B-B14F-4D97-AF65-F5344CB8AC3E}">
+        <p14:creationId xmlns:p14="http://schemas.microsoft.com/office/powerpoint/2010/main" val="3097009409"/>
+      </p:ext>
+    </p:extLst>
   </p:cSld>
   <p:clrMapOvr>
     <a:masterClrMapping/>
   </p:clrMapOvr>
-  <mc:AlternateContent xmlns:mc="http://schemas.openxmlformats.org/markup-compatibility/2006">
-    <mc:Choice xmlns:p14="http://schemas.microsoft.com/office/powerpoint/2010/main" Requires="p14">
-      <p:transition spd="slow" p14:dur="2000"/>
-    </mc:Choice>
-    <mc:Fallback>
-      <p:transition spd="slow"/>
-    </mc:Fallback>
-  </mc:AlternateContent>
-  <p:timing>
-    <p:tnLst>
-      <p:par>
-        <p:cTn id="1" dur="indefinite" restart="never" nodeType="tmRoot"/>
-      </p:par>
-    </p:tnLst>
-  </p:timing>
+</p:sld>
+</file>
+
+<file path=ppt/slides/slide8.xml><?xml version="1.0" encoding="utf-8"?>
+<p:sld xmlns:a="http://schemas.openxmlformats.org/drawingml/2006/main" xmlns:r="http://schemas.openxmlformats.org/officeDocument/2006/relationships" xmlns:p="http://schemas.openxmlformats.org/presentationml/2006/main">
+  <p:cSld>
+    <p:spTree>
+      <p:nvGrpSpPr>
+        <p:cNvPr id="1" name="">
+          <a:extLst>
+            <a:ext uri="{FF2B5EF4-FFF2-40B4-BE49-F238E27FC236}">
+              <a16:creationId xmlns:a16="http://schemas.microsoft.com/office/drawing/2014/main" id="{A5340F2D-FAD1-B3E3-2B01-6DC816796595}"/>
+            </a:ext>
+          </a:extLst>
+        </p:cNvPr>
+        <p:cNvGrpSpPr/>
+        <p:nvPr/>
+      </p:nvGrpSpPr>
+      <p:grpSpPr>
+        <a:xfrm>
+          <a:off x="0" y="0"/>
+          <a:ext cx="0" cy="0"/>
+          <a:chOff x="0" y="0"/>
+          <a:chExt cx="0" cy="0"/>
+        </a:xfrm>
+      </p:grpSpPr>
+      <p:sp>
+        <p:nvSpPr>
+          <p:cNvPr id="3" name="Date Placeholder 2">
+            <a:extLst>
+              <a:ext uri="{FF2B5EF4-FFF2-40B4-BE49-F238E27FC236}">
+                <a16:creationId xmlns:a16="http://schemas.microsoft.com/office/drawing/2014/main" id="{30A02ECD-2DA8-8AB0-FE38-15A050E8A0D2}"/>
+              </a:ext>
+            </a:extLst>
+          </p:cNvPr>
+          <p:cNvSpPr>
+            <a:spLocks noGrp="1"/>
+          </p:cNvSpPr>
+          <p:nvPr>
+            <p:ph type="dt" sz="half" idx="10"/>
+          </p:nvPr>
+        </p:nvSpPr>
+        <p:spPr/>
+        <p:txBody>
+          <a:bodyPr/>
+          <a:lstStyle/>
+          <a:p>
+            <a:fld id="{760FBDFE-C587-4B4C-A407-44438C67B59E}" type="datetime1">
+              <a:rPr lang="en-US" altLang="en-US" smtClean="0"/>
+              <a:t>9/22/2025</a:t>
+            </a:fld>
+            <a:endParaRPr lang="zh-CN" altLang="en-US"/>
+          </a:p>
+        </p:txBody>
+      </p:sp>
+      <p:sp>
+        <p:nvSpPr>
+          <p:cNvPr id="12" name="Slide Number Placeholder 11">
+            <a:extLst>
+              <a:ext uri="{FF2B5EF4-FFF2-40B4-BE49-F238E27FC236}">
+                <a16:creationId xmlns:a16="http://schemas.microsoft.com/office/drawing/2014/main" id="{599AE855-CD37-F722-CB26-0787503F44A9}"/>
+              </a:ext>
+            </a:extLst>
+          </p:cNvPr>
+          <p:cNvSpPr>
+            <a:spLocks noGrp="1"/>
+          </p:cNvSpPr>
+          <p:nvPr>
+            <p:ph type="sldNum" sz="quarter" idx="12"/>
+          </p:nvPr>
+        </p:nvSpPr>
+        <p:spPr/>
+        <p:txBody>
+          <a:bodyPr/>
+          <a:lstStyle/>
+          <a:p>
+            <a:fld id="{49AE70B2-8BF9-45C0-BB95-33D1B9D3A854}" type="slidenum">
+              <a:rPr lang="zh-CN" altLang="en-US" smtClean="0"/>
+              <a:t>8</a:t>
+            </a:fld>
+            <a:endParaRPr lang="zh-CN" altLang="en-US"/>
+          </a:p>
+        </p:txBody>
+      </p:sp>
+      <p:sp>
+        <p:nvSpPr>
+          <p:cNvPr id="13" name="Footer Placeholder 12">
+            <a:extLst>
+              <a:ext uri="{FF2B5EF4-FFF2-40B4-BE49-F238E27FC236}">
+                <a16:creationId xmlns:a16="http://schemas.microsoft.com/office/drawing/2014/main" id="{A73E88AF-F7E8-8BB4-2140-11558487E401}"/>
+              </a:ext>
+            </a:extLst>
+          </p:cNvPr>
+          <p:cNvSpPr>
+            <a:spLocks noGrp="1"/>
+          </p:cNvSpPr>
+          <p:nvPr>
+            <p:ph type="ftr" sz="quarter" idx="11"/>
+          </p:nvPr>
+        </p:nvSpPr>
+        <p:spPr/>
+        <p:txBody>
+          <a:bodyPr/>
+          <a:lstStyle/>
+          <a:p>
+            <a:r>
+              <a:rPr lang="de-DE" altLang="zh-CN">
+                <a:sym typeface="+mn-ea"/>
+              </a:rPr>
+              <a:t>Real-Time Time-Optimal Spacecraft Attitude Control</a:t>
+            </a:r>
+            <a:endParaRPr lang="zh-CN" altLang="en-US"/>
+          </a:p>
+        </p:txBody>
+      </p:sp>
+      <p:sp>
+        <p:nvSpPr>
+          <p:cNvPr id="2" name="Title 1">
+            <a:extLst>
+              <a:ext uri="{FF2B5EF4-FFF2-40B4-BE49-F238E27FC236}">
+                <a16:creationId xmlns:a16="http://schemas.microsoft.com/office/drawing/2014/main" id="{923A6CD2-966D-643E-6C4E-193AFD6B603D}"/>
+              </a:ext>
+            </a:extLst>
+          </p:cNvPr>
+          <p:cNvSpPr>
+            <a:spLocks noGrp="1"/>
+          </p:cNvSpPr>
+          <p:nvPr>
+            <p:ph type="title"/>
+          </p:nvPr>
+        </p:nvSpPr>
+        <p:spPr/>
+        <p:txBody>
+          <a:bodyPr/>
+          <a:lstStyle/>
+          <a:p>
+            <a:r>
+              <a:rPr lang="de-DE" altLang="en-US" sz="4400" dirty="0">
+                <a:latin typeface="Arial Black" panose="020B0A04020102020204" charset="0"/>
+                <a:cs typeface="Arial Black" panose="020B0A04020102020204" charset="0"/>
+              </a:rPr>
+              <a:t>Implementation</a:t>
+            </a:r>
+          </a:p>
+        </p:txBody>
+      </p:sp>
+      <p:sp>
+        <p:nvSpPr>
+          <p:cNvPr id="5" name="Text Box 4">
+            <a:extLst>
+              <a:ext uri="{FF2B5EF4-FFF2-40B4-BE49-F238E27FC236}">
+                <a16:creationId xmlns:a16="http://schemas.microsoft.com/office/drawing/2014/main" id="{846B2BF5-F375-36BA-B731-711F39E10729}"/>
+              </a:ext>
+            </a:extLst>
+          </p:cNvPr>
+          <p:cNvSpPr txBox="1"/>
+          <p:nvPr/>
+        </p:nvSpPr>
+        <p:spPr>
+          <a:xfrm>
+            <a:off x="647700" y="1762125"/>
+            <a:ext cx="5787390" cy="2222403"/>
+          </a:xfrm>
+          <a:prstGeom prst="rect">
+            <a:avLst/>
+          </a:prstGeom>
+          <a:noFill/>
+        </p:spPr>
+        <p:txBody>
+          <a:bodyPr wrap="square" rtlCol="0">
+            <a:spAutoFit/>
+          </a:bodyPr>
+          <a:lstStyle/>
+          <a:p>
+            <a:pPr marL="800100" lvl="1" indent="-342900">
+              <a:lnSpc>
+                <a:spcPct val="200000"/>
+              </a:lnSpc>
+              <a:buFont typeface="+mj-lt"/>
+              <a:buAutoNum type="arabicPeriod" startAt="3"/>
+            </a:pPr>
+            <a:r>
+              <a:rPr lang="en-US" altLang="de-DE" dirty="0">
+                <a:latin typeface="+mn-ea"/>
+                <a:cs typeface="+mn-ea"/>
+              </a:rPr>
+              <a:t>Initial guess:</a:t>
+            </a:r>
+          </a:p>
+          <a:p>
+            <a:pPr marL="1257300" lvl="2" indent="-342900">
+              <a:lnSpc>
+                <a:spcPct val="200000"/>
+              </a:lnSpc>
+              <a:buFont typeface="Arial" panose="020B0604020202020204" pitchFamily="34" charset="0"/>
+              <a:buChar char="•"/>
+            </a:pPr>
+            <a:r>
+              <a:rPr lang="en-US" altLang="de-DE" dirty="0">
+                <a:latin typeface="+mn-ea"/>
+                <a:cs typeface="+mn-ea"/>
+              </a:rPr>
+              <a:t>Single general initial guess</a:t>
+            </a:r>
+          </a:p>
+          <a:p>
+            <a:pPr marL="1257300" lvl="2" indent="-342900">
+              <a:lnSpc>
+                <a:spcPct val="200000"/>
+              </a:lnSpc>
+              <a:buFont typeface="Arial" panose="020B0604020202020204" pitchFamily="34" charset="0"/>
+              <a:buChar char="•"/>
+            </a:pPr>
+            <a:r>
+              <a:rPr lang="en-US" altLang="de-DE" dirty="0">
+                <a:latin typeface="+mn-ea"/>
+                <a:cs typeface="+mn-ea"/>
+              </a:rPr>
+              <a:t>Initial guess library</a:t>
+            </a:r>
+          </a:p>
+          <a:p>
+            <a:pPr marL="1257300" lvl="2" indent="-342900">
+              <a:lnSpc>
+                <a:spcPct val="200000"/>
+              </a:lnSpc>
+              <a:buFont typeface="Arial" panose="020B0604020202020204" pitchFamily="34" charset="0"/>
+              <a:buChar char="•"/>
+            </a:pPr>
+            <a:r>
+              <a:rPr lang="en-US" altLang="de-DE" dirty="0">
+                <a:latin typeface="+mn-ea"/>
+                <a:cs typeface="+mn-ea"/>
+              </a:rPr>
+              <a:t>Initial guess algorithm - PSO</a:t>
+            </a:r>
+          </a:p>
+        </p:txBody>
+      </p:sp>
+      <p:pic>
+        <p:nvPicPr>
+          <p:cNvPr id="2050" name="Picture 2">
+            <a:extLst>
+              <a:ext uri="{FF2B5EF4-FFF2-40B4-BE49-F238E27FC236}">
+                <a16:creationId xmlns:a16="http://schemas.microsoft.com/office/drawing/2014/main" id="{93CB5031-10B4-6F17-DB14-82DE4F97AC06}"/>
+              </a:ext>
+            </a:extLst>
+          </p:cNvPr>
+          <p:cNvPicPr>
+            <a:picLocks noChangeAspect="1" noChangeArrowheads="1"/>
+          </p:cNvPicPr>
+          <p:nvPr/>
+        </p:nvPicPr>
+        <p:blipFill>
+          <a:blip r:embed="rId2">
+            <a:extLst>
+              <a:ext uri="{28A0092B-C50C-407E-A947-70E740481C1C}">
+                <a14:useLocalDpi xmlns:a14="http://schemas.microsoft.com/office/drawing/2010/main" val="0"/>
+              </a:ext>
+            </a:extLst>
+          </a:blip>
+          <a:srcRect/>
+          <a:stretch>
+            <a:fillRect/>
+          </a:stretch>
+        </p:blipFill>
+        <p:spPr bwMode="auto">
+          <a:xfrm>
+            <a:off x="6435090" y="1974354"/>
+            <a:ext cx="4728210" cy="3555614"/>
+          </a:xfrm>
+          <a:prstGeom prst="rect">
+            <a:avLst/>
+          </a:prstGeom>
+          <a:noFill/>
+          <a:extLst>
+            <a:ext uri="{909E8E84-426E-40DD-AFC4-6F175D3DCCD1}">
+              <a14:hiddenFill xmlns:a14="http://schemas.microsoft.com/office/drawing/2010/main">
+                <a:solidFill>
+                  <a:srgbClr val="FFFFFF"/>
+                </a:solidFill>
+              </a14:hiddenFill>
+            </a:ext>
+          </a:extLst>
+        </p:spPr>
+      </p:pic>
+      <p:sp>
+        <p:nvSpPr>
+          <p:cNvPr id="10" name="TextBox 9">
+            <a:extLst>
+              <a:ext uri="{FF2B5EF4-FFF2-40B4-BE49-F238E27FC236}">
+                <a16:creationId xmlns:a16="http://schemas.microsoft.com/office/drawing/2014/main" id="{93F3E41E-0A24-DD02-CF8F-810EF2D17DAB}"/>
+              </a:ext>
+            </a:extLst>
+          </p:cNvPr>
+          <p:cNvSpPr txBox="1"/>
+          <p:nvPr/>
+        </p:nvSpPr>
+        <p:spPr>
+          <a:xfrm>
+            <a:off x="6343650" y="5529968"/>
+            <a:ext cx="4819650" cy="646331"/>
+          </a:xfrm>
+          <a:prstGeom prst="rect">
+            <a:avLst/>
+          </a:prstGeom>
+          <a:noFill/>
+        </p:spPr>
+        <p:txBody>
+          <a:bodyPr wrap="square">
+            <a:spAutoFit/>
+          </a:bodyPr>
+          <a:lstStyle/>
+          <a:p>
+            <a:r>
+              <a:rPr lang="en-GB" b="0" i="0" dirty="0">
+                <a:solidFill>
+                  <a:schemeClr val="bg1"/>
+                </a:solidFill>
+                <a:effectLst/>
+                <a:latin typeface="Arial" panose="020B0604020202020204" pitchFamily="34" charset="0"/>
+              </a:rPr>
+              <a:t>A particle swarm searching for the </a:t>
+            </a:r>
+            <a:r>
+              <a:rPr lang="en-GB" b="0" i="0" strike="noStrike" dirty="0">
+                <a:solidFill>
+                  <a:schemeClr val="bg1"/>
+                </a:solidFill>
+                <a:effectLst/>
+                <a:latin typeface="Arial" panose="020B0604020202020204" pitchFamily="34" charset="0"/>
+              </a:rPr>
+              <a:t>global minimum </a:t>
+            </a:r>
+            <a:r>
+              <a:rPr lang="en-GB" b="0" i="0" dirty="0">
+                <a:solidFill>
+                  <a:schemeClr val="bg1"/>
+                </a:solidFill>
+                <a:effectLst/>
+                <a:latin typeface="Arial" panose="020B0604020202020204" pitchFamily="34" charset="0"/>
+              </a:rPr>
+              <a:t>of a function</a:t>
+            </a:r>
+            <a:endParaRPr lang="en-US" dirty="0">
+              <a:solidFill>
+                <a:schemeClr val="bg1"/>
+              </a:solidFill>
+            </a:endParaRPr>
+          </a:p>
+        </p:txBody>
+      </p:sp>
+    </p:spTree>
+    <p:extLst>
+      <p:ext uri="{BB962C8B-B14F-4D97-AF65-F5344CB8AC3E}">
+        <p14:creationId xmlns:p14="http://schemas.microsoft.com/office/powerpoint/2010/main" val="1970748627"/>
+      </p:ext>
+    </p:extLst>
+  </p:cSld>
+  <p:clrMapOvr>
+    <a:masterClrMapping/>
+  </p:clrMapOvr>
+</p:sld>
+</file>
+
+<file path=ppt/slides/slide9.xml><?xml version="1.0" encoding="utf-8"?>
+<p:sld xmlns:a="http://schemas.openxmlformats.org/drawingml/2006/main" xmlns:r="http://schemas.openxmlformats.org/officeDocument/2006/relationships" xmlns:p="http://schemas.openxmlformats.org/presentationml/2006/main">
+  <p:cSld>
+    <p:spTree>
+      <p:nvGrpSpPr>
+        <p:cNvPr id="1" name="">
+          <a:extLst>
+            <a:ext uri="{FF2B5EF4-FFF2-40B4-BE49-F238E27FC236}">
+              <a16:creationId xmlns:a16="http://schemas.microsoft.com/office/drawing/2014/main" id="{A39486B6-624E-F7E7-C5C4-B24EB97B5826}"/>
+            </a:ext>
+          </a:extLst>
+        </p:cNvPr>
+        <p:cNvGrpSpPr/>
+        <p:nvPr/>
+      </p:nvGrpSpPr>
+      <p:grpSpPr>
+        <a:xfrm>
+          <a:off x="0" y="0"/>
+          <a:ext cx="0" cy="0"/>
+          <a:chOff x="0" y="0"/>
+          <a:chExt cx="0" cy="0"/>
+        </a:xfrm>
+      </p:grpSpPr>
+      <p:sp>
+        <p:nvSpPr>
+          <p:cNvPr id="3" name="Date Placeholder 2">
+            <a:extLst>
+              <a:ext uri="{FF2B5EF4-FFF2-40B4-BE49-F238E27FC236}">
+                <a16:creationId xmlns:a16="http://schemas.microsoft.com/office/drawing/2014/main" id="{8DB353AD-179A-4376-5BC6-3965EB4FDB30}"/>
+              </a:ext>
+            </a:extLst>
+          </p:cNvPr>
+          <p:cNvSpPr>
+            <a:spLocks noGrp="1"/>
+          </p:cNvSpPr>
+          <p:nvPr>
+            <p:ph type="dt" sz="half" idx="10"/>
+          </p:nvPr>
+        </p:nvSpPr>
+        <p:spPr/>
+        <p:txBody>
+          <a:bodyPr/>
+          <a:lstStyle/>
+          <a:p>
+            <a:fld id="{760FBDFE-C587-4B4C-A407-44438C67B59E}" type="datetime1">
+              <a:rPr lang="en-US" altLang="en-US" smtClean="0"/>
+              <a:t>9/22/2025</a:t>
+            </a:fld>
+            <a:endParaRPr lang="zh-CN" altLang="en-US"/>
+          </a:p>
+        </p:txBody>
+      </p:sp>
+      <p:sp>
+        <p:nvSpPr>
+          <p:cNvPr id="12" name="Slide Number Placeholder 11">
+            <a:extLst>
+              <a:ext uri="{FF2B5EF4-FFF2-40B4-BE49-F238E27FC236}">
+                <a16:creationId xmlns:a16="http://schemas.microsoft.com/office/drawing/2014/main" id="{DF71BD74-1FDA-AA98-4BC3-A248FD33C6BA}"/>
+              </a:ext>
+            </a:extLst>
+          </p:cNvPr>
+          <p:cNvSpPr>
+            <a:spLocks noGrp="1"/>
+          </p:cNvSpPr>
+          <p:nvPr>
+            <p:ph type="sldNum" sz="quarter" idx="12"/>
+          </p:nvPr>
+        </p:nvSpPr>
+        <p:spPr/>
+        <p:txBody>
+          <a:bodyPr/>
+          <a:lstStyle/>
+          <a:p>
+            <a:fld id="{49AE70B2-8BF9-45C0-BB95-33D1B9D3A854}" type="slidenum">
+              <a:rPr lang="zh-CN" altLang="en-US" smtClean="0"/>
+              <a:t>9</a:t>
+            </a:fld>
+            <a:endParaRPr lang="zh-CN" altLang="en-US"/>
+          </a:p>
+        </p:txBody>
+      </p:sp>
+      <p:sp>
+        <p:nvSpPr>
+          <p:cNvPr id="13" name="Footer Placeholder 12">
+            <a:extLst>
+              <a:ext uri="{FF2B5EF4-FFF2-40B4-BE49-F238E27FC236}">
+                <a16:creationId xmlns:a16="http://schemas.microsoft.com/office/drawing/2014/main" id="{537945EC-05D8-8B82-FD01-A106D1B757E4}"/>
+              </a:ext>
+            </a:extLst>
+          </p:cNvPr>
+          <p:cNvSpPr>
+            <a:spLocks noGrp="1"/>
+          </p:cNvSpPr>
+          <p:nvPr>
+            <p:ph type="ftr" sz="quarter" idx="11"/>
+          </p:nvPr>
+        </p:nvSpPr>
+        <p:spPr/>
+        <p:txBody>
+          <a:bodyPr/>
+          <a:lstStyle/>
+          <a:p>
+            <a:r>
+              <a:rPr lang="de-DE" altLang="zh-CN">
+                <a:sym typeface="+mn-ea"/>
+              </a:rPr>
+              <a:t>Real-Time Time-Optimal Spacecraft Attitude Control</a:t>
+            </a:r>
+            <a:endParaRPr lang="zh-CN" altLang="en-US"/>
+          </a:p>
+        </p:txBody>
+      </p:sp>
+      <p:sp>
+        <p:nvSpPr>
+          <p:cNvPr id="2" name="Title 1">
+            <a:extLst>
+              <a:ext uri="{FF2B5EF4-FFF2-40B4-BE49-F238E27FC236}">
+                <a16:creationId xmlns:a16="http://schemas.microsoft.com/office/drawing/2014/main" id="{B70246C4-4BD2-C2C4-165A-A7BCCFC0813A}"/>
+              </a:ext>
+            </a:extLst>
+          </p:cNvPr>
+          <p:cNvSpPr>
+            <a:spLocks noGrp="1"/>
+          </p:cNvSpPr>
+          <p:nvPr>
+            <p:ph type="title"/>
+          </p:nvPr>
+        </p:nvSpPr>
+        <p:spPr/>
+        <p:txBody>
+          <a:bodyPr/>
+          <a:lstStyle/>
+          <a:p>
+            <a:r>
+              <a:rPr lang="de-DE" altLang="en-US" sz="4400" dirty="0">
+                <a:latin typeface="Arial Black" panose="020B0A04020102020204" charset="0"/>
+                <a:cs typeface="Arial Black" panose="020B0A04020102020204" charset="0"/>
+              </a:rPr>
+              <a:t>Results</a:t>
+            </a:r>
+          </a:p>
+        </p:txBody>
+      </p:sp>
+      <p:sp>
+        <p:nvSpPr>
+          <p:cNvPr id="5" name="Text Box 4">
+            <a:extLst>
+              <a:ext uri="{FF2B5EF4-FFF2-40B4-BE49-F238E27FC236}">
+                <a16:creationId xmlns:a16="http://schemas.microsoft.com/office/drawing/2014/main" id="{B2DCBF9F-0524-BA02-4DD5-7927E71E76E9}"/>
+              </a:ext>
+            </a:extLst>
+          </p:cNvPr>
+          <p:cNvSpPr txBox="1"/>
+          <p:nvPr/>
+        </p:nvSpPr>
+        <p:spPr>
+          <a:xfrm>
+            <a:off x="647700" y="1762125"/>
+            <a:ext cx="6860540" cy="560410"/>
+          </a:xfrm>
+          <a:prstGeom prst="rect">
+            <a:avLst/>
+          </a:prstGeom>
+          <a:noFill/>
+        </p:spPr>
+        <p:txBody>
+          <a:bodyPr wrap="square" rtlCol="0">
+            <a:spAutoFit/>
+          </a:bodyPr>
+          <a:lstStyle/>
+          <a:p>
+            <a:pPr marL="800100" lvl="1" indent="-342900">
+              <a:lnSpc>
+                <a:spcPct val="200000"/>
+              </a:lnSpc>
+              <a:buFont typeface="+mj-lt"/>
+              <a:buAutoNum type="arabicPeriod" startAt="2"/>
+            </a:pPr>
+            <a:r>
+              <a:rPr lang="en-US" altLang="de-DE" dirty="0">
+                <a:latin typeface="+mn-ea"/>
+                <a:cs typeface="+mn-ea"/>
+              </a:rPr>
+              <a:t>NLP Solvers:</a:t>
+            </a:r>
+          </a:p>
+        </p:txBody>
+      </p:sp>
+    </p:spTree>
+    <p:extLst>
+      <p:ext uri="{BB962C8B-B14F-4D97-AF65-F5344CB8AC3E}">
+        <p14:creationId xmlns:p14="http://schemas.microsoft.com/office/powerpoint/2010/main" val="1362119057"/>
+      </p:ext>
+    </p:extLst>
+  </p:cSld>
+  <p:clrMapOvr>
+    <a:masterClrMapping/>
+  </p:clrMapOvr>
 </p:sld>
 </file>
 
@@ -12416,6 +14373,8 @@
       </a:bgFillStyleLst>
     </a:fmtScheme>
   </a:themeElements>
+  <a:objectDefaults/>
+  <a:extraClrSchemeLst/>
   <a:extLst>
     <a:ext uri="{05A4C25C-085E-4340-85A3-A5531E510DB2}">
       <thm15:themeFamily xmlns:thm15="http://schemas.microsoft.com/office/thememl/2012/main" name="Office Theme" id="{62F939B6-93AF-4DB8-9C6B-D6C7DFDC589F}" vid="{4A3C46E8-61CC-4603-A589-7422A47A8E4A}"/>
@@ -12675,6 +14634,8 @@
       </a:bgFillStyleLst>
     </a:fmtScheme>
   </a:themeElements>
+  <a:objectDefaults/>
+  <a:extraClrSchemeLst/>
   <a:extLst>
     <a:ext uri="{05A4C25C-085E-4340-85A3-A5531E510DB2}">
       <thm15:themeFamily xmlns:thm15="http://schemas.microsoft.com/office/thememl/2012/main" name="Office Theme" id="{62F939B6-93AF-4DB8-9C6B-D6C7DFDC589F}" vid="{4A3C46E8-61CC-4603-A589-7422A47A8E4A}"/>
@@ -12934,6 +14895,8 @@
       </a:bgFillStyleLst>
     </a:fmtScheme>
   </a:themeElements>
+  <a:objectDefaults/>
+  <a:extraClrSchemeLst/>
   <a:extLst>
     <a:ext uri="{05A4C25C-085E-4340-85A3-A5531E510DB2}">
       <thm15:themeFamily xmlns:thm15="http://schemas.microsoft.com/office/thememl/2012/main" name="Office Theme" id="{62F939B6-93AF-4DB8-9C6B-D6C7DFDC589F}" vid="{4A3C46E8-61CC-4603-A589-7422A47A8E4A}"/>
@@ -13193,6 +15156,8 @@
       </a:bgFillStyleLst>
     </a:fmtScheme>
   </a:themeElements>
+  <a:objectDefaults/>
+  <a:extraClrSchemeLst/>
   <a:extLst>
     <a:ext uri="{05A4C25C-085E-4340-85A3-A5531E510DB2}">
       <thm15:themeFamily xmlns:thm15="http://schemas.microsoft.com/office/thememl/2012/main" name="Office Theme" id="{62F939B6-93AF-4DB8-9C6B-D6C7DFDC589F}" vid="{4A3C46E8-61CC-4603-A589-7422A47A8E4A}"/>

--- a/Presentations/Mid-Term Presentation.pptx
+++ b/Presentations/Mid-Term Presentation.pptx
@@ -3,28 +3,30 @@
 <p:presentation xmlns:a="http://schemas.openxmlformats.org/drawingml/2006/main" xmlns:r="http://schemas.openxmlformats.org/officeDocument/2006/relationships" xmlns:p="http://schemas.openxmlformats.org/presentationml/2006/main" showSpecialPlsOnTitleSld="0">
   <p:sldMasterIdLst>
     <p:sldMasterId id="2147483648" r:id="rId1"/>
-    <p:sldMasterId id="2147483659" r:id="rId2"/>
+    <p:sldMasterId id="2147483659" r:id="rId3"/>
   </p:sldMasterIdLst>
   <p:notesMasterIdLst>
-    <p:notesMasterId r:id="rId13"/>
+    <p:notesMasterId r:id="rId16"/>
   </p:notesMasterIdLst>
   <p:handoutMasterIdLst>
-    <p:handoutMasterId r:id="rId14"/>
+    <p:handoutMasterId r:id="rId17"/>
   </p:handoutMasterIdLst>
   <p:sldIdLst>
-    <p:sldId id="256" r:id="rId3"/>
-    <p:sldId id="257" r:id="rId4"/>
-    <p:sldId id="259" r:id="rId5"/>
-    <p:sldId id="261" r:id="rId6"/>
-    <p:sldId id="262" r:id="rId7"/>
-    <p:sldId id="260" r:id="rId8"/>
-    <p:sldId id="264" r:id="rId9"/>
-    <p:sldId id="265" r:id="rId10"/>
-    <p:sldId id="266" r:id="rId11"/>
-    <p:sldId id="267" r:id="rId12"/>
+    <p:sldId id="256" r:id="rId4"/>
+    <p:sldId id="257" r:id="rId5"/>
+    <p:sldId id="259" r:id="rId6"/>
+    <p:sldId id="261" r:id="rId7"/>
+    <p:sldId id="262" r:id="rId8"/>
+    <p:sldId id="260" r:id="rId9"/>
+    <p:sldId id="264" r:id="rId10"/>
+    <p:sldId id="265" r:id="rId11"/>
+    <p:sldId id="266" r:id="rId12"/>
+    <p:sldId id="268" r:id="rId13"/>
+    <p:sldId id="269" r:id="rId14"/>
+    <p:sldId id="267" r:id="rId15"/>
   </p:sldIdLst>
   <p:sldSz cx="12192000" cy="6858000"/>
-  <p:notesSz cx="7104063" cy="10234613"/>
+  <p:notesSz cx="7103745" cy="10234295"/>
   <p:defaultTextStyle>
     <a:defPPr>
       <a:defRPr lang="zh-CN"/>
@@ -120,22 +122,6 @@
       </a:defRPr>
     </a:lvl9pPr>
   </p:defaultTextStyle>
-  <p:extLst>
-    <p:ext uri="{EFAFB233-063F-42B5-8137-9DF3F51BA10A}">
-      <p15:sldGuideLst xmlns:p15="http://schemas.microsoft.com/office/powerpoint/2012/main">
-        <p15:guide id="1" orient="horz" pos="2214">
-          <p15:clr>
-            <a:srgbClr val="A4A3A4"/>
-          </p15:clr>
-        </p15:guide>
-        <p15:guide id="2" pos="3840">
-          <p15:clr>
-            <a:srgbClr val="A4A3A4"/>
-          </p15:clr>
-        </p15:guide>
-      </p15:sldGuideLst>
-    </p:ext>
-  </p:extLst>
 </p:presentation>
 </file>
 
@@ -221,7 +207,6 @@
           <a:p>
             <a:fld id="{0F9B84EA-7D68-4D60-9CB1-D50884785D1C}" type="datetimeFigureOut">
               <a:rPr lang="zh-CN" altLang="en-US" smtClean="0"/>
-              <a:t>2025/9/22</a:t>
             </a:fld>
             <a:endParaRPr lang="zh-CN" altLang="en-US"/>
           </a:p>
@@ -287,18 +272,12 @@
           <a:p>
             <a:fld id="{8D4E0FC9-F1F8-4FAE-9988-3BA365CFD46F}" type="slidenum">
               <a:rPr lang="zh-CN" altLang="en-US" smtClean="0"/>
-              <a:t>‹#›</a:t>
             </a:fld>
             <a:endParaRPr lang="zh-CN" altLang="en-US"/>
           </a:p>
         </p:txBody>
       </p:sp>
     </p:spTree>
-    <p:extLst>
-      <p:ext uri="{BB962C8B-B14F-4D97-AF65-F5344CB8AC3E}">
-        <p14:creationId xmlns:p14="http://schemas.microsoft.com/office/powerpoint/2010/main" val="1"/>
-      </p:ext>
-    </p:extLst>
   </p:cSld>
   <p:clrMap bg1="lt1" tx1="dk1" bg2="lt2" tx2="dk2" accent1="accent1" accent2="accent2" accent3="accent3" accent4="accent4" accent5="accent5" accent6="accent6" hlink="hlink" folHlink="folHlink"/>
 </p:handoutMaster>
@@ -386,7 +365,6 @@
           <a:p>
             <a:fld id="{D6C8D182-E4C8-4120-9249-FC9774456FFA}" type="datetimeFigureOut">
               <a:rPr lang="zh-CN" altLang="en-US" smtClean="0"/>
-              <a:t>2025/9/22</a:t>
             </a:fld>
             <a:endParaRPr lang="zh-CN" altLang="en-US"/>
           </a:p>
@@ -453,6 +431,7 @@
               <a:rPr lang="zh-CN" altLang="en-US"/>
               <a:t>编辑母版文本样式</a:t>
             </a:r>
+            <a:endParaRPr lang="zh-CN" altLang="en-US"/>
           </a:p>
           <a:p>
             <a:pPr lvl="1"/>
@@ -460,6 +439,7 @@
               <a:rPr lang="zh-CN" altLang="en-US"/>
               <a:t>第二级</a:t>
             </a:r>
+            <a:endParaRPr lang="zh-CN" altLang="en-US"/>
           </a:p>
           <a:p>
             <a:pPr lvl="2"/>
@@ -467,6 +447,7 @@
               <a:rPr lang="zh-CN" altLang="en-US"/>
               <a:t>第三级</a:t>
             </a:r>
+            <a:endParaRPr lang="zh-CN" altLang="en-US"/>
           </a:p>
           <a:p>
             <a:pPr lvl="3"/>
@@ -474,6 +455,7 @@
               <a:rPr lang="zh-CN" altLang="en-US"/>
               <a:t>第四级</a:t>
             </a:r>
+            <a:endParaRPr lang="zh-CN" altLang="en-US"/>
           </a:p>
           <a:p>
             <a:pPr lvl="4"/>
@@ -481,6 +463,7 @@
               <a:rPr lang="zh-CN" altLang="en-US"/>
               <a:t>第五级</a:t>
             </a:r>
+            <a:endParaRPr lang="zh-CN" altLang="en-US"/>
           </a:p>
         </p:txBody>
       </p:sp>
@@ -544,7 +527,6 @@
           <a:p>
             <a:fld id="{85D0DACE-38E0-42D2-9336-2B707D34BC6D}" type="slidenum">
               <a:rPr lang="zh-CN" altLang="en-US" smtClean="0"/>
-              <a:t>‹#›</a:t>
             </a:fld>
             <a:endParaRPr lang="zh-CN" altLang="en-US"/>
           </a:p>
@@ -708,6 +690,9 @@
               </a:rPr>
               <a:t>Click to edit Master title style</a:t>
             </a:r>
+            <a:endParaRPr lang="zh-CN" altLang="en-US" dirty="0">
+              <a:sym typeface="+mn-ea"/>
+            </a:endParaRPr>
           </a:p>
         </p:txBody>
       </p:sp>
@@ -728,7 +713,6 @@
           <a:p>
             <a:fld id="{760FBDFE-C587-4B4C-A407-44438C67B59E}" type="datetime1">
               <a:rPr lang="en-US" altLang="en-US" smtClean="0"/>
-              <a:t>9/22/2025</a:t>
             </a:fld>
             <a:endParaRPr lang="zh-CN" altLang="en-US"/>
           </a:p>
@@ -753,6 +737,7 @@
               <a:rPr lang="zh-CN" altLang="en-US"/>
               <a:t>Real-Time Time-Optimal Spacecraft Attitude Control</a:t>
             </a:r>
+            <a:endParaRPr lang="zh-CN" altLang="en-US"/>
           </a:p>
         </p:txBody>
       </p:sp>
@@ -773,7 +758,6 @@
           <a:p>
             <a:fld id="{49AE70B2-8BF9-45C0-BB95-33D1B9D3A854}" type="slidenum">
               <a:rPr lang="zh-CN" altLang="en-US" smtClean="0"/>
-              <a:t>‹#›</a:t>
             </a:fld>
             <a:endParaRPr lang="zh-CN" altLang="en-US"/>
           </a:p>
@@ -852,6 +836,7 @@
               <a:rPr lang="zh-CN" altLang="en-US" dirty="0"/>
               <a:t>Click to edit Master subtitle style</a:t>
             </a:r>
+            <a:endParaRPr lang="zh-CN" altLang="en-US" dirty="0"/>
           </a:p>
         </p:txBody>
       </p:sp>
@@ -898,7 +883,6 @@
           <a:p>
             <a:fld id="{760FBDFE-C587-4B4C-A407-44438C67B59E}" type="datetime1">
               <a:rPr lang="en-US" altLang="en-US" smtClean="0"/>
-              <a:t>9/22/2025</a:t>
             </a:fld>
             <a:endParaRPr lang="zh-CN" altLang="en-US"/>
           </a:p>
@@ -923,6 +907,7 @@
               <a:rPr lang="zh-CN" altLang="en-US"/>
               <a:t>Real-Time Time-Optimal Spacecraft Attitude Control</a:t>
             </a:r>
+            <a:endParaRPr lang="zh-CN" altLang="en-US"/>
           </a:p>
         </p:txBody>
       </p:sp>
@@ -943,7 +928,6 @@
           <a:p>
             <a:fld id="{49AE70B2-8BF9-45C0-BB95-33D1B9D3A854}" type="slidenum">
               <a:rPr lang="zh-CN" altLang="en-US" smtClean="0"/>
-              <a:t>‹#›</a:t>
             </a:fld>
             <a:endParaRPr lang="zh-CN" altLang="en-US"/>
           </a:p>
@@ -976,6 +960,9 @@
               </a:rPr>
               <a:t>Click to edit Master text styles</a:t>
             </a:r>
+            <a:endParaRPr lang="zh-CN" altLang="en-US" dirty="0">
+              <a:sym typeface="+mn-ea"/>
+            </a:endParaRPr>
           </a:p>
           <a:p>
             <a:pPr lvl="1"/>
@@ -983,6 +970,7 @@
               <a:rPr lang="zh-CN" altLang="en-US" dirty="0"/>
               <a:t>Second level</a:t>
             </a:r>
+            <a:endParaRPr lang="zh-CN" altLang="en-US" dirty="0"/>
           </a:p>
           <a:p>
             <a:pPr lvl="2"/>
@@ -990,6 +978,7 @@
               <a:rPr lang="zh-CN" altLang="en-US" dirty="0"/>
               <a:t>Third level</a:t>
             </a:r>
+            <a:endParaRPr lang="zh-CN" altLang="en-US" dirty="0"/>
           </a:p>
           <a:p>
             <a:pPr lvl="3"/>
@@ -997,6 +986,7 @@
               <a:rPr lang="zh-CN" altLang="en-US" dirty="0"/>
               <a:t>Fourth level</a:t>
             </a:r>
+            <a:endParaRPr lang="zh-CN" altLang="en-US" dirty="0"/>
           </a:p>
           <a:p>
             <a:pPr lvl="4"/>
@@ -1004,6 +994,7 @@
               <a:rPr lang="zh-CN" altLang="en-US" dirty="0"/>
               <a:t>Fifth level</a:t>
             </a:r>
+            <a:endParaRPr lang="zh-CN" altLang="en-US" dirty="0"/>
           </a:p>
         </p:txBody>
       </p:sp>
@@ -1076,6 +1067,9 @@
               </a:rPr>
               <a:t>Click to edit Master title style</a:t>
             </a:r>
+            <a:endParaRPr lang="zh-CN" altLang="en-US" dirty="0">
+              <a:sym typeface="+mn-ea"/>
+            </a:endParaRPr>
           </a:p>
         </p:txBody>
       </p:sp>
@@ -1096,7 +1090,6 @@
           <a:p>
             <a:fld id="{760FBDFE-C587-4B4C-A407-44438C67B59E}" type="datetime1">
               <a:rPr lang="en-US" altLang="en-US" smtClean="0"/>
-              <a:t>9/22/2025</a:t>
             </a:fld>
             <a:endParaRPr lang="zh-CN" altLang="en-US"/>
           </a:p>
@@ -1121,6 +1114,7 @@
               <a:rPr lang="zh-CN" altLang="en-US"/>
               <a:t>Real-Time Time-Optimal Spacecraft Attitude Control</a:t>
             </a:r>
+            <a:endParaRPr lang="zh-CN" altLang="en-US"/>
           </a:p>
         </p:txBody>
       </p:sp>
@@ -1141,7 +1135,6 @@
           <a:p>
             <a:fld id="{49AE70B2-8BF9-45C0-BB95-33D1B9D3A854}" type="slidenum">
               <a:rPr lang="zh-CN" altLang="en-US" smtClean="0"/>
-              <a:t>‹#›</a:t>
             </a:fld>
             <a:endParaRPr lang="zh-CN" altLang="en-US"/>
           </a:p>
@@ -1220,6 +1213,7 @@
               <a:rPr lang="zh-CN" altLang="en-US" dirty="0"/>
               <a:t>Click to edit Master subtitle style</a:t>
             </a:r>
+            <a:endParaRPr lang="zh-CN" altLang="en-US" dirty="0"/>
           </a:p>
         </p:txBody>
       </p:sp>
@@ -1287,6 +1281,7 @@
               <a:rPr lang="zh-CN" altLang="en-US" dirty="0"/>
               <a:t>Click to edit Master title style</a:t>
             </a:r>
+            <a:endParaRPr lang="zh-CN" altLang="en-US" dirty="0"/>
           </a:p>
         </p:txBody>
       </p:sp>
@@ -1370,6 +1365,9 @@
               </a:rPr>
               <a:t>Click to edit Master text styles</a:t>
             </a:r>
+            <a:endParaRPr lang="zh-CN" altLang="en-US" dirty="0">
+              <a:sym typeface="+mn-ea"/>
+            </a:endParaRPr>
           </a:p>
           <a:p>
             <a:pPr lvl="1"/>
@@ -1377,6 +1375,7 @@
               <a:rPr lang="zh-CN" altLang="en-US" dirty="0"/>
               <a:t>Second level</a:t>
             </a:r>
+            <a:endParaRPr lang="zh-CN" altLang="en-US" dirty="0"/>
           </a:p>
           <a:p>
             <a:pPr lvl="2"/>
@@ -1384,6 +1383,7 @@
               <a:rPr lang="zh-CN" altLang="en-US" dirty="0"/>
               <a:t>Third level</a:t>
             </a:r>
+            <a:endParaRPr lang="zh-CN" altLang="en-US" dirty="0"/>
           </a:p>
           <a:p>
             <a:pPr lvl="3"/>
@@ -1391,6 +1391,7 @@
               <a:rPr lang="zh-CN" altLang="en-US" dirty="0"/>
               <a:t>Fourth level</a:t>
             </a:r>
+            <a:endParaRPr lang="zh-CN" altLang="en-US" dirty="0"/>
           </a:p>
           <a:p>
             <a:pPr lvl="4"/>
@@ -1398,6 +1399,7 @@
               <a:rPr lang="zh-CN" altLang="en-US" dirty="0"/>
               <a:t>Fifth level</a:t>
             </a:r>
+            <a:endParaRPr lang="zh-CN" altLang="en-US" dirty="0"/>
           </a:p>
         </p:txBody>
       </p:sp>
@@ -1418,7 +1420,6 @@
           <a:p>
             <a:fld id="{760FBDFE-C587-4B4C-A407-44438C67B59E}" type="datetime1">
               <a:rPr lang="en-US" altLang="en-US" smtClean="0"/>
-              <a:t>9/22/2025</a:t>
             </a:fld>
             <a:endParaRPr lang="zh-CN" altLang="en-US"/>
           </a:p>
@@ -1466,7 +1467,6 @@
           <a:p>
             <a:fld id="{49AE70B2-8BF9-45C0-BB95-33D1B9D3A854}" type="slidenum">
               <a:rPr lang="zh-CN" altLang="en-US" smtClean="0"/>
-              <a:t>‹#›</a:t>
             </a:fld>
             <a:endParaRPr lang="zh-CN" altLang="en-US"/>
           </a:p>
@@ -1536,6 +1536,7 @@
               <a:rPr lang="zh-CN" altLang="en-US" dirty="0"/>
               <a:t>Click to edit Master title style</a:t>
             </a:r>
+            <a:endParaRPr lang="zh-CN" altLang="en-US" dirty="0"/>
           </a:p>
         </p:txBody>
       </p:sp>
@@ -1657,6 +1658,9 @@
               </a:rPr>
               <a:t>Click to edit Master text styles</a:t>
             </a:r>
+            <a:endParaRPr lang="zh-CN" altLang="en-US" dirty="0">
+              <a:sym typeface="+mn-ea"/>
+            </a:endParaRPr>
           </a:p>
         </p:txBody>
       </p:sp>
@@ -1677,7 +1681,6 @@
           <a:p>
             <a:fld id="{760FBDFE-C587-4B4C-A407-44438C67B59E}" type="datetime1">
               <a:rPr lang="en-US" altLang="en-US" smtClean="0"/>
-              <a:t>9/22/2025</a:t>
             </a:fld>
             <a:endParaRPr lang="zh-CN" altLang="en-US"/>
           </a:p>
@@ -1702,6 +1705,7 @@
               <a:rPr lang="zh-CN" altLang="en-US"/>
               <a:t>Real-Time Time-Optimal Spacecraft Attitude Control</a:t>
             </a:r>
+            <a:endParaRPr lang="zh-CN" altLang="en-US"/>
           </a:p>
         </p:txBody>
       </p:sp>
@@ -1722,7 +1726,6 @@
           <a:p>
             <a:fld id="{49AE70B2-8BF9-45C0-BB95-33D1B9D3A854}" type="slidenum">
               <a:rPr lang="zh-CN" altLang="en-US" smtClean="0"/>
-              <a:t>‹#›</a:t>
             </a:fld>
             <a:endParaRPr lang="zh-CN" altLang="en-US"/>
           </a:p>
@@ -1792,6 +1795,7 @@
               <a:rPr lang="zh-CN" altLang="en-US" dirty="0"/>
               <a:t>Click to edit Master title style</a:t>
             </a:r>
+            <a:endParaRPr lang="zh-CN" altLang="en-US" dirty="0"/>
           </a:p>
         </p:txBody>
       </p:sp>
@@ -1890,6 +1894,9 @@
               </a:rPr>
               <a:t>Click to edit Master text styles</a:t>
             </a:r>
+            <a:endParaRPr lang="zh-CN" altLang="en-US" dirty="0">
+              <a:sym typeface="+mn-ea"/>
+            </a:endParaRPr>
           </a:p>
           <a:p>
             <a:pPr lvl="1"/>
@@ -1897,6 +1904,7 @@
               <a:rPr lang="zh-CN" altLang="en-US" dirty="0"/>
               <a:t>Second level</a:t>
             </a:r>
+            <a:endParaRPr lang="zh-CN" altLang="en-US" dirty="0"/>
           </a:p>
           <a:p>
             <a:pPr lvl="2"/>
@@ -1904,6 +1912,7 @@
               <a:rPr lang="zh-CN" altLang="en-US" dirty="0"/>
               <a:t>Third level</a:t>
             </a:r>
+            <a:endParaRPr lang="zh-CN" altLang="en-US" dirty="0"/>
           </a:p>
           <a:p>
             <a:pPr lvl="3"/>
@@ -1911,6 +1920,7 @@
               <a:rPr lang="zh-CN" altLang="en-US" dirty="0"/>
               <a:t>Fourth level</a:t>
             </a:r>
+            <a:endParaRPr lang="zh-CN" altLang="en-US" dirty="0"/>
           </a:p>
           <a:p>
             <a:pPr lvl="4"/>
@@ -1918,6 +1928,7 @@
               <a:rPr lang="zh-CN" altLang="en-US" dirty="0"/>
               <a:t>Fifth level</a:t>
             </a:r>
+            <a:endParaRPr lang="zh-CN" altLang="en-US" dirty="0"/>
           </a:p>
         </p:txBody>
       </p:sp>
@@ -2016,6 +2027,9 @@
               </a:rPr>
               <a:t>Click to edit Master text styles</a:t>
             </a:r>
+            <a:endParaRPr lang="zh-CN" altLang="en-US" dirty="0">
+              <a:sym typeface="+mn-ea"/>
+            </a:endParaRPr>
           </a:p>
           <a:p>
             <a:pPr lvl="1"/>
@@ -2023,6 +2037,7 @@
               <a:rPr lang="zh-CN" altLang="en-US" dirty="0"/>
               <a:t>Second level</a:t>
             </a:r>
+            <a:endParaRPr lang="zh-CN" altLang="en-US" dirty="0"/>
           </a:p>
           <a:p>
             <a:pPr lvl="2"/>
@@ -2030,6 +2045,7 @@
               <a:rPr lang="zh-CN" altLang="en-US" dirty="0"/>
               <a:t>Third level</a:t>
             </a:r>
+            <a:endParaRPr lang="zh-CN" altLang="en-US" dirty="0"/>
           </a:p>
           <a:p>
             <a:pPr lvl="3"/>
@@ -2037,6 +2053,7 @@
               <a:rPr lang="zh-CN" altLang="en-US" dirty="0"/>
               <a:t>Fourth level</a:t>
             </a:r>
+            <a:endParaRPr lang="zh-CN" altLang="en-US" dirty="0"/>
           </a:p>
           <a:p>
             <a:pPr lvl="4"/>
@@ -2044,6 +2061,7 @@
               <a:rPr lang="zh-CN" altLang="en-US" dirty="0"/>
               <a:t>Fifth level</a:t>
             </a:r>
+            <a:endParaRPr lang="zh-CN" altLang="en-US" dirty="0"/>
           </a:p>
         </p:txBody>
       </p:sp>
@@ -2064,7 +2082,6 @@
           <a:p>
             <a:fld id="{760FBDFE-C587-4B4C-A407-44438C67B59E}" type="datetime1">
               <a:rPr lang="en-US" altLang="en-US" smtClean="0"/>
-              <a:t>9/22/2025</a:t>
             </a:fld>
             <a:endParaRPr lang="zh-CN" altLang="en-US"/>
           </a:p>
@@ -2112,7 +2129,6 @@
           <a:p>
             <a:fld id="{49AE70B2-8BF9-45C0-BB95-33D1B9D3A854}" type="slidenum">
               <a:rPr lang="zh-CN" altLang="en-US" smtClean="0"/>
-              <a:t>‹#›</a:t>
             </a:fld>
             <a:endParaRPr lang="zh-CN" altLang="en-US"/>
           </a:p>
@@ -2168,6 +2184,7 @@
               <a:rPr lang="zh-CN" altLang="en-US"/>
               <a:t>Click to edit Master title style</a:t>
             </a:r>
+            <a:endParaRPr lang="zh-CN" altLang="en-US"/>
           </a:p>
         </p:txBody>
       </p:sp>
@@ -2235,6 +2252,9 @@
               </a:rPr>
               <a:t>Click to edit Master text styles</a:t>
             </a:r>
+            <a:endParaRPr lang="zh-CN" altLang="en-US" dirty="0">
+              <a:sym typeface="+mn-ea"/>
+            </a:endParaRPr>
           </a:p>
         </p:txBody>
       </p:sp>
@@ -2265,6 +2285,9 @@
               </a:rPr>
               <a:t>Click to edit Master text styles</a:t>
             </a:r>
+            <a:endParaRPr lang="zh-CN" altLang="en-US" dirty="0">
+              <a:sym typeface="+mn-ea"/>
+            </a:endParaRPr>
           </a:p>
           <a:p>
             <a:pPr lvl="1"/>
@@ -2272,6 +2295,7 @@
               <a:rPr lang="zh-CN" altLang="en-US" dirty="0"/>
               <a:t>Second level</a:t>
             </a:r>
+            <a:endParaRPr lang="zh-CN" altLang="en-US" dirty="0"/>
           </a:p>
           <a:p>
             <a:pPr lvl="2"/>
@@ -2279,6 +2303,7 @@
               <a:rPr lang="zh-CN" altLang="en-US" dirty="0"/>
               <a:t>Third level</a:t>
             </a:r>
+            <a:endParaRPr lang="zh-CN" altLang="en-US" dirty="0"/>
           </a:p>
           <a:p>
             <a:pPr lvl="3"/>
@@ -2286,6 +2311,7 @@
               <a:rPr lang="zh-CN" altLang="en-US" dirty="0"/>
               <a:t>Fourth level</a:t>
             </a:r>
+            <a:endParaRPr lang="zh-CN" altLang="en-US" dirty="0"/>
           </a:p>
           <a:p>
             <a:pPr lvl="4"/>
@@ -2293,6 +2319,7 @@
               <a:rPr lang="zh-CN" altLang="en-US" dirty="0"/>
               <a:t>Fifth level</a:t>
             </a:r>
+            <a:endParaRPr lang="zh-CN" altLang="en-US" dirty="0"/>
           </a:p>
         </p:txBody>
       </p:sp>
@@ -2360,6 +2387,9 @@
               </a:rPr>
               <a:t>Click to edit Master text styles</a:t>
             </a:r>
+            <a:endParaRPr lang="zh-CN" altLang="en-US" dirty="0">
+              <a:sym typeface="+mn-ea"/>
+            </a:endParaRPr>
           </a:p>
         </p:txBody>
       </p:sp>
@@ -2390,6 +2420,9 @@
               </a:rPr>
               <a:t>Click to edit Master text styles</a:t>
             </a:r>
+            <a:endParaRPr lang="zh-CN" altLang="en-US" dirty="0">
+              <a:sym typeface="+mn-ea"/>
+            </a:endParaRPr>
           </a:p>
           <a:p>
             <a:pPr lvl="1"/>
@@ -2397,6 +2430,7 @@
               <a:rPr lang="zh-CN" altLang="en-US" dirty="0"/>
               <a:t>Second level</a:t>
             </a:r>
+            <a:endParaRPr lang="zh-CN" altLang="en-US" dirty="0"/>
           </a:p>
           <a:p>
             <a:pPr lvl="2"/>
@@ -2404,6 +2438,7 @@
               <a:rPr lang="zh-CN" altLang="en-US" dirty="0"/>
               <a:t>Third level</a:t>
             </a:r>
+            <a:endParaRPr lang="zh-CN" altLang="en-US" dirty="0"/>
           </a:p>
           <a:p>
             <a:pPr lvl="3"/>
@@ -2411,6 +2446,7 @@
               <a:rPr lang="zh-CN" altLang="en-US" dirty="0"/>
               <a:t>Fourth level</a:t>
             </a:r>
+            <a:endParaRPr lang="zh-CN" altLang="en-US" dirty="0"/>
           </a:p>
           <a:p>
             <a:pPr lvl="4"/>
@@ -2418,6 +2454,7 @@
               <a:rPr lang="zh-CN" altLang="en-US" dirty="0"/>
               <a:t>Fifth level</a:t>
             </a:r>
+            <a:endParaRPr lang="zh-CN" altLang="en-US" dirty="0"/>
           </a:p>
         </p:txBody>
       </p:sp>
@@ -2438,7 +2475,6 @@
           <a:p>
             <a:fld id="{760FBDFE-C587-4B4C-A407-44438C67B59E}" type="datetime1">
               <a:rPr lang="en-US" altLang="en-US" smtClean="0"/>
-              <a:t>9/22/2025</a:t>
             </a:fld>
             <a:endParaRPr lang="zh-CN" altLang="en-US"/>
           </a:p>
@@ -2463,6 +2499,7 @@
               <a:rPr lang="zh-CN" altLang="en-US"/>
               <a:t>Real-Time Time-Optimal Spacecraft Attitude Control</a:t>
             </a:r>
+            <a:endParaRPr lang="zh-CN" altLang="en-US"/>
           </a:p>
         </p:txBody>
       </p:sp>
@@ -2483,7 +2520,6 @@
           <a:p>
             <a:fld id="{49AE70B2-8BF9-45C0-BB95-33D1B9D3A854}" type="slidenum">
               <a:rPr lang="zh-CN" altLang="en-US" smtClean="0"/>
-              <a:t>‹#›</a:t>
             </a:fld>
             <a:endParaRPr lang="zh-CN" altLang="en-US"/>
           </a:p>
@@ -2553,6 +2589,7 @@
               <a:rPr lang="zh-CN" altLang="en-US" dirty="0"/>
               <a:t>Click to edit Master title style</a:t>
             </a:r>
+            <a:endParaRPr lang="zh-CN" altLang="en-US" dirty="0"/>
           </a:p>
         </p:txBody>
       </p:sp>
@@ -2573,7 +2610,6 @@
           <a:p>
             <a:fld id="{760FBDFE-C587-4B4C-A407-44438C67B59E}" type="datetime1">
               <a:rPr lang="en-US" altLang="en-US" smtClean="0"/>
-              <a:t>9/22/2025</a:t>
             </a:fld>
             <a:endParaRPr lang="zh-CN" altLang="en-US"/>
           </a:p>
@@ -2598,6 +2634,7 @@
               <a:rPr lang="zh-CN" altLang="en-US"/>
               <a:t>Real-Time Time-Optimal Spacecraft Attitude Control</a:t>
             </a:r>
+            <a:endParaRPr lang="zh-CN" altLang="en-US"/>
           </a:p>
         </p:txBody>
       </p:sp>
@@ -2618,7 +2655,6 @@
           <a:p>
             <a:fld id="{49AE70B2-8BF9-45C0-BB95-33D1B9D3A854}" type="slidenum">
               <a:rPr lang="zh-CN" altLang="en-US" smtClean="0"/>
-              <a:t>‹#›</a:t>
             </a:fld>
             <a:endParaRPr lang="zh-CN" altLang="en-US"/>
           </a:p>
@@ -2667,7 +2703,6 @@
           <a:p>
             <a:fld id="{760FBDFE-C587-4B4C-A407-44438C67B59E}" type="datetime1">
               <a:rPr lang="en-US" altLang="en-US" smtClean="0"/>
-              <a:t>9/22/2025</a:t>
             </a:fld>
             <a:endParaRPr lang="zh-CN" altLang="en-US"/>
           </a:p>
@@ -2692,6 +2727,7 @@
               <a:rPr lang="zh-CN" altLang="en-US"/>
               <a:t>Real-Time Time-Optimal Spacecraft Attitude Control</a:t>
             </a:r>
+            <a:endParaRPr lang="zh-CN" altLang="en-US"/>
           </a:p>
         </p:txBody>
       </p:sp>
@@ -2712,7 +2748,6 @@
           <a:p>
             <a:fld id="{49AE70B2-8BF9-45C0-BB95-33D1B9D3A854}" type="slidenum">
               <a:rPr lang="zh-CN" altLang="en-US" smtClean="0"/>
-              <a:t>‹#›</a:t>
             </a:fld>
             <a:endParaRPr lang="zh-CN" altLang="en-US"/>
           </a:p>
@@ -2784,6 +2819,9 @@
               </a:rPr>
               <a:t>Click to edit Master title style</a:t>
             </a:r>
+            <a:endParaRPr lang="zh-CN" altLang="en-US" dirty="0">
+              <a:sym typeface="+mn-ea"/>
+            </a:endParaRPr>
           </a:p>
         </p:txBody>
       </p:sp>
@@ -2915,6 +2953,7 @@
               <a:rPr lang="zh-CN" altLang="en-US" dirty="0"/>
               <a:t>Click to edit Master text styles</a:t>
             </a:r>
+            <a:endParaRPr lang="zh-CN" altLang="en-US" dirty="0"/>
           </a:p>
         </p:txBody>
       </p:sp>
@@ -2935,7 +2974,6 @@
           <a:p>
             <a:fld id="{9EFD9D74-47D9-4702-A33C-335B63B48DBF}" type="datetime1">
               <a:rPr lang="en-US" altLang="en-US" smtClean="0"/>
-              <a:t>9/22/2025</a:t>
             </a:fld>
             <a:endParaRPr lang="zh-CN" altLang="en-US" dirty="0"/>
           </a:p>
@@ -2960,6 +2998,7 @@
               <a:rPr lang="zh-CN" altLang="en-US" dirty="0"/>
               <a:t>Real-Time Time-Optimal Spacecraft Attitude Control</a:t>
             </a:r>
+            <a:endParaRPr lang="zh-CN" altLang="en-US" dirty="0"/>
           </a:p>
         </p:txBody>
       </p:sp>
@@ -2980,7 +3019,6 @@
           <a:p>
             <a:fld id="{FABC47A4-756D-490B-A52F-7D9E2C9FC05F}" type="slidenum">
               <a:rPr lang="zh-CN" altLang="en-US" smtClean="0"/>
-              <a:t>‹#›</a:t>
             </a:fld>
             <a:endParaRPr lang="zh-CN" altLang="en-US"/>
           </a:p>
@@ -3072,6 +3110,7 @@
               <a:rPr lang="zh-CN" altLang="en-US"/>
               <a:t>Click to edit Master title style</a:t>
             </a:r>
+            <a:endParaRPr lang="zh-CN" altLang="en-US"/>
           </a:p>
         </p:txBody>
       </p:sp>
@@ -3102,6 +3141,9 @@
               </a:rPr>
               <a:t>Click to edit Master text styles</a:t>
             </a:r>
+            <a:endParaRPr lang="zh-CN" altLang="en-US" dirty="0">
+              <a:sym typeface="+mn-ea"/>
+            </a:endParaRPr>
           </a:p>
           <a:p>
             <a:pPr lvl="1"/>
@@ -3109,6 +3151,7 @@
               <a:rPr lang="zh-CN" altLang="en-US" dirty="0"/>
               <a:t>Second level</a:t>
             </a:r>
+            <a:endParaRPr lang="zh-CN" altLang="en-US" dirty="0"/>
           </a:p>
           <a:p>
             <a:pPr lvl="2"/>
@@ -3116,6 +3159,7 @@
               <a:rPr lang="zh-CN" altLang="en-US" dirty="0"/>
               <a:t>Third level</a:t>
             </a:r>
+            <a:endParaRPr lang="zh-CN" altLang="en-US" dirty="0"/>
           </a:p>
           <a:p>
             <a:pPr lvl="3"/>
@@ -3123,6 +3167,7 @@
               <a:rPr lang="zh-CN" altLang="en-US" dirty="0"/>
               <a:t>Fourth level</a:t>
             </a:r>
+            <a:endParaRPr lang="zh-CN" altLang="en-US" dirty="0"/>
           </a:p>
           <a:p>
             <a:pPr lvl="4"/>
@@ -3130,6 +3175,7 @@
               <a:rPr lang="zh-CN" altLang="en-US" dirty="0"/>
               <a:t>Fifth level</a:t>
             </a:r>
+            <a:endParaRPr lang="zh-CN" altLang="en-US" dirty="0"/>
           </a:p>
         </p:txBody>
       </p:sp>
@@ -3150,7 +3196,6 @@
           <a:p>
             <a:fld id="{760FBDFE-C587-4B4C-A407-44438C67B59E}" type="datetime1">
               <a:rPr lang="en-US" altLang="en-US" smtClean="0"/>
-              <a:t>9/22/2025</a:t>
             </a:fld>
             <a:endParaRPr lang="zh-CN" altLang="en-US"/>
           </a:p>
@@ -3175,6 +3220,7 @@
               <a:rPr lang="zh-CN" altLang="en-US"/>
               <a:t>Real-Time Time-Optimal Spacecraft Attitude Control</a:t>
             </a:r>
+            <a:endParaRPr lang="zh-CN" altLang="en-US"/>
           </a:p>
         </p:txBody>
       </p:sp>
@@ -3195,7 +3241,6 @@
           <a:p>
             <a:fld id="{49AE70B2-8BF9-45C0-BB95-33D1B9D3A854}" type="slidenum">
               <a:rPr lang="zh-CN" altLang="en-US" smtClean="0"/>
-              <a:t>‹#›</a:t>
             </a:fld>
             <a:endParaRPr lang="zh-CN" altLang="en-US"/>
           </a:p>
@@ -3265,6 +3310,7 @@
               <a:rPr lang="zh-CN" altLang="en-US" dirty="0"/>
               <a:t>Click to edit Master title style</a:t>
             </a:r>
+            <a:endParaRPr lang="zh-CN" altLang="en-US" dirty="0"/>
           </a:p>
         </p:txBody>
       </p:sp>
@@ -3348,6 +3394,9 @@
               </a:rPr>
               <a:t>Click to edit Master text styles</a:t>
             </a:r>
+            <a:endParaRPr lang="zh-CN" altLang="en-US" dirty="0">
+              <a:sym typeface="+mn-ea"/>
+            </a:endParaRPr>
           </a:p>
           <a:p>
             <a:pPr lvl="1"/>
@@ -3355,6 +3404,7 @@
               <a:rPr lang="zh-CN" altLang="en-US" dirty="0"/>
               <a:t>Second level</a:t>
             </a:r>
+            <a:endParaRPr lang="zh-CN" altLang="en-US" dirty="0"/>
           </a:p>
           <a:p>
             <a:pPr lvl="2"/>
@@ -3362,6 +3412,7 @@
               <a:rPr lang="zh-CN" altLang="en-US" dirty="0"/>
               <a:t>Third level</a:t>
             </a:r>
+            <a:endParaRPr lang="zh-CN" altLang="en-US" dirty="0"/>
           </a:p>
           <a:p>
             <a:pPr lvl="3"/>
@@ -3369,6 +3420,7 @@
               <a:rPr lang="zh-CN" altLang="en-US" dirty="0"/>
               <a:t>Fourth level</a:t>
             </a:r>
+            <a:endParaRPr lang="zh-CN" altLang="en-US" dirty="0"/>
           </a:p>
           <a:p>
             <a:pPr lvl="4"/>
@@ -3376,6 +3428,7 @@
               <a:rPr lang="zh-CN" altLang="en-US" dirty="0"/>
               <a:t>Fifth level</a:t>
             </a:r>
+            <a:endParaRPr lang="zh-CN" altLang="en-US" dirty="0"/>
           </a:p>
         </p:txBody>
       </p:sp>
@@ -3396,7 +3449,6 @@
           <a:p>
             <a:fld id="{760FBDFE-C587-4B4C-A407-44438C67B59E}" type="datetime1">
               <a:rPr lang="en-US" altLang="en-US" smtClean="0"/>
-              <a:t>9/22/2025</a:t>
             </a:fld>
             <a:endParaRPr lang="zh-CN" altLang="en-US"/>
           </a:p>
@@ -3444,7 +3496,6 @@
           <a:p>
             <a:fld id="{49AE70B2-8BF9-45C0-BB95-33D1B9D3A854}" type="slidenum">
               <a:rPr lang="zh-CN" altLang="en-US" smtClean="0"/>
-              <a:t>‹#›</a:t>
             </a:fld>
             <a:endParaRPr lang="zh-CN" altLang="en-US"/>
           </a:p>
@@ -3493,7 +3544,6 @@
           <a:p>
             <a:fld id="{760FBDFE-C587-4B4C-A407-44438C67B59E}" type="datetime1">
               <a:rPr lang="en-US" altLang="en-US" smtClean="0"/>
-              <a:t>9/22/2025</a:t>
             </a:fld>
             <a:endParaRPr lang="zh-CN" altLang="en-US"/>
           </a:p>
@@ -3518,6 +3568,7 @@
               <a:rPr lang="zh-CN" altLang="en-US"/>
               <a:t>Real-Time Time-Optimal Spacecraft Attitude Control</a:t>
             </a:r>
+            <a:endParaRPr lang="zh-CN" altLang="en-US"/>
           </a:p>
         </p:txBody>
       </p:sp>
@@ -3538,7 +3589,6 @@
           <a:p>
             <a:fld id="{49AE70B2-8BF9-45C0-BB95-33D1B9D3A854}" type="slidenum">
               <a:rPr lang="zh-CN" altLang="en-US" smtClean="0"/>
-              <a:t>‹#›</a:t>
             </a:fld>
             <a:endParaRPr lang="zh-CN" altLang="en-US"/>
           </a:p>
@@ -3571,6 +3621,9 @@
               </a:rPr>
               <a:t>Click to edit Master text styles</a:t>
             </a:r>
+            <a:endParaRPr lang="zh-CN" altLang="en-US" dirty="0">
+              <a:sym typeface="+mn-ea"/>
+            </a:endParaRPr>
           </a:p>
           <a:p>
             <a:pPr lvl="1"/>
@@ -3578,6 +3631,7 @@
               <a:rPr lang="zh-CN" altLang="en-US" dirty="0"/>
               <a:t>Second level</a:t>
             </a:r>
+            <a:endParaRPr lang="zh-CN" altLang="en-US" dirty="0"/>
           </a:p>
           <a:p>
             <a:pPr lvl="2"/>
@@ -3585,6 +3639,7 @@
               <a:rPr lang="zh-CN" altLang="en-US" dirty="0"/>
               <a:t>Third level</a:t>
             </a:r>
+            <a:endParaRPr lang="zh-CN" altLang="en-US" dirty="0"/>
           </a:p>
           <a:p>
             <a:pPr lvl="3"/>
@@ -3592,6 +3647,7 @@
               <a:rPr lang="zh-CN" altLang="en-US" dirty="0"/>
               <a:t>Fourth level</a:t>
             </a:r>
+            <a:endParaRPr lang="zh-CN" altLang="en-US" dirty="0"/>
           </a:p>
           <a:p>
             <a:pPr lvl="4"/>
@@ -3599,6 +3655,7 @@
               <a:rPr lang="zh-CN" altLang="en-US" dirty="0"/>
               <a:t>Fifth level</a:t>
             </a:r>
+            <a:endParaRPr lang="zh-CN" altLang="en-US" dirty="0"/>
           </a:p>
         </p:txBody>
       </p:sp>
@@ -3666,6 +3723,7 @@
               <a:rPr lang="zh-CN" altLang="en-US" dirty="0"/>
               <a:t>Click to edit Master title style</a:t>
             </a:r>
+            <a:endParaRPr lang="zh-CN" altLang="en-US" dirty="0"/>
           </a:p>
         </p:txBody>
       </p:sp>
@@ -3787,6 +3845,9 @@
               </a:rPr>
               <a:t>Click to edit Master text styles</a:t>
             </a:r>
+            <a:endParaRPr lang="zh-CN" altLang="en-US" dirty="0">
+              <a:sym typeface="+mn-ea"/>
+            </a:endParaRPr>
           </a:p>
         </p:txBody>
       </p:sp>
@@ -3807,7 +3868,6 @@
           <a:p>
             <a:fld id="{760FBDFE-C587-4B4C-A407-44438C67B59E}" type="datetime1">
               <a:rPr lang="en-US" altLang="en-US" smtClean="0"/>
-              <a:t>9/22/2025</a:t>
             </a:fld>
             <a:endParaRPr lang="zh-CN" altLang="en-US"/>
           </a:p>
@@ -3832,6 +3892,7 @@
               <a:rPr lang="zh-CN" altLang="en-US"/>
               <a:t>Real-Time Time-Optimal Spacecraft Attitude Control</a:t>
             </a:r>
+            <a:endParaRPr lang="zh-CN" altLang="en-US"/>
           </a:p>
         </p:txBody>
       </p:sp>
@@ -3852,7 +3913,6 @@
           <a:p>
             <a:fld id="{49AE70B2-8BF9-45C0-BB95-33D1B9D3A854}" type="slidenum">
               <a:rPr lang="zh-CN" altLang="en-US" smtClean="0"/>
-              <a:t>‹#›</a:t>
             </a:fld>
             <a:endParaRPr lang="zh-CN" altLang="en-US"/>
           </a:p>
@@ -3922,6 +3982,7 @@
               <a:rPr lang="zh-CN" altLang="en-US" dirty="0"/>
               <a:t>Click to edit Master title style</a:t>
             </a:r>
+            <a:endParaRPr lang="zh-CN" altLang="en-US" dirty="0"/>
           </a:p>
         </p:txBody>
       </p:sp>
@@ -4020,6 +4081,9 @@
               </a:rPr>
               <a:t>Click to edit Master text styles</a:t>
             </a:r>
+            <a:endParaRPr lang="zh-CN" altLang="en-US" dirty="0">
+              <a:sym typeface="+mn-ea"/>
+            </a:endParaRPr>
           </a:p>
           <a:p>
             <a:pPr lvl="1"/>
@@ -4027,6 +4091,7 @@
               <a:rPr lang="zh-CN" altLang="en-US" dirty="0"/>
               <a:t>Second level</a:t>
             </a:r>
+            <a:endParaRPr lang="zh-CN" altLang="en-US" dirty="0"/>
           </a:p>
           <a:p>
             <a:pPr lvl="2"/>
@@ -4034,6 +4099,7 @@
               <a:rPr lang="zh-CN" altLang="en-US" dirty="0"/>
               <a:t>Third level</a:t>
             </a:r>
+            <a:endParaRPr lang="zh-CN" altLang="en-US" dirty="0"/>
           </a:p>
           <a:p>
             <a:pPr lvl="3"/>
@@ -4041,6 +4107,7 @@
               <a:rPr lang="zh-CN" altLang="en-US" dirty="0"/>
               <a:t>Fourth level</a:t>
             </a:r>
+            <a:endParaRPr lang="zh-CN" altLang="en-US" dirty="0"/>
           </a:p>
           <a:p>
             <a:pPr lvl="4"/>
@@ -4048,6 +4115,7 @@
               <a:rPr lang="zh-CN" altLang="en-US" dirty="0"/>
               <a:t>Fifth level</a:t>
             </a:r>
+            <a:endParaRPr lang="zh-CN" altLang="en-US" dirty="0"/>
           </a:p>
         </p:txBody>
       </p:sp>
@@ -4146,6 +4214,9 @@
               </a:rPr>
               <a:t>Click to edit Master text styles</a:t>
             </a:r>
+            <a:endParaRPr lang="zh-CN" altLang="en-US" dirty="0">
+              <a:sym typeface="+mn-ea"/>
+            </a:endParaRPr>
           </a:p>
           <a:p>
             <a:pPr lvl="1"/>
@@ -4153,6 +4224,7 @@
               <a:rPr lang="zh-CN" altLang="en-US" dirty="0"/>
               <a:t>Second level</a:t>
             </a:r>
+            <a:endParaRPr lang="zh-CN" altLang="en-US" dirty="0"/>
           </a:p>
           <a:p>
             <a:pPr lvl="2"/>
@@ -4160,6 +4232,7 @@
               <a:rPr lang="zh-CN" altLang="en-US" dirty="0"/>
               <a:t>Third level</a:t>
             </a:r>
+            <a:endParaRPr lang="zh-CN" altLang="en-US" dirty="0"/>
           </a:p>
           <a:p>
             <a:pPr lvl="3"/>
@@ -4167,6 +4240,7 @@
               <a:rPr lang="zh-CN" altLang="en-US" dirty="0"/>
               <a:t>Fourth level</a:t>
             </a:r>
+            <a:endParaRPr lang="zh-CN" altLang="en-US" dirty="0"/>
           </a:p>
           <a:p>
             <a:pPr lvl="4"/>
@@ -4174,6 +4248,7 @@
               <a:rPr lang="zh-CN" altLang="en-US" dirty="0"/>
               <a:t>Fifth level</a:t>
             </a:r>
+            <a:endParaRPr lang="zh-CN" altLang="en-US" dirty="0"/>
           </a:p>
         </p:txBody>
       </p:sp>
@@ -4194,7 +4269,6 @@
           <a:p>
             <a:fld id="{760FBDFE-C587-4B4C-A407-44438C67B59E}" type="datetime1">
               <a:rPr lang="en-US" altLang="en-US" smtClean="0"/>
-              <a:t>9/22/2025</a:t>
             </a:fld>
             <a:endParaRPr lang="zh-CN" altLang="en-US"/>
           </a:p>
@@ -4242,7 +4316,6 @@
           <a:p>
             <a:fld id="{49AE70B2-8BF9-45C0-BB95-33D1B9D3A854}" type="slidenum">
               <a:rPr lang="zh-CN" altLang="en-US" smtClean="0"/>
-              <a:t>‹#›</a:t>
             </a:fld>
             <a:endParaRPr lang="zh-CN" altLang="en-US"/>
           </a:p>
@@ -4298,6 +4371,7 @@
               <a:rPr lang="zh-CN" altLang="en-US"/>
               <a:t>Click to edit Master title style</a:t>
             </a:r>
+            <a:endParaRPr lang="zh-CN" altLang="en-US"/>
           </a:p>
         </p:txBody>
       </p:sp>
@@ -4365,6 +4439,9 @@
               </a:rPr>
               <a:t>Click to edit Master text styles</a:t>
             </a:r>
+            <a:endParaRPr lang="zh-CN" altLang="en-US" dirty="0">
+              <a:sym typeface="+mn-ea"/>
+            </a:endParaRPr>
           </a:p>
         </p:txBody>
       </p:sp>
@@ -4395,6 +4472,9 @@
               </a:rPr>
               <a:t>Click to edit Master text styles</a:t>
             </a:r>
+            <a:endParaRPr lang="zh-CN" altLang="en-US" dirty="0">
+              <a:sym typeface="+mn-ea"/>
+            </a:endParaRPr>
           </a:p>
           <a:p>
             <a:pPr lvl="1"/>
@@ -4402,6 +4482,7 @@
               <a:rPr lang="zh-CN" altLang="en-US" dirty="0"/>
               <a:t>Second level</a:t>
             </a:r>
+            <a:endParaRPr lang="zh-CN" altLang="en-US" dirty="0"/>
           </a:p>
           <a:p>
             <a:pPr lvl="2"/>
@@ -4409,6 +4490,7 @@
               <a:rPr lang="zh-CN" altLang="en-US" dirty="0"/>
               <a:t>Third level</a:t>
             </a:r>
+            <a:endParaRPr lang="zh-CN" altLang="en-US" dirty="0"/>
           </a:p>
           <a:p>
             <a:pPr lvl="3"/>
@@ -4416,6 +4498,7 @@
               <a:rPr lang="zh-CN" altLang="en-US" dirty="0"/>
               <a:t>Fourth level</a:t>
             </a:r>
+            <a:endParaRPr lang="zh-CN" altLang="en-US" dirty="0"/>
           </a:p>
           <a:p>
             <a:pPr lvl="4"/>
@@ -4423,6 +4506,7 @@
               <a:rPr lang="zh-CN" altLang="en-US" dirty="0"/>
               <a:t>Fifth level</a:t>
             </a:r>
+            <a:endParaRPr lang="zh-CN" altLang="en-US" dirty="0"/>
           </a:p>
         </p:txBody>
       </p:sp>
@@ -4490,6 +4574,9 @@
               </a:rPr>
               <a:t>Click to edit Master text styles</a:t>
             </a:r>
+            <a:endParaRPr lang="zh-CN" altLang="en-US" dirty="0">
+              <a:sym typeface="+mn-ea"/>
+            </a:endParaRPr>
           </a:p>
         </p:txBody>
       </p:sp>
@@ -4520,6 +4607,9 @@
               </a:rPr>
               <a:t>Click to edit Master text styles</a:t>
             </a:r>
+            <a:endParaRPr lang="zh-CN" altLang="en-US" dirty="0">
+              <a:sym typeface="+mn-ea"/>
+            </a:endParaRPr>
           </a:p>
           <a:p>
             <a:pPr lvl="1"/>
@@ -4527,6 +4617,7 @@
               <a:rPr lang="zh-CN" altLang="en-US" dirty="0"/>
               <a:t>Second level</a:t>
             </a:r>
+            <a:endParaRPr lang="zh-CN" altLang="en-US" dirty="0"/>
           </a:p>
           <a:p>
             <a:pPr lvl="2"/>
@@ -4534,6 +4625,7 @@
               <a:rPr lang="zh-CN" altLang="en-US" dirty="0"/>
               <a:t>Third level</a:t>
             </a:r>
+            <a:endParaRPr lang="zh-CN" altLang="en-US" dirty="0"/>
           </a:p>
           <a:p>
             <a:pPr lvl="3"/>
@@ -4541,6 +4633,7 @@
               <a:rPr lang="zh-CN" altLang="en-US" dirty="0"/>
               <a:t>Fourth level</a:t>
             </a:r>
+            <a:endParaRPr lang="zh-CN" altLang="en-US" dirty="0"/>
           </a:p>
           <a:p>
             <a:pPr lvl="4"/>
@@ -4548,6 +4641,7 @@
               <a:rPr lang="zh-CN" altLang="en-US" dirty="0"/>
               <a:t>Fifth level</a:t>
             </a:r>
+            <a:endParaRPr lang="zh-CN" altLang="en-US" dirty="0"/>
           </a:p>
         </p:txBody>
       </p:sp>
@@ -4568,7 +4662,6 @@
           <a:p>
             <a:fld id="{760FBDFE-C587-4B4C-A407-44438C67B59E}" type="datetime1">
               <a:rPr lang="en-US" altLang="en-US" smtClean="0"/>
-              <a:t>9/22/2025</a:t>
             </a:fld>
             <a:endParaRPr lang="zh-CN" altLang="en-US"/>
           </a:p>
@@ -4593,6 +4686,7 @@
               <a:rPr lang="zh-CN" altLang="en-US"/>
               <a:t>Real-Time Time-Optimal Spacecraft Attitude Control</a:t>
             </a:r>
+            <a:endParaRPr lang="zh-CN" altLang="en-US"/>
           </a:p>
         </p:txBody>
       </p:sp>
@@ -4613,7 +4707,6 @@
           <a:p>
             <a:fld id="{49AE70B2-8BF9-45C0-BB95-33D1B9D3A854}" type="slidenum">
               <a:rPr lang="zh-CN" altLang="en-US" smtClean="0"/>
-              <a:t>‹#›</a:t>
             </a:fld>
             <a:endParaRPr lang="zh-CN" altLang="en-US"/>
           </a:p>
@@ -4683,6 +4776,7 @@
               <a:rPr lang="zh-CN" altLang="en-US" dirty="0"/>
               <a:t>Click to edit Master title style</a:t>
             </a:r>
+            <a:endParaRPr lang="zh-CN" altLang="en-US" dirty="0"/>
           </a:p>
         </p:txBody>
       </p:sp>
@@ -4703,7 +4797,6 @@
           <a:p>
             <a:fld id="{760FBDFE-C587-4B4C-A407-44438C67B59E}" type="datetime1">
               <a:rPr lang="en-US" altLang="en-US" smtClean="0"/>
-              <a:t>9/22/2025</a:t>
             </a:fld>
             <a:endParaRPr lang="zh-CN" altLang="en-US"/>
           </a:p>
@@ -4728,6 +4821,7 @@
               <a:rPr lang="zh-CN" altLang="en-US"/>
               <a:t>Real-Time Time-Optimal Spacecraft Attitude Control</a:t>
             </a:r>
+            <a:endParaRPr lang="zh-CN" altLang="en-US"/>
           </a:p>
         </p:txBody>
       </p:sp>
@@ -4748,7 +4842,6 @@
           <a:p>
             <a:fld id="{49AE70B2-8BF9-45C0-BB95-33D1B9D3A854}" type="slidenum">
               <a:rPr lang="zh-CN" altLang="en-US" smtClean="0"/>
-              <a:t>‹#›</a:t>
             </a:fld>
             <a:endParaRPr lang="zh-CN" altLang="en-US"/>
           </a:p>
@@ -4797,7 +4890,6 @@
           <a:p>
             <a:fld id="{760FBDFE-C587-4B4C-A407-44438C67B59E}" type="datetime1">
               <a:rPr lang="en-US" altLang="en-US" smtClean="0"/>
-              <a:t>9/22/2025</a:t>
             </a:fld>
             <a:endParaRPr lang="zh-CN" altLang="en-US"/>
           </a:p>
@@ -4822,6 +4914,7 @@
               <a:rPr lang="zh-CN" altLang="en-US"/>
               <a:t>Real-Time Time-Optimal Spacecraft Attitude Control</a:t>
             </a:r>
+            <a:endParaRPr lang="zh-CN" altLang="en-US"/>
           </a:p>
         </p:txBody>
       </p:sp>
@@ -4842,7 +4935,6 @@
           <a:p>
             <a:fld id="{49AE70B2-8BF9-45C0-BB95-33D1B9D3A854}" type="slidenum">
               <a:rPr lang="zh-CN" altLang="en-US" smtClean="0"/>
-              <a:t>‹#›</a:t>
             </a:fld>
             <a:endParaRPr lang="zh-CN" altLang="en-US"/>
           </a:p>
@@ -4914,6 +5006,9 @@
               </a:rPr>
               <a:t>Click to edit Master title style</a:t>
             </a:r>
+            <a:endParaRPr lang="zh-CN" altLang="en-US" dirty="0">
+              <a:sym typeface="+mn-ea"/>
+            </a:endParaRPr>
           </a:p>
         </p:txBody>
       </p:sp>
@@ -5045,6 +5140,7 @@
               <a:rPr lang="zh-CN" altLang="en-US" dirty="0"/>
               <a:t>Click to edit Master text styles</a:t>
             </a:r>
+            <a:endParaRPr lang="zh-CN" altLang="en-US" dirty="0"/>
           </a:p>
         </p:txBody>
       </p:sp>
@@ -5065,7 +5161,6 @@
           <a:p>
             <a:fld id="{9EFD9D74-47D9-4702-A33C-335B63B48DBF}" type="datetime1">
               <a:rPr lang="en-US" altLang="en-US" smtClean="0"/>
-              <a:t>9/22/2025</a:t>
             </a:fld>
             <a:endParaRPr lang="zh-CN" altLang="en-US" dirty="0"/>
           </a:p>
@@ -5090,6 +5185,7 @@
               <a:rPr lang="zh-CN" altLang="en-US" dirty="0"/>
               <a:t>Real-Time Time-Optimal Spacecraft Attitude Control</a:t>
             </a:r>
+            <a:endParaRPr lang="zh-CN" altLang="en-US" dirty="0"/>
           </a:p>
         </p:txBody>
       </p:sp>
@@ -5110,7 +5206,6 @@
           <a:p>
             <a:fld id="{FABC47A4-756D-490B-A52F-7D9E2C9FC05F}" type="slidenum">
               <a:rPr lang="zh-CN" altLang="en-US" smtClean="0"/>
-              <a:t>‹#›</a:t>
             </a:fld>
             <a:endParaRPr lang="zh-CN" altLang="en-US"/>
           </a:p>
@@ -5202,6 +5297,7 @@
               <a:rPr lang="zh-CN" altLang="en-US"/>
               <a:t>Click to edit Master title style</a:t>
             </a:r>
+            <a:endParaRPr lang="zh-CN" altLang="en-US"/>
           </a:p>
         </p:txBody>
       </p:sp>
@@ -5232,6 +5328,9 @@
               </a:rPr>
               <a:t>Click to edit Master text styles</a:t>
             </a:r>
+            <a:endParaRPr lang="zh-CN" altLang="en-US" dirty="0">
+              <a:sym typeface="+mn-ea"/>
+            </a:endParaRPr>
           </a:p>
           <a:p>
             <a:pPr lvl="1"/>
@@ -5239,6 +5338,7 @@
               <a:rPr lang="zh-CN" altLang="en-US" dirty="0"/>
               <a:t>Second level</a:t>
             </a:r>
+            <a:endParaRPr lang="zh-CN" altLang="en-US" dirty="0"/>
           </a:p>
           <a:p>
             <a:pPr lvl="2"/>
@@ -5246,6 +5346,7 @@
               <a:rPr lang="zh-CN" altLang="en-US" dirty="0"/>
               <a:t>Third level</a:t>
             </a:r>
+            <a:endParaRPr lang="zh-CN" altLang="en-US" dirty="0"/>
           </a:p>
           <a:p>
             <a:pPr lvl="3"/>
@@ -5253,6 +5354,7 @@
               <a:rPr lang="zh-CN" altLang="en-US" dirty="0"/>
               <a:t>Fourth level</a:t>
             </a:r>
+            <a:endParaRPr lang="zh-CN" altLang="en-US" dirty="0"/>
           </a:p>
           <a:p>
             <a:pPr lvl="4"/>
@@ -5260,6 +5362,7 @@
               <a:rPr lang="zh-CN" altLang="en-US" dirty="0"/>
               <a:t>Fifth level</a:t>
             </a:r>
+            <a:endParaRPr lang="zh-CN" altLang="en-US" dirty="0"/>
           </a:p>
         </p:txBody>
       </p:sp>
@@ -5280,7 +5383,6 @@
           <a:p>
             <a:fld id="{760FBDFE-C587-4B4C-A407-44438C67B59E}" type="datetime1">
               <a:rPr lang="en-US" altLang="en-US" smtClean="0"/>
-              <a:t>9/22/2025</a:t>
             </a:fld>
             <a:endParaRPr lang="zh-CN" altLang="en-US"/>
           </a:p>
@@ -5305,6 +5407,7 @@
               <a:rPr lang="zh-CN" altLang="en-US"/>
               <a:t>Real-Time Time-Optimal Spacecraft Attitude Control</a:t>
             </a:r>
+            <a:endParaRPr lang="zh-CN" altLang="en-US"/>
           </a:p>
         </p:txBody>
       </p:sp>
@@ -5325,7 +5428,6 @@
           <a:p>
             <a:fld id="{49AE70B2-8BF9-45C0-BB95-33D1B9D3A854}" type="slidenum">
               <a:rPr lang="zh-CN" altLang="en-US" smtClean="0"/>
-              <a:t>‹#›</a:t>
             </a:fld>
             <a:endParaRPr lang="zh-CN" altLang="en-US"/>
           </a:p>
@@ -5374,7 +5476,7 @@
           <p:nvPr userDrawn="1"/>
         </p:nvPicPr>
         <p:blipFill>
-          <a:blip r:embed="rId12">
+          <a:blip r:embed="rId11">
             <a:clrChange>
               <a:clrFrom>
                 <a:srgbClr val="0065C1">
@@ -5412,7 +5514,7 @@
           <p:nvPr userDrawn="1"/>
         </p:nvPicPr>
         <p:blipFill>
-          <a:blip r:embed="rId13"/>
+          <a:blip r:embed="rId12"/>
           <a:srcRect t="17400" b="13059"/>
           <a:stretch>
             <a:fillRect/>
@@ -5457,6 +5559,7 @@
               <a:rPr lang="zh-CN" altLang="en-US" dirty="0"/>
               <a:t>Click to edit Master title style</a:t>
             </a:r>
+            <a:endParaRPr lang="zh-CN" altLang="en-US" dirty="0"/>
           </a:p>
         </p:txBody>
       </p:sp>
@@ -5492,6 +5595,9 @@
               </a:rPr>
               <a:t>Click to edit Master text styles</a:t>
             </a:r>
+            <a:endParaRPr lang="zh-CN" altLang="en-US" dirty="0">
+              <a:sym typeface="+mn-ea"/>
+            </a:endParaRPr>
           </a:p>
           <a:p>
             <a:pPr lvl="1"/>
@@ -5499,6 +5605,7 @@
               <a:rPr lang="zh-CN" altLang="en-US" dirty="0"/>
               <a:t>Second level</a:t>
             </a:r>
+            <a:endParaRPr lang="zh-CN" altLang="en-US" dirty="0"/>
           </a:p>
           <a:p>
             <a:pPr lvl="2"/>
@@ -5506,6 +5613,7 @@
               <a:rPr lang="zh-CN" altLang="en-US" dirty="0"/>
               <a:t>Third level</a:t>
             </a:r>
+            <a:endParaRPr lang="zh-CN" altLang="en-US" dirty="0"/>
           </a:p>
           <a:p>
             <a:pPr lvl="3"/>
@@ -5513,6 +5621,7 @@
               <a:rPr lang="zh-CN" altLang="en-US" dirty="0"/>
               <a:t>Fourth level</a:t>
             </a:r>
+            <a:endParaRPr lang="zh-CN" altLang="en-US" dirty="0"/>
           </a:p>
           <a:p>
             <a:pPr lvl="4"/>
@@ -5520,6 +5629,7 @@
               <a:rPr lang="zh-CN" altLang="en-US" dirty="0"/>
               <a:t>Fifth level</a:t>
             </a:r>
+            <a:endParaRPr lang="zh-CN" altLang="en-US" dirty="0"/>
           </a:p>
         </p:txBody>
       </p:sp>
@@ -5560,7 +5670,6 @@
           <a:p>
             <a:fld id="{760FBDFE-C587-4B4C-A407-44438C67B59E}" type="datetime1">
               <a:rPr lang="en-US" altLang="en-US" smtClean="0"/>
-              <a:t>9/22/2025</a:t>
             </a:fld>
             <a:endParaRPr lang="zh-CN" altLang="en-US"/>
           </a:p>
@@ -5606,6 +5715,7 @@
               <a:rPr lang="de-DE" altLang="zh-CN"/>
               <a:t>Real-Time Time-Optimal Spacecraft Attitude Control</a:t>
             </a:r>
+            <a:endParaRPr lang="de-DE" altLang="zh-CN"/>
           </a:p>
         </p:txBody>
       </p:sp>
@@ -5646,7 +5756,6 @@
           <a:p>
             <a:fld id="{49AE70B2-8BF9-45C0-BB95-33D1B9D3A854}" type="slidenum">
               <a:rPr lang="zh-CN" altLang="en-US" smtClean="0"/>
-              <a:t>‹#›</a:t>
             </a:fld>
             <a:endParaRPr lang="zh-CN" altLang="en-US"/>
           </a:p>
@@ -5985,7 +6094,7 @@
           <p:nvPr userDrawn="1"/>
         </p:nvPicPr>
         <p:blipFill>
-          <a:blip r:embed="rId12">
+          <a:blip r:embed="rId11">
             <a:clrChange>
               <a:clrFrom>
                 <a:srgbClr val="0065C1">
@@ -6023,7 +6132,7 @@
           <p:nvPr userDrawn="1"/>
         </p:nvPicPr>
         <p:blipFill>
-          <a:blip r:embed="rId13"/>
+          <a:blip r:embed="rId12"/>
           <a:srcRect t="17400" b="13059"/>
           <a:stretch>
             <a:fillRect/>
@@ -6068,6 +6177,7 @@
               <a:rPr lang="zh-CN" altLang="en-US" dirty="0"/>
               <a:t>Click to edit Master title style</a:t>
             </a:r>
+            <a:endParaRPr lang="zh-CN" altLang="en-US" dirty="0"/>
           </a:p>
         </p:txBody>
       </p:sp>
@@ -6103,6 +6213,9 @@
               </a:rPr>
               <a:t>Click to edit Master text styles</a:t>
             </a:r>
+            <a:endParaRPr lang="zh-CN" altLang="en-US" dirty="0">
+              <a:sym typeface="+mn-ea"/>
+            </a:endParaRPr>
           </a:p>
           <a:p>
             <a:pPr lvl="1"/>
@@ -6110,6 +6223,7 @@
               <a:rPr lang="zh-CN" altLang="en-US" dirty="0"/>
               <a:t>Second level</a:t>
             </a:r>
+            <a:endParaRPr lang="zh-CN" altLang="en-US" dirty="0"/>
           </a:p>
           <a:p>
             <a:pPr lvl="2"/>
@@ -6117,6 +6231,7 @@
               <a:rPr lang="zh-CN" altLang="en-US" dirty="0"/>
               <a:t>Third level</a:t>
             </a:r>
+            <a:endParaRPr lang="zh-CN" altLang="en-US" dirty="0"/>
           </a:p>
           <a:p>
             <a:pPr lvl="3"/>
@@ -6124,6 +6239,7 @@
               <a:rPr lang="zh-CN" altLang="en-US" dirty="0"/>
               <a:t>Fourth level</a:t>
             </a:r>
+            <a:endParaRPr lang="zh-CN" altLang="en-US" dirty="0"/>
           </a:p>
           <a:p>
             <a:pPr lvl="4"/>
@@ -6131,6 +6247,7 @@
               <a:rPr lang="zh-CN" altLang="en-US" dirty="0"/>
               <a:t>Fifth level</a:t>
             </a:r>
+            <a:endParaRPr lang="zh-CN" altLang="en-US" dirty="0"/>
           </a:p>
         </p:txBody>
       </p:sp>
@@ -6171,7 +6288,6 @@
           <a:p>
             <a:fld id="{760FBDFE-C587-4B4C-A407-44438C67B59E}" type="datetime1">
               <a:rPr lang="en-US" altLang="en-US" smtClean="0"/>
-              <a:t>9/22/2025</a:t>
             </a:fld>
             <a:endParaRPr lang="zh-CN" altLang="en-US"/>
           </a:p>
@@ -6217,6 +6333,7 @@
               <a:rPr lang="de-DE" altLang="zh-CN"/>
               <a:t>Real-Time Time-Optimal Spacecraft Attitude Control</a:t>
             </a:r>
+            <a:endParaRPr lang="de-DE" altLang="zh-CN"/>
           </a:p>
         </p:txBody>
       </p:sp>
@@ -6257,7 +6374,6 @@
           <a:p>
             <a:fld id="{49AE70B2-8BF9-45C0-BB95-33D1B9D3A854}" type="slidenum">
               <a:rPr lang="zh-CN" altLang="en-US" smtClean="0"/>
-              <a:t>‹#›</a:t>
             </a:fld>
             <a:endParaRPr lang="zh-CN" altLang="en-US"/>
           </a:p>
@@ -6606,6 +6722,10 @@
               </a:rPr>
               <a:t>Real-Time Time-Optimal Spacecraft Attitude Control</a:t>
             </a:r>
+            <a:endParaRPr lang="de-DE" altLang="zh-CN" sz="4800" dirty="0">
+              <a:latin typeface="Arial Black" panose="020B0A04020102020204" charset="0"/>
+              <a:cs typeface="Arial Black" panose="020B0A04020102020204" charset="0"/>
+            </a:endParaRPr>
           </a:p>
         </p:txBody>
       </p:sp>
@@ -6637,6 +6757,10 @@
               </a:rPr>
               <a:t>Author: Leonardo Eitner, M.Sc. candidate</a:t>
             </a:r>
+            <a:endParaRPr lang="de-DE" altLang="zh-CN">
+              <a:latin typeface="+mn-lt"/>
+              <a:cs typeface="+mn-ea"/>
+            </a:endParaRPr>
           </a:p>
           <a:p>
             <a:pPr algn="l"/>
@@ -6647,6 +6771,10 @@
               </a:rPr>
               <a:t>Assistant Supervisor: Silvia Busi, PhD candidate</a:t>
             </a:r>
+            <a:endParaRPr lang="de-DE" altLang="zh-CN">
+              <a:latin typeface="+mn-lt"/>
+              <a:cs typeface="+mn-ea"/>
+            </a:endParaRPr>
           </a:p>
           <a:p>
             <a:pPr algn="l"/>
@@ -6657,6 +6785,10 @@
               </a:rPr>
               <a:t>Head Supervisor: Prof. Dr. Marcello Romano</a:t>
             </a:r>
+            <a:endParaRPr lang="de-DE" altLang="zh-CN">
+              <a:latin typeface="+mn-lt"/>
+              <a:cs typeface="+mn-ea"/>
+            </a:endParaRPr>
           </a:p>
           <a:p>
             <a:pPr algn="l"/>
@@ -6667,6 +6799,10 @@
               </a:rPr>
               <a:t>Context: Master’s Thesis</a:t>
             </a:r>
+            <a:endParaRPr lang="de-DE" altLang="zh-CN">
+              <a:latin typeface="+mn-lt"/>
+              <a:cs typeface="+mn-ea"/>
+            </a:endParaRPr>
           </a:p>
         </p:txBody>
       </p:sp>
@@ -6683,13 +6819,7 @@
   <p:cSld>
     <p:spTree>
       <p:nvGrpSpPr>
-        <p:cNvPr id="1" name="">
-          <a:extLst>
-            <a:ext uri="{FF2B5EF4-FFF2-40B4-BE49-F238E27FC236}">
-              <a16:creationId xmlns:a16="http://schemas.microsoft.com/office/drawing/2014/main" id="{74C25DCD-7AAE-93A9-2CD8-14695EAFC6B2}"/>
-            </a:ext>
-          </a:extLst>
-        </p:cNvPr>
+        <p:cNvPr id="1" name=""/>
         <p:cNvGrpSpPr/>
         <p:nvPr/>
       </p:nvGrpSpPr>
@@ -6703,13 +6833,7 @@
       </p:grpSpPr>
       <p:sp>
         <p:nvSpPr>
-          <p:cNvPr id="3" name="Date Placeholder 2">
-            <a:extLst>
-              <a:ext uri="{FF2B5EF4-FFF2-40B4-BE49-F238E27FC236}">
-                <a16:creationId xmlns:a16="http://schemas.microsoft.com/office/drawing/2014/main" id="{91BF173D-E5C1-8DCC-A80B-190573403C9E}"/>
-              </a:ext>
-            </a:extLst>
-          </p:cNvPr>
+          <p:cNvPr id="3" name="Date Placeholder 2"/>
           <p:cNvSpPr>
             <a:spLocks noGrp="1"/>
           </p:cNvSpPr>
@@ -6724,7 +6848,6 @@
           <a:p>
             <a:fld id="{760FBDFE-C587-4B4C-A407-44438C67B59E}" type="datetime1">
               <a:rPr lang="en-US" altLang="en-US" smtClean="0"/>
-              <a:t>9/22/2025</a:t>
             </a:fld>
             <a:endParaRPr lang="zh-CN" altLang="en-US"/>
           </a:p>
@@ -6732,13 +6855,7 @@
       </p:sp>
       <p:sp>
         <p:nvSpPr>
-          <p:cNvPr id="12" name="Slide Number Placeholder 11">
-            <a:extLst>
-              <a:ext uri="{FF2B5EF4-FFF2-40B4-BE49-F238E27FC236}">
-                <a16:creationId xmlns:a16="http://schemas.microsoft.com/office/drawing/2014/main" id="{E5DE4A5A-A1B1-FC6D-8473-4EF11D2A8E58}"/>
-              </a:ext>
-            </a:extLst>
-          </p:cNvPr>
+          <p:cNvPr id="12" name="Slide Number Placeholder 11"/>
           <p:cNvSpPr>
             <a:spLocks noGrp="1"/>
           </p:cNvSpPr>
@@ -6753,7 +6870,6 @@
           <a:p>
             <a:fld id="{49AE70B2-8BF9-45C0-BB95-33D1B9D3A854}" type="slidenum">
               <a:rPr lang="zh-CN" altLang="en-US" smtClean="0"/>
-              <a:t>10</a:t>
             </a:fld>
             <a:endParaRPr lang="zh-CN" altLang="en-US"/>
           </a:p>
@@ -6761,13 +6877,7 @@
       </p:sp>
       <p:sp>
         <p:nvSpPr>
-          <p:cNvPr id="13" name="Footer Placeholder 12">
-            <a:extLst>
-              <a:ext uri="{FF2B5EF4-FFF2-40B4-BE49-F238E27FC236}">
-                <a16:creationId xmlns:a16="http://schemas.microsoft.com/office/drawing/2014/main" id="{6F5F8F18-C831-1CBF-4018-E574F7AE648E}"/>
-              </a:ext>
-            </a:extLst>
-          </p:cNvPr>
+          <p:cNvPr id="13" name="Footer Placeholder 12"/>
           <p:cNvSpPr>
             <a:spLocks noGrp="1"/>
           </p:cNvSpPr>
@@ -6792,13 +6902,7 @@
       </p:sp>
       <p:sp>
         <p:nvSpPr>
-          <p:cNvPr id="2" name="Title 1">
-            <a:extLst>
-              <a:ext uri="{FF2B5EF4-FFF2-40B4-BE49-F238E27FC236}">
-                <a16:creationId xmlns:a16="http://schemas.microsoft.com/office/drawing/2014/main" id="{9550A6E7-2ABF-0003-A4D6-6ABF846BD403}"/>
-              </a:ext>
-            </a:extLst>
-          </p:cNvPr>
+          <p:cNvPr id="2" name="Title 1"/>
           <p:cNvSpPr>
             <a:spLocks noGrp="1"/>
           </p:cNvSpPr>
@@ -6816,27 +6920,25 @@
                 <a:latin typeface="Arial Black" panose="020B0A04020102020204" charset="0"/>
                 <a:cs typeface="Arial Black" panose="020B0A04020102020204" charset="0"/>
               </a:rPr>
-              <a:t>What‘s Next?</a:t>
-            </a:r>
-          </a:p>
-        </p:txBody>
-      </p:sp>
-      <p:sp>
-        <p:nvSpPr>
-          <p:cNvPr id="5" name="Text Box 4">
-            <a:extLst>
-              <a:ext uri="{FF2B5EF4-FFF2-40B4-BE49-F238E27FC236}">
-                <a16:creationId xmlns:a16="http://schemas.microsoft.com/office/drawing/2014/main" id="{949AB608-BB86-1E36-93FF-EE5C4F28F0FE}"/>
-              </a:ext>
-            </a:extLst>
-          </p:cNvPr>
+              <a:t>Results</a:t>
+            </a:r>
+            <a:endParaRPr lang="de-DE" altLang="en-US" sz="4400" dirty="0">
+              <a:latin typeface="Arial Black" panose="020B0A04020102020204" charset="0"/>
+              <a:cs typeface="Arial Black" panose="020B0A04020102020204" charset="0"/>
+            </a:endParaRPr>
+          </a:p>
+        </p:txBody>
+      </p:sp>
+      <p:sp>
+        <p:nvSpPr>
+          <p:cNvPr id="4" name="Text Box 3"/>
           <p:cNvSpPr txBox="1"/>
           <p:nvPr/>
         </p:nvSpPr>
         <p:spPr>
           <a:xfrm>
-            <a:off x="647700" y="1762125"/>
-            <a:ext cx="6860540" cy="1668405"/>
+            <a:off x="1012190" y="1171575"/>
+            <a:ext cx="10341610" cy="614045"/>
           </a:xfrm>
           <a:prstGeom prst="rect">
             <a:avLst/>
@@ -6847,63 +6949,1215 @@
           <a:bodyPr wrap="square" rtlCol="0">
             <a:spAutoFit/>
           </a:bodyPr>
+          <a:p>
+            <a:pPr marL="342900" indent="-342900">
+              <a:buFont typeface="+mj-lt"/>
+              <a:buAutoNum type="arabicPeriod" startAt="5"/>
+            </a:pPr>
+            <a:r>
+              <a:rPr lang="de-DE" altLang="en-US">
+                <a:cs typeface="+mn-lt"/>
+              </a:rPr>
+              <a:t>PSO VS Fatrop</a:t>
+            </a:r>
+            <a:r>
+              <a:rPr lang="de-DE" altLang="en-US">
+                <a:cs typeface="+mn-lt"/>
+                <a:sym typeface="+mn-ea"/>
+              </a:rPr>
+              <a:t> NLP solvers</a:t>
+            </a:r>
+            <a:endParaRPr lang="de-DE" altLang="en-US">
+              <a:cs typeface="+mn-lt"/>
+            </a:endParaRPr>
+          </a:p>
+          <a:p>
+            <a:pPr marL="742950" lvl="1" indent="-285750">
+              <a:buFont typeface="Arial" panose="020B0604020202020204" pitchFamily="34" charset="0"/>
+              <a:buChar char="•"/>
+            </a:pPr>
+            <a:r>
+              <a:rPr lang="de-DE" altLang="en-US" sz="1600" b="1">
+                <a:cs typeface="+mn-lt"/>
+              </a:rPr>
+              <a:t>Result:</a:t>
+            </a:r>
+            <a:endParaRPr lang="de-DE" altLang="en-US" sz="1600">
+              <a:cs typeface="+mn-lt"/>
+            </a:endParaRPr>
+          </a:p>
+        </p:txBody>
+      </p:sp>
+      <p:pic>
+        <p:nvPicPr>
+          <p:cNvPr id="5" name="Picture 4"/>
+          <p:cNvPicPr>
+            <a:picLocks noChangeAspect="1"/>
+          </p:cNvPicPr>
+          <p:nvPr/>
+        </p:nvPicPr>
+        <p:blipFill>
+          <a:blip r:embed="rId1"/>
+          <a:stretch>
+            <a:fillRect/>
+          </a:stretch>
+        </p:blipFill>
+        <p:spPr>
+          <a:xfrm>
+            <a:off x="1012190" y="1802765"/>
+            <a:ext cx="2865755" cy="2263140"/>
+          </a:xfrm>
+          <a:prstGeom prst="rect">
+            <a:avLst/>
+          </a:prstGeom>
+        </p:spPr>
+      </p:pic>
+      <p:pic>
+        <p:nvPicPr>
+          <p:cNvPr id="6" name="Picture 5"/>
+          <p:cNvPicPr>
+            <a:picLocks noChangeAspect="1"/>
+          </p:cNvPicPr>
+          <p:nvPr/>
+        </p:nvPicPr>
+        <p:blipFill>
+          <a:blip r:embed="rId2"/>
+          <a:stretch>
+            <a:fillRect/>
+          </a:stretch>
+        </p:blipFill>
+        <p:spPr>
+          <a:xfrm>
+            <a:off x="4453890" y="1802765"/>
+            <a:ext cx="2880995" cy="2275840"/>
+          </a:xfrm>
+          <a:prstGeom prst="rect">
+            <a:avLst/>
+          </a:prstGeom>
+        </p:spPr>
+      </p:pic>
+      <p:pic>
+        <p:nvPicPr>
+          <p:cNvPr id="7" name="Picture 6"/>
+          <p:cNvPicPr>
+            <a:picLocks noChangeAspect="1"/>
+          </p:cNvPicPr>
+          <p:nvPr/>
+        </p:nvPicPr>
+        <p:blipFill>
+          <a:blip r:embed="rId3"/>
+          <a:stretch>
+            <a:fillRect/>
+          </a:stretch>
+        </p:blipFill>
+        <p:spPr>
+          <a:xfrm>
+            <a:off x="7974965" y="1828165"/>
+            <a:ext cx="2884805" cy="2277745"/>
+          </a:xfrm>
+          <a:prstGeom prst="rect">
+            <a:avLst/>
+          </a:prstGeom>
+        </p:spPr>
+      </p:pic>
+      <p:pic>
+        <p:nvPicPr>
+          <p:cNvPr id="8" name="Picture 7"/>
+          <p:cNvPicPr>
+            <a:picLocks noChangeAspect="1"/>
+          </p:cNvPicPr>
+          <p:nvPr/>
+        </p:nvPicPr>
+        <p:blipFill>
+          <a:blip r:embed="rId4"/>
+          <a:stretch>
+            <a:fillRect/>
+          </a:stretch>
+        </p:blipFill>
+        <p:spPr>
+          <a:xfrm>
+            <a:off x="1012190" y="4065905"/>
+            <a:ext cx="2858135" cy="2256790"/>
+          </a:xfrm>
+          <a:prstGeom prst="rect">
+            <a:avLst/>
+          </a:prstGeom>
+        </p:spPr>
+      </p:pic>
+      <p:pic>
+        <p:nvPicPr>
+          <p:cNvPr id="9" name="Picture 8"/>
+          <p:cNvPicPr>
+            <a:picLocks noChangeAspect="1"/>
+          </p:cNvPicPr>
+          <p:nvPr/>
+        </p:nvPicPr>
+        <p:blipFill>
+          <a:blip r:embed="rId5"/>
+          <a:stretch>
+            <a:fillRect/>
+          </a:stretch>
+        </p:blipFill>
+        <p:spPr>
+          <a:xfrm>
+            <a:off x="4476115" y="4065270"/>
+            <a:ext cx="2858770" cy="2257425"/>
+          </a:xfrm>
+          <a:prstGeom prst="rect">
+            <a:avLst/>
+          </a:prstGeom>
+        </p:spPr>
+      </p:pic>
+      <p:pic>
+        <p:nvPicPr>
+          <p:cNvPr id="10" name="Picture 9"/>
+          <p:cNvPicPr>
+            <a:picLocks noChangeAspect="1"/>
+          </p:cNvPicPr>
+          <p:nvPr/>
+        </p:nvPicPr>
+        <p:blipFill>
+          <a:blip r:embed="rId6"/>
+          <a:stretch>
+            <a:fillRect/>
+          </a:stretch>
+        </p:blipFill>
+        <p:spPr>
+          <a:xfrm>
+            <a:off x="7975600" y="4078605"/>
+            <a:ext cx="2884170" cy="2277745"/>
+          </a:xfrm>
+          <a:prstGeom prst="rect">
+            <a:avLst/>
+          </a:prstGeom>
+        </p:spPr>
+      </p:pic>
+      <p:sp>
+        <p:nvSpPr>
+          <p:cNvPr id="11" name="Text Box 10"/>
+          <p:cNvSpPr txBox="1"/>
+          <p:nvPr/>
+        </p:nvSpPr>
+        <p:spPr>
+          <a:xfrm rot="16200000">
+            <a:off x="175895" y="2749550"/>
+            <a:ext cx="574675" cy="368300"/>
+          </a:xfrm>
+          <a:prstGeom prst="rect">
+            <a:avLst/>
+          </a:prstGeom>
+          <a:noFill/>
+        </p:spPr>
+        <p:txBody>
+          <a:bodyPr wrap="none" rtlCol="0">
+            <a:spAutoFit/>
+          </a:bodyPr>
+          <a:p>
+            <a:r>
+              <a:rPr lang="de-DE" altLang="en-US">
+                <a:latin typeface="Calibri" charset="0"/>
+              </a:rPr>
+              <a:t>PSO</a:t>
+            </a:r>
+            <a:endParaRPr lang="de-DE" altLang="en-US">
+              <a:latin typeface="Calibri" charset="0"/>
+            </a:endParaRPr>
+          </a:p>
+        </p:txBody>
+      </p:sp>
+      <p:sp>
+        <p:nvSpPr>
+          <p:cNvPr id="14" name="Text Box 13"/>
+          <p:cNvSpPr txBox="1"/>
+          <p:nvPr/>
+        </p:nvSpPr>
+        <p:spPr>
+          <a:xfrm rot="16200000">
+            <a:off x="36830" y="5009515"/>
+            <a:ext cx="852805" cy="368300"/>
+          </a:xfrm>
+          <a:prstGeom prst="rect">
+            <a:avLst/>
+          </a:prstGeom>
+          <a:noFill/>
+        </p:spPr>
+        <p:txBody>
+          <a:bodyPr wrap="none" rtlCol="0">
+            <a:spAutoFit/>
+          </a:bodyPr>
+          <a:p>
+            <a:r>
+              <a:rPr lang="de-DE" altLang="en-US">
+                <a:latin typeface="Calibri" charset="0"/>
+              </a:rPr>
+              <a:t>Fatrop</a:t>
+            </a:r>
+            <a:endParaRPr lang="de-DE" altLang="en-US">
+              <a:latin typeface="Calibri" charset="0"/>
+            </a:endParaRPr>
+          </a:p>
+        </p:txBody>
+      </p:sp>
+    </p:spTree>
+  </p:cSld>
+  <p:clrMapOvr>
+    <a:masterClrMapping/>
+  </p:clrMapOvr>
+</p:sld>
+</file>
+
+<file path=ppt/slides/slide11.xml><?xml version="1.0" encoding="utf-8"?>
+<p:sld xmlns:a="http://schemas.openxmlformats.org/drawingml/2006/main" xmlns:r="http://schemas.openxmlformats.org/officeDocument/2006/relationships" xmlns:p="http://schemas.openxmlformats.org/presentationml/2006/main">
+  <p:cSld>
+    <p:spTree>
+      <p:nvGrpSpPr>
+        <p:cNvPr id="1" name=""/>
+        <p:cNvGrpSpPr/>
+        <p:nvPr/>
+      </p:nvGrpSpPr>
+      <p:grpSpPr>
+        <a:xfrm>
+          <a:off x="0" y="0"/>
+          <a:ext cx="0" cy="0"/>
+          <a:chOff x="0" y="0"/>
+          <a:chExt cx="0" cy="0"/>
+        </a:xfrm>
+      </p:grpSpPr>
+      <p:sp>
+        <p:nvSpPr>
+          <p:cNvPr id="3" name="Date Placeholder 2"/>
+          <p:cNvSpPr>
+            <a:spLocks noGrp="1"/>
+          </p:cNvSpPr>
+          <p:nvPr>
+            <p:ph type="dt" sz="half" idx="10"/>
+          </p:nvPr>
+        </p:nvSpPr>
+        <p:spPr/>
+        <p:txBody>
+          <a:bodyPr/>
           <a:lstStyle/>
           <a:p>
-            <a:pPr marL="800100" lvl="1" indent="-342900">
+            <a:fld id="{760FBDFE-C587-4B4C-A407-44438C67B59E}" type="datetime1">
+              <a:rPr lang="en-US" altLang="en-US" smtClean="0"/>
+            </a:fld>
+            <a:endParaRPr lang="zh-CN" altLang="en-US"/>
+          </a:p>
+        </p:txBody>
+      </p:sp>
+      <p:sp>
+        <p:nvSpPr>
+          <p:cNvPr id="12" name="Slide Number Placeholder 11"/>
+          <p:cNvSpPr>
+            <a:spLocks noGrp="1"/>
+          </p:cNvSpPr>
+          <p:nvPr>
+            <p:ph type="sldNum" sz="quarter" idx="12"/>
+          </p:nvPr>
+        </p:nvSpPr>
+        <p:spPr/>
+        <p:txBody>
+          <a:bodyPr/>
+          <a:lstStyle/>
+          <a:p>
+            <a:fld id="{49AE70B2-8BF9-45C0-BB95-33D1B9D3A854}" type="slidenum">
+              <a:rPr lang="zh-CN" altLang="en-US" smtClean="0"/>
+            </a:fld>
+            <a:endParaRPr lang="zh-CN" altLang="en-US"/>
+          </a:p>
+        </p:txBody>
+      </p:sp>
+      <p:sp>
+        <p:nvSpPr>
+          <p:cNvPr id="13" name="Footer Placeholder 12"/>
+          <p:cNvSpPr>
+            <a:spLocks noGrp="1"/>
+          </p:cNvSpPr>
+          <p:nvPr>
+            <p:ph type="ftr" sz="quarter" idx="11"/>
+          </p:nvPr>
+        </p:nvSpPr>
+        <p:spPr/>
+        <p:txBody>
+          <a:bodyPr/>
+          <a:lstStyle/>
+          <a:p>
+            <a:r>
+              <a:rPr lang="de-DE" altLang="zh-CN">
+                <a:sym typeface="+mn-ea"/>
+              </a:rPr>
+              <a:t>Real-Time Time-Optimal Spacecraft Attitude Control</a:t>
+            </a:r>
+            <a:endParaRPr lang="zh-CN" altLang="en-US"/>
+          </a:p>
+        </p:txBody>
+      </p:sp>
+      <p:sp>
+        <p:nvSpPr>
+          <p:cNvPr id="2" name="Title 1"/>
+          <p:cNvSpPr>
+            <a:spLocks noGrp="1"/>
+          </p:cNvSpPr>
+          <p:nvPr>
+            <p:ph type="title"/>
+          </p:nvPr>
+        </p:nvSpPr>
+        <p:spPr/>
+        <p:txBody>
+          <a:bodyPr/>
+          <a:lstStyle/>
+          <a:p>
+            <a:r>
+              <a:rPr lang="de-DE" altLang="en-US" sz="4400" dirty="0">
+                <a:latin typeface="Arial Black" panose="020B0A04020102020204" charset="0"/>
+                <a:cs typeface="Arial Black" panose="020B0A04020102020204" charset="0"/>
+              </a:rPr>
+              <a:t>Results</a:t>
+            </a:r>
+            <a:endParaRPr lang="de-DE" altLang="en-US" sz="4400" dirty="0">
+              <a:latin typeface="Arial Black" panose="020B0A04020102020204" charset="0"/>
+              <a:cs typeface="Arial Black" panose="020B0A04020102020204" charset="0"/>
+            </a:endParaRPr>
+          </a:p>
+        </p:txBody>
+      </p:sp>
+      <p:sp>
+        <p:nvSpPr>
+          <p:cNvPr id="4" name="Text Box 3"/>
+          <p:cNvSpPr txBox="1"/>
+          <p:nvPr/>
+        </p:nvSpPr>
+        <p:spPr>
+          <a:xfrm>
+            <a:off x="1012190" y="1171575"/>
+            <a:ext cx="10341610" cy="1106805"/>
+          </a:xfrm>
+          <a:prstGeom prst="rect">
+            <a:avLst/>
+          </a:prstGeom>
+          <a:noFill/>
+        </p:spPr>
+        <p:txBody>
+          <a:bodyPr wrap="square" rtlCol="0">
+            <a:spAutoFit/>
+          </a:bodyPr>
+          <a:p>
+            <a:pPr marL="342900" indent="-342900">
+              <a:buFont typeface="+mj-lt"/>
+              <a:buAutoNum type="arabicPeriod" startAt="5"/>
+            </a:pPr>
+            <a:r>
+              <a:rPr lang="de-DE" altLang="en-US">
+                <a:cs typeface="+mn-lt"/>
+              </a:rPr>
+              <a:t>PSO + Fatrop VS only Fatrop</a:t>
+            </a:r>
+            <a:r>
+              <a:rPr lang="de-DE" altLang="en-US">
+                <a:cs typeface="+mn-lt"/>
+                <a:sym typeface="+mn-ea"/>
+              </a:rPr>
+              <a:t> NLP solvers</a:t>
+            </a:r>
+            <a:endParaRPr lang="de-DE" altLang="en-US">
+              <a:cs typeface="+mn-lt"/>
+            </a:endParaRPr>
+          </a:p>
+          <a:p>
+            <a:pPr marL="742950" lvl="1" indent="-285750">
+              <a:buFont typeface="Arial" panose="020B0604020202020204" pitchFamily="34" charset="0"/>
+              <a:buChar char="•"/>
+            </a:pPr>
+            <a:r>
+              <a:rPr lang="de-DE" altLang="en-US" sz="1600" b="1">
+                <a:cs typeface="+mn-lt"/>
+              </a:rPr>
+              <a:t>Result: </a:t>
+            </a:r>
+            <a:r>
+              <a:rPr lang="de-DE" altLang="en-US" sz="1600">
+                <a:cs typeface="+mn-lt"/>
+              </a:rPr>
+              <a:t>PSO + Fatrop finds a solution ~2x as fast as only fatrop. T_total &lt; 0.2s</a:t>
+            </a:r>
+            <a:endParaRPr lang="de-DE" altLang="en-US" sz="1600">
+              <a:cs typeface="+mn-lt"/>
+              <a:sym typeface="+mn-ea"/>
+            </a:endParaRPr>
+          </a:p>
+          <a:p>
+            <a:pPr marL="742950" lvl="1" indent="-285750">
+              <a:buFont typeface="Arial" panose="020B0604020202020204" pitchFamily="34" charset="0"/>
+              <a:buChar char="•"/>
+            </a:pPr>
+            <a:r>
+              <a:rPr lang="de-DE" altLang="en-US" sz="1600" b="1">
+                <a:cs typeface="+mn-lt"/>
+                <a:sym typeface="+mn-ea"/>
+              </a:rPr>
+              <a:t>Reason:</a:t>
+            </a:r>
+            <a:r>
+              <a:rPr lang="de-DE" altLang="en-US" sz="1600">
+                <a:cs typeface="+mn-lt"/>
+                <a:sym typeface="+mn-ea"/>
+              </a:rPr>
+              <a:t> </a:t>
+            </a:r>
+            <a:r>
+              <a:rPr lang="de-DE" altLang="en-US" sz="1600">
+                <a:cs typeface="+mn-lt"/>
+              </a:rPr>
+              <a:t>Fatrop finds a solution much faster with a good initial guess</a:t>
+            </a:r>
+            <a:endParaRPr lang="de-DE" altLang="en-US" sz="1600">
+              <a:cs typeface="+mn-lt"/>
+            </a:endParaRPr>
+          </a:p>
+          <a:p>
+            <a:pPr marL="742950" lvl="1" indent="-285750">
+              <a:buFont typeface="Arial" panose="020B0604020202020204" pitchFamily="34" charset="0"/>
+              <a:buChar char="•"/>
+            </a:pPr>
+            <a:r>
+              <a:rPr lang="de-DE" altLang="en-US" sz="1600" b="1">
+                <a:cs typeface="+mn-lt"/>
+              </a:rPr>
+              <a:t>Conclusion:</a:t>
+            </a:r>
+            <a:r>
+              <a:rPr lang="de-DE" altLang="en-US" sz="1600">
+                <a:cs typeface="+mn-lt"/>
+              </a:rPr>
+              <a:t> PSO + Fatrop seems to be the most optimal solver configuration</a:t>
+            </a:r>
+            <a:endParaRPr lang="de-DE" altLang="en-US" sz="1600">
+              <a:cs typeface="+mn-lt"/>
+            </a:endParaRPr>
+          </a:p>
+        </p:txBody>
+      </p:sp>
+    </p:spTree>
+  </p:cSld>
+  <p:clrMapOvr>
+    <a:masterClrMapping/>
+  </p:clrMapOvr>
+</p:sld>
+</file>
+
+<file path=ppt/slides/slide12.xml><?xml version="1.0" encoding="utf-8"?>
+<p:sld xmlns:a="http://schemas.openxmlformats.org/drawingml/2006/main" xmlns:r="http://schemas.openxmlformats.org/officeDocument/2006/relationships" xmlns:p="http://schemas.openxmlformats.org/presentationml/2006/main">
+  <p:cSld>
+    <p:spTree>
+      <p:nvGrpSpPr>
+        <p:cNvPr id="1" name=""/>
+        <p:cNvGrpSpPr/>
+        <p:nvPr/>
+      </p:nvGrpSpPr>
+      <p:grpSpPr>
+        <a:xfrm>
+          <a:off x="0" y="0"/>
+          <a:ext cx="0" cy="0"/>
+          <a:chOff x="0" y="0"/>
+          <a:chExt cx="0" cy="0"/>
+        </a:xfrm>
+      </p:grpSpPr>
+      <p:sp>
+        <p:nvSpPr>
+          <p:cNvPr id="8" name="Oval 7"/>
+          <p:cNvSpPr/>
+          <p:nvPr/>
+        </p:nvSpPr>
+        <p:spPr>
+          <a:xfrm>
+            <a:off x="4264978" y="1597978"/>
+            <a:ext cx="3662045" cy="3662045"/>
+          </a:xfrm>
+          <a:prstGeom prst="ellipse">
+            <a:avLst/>
+          </a:prstGeom>
+          <a:noFill/>
+          <a:ln w="203200">
+            <a:solidFill>
+              <a:schemeClr val="bg1"/>
+            </a:solidFill>
+          </a:ln>
+          <a:extLst>
+            <a:ext uri="{909E8E84-426E-40DD-AFC4-6F175D3DCCD1}">
+              <a14:hiddenFill xmlns:a14="http://schemas.microsoft.com/office/drawing/2010/main">
+                <a:solidFill>
+                  <a:schemeClr val="accent1"/>
+                </a:solidFill>
+              </a14:hiddenFill>
+            </a:ext>
+          </a:extLst>
+        </p:spPr>
+        <p:style>
+          <a:lnRef idx="2">
+            <a:schemeClr val="accent1">
+              <a:shade val="50000"/>
+            </a:schemeClr>
+          </a:lnRef>
+          <a:fillRef idx="1">
+            <a:schemeClr val="accent1"/>
+          </a:fillRef>
+          <a:effectRef idx="0">
+            <a:schemeClr val="accent1"/>
+          </a:effectRef>
+          <a:fontRef idx="minor">
+            <a:schemeClr val="lt1"/>
+          </a:fontRef>
+        </p:style>
+        <p:txBody>
+          <a:bodyPr rtlCol="0" anchor="ctr"/>
+          <a:p>
+            <a:pPr algn="ctr"/>
+            <a:endParaRPr lang="en-US"/>
+          </a:p>
+        </p:txBody>
+      </p:sp>
+      <p:sp>
+        <p:nvSpPr>
+          <p:cNvPr id="3" name="Date Placeholder 2"/>
+          <p:cNvSpPr>
+            <a:spLocks noGrp="1"/>
+          </p:cNvSpPr>
+          <p:nvPr>
+            <p:ph type="dt" sz="half" idx="10"/>
+          </p:nvPr>
+        </p:nvSpPr>
+        <p:spPr/>
+        <p:txBody>
+          <a:bodyPr/>
+          <a:lstStyle/>
+          <a:p>
+            <a:fld id="{760FBDFE-C587-4B4C-A407-44438C67B59E}" type="datetime1">
+              <a:rPr lang="en-US" altLang="en-US" smtClean="0"/>
+            </a:fld>
+            <a:endParaRPr lang="zh-CN" altLang="en-US"/>
+          </a:p>
+        </p:txBody>
+      </p:sp>
+      <p:sp>
+        <p:nvSpPr>
+          <p:cNvPr id="12" name="Slide Number Placeholder 11"/>
+          <p:cNvSpPr>
+            <a:spLocks noGrp="1"/>
+          </p:cNvSpPr>
+          <p:nvPr>
+            <p:ph type="sldNum" sz="quarter" idx="12"/>
+          </p:nvPr>
+        </p:nvSpPr>
+        <p:spPr/>
+        <p:txBody>
+          <a:bodyPr/>
+          <a:lstStyle/>
+          <a:p>
+            <a:fld id="{49AE70B2-8BF9-45C0-BB95-33D1B9D3A854}" type="slidenum">
+              <a:rPr lang="zh-CN" altLang="en-US" smtClean="0"/>
+            </a:fld>
+            <a:endParaRPr lang="zh-CN" altLang="en-US"/>
+          </a:p>
+        </p:txBody>
+      </p:sp>
+      <p:sp>
+        <p:nvSpPr>
+          <p:cNvPr id="13" name="Footer Placeholder 12"/>
+          <p:cNvSpPr>
+            <a:spLocks noGrp="1"/>
+          </p:cNvSpPr>
+          <p:nvPr>
+            <p:ph type="ftr" sz="quarter" idx="11"/>
+          </p:nvPr>
+        </p:nvSpPr>
+        <p:spPr/>
+        <p:txBody>
+          <a:bodyPr/>
+          <a:lstStyle/>
+          <a:p>
+            <a:r>
+              <a:rPr lang="de-DE" altLang="zh-CN">
+                <a:sym typeface="+mn-ea"/>
+              </a:rPr>
+              <a:t>Real-Time Time-Optimal Spacecraft Attitude Control</a:t>
+            </a:r>
+            <a:endParaRPr lang="zh-CN" altLang="en-US"/>
+          </a:p>
+        </p:txBody>
+      </p:sp>
+      <p:sp>
+        <p:nvSpPr>
+          <p:cNvPr id="2" name="Title 1"/>
+          <p:cNvSpPr>
+            <a:spLocks noGrp="1"/>
+          </p:cNvSpPr>
+          <p:nvPr>
+            <p:ph type="title"/>
+          </p:nvPr>
+        </p:nvSpPr>
+        <p:spPr/>
+        <p:txBody>
+          <a:bodyPr/>
+          <a:lstStyle/>
+          <a:p>
+            <a:r>
+              <a:rPr lang="de-DE" altLang="en-US" sz="4400" dirty="0">
+                <a:latin typeface="Arial Black" panose="020B0A04020102020204" charset="0"/>
+                <a:cs typeface="Arial Black" panose="020B0A04020102020204" charset="0"/>
+              </a:rPr>
+              <a:t>What‘s Next?</a:t>
+            </a:r>
+            <a:endParaRPr lang="de-DE" altLang="en-US" sz="4400" dirty="0">
+              <a:latin typeface="Arial Black" panose="020B0A04020102020204" charset="0"/>
+              <a:cs typeface="Arial Black" panose="020B0A04020102020204" charset="0"/>
+            </a:endParaRPr>
+          </a:p>
+        </p:txBody>
+      </p:sp>
+      <p:sp>
+        <p:nvSpPr>
+          <p:cNvPr id="4" name="Rounded Rectangle 3"/>
+          <p:cNvSpPr/>
+          <p:nvPr/>
+        </p:nvSpPr>
+        <p:spPr>
+          <a:xfrm>
+            <a:off x="2066290" y="2211705"/>
+            <a:ext cx="2686685" cy="1084580"/>
+          </a:xfrm>
+          <a:prstGeom prst="roundRect">
+            <a:avLst>
+              <a:gd name="adj" fmla="val 20416"/>
+            </a:avLst>
+          </a:prstGeom>
+        </p:spPr>
+        <p:style>
+          <a:lnRef idx="2">
+            <a:schemeClr val="accent1">
+              <a:shade val="50000"/>
+            </a:schemeClr>
+          </a:lnRef>
+          <a:fillRef idx="1">
+            <a:schemeClr val="accent1"/>
+          </a:fillRef>
+          <a:effectRef idx="0">
+            <a:schemeClr val="accent1"/>
+          </a:effectRef>
+          <a:fontRef idx="minor">
+            <a:schemeClr val="lt1"/>
+          </a:fontRef>
+        </p:style>
+        <p:txBody>
+          <a:bodyPr lIns="0" tIns="0" rIns="0" bIns="0" rtlCol="0" anchor="ctr"/>
+          <a:p>
+            <a:pPr lvl="0" indent="0" algn="ctr">
               <a:lnSpc>
-                <a:spcPct val="200000"/>
+                <a:spcPct val="120000"/>
               </a:lnSpc>
               <a:buFont typeface="+mj-lt"/>
-              <a:buAutoNum type="arabicPeriod"/>
+              <a:buNone/>
             </a:pPr>
             <a:r>
-              <a:rPr lang="en-GB" altLang="de-DE" dirty="0">
+              <a:rPr lang="en-GB" altLang="de-DE" b="1" dirty="0">
                 <a:latin typeface="+mn-ea"/>
                 <a:cs typeface="+mn-ea"/>
+                <a:sym typeface="+mn-ea"/>
               </a:rPr>
               <a:t>Implement and test direct collocation</a:t>
             </a:r>
-          </a:p>
-          <a:p>
-            <a:pPr marL="800100" lvl="1" indent="-342900">
+            <a:endParaRPr lang="en-GB" altLang="de-DE" b="1" dirty="0">
+              <a:latin typeface="+mn-ea"/>
+              <a:cs typeface="+mn-ea"/>
+              <a:sym typeface="+mn-ea"/>
+            </a:endParaRPr>
+          </a:p>
+        </p:txBody>
+      </p:sp>
+      <p:sp>
+        <p:nvSpPr>
+          <p:cNvPr id="6" name="Rounded Rectangle 5"/>
+          <p:cNvSpPr/>
+          <p:nvPr/>
+        </p:nvSpPr>
+        <p:spPr>
+          <a:xfrm>
+            <a:off x="7439660" y="2211705"/>
+            <a:ext cx="2686685" cy="1084580"/>
+          </a:xfrm>
+          <a:prstGeom prst="roundRect">
+            <a:avLst>
+              <a:gd name="adj" fmla="val 20416"/>
+            </a:avLst>
+          </a:prstGeom>
+        </p:spPr>
+        <p:style>
+          <a:lnRef idx="2">
+            <a:schemeClr val="accent1">
+              <a:shade val="50000"/>
+            </a:schemeClr>
+          </a:lnRef>
+          <a:fillRef idx="1">
+            <a:schemeClr val="accent1"/>
+          </a:fillRef>
+          <a:effectRef idx="0">
+            <a:schemeClr val="accent1"/>
+          </a:effectRef>
+          <a:fontRef idx="minor">
+            <a:schemeClr val="lt1"/>
+          </a:fontRef>
+        </p:style>
+        <p:txBody>
+          <a:bodyPr vertOverflow="overflow" horzOverflow="overflow" vert="horz" wrap="square" lIns="0" tIns="0" rIns="0" bIns="0" numCol="1" spcCol="0" rtlCol="0" fromWordArt="0" anchor="ctr" anchorCtr="0" forceAA="0" compatLnSpc="1">
+            <a:noAutofit/>
+          </a:bodyPr>
+          <a:p>
+            <a:pPr lvl="0" algn="ctr">
               <a:lnSpc>
-                <a:spcPct val="200000"/>
+                <a:spcPct val="120000"/>
               </a:lnSpc>
+              <a:buClrTx/>
+              <a:buSzTx/>
               <a:buFont typeface="+mj-lt"/>
-              <a:buAutoNum type="arabicPeriod"/>
             </a:pPr>
             <a:r>
-              <a:rPr lang="en-GB" altLang="de-DE" dirty="0">
+              <a:rPr lang="en-GB" altLang="de-DE" b="1" dirty="0">
                 <a:latin typeface="+mn-ea"/>
                 <a:cs typeface="+mn-ea"/>
+                <a:sym typeface="+mn-ea"/>
               </a:rPr>
-              <a:t>Experiment with different solvers</a:t>
-            </a:r>
-          </a:p>
-          <a:p>
-            <a:pPr marL="800100" lvl="1" indent="-342900">
-              <a:lnSpc>
-                <a:spcPct val="200000"/>
-              </a:lnSpc>
-              <a:buFont typeface="+mj-lt"/>
-              <a:buAutoNum type="arabicPeriod"/>
-            </a:pPr>
-            <a:r>
-              <a:rPr lang="en-US" altLang="de-DE" dirty="0">
+              <a:t>E</a:t>
+            </a:r>
+            <a:r>
+              <a:rPr lang="en-GB" altLang="de-DE" b="1" dirty="0">
                 <a:latin typeface="+mn-ea"/>
                 <a:cs typeface="+mn-ea"/>
+                <a:sym typeface="+mn-ea"/>
               </a:rPr>
-              <a:t>Create a Monte-Carlo simulation for robustness testing</a:t>
-            </a:r>
+              <a:t>x</a:t>
+            </a:r>
+            <a:r>
+              <a:rPr lang="en-GB" altLang="de-DE" b="1" dirty="0">
+                <a:latin typeface="+mn-ea"/>
+                <a:cs typeface="+mn-ea"/>
+                <a:sym typeface="+mn-ea"/>
+              </a:rPr>
+              <a:t>periment with different solvers</a:t>
+            </a:r>
+            <a:endParaRPr lang="en-GB" altLang="de-DE" b="1" dirty="0">
+              <a:latin typeface="+mn-ea"/>
+              <a:cs typeface="+mn-ea"/>
+              <a:sym typeface="+mn-ea"/>
+            </a:endParaRPr>
+          </a:p>
+        </p:txBody>
+      </p:sp>
+      <p:sp>
+        <p:nvSpPr>
+          <p:cNvPr id="7" name="Rounded Rectangle 6"/>
+          <p:cNvSpPr/>
+          <p:nvPr/>
+        </p:nvSpPr>
+        <p:spPr>
+          <a:xfrm>
+            <a:off x="4752975" y="4938395"/>
+            <a:ext cx="2686685" cy="1084580"/>
+          </a:xfrm>
+          <a:prstGeom prst="roundRect">
+            <a:avLst>
+              <a:gd name="adj" fmla="val 20416"/>
+            </a:avLst>
+          </a:prstGeom>
+        </p:spPr>
+        <p:style>
+          <a:lnRef idx="2">
+            <a:schemeClr val="accent1">
+              <a:shade val="50000"/>
+            </a:schemeClr>
+          </a:lnRef>
+          <a:fillRef idx="1">
+            <a:schemeClr val="accent1"/>
+          </a:fillRef>
+          <a:effectRef idx="0">
+            <a:schemeClr val="accent1"/>
+          </a:effectRef>
+          <a:fontRef idx="minor">
+            <a:schemeClr val="lt1"/>
+          </a:fontRef>
+        </p:style>
+        <p:txBody>
+          <a:bodyPr vertOverflow="overflow" horzOverflow="overflow" vert="horz" wrap="square" lIns="0" tIns="0" rIns="0" bIns="0" numCol="1" spcCol="0" rtlCol="0" fromWordArt="0" anchor="ctr" anchorCtr="0" forceAA="0" compatLnSpc="1">
+            <a:noAutofit/>
+          </a:bodyPr>
+          <a:p>
+            <a:pPr lvl="0" algn="ctr">
+              <a:lnSpc>
+                <a:spcPct val="120000"/>
+              </a:lnSpc>
+              <a:buClrTx/>
+              <a:buSzTx/>
+              <a:buFont typeface="+mj-lt"/>
+            </a:pPr>
+            <a:r>
+              <a:rPr lang="en-GB" altLang="de-DE" b="1" dirty="0">
+                <a:latin typeface="+mn-ea"/>
+                <a:cs typeface="+mn-ea"/>
+                <a:sym typeface="+mn-ea"/>
+              </a:rPr>
+              <a:t>Create a Monte</a:t>
+            </a:r>
+            <a:r>
+              <a:rPr lang="de-DE" altLang="en-GB" b="1" dirty="0">
+                <a:latin typeface="Calibri" charset="0"/>
+                <a:cs typeface="+mn-ea"/>
+                <a:sym typeface="+mn-ea"/>
+              </a:rPr>
+              <a:t> </a:t>
+            </a:r>
+            <a:r>
+              <a:rPr lang="en-GB" altLang="de-DE" b="1" dirty="0">
+                <a:latin typeface="+mn-ea"/>
+                <a:cs typeface="+mn-ea"/>
+                <a:sym typeface="+mn-ea"/>
+              </a:rPr>
+              <a:t>Carlo simulation for robustness testing</a:t>
+            </a:r>
+            <a:endParaRPr lang="en-GB" altLang="de-DE" b="1" dirty="0">
+              <a:latin typeface="+mn-ea"/>
+              <a:cs typeface="+mn-ea"/>
+              <a:sym typeface="+mn-ea"/>
+            </a:endParaRPr>
+          </a:p>
+        </p:txBody>
+      </p:sp>
+      <p:sp>
+        <p:nvSpPr>
+          <p:cNvPr id="9" name="Text Box 8"/>
+          <p:cNvSpPr txBox="1"/>
+          <p:nvPr/>
+        </p:nvSpPr>
+        <p:spPr>
+          <a:xfrm>
+            <a:off x="5339715" y="1544320"/>
+            <a:ext cx="1512570" cy="3769360"/>
+          </a:xfrm>
+          <a:prstGeom prst="rect">
+            <a:avLst/>
+          </a:prstGeom>
+          <a:noFill/>
+        </p:spPr>
+        <p:txBody>
+          <a:bodyPr wrap="none" rtlCol="0" anchor="ctr" anchorCtr="0">
+            <a:spAutoFit/>
+          </a:bodyPr>
+          <a:p>
+            <a:pPr algn="ctr"/>
+            <a:r>
+              <a:rPr lang="de-DE" altLang="en-US" sz="23900" b="1">
+                <a:latin typeface="Calibri" charset="0"/>
+              </a:rPr>
+              <a:t>?</a:t>
+            </a:r>
+            <a:endParaRPr lang="de-DE" altLang="en-US" sz="23900" b="1">
+              <a:latin typeface="Calibri" charset="0"/>
+            </a:endParaRPr>
+          </a:p>
+        </p:txBody>
+      </p:sp>
+      <p:sp>
+        <p:nvSpPr>
+          <p:cNvPr id="10" name="Half Frame 9"/>
+          <p:cNvSpPr/>
+          <p:nvPr/>
+        </p:nvSpPr>
+        <p:spPr>
+          <a:xfrm rot="2340000">
+            <a:off x="4005580" y="3249930"/>
+            <a:ext cx="531495" cy="531495"/>
+          </a:xfrm>
+          <a:prstGeom prst="halfFrame">
+            <a:avLst/>
+          </a:prstGeom>
+          <a:solidFill>
+            <a:schemeClr val="bg1"/>
+          </a:solidFill>
+          <a:ln>
+            <a:noFill/>
+          </a:ln>
+        </p:spPr>
+        <p:style>
+          <a:lnRef idx="2">
+            <a:schemeClr val="accent1">
+              <a:shade val="50000"/>
+            </a:schemeClr>
+          </a:lnRef>
+          <a:fillRef idx="1">
+            <a:schemeClr val="accent1"/>
+          </a:fillRef>
+          <a:effectRef idx="0">
+            <a:schemeClr val="accent1"/>
+          </a:effectRef>
+          <a:fontRef idx="minor">
+            <a:schemeClr val="lt1"/>
+          </a:fontRef>
+        </p:style>
+        <p:txBody>
+          <a:bodyPr rtlCol="0" anchor="ctr"/>
+          <a:p>
+            <a:pPr algn="ctr"/>
+            <a:endParaRPr lang="en-US">
+              <a:solidFill>
+                <a:schemeClr val="tx1"/>
+              </a:solidFill>
+            </a:endParaRPr>
+          </a:p>
+        </p:txBody>
+      </p:sp>
+      <p:sp>
+        <p:nvSpPr>
+          <p:cNvPr id="11" name="Half Frame 10"/>
+          <p:cNvSpPr/>
+          <p:nvPr/>
+        </p:nvSpPr>
+        <p:spPr>
+          <a:xfrm rot="10320000">
+            <a:off x="4624705" y="4540250"/>
+            <a:ext cx="531495" cy="531495"/>
+          </a:xfrm>
+          <a:prstGeom prst="halfFrame">
+            <a:avLst/>
+          </a:prstGeom>
+          <a:solidFill>
+            <a:schemeClr val="bg1"/>
+          </a:solidFill>
+          <a:ln>
+            <a:noFill/>
+          </a:ln>
+        </p:spPr>
+        <p:style>
+          <a:lnRef idx="2">
+            <a:schemeClr val="accent1">
+              <a:shade val="50000"/>
+            </a:schemeClr>
+          </a:lnRef>
+          <a:fillRef idx="1">
+            <a:schemeClr val="accent1"/>
+          </a:fillRef>
+          <a:effectRef idx="0">
+            <a:schemeClr val="accent1"/>
+          </a:effectRef>
+          <a:fontRef idx="minor">
+            <a:schemeClr val="lt1"/>
+          </a:fontRef>
+        </p:style>
+        <p:txBody>
+          <a:bodyPr rtlCol="0" anchor="ctr"/>
+          <a:p>
+            <a:pPr algn="ctr"/>
+            <a:endParaRPr lang="en-US">
+              <a:solidFill>
+                <a:schemeClr val="tx1"/>
+              </a:solidFill>
+            </a:endParaRPr>
+          </a:p>
+        </p:txBody>
+      </p:sp>
+      <p:sp>
+        <p:nvSpPr>
+          <p:cNvPr id="14" name="Half Frame 13"/>
+          <p:cNvSpPr/>
+          <p:nvPr/>
+        </p:nvSpPr>
+        <p:spPr>
+          <a:xfrm rot="11100000">
+            <a:off x="7105015" y="1852930"/>
+            <a:ext cx="531495" cy="531495"/>
+          </a:xfrm>
+          <a:prstGeom prst="halfFrame">
+            <a:avLst/>
+          </a:prstGeom>
+          <a:solidFill>
+            <a:schemeClr val="bg1"/>
+          </a:solidFill>
+          <a:ln>
+            <a:noFill/>
+          </a:ln>
+        </p:spPr>
+        <p:style>
+          <a:lnRef idx="2">
+            <a:schemeClr val="accent1">
+              <a:shade val="50000"/>
+            </a:schemeClr>
+          </a:lnRef>
+          <a:fillRef idx="1">
+            <a:schemeClr val="accent1"/>
+          </a:fillRef>
+          <a:effectRef idx="0">
+            <a:schemeClr val="accent1"/>
+          </a:effectRef>
+          <a:fontRef idx="minor">
+            <a:schemeClr val="lt1"/>
+          </a:fontRef>
+        </p:style>
+        <p:txBody>
+          <a:bodyPr rtlCol="0" anchor="ctr"/>
+          <a:p>
+            <a:pPr algn="ctr"/>
+            <a:endParaRPr lang="en-US">
+              <a:solidFill>
+                <a:schemeClr val="tx1"/>
+              </a:solidFill>
+            </a:endParaRPr>
+          </a:p>
+        </p:txBody>
+      </p:sp>
+      <p:sp>
+        <p:nvSpPr>
+          <p:cNvPr id="15" name="Half Frame 14"/>
+          <p:cNvSpPr/>
+          <p:nvPr/>
+        </p:nvSpPr>
+        <p:spPr>
+          <a:xfrm rot="2700000">
+            <a:off x="7654925" y="3255010"/>
+            <a:ext cx="531495" cy="531495"/>
+          </a:xfrm>
+          <a:prstGeom prst="halfFrame">
+            <a:avLst/>
+          </a:prstGeom>
+          <a:solidFill>
+            <a:schemeClr val="bg1"/>
+          </a:solidFill>
+          <a:ln>
+            <a:noFill/>
+          </a:ln>
+        </p:spPr>
+        <p:style>
+          <a:lnRef idx="2">
+            <a:schemeClr val="accent1">
+              <a:shade val="50000"/>
+            </a:schemeClr>
+          </a:lnRef>
+          <a:fillRef idx="1">
+            <a:schemeClr val="accent1"/>
+          </a:fillRef>
+          <a:effectRef idx="0">
+            <a:schemeClr val="accent1"/>
+          </a:effectRef>
+          <a:fontRef idx="minor">
+            <a:schemeClr val="lt1"/>
+          </a:fontRef>
+        </p:style>
+        <p:txBody>
+          <a:bodyPr rtlCol="0" anchor="ctr"/>
+          <a:p>
+            <a:pPr algn="ctr"/>
+            <a:endParaRPr lang="en-US">
+              <a:solidFill>
+                <a:schemeClr val="tx1"/>
+              </a:solidFill>
+            </a:endParaRPr>
+          </a:p>
+        </p:txBody>
+      </p:sp>
+      <p:sp>
+        <p:nvSpPr>
+          <p:cNvPr id="16" name="Half Frame 15"/>
+          <p:cNvSpPr/>
+          <p:nvPr/>
+        </p:nvSpPr>
+        <p:spPr>
+          <a:xfrm rot="16380000">
+            <a:off x="6986905" y="4559935"/>
+            <a:ext cx="531495" cy="531495"/>
+          </a:xfrm>
+          <a:prstGeom prst="halfFrame">
+            <a:avLst/>
+          </a:prstGeom>
+          <a:solidFill>
+            <a:schemeClr val="bg1"/>
+          </a:solidFill>
+          <a:ln>
+            <a:noFill/>
+          </a:ln>
+        </p:spPr>
+        <p:style>
+          <a:lnRef idx="2">
+            <a:schemeClr val="accent1">
+              <a:shade val="50000"/>
+            </a:schemeClr>
+          </a:lnRef>
+          <a:fillRef idx="1">
+            <a:schemeClr val="accent1"/>
+          </a:fillRef>
+          <a:effectRef idx="0">
+            <a:schemeClr val="accent1"/>
+          </a:effectRef>
+          <a:fontRef idx="minor">
+            <a:schemeClr val="lt1"/>
+          </a:fontRef>
+        </p:style>
+        <p:txBody>
+          <a:bodyPr rtlCol="0" anchor="ctr"/>
+          <a:p>
+            <a:pPr algn="ctr"/>
+            <a:endParaRPr lang="en-US">
+              <a:solidFill>
+                <a:schemeClr val="tx1"/>
+              </a:solidFill>
+            </a:endParaRPr>
+          </a:p>
+        </p:txBody>
+      </p:sp>
+      <p:sp>
+        <p:nvSpPr>
+          <p:cNvPr id="17" name="Half Frame 16"/>
+          <p:cNvSpPr/>
+          <p:nvPr/>
+        </p:nvSpPr>
+        <p:spPr>
+          <a:xfrm rot="16380000">
+            <a:off x="4563745" y="1844040"/>
+            <a:ext cx="531495" cy="531495"/>
+          </a:xfrm>
+          <a:prstGeom prst="halfFrame">
+            <a:avLst/>
+          </a:prstGeom>
+          <a:solidFill>
+            <a:schemeClr val="bg1"/>
+          </a:solidFill>
+          <a:ln>
+            <a:noFill/>
+          </a:ln>
+        </p:spPr>
+        <p:style>
+          <a:lnRef idx="2">
+            <a:schemeClr val="accent1">
+              <a:shade val="50000"/>
+            </a:schemeClr>
+          </a:lnRef>
+          <a:fillRef idx="1">
+            <a:schemeClr val="accent1"/>
+          </a:fillRef>
+          <a:effectRef idx="0">
+            <a:schemeClr val="accent1"/>
+          </a:effectRef>
+          <a:fontRef idx="minor">
+            <a:schemeClr val="lt1"/>
+          </a:fontRef>
+        </p:style>
+        <p:txBody>
+          <a:bodyPr rtlCol="0" anchor="ctr"/>
+          <a:p>
+            <a:pPr algn="ctr"/>
+            <a:endParaRPr lang="en-US">
+              <a:solidFill>
+                <a:schemeClr val="tx1"/>
+              </a:solidFill>
+            </a:endParaRPr>
           </a:p>
         </p:txBody>
       </p:sp>
     </p:spTree>
-    <p:extLst>
-      <p:ext uri="{BB962C8B-B14F-4D97-AF65-F5344CB8AC3E}">
-        <p14:creationId xmlns:p14="http://schemas.microsoft.com/office/powerpoint/2010/main" val="1474374287"/>
-      </p:ext>
-    </p:extLst>
   </p:cSld>
   <p:clrMapOvr>
     <a:masterClrMapping/>
@@ -6950,6 +8204,10 @@
               </a:rPr>
               <a:t>Objectives</a:t>
             </a:r>
+            <a:endParaRPr lang="de-DE" altLang="en-US" sz="4400">
+              <a:latin typeface="Arial Black" panose="020B0A04020102020204" charset="0"/>
+              <a:cs typeface="Arial Black" panose="020B0A04020102020204" charset="0"/>
+            </a:endParaRPr>
           </a:p>
         </p:txBody>
       </p:sp>
@@ -7014,6 +8272,13 @@
               </a:rPr>
               <a:t>st</a:t>
             </a:r>
+            <a:endParaRPr lang="de-DE" altLang="en-US" sz="2000" b="1" baseline="50000">
+              <a:solidFill>
+                <a:srgbClr val="000000"/>
+              </a:solidFill>
+              <a:uFillTx/>
+              <a:cs typeface="+mn-lt"/>
+            </a:endParaRPr>
           </a:p>
         </p:txBody>
       </p:sp>
@@ -7078,6 +8343,13 @@
               </a:rPr>
               <a:t>nd</a:t>
             </a:r>
+            <a:endParaRPr lang="de-DE" altLang="en-US" sz="2000" b="1" baseline="50000" dirty="0">
+              <a:solidFill>
+                <a:srgbClr val="000000"/>
+              </a:solidFill>
+              <a:uFillTx/>
+              <a:cs typeface="+mn-lt"/>
+            </a:endParaRPr>
           </a:p>
         </p:txBody>
       </p:sp>
@@ -7131,6 +8403,9 @@
               </a:rPr>
               <a:t>Compute the time-optimal trajectory for any attitude maneuver</a:t>
             </a:r>
+            <a:endParaRPr lang="de-DE" altLang="en-US">
+              <a:cs typeface="+mn-lt"/>
+            </a:endParaRPr>
           </a:p>
         </p:txBody>
       </p:sp>
@@ -7184,6 +8459,9 @@
               </a:rPr>
               <a:t>Robustly obtain solutions in less than 1 second</a:t>
             </a:r>
+            <a:endParaRPr lang="de-DE" altLang="en-US">
+              <a:latin typeface="Calibri" charset="0"/>
+            </a:endParaRPr>
           </a:p>
         </p:txBody>
       </p:sp>
@@ -7265,6 +8543,9 @@
               </a:rPr>
               <a:t>min(maneuver_duration)</a:t>
             </a:r>
+            <a:endParaRPr lang="de-DE" altLang="en-US" sz="2000" b="1" i="1">
+              <a:latin typeface="Calibri" charset="0"/>
+            </a:endParaRPr>
           </a:p>
         </p:txBody>
       </p:sp>
@@ -7352,6 +8633,9 @@
               </a:rPr>
               <a:t>s</a:t>
             </a:r>
+            <a:endParaRPr lang="de-DE" altLang="en-US" sz="2000" b="1">
+              <a:latin typeface="Calibri" charset="0"/>
+            </a:endParaRPr>
           </a:p>
         </p:txBody>
       </p:sp>
@@ -7372,7 +8656,6 @@
           <a:p>
             <a:fld id="{760FBDFE-C587-4B4C-A407-44438C67B59E}" type="datetime1">
               <a:rPr lang="en-US" altLang="en-US" smtClean="0"/>
-              <a:t>9/22/2025</a:t>
             </a:fld>
             <a:endParaRPr lang="zh-CN" altLang="en-US"/>
           </a:p>
@@ -7395,7 +8678,6 @@
           <a:p>
             <a:fld id="{49AE70B2-8BF9-45C0-BB95-33D1B9D3A854}" type="slidenum">
               <a:rPr lang="zh-CN" altLang="en-US" smtClean="0"/>
-              <a:t>2</a:t>
             </a:fld>
             <a:endParaRPr lang="zh-CN" altLang="en-US"/>
           </a:p>
@@ -7473,6 +8755,10 @@
               </a:rPr>
               <a:t>Methodology</a:t>
             </a:r>
+            <a:endParaRPr lang="de-DE" altLang="en-US" sz="4400">
+              <a:latin typeface="Arial Black" panose="020B0A04020102020204" charset="0"/>
+              <a:cs typeface="Arial Black" panose="020B0A04020102020204" charset="0"/>
+            </a:endParaRPr>
           </a:p>
         </p:txBody>
       </p:sp>
@@ -7537,6 +8823,13 @@
               </a:rPr>
               <a:t>st</a:t>
             </a:r>
+            <a:endParaRPr lang="de-DE" altLang="en-US" sz="2000" b="1" baseline="50000">
+              <a:solidFill>
+                <a:srgbClr val="000000"/>
+              </a:solidFill>
+              <a:uFillTx/>
+              <a:cs typeface="+mn-lt"/>
+            </a:endParaRPr>
           </a:p>
         </p:txBody>
       </p:sp>
@@ -7590,6 +8883,9 @@
               </a:rPr>
               <a:t>Compute the time-optimal trajectory for any attitude maneuver</a:t>
             </a:r>
+            <a:endParaRPr lang="de-DE" altLang="en-US">
+              <a:cs typeface="+mn-lt"/>
+            </a:endParaRPr>
           </a:p>
         </p:txBody>
       </p:sp>
@@ -7671,6 +8967,9 @@
               </a:rPr>
               <a:t>min(maneuver_duration)</a:t>
             </a:r>
+            <a:endParaRPr lang="de-DE" altLang="en-US" sz="2000" b="1" i="1">
+              <a:latin typeface="Calibri" charset="0"/>
+            </a:endParaRPr>
           </a:p>
         </p:txBody>
       </p:sp>
@@ -7691,7 +8990,6 @@
           <a:p>
             <a:fld id="{760FBDFE-C587-4B4C-A407-44438C67B59E}" type="datetime1">
               <a:rPr lang="en-US" altLang="en-US" smtClean="0"/>
-              <a:t>9/22/2025</a:t>
             </a:fld>
             <a:endParaRPr lang="zh-CN" altLang="en-US"/>
           </a:p>
@@ -7714,7 +9012,6 @@
           <a:p>
             <a:fld id="{49AE70B2-8BF9-45C0-BB95-33D1B9D3A854}" type="slidenum">
               <a:rPr lang="zh-CN" altLang="en-US" smtClean="0"/>
-              <a:t>3</a:t>
             </a:fld>
             <a:endParaRPr lang="zh-CN" altLang="en-US"/>
           </a:p>
@@ -7745,8 +9042,8 @@
           </a:p>
         </p:txBody>
       </p:sp>
-      <mc:AlternateContent xmlns:mc="http://schemas.openxmlformats.org/markup-compatibility/2006" xmlns:a14="http://schemas.microsoft.com/office/drawing/2010/main">
-        <mc:Choice Requires="a14">
+      <mc:AlternateContent xmlns:mc="http://schemas.openxmlformats.org/markup-compatibility/2006">
+        <mc:Choice xmlns:a14="http://schemas.microsoft.com/office/drawing/2010/main" Requires="a14">
           <p:sp>
             <p:nvSpPr>
               <p:cNvPr id="17" name="Text Box 16"/>
@@ -7776,11 +9073,18 @@
                   <a:buAutoNum type="arabicPeriod"/>
                 </a:pPr>
                 <a:r>
+                  <a:rPr lang="de-DE" altLang="en-US" b="1">
+                    <a:latin typeface="+mn-ea"/>
+                    <a:cs typeface="+mn-ea"/>
+                  </a:rPr>
+                  <a:t>Define system dynamics</a:t>
+                </a:r>
+                <a:r>
                   <a:rPr lang="de-DE" altLang="en-US">
                     <a:latin typeface="+mn-ea"/>
                     <a:cs typeface="+mn-ea"/>
                   </a:rPr>
-                  <a:t>Define system dynamics </a:t>
+                  <a:t> </a:t>
                 </a:r>
                 <a:r>
                   <a:rPr lang="de-DE" altLang="en-US" sz="3200">
@@ -8102,12 +9406,16 @@
                   <a:buAutoNum type="arabicPeriod"/>
                 </a:pPr>
                 <a:r>
-                  <a:rPr lang="de-DE" altLang="en-US">
+                  <a:rPr lang="de-DE" altLang="en-US" b="1">
                     <a:latin typeface="+mn-ea"/>
                     <a:cs typeface="+mn-ea"/>
                   </a:rPr>
                   <a:t>Construct Optimal Control Problem (OCP):</a:t>
                 </a:r>
+                <a:endParaRPr lang="de-DE" altLang="en-US" b="1">
+                  <a:latin typeface="+mn-ea"/>
+                  <a:cs typeface="+mn-ea"/>
+                </a:endParaRPr>
               </a:p>
               <a:p>
                 <a:pPr marL="800100" lvl="1" indent="-342900">
@@ -8169,6 +9477,11 @@
                   </a:rPr>
                   <a:t> </a:t>
                 </a:r>
+                <a:endParaRPr lang="de-DE" altLang="en-US">
+                  <a:latin typeface="+mn-ea"/>
+                  <a:cs typeface="+mn-ea"/>
+                  <a:sym typeface="+mn-ea"/>
+                </a:endParaRPr>
               </a:p>
               <a:p>
                 <a:pPr marL="800100" lvl="1" indent="-342900">
@@ -8210,7 +9523,15 @@
                         <a:cs typeface="DejaVu Math TeX Gyre" panose="02000503000000000000" charset="0"/>
                         <a:sym typeface="+mn-ea"/>
                       </a:rPr>
-                      <m:t>||=1</m:t>
+                      <m:t>||=</m:t>
+                    </m:r>
+                    <m:r>
+                      <a:rPr lang="en-US" altLang="de-DE" i="1">
+                        <a:latin typeface="Cambria Math" panose="02040503050406030204" pitchFamily="18" charset="0"/>
+                        <a:cs typeface="DejaVu Math TeX Gyre" panose="02000503000000000000" charset="0"/>
+                        <a:sym typeface="+mn-ea"/>
+                      </a:rPr>
+                      <m:t>1</m:t>
                     </m:r>
                   </m:oMath>
                 </a14:m>
@@ -8235,17 +9556,21 @@
                   <a:buAutoNum type="arabicPeriod"/>
                 </a:pPr>
                 <a:r>
-                  <a:rPr lang="de-DE" altLang="en-US">
+                  <a:rPr lang="de-DE" altLang="en-US" b="1">
                     <a:latin typeface="+mn-ea"/>
                     <a:cs typeface="+mn-ea"/>
                   </a:rPr>
                   <a:t>Choose OCP solver architecture</a:t>
                 </a:r>
+                <a:endParaRPr lang="de-DE" altLang="en-US" b="1">
+                  <a:latin typeface="+mn-ea"/>
+                  <a:cs typeface="+mn-ea"/>
+                </a:endParaRPr>
               </a:p>
             </p:txBody>
           </p:sp>
         </mc:Choice>
-        <mc:Fallback xmlns="">
+        <mc:Fallback>
           <p:sp>
             <p:nvSpPr>
               <p:cNvPr id="17" name="Text Box 16"/>
@@ -8263,7 +9588,7 @@
                 <a:avLst/>
               </a:prstGeom>
               <a:blipFill rotWithShape="1">
-                <a:blip r:embed="rId2"/>
+                <a:blip r:embed="rId1"/>
                 <a:stretch>
                   <a:fillRect/>
                 </a:stretch>
@@ -8284,8 +9609,8 @@
           </p:sp>
         </mc:Fallback>
       </mc:AlternateContent>
-      <mc:AlternateContent xmlns:mc="http://schemas.openxmlformats.org/markup-compatibility/2006" xmlns:a14="http://schemas.microsoft.com/office/drawing/2010/main">
-        <mc:Choice Requires="a14">
+      <mc:AlternateContent xmlns:mc="http://schemas.openxmlformats.org/markup-compatibility/2006">
+        <mc:Choice xmlns:a14="http://schemas.microsoft.com/office/drawing/2010/main" Requires="a14">
           <p:sp>
             <p:nvSpPr>
               <p:cNvPr id="18" name="Text Box 17"/>
@@ -8320,6 +9645,10 @@
                   </a:rPr>
                   <a:t>Legend:</a:t>
                 </a:r>
+                <a:endParaRPr lang="de-DE" altLang="en-US" sz="1200">
+                  <a:latin typeface="+mn-ea"/>
+                  <a:cs typeface="+mn-ea"/>
+                </a:endParaRPr>
               </a:p>
               <a:p>
                 <a:pPr algn="l">
@@ -8372,6 +9701,10 @@
                   </a:rPr>
                   <a:t>Quaternion vector</a:t>
                 </a:r>
+                <a:endParaRPr lang="de-DE" altLang="en-US" sz="1200">
+                  <a:latin typeface="+mn-ea"/>
+                  <a:cs typeface="+mn-ea"/>
+                </a:endParaRPr>
               </a:p>
               <a:p>
                 <a:pPr algn="l">
@@ -8425,6 +9758,10 @@
                   </a:rPr>
                   <a:t>Angular velocity vector</a:t>
                 </a:r>
+                <a:endParaRPr lang="de-DE" altLang="en-US" sz="1200">
+                  <a:latin typeface="+mn-ea"/>
+                  <a:cs typeface="+mn-ea"/>
+                </a:endParaRPr>
               </a:p>
               <a:p>
                 <a:pPr algn="l">
@@ -8477,6 +9814,10 @@
                   </a:rPr>
                   <a:t>Inertia matrix</a:t>
                 </a:r>
+                <a:endParaRPr lang="de-DE" altLang="en-US" sz="1200">
+                  <a:latin typeface="+mn-ea"/>
+                  <a:cs typeface="+mn-ea"/>
+                </a:endParaRPr>
               </a:p>
               <a:p>
                 <a:pPr algn="l">
@@ -8530,6 +9871,10 @@
                   </a:rPr>
                   <a:t>External torque vector</a:t>
                 </a:r>
+                <a:endParaRPr lang="de-DE" altLang="en-US" sz="1200">
+                  <a:latin typeface="+mn-ea"/>
+                  <a:cs typeface="+mn-ea"/>
+                </a:endParaRPr>
               </a:p>
               <a:p>
                 <a:pPr algn="l">
@@ -8583,6 +9928,10 @@
                   </a:rPr>
                   <a:t>Cost function</a:t>
                 </a:r>
+                <a:endParaRPr lang="de-DE" altLang="en-US" sz="1200">
+                  <a:latin typeface="+mn-ea"/>
+                  <a:cs typeface="+mn-ea"/>
+                </a:endParaRPr>
               </a:p>
               <a:p>
                 <a:pPr algn="l">
@@ -8636,6 +9985,10 @@
                   </a:rPr>
                   <a:t>Total maneuver duration</a:t>
                 </a:r>
+                <a:endParaRPr lang="de-DE" altLang="en-US" sz="1200">
+                  <a:latin typeface="+mn-ea"/>
+                  <a:cs typeface="+mn-ea"/>
+                </a:endParaRPr>
               </a:p>
               <a:p>
                 <a:pPr algn="l">
@@ -8689,6 +10042,10 @@
                   </a:rPr>
                   <a:t>Quaternion multiplication</a:t>
                 </a:r>
+                <a:endParaRPr lang="de-DE" altLang="en-US" sz="1200">
+                  <a:latin typeface="+mn-ea"/>
+                  <a:cs typeface="+mn-ea"/>
+                </a:endParaRPr>
               </a:p>
               <a:p>
                 <a:pPr algn="l">
@@ -8741,6 +10098,10 @@
                   </a:rPr>
                   <a:t>Cross product</a:t>
                 </a:r>
+                <a:endParaRPr lang="de-DE" altLang="en-US" sz="1200">
+                  <a:latin typeface="+mn-ea"/>
+                  <a:cs typeface="+mn-ea"/>
+                </a:endParaRPr>
               </a:p>
               <a:p>
                 <a:pPr algn="l">
@@ -8807,6 +10168,10 @@
                   </a:rPr>
                   <a:t>Time derivative</a:t>
                 </a:r>
+                <a:endParaRPr lang="de-DE" altLang="en-US" sz="1200">
+                  <a:latin typeface="+mn-ea"/>
+                  <a:cs typeface="+mn-ea"/>
+                </a:endParaRPr>
               </a:p>
               <a:p>
                 <a:pPr algn="l">
@@ -8867,11 +10232,15 @@
                   </a:rPr>
                   <a:t>Euclidean norm</a:t>
                 </a:r>
+                <a:endParaRPr lang="de-DE" altLang="en-US" sz="1200">
+                  <a:latin typeface="+mn-ea"/>
+                  <a:cs typeface="+mn-ea"/>
+                </a:endParaRPr>
               </a:p>
             </p:txBody>
           </p:sp>
         </mc:Choice>
-        <mc:Fallback xmlns="">
+        <mc:Fallback>
           <p:sp>
             <p:nvSpPr>
               <p:cNvPr id="18" name="Text Box 17"/>
@@ -8889,7 +10258,7 @@
                 <a:avLst/>
               </a:prstGeom>
               <a:blipFill rotWithShape="1">
-                <a:blip r:embed="rId3"/>
+                <a:blip r:embed="rId2"/>
                 <a:stretch>
                   <a:fillRect/>
                 </a:stretch>
@@ -8921,7 +10290,7 @@
         <p159:morph option="byObject"/>
       </p:transition>
     </mc:Choice>
-    <mc:Fallback xmlns="">
+    <mc:Fallback>
       <p:transition spd="slow">
         <p:fade/>
       </p:transition>
@@ -9127,6 +10496,13 @@
               </a:rPr>
               <a:t>nd</a:t>
             </a:r>
+            <a:endParaRPr lang="de-DE" altLang="en-US" sz="2000" b="1" baseline="50000" dirty="0">
+              <a:solidFill>
+                <a:srgbClr val="000000"/>
+              </a:solidFill>
+              <a:uFillTx/>
+              <a:cs typeface="+mn-lt"/>
+            </a:endParaRPr>
           </a:p>
         </p:txBody>
       </p:sp>
@@ -9296,7 +10672,6 @@
           <a:p>
             <a:fld id="{760FBDFE-C587-4B4C-A407-44438C67B59E}" type="datetime1">
               <a:rPr lang="en-US" altLang="en-US" smtClean="0"/>
-              <a:t>9/22/2025</a:t>
             </a:fld>
             <a:endParaRPr lang="zh-CN" altLang="en-US"/>
           </a:p>
@@ -9319,7 +10694,6 @@
           <a:p>
             <a:fld id="{49AE70B2-8BF9-45C0-BB95-33D1B9D3A854}" type="slidenum">
               <a:rPr lang="zh-CN" altLang="en-US" smtClean="0"/>
-              <a:t>4</a:t>
             </a:fld>
             <a:endParaRPr lang="zh-CN" altLang="en-US"/>
           </a:p>
@@ -9372,6 +10746,10 @@
               </a:rPr>
               <a:t>Methodology</a:t>
             </a:r>
+            <a:endParaRPr lang="de-DE" altLang="en-US" sz="4400">
+              <a:latin typeface="Arial Black" panose="020B0A04020102020204" charset="0"/>
+              <a:cs typeface="Arial Black" panose="020B0A04020102020204" charset="0"/>
+            </a:endParaRPr>
           </a:p>
         </p:txBody>
       </p:sp>
@@ -9405,12 +10783,16 @@
               <a:buAutoNum type="arabicPeriod" startAt="3"/>
             </a:pPr>
             <a:r>
-              <a:rPr lang="de-DE" altLang="en-US" dirty="0">
+              <a:rPr lang="de-DE" altLang="en-US" b="1" dirty="0">
                 <a:latin typeface="+mn-ea"/>
                 <a:cs typeface="+mn-ea"/>
               </a:rPr>
               <a:t>Choose OCP solver architecture</a:t>
             </a:r>
+            <a:endParaRPr lang="de-DE" altLang="en-US" b="1" dirty="0">
+              <a:latin typeface="+mn-ea"/>
+              <a:cs typeface="+mn-ea"/>
+            </a:endParaRPr>
           </a:p>
           <a:p>
             <a:pPr marL="800100" lvl="1" indent="-342900">
@@ -9427,6 +10809,10 @@
               </a:rPr>
               <a:t>Solving methods:</a:t>
             </a:r>
+            <a:endParaRPr lang="en-US" altLang="de-DE" dirty="0">
+              <a:latin typeface="+mn-ea"/>
+              <a:cs typeface="+mn-ea"/>
+            </a:endParaRPr>
           </a:p>
         </p:txBody>
       </p:sp>
@@ -9434,13 +10820,7 @@
         <p:nvGraphicFramePr>
           <p:cNvPr id="7" name="Table 6"/>
           <p:cNvGraphicFramePr/>
-          <p:nvPr>
-            <p:extLst>
-              <p:ext uri="{D42A27DB-BD31-4B8C-83A1-F6EECF244321}">
-                <p14:modId xmlns:p14="http://schemas.microsoft.com/office/powerpoint/2010/main" val="580102511"/>
-              </p:ext>
-            </p:extLst>
-          </p:nvPr>
+          <p:nvPr/>
         </p:nvGraphicFramePr>
         <p:xfrm>
           <a:off x="647700" y="3333256"/>
@@ -9453,27 +10833,9 @@
                 <a:tableStyleId>{5C22544A-7EE6-4342-B048-85BDC9FD1C3A}</a:tableStyleId>
               </a:tblPr>
               <a:tblGrid>
-                <a:gridCol w="1449705">
-                  <a:extLst>
-                    <a:ext uri="{9D8B030D-6E8A-4147-A177-3AD203B41FA5}">
-                      <a16:colId xmlns:a16="http://schemas.microsoft.com/office/drawing/2014/main" val="20000"/>
-                    </a:ext>
-                  </a:extLst>
-                </a:gridCol>
-                <a:gridCol w="2947670">
-                  <a:extLst>
-                    <a:ext uri="{9D8B030D-6E8A-4147-A177-3AD203B41FA5}">
-                      <a16:colId xmlns:a16="http://schemas.microsoft.com/office/drawing/2014/main" val="20001"/>
-                    </a:ext>
-                  </a:extLst>
-                </a:gridCol>
-                <a:gridCol w="2985770">
-                  <a:extLst>
-                    <a:ext uri="{9D8B030D-6E8A-4147-A177-3AD203B41FA5}">
-                      <a16:colId xmlns:a16="http://schemas.microsoft.com/office/drawing/2014/main" val="20002"/>
-                    </a:ext>
-                  </a:extLst>
-                </a:gridCol>
+                <a:gridCol w="1449705"/>
+                <a:gridCol w="2947670"/>
+                <a:gridCol w="2985770"/>
               </a:tblGrid>
               <a:tr h="378460">
                 <a:tc>
@@ -9515,6 +10877,7 @@
                         <a:rPr lang="en-US"/>
                         <a:t>Direct</a:t>
                       </a:r>
+                      <a:endParaRPr lang="en-US"/>
                     </a:p>
                   </a:txBody>
                   <a:tcPr anchor="ctr">
@@ -9544,6 +10907,7 @@
                         <a:rPr lang="en-US"/>
                         <a:t>Indirect</a:t>
                       </a:r>
+                      <a:endParaRPr lang="en-US"/>
                     </a:p>
                   </a:txBody>
                   <a:tcPr anchor="ctr">
@@ -9561,11 +10925,6 @@
                     </a:lnT>
                   </a:tcPr>
                 </a:tc>
-                <a:extLst>
-                  <a:ext uri="{0D108BD9-81ED-4DB2-BD59-A6C34878D82A}">
-                    <a16:rowId xmlns:a16="http://schemas.microsoft.com/office/drawing/2014/main" val="10000"/>
-                  </a:ext>
-                </a:extLst>
               </a:tr>
               <a:tr h="378460">
                 <a:tc>
@@ -9584,6 +10943,11 @@
                         </a:rPr>
                         <a:t>Approach</a:t>
                       </a:r>
+                      <a:endParaRPr lang="en-US" sz="1400" dirty="0">
+                        <a:solidFill>
+                          <a:schemeClr val="bg1"/>
+                        </a:solidFill>
+                      </a:endParaRPr>
                     </a:p>
                   </a:txBody>
                   <a:tcPr anchor="ctr">
@@ -9622,6 +10986,13 @@
                         </a:rPr>
                         <a:t>Discretize → Optimize</a:t>
                       </a:r>
+                      <a:endParaRPr lang="en-US" sz="1200" dirty="0">
+                        <a:solidFill>
+                          <a:srgbClr val="000000"/>
+                        </a:solidFill>
+                        <a:cs typeface="+mn-lt"/>
+                        <a:sym typeface="+mn-ea"/>
+                      </a:endParaRPr>
                     </a:p>
                   </a:txBody>
                   <a:tcPr anchor="ctr">
@@ -9651,6 +11022,13 @@
                         </a:rPr>
                         <a:t>Derive optimality conditions → Discretize</a:t>
                       </a:r>
+                      <a:endParaRPr lang="en-US" sz="1200">
+                        <a:solidFill>
+                          <a:srgbClr val="000000"/>
+                        </a:solidFill>
+                        <a:cs typeface="+mn-lt"/>
+                        <a:sym typeface="+mn-ea"/>
+                      </a:endParaRPr>
                     </a:p>
                   </a:txBody>
                   <a:tcPr anchor="ctr">
@@ -9662,11 +11040,6 @@
                     </a:lnR>
                   </a:tcPr>
                 </a:tc>
-                <a:extLst>
-                  <a:ext uri="{0D108BD9-81ED-4DB2-BD59-A6C34878D82A}">
-                    <a16:rowId xmlns:a16="http://schemas.microsoft.com/office/drawing/2014/main" val="10001"/>
-                  </a:ext>
-                </a:extLst>
               </a:tr>
               <a:tr h="378460">
                 <a:tc>
@@ -9685,6 +11058,11 @@
                         </a:rPr>
                         <a:t>Robustness</a:t>
                       </a:r>
+                      <a:endParaRPr lang="en-US" sz="1400" dirty="0">
+                        <a:solidFill>
+                          <a:schemeClr val="bg1"/>
+                        </a:solidFill>
+                      </a:endParaRPr>
                     </a:p>
                   </a:txBody>
                   <a:tcPr anchor="ctr">
@@ -9722,6 +11100,12 @@
                         </a:rPr>
                         <a:t>Can converge even with bad initial guess</a:t>
                       </a:r>
+                      <a:endParaRPr lang="en-US" sz="1200">
+                        <a:solidFill>
+                          <a:srgbClr val="000000"/>
+                        </a:solidFill>
+                        <a:cs typeface="+mn-lt"/>
+                      </a:endParaRPr>
                     </a:p>
                   </a:txBody>
                   <a:tcPr anchor="ctr">
@@ -9750,6 +11134,12 @@
                         </a:rPr>
                         <a:t>Sensitive to initial guess</a:t>
                       </a:r>
+                      <a:endParaRPr lang="en-US" sz="1200">
+                        <a:solidFill>
+                          <a:srgbClr val="000000"/>
+                        </a:solidFill>
+                        <a:cs typeface="+mn-lt"/>
+                      </a:endParaRPr>
                     </a:p>
                   </a:txBody>
                   <a:tcPr anchor="ctr">
@@ -9761,11 +11151,6 @@
                     </a:lnR>
                   </a:tcPr>
                 </a:tc>
-                <a:extLst>
-                  <a:ext uri="{0D108BD9-81ED-4DB2-BD59-A6C34878D82A}">
-                    <a16:rowId xmlns:a16="http://schemas.microsoft.com/office/drawing/2014/main" val="10002"/>
-                  </a:ext>
-                </a:extLst>
               </a:tr>
               <a:tr h="378460">
                 <a:tc>
@@ -9784,6 +11169,11 @@
                         </a:rPr>
                         <a:t>Implementation</a:t>
                       </a:r>
+                      <a:endParaRPr lang="en-US" sz="1400" dirty="0">
+                        <a:solidFill>
+                          <a:schemeClr val="bg1"/>
+                        </a:solidFill>
+                      </a:endParaRPr>
                     </a:p>
                   </a:txBody>
                   <a:tcPr anchor="ctr">
@@ -9821,6 +11211,12 @@
                         </a:rPr>
                         <a:t>Easier</a:t>
                       </a:r>
+                      <a:endParaRPr lang="en-US" sz="1200">
+                        <a:solidFill>
+                          <a:srgbClr val="000000"/>
+                        </a:solidFill>
+                        <a:cs typeface="+mn-lt"/>
+                      </a:endParaRPr>
                     </a:p>
                   </a:txBody>
                   <a:tcPr anchor="ctr">
@@ -9849,6 +11245,12 @@
                         </a:rPr>
                         <a:t>More complex</a:t>
                       </a:r>
+                      <a:endParaRPr lang="en-US" sz="1200">
+                        <a:solidFill>
+                          <a:srgbClr val="000000"/>
+                        </a:solidFill>
+                        <a:cs typeface="+mn-lt"/>
+                      </a:endParaRPr>
                     </a:p>
                   </a:txBody>
                   <a:tcPr anchor="ctr">
@@ -9860,11 +11262,6 @@
                     </a:lnR>
                   </a:tcPr>
                 </a:tc>
-                <a:extLst>
-                  <a:ext uri="{0D108BD9-81ED-4DB2-BD59-A6C34878D82A}">
-                    <a16:rowId xmlns:a16="http://schemas.microsoft.com/office/drawing/2014/main" val="10003"/>
-                  </a:ext>
-                </a:extLst>
               </a:tr>
               <a:tr h="378460">
                 <a:tc>
@@ -9883,6 +11280,11 @@
                         </a:rPr>
                         <a:t>Optimality</a:t>
                       </a:r>
+                      <a:endParaRPr lang="en-US" sz="1400" dirty="0">
+                        <a:solidFill>
+                          <a:schemeClr val="bg1"/>
+                        </a:solidFill>
+                      </a:endParaRPr>
                     </a:p>
                   </a:txBody>
                   <a:tcPr anchor="ctr">
@@ -9920,6 +11322,12 @@
                         </a:rPr>
                         <a:t>Approximate solution</a:t>
                       </a:r>
+                      <a:endParaRPr lang="en-US" sz="1200">
+                        <a:solidFill>
+                          <a:srgbClr val="000000"/>
+                        </a:solidFill>
+                        <a:cs typeface="+mn-lt"/>
+                      </a:endParaRPr>
                     </a:p>
                   </a:txBody>
                   <a:tcPr anchor="ctr">
@@ -9948,6 +11356,12 @@
                         </a:rPr>
                         <a:t>Potentially exact</a:t>
                       </a:r>
+                      <a:endParaRPr lang="en-US" sz="1200">
+                        <a:solidFill>
+                          <a:srgbClr val="000000"/>
+                        </a:solidFill>
+                        <a:cs typeface="+mn-lt"/>
+                      </a:endParaRPr>
                     </a:p>
                   </a:txBody>
                   <a:tcPr anchor="ctr">
@@ -9959,11 +11373,6 @@
                     </a:lnR>
                   </a:tcPr>
                 </a:tc>
-                <a:extLst>
-                  <a:ext uri="{0D108BD9-81ED-4DB2-BD59-A6C34878D82A}">
-                    <a16:rowId xmlns:a16="http://schemas.microsoft.com/office/drawing/2014/main" val="10004"/>
-                  </a:ext>
-                </a:extLst>
               </a:tr>
               <a:tr h="378460">
                 <a:tc>
@@ -9982,6 +11391,11 @@
                         </a:rPr>
                         <a:t>Solve speed</a:t>
                       </a:r>
+                      <a:endParaRPr lang="en-US" sz="1400" dirty="0">
+                        <a:solidFill>
+                          <a:schemeClr val="bg1"/>
+                        </a:solidFill>
+                      </a:endParaRPr>
                     </a:p>
                   </a:txBody>
                   <a:tcPr anchor="ctr">
@@ -10025,6 +11439,12 @@
                         </a:rPr>
                         <a:t>Real-time capable</a:t>
                       </a:r>
+                      <a:endParaRPr lang="en-US" sz="1200">
+                        <a:solidFill>
+                          <a:srgbClr val="000000"/>
+                        </a:solidFill>
+                        <a:cs typeface="+mn-lt"/>
+                      </a:endParaRPr>
                     </a:p>
                   </a:txBody>
                   <a:tcPr anchor="ctr">
@@ -10059,6 +11479,12 @@
                         </a:rPr>
                         <a:t>Slow</a:t>
                       </a:r>
+                      <a:endParaRPr lang="en-US" sz="1200" dirty="0">
+                        <a:solidFill>
+                          <a:srgbClr val="000000"/>
+                        </a:solidFill>
+                        <a:cs typeface="+mn-lt"/>
+                      </a:endParaRPr>
                     </a:p>
                   </a:txBody>
                   <a:tcPr anchor="ctr">
@@ -10076,11 +11502,6 @@
                     </a:lnB>
                   </a:tcPr>
                 </a:tc>
-                <a:extLst>
-                  <a:ext uri="{0D108BD9-81ED-4DB2-BD59-A6C34878D82A}">
-                    <a16:rowId xmlns:a16="http://schemas.microsoft.com/office/drawing/2014/main" val="10005"/>
-                  </a:ext>
-                </a:extLst>
               </a:tr>
             </a:tbl>
           </a:graphicData>
@@ -10172,6 +11593,13 @@
               </a:rPr>
               <a:t>nd</a:t>
             </a:r>
+            <a:endParaRPr lang="de-DE" altLang="en-US" sz="2000" b="1" baseline="50000" dirty="0">
+              <a:solidFill>
+                <a:srgbClr val="000000"/>
+              </a:solidFill>
+              <a:uFillTx/>
+              <a:cs typeface="+mn-lt"/>
+            </a:endParaRPr>
           </a:p>
         </p:txBody>
       </p:sp>
@@ -10341,7 +11769,6 @@
           <a:p>
             <a:fld id="{760FBDFE-C587-4B4C-A407-44438C67B59E}" type="datetime1">
               <a:rPr lang="en-US" altLang="en-US" smtClean="0"/>
-              <a:t>9/22/2025</a:t>
             </a:fld>
             <a:endParaRPr lang="zh-CN" altLang="en-US"/>
           </a:p>
@@ -10364,7 +11791,6 @@
           <a:p>
             <a:fld id="{49AE70B2-8BF9-45C0-BB95-33D1B9D3A854}" type="slidenum">
               <a:rPr lang="zh-CN" altLang="en-US" smtClean="0"/>
-              <a:t>5</a:t>
             </a:fld>
             <a:endParaRPr lang="zh-CN" altLang="en-US"/>
           </a:p>
@@ -10417,6 +11843,10 @@
               </a:rPr>
               <a:t>Methodology</a:t>
             </a:r>
+            <a:endParaRPr lang="de-DE" altLang="en-US" sz="4400">
+              <a:latin typeface="Arial Black" panose="020B0A04020102020204" charset="0"/>
+              <a:cs typeface="Arial Black" panose="020B0A04020102020204" charset="0"/>
+            </a:endParaRPr>
           </a:p>
         </p:txBody>
       </p:sp>
@@ -10429,7 +11859,7 @@
         <p:spPr>
           <a:xfrm>
             <a:off x="647700" y="1762125"/>
-            <a:ext cx="6860540" cy="1114408"/>
+            <a:ext cx="6860540" cy="1198880"/>
           </a:xfrm>
           <a:prstGeom prst="rect">
             <a:avLst/>
@@ -10450,12 +11880,16 @@
               <a:buAutoNum type="arabicPeriod" startAt="3"/>
             </a:pPr>
             <a:r>
-              <a:rPr lang="de-DE" altLang="en-US" dirty="0">
+              <a:rPr lang="de-DE" altLang="en-US" b="1" dirty="0">
                 <a:latin typeface="+mn-ea"/>
                 <a:cs typeface="+mn-ea"/>
               </a:rPr>
               <a:t>Choose OCP solver architecture</a:t>
             </a:r>
+            <a:endParaRPr lang="de-DE" altLang="en-US" dirty="0">
+              <a:latin typeface="+mn-ea"/>
+              <a:cs typeface="+mn-ea"/>
+            </a:endParaRPr>
           </a:p>
           <a:p>
             <a:pPr marL="800100" lvl="1" indent="-342900">
@@ -10472,6 +11906,10 @@
               </a:rPr>
               <a:t>Direct transcription methods:</a:t>
             </a:r>
+            <a:endParaRPr lang="en-US" altLang="de-DE" dirty="0">
+              <a:latin typeface="+mn-ea"/>
+              <a:cs typeface="+mn-ea"/>
+            </a:endParaRPr>
           </a:p>
         </p:txBody>
       </p:sp>
@@ -10479,13 +11917,7 @@
         <p:nvGraphicFramePr>
           <p:cNvPr id="7" name="Table 6"/>
           <p:cNvGraphicFramePr/>
-          <p:nvPr>
-            <p:extLst>
-              <p:ext uri="{D42A27DB-BD31-4B8C-83A1-F6EECF244321}">
-                <p14:modId xmlns:p14="http://schemas.microsoft.com/office/powerpoint/2010/main" val="1366537203"/>
-              </p:ext>
-            </p:extLst>
-          </p:nvPr>
+          <p:nvPr/>
         </p:nvGraphicFramePr>
         <p:xfrm>
           <a:off x="1111693" y="2961005"/>
@@ -10498,41 +11930,11 @@
                 <a:tableStyleId>{5C22544A-7EE6-4342-B048-85BDC9FD1C3A}</a:tableStyleId>
               </a:tblPr>
               <a:tblGrid>
-                <a:gridCol w="1293627">
-                  <a:extLst>
-                    <a:ext uri="{9D8B030D-6E8A-4147-A177-3AD203B41FA5}">
-                      <a16:colId xmlns:a16="http://schemas.microsoft.com/office/drawing/2014/main" val="20000"/>
-                    </a:ext>
-                  </a:extLst>
-                </a:gridCol>
-                <a:gridCol w="1293627">
-                  <a:extLst>
-                    <a:ext uri="{9D8B030D-6E8A-4147-A177-3AD203B41FA5}">
-                      <a16:colId xmlns:a16="http://schemas.microsoft.com/office/drawing/2014/main" val="20001"/>
-                    </a:ext>
-                  </a:extLst>
-                </a:gridCol>
-                <a:gridCol w="1293627">
-                  <a:extLst>
-                    <a:ext uri="{9D8B030D-6E8A-4147-A177-3AD203B41FA5}">
-                      <a16:colId xmlns:a16="http://schemas.microsoft.com/office/drawing/2014/main" val="20002"/>
-                    </a:ext>
-                  </a:extLst>
-                </a:gridCol>
-                <a:gridCol w="1293627">
-                  <a:extLst>
-                    <a:ext uri="{9D8B030D-6E8A-4147-A177-3AD203B41FA5}">
-                      <a16:colId xmlns:a16="http://schemas.microsoft.com/office/drawing/2014/main" val="20003"/>
-                    </a:ext>
-                  </a:extLst>
-                </a:gridCol>
-                <a:gridCol w="1867200">
-                  <a:extLst>
-                    <a:ext uri="{9D8B030D-6E8A-4147-A177-3AD203B41FA5}">
-                      <a16:colId xmlns:a16="http://schemas.microsoft.com/office/drawing/2014/main" val="20004"/>
-                    </a:ext>
-                  </a:extLst>
-                </a:gridCol>
+                <a:gridCol w="1293627"/>
+                <a:gridCol w="1293627"/>
+                <a:gridCol w="1293627"/>
+                <a:gridCol w="1293627"/>
+                <a:gridCol w="1867200"/>
               </a:tblGrid>
               <a:tr h="391599">
                 <a:tc rowSpan="2">
@@ -10580,6 +11982,7 @@
                         <a:rPr lang="en-US" dirty="0"/>
                         <a:t>Shooting</a:t>
                       </a:r>
+                      <a:endParaRPr lang="en-US" dirty="0"/>
                     </a:p>
                   </a:txBody>
                   <a:tcPr anchor="ctr">
@@ -10604,13 +12007,6 @@
                   </a:tcPr>
                 </a:tc>
                 <a:tc hMerge="1">
-                  <a:txBody>
-                    <a:bodyPr/>
-                    <a:lstStyle/>
-                    <a:p>
-                      <a:endParaRPr lang="en-US"/>
-                    </a:p>
-                  </a:txBody>
                   <a:tcPr anchor="ctr">
                     <a:lnR w="38100" cmpd="sng">
                       <a:solidFill>
@@ -10638,6 +12034,7 @@
                         <a:rPr lang="en-US"/>
                         <a:t>Collocation</a:t>
                       </a:r>
+                      <a:endParaRPr lang="en-US"/>
                     </a:p>
                   </a:txBody>
                   <a:tcPr anchor="ctr">
@@ -10665,13 +12062,6 @@
                   </a:tcPr>
                 </a:tc>
                 <a:tc hMerge="1">
-                  <a:txBody>
-                    <a:bodyPr/>
-                    <a:lstStyle/>
-                    <a:p>
-                      <a:endParaRPr lang="en-US"/>
-                    </a:p>
-                  </a:txBody>
                   <a:tcPr anchor="ctr">
                     <a:lnR w="38100" cmpd="sng">
                       <a:solidFill>
@@ -10687,21 +12077,9 @@
                     </a:lnT>
                   </a:tcPr>
                 </a:tc>
-                <a:extLst>
-                  <a:ext uri="{0D108BD9-81ED-4DB2-BD59-A6C34878D82A}">
-                    <a16:rowId xmlns:a16="http://schemas.microsoft.com/office/drawing/2014/main" val="10000"/>
-                  </a:ext>
-                </a:extLst>
               </a:tr>
               <a:tr h="358966">
                 <a:tc vMerge="1">
-                  <a:txBody>
-                    <a:bodyPr/>
-                    <a:lstStyle/>
-                    <a:p>
-                      <a:endParaRPr lang="en-US"/>
-                    </a:p>
-                  </a:txBody>
                   <a:tcPr anchor="ctr">
                     <a:lnL>
                       <a:noFill/>
@@ -10736,6 +12114,13 @@
                         </a:rPr>
                         <a:t>Single</a:t>
                       </a:r>
+                      <a:endParaRPr lang="en-US" sz="1600" dirty="0">
+                        <a:solidFill>
+                          <a:schemeClr val="bg1">
+                            <a:lumMod val="10000"/>
+                          </a:schemeClr>
+                        </a:solidFill>
+                      </a:endParaRPr>
                     </a:p>
                   </a:txBody>
                   <a:tcPr anchor="ctr">
@@ -10807,6 +12192,13 @@
                         </a:rPr>
                         <a:t>Direct</a:t>
                       </a:r>
+                      <a:endParaRPr lang="en-US" sz="1600" dirty="0">
+                        <a:solidFill>
+                          <a:schemeClr val="bg1">
+                            <a:lumMod val="10000"/>
+                          </a:schemeClr>
+                        </a:solidFill>
+                      </a:endParaRPr>
                     </a:p>
                   </a:txBody>
                   <a:tcPr anchor="ctr">
@@ -10875,11 +12267,6 @@
                     </a:lnT>
                   </a:tcPr>
                 </a:tc>
-                <a:extLst>
-                  <a:ext uri="{0D108BD9-81ED-4DB2-BD59-A6C34878D82A}">
-                    <a16:rowId xmlns:a16="http://schemas.microsoft.com/office/drawing/2014/main" val="10001"/>
-                  </a:ext>
-                </a:extLst>
               </a:tr>
               <a:tr h="489498">
                 <a:tc>
@@ -10898,6 +12285,11 @@
                         </a:rPr>
                         <a:t>Dynamics Handling</a:t>
                       </a:r>
+                      <a:endParaRPr lang="en-US" sz="1200" b="0" dirty="0">
+                        <a:solidFill>
+                          <a:schemeClr val="bg1"/>
+                        </a:solidFill>
+                      </a:endParaRPr>
                     </a:p>
                   </a:txBody>
                   <a:tcPr anchor="ctr">
@@ -10936,6 +12328,13 @@
                         </a:rPr>
                         <a:t>Forward integration</a:t>
                       </a:r>
+                      <a:endParaRPr lang="en-US" sz="1200" dirty="0">
+                        <a:solidFill>
+                          <a:schemeClr val="bg1">
+                            <a:lumMod val="10000"/>
+                          </a:schemeClr>
+                        </a:solidFill>
+                      </a:endParaRPr>
                     </a:p>
                   </a:txBody>
                   <a:tcPr anchor="ctr">
@@ -10965,6 +12364,13 @@
                         </a:rPr>
                         <a:t>Segmented integration</a:t>
                       </a:r>
+                      <a:endParaRPr lang="en-US" sz="1200" dirty="0">
+                        <a:solidFill>
+                          <a:schemeClr val="bg1">
+                            <a:lumMod val="10000"/>
+                          </a:schemeClr>
+                        </a:solidFill>
+                      </a:endParaRPr>
                     </a:p>
                   </a:txBody>
                   <a:tcPr anchor="ctr">
@@ -10994,6 +12400,13 @@
                         </a:rPr>
                         <a:t>Algebraic constraints</a:t>
                       </a:r>
+                      <a:endParaRPr lang="en-US" sz="1200" dirty="0">
+                        <a:solidFill>
+                          <a:schemeClr val="bg1">
+                            <a:lumMod val="10000"/>
+                          </a:schemeClr>
+                        </a:solidFill>
+                      </a:endParaRPr>
                     </a:p>
                   </a:txBody>
                   <a:tcPr anchor="ctr">
@@ -11032,6 +12445,13 @@
                         </a:rPr>
                         <a:t>Dense global polynomial</a:t>
                       </a:r>
+                      <a:endParaRPr lang="en-US" sz="1200" dirty="0">
+                        <a:solidFill>
+                          <a:schemeClr val="bg1">
+                            <a:lumMod val="10000"/>
+                          </a:schemeClr>
+                        </a:solidFill>
+                      </a:endParaRPr>
                     </a:p>
                   </a:txBody>
                   <a:tcPr anchor="ctr">
@@ -11049,11 +12469,6 @@
                     </a:lnR>
                   </a:tcPr>
                 </a:tc>
-                <a:extLst>
-                  <a:ext uri="{0D108BD9-81ED-4DB2-BD59-A6C34878D82A}">
-                    <a16:rowId xmlns:a16="http://schemas.microsoft.com/office/drawing/2014/main" val="10002"/>
-                  </a:ext>
-                </a:extLst>
               </a:tr>
               <a:tr h="489498">
                 <a:tc>
@@ -11072,6 +12487,11 @@
                         </a:rPr>
                         <a:t>Accuracy</a:t>
                       </a:r>
+                      <a:endParaRPr lang="en-US" sz="1200" b="0" dirty="0">
+                        <a:solidFill>
+                          <a:schemeClr val="bg1"/>
+                        </a:solidFill>
+                      </a:endParaRPr>
                     </a:p>
                   </a:txBody>
                   <a:tcPr anchor="ctr">
@@ -11110,6 +12530,13 @@
                         </a:rPr>
                         <a:t>Integrator-limited</a:t>
                       </a:r>
+                      <a:endParaRPr lang="en-US" sz="1200" dirty="0">
+                        <a:solidFill>
+                          <a:schemeClr val="bg1">
+                            <a:lumMod val="10000"/>
+                          </a:schemeClr>
+                        </a:solidFill>
+                      </a:endParaRPr>
                     </a:p>
                   </a:txBody>
                   <a:tcPr anchor="ctr">
@@ -11139,6 +12566,13 @@
                         </a:rPr>
                         <a:t>Integrator-limited</a:t>
                       </a:r>
+                      <a:endParaRPr lang="en-US" sz="1200" dirty="0">
+                        <a:solidFill>
+                          <a:schemeClr val="bg1">
+                            <a:lumMod val="10000"/>
+                          </a:schemeClr>
+                        </a:solidFill>
+                      </a:endParaRPr>
                     </a:p>
                   </a:txBody>
                   <a:tcPr anchor="ctr">
@@ -11168,6 +12602,13 @@
                         </a:rPr>
                         <a:t>Grid density dependent</a:t>
                       </a:r>
+                      <a:endParaRPr lang="en-US" sz="1200" dirty="0">
+                        <a:solidFill>
+                          <a:schemeClr val="bg1">
+                            <a:lumMod val="10000"/>
+                          </a:schemeClr>
+                        </a:solidFill>
+                      </a:endParaRPr>
                     </a:p>
                   </a:txBody>
                   <a:tcPr anchor="ctr">
@@ -11206,6 +12647,13 @@
                         </a:rPr>
                         <a:t>Exponential (smooth problems)</a:t>
                       </a:r>
+                      <a:endParaRPr lang="en-US" sz="1200">
+                        <a:solidFill>
+                          <a:schemeClr val="bg1">
+                            <a:lumMod val="10000"/>
+                          </a:schemeClr>
+                        </a:solidFill>
+                      </a:endParaRPr>
                     </a:p>
                   </a:txBody>
                   <a:tcPr anchor="ctr">
@@ -11223,11 +12671,6 @@
                     </a:lnR>
                   </a:tcPr>
                 </a:tc>
-                <a:extLst>
-                  <a:ext uri="{0D108BD9-81ED-4DB2-BD59-A6C34878D82A}">
-                    <a16:rowId xmlns:a16="http://schemas.microsoft.com/office/drawing/2014/main" val="10003"/>
-                  </a:ext>
-                </a:extLst>
               </a:tr>
               <a:tr h="324041">
                 <a:tc>
@@ -11246,6 +12689,11 @@
                         </a:rPr>
                         <a:t>Problem Size</a:t>
                       </a:r>
+                      <a:endParaRPr lang="en-US" sz="1200" b="0" dirty="0">
+                        <a:solidFill>
+                          <a:schemeClr val="bg1"/>
+                        </a:solidFill>
+                      </a:endParaRPr>
                     </a:p>
                   </a:txBody>
                   <a:tcPr anchor="ctr">
@@ -11284,6 +12732,13 @@
                         </a:rPr>
                         <a:t>Smallest</a:t>
                       </a:r>
+                      <a:endParaRPr lang="en-US" sz="1200">
+                        <a:solidFill>
+                          <a:schemeClr val="bg1">
+                            <a:lumMod val="10000"/>
+                          </a:schemeClr>
+                        </a:solidFill>
+                      </a:endParaRPr>
                     </a:p>
                   </a:txBody>
                   <a:tcPr anchor="ctr">
@@ -11313,6 +12768,13 @@
                         </a:rPr>
                         <a:t>Medium</a:t>
                       </a:r>
+                      <a:endParaRPr lang="en-US" sz="1200" dirty="0">
+                        <a:solidFill>
+                          <a:schemeClr val="bg1">
+                            <a:lumMod val="10000"/>
+                          </a:schemeClr>
+                        </a:solidFill>
+                      </a:endParaRPr>
                     </a:p>
                   </a:txBody>
                   <a:tcPr anchor="ctr">
@@ -11342,6 +12804,13 @@
                         </a:rPr>
                         <a:t>Large</a:t>
                       </a:r>
+                      <a:endParaRPr lang="en-US" sz="1200" dirty="0">
+                        <a:solidFill>
+                          <a:schemeClr val="bg1">
+                            <a:lumMod val="10000"/>
+                          </a:schemeClr>
+                        </a:solidFill>
+                      </a:endParaRPr>
                     </a:p>
                   </a:txBody>
                   <a:tcPr anchor="ctr">
@@ -11380,6 +12849,13 @@
                         </a:rPr>
                         <a:t>Large</a:t>
                       </a:r>
+                      <a:endParaRPr lang="en-US" sz="1200">
+                        <a:solidFill>
+                          <a:schemeClr val="bg1">
+                            <a:lumMod val="10000"/>
+                          </a:schemeClr>
+                        </a:solidFill>
+                      </a:endParaRPr>
                     </a:p>
                   </a:txBody>
                   <a:tcPr anchor="ctr">
@@ -11397,11 +12873,6 @@
                     </a:lnR>
                   </a:tcPr>
                 </a:tc>
-                <a:extLst>
-                  <a:ext uri="{0D108BD9-81ED-4DB2-BD59-A6C34878D82A}">
-                    <a16:rowId xmlns:a16="http://schemas.microsoft.com/office/drawing/2014/main" val="10004"/>
-                  </a:ext>
-                </a:extLst>
               </a:tr>
               <a:tr h="324041">
                 <a:tc>
@@ -11420,6 +12891,11 @@
                         </a:rPr>
                         <a:t>Complexity</a:t>
                       </a:r>
+                      <a:endParaRPr lang="en-US" sz="1200" b="0" dirty="0">
+                        <a:solidFill>
+                          <a:schemeClr val="bg1"/>
+                        </a:solidFill>
+                      </a:endParaRPr>
                     </a:p>
                   </a:txBody>
                   <a:tcPr anchor="ctr">
@@ -11458,6 +12934,13 @@
                         </a:rPr>
                         <a:t>Simplest</a:t>
                       </a:r>
+                      <a:endParaRPr lang="en-US" sz="1200">
+                        <a:solidFill>
+                          <a:schemeClr val="bg1">
+                            <a:lumMod val="10000"/>
+                          </a:schemeClr>
+                        </a:solidFill>
+                      </a:endParaRPr>
                     </a:p>
                   </a:txBody>
                   <a:tcPr anchor="ctr">
@@ -11487,6 +12970,13 @@
                         </a:rPr>
                         <a:t>Moderate</a:t>
                       </a:r>
+                      <a:endParaRPr lang="en-US" sz="1200">
+                        <a:solidFill>
+                          <a:schemeClr val="bg1">
+                            <a:lumMod val="10000"/>
+                          </a:schemeClr>
+                        </a:solidFill>
+                      </a:endParaRPr>
                     </a:p>
                   </a:txBody>
                   <a:tcPr anchor="ctr">
@@ -11516,6 +13006,13 @@
                         </a:rPr>
                         <a:t>Moderate-High</a:t>
                       </a:r>
+                      <a:endParaRPr lang="en-US" sz="1200" dirty="0">
+                        <a:solidFill>
+                          <a:schemeClr val="bg1">
+                            <a:lumMod val="10000"/>
+                          </a:schemeClr>
+                        </a:solidFill>
+                      </a:endParaRPr>
                     </a:p>
                   </a:txBody>
                   <a:tcPr anchor="ctr">
@@ -11554,6 +13051,13 @@
                         </a:rPr>
                         <a:t>Highest</a:t>
                       </a:r>
+                      <a:endParaRPr lang="en-US" sz="1200">
+                        <a:solidFill>
+                          <a:schemeClr val="bg1">
+                            <a:lumMod val="10000"/>
+                          </a:schemeClr>
+                        </a:solidFill>
+                      </a:endParaRPr>
                     </a:p>
                   </a:txBody>
                   <a:tcPr anchor="ctr">
@@ -11571,11 +13075,6 @@
                     </a:lnR>
                   </a:tcPr>
                 </a:tc>
-                <a:extLst>
-                  <a:ext uri="{0D108BD9-81ED-4DB2-BD59-A6C34878D82A}">
-                    <a16:rowId xmlns:a16="http://schemas.microsoft.com/office/drawing/2014/main" val="10005"/>
-                  </a:ext>
-                </a:extLst>
               </a:tr>
               <a:tr h="324041">
                 <a:tc>
@@ -11594,6 +13093,11 @@
                         </a:rPr>
                         <a:t>Robustness</a:t>
                       </a:r>
+                      <a:endParaRPr lang="en-US" sz="1200" b="0" dirty="0">
+                        <a:solidFill>
+                          <a:schemeClr val="bg1"/>
+                        </a:solidFill>
+                      </a:endParaRPr>
                     </a:p>
                   </a:txBody>
                   <a:tcPr anchor="ctr">
@@ -11632,6 +13136,13 @@
                         </a:rPr>
                         <a:t>Poor</a:t>
                       </a:r>
+                      <a:endParaRPr lang="en-US" sz="1200">
+                        <a:solidFill>
+                          <a:schemeClr val="bg1">
+                            <a:lumMod val="10000"/>
+                          </a:schemeClr>
+                        </a:solidFill>
+                      </a:endParaRPr>
                     </a:p>
                   </a:txBody>
                   <a:tcPr anchor="ctr">
@@ -11661,6 +13172,13 @@
                         </a:rPr>
                         <a:t>Moderate</a:t>
                       </a:r>
+                      <a:endParaRPr lang="en-US" sz="1200">
+                        <a:solidFill>
+                          <a:schemeClr val="bg1">
+                            <a:lumMod val="10000"/>
+                          </a:schemeClr>
+                        </a:solidFill>
+                      </a:endParaRPr>
                     </a:p>
                   </a:txBody>
                   <a:tcPr anchor="ctr">
@@ -11690,6 +13208,13 @@
                         </a:rPr>
                         <a:t>Good</a:t>
                       </a:r>
+                      <a:endParaRPr lang="en-US" sz="1200" dirty="0">
+                        <a:solidFill>
+                          <a:schemeClr val="bg1">
+                            <a:lumMod val="10000"/>
+                          </a:schemeClr>
+                        </a:solidFill>
+                      </a:endParaRPr>
                     </a:p>
                   </a:txBody>
                   <a:tcPr anchor="ctr">
@@ -11728,6 +13253,13 @@
                         </a:rPr>
                         <a:t>Poor (non-smooth)</a:t>
                       </a:r>
+                      <a:endParaRPr lang="en-US" sz="1200">
+                        <a:solidFill>
+                          <a:schemeClr val="bg1">
+                            <a:lumMod val="10000"/>
+                          </a:schemeClr>
+                        </a:solidFill>
+                      </a:endParaRPr>
                     </a:p>
                   </a:txBody>
                   <a:tcPr anchor="ctr">
@@ -11745,11 +13277,6 @@
                     </a:lnR>
                   </a:tcPr>
                 </a:tc>
-                <a:extLst>
-                  <a:ext uri="{0D108BD9-81ED-4DB2-BD59-A6C34878D82A}">
-                    <a16:rowId xmlns:a16="http://schemas.microsoft.com/office/drawing/2014/main" val="10006"/>
-                  </a:ext>
-                </a:extLst>
               </a:tr>
               <a:tr h="489498">
                 <a:tc>
@@ -11768,6 +13295,11 @@
                         </a:rPr>
                         <a:t>Real-time Suitability</a:t>
                       </a:r>
+                      <a:endParaRPr lang="en-US" sz="1200" b="0" dirty="0">
+                        <a:solidFill>
+                          <a:schemeClr val="bg1"/>
+                        </a:solidFill>
+                      </a:endParaRPr>
                     </a:p>
                   </a:txBody>
                   <a:tcPr anchor="ctr">
@@ -11809,6 +13341,13 @@
                         </a:rPr>
                         <a:t>Fast but unreliable</a:t>
                       </a:r>
+                      <a:endParaRPr lang="en-US" sz="1200">
+                        <a:solidFill>
+                          <a:schemeClr val="bg1">
+                            <a:lumMod val="10000"/>
+                          </a:schemeClr>
+                        </a:solidFill>
+                      </a:endParaRPr>
                     </a:p>
                   </a:txBody>
                   <a:tcPr anchor="ctr">
@@ -11841,6 +13380,13 @@
                         </a:rPr>
                         <a:t>Good balance</a:t>
                       </a:r>
+                      <a:endParaRPr lang="en-US" sz="1200">
+                        <a:solidFill>
+                          <a:schemeClr val="bg1">
+                            <a:lumMod val="10000"/>
+                          </a:schemeClr>
+                        </a:solidFill>
+                      </a:endParaRPr>
                     </a:p>
                   </a:txBody>
                   <a:tcPr anchor="ctr">
@@ -11873,6 +13419,13 @@
                         </a:rPr>
                         <a:t>Solver dependent</a:t>
                       </a:r>
+                      <a:endParaRPr lang="en-US" sz="1200" dirty="0">
+                        <a:solidFill>
+                          <a:schemeClr val="bg1">
+                            <a:lumMod val="10000"/>
+                          </a:schemeClr>
+                        </a:solidFill>
+                      </a:endParaRPr>
                     </a:p>
                   </a:txBody>
                   <a:tcPr anchor="ctr">
@@ -11914,6 +13467,13 @@
                         </a:rPr>
                         <a:t>Generally slow</a:t>
                       </a:r>
+                      <a:endParaRPr lang="en-US" sz="1200" dirty="0">
+                        <a:solidFill>
+                          <a:schemeClr val="bg1">
+                            <a:lumMod val="10000"/>
+                          </a:schemeClr>
+                        </a:solidFill>
+                      </a:endParaRPr>
                     </a:p>
                   </a:txBody>
                   <a:tcPr anchor="ctr">
@@ -11934,11 +13494,6 @@
                     </a:lnR>
                   </a:tcPr>
                 </a:tc>
-                <a:extLst>
-                  <a:ext uri="{0D108BD9-81ED-4DB2-BD59-A6C34878D82A}">
-                    <a16:rowId xmlns:a16="http://schemas.microsoft.com/office/drawing/2014/main" val="692757393"/>
-                  </a:ext>
-                </a:extLst>
               </a:tr>
             </a:tbl>
           </a:graphicData>
@@ -11986,7 +13541,6 @@
           <a:p>
             <a:fld id="{760FBDFE-C587-4B4C-A407-44438C67B59E}" type="datetime1">
               <a:rPr lang="en-US" altLang="en-US" smtClean="0"/>
-              <a:t>9/22/2025</a:t>
             </a:fld>
             <a:endParaRPr lang="zh-CN" altLang="en-US"/>
           </a:p>
@@ -12009,7 +13563,6 @@
           <a:p>
             <a:fld id="{49AE70B2-8BF9-45C0-BB95-33D1B9D3A854}" type="slidenum">
               <a:rPr lang="zh-CN" altLang="en-US" smtClean="0"/>
-              <a:t>6</a:t>
             </a:fld>
             <a:endParaRPr lang="zh-CN" altLang="en-US"/>
           </a:p>
@@ -12062,6 +13615,10 @@
               </a:rPr>
               <a:t>Implementation</a:t>
             </a:r>
+            <a:endParaRPr lang="de-DE" altLang="en-US" sz="4400" dirty="0">
+              <a:latin typeface="Arial Black" panose="020B0A04020102020204" charset="0"/>
+              <a:cs typeface="Arial Black" panose="020B0A04020102020204" charset="0"/>
+            </a:endParaRPr>
           </a:p>
         </p:txBody>
       </p:sp>
@@ -12074,7 +13631,7 @@
         <p:spPr>
           <a:xfrm>
             <a:off x="647700" y="1762125"/>
-            <a:ext cx="6860540" cy="3565848"/>
+            <a:ext cx="6860540" cy="3634740"/>
           </a:xfrm>
           <a:prstGeom prst="rect">
             <a:avLst/>
@@ -12095,12 +13652,16 @@
               <a:buAutoNum type="arabicPeriod"/>
             </a:pPr>
             <a:r>
-              <a:rPr lang="en-US" altLang="de-DE" dirty="0">
+              <a:rPr lang="en-US" altLang="de-DE" b="1" dirty="0">
                 <a:latin typeface="+mn-ea"/>
                 <a:cs typeface="+mn-ea"/>
               </a:rPr>
               <a:t>Framework: CasADi</a:t>
             </a:r>
+            <a:endParaRPr lang="en-US" altLang="de-DE" b="1" dirty="0">
+              <a:latin typeface="+mn-ea"/>
+              <a:cs typeface="+mn-ea"/>
+            </a:endParaRPr>
           </a:p>
           <a:p>
             <a:pPr marL="1257300" lvl="2" indent="-342900">
@@ -12117,6 +13678,10 @@
               </a:rPr>
               <a:t>Open-source</a:t>
             </a:r>
+            <a:endParaRPr lang="en-US" altLang="de-DE" dirty="0">
+              <a:latin typeface="+mn-ea"/>
+              <a:cs typeface="+mn-ea"/>
+            </a:endParaRPr>
           </a:p>
           <a:p>
             <a:pPr marL="1257300" lvl="2" indent="-342900">
@@ -12133,6 +13698,10 @@
               </a:rPr>
               <a:t>Automatic differentiation</a:t>
             </a:r>
+            <a:endParaRPr lang="en-US" altLang="de-DE" dirty="0">
+              <a:latin typeface="+mn-ea"/>
+              <a:cs typeface="+mn-ea"/>
+            </a:endParaRPr>
           </a:p>
           <a:p>
             <a:pPr marL="1257300" lvl="2" indent="-342900">
@@ -12149,6 +13718,10 @@
               </a:rPr>
               <a:t>Simple NLP interface</a:t>
             </a:r>
+            <a:endParaRPr lang="en-US" altLang="de-DE" dirty="0">
+              <a:latin typeface="+mn-ea"/>
+              <a:cs typeface="+mn-ea"/>
+            </a:endParaRPr>
           </a:p>
           <a:p>
             <a:pPr marL="1257300" lvl="2" indent="-342900">
@@ -12165,6 +13738,10 @@
               </a:rPr>
               <a:t>Automatic c-code generation</a:t>
             </a:r>
+            <a:endParaRPr lang="en-US" altLang="de-DE" dirty="0">
+              <a:latin typeface="+mn-ea"/>
+              <a:cs typeface="+mn-ea"/>
+            </a:endParaRPr>
           </a:p>
           <a:p>
             <a:pPr marL="1257300" lvl="2" indent="-342900">
@@ -12208,25 +13785,23 @@
               </a:rPr>
               <a:t>Extensive NLP solver compatibility</a:t>
             </a:r>
+            <a:endParaRPr lang="en-US" altLang="de-DE" dirty="0">
+              <a:latin typeface="+mn-ea"/>
+              <a:cs typeface="+mn-ea"/>
+            </a:endParaRPr>
           </a:p>
         </p:txBody>
       </p:sp>
       <p:pic>
         <p:nvPicPr>
-          <p:cNvPr id="1026" name="Picture 2" descr="CasADi: casadi::Function Class Reference">
-            <a:extLst>
-              <a:ext uri="{FF2B5EF4-FFF2-40B4-BE49-F238E27FC236}">
-                <a16:creationId xmlns:a16="http://schemas.microsoft.com/office/drawing/2014/main" id="{CB9CEA6D-87EF-A9BB-A91B-4B9539C18A5E}"/>
-              </a:ext>
-            </a:extLst>
-          </p:cNvPr>
+          <p:cNvPr id="1026" name="Picture 2" descr="CasADi: casadi::Function Class Reference"/>
           <p:cNvPicPr>
             <a:picLocks noChangeAspect="1" noChangeArrowheads="1"/>
           </p:cNvPicPr>
           <p:nvPr/>
         </p:nvPicPr>
         <p:blipFill>
-          <a:blip r:embed="rId2">
+          <a:blip r:embed="rId1">
             <a:extLst>
               <a:ext uri="{28A0092B-C50C-407E-A947-70E740481C1C}">
                 <a14:useLocalDpi xmlns:a14="http://schemas.microsoft.com/office/drawing/2010/main" val="0"/>
@@ -12271,13 +13846,7 @@
   <p:cSld>
     <p:spTree>
       <p:nvGrpSpPr>
-        <p:cNvPr id="1" name="">
-          <a:extLst>
-            <a:ext uri="{FF2B5EF4-FFF2-40B4-BE49-F238E27FC236}">
-              <a16:creationId xmlns:a16="http://schemas.microsoft.com/office/drawing/2014/main" id="{9D43AB49-5948-AF9C-A0ED-7C1DA060F979}"/>
-            </a:ext>
-          </a:extLst>
-        </p:cNvPr>
+        <p:cNvPr id="1" name=""/>
         <p:cNvGrpSpPr/>
         <p:nvPr/>
       </p:nvGrpSpPr>
@@ -12291,13 +13860,7 @@
       </p:grpSpPr>
       <p:sp>
         <p:nvSpPr>
-          <p:cNvPr id="3" name="Date Placeholder 2">
-            <a:extLst>
-              <a:ext uri="{FF2B5EF4-FFF2-40B4-BE49-F238E27FC236}">
-                <a16:creationId xmlns:a16="http://schemas.microsoft.com/office/drawing/2014/main" id="{5EE43591-E980-4467-29B0-4DD39B8EE5C6}"/>
-              </a:ext>
-            </a:extLst>
-          </p:cNvPr>
+          <p:cNvPr id="3" name="Date Placeholder 2"/>
           <p:cNvSpPr>
             <a:spLocks noGrp="1"/>
           </p:cNvSpPr>
@@ -12312,7 +13875,6 @@
           <a:p>
             <a:fld id="{760FBDFE-C587-4B4C-A407-44438C67B59E}" type="datetime1">
               <a:rPr lang="en-US" altLang="en-US" smtClean="0"/>
-              <a:t>9/22/2025</a:t>
             </a:fld>
             <a:endParaRPr lang="zh-CN" altLang="en-US"/>
           </a:p>
@@ -12320,13 +13882,7 @@
       </p:sp>
       <p:sp>
         <p:nvSpPr>
-          <p:cNvPr id="12" name="Slide Number Placeholder 11">
-            <a:extLst>
-              <a:ext uri="{FF2B5EF4-FFF2-40B4-BE49-F238E27FC236}">
-                <a16:creationId xmlns:a16="http://schemas.microsoft.com/office/drawing/2014/main" id="{486114D2-ADEC-4519-451B-4C0FECE0E53E}"/>
-              </a:ext>
-            </a:extLst>
-          </p:cNvPr>
+          <p:cNvPr id="12" name="Slide Number Placeholder 11"/>
           <p:cNvSpPr>
             <a:spLocks noGrp="1"/>
           </p:cNvSpPr>
@@ -12341,7 +13897,6 @@
           <a:p>
             <a:fld id="{49AE70B2-8BF9-45C0-BB95-33D1B9D3A854}" type="slidenum">
               <a:rPr lang="zh-CN" altLang="en-US" smtClean="0"/>
-              <a:t>7</a:t>
             </a:fld>
             <a:endParaRPr lang="zh-CN" altLang="en-US"/>
           </a:p>
@@ -12349,13 +13904,7 @@
       </p:sp>
       <p:sp>
         <p:nvSpPr>
-          <p:cNvPr id="13" name="Footer Placeholder 12">
-            <a:extLst>
-              <a:ext uri="{FF2B5EF4-FFF2-40B4-BE49-F238E27FC236}">
-                <a16:creationId xmlns:a16="http://schemas.microsoft.com/office/drawing/2014/main" id="{8EE49337-B5E1-CC3F-94E0-0CF1F6527552}"/>
-              </a:ext>
-            </a:extLst>
-          </p:cNvPr>
+          <p:cNvPr id="13" name="Footer Placeholder 12"/>
           <p:cNvSpPr>
             <a:spLocks noGrp="1"/>
           </p:cNvSpPr>
@@ -12380,13 +13929,7 @@
       </p:sp>
       <p:sp>
         <p:nvSpPr>
-          <p:cNvPr id="2" name="Title 1">
-            <a:extLst>
-              <a:ext uri="{FF2B5EF4-FFF2-40B4-BE49-F238E27FC236}">
-                <a16:creationId xmlns:a16="http://schemas.microsoft.com/office/drawing/2014/main" id="{F103843A-7AD4-DFFD-7DFB-C13EDD2BE588}"/>
-              </a:ext>
-            </a:extLst>
-          </p:cNvPr>
+          <p:cNvPr id="2" name="Title 1"/>
           <p:cNvSpPr>
             <a:spLocks noGrp="1"/>
           </p:cNvSpPr>
@@ -12406,18 +13949,16 @@
               </a:rPr>
               <a:t>Implementation</a:t>
             </a:r>
-          </a:p>
-        </p:txBody>
-      </p:sp>
-      <p:sp>
-        <p:nvSpPr>
-          <p:cNvPr id="5" name="Text Box 4">
-            <a:extLst>
-              <a:ext uri="{FF2B5EF4-FFF2-40B4-BE49-F238E27FC236}">
-                <a16:creationId xmlns:a16="http://schemas.microsoft.com/office/drawing/2014/main" id="{400FDED1-B9D7-4D4A-06EB-BED724E3B4E6}"/>
-              </a:ext>
-            </a:extLst>
-          </p:cNvPr>
+            <a:endParaRPr lang="de-DE" altLang="en-US" sz="4400" dirty="0">
+              <a:latin typeface="Arial Black" panose="020B0A04020102020204" charset="0"/>
+              <a:cs typeface="Arial Black" panose="020B0A04020102020204" charset="0"/>
+            </a:endParaRPr>
+          </a:p>
+        </p:txBody>
+      </p:sp>
+      <p:sp>
+        <p:nvSpPr>
+          <p:cNvPr id="5" name="Text Box 4"/>
           <p:cNvSpPr txBox="1"/>
           <p:nvPr/>
         </p:nvSpPr>
@@ -12451,26 +13992,18 @@
               </a:rPr>
               <a:t>NLP Solvers:</a:t>
             </a:r>
+            <a:endParaRPr lang="en-US" altLang="de-DE" dirty="0">
+              <a:latin typeface="+mn-ea"/>
+              <a:cs typeface="+mn-ea"/>
+            </a:endParaRPr>
           </a:p>
         </p:txBody>
       </p:sp>
       <p:graphicFrame>
         <p:nvGraphicFramePr>
-          <p:cNvPr id="10" name="Table 9">
-            <a:extLst>
-              <a:ext uri="{FF2B5EF4-FFF2-40B4-BE49-F238E27FC236}">
-                <a16:creationId xmlns:a16="http://schemas.microsoft.com/office/drawing/2014/main" id="{758D7317-96D7-EECD-4350-AC3A05023A5F}"/>
-              </a:ext>
-            </a:extLst>
-          </p:cNvPr>
+          <p:cNvPr id="10" name="Table 9"/>
           <p:cNvGraphicFramePr/>
-          <p:nvPr>
-            <p:extLst>
-              <p:ext uri="{D42A27DB-BD31-4B8C-83A1-F6EECF244321}">
-                <p14:modId xmlns:p14="http://schemas.microsoft.com/office/powerpoint/2010/main" val="1713582493"/>
-              </p:ext>
-            </p:extLst>
-          </p:nvPr>
+          <p:nvPr/>
         </p:nvGraphicFramePr>
         <p:xfrm>
           <a:off x="1529715" y="1950447"/>
@@ -12483,34 +14016,10 @@
                 <a:tableStyleId>{5C22544A-7EE6-4342-B048-85BDC9FD1C3A}</a:tableStyleId>
               </a:tblPr>
               <a:tblGrid>
-                <a:gridCol w="1496139">
-                  <a:extLst>
-                    <a:ext uri="{9D8B030D-6E8A-4147-A177-3AD203B41FA5}">
-                      <a16:colId xmlns:a16="http://schemas.microsoft.com/office/drawing/2014/main" val="20000"/>
-                    </a:ext>
-                  </a:extLst>
-                </a:gridCol>
-                <a:gridCol w="2589388">
-                  <a:extLst>
-                    <a:ext uri="{9D8B030D-6E8A-4147-A177-3AD203B41FA5}">
-                      <a16:colId xmlns:a16="http://schemas.microsoft.com/office/drawing/2014/main" val="20001"/>
-                    </a:ext>
-                  </a:extLst>
-                </a:gridCol>
-                <a:gridCol w="2774029">
-                  <a:extLst>
-                    <a:ext uri="{9D8B030D-6E8A-4147-A177-3AD203B41FA5}">
-                      <a16:colId xmlns:a16="http://schemas.microsoft.com/office/drawing/2014/main" val="20002"/>
-                    </a:ext>
-                  </a:extLst>
-                </a:gridCol>
-                <a:gridCol w="2774029">
-                  <a:extLst>
-                    <a:ext uri="{9D8B030D-6E8A-4147-A177-3AD203B41FA5}">
-                      <a16:colId xmlns:a16="http://schemas.microsoft.com/office/drawing/2014/main" val="4239251983"/>
-                    </a:ext>
-                  </a:extLst>
-                </a:gridCol>
+                <a:gridCol w="1496139"/>
+                <a:gridCol w="2589388"/>
+                <a:gridCol w="2774029"/>
+                <a:gridCol w="2774029"/>
               </a:tblGrid>
               <a:tr h="454841">
                 <a:tc>
@@ -12552,6 +14061,7 @@
                         <a:rPr lang="en-US" dirty="0"/>
                         <a:t>Interior Point</a:t>
                       </a:r>
+                      <a:endParaRPr lang="en-US" dirty="0"/>
                     </a:p>
                   </a:txBody>
                   <a:tcPr anchor="ctr">
@@ -12581,6 +14091,7 @@
                         <a:rPr lang="en-US" dirty="0"/>
                         <a:t>SQP Methods</a:t>
                       </a:r>
+                      <a:endParaRPr lang="en-US" dirty="0"/>
                     </a:p>
                   </a:txBody>
                   <a:tcPr anchor="ctr">
@@ -12604,6 +14115,7 @@
                         <a:rPr lang="en-US" dirty="0"/>
                         <a:t>SCP Methods</a:t>
                       </a:r>
+                      <a:endParaRPr lang="en-US" dirty="0"/>
                     </a:p>
                   </a:txBody>
                   <a:tcPr anchor="ctr">
@@ -12621,11 +14133,6 @@
                     </a:lnT>
                   </a:tcPr>
                 </a:tc>
-                <a:extLst>
-                  <a:ext uri="{0D108BD9-81ED-4DB2-BD59-A6C34878D82A}">
-                    <a16:rowId xmlns:a16="http://schemas.microsoft.com/office/drawing/2014/main" val="10000"/>
-                  </a:ext>
-                </a:extLst>
               </a:tr>
               <a:tr h="549472">
                 <a:tc>
@@ -12679,6 +14186,13 @@
                         </a:rPr>
                         <a:t>Poor</a:t>
                       </a:r>
+                      <a:endParaRPr lang="en-US" sz="1400" dirty="0">
+                        <a:solidFill>
+                          <a:schemeClr val="bg1">
+                            <a:lumMod val="10000"/>
+                          </a:schemeClr>
+                        </a:solidFill>
+                      </a:endParaRPr>
                     </a:p>
                   </a:txBody>
                   <a:tcPr anchor="ctr">
@@ -12708,6 +14222,13 @@
                         </a:rPr>
                         <a:t>Excellent</a:t>
                       </a:r>
+                      <a:endParaRPr lang="en-US" sz="1400" dirty="0">
+                        <a:solidFill>
+                          <a:schemeClr val="bg1">
+                            <a:lumMod val="10000"/>
+                          </a:schemeClr>
+                        </a:solidFill>
+                      </a:endParaRPr>
                     </a:p>
                   </a:txBody>
                   <a:tcPr anchor="ctr"/>
@@ -12730,6 +14251,13 @@
                         </a:rPr>
                         <a:t>Good</a:t>
                       </a:r>
+                      <a:endParaRPr lang="en-US" sz="1400">
+                        <a:solidFill>
+                          <a:schemeClr val="bg1">
+                            <a:lumMod val="10000"/>
+                          </a:schemeClr>
+                        </a:solidFill>
+                      </a:endParaRPr>
                     </a:p>
                   </a:txBody>
                   <a:tcPr anchor="ctr">
@@ -12741,11 +14269,6 @@
                     </a:lnR>
                   </a:tcPr>
                 </a:tc>
-                <a:extLst>
-                  <a:ext uri="{0D108BD9-81ED-4DB2-BD59-A6C34878D82A}">
-                    <a16:rowId xmlns:a16="http://schemas.microsoft.com/office/drawing/2014/main" val="10001"/>
-                  </a:ext>
-                </a:extLst>
               </a:tr>
               <a:tr h="549472">
                 <a:tc>
@@ -12835,6 +14358,13 @@
                         </a:rPr>
                         <a:t>Superlinear</a:t>
                       </a:r>
+                      <a:endParaRPr lang="en-US" sz="1400">
+                        <a:solidFill>
+                          <a:schemeClr val="bg1">
+                            <a:lumMod val="10000"/>
+                          </a:schemeClr>
+                        </a:solidFill>
+                      </a:endParaRPr>
                     </a:p>
                   </a:txBody>
                   <a:tcPr anchor="ctr"/>
@@ -12857,6 +14387,13 @@
                         </a:rPr>
                         <a:t>Linear to superlinear</a:t>
                       </a:r>
+                      <a:endParaRPr lang="en-US" sz="1400">
+                        <a:solidFill>
+                          <a:schemeClr val="bg1">
+                            <a:lumMod val="10000"/>
+                          </a:schemeClr>
+                        </a:solidFill>
+                      </a:endParaRPr>
                     </a:p>
                   </a:txBody>
                   <a:tcPr anchor="ctr">
@@ -12868,11 +14405,6 @@
                     </a:lnR>
                   </a:tcPr>
                 </a:tc>
-                <a:extLst>
-                  <a:ext uri="{0D108BD9-81ED-4DB2-BD59-A6C34878D82A}">
-                    <a16:rowId xmlns:a16="http://schemas.microsoft.com/office/drawing/2014/main" val="10002"/>
-                  </a:ext>
-                </a:extLst>
               </a:tr>
               <a:tr h="549472">
                 <a:tc>
@@ -12926,6 +14458,13 @@
                         </a:rPr>
                         <a:t>Large-scale optimal</a:t>
                       </a:r>
+                      <a:endParaRPr lang="en-US" sz="1400" dirty="0">
+                        <a:solidFill>
+                          <a:schemeClr val="bg1">
+                            <a:lumMod val="10000"/>
+                          </a:schemeClr>
+                        </a:solidFill>
+                      </a:endParaRPr>
                     </a:p>
                   </a:txBody>
                   <a:tcPr anchor="ctr">
@@ -12955,6 +14494,13 @@
                         </a:rPr>
                         <a:t>Medium-scale optimal</a:t>
                       </a:r>
+                      <a:endParaRPr lang="en-US" sz="1400" dirty="0">
+                        <a:solidFill>
+                          <a:schemeClr val="bg1">
+                            <a:lumMod val="10000"/>
+                          </a:schemeClr>
+                        </a:solidFill>
+                      </a:endParaRPr>
                     </a:p>
                   </a:txBody>
                   <a:tcPr anchor="ctr"/>
@@ -12977,6 +14523,13 @@
                         </a:rPr>
                         <a:t>Medium-scale</a:t>
                       </a:r>
+                      <a:endParaRPr lang="en-US" sz="1400">
+                        <a:solidFill>
+                          <a:schemeClr val="bg1">
+                            <a:lumMod val="10000"/>
+                          </a:schemeClr>
+                        </a:solidFill>
+                      </a:endParaRPr>
                     </a:p>
                   </a:txBody>
                   <a:tcPr anchor="ctr">
@@ -12988,11 +14541,6 @@
                     </a:lnR>
                   </a:tcPr>
                 </a:tc>
-                <a:extLst>
-                  <a:ext uri="{0D108BD9-81ED-4DB2-BD59-A6C34878D82A}">
-                    <a16:rowId xmlns:a16="http://schemas.microsoft.com/office/drawing/2014/main" val="10003"/>
-                  </a:ext>
-                </a:extLst>
               </a:tr>
               <a:tr h="454841">
                 <a:tc>
@@ -13046,6 +14594,13 @@
                         </a:rPr>
                         <a:t>Very good</a:t>
                       </a:r>
+                      <a:endParaRPr lang="en-US" sz="1400">
+                        <a:solidFill>
+                          <a:schemeClr val="bg1">
+                            <a:lumMod val="10000"/>
+                          </a:schemeClr>
+                        </a:solidFill>
+                      </a:endParaRPr>
                     </a:p>
                   </a:txBody>
                   <a:tcPr anchor="ctr">
@@ -13075,6 +14630,13 @@
                         </a:rPr>
                         <a:t>Good</a:t>
                       </a:r>
+                      <a:endParaRPr lang="en-US" sz="1400" dirty="0">
+                        <a:solidFill>
+                          <a:schemeClr val="bg1">
+                            <a:lumMod val="10000"/>
+                          </a:schemeClr>
+                        </a:solidFill>
+                      </a:endParaRPr>
                     </a:p>
                   </a:txBody>
                   <a:tcPr anchor="ctr"/>
@@ -13097,6 +14659,13 @@
                         </a:rPr>
                         <a:t>Moderate</a:t>
                       </a:r>
+                      <a:endParaRPr lang="en-US" sz="1400">
+                        <a:solidFill>
+                          <a:schemeClr val="bg1">
+                            <a:lumMod val="10000"/>
+                          </a:schemeClr>
+                        </a:solidFill>
+                      </a:endParaRPr>
                     </a:p>
                   </a:txBody>
                   <a:tcPr anchor="ctr">
@@ -13108,11 +14677,6 @@
                     </a:lnR>
                   </a:tcPr>
                 </a:tc>
-                <a:extLst>
-                  <a:ext uri="{0D108BD9-81ED-4DB2-BD59-A6C34878D82A}">
-                    <a16:rowId xmlns:a16="http://schemas.microsoft.com/office/drawing/2014/main" val="10004"/>
-                  </a:ext>
-                </a:extLst>
               </a:tr>
               <a:tr h="549472">
                 <a:tc>
@@ -13166,6 +14730,13 @@
                         </a:rPr>
                         <a:t>Solver dependent</a:t>
                       </a:r>
+                      <a:endParaRPr lang="en-US" sz="1400">
+                        <a:solidFill>
+                          <a:schemeClr val="bg1">
+                            <a:lumMod val="10000"/>
+                          </a:schemeClr>
+                        </a:solidFill>
+                      </a:endParaRPr>
                     </a:p>
                   </a:txBody>
                   <a:tcPr anchor="ctr">
@@ -13195,6 +14766,13 @@
                         </a:rPr>
                         <a:t>Excellent</a:t>
                       </a:r>
+                      <a:endParaRPr lang="en-US" sz="1400" dirty="0">
+                        <a:solidFill>
+                          <a:schemeClr val="bg1">
+                            <a:lumMod val="10000"/>
+                          </a:schemeClr>
+                        </a:solidFill>
+                      </a:endParaRPr>
                     </a:p>
                   </a:txBody>
                   <a:tcPr anchor="ctr"/>
@@ -13217,6 +14795,13 @@
                         </a:rPr>
                         <a:t>Good</a:t>
                       </a:r>
+                      <a:endParaRPr lang="en-US" sz="1400" dirty="0">
+                        <a:solidFill>
+                          <a:schemeClr val="bg1">
+                            <a:lumMod val="10000"/>
+                          </a:schemeClr>
+                        </a:solidFill>
+                      </a:endParaRPr>
                     </a:p>
                   </a:txBody>
                   <a:tcPr anchor="ctr">
@@ -13228,11 +14813,6 @@
                     </a:lnR>
                   </a:tcPr>
                 </a:tc>
-                <a:extLst>
-                  <a:ext uri="{0D108BD9-81ED-4DB2-BD59-A6C34878D82A}">
-                    <a16:rowId xmlns:a16="http://schemas.microsoft.com/office/drawing/2014/main" val="10005"/>
-                  </a:ext>
-                </a:extLst>
               </a:tr>
               <a:tr h="549472">
                 <a:tc>
@@ -13289,6 +14869,13 @@
                         </a:rPr>
                         <a:t>General purpose</a:t>
                       </a:r>
+                      <a:endParaRPr lang="en-US" sz="1400">
+                        <a:solidFill>
+                          <a:schemeClr val="bg1">
+                            <a:lumMod val="10000"/>
+                          </a:schemeClr>
+                        </a:solidFill>
+                      </a:endParaRPr>
                     </a:p>
                   </a:txBody>
                   <a:tcPr anchor="ctr">
@@ -13321,6 +14908,13 @@
                         </a:rPr>
                         <a:t>General purpose</a:t>
                       </a:r>
+                      <a:endParaRPr lang="en-US" sz="1400">
+                        <a:solidFill>
+                          <a:schemeClr val="bg1">
+                            <a:lumMod val="10000"/>
+                          </a:schemeClr>
+                        </a:solidFill>
+                      </a:endParaRPr>
                     </a:p>
                   </a:txBody>
                   <a:tcPr anchor="ctr"/>
@@ -13343,6 +14937,13 @@
                         </a:rPr>
                         <a:t>Specialized strength</a:t>
                       </a:r>
+                      <a:endParaRPr lang="en-US" sz="1400" dirty="0">
+                        <a:solidFill>
+                          <a:schemeClr val="bg1">
+                            <a:lumMod val="10000"/>
+                          </a:schemeClr>
+                        </a:solidFill>
+                      </a:endParaRPr>
                     </a:p>
                   </a:txBody>
                   <a:tcPr anchor="ctr">
@@ -13354,11 +14955,6 @@
                     </a:lnR>
                   </a:tcPr>
                 </a:tc>
-                <a:extLst>
-                  <a:ext uri="{0D108BD9-81ED-4DB2-BD59-A6C34878D82A}">
-                    <a16:rowId xmlns:a16="http://schemas.microsoft.com/office/drawing/2014/main" val="1906906884"/>
-                  </a:ext>
-                </a:extLst>
               </a:tr>
               <a:tr h="549472">
                 <a:tc>
@@ -13536,22 +15132,12 @@
                     </a:lnB>
                   </a:tcPr>
                 </a:tc>
-                <a:extLst>
-                  <a:ext uri="{0D108BD9-81ED-4DB2-BD59-A6C34878D82A}">
-                    <a16:rowId xmlns:a16="http://schemas.microsoft.com/office/drawing/2014/main" val="659358457"/>
-                  </a:ext>
-                </a:extLst>
               </a:tr>
             </a:tbl>
           </a:graphicData>
         </a:graphic>
       </p:graphicFrame>
     </p:spTree>
-    <p:extLst>
-      <p:ext uri="{BB962C8B-B14F-4D97-AF65-F5344CB8AC3E}">
-        <p14:creationId xmlns:p14="http://schemas.microsoft.com/office/powerpoint/2010/main" val="3097009409"/>
-      </p:ext>
-    </p:extLst>
   </p:cSld>
   <p:clrMapOvr>
     <a:masterClrMapping/>
@@ -13564,13 +15150,7 @@
   <p:cSld>
     <p:spTree>
       <p:nvGrpSpPr>
-        <p:cNvPr id="1" name="">
-          <a:extLst>
-            <a:ext uri="{FF2B5EF4-FFF2-40B4-BE49-F238E27FC236}">
-              <a16:creationId xmlns:a16="http://schemas.microsoft.com/office/drawing/2014/main" id="{A5340F2D-FAD1-B3E3-2B01-6DC816796595}"/>
-            </a:ext>
-          </a:extLst>
-        </p:cNvPr>
+        <p:cNvPr id="1" name=""/>
         <p:cNvGrpSpPr/>
         <p:nvPr/>
       </p:nvGrpSpPr>
@@ -13584,13 +15164,7 @@
       </p:grpSpPr>
       <p:sp>
         <p:nvSpPr>
-          <p:cNvPr id="3" name="Date Placeholder 2">
-            <a:extLst>
-              <a:ext uri="{FF2B5EF4-FFF2-40B4-BE49-F238E27FC236}">
-                <a16:creationId xmlns:a16="http://schemas.microsoft.com/office/drawing/2014/main" id="{30A02ECD-2DA8-8AB0-FE38-15A050E8A0D2}"/>
-              </a:ext>
-            </a:extLst>
-          </p:cNvPr>
+          <p:cNvPr id="3" name="Date Placeholder 2"/>
           <p:cNvSpPr>
             <a:spLocks noGrp="1"/>
           </p:cNvSpPr>
@@ -13605,7 +15179,6 @@
           <a:p>
             <a:fld id="{760FBDFE-C587-4B4C-A407-44438C67B59E}" type="datetime1">
               <a:rPr lang="en-US" altLang="en-US" smtClean="0"/>
-              <a:t>9/22/2025</a:t>
             </a:fld>
             <a:endParaRPr lang="zh-CN" altLang="en-US"/>
           </a:p>
@@ -13613,13 +15186,7 @@
       </p:sp>
       <p:sp>
         <p:nvSpPr>
-          <p:cNvPr id="12" name="Slide Number Placeholder 11">
-            <a:extLst>
-              <a:ext uri="{FF2B5EF4-FFF2-40B4-BE49-F238E27FC236}">
-                <a16:creationId xmlns:a16="http://schemas.microsoft.com/office/drawing/2014/main" id="{599AE855-CD37-F722-CB26-0787503F44A9}"/>
-              </a:ext>
-            </a:extLst>
-          </p:cNvPr>
+          <p:cNvPr id="12" name="Slide Number Placeholder 11"/>
           <p:cNvSpPr>
             <a:spLocks noGrp="1"/>
           </p:cNvSpPr>
@@ -13634,7 +15201,6 @@
           <a:p>
             <a:fld id="{49AE70B2-8BF9-45C0-BB95-33D1B9D3A854}" type="slidenum">
               <a:rPr lang="zh-CN" altLang="en-US" smtClean="0"/>
-              <a:t>8</a:t>
             </a:fld>
             <a:endParaRPr lang="zh-CN" altLang="en-US"/>
           </a:p>
@@ -13642,13 +15208,7 @@
       </p:sp>
       <p:sp>
         <p:nvSpPr>
-          <p:cNvPr id="13" name="Footer Placeholder 12">
-            <a:extLst>
-              <a:ext uri="{FF2B5EF4-FFF2-40B4-BE49-F238E27FC236}">
-                <a16:creationId xmlns:a16="http://schemas.microsoft.com/office/drawing/2014/main" id="{A73E88AF-F7E8-8BB4-2140-11558487E401}"/>
-              </a:ext>
-            </a:extLst>
-          </p:cNvPr>
+          <p:cNvPr id="13" name="Footer Placeholder 12"/>
           <p:cNvSpPr>
             <a:spLocks noGrp="1"/>
           </p:cNvSpPr>
@@ -13673,13 +15233,7 @@
       </p:sp>
       <p:sp>
         <p:nvSpPr>
-          <p:cNvPr id="2" name="Title 1">
-            <a:extLst>
-              <a:ext uri="{FF2B5EF4-FFF2-40B4-BE49-F238E27FC236}">
-                <a16:creationId xmlns:a16="http://schemas.microsoft.com/office/drawing/2014/main" id="{923A6CD2-966D-643E-6C4E-193AFD6B603D}"/>
-              </a:ext>
-            </a:extLst>
-          </p:cNvPr>
+          <p:cNvPr id="2" name="Title 1"/>
           <p:cNvSpPr>
             <a:spLocks noGrp="1"/>
           </p:cNvSpPr>
@@ -13699,25 +15253,23 @@
               </a:rPr>
               <a:t>Implementation</a:t>
             </a:r>
-          </a:p>
-        </p:txBody>
-      </p:sp>
-      <p:sp>
-        <p:nvSpPr>
-          <p:cNvPr id="5" name="Text Box 4">
-            <a:extLst>
-              <a:ext uri="{FF2B5EF4-FFF2-40B4-BE49-F238E27FC236}">
-                <a16:creationId xmlns:a16="http://schemas.microsoft.com/office/drawing/2014/main" id="{846B2BF5-F375-36BA-B731-711F39E10729}"/>
-              </a:ext>
-            </a:extLst>
-          </p:cNvPr>
+            <a:endParaRPr lang="de-DE" altLang="en-US" sz="4400" dirty="0">
+              <a:latin typeface="Arial Black" panose="020B0A04020102020204" charset="0"/>
+              <a:cs typeface="Arial Black" panose="020B0A04020102020204" charset="0"/>
+            </a:endParaRPr>
+          </a:p>
+        </p:txBody>
+      </p:sp>
+      <p:sp>
+        <p:nvSpPr>
+          <p:cNvPr id="5" name="Text Box 4"/>
           <p:cNvSpPr txBox="1"/>
           <p:nvPr/>
         </p:nvSpPr>
         <p:spPr>
           <a:xfrm>
             <a:off x="647700" y="1762125"/>
-            <a:ext cx="5787390" cy="2222403"/>
+            <a:ext cx="5787390" cy="2306955"/>
           </a:xfrm>
           <a:prstGeom prst="rect">
             <a:avLst/>
@@ -13738,12 +15290,16 @@
               <a:buAutoNum type="arabicPeriod" startAt="3"/>
             </a:pPr>
             <a:r>
-              <a:rPr lang="en-US" altLang="de-DE" dirty="0">
+              <a:rPr lang="en-US" altLang="de-DE" b="1" dirty="0">
                 <a:latin typeface="+mn-ea"/>
                 <a:cs typeface="+mn-ea"/>
               </a:rPr>
               <a:t>Initial guess:</a:t>
             </a:r>
+            <a:endParaRPr lang="en-US" altLang="de-DE" b="1" dirty="0">
+              <a:latin typeface="+mn-ea"/>
+              <a:cs typeface="+mn-ea"/>
+            </a:endParaRPr>
           </a:p>
           <a:p>
             <a:pPr marL="1257300" lvl="2" indent="-342900">
@@ -13760,6 +15316,10 @@
               </a:rPr>
               <a:t>Single general initial guess</a:t>
             </a:r>
+            <a:endParaRPr lang="en-US" altLang="de-DE" dirty="0">
+              <a:latin typeface="+mn-ea"/>
+              <a:cs typeface="+mn-ea"/>
+            </a:endParaRPr>
           </a:p>
           <a:p>
             <a:pPr marL="1257300" lvl="2" indent="-342900">
@@ -13776,6 +15336,10 @@
               </a:rPr>
               <a:t>Initial guess library</a:t>
             </a:r>
+            <a:endParaRPr lang="en-US" altLang="de-DE" dirty="0">
+              <a:latin typeface="+mn-ea"/>
+              <a:cs typeface="+mn-ea"/>
+            </a:endParaRPr>
           </a:p>
           <a:p>
             <a:pPr marL="1257300" lvl="2" indent="-342900">
@@ -13792,25 +15356,23 @@
               </a:rPr>
               <a:t>Initial guess algorithm - PSO</a:t>
             </a:r>
+            <a:endParaRPr lang="en-US" altLang="de-DE" dirty="0">
+              <a:latin typeface="+mn-ea"/>
+              <a:cs typeface="+mn-ea"/>
+            </a:endParaRPr>
           </a:p>
         </p:txBody>
       </p:sp>
       <p:pic>
         <p:nvPicPr>
-          <p:cNvPr id="2050" name="Picture 2">
-            <a:extLst>
-              <a:ext uri="{FF2B5EF4-FFF2-40B4-BE49-F238E27FC236}">
-                <a16:creationId xmlns:a16="http://schemas.microsoft.com/office/drawing/2014/main" id="{93CB5031-10B4-6F17-DB14-82DE4F97AC06}"/>
-              </a:ext>
-            </a:extLst>
-          </p:cNvPr>
+          <p:cNvPr id="2050" name="Picture 2"/>
           <p:cNvPicPr>
             <a:picLocks noChangeAspect="1" noChangeArrowheads="1"/>
           </p:cNvPicPr>
           <p:nvPr/>
         </p:nvPicPr>
         <p:blipFill>
-          <a:blip r:embed="rId2">
+          <a:blip r:embed="rId1">
             <a:extLst>
               <a:ext uri="{28A0092B-C50C-407E-A947-70E740481C1C}">
                 <a14:useLocalDpi xmlns:a14="http://schemas.microsoft.com/office/drawing/2010/main" val="0"/>
@@ -13844,13 +15406,7 @@
       </p:pic>
       <p:sp>
         <p:nvSpPr>
-          <p:cNvPr id="10" name="TextBox 9">
-            <a:extLst>
-              <a:ext uri="{FF2B5EF4-FFF2-40B4-BE49-F238E27FC236}">
-                <a16:creationId xmlns:a16="http://schemas.microsoft.com/office/drawing/2014/main" id="{93F3E41E-0A24-DD02-CF8F-810EF2D17DAB}"/>
-              </a:ext>
-            </a:extLst>
-          </p:cNvPr>
+          <p:cNvPr id="10" name="TextBox 9"/>
           <p:cNvSpPr txBox="1"/>
           <p:nvPr/>
         </p:nvSpPr>
@@ -13909,11 +15465,6 @@
         </p:txBody>
       </p:sp>
     </p:spTree>
-    <p:extLst>
-      <p:ext uri="{BB962C8B-B14F-4D97-AF65-F5344CB8AC3E}">
-        <p14:creationId xmlns:p14="http://schemas.microsoft.com/office/powerpoint/2010/main" val="1970748627"/>
-      </p:ext>
-    </p:extLst>
   </p:cSld>
   <p:clrMapOvr>
     <a:masterClrMapping/>
@@ -13926,13 +15477,7 @@
   <p:cSld>
     <p:spTree>
       <p:nvGrpSpPr>
-        <p:cNvPr id="1" name="">
-          <a:extLst>
-            <a:ext uri="{FF2B5EF4-FFF2-40B4-BE49-F238E27FC236}">
-              <a16:creationId xmlns:a16="http://schemas.microsoft.com/office/drawing/2014/main" id="{A39486B6-624E-F7E7-C5C4-B24EB97B5826}"/>
-            </a:ext>
-          </a:extLst>
-        </p:cNvPr>
+        <p:cNvPr id="1" name=""/>
         <p:cNvGrpSpPr/>
         <p:nvPr/>
       </p:nvGrpSpPr>
@@ -13946,13 +15491,7 @@
       </p:grpSpPr>
       <p:sp>
         <p:nvSpPr>
-          <p:cNvPr id="3" name="Date Placeholder 2">
-            <a:extLst>
-              <a:ext uri="{FF2B5EF4-FFF2-40B4-BE49-F238E27FC236}">
-                <a16:creationId xmlns:a16="http://schemas.microsoft.com/office/drawing/2014/main" id="{8DB353AD-179A-4376-5BC6-3965EB4FDB30}"/>
-              </a:ext>
-            </a:extLst>
-          </p:cNvPr>
+          <p:cNvPr id="3" name="Date Placeholder 2"/>
           <p:cNvSpPr>
             <a:spLocks noGrp="1"/>
           </p:cNvSpPr>
@@ -13967,7 +15506,6 @@
           <a:p>
             <a:fld id="{760FBDFE-C587-4B4C-A407-44438C67B59E}" type="datetime1">
               <a:rPr lang="en-US" altLang="en-US" smtClean="0"/>
-              <a:t>9/22/2025</a:t>
             </a:fld>
             <a:endParaRPr lang="zh-CN" altLang="en-US"/>
           </a:p>
@@ -13975,13 +15513,7 @@
       </p:sp>
       <p:sp>
         <p:nvSpPr>
-          <p:cNvPr id="12" name="Slide Number Placeholder 11">
-            <a:extLst>
-              <a:ext uri="{FF2B5EF4-FFF2-40B4-BE49-F238E27FC236}">
-                <a16:creationId xmlns:a16="http://schemas.microsoft.com/office/drawing/2014/main" id="{DF71BD74-1FDA-AA98-4BC3-A248FD33C6BA}"/>
-              </a:ext>
-            </a:extLst>
-          </p:cNvPr>
+          <p:cNvPr id="12" name="Slide Number Placeholder 11"/>
           <p:cNvSpPr>
             <a:spLocks noGrp="1"/>
           </p:cNvSpPr>
@@ -13996,7 +15528,6 @@
           <a:p>
             <a:fld id="{49AE70B2-8BF9-45C0-BB95-33D1B9D3A854}" type="slidenum">
               <a:rPr lang="zh-CN" altLang="en-US" smtClean="0"/>
-              <a:t>9</a:t>
             </a:fld>
             <a:endParaRPr lang="zh-CN" altLang="en-US"/>
           </a:p>
@@ -14004,13 +15535,7 @@
       </p:sp>
       <p:sp>
         <p:nvSpPr>
-          <p:cNvPr id="13" name="Footer Placeholder 12">
-            <a:extLst>
-              <a:ext uri="{FF2B5EF4-FFF2-40B4-BE49-F238E27FC236}">
-                <a16:creationId xmlns:a16="http://schemas.microsoft.com/office/drawing/2014/main" id="{537945EC-05D8-8B82-FD01-A106D1B757E4}"/>
-              </a:ext>
-            </a:extLst>
-          </p:cNvPr>
+          <p:cNvPr id="13" name="Footer Placeholder 12"/>
           <p:cNvSpPr>
             <a:spLocks noGrp="1"/>
           </p:cNvSpPr>
@@ -14035,13 +15560,7 @@
       </p:sp>
       <p:sp>
         <p:nvSpPr>
-          <p:cNvPr id="2" name="Title 1">
-            <a:extLst>
-              <a:ext uri="{FF2B5EF4-FFF2-40B4-BE49-F238E27FC236}">
-                <a16:creationId xmlns:a16="http://schemas.microsoft.com/office/drawing/2014/main" id="{B70246C4-4BD2-C2C4-165A-A7BCCFC0813A}"/>
-              </a:ext>
-            </a:extLst>
-          </p:cNvPr>
+          <p:cNvPr id="2" name="Title 1"/>
           <p:cNvSpPr>
             <a:spLocks noGrp="1"/>
           </p:cNvSpPr>
@@ -14061,25 +15580,23 @@
               </a:rPr>
               <a:t>Results</a:t>
             </a:r>
-          </a:p>
-        </p:txBody>
-      </p:sp>
-      <p:sp>
-        <p:nvSpPr>
-          <p:cNvPr id="5" name="Text Box 4">
-            <a:extLst>
-              <a:ext uri="{FF2B5EF4-FFF2-40B4-BE49-F238E27FC236}">
-                <a16:creationId xmlns:a16="http://schemas.microsoft.com/office/drawing/2014/main" id="{B2DCBF9F-0524-BA02-4DD5-7927E71E76E9}"/>
-              </a:ext>
-            </a:extLst>
-          </p:cNvPr>
+            <a:endParaRPr lang="de-DE" altLang="en-US" sz="4400" dirty="0">
+              <a:latin typeface="Arial Black" panose="020B0A04020102020204" charset="0"/>
+              <a:cs typeface="Arial Black" panose="020B0A04020102020204" charset="0"/>
+            </a:endParaRPr>
+          </a:p>
+        </p:txBody>
+      </p:sp>
+      <p:sp>
+        <p:nvSpPr>
+          <p:cNvPr id="4" name="Text Box 3"/>
           <p:cNvSpPr txBox="1"/>
           <p:nvPr/>
         </p:nvSpPr>
         <p:spPr>
           <a:xfrm>
-            <a:off x="647700" y="1762125"/>
-            <a:ext cx="6860540" cy="560410"/>
+            <a:off x="1012190" y="1131570"/>
+            <a:ext cx="10341610" cy="5909310"/>
           </a:xfrm>
           <a:prstGeom prst="rect">
             <a:avLst/>
@@ -14090,31 +15607,509 @@
           <a:bodyPr wrap="square" rtlCol="0">
             <a:spAutoFit/>
           </a:bodyPr>
-          <a:lstStyle/>
+          <a:p>
+            <a:pPr marL="342900" indent="-342900">
+              <a:lnSpc>
+                <a:spcPct val="110000"/>
+              </a:lnSpc>
+              <a:buAutoNum type="arabicPeriod"/>
+            </a:pPr>
+            <a:r>
+              <a:rPr lang="de-DE" altLang="en-US" b="1">
+                <a:cs typeface="+mn-lt"/>
+              </a:rPr>
+              <a:t>G</a:t>
+            </a:r>
+            <a:r>
+              <a:rPr lang="de-DE" altLang="en-US">
+                <a:cs typeface="+mn-lt"/>
+              </a:rPr>
+              <a:t>PU </a:t>
+            </a:r>
+            <a:r>
+              <a:rPr lang="de-DE" altLang="en-US">
+                <a:cs typeface="+mn-lt"/>
+                <a:sym typeface="+mn-ea"/>
+              </a:rPr>
+              <a:t>VS </a:t>
+            </a:r>
+            <a:r>
+              <a:rPr lang="de-DE" altLang="en-US" b="1">
+                <a:cs typeface="+mn-lt"/>
+                <a:sym typeface="+mn-ea"/>
+              </a:rPr>
+              <a:t>C</a:t>
+            </a:r>
+            <a:r>
+              <a:rPr lang="de-DE" altLang="en-US">
+                <a:cs typeface="+mn-lt"/>
+                <a:sym typeface="+mn-ea"/>
+              </a:rPr>
+              <a:t>PU </a:t>
+            </a:r>
+            <a:r>
+              <a:rPr lang="de-DE" altLang="en-US">
+                <a:cs typeface="+mn-lt"/>
+              </a:rPr>
+              <a:t>Dynamics Propagation </a:t>
+            </a:r>
+            <a:endParaRPr lang="de-DE" altLang="en-US">
+              <a:cs typeface="+mn-lt"/>
+            </a:endParaRPr>
+          </a:p>
+          <a:p>
+            <a:pPr marL="742950" lvl="1" indent="-285750">
+              <a:lnSpc>
+                <a:spcPct val="110000"/>
+              </a:lnSpc>
+              <a:buFont typeface="Arial" panose="020B0604020202020204" pitchFamily="34" charset="0"/>
+              <a:buChar char="•"/>
+            </a:pPr>
+            <a:r>
+              <a:rPr lang="de-DE" altLang="en-US" sz="1600" b="1">
+                <a:cs typeface="+mn-lt"/>
+              </a:rPr>
+              <a:t>Result:</a:t>
+            </a:r>
+            <a:r>
+              <a:rPr lang="de-DE" altLang="en-US" sz="1600">
+                <a:cs typeface="+mn-lt"/>
+              </a:rPr>
+              <a:t> CPU propagation was ~2x as fast as GPU</a:t>
+            </a:r>
+            <a:endParaRPr lang="de-DE" altLang="en-US" sz="1600">
+              <a:cs typeface="+mn-lt"/>
+            </a:endParaRPr>
+          </a:p>
+          <a:p>
+            <a:pPr marL="742950" lvl="1" indent="-285750">
+              <a:lnSpc>
+                <a:spcPct val="110000"/>
+              </a:lnSpc>
+              <a:buFont typeface="Arial" panose="020B0604020202020204" pitchFamily="34" charset="0"/>
+              <a:buChar char="•"/>
+            </a:pPr>
+            <a:r>
+              <a:rPr lang="de-DE" altLang="en-US" sz="1600" b="1">
+                <a:cs typeface="+mn-lt"/>
+                <a:sym typeface="+mn-ea"/>
+              </a:rPr>
+              <a:t>Reason:</a:t>
+            </a:r>
+            <a:r>
+              <a:rPr lang="de-DE" altLang="en-US" sz="1600">
+                <a:cs typeface="+mn-lt"/>
+                <a:sym typeface="+mn-ea"/>
+              </a:rPr>
+              <a:t> Problem size is not significant to justify GPU utilization overhead (N_steps = 50)</a:t>
+            </a:r>
+            <a:endParaRPr lang="de-DE" altLang="en-US" sz="1600">
+              <a:cs typeface="+mn-lt"/>
+            </a:endParaRPr>
+          </a:p>
+          <a:p>
+            <a:pPr marL="742950" lvl="1" indent="-285750">
+              <a:lnSpc>
+                <a:spcPct val="110000"/>
+              </a:lnSpc>
+              <a:buFont typeface="Arial" panose="020B0604020202020204" pitchFamily="34" charset="0"/>
+              <a:buChar char="•"/>
+            </a:pPr>
+            <a:r>
+              <a:rPr lang="de-DE" altLang="en-US" sz="1600" b="1">
+                <a:cs typeface="+mn-lt"/>
+              </a:rPr>
+              <a:t>Conclusion:</a:t>
+            </a:r>
+            <a:r>
+              <a:rPr lang="de-DE" altLang="en-US" sz="1600">
+                <a:cs typeface="+mn-lt"/>
+              </a:rPr>
+              <a:t> Propagate dynamics on CPU</a:t>
+            </a:r>
+            <a:endParaRPr lang="de-DE" altLang="en-US" sz="1600">
+              <a:cs typeface="+mn-lt"/>
+            </a:endParaRPr>
+          </a:p>
+          <a:p>
+            <a:pPr marL="742950" lvl="1" indent="-285750">
+              <a:lnSpc>
+                <a:spcPct val="110000"/>
+              </a:lnSpc>
+              <a:buFont typeface="Arial" panose="020B0604020202020204" pitchFamily="34" charset="0"/>
+              <a:buChar char="•"/>
+            </a:pPr>
+            <a:endParaRPr lang="de-DE" altLang="en-US" sz="1600">
+              <a:cs typeface="+mn-lt"/>
+            </a:endParaRPr>
+          </a:p>
+          <a:p>
+            <a:pPr marL="342900" lvl="0" indent="-342900">
+              <a:lnSpc>
+                <a:spcPct val="110000"/>
+              </a:lnSpc>
+              <a:buFont typeface="Arial" panose="020B0604020202020204" pitchFamily="34" charset="0"/>
+              <a:buAutoNum type="arabicPeriod"/>
+            </a:pPr>
+            <a:r>
+              <a:rPr lang="de-DE" altLang="en-US" b="1">
+                <a:cs typeface="+mn-lt"/>
+              </a:rPr>
+              <a:t>Im</a:t>
+            </a:r>
+            <a:r>
+              <a:rPr lang="de-DE" altLang="en-US">
+                <a:cs typeface="+mn-lt"/>
+              </a:rPr>
+              <a:t>plicit </a:t>
+            </a:r>
+            <a:r>
+              <a:rPr lang="de-DE" altLang="en-US">
+                <a:cs typeface="+mn-lt"/>
+                <a:sym typeface="+mn-ea"/>
+              </a:rPr>
+              <a:t>VS </a:t>
+            </a:r>
+            <a:r>
+              <a:rPr lang="de-DE" altLang="en-US" b="1">
+                <a:cs typeface="+mn-lt"/>
+                <a:sym typeface="+mn-ea"/>
+              </a:rPr>
+              <a:t>Ex</a:t>
+            </a:r>
+            <a:r>
+              <a:rPr lang="de-DE" altLang="en-US">
+                <a:cs typeface="+mn-lt"/>
+                <a:sym typeface="+mn-ea"/>
+              </a:rPr>
+              <a:t>plicit </a:t>
+            </a:r>
+            <a:r>
+              <a:rPr lang="de-DE" altLang="en-US">
+                <a:cs typeface="+mn-lt"/>
+              </a:rPr>
+              <a:t>Numerical Integration (CVODES VS RK4)</a:t>
+            </a:r>
+            <a:endParaRPr lang="de-DE" altLang="en-US">
+              <a:cs typeface="+mn-lt"/>
+            </a:endParaRPr>
+          </a:p>
           <a:p>
             <a:pPr marL="800100" lvl="1" indent="-342900">
               <a:lnSpc>
-                <a:spcPct val="200000"/>
+                <a:spcPct val="110000"/>
               </a:lnSpc>
-              <a:buFont typeface="+mj-lt"/>
-              <a:buAutoNum type="arabicPeriod" startAt="2"/>
+              <a:buFont typeface="Arial" panose="020B0604020202020204" pitchFamily="34" charset="0"/>
+              <a:buChar char="•"/>
             </a:pPr>
             <a:r>
-              <a:rPr lang="en-US" altLang="de-DE" dirty="0">
-                <a:latin typeface="+mn-ea"/>
-                <a:cs typeface="+mn-ea"/>
+              <a:rPr lang="de-DE" altLang="en-US" sz="1600" b="1">
+                <a:cs typeface="+mn-lt"/>
               </a:rPr>
-              <a:t>NLP Solvers:</a:t>
-            </a:r>
+              <a:t>Result:</a:t>
+            </a:r>
+            <a:r>
+              <a:rPr lang="de-DE" altLang="en-US" sz="1600">
+                <a:cs typeface="+mn-lt"/>
+              </a:rPr>
+              <a:t> Although more robust, overhead from implicit integration is overwhelmingly greater</a:t>
+            </a:r>
+            <a:endParaRPr lang="de-DE" altLang="en-US" sz="1600">
+              <a:cs typeface="+mn-lt"/>
+            </a:endParaRPr>
+          </a:p>
+          <a:p>
+            <a:pPr marL="800100" lvl="1" indent="-342900">
+              <a:lnSpc>
+                <a:spcPct val="110000"/>
+              </a:lnSpc>
+              <a:buFont typeface="Arial" panose="020B0604020202020204" pitchFamily="34" charset="0"/>
+              <a:buChar char="•"/>
+            </a:pPr>
+            <a:r>
+              <a:rPr lang="de-DE" altLang="en-US" sz="1600" b="1">
+                <a:cs typeface="+mn-lt"/>
+              </a:rPr>
+              <a:t>Reason: </a:t>
+            </a:r>
+            <a:r>
+              <a:rPr lang="de-DE" altLang="en-US" sz="1600">
+                <a:cs typeface="+mn-lt"/>
+              </a:rPr>
+              <a:t>CVODES is very heavy, even when used with CUDA</a:t>
+            </a:r>
+            <a:endParaRPr lang="de-DE" altLang="en-US" sz="1600">
+              <a:cs typeface="+mn-lt"/>
+            </a:endParaRPr>
+          </a:p>
+          <a:p>
+            <a:pPr marL="800100" lvl="1" indent="-342900">
+              <a:lnSpc>
+                <a:spcPct val="110000"/>
+              </a:lnSpc>
+              <a:buFont typeface="Arial" panose="020B0604020202020204" pitchFamily="34" charset="0"/>
+              <a:buChar char="•"/>
+            </a:pPr>
+            <a:r>
+              <a:rPr lang="de-DE" altLang="en-US" sz="1600" b="1">
+                <a:cs typeface="+mn-lt"/>
+              </a:rPr>
+              <a:t>Conclusion: </a:t>
+            </a:r>
+            <a:r>
+              <a:rPr lang="de-DE" altLang="en-US" sz="1600">
+                <a:cs typeface="+mn-lt"/>
+              </a:rPr>
+              <a:t>Use RK4 as the numerical dynamics propagator</a:t>
+            </a:r>
+            <a:endParaRPr lang="de-DE" altLang="en-US" sz="1600">
+              <a:cs typeface="+mn-lt"/>
+            </a:endParaRPr>
+          </a:p>
+          <a:p>
+            <a:pPr marL="800100" lvl="1" indent="-342900">
+              <a:lnSpc>
+                <a:spcPct val="110000"/>
+              </a:lnSpc>
+              <a:buFont typeface="Arial" panose="020B0604020202020204" pitchFamily="34" charset="0"/>
+              <a:buChar char="•"/>
+            </a:pPr>
+            <a:endParaRPr lang="de-DE" altLang="en-US" sz="1600">
+              <a:cs typeface="+mn-lt"/>
+            </a:endParaRPr>
+          </a:p>
+          <a:p>
+            <a:pPr marL="342900" lvl="0" indent="-342900">
+              <a:lnSpc>
+                <a:spcPct val="110000"/>
+              </a:lnSpc>
+              <a:buFont typeface="Arial" panose="020B0604020202020204" pitchFamily="34" charset="0"/>
+              <a:buAutoNum type="arabicPeriod"/>
+            </a:pPr>
+            <a:r>
+              <a:rPr lang="de-DE" altLang="en-US">
+                <a:cs typeface="+mn-lt"/>
+              </a:rPr>
+              <a:t>Fatrop vs IPOpt NLP </a:t>
+            </a:r>
+            <a:r>
+              <a:rPr lang="de-DE" altLang="en-US">
+                <a:cs typeface="+mn-lt"/>
+                <a:sym typeface="+mn-ea"/>
+              </a:rPr>
+              <a:t>gradient-based </a:t>
+            </a:r>
+            <a:r>
+              <a:rPr lang="de-DE" altLang="en-US">
+                <a:cs typeface="+mn-lt"/>
+              </a:rPr>
+              <a:t>solvers</a:t>
+            </a:r>
+            <a:endParaRPr lang="de-DE" altLang="en-US">
+              <a:cs typeface="+mn-lt"/>
+            </a:endParaRPr>
+          </a:p>
+          <a:p>
+            <a:pPr marL="800100" lvl="1" indent="-342900">
+              <a:lnSpc>
+                <a:spcPct val="110000"/>
+              </a:lnSpc>
+              <a:buFont typeface="Arial" panose="020B0604020202020204" pitchFamily="34" charset="0"/>
+              <a:buChar char="•"/>
+            </a:pPr>
+            <a:r>
+              <a:rPr lang="de-DE" altLang="en-US" sz="1600" b="1">
+                <a:cs typeface="+mn-lt"/>
+              </a:rPr>
+              <a:t>Result:</a:t>
+            </a:r>
+            <a:r>
+              <a:rPr lang="de-DE" altLang="en-US" sz="1600">
+                <a:cs typeface="+mn-lt"/>
+              </a:rPr>
+              <a:t> Fatrop is 10x as fast as IPOpt</a:t>
+            </a:r>
+            <a:endParaRPr lang="de-DE" altLang="en-US" sz="1600">
+              <a:cs typeface="+mn-lt"/>
+            </a:endParaRPr>
+          </a:p>
+          <a:p>
+            <a:pPr marL="800100" lvl="1" indent="-342900">
+              <a:lnSpc>
+                <a:spcPct val="110000"/>
+              </a:lnSpc>
+              <a:buFont typeface="Arial" panose="020B0604020202020204" pitchFamily="34" charset="0"/>
+              <a:buChar char="•"/>
+            </a:pPr>
+            <a:r>
+              <a:rPr lang="de-DE" altLang="en-US" sz="1600" b="1">
+                <a:cs typeface="+mn-lt"/>
+              </a:rPr>
+              <a:t>Reason:</a:t>
+            </a:r>
+            <a:r>
+              <a:rPr lang="de-DE" altLang="en-US" sz="1600">
+                <a:cs typeface="+mn-lt"/>
+              </a:rPr>
+              <a:t> Leverages problem sparsity better by being more restrictive with NLP structure</a:t>
+            </a:r>
+            <a:endParaRPr lang="de-DE" altLang="en-US" sz="1600">
+              <a:cs typeface="+mn-lt"/>
+            </a:endParaRPr>
+          </a:p>
+          <a:p>
+            <a:pPr marL="800100" lvl="1" indent="-342900">
+              <a:lnSpc>
+                <a:spcPct val="110000"/>
+              </a:lnSpc>
+              <a:buFont typeface="Arial" panose="020B0604020202020204" pitchFamily="34" charset="0"/>
+              <a:buChar char="•"/>
+            </a:pPr>
+            <a:r>
+              <a:rPr lang="de-DE" altLang="en-US" sz="1600" b="1">
+                <a:cs typeface="+mn-lt"/>
+              </a:rPr>
+              <a:t>Conclusion:</a:t>
+            </a:r>
+            <a:r>
+              <a:rPr lang="de-DE" altLang="en-US" sz="1600">
+                <a:cs typeface="+mn-lt"/>
+              </a:rPr>
+              <a:t> Use Fatrop as the NLP gradient-based solver</a:t>
+            </a:r>
+            <a:endParaRPr lang="de-DE" altLang="en-US" sz="1600">
+              <a:cs typeface="+mn-lt"/>
+            </a:endParaRPr>
+          </a:p>
+          <a:p>
+            <a:pPr marL="800100" lvl="1" indent="-342900">
+              <a:lnSpc>
+                <a:spcPct val="110000"/>
+              </a:lnSpc>
+              <a:buFont typeface="Arial" panose="020B0604020202020204" pitchFamily="34" charset="0"/>
+              <a:buChar char="•"/>
+            </a:pPr>
+            <a:endParaRPr lang="de-DE" altLang="en-US" sz="1600">
+              <a:cs typeface="+mn-lt"/>
+            </a:endParaRPr>
+          </a:p>
+          <a:p>
+            <a:pPr marL="342900" lvl="0" indent="-342900">
+              <a:lnSpc>
+                <a:spcPct val="110000"/>
+              </a:lnSpc>
+              <a:buFont typeface="Arial" panose="020B0604020202020204" pitchFamily="34" charset="0"/>
+              <a:buAutoNum type="arabicPeriod"/>
+            </a:pPr>
+            <a:r>
+              <a:rPr lang="de-DE" altLang="en-US">
+                <a:cs typeface="+mn-lt"/>
+              </a:rPr>
+              <a:t>CasADi automatic C-code generation VS C++</a:t>
+            </a:r>
+            <a:endParaRPr lang="de-DE" altLang="en-US">
+              <a:cs typeface="+mn-lt"/>
+            </a:endParaRPr>
+          </a:p>
+          <a:p>
+            <a:pPr marL="800100" lvl="1" indent="-342900">
+              <a:lnSpc>
+                <a:spcPct val="110000"/>
+              </a:lnSpc>
+              <a:buFont typeface="Arial" panose="020B0604020202020204" pitchFamily="34" charset="0"/>
+              <a:buChar char="•"/>
+            </a:pPr>
+            <a:r>
+              <a:rPr lang="de-DE" altLang="en-US" sz="1600" b="1">
+                <a:cs typeface="+mn-lt"/>
+              </a:rPr>
+              <a:t>Result:</a:t>
+            </a:r>
+            <a:r>
+              <a:rPr lang="de-DE" altLang="en-US" sz="1600">
+                <a:cs typeface="+mn-lt"/>
+              </a:rPr>
+              <a:t> C++ was ~2x slower</a:t>
+            </a:r>
+            <a:endParaRPr lang="de-DE" altLang="en-US" sz="1600">
+              <a:cs typeface="+mn-lt"/>
+            </a:endParaRPr>
+          </a:p>
+          <a:p>
+            <a:pPr marL="800100" lvl="1" indent="-342900">
+              <a:lnSpc>
+                <a:spcPct val="110000"/>
+              </a:lnSpc>
+              <a:buFont typeface="Arial" panose="020B0604020202020204" pitchFamily="34" charset="0"/>
+              <a:buChar char="•"/>
+            </a:pPr>
+            <a:r>
+              <a:rPr lang="de-DE" altLang="en-US" sz="1600" b="1">
+                <a:cs typeface="+mn-lt"/>
+              </a:rPr>
+              <a:t>Reason:</a:t>
+            </a:r>
+            <a:r>
+              <a:rPr lang="de-DE" altLang="en-US" sz="1600">
+                <a:cs typeface="+mn-lt"/>
+              </a:rPr>
+              <a:t> Compiled C-code is self-contained which reduces function calling overhead</a:t>
+            </a:r>
+            <a:endParaRPr lang="de-DE" altLang="en-US" sz="1600">
+              <a:cs typeface="+mn-lt"/>
+            </a:endParaRPr>
+          </a:p>
+          <a:p>
+            <a:pPr marL="800100" lvl="1" indent="-342900">
+              <a:lnSpc>
+                <a:spcPct val="110000"/>
+              </a:lnSpc>
+              <a:buFont typeface="Arial" panose="020B0604020202020204" pitchFamily="34" charset="0"/>
+              <a:buChar char="•"/>
+            </a:pPr>
+            <a:r>
+              <a:rPr lang="de-DE" altLang="en-US" sz="1600" b="1">
+                <a:cs typeface="+mn-lt"/>
+              </a:rPr>
+              <a:t>Conclusion:</a:t>
+            </a:r>
+            <a:r>
+              <a:rPr lang="de-DE" altLang="en-US" sz="1600">
+                <a:cs typeface="+mn-lt"/>
+              </a:rPr>
+              <a:t> Generate C-code</a:t>
+            </a:r>
+            <a:endParaRPr lang="de-DE" altLang="en-US" sz="1600">
+              <a:cs typeface="+mn-lt"/>
+            </a:endParaRPr>
+          </a:p>
+          <a:p>
+            <a:pPr marL="800100" lvl="1" indent="-342900">
+              <a:lnSpc>
+                <a:spcPct val="110000"/>
+              </a:lnSpc>
+              <a:buFont typeface="Arial" panose="020B0604020202020204" pitchFamily="34" charset="0"/>
+              <a:buChar char="•"/>
+            </a:pPr>
+            <a:endParaRPr lang="de-DE" altLang="en-US" sz="1600">
+              <a:cs typeface="+mn-lt"/>
+            </a:endParaRPr>
+          </a:p>
+          <a:p>
+            <a:pPr marL="800100" lvl="1" indent="-342900">
+              <a:lnSpc>
+                <a:spcPct val="110000"/>
+              </a:lnSpc>
+              <a:buFont typeface="Arial" panose="020B0604020202020204" pitchFamily="34" charset="0"/>
+              <a:buChar char="•"/>
+            </a:pPr>
+            <a:endParaRPr lang="de-DE" altLang="en-US" sz="1600">
+              <a:cs typeface="+mn-lt"/>
+            </a:endParaRPr>
           </a:p>
         </p:txBody>
       </p:sp>
     </p:spTree>
-    <p:extLst>
-      <p:ext uri="{BB962C8B-B14F-4D97-AF65-F5344CB8AC3E}">
-        <p14:creationId xmlns:p14="http://schemas.microsoft.com/office/powerpoint/2010/main" val="1362119057"/>
-      </p:ext>
-    </p:extLst>
   </p:cSld>
   <p:clrMapOvr>
     <a:masterClrMapping/>
@@ -14373,8 +16368,6 @@
       </a:bgFillStyleLst>
     </a:fmtScheme>
   </a:themeElements>
-  <a:objectDefaults/>
-  <a:extraClrSchemeLst/>
   <a:extLst>
     <a:ext uri="{05A4C25C-085E-4340-85A3-A5531E510DB2}">
       <thm15:themeFamily xmlns:thm15="http://schemas.microsoft.com/office/thememl/2012/main" name="Office Theme" id="{62F939B6-93AF-4DB8-9C6B-D6C7DFDC589F}" vid="{4A3C46E8-61CC-4603-A589-7422A47A8E4A}"/>
@@ -14634,8 +16627,6 @@
       </a:bgFillStyleLst>
     </a:fmtScheme>
   </a:themeElements>
-  <a:objectDefaults/>
-  <a:extraClrSchemeLst/>
   <a:extLst>
     <a:ext uri="{05A4C25C-085E-4340-85A3-A5531E510DB2}">
       <thm15:themeFamily xmlns:thm15="http://schemas.microsoft.com/office/thememl/2012/main" name="Office Theme" id="{62F939B6-93AF-4DB8-9C6B-D6C7DFDC589F}" vid="{4A3C46E8-61CC-4603-A589-7422A47A8E4A}"/>
@@ -14895,8 +16886,6 @@
       </a:bgFillStyleLst>
     </a:fmtScheme>
   </a:themeElements>
-  <a:objectDefaults/>
-  <a:extraClrSchemeLst/>
   <a:extLst>
     <a:ext uri="{05A4C25C-085E-4340-85A3-A5531E510DB2}">
       <thm15:themeFamily xmlns:thm15="http://schemas.microsoft.com/office/thememl/2012/main" name="Office Theme" id="{62F939B6-93AF-4DB8-9C6B-D6C7DFDC589F}" vid="{4A3C46E8-61CC-4603-A589-7422A47A8E4A}"/>
@@ -15156,8 +17145,6 @@
       </a:bgFillStyleLst>
     </a:fmtScheme>
   </a:themeElements>
-  <a:objectDefaults/>
-  <a:extraClrSchemeLst/>
   <a:extLst>
     <a:ext uri="{05A4C25C-085E-4340-85A3-A5531E510DB2}">
       <thm15:themeFamily xmlns:thm15="http://schemas.microsoft.com/office/thememl/2012/main" name="Office Theme" id="{62F939B6-93AF-4DB8-9C6B-D6C7DFDC589F}" vid="{4A3C46E8-61CC-4603-A589-7422A47A8E4A}"/>

--- a/Presentations/Mid-Term Presentation.pptx
+++ b/Presentations/Mid-Term Presentation.pptx
@@ -6,10 +6,10 @@
     <p:sldMasterId id="2147483659" r:id="rId3"/>
   </p:sldMasterIdLst>
   <p:notesMasterIdLst>
-    <p:notesMasterId r:id="rId16"/>
+    <p:notesMasterId r:id="rId14"/>
   </p:notesMasterIdLst>
   <p:handoutMasterIdLst>
-    <p:handoutMasterId r:id="rId17"/>
+    <p:handoutMasterId r:id="rId18"/>
   </p:handoutMasterIdLst>
   <p:sldIdLst>
     <p:sldId id="256" r:id="rId4"/>
@@ -22,8 +22,9 @@
     <p:sldId id="265" r:id="rId11"/>
     <p:sldId id="266" r:id="rId12"/>
     <p:sldId id="268" r:id="rId13"/>
-    <p:sldId id="269" r:id="rId14"/>
-    <p:sldId id="267" r:id="rId15"/>
+    <p:sldId id="271" r:id="rId15"/>
+    <p:sldId id="269" r:id="rId16"/>
+    <p:sldId id="267" r:id="rId17"/>
   </p:sldIdLst>
   <p:sldSz cx="12192000" cy="6858000"/>
   <p:notesSz cx="7103745" cy="10234295"/>
@@ -628,6 +629,50 @@
     </a:lvl9pPr>
   </p:notesStyle>
 </p:notesMaster>
+</file>
+
+<file path=ppt/notesSlides/notesSlide1.xml><?xml version="1.0" encoding="utf-8"?>
+<p:notes xmlns:a="http://schemas.openxmlformats.org/drawingml/2006/main" xmlns:r="http://schemas.openxmlformats.org/officeDocument/2006/relationships" xmlns:p="http://schemas.openxmlformats.org/presentationml/2006/main">
+  <p:cSld>
+    <p:spTree>
+      <p:nvGrpSpPr>
+        <p:cNvPr id="1" name=""/>
+        <p:cNvGrpSpPr/>
+        <p:nvPr/>
+      </p:nvGrpSpPr>
+      <p:grpSpPr/>
+      <p:sp>
+        <p:nvSpPr>
+          <p:cNvPr id="2" name="Slide Image Placeholder 1"/>
+          <p:cNvSpPr/>
+          <p:nvPr>
+            <p:ph type="sldImg" idx="2"/>
+          </p:nvPr>
+        </p:nvSpPr>
+        <p:spPr/>
+      </p:sp>
+      <p:sp>
+        <p:nvSpPr>
+          <p:cNvPr id="3" name="Text Placeholder 2"/>
+          <p:cNvSpPr/>
+          <p:nvPr>
+            <p:ph type="body" idx="3"/>
+          </p:nvPr>
+        </p:nvSpPr>
+        <p:spPr/>
+        <p:txBody>
+          <a:bodyPr/>
+          <a:p>
+            <a:endParaRPr lang="en-US"/>
+          </a:p>
+        </p:txBody>
+      </p:sp>
+    </p:spTree>
+  </p:cSld>
+  <p:clrMapOvr>
+    <a:masterClrMapping/>
+  </p:clrMapOvr>
+</p:notes>
 </file>
 
 <file path=ppt/slideLayouts/slideLayout1.xml><?xml version="1.0" encoding="utf-8"?>
@@ -6980,6 +7025,242 @@
               <a:rPr lang="de-DE" altLang="en-US" sz="1600" b="1">
                 <a:cs typeface="+mn-lt"/>
               </a:rPr>
+              <a:t>Result: </a:t>
+            </a:r>
+            <a:r>
+              <a:rPr lang="de-DE" altLang="en-US" sz="1600">
+                <a:cs typeface="+mn-lt"/>
+              </a:rPr>
+              <a:t>(180 degree turn)</a:t>
+            </a:r>
+            <a:endParaRPr lang="de-DE" altLang="en-US" sz="1600">
+              <a:cs typeface="+mn-lt"/>
+            </a:endParaRPr>
+          </a:p>
+        </p:txBody>
+      </p:sp>
+      <p:pic>
+        <p:nvPicPr>
+          <p:cNvPr id="15" name="Picture 14"/>
+          <p:cNvPicPr>
+            <a:picLocks noChangeAspect="1"/>
+          </p:cNvPicPr>
+          <p:nvPr/>
+        </p:nvPicPr>
+        <p:blipFill>
+          <a:blip r:embed="rId1"/>
+          <a:stretch>
+            <a:fillRect/>
+          </a:stretch>
+        </p:blipFill>
+        <p:spPr>
+          <a:xfrm>
+            <a:off x="298450" y="1828165"/>
+            <a:ext cx="11595735" cy="2236470"/>
+          </a:xfrm>
+          <a:prstGeom prst="rect">
+            <a:avLst/>
+          </a:prstGeom>
+        </p:spPr>
+      </p:pic>
+      <p:pic>
+        <p:nvPicPr>
+          <p:cNvPr id="16" name="Picture 15"/>
+          <p:cNvPicPr>
+            <a:picLocks noChangeAspect="1"/>
+          </p:cNvPicPr>
+          <p:nvPr/>
+        </p:nvPicPr>
+        <p:blipFill>
+          <a:blip r:embed="rId2"/>
+          <a:stretch>
+            <a:fillRect/>
+          </a:stretch>
+        </p:blipFill>
+        <p:spPr>
+          <a:xfrm>
+            <a:off x="284480" y="4064635"/>
+            <a:ext cx="11609705" cy="2239010"/>
+          </a:xfrm>
+          <a:prstGeom prst="rect">
+            <a:avLst/>
+          </a:prstGeom>
+        </p:spPr>
+      </p:pic>
+    </p:spTree>
+  </p:cSld>
+  <p:clrMapOvr>
+    <a:masterClrMapping/>
+  </p:clrMapOvr>
+</p:sld>
+</file>
+
+<file path=ppt/slides/slide11.xml><?xml version="1.0" encoding="utf-8"?>
+<p:sld xmlns:a="http://schemas.openxmlformats.org/drawingml/2006/main" xmlns:r="http://schemas.openxmlformats.org/officeDocument/2006/relationships" xmlns:p="http://schemas.openxmlformats.org/presentationml/2006/main">
+  <p:cSld>
+    <p:spTree>
+      <p:nvGrpSpPr>
+        <p:cNvPr id="1" name=""/>
+        <p:cNvGrpSpPr/>
+        <p:nvPr/>
+      </p:nvGrpSpPr>
+      <p:grpSpPr>
+        <a:xfrm>
+          <a:off x="0" y="0"/>
+          <a:ext cx="0" cy="0"/>
+          <a:chOff x="0" y="0"/>
+          <a:chExt cx="0" cy="0"/>
+        </a:xfrm>
+      </p:grpSpPr>
+      <p:sp>
+        <p:nvSpPr>
+          <p:cNvPr id="3" name="Date Placeholder 2"/>
+          <p:cNvSpPr>
+            <a:spLocks noGrp="1"/>
+          </p:cNvSpPr>
+          <p:nvPr>
+            <p:ph type="dt" sz="half" idx="10"/>
+          </p:nvPr>
+        </p:nvSpPr>
+        <p:spPr/>
+        <p:txBody>
+          <a:bodyPr/>
+          <a:lstStyle/>
+          <a:p>
+            <a:fld id="{760FBDFE-C587-4B4C-A407-44438C67B59E}" type="datetime1">
+              <a:rPr lang="en-US" altLang="en-US" smtClean="0"/>
+            </a:fld>
+            <a:endParaRPr lang="zh-CN" altLang="en-US"/>
+          </a:p>
+        </p:txBody>
+      </p:sp>
+      <p:sp>
+        <p:nvSpPr>
+          <p:cNvPr id="12" name="Slide Number Placeholder 11"/>
+          <p:cNvSpPr>
+            <a:spLocks noGrp="1"/>
+          </p:cNvSpPr>
+          <p:nvPr>
+            <p:ph type="sldNum" sz="quarter" idx="12"/>
+          </p:nvPr>
+        </p:nvSpPr>
+        <p:spPr/>
+        <p:txBody>
+          <a:bodyPr/>
+          <a:lstStyle/>
+          <a:p>
+            <a:fld id="{49AE70B2-8BF9-45C0-BB95-33D1B9D3A854}" type="slidenum">
+              <a:rPr lang="zh-CN" altLang="en-US" smtClean="0"/>
+            </a:fld>
+            <a:endParaRPr lang="zh-CN" altLang="en-US"/>
+          </a:p>
+        </p:txBody>
+      </p:sp>
+      <p:sp>
+        <p:nvSpPr>
+          <p:cNvPr id="13" name="Footer Placeholder 12"/>
+          <p:cNvSpPr>
+            <a:spLocks noGrp="1"/>
+          </p:cNvSpPr>
+          <p:nvPr>
+            <p:ph type="ftr" sz="quarter" idx="11"/>
+          </p:nvPr>
+        </p:nvSpPr>
+        <p:spPr/>
+        <p:txBody>
+          <a:bodyPr/>
+          <a:lstStyle/>
+          <a:p>
+            <a:r>
+              <a:rPr lang="de-DE" altLang="zh-CN">
+                <a:sym typeface="+mn-ea"/>
+              </a:rPr>
+              <a:t>Real-Time Time-Optimal Spacecraft Attitude Control</a:t>
+            </a:r>
+            <a:endParaRPr lang="zh-CN" altLang="en-US"/>
+          </a:p>
+        </p:txBody>
+      </p:sp>
+      <p:sp>
+        <p:nvSpPr>
+          <p:cNvPr id="2" name="Title 1"/>
+          <p:cNvSpPr>
+            <a:spLocks noGrp="1"/>
+          </p:cNvSpPr>
+          <p:nvPr>
+            <p:ph type="title"/>
+          </p:nvPr>
+        </p:nvSpPr>
+        <p:spPr/>
+        <p:txBody>
+          <a:bodyPr/>
+          <a:lstStyle/>
+          <a:p>
+            <a:r>
+              <a:rPr lang="de-DE" altLang="en-US" sz="4400" dirty="0">
+                <a:latin typeface="Arial Black" panose="020B0A04020102020204" charset="0"/>
+                <a:cs typeface="Arial Black" panose="020B0A04020102020204" charset="0"/>
+              </a:rPr>
+              <a:t>Results</a:t>
+            </a:r>
+            <a:endParaRPr lang="de-DE" altLang="en-US" sz="4400" dirty="0">
+              <a:latin typeface="Arial Black" panose="020B0A04020102020204" charset="0"/>
+              <a:cs typeface="Arial Black" panose="020B0A04020102020204" charset="0"/>
+            </a:endParaRPr>
+          </a:p>
+        </p:txBody>
+      </p:sp>
+      <p:sp>
+        <p:nvSpPr>
+          <p:cNvPr id="4" name="Text Box 3"/>
+          <p:cNvSpPr txBox="1"/>
+          <p:nvPr/>
+        </p:nvSpPr>
+        <p:spPr>
+          <a:xfrm>
+            <a:off x="1012190" y="1171575"/>
+            <a:ext cx="10341610" cy="614045"/>
+          </a:xfrm>
+          <a:prstGeom prst="rect">
+            <a:avLst/>
+          </a:prstGeom>
+          <a:noFill/>
+        </p:spPr>
+        <p:txBody>
+          <a:bodyPr wrap="square" rtlCol="0">
+            <a:spAutoFit/>
+          </a:bodyPr>
+          <a:p>
+            <a:pPr marL="342900" indent="-342900">
+              <a:buFont typeface="+mj-lt"/>
+              <a:buAutoNum type="arabicPeriod" startAt="5"/>
+            </a:pPr>
+            <a:r>
+              <a:rPr lang="de-DE" altLang="en-US">
+                <a:cs typeface="+mn-lt"/>
+              </a:rPr>
+              <a:t>PSO VS Fatrop</a:t>
+            </a:r>
+            <a:r>
+              <a:rPr lang="de-DE" altLang="en-US">
+                <a:cs typeface="+mn-lt"/>
+                <a:sym typeface="+mn-ea"/>
+              </a:rPr>
+              <a:t> NLP solvers</a:t>
+            </a:r>
+            <a:endParaRPr lang="de-DE" altLang="en-US">
+              <a:cs typeface="+mn-lt"/>
+            </a:endParaRPr>
+          </a:p>
+          <a:p>
+            <a:pPr marL="742950" lvl="1" indent="-285750">
+              <a:buFont typeface="Arial" panose="020B0604020202020204" pitchFamily="34" charset="0"/>
+              <a:buChar char="•"/>
+            </a:pPr>
+            <a:r>
+              <a:rPr lang="de-DE" altLang="en-US" sz="1600" b="1">
+                <a:cs typeface="+mn-lt"/>
+              </a:rPr>
               <a:t>Result:</a:t>
             </a:r>
             <a:endParaRPr lang="de-DE" altLang="en-US" sz="1600">
@@ -7198,6 +7479,30 @@
           </a:p>
         </p:txBody>
       </p:sp>
+      <p:pic>
+        <p:nvPicPr>
+          <p:cNvPr id="15" name="Picture 14"/>
+          <p:cNvPicPr>
+            <a:picLocks noChangeAspect="1"/>
+          </p:cNvPicPr>
+          <p:nvPr/>
+        </p:nvPicPr>
+        <p:blipFill>
+          <a:blip r:embed="rId7"/>
+          <a:stretch>
+            <a:fillRect/>
+          </a:stretch>
+        </p:blipFill>
+        <p:spPr>
+          <a:xfrm>
+            <a:off x="-1306195" y="3221355"/>
+            <a:ext cx="13925550" cy="2686050"/>
+          </a:xfrm>
+          <a:prstGeom prst="rect">
+            <a:avLst/>
+          </a:prstGeom>
+        </p:spPr>
+      </p:pic>
     </p:spTree>
   </p:cSld>
   <p:clrMapOvr>
@@ -7206,7 +7511,7 @@
 </p:sld>
 </file>
 
-<file path=ppt/slides/slide11.xml><?xml version="1.0" encoding="utf-8"?>
+<file path=ppt/slides/slide12.xml><?xml version="1.0" encoding="utf-8"?>
 <p:sld xmlns:a="http://schemas.openxmlformats.org/drawingml/2006/main" xmlns:r="http://schemas.openxmlformats.org/officeDocument/2006/relationships" xmlns:p="http://schemas.openxmlformats.org/presentationml/2006/main">
   <p:cSld>
     <p:spTree>
@@ -7445,7 +7750,7 @@
 </p:sld>
 </file>
 
-<file path=ppt/slides/slide12.xml><?xml version="1.0" encoding="utf-8"?>
+<file path=ppt/slides/slide13.xml><?xml version="1.0" encoding="utf-8"?>
 <p:sld xmlns:a="http://schemas.openxmlformats.org/drawingml/2006/main" xmlns:r="http://schemas.openxmlformats.org/officeDocument/2006/relationships" xmlns:p="http://schemas.openxmlformats.org/presentationml/2006/main">
   <p:cSld>
     <p:spTree>
@@ -15675,7 +15980,7 @@
               <a:rPr lang="de-DE" altLang="en-US" sz="1600">
                 <a:cs typeface="+mn-lt"/>
               </a:rPr>
-              <a:t> CPU propagation was ~2x as fast as GPU</a:t>
+              <a:t> CPU propagation was ~4x as fast as GPU</a:t>
             </a:r>
             <a:endParaRPr lang="de-DE" altLang="en-US" sz="1600">
               <a:cs typeface="+mn-lt"/>
@@ -15927,7 +16232,26 @@
               <a:rPr lang="de-DE" altLang="en-US" sz="1600">
                 <a:cs typeface="+mn-lt"/>
               </a:rPr>
-              <a:t> Fatrop is 10x as fast as IPOpt</a:t>
+              <a:t> Fatrop is </a:t>
+            </a:r>
+            <a:r>
+              <a:rPr lang="de-DE" altLang="en-US" sz="1600">
+                <a:cs typeface="+mn-lt"/>
+                <a:sym typeface="+mn-ea"/>
+              </a:rPr>
+              <a:t>~</a:t>
+            </a:r>
+            <a:r>
+              <a:rPr lang="de-DE" altLang="en-US" sz="1600">
+                <a:cs typeface="+mn-lt"/>
+              </a:rPr>
+              <a:t>3</a:t>
+            </a:r>
+            <a:r>
+              <a:rPr lang="de-DE" altLang="en-US" sz="1600">
+                <a:cs typeface="+mn-lt"/>
+              </a:rPr>
+              <a:t>x as fast as IPOpt</a:t>
             </a:r>
             <a:endParaRPr lang="de-DE" altLang="en-US" sz="1600">
               <a:cs typeface="+mn-lt"/>
@@ -16029,7 +16353,7 @@
               <a:rPr lang="de-DE" altLang="en-US" sz="1600">
                 <a:cs typeface="+mn-lt"/>
               </a:rPr>
-              <a:t> C++ was ~2x slower</a:t>
+              <a:t> C++ was ~5x slower</a:t>
             </a:r>
             <a:endParaRPr lang="de-DE" altLang="en-US" sz="1600">
               <a:cs typeface="+mn-lt"/>

--- a/Presentations/Mid-Term Presentation.pptx
+++ b/Presentations/Mid-Term Presentation.pptx
@@ -22,7 +22,7 @@
     <p:sldId id="265" r:id="rId11"/>
     <p:sldId id="266" r:id="rId12"/>
     <p:sldId id="268" r:id="rId13"/>
-    <p:sldId id="271" r:id="rId15"/>
+    <p:sldId id="272" r:id="rId15"/>
     <p:sldId id="269" r:id="rId16"/>
     <p:sldId id="267" r:id="rId17"/>
   </p:sldIdLst>
@@ -632,6 +632,50 @@
 </file>
 
 <file path=ppt/notesSlides/notesSlide1.xml><?xml version="1.0" encoding="utf-8"?>
+<p:notes xmlns:a="http://schemas.openxmlformats.org/drawingml/2006/main" xmlns:r="http://schemas.openxmlformats.org/officeDocument/2006/relationships" xmlns:p="http://schemas.openxmlformats.org/presentationml/2006/main">
+  <p:cSld>
+    <p:spTree>
+      <p:nvGrpSpPr>
+        <p:cNvPr id="1" name=""/>
+        <p:cNvGrpSpPr/>
+        <p:nvPr/>
+      </p:nvGrpSpPr>
+      <p:grpSpPr/>
+      <p:sp>
+        <p:nvSpPr>
+          <p:cNvPr id="2" name="Slide Image Placeholder 1"/>
+          <p:cNvSpPr/>
+          <p:nvPr>
+            <p:ph type="sldImg" idx="2"/>
+          </p:nvPr>
+        </p:nvSpPr>
+        <p:spPr/>
+      </p:sp>
+      <p:sp>
+        <p:nvSpPr>
+          <p:cNvPr id="3" name="Text Placeholder 2"/>
+          <p:cNvSpPr/>
+          <p:nvPr>
+            <p:ph type="body" idx="3"/>
+          </p:nvPr>
+        </p:nvSpPr>
+        <p:spPr/>
+        <p:txBody>
+          <a:bodyPr/>
+          <a:p>
+            <a:endParaRPr lang="en-US"/>
+          </a:p>
+        </p:txBody>
+      </p:sp>
+    </p:spTree>
+  </p:cSld>
+  <p:clrMapOvr>
+    <a:masterClrMapping/>
+  </p:clrMapOvr>
+</p:notes>
+</file>
+
+<file path=ppt/notesSlides/notesSlide2.xml><?xml version="1.0" encoding="utf-8"?>
 <p:notes xmlns:a="http://schemas.openxmlformats.org/drawingml/2006/main" xmlns:r="http://schemas.openxmlformats.org/officeDocument/2006/relationships" xmlns:p="http://schemas.openxmlformats.org/presentationml/2006/main">
   <p:cSld>
     <p:spTree>
@@ -7025,13 +7069,13 @@
               <a:rPr lang="de-DE" altLang="en-US" sz="1600" b="1">
                 <a:cs typeface="+mn-lt"/>
               </a:rPr>
-              <a:t>Result: </a:t>
+              <a:t>PSO Results: </a:t>
             </a:r>
             <a:r>
               <a:rPr lang="de-DE" altLang="en-US" sz="1600">
                 <a:cs typeface="+mn-lt"/>
               </a:rPr>
-              <a:t>(180 degree turn)</a:t>
+              <a:t>(180 degree turn)	Computation Time: 0.14s 	Maneuver Duration: 5s (3.24s)</a:t>
             </a:r>
             <a:endParaRPr lang="de-DE" altLang="en-US" sz="1600">
               <a:cs typeface="+mn-lt"/>
@@ -7055,7 +7099,7 @@
         </p:blipFill>
         <p:spPr>
           <a:xfrm>
-            <a:off x="298450" y="1828165"/>
+            <a:off x="298133" y="1828165"/>
             <a:ext cx="11595735" cy="2236470"/>
           </a:xfrm>
           <a:prstGeom prst="rect">
@@ -7065,7 +7109,7 @@
       </p:pic>
       <p:pic>
         <p:nvPicPr>
-          <p:cNvPr id="16" name="Picture 15"/>
+          <p:cNvPr id="18" name="Picture 17"/>
           <p:cNvPicPr>
             <a:picLocks noChangeAspect="1"/>
           </p:cNvPicPr>
@@ -7079,8 +7123,8 @@
         </p:blipFill>
         <p:spPr>
           <a:xfrm>
-            <a:off x="284480" y="4064635"/>
-            <a:ext cx="11609705" cy="2239010"/>
+            <a:off x="288749" y="4064635"/>
+            <a:ext cx="11614501" cy="2240280"/>
           </a:xfrm>
           <a:prstGeom prst="rect">
             <a:avLst/>
@@ -7261,7 +7305,13 @@
               <a:rPr lang="de-DE" altLang="en-US" sz="1600" b="1">
                 <a:cs typeface="+mn-lt"/>
               </a:rPr>
-              <a:t>Result:</a:t>
+              <a:t>Fatrop Results: </a:t>
+            </a:r>
+            <a:r>
+              <a:rPr lang="de-DE" altLang="en-US" sz="1600">
+                <a:cs typeface="+mn-lt"/>
+              </a:rPr>
+              <a:t>(180 degree turn)	Computation Time: 0.18s 	Maneuver Duration: 3.24s</a:t>
             </a:r>
             <a:endParaRPr lang="de-DE" altLang="en-US" sz="1600">
               <a:cs typeface="+mn-lt"/>
@@ -7271,7 +7321,7 @@
       </p:sp>
       <p:pic>
         <p:nvPicPr>
-          <p:cNvPr id="5" name="Picture 4"/>
+          <p:cNvPr id="16" name="Picture 15"/>
           <p:cNvPicPr>
             <a:picLocks noChangeAspect="1"/>
           </p:cNvPicPr>
@@ -7285,218 +7335,8 @@
         </p:blipFill>
         <p:spPr>
           <a:xfrm>
-            <a:off x="1012190" y="1802765"/>
-            <a:ext cx="2865755" cy="2263140"/>
-          </a:xfrm>
-          <a:prstGeom prst="rect">
-            <a:avLst/>
-          </a:prstGeom>
-        </p:spPr>
-      </p:pic>
-      <p:pic>
-        <p:nvPicPr>
-          <p:cNvPr id="6" name="Picture 5"/>
-          <p:cNvPicPr>
-            <a:picLocks noChangeAspect="1"/>
-          </p:cNvPicPr>
-          <p:nvPr/>
-        </p:nvPicPr>
-        <p:blipFill>
-          <a:blip r:embed="rId2"/>
-          <a:stretch>
-            <a:fillRect/>
-          </a:stretch>
-        </p:blipFill>
-        <p:spPr>
-          <a:xfrm>
-            <a:off x="4453890" y="1802765"/>
-            <a:ext cx="2880995" cy="2275840"/>
-          </a:xfrm>
-          <a:prstGeom prst="rect">
-            <a:avLst/>
-          </a:prstGeom>
-        </p:spPr>
-      </p:pic>
-      <p:pic>
-        <p:nvPicPr>
-          <p:cNvPr id="7" name="Picture 6"/>
-          <p:cNvPicPr>
-            <a:picLocks noChangeAspect="1"/>
-          </p:cNvPicPr>
-          <p:nvPr/>
-        </p:nvPicPr>
-        <p:blipFill>
-          <a:blip r:embed="rId3"/>
-          <a:stretch>
-            <a:fillRect/>
-          </a:stretch>
-        </p:blipFill>
-        <p:spPr>
-          <a:xfrm>
-            <a:off x="7974965" y="1828165"/>
-            <a:ext cx="2884805" cy="2277745"/>
-          </a:xfrm>
-          <a:prstGeom prst="rect">
-            <a:avLst/>
-          </a:prstGeom>
-        </p:spPr>
-      </p:pic>
-      <p:pic>
-        <p:nvPicPr>
-          <p:cNvPr id="8" name="Picture 7"/>
-          <p:cNvPicPr>
-            <a:picLocks noChangeAspect="1"/>
-          </p:cNvPicPr>
-          <p:nvPr/>
-        </p:nvPicPr>
-        <p:blipFill>
-          <a:blip r:embed="rId4"/>
-          <a:stretch>
-            <a:fillRect/>
-          </a:stretch>
-        </p:blipFill>
-        <p:spPr>
-          <a:xfrm>
-            <a:off x="1012190" y="4065905"/>
-            <a:ext cx="2858135" cy="2256790"/>
-          </a:xfrm>
-          <a:prstGeom prst="rect">
-            <a:avLst/>
-          </a:prstGeom>
-        </p:spPr>
-      </p:pic>
-      <p:pic>
-        <p:nvPicPr>
-          <p:cNvPr id="9" name="Picture 8"/>
-          <p:cNvPicPr>
-            <a:picLocks noChangeAspect="1"/>
-          </p:cNvPicPr>
-          <p:nvPr/>
-        </p:nvPicPr>
-        <p:blipFill>
-          <a:blip r:embed="rId5"/>
-          <a:stretch>
-            <a:fillRect/>
-          </a:stretch>
-        </p:blipFill>
-        <p:spPr>
-          <a:xfrm>
-            <a:off x="4476115" y="4065270"/>
-            <a:ext cx="2858770" cy="2257425"/>
-          </a:xfrm>
-          <a:prstGeom prst="rect">
-            <a:avLst/>
-          </a:prstGeom>
-        </p:spPr>
-      </p:pic>
-      <p:pic>
-        <p:nvPicPr>
-          <p:cNvPr id="10" name="Picture 9"/>
-          <p:cNvPicPr>
-            <a:picLocks noChangeAspect="1"/>
-          </p:cNvPicPr>
-          <p:nvPr/>
-        </p:nvPicPr>
-        <p:blipFill>
-          <a:blip r:embed="rId6"/>
-          <a:stretch>
-            <a:fillRect/>
-          </a:stretch>
-        </p:blipFill>
-        <p:spPr>
-          <a:xfrm>
-            <a:off x="7975600" y="4078605"/>
-            <a:ext cx="2884170" cy="2277745"/>
-          </a:xfrm>
-          <a:prstGeom prst="rect">
-            <a:avLst/>
-          </a:prstGeom>
-        </p:spPr>
-      </p:pic>
-      <p:sp>
-        <p:nvSpPr>
-          <p:cNvPr id="11" name="Text Box 10"/>
-          <p:cNvSpPr txBox="1"/>
-          <p:nvPr/>
-        </p:nvSpPr>
-        <p:spPr>
-          <a:xfrm rot="16200000">
-            <a:off x="175895" y="2749550"/>
-            <a:ext cx="574675" cy="368300"/>
-          </a:xfrm>
-          <a:prstGeom prst="rect">
-            <a:avLst/>
-          </a:prstGeom>
-          <a:noFill/>
-        </p:spPr>
-        <p:txBody>
-          <a:bodyPr wrap="none" rtlCol="0">
-            <a:spAutoFit/>
-          </a:bodyPr>
-          <a:p>
-            <a:r>
-              <a:rPr lang="de-DE" altLang="en-US">
-                <a:latin typeface="Calibri" charset="0"/>
-              </a:rPr>
-              <a:t>PSO</a:t>
-            </a:r>
-            <a:endParaRPr lang="de-DE" altLang="en-US">
-              <a:latin typeface="Calibri" charset="0"/>
-            </a:endParaRPr>
-          </a:p>
-        </p:txBody>
-      </p:sp>
-      <p:sp>
-        <p:nvSpPr>
-          <p:cNvPr id="14" name="Text Box 13"/>
-          <p:cNvSpPr txBox="1"/>
-          <p:nvPr/>
-        </p:nvSpPr>
-        <p:spPr>
-          <a:xfrm rot="16200000">
-            <a:off x="36830" y="5009515"/>
-            <a:ext cx="852805" cy="368300"/>
-          </a:xfrm>
-          <a:prstGeom prst="rect">
-            <a:avLst/>
-          </a:prstGeom>
-          <a:noFill/>
-        </p:spPr>
-        <p:txBody>
-          <a:bodyPr wrap="none" rtlCol="0">
-            <a:spAutoFit/>
-          </a:bodyPr>
-          <a:p>
-            <a:r>
-              <a:rPr lang="de-DE" altLang="en-US">
-                <a:latin typeface="Calibri" charset="0"/>
-              </a:rPr>
-              <a:t>Fatrop</a:t>
-            </a:r>
-            <a:endParaRPr lang="de-DE" altLang="en-US">
-              <a:latin typeface="Calibri" charset="0"/>
-            </a:endParaRPr>
-          </a:p>
-        </p:txBody>
-      </p:sp>
-      <p:pic>
-        <p:nvPicPr>
-          <p:cNvPr id="15" name="Picture 14"/>
-          <p:cNvPicPr>
-            <a:picLocks noChangeAspect="1"/>
-          </p:cNvPicPr>
-          <p:nvPr/>
-        </p:nvPicPr>
-        <p:blipFill>
-          <a:blip r:embed="rId7"/>
-          <a:stretch>
-            <a:fillRect/>
-          </a:stretch>
-        </p:blipFill>
-        <p:spPr>
-          <a:xfrm>
-            <a:off x="-1306195" y="3221355"/>
-            <a:ext cx="13925550" cy="2686050"/>
+            <a:off x="284480" y="2571115"/>
+            <a:ext cx="11609705" cy="2239010"/>
           </a:xfrm>
           <a:prstGeom prst="rect">
             <a:avLst/>
@@ -7683,11 +7523,10 @@
               <a:rPr lang="de-DE" altLang="en-US" sz="1600">
                 <a:cs typeface="+mn-lt"/>
               </a:rPr>
-              <a:t>PSO + Fatrop finds a solution ~2x as fast as only fatrop. T_total &lt; 0.2s</a:t>
+              <a:t>PSO + Fatrop finds a solution almost always faster as only fatrop. </a:t>
             </a:r>
             <a:endParaRPr lang="de-DE" altLang="en-US" sz="1600">
               <a:cs typeface="+mn-lt"/>
-              <a:sym typeface="+mn-ea"/>
             </a:endParaRPr>
           </a:p>
           <a:p>
@@ -7742,6 +7581,1438 @@
           </a:p>
         </p:txBody>
       </p:sp>
+      <p:graphicFrame>
+        <p:nvGraphicFramePr>
+          <p:cNvPr id="7" name="Table 6"/>
+          <p:cNvGraphicFramePr/>
+          <p:nvPr/>
+        </p:nvGraphicFramePr>
+        <p:xfrm>
+          <a:off x="647700" y="2671445"/>
+          <a:ext cx="10515600" cy="3289300"/>
+        </p:xfrm>
+        <a:graphic>
+          <a:graphicData uri="http://schemas.openxmlformats.org/drawingml/2006/table">
+            <a:tbl>
+              <a:tblPr firstRow="1" bandRow="1">
+                <a:tableStyleId>{5C22544A-7EE6-4342-B048-85BDC9FD1C3A}</a:tableStyleId>
+              </a:tblPr>
+              <a:tblGrid>
+                <a:gridCol w="1983740"/>
+                <a:gridCol w="1451610"/>
+                <a:gridCol w="1586230"/>
+                <a:gridCol w="1831340"/>
+                <a:gridCol w="1831340"/>
+                <a:gridCol w="1831340"/>
+              </a:tblGrid>
+              <a:tr h="548640">
+                <a:tc rowSpan="2" gridSpan="2">
+                  <a:txBody>
+                    <a:bodyPr/>
+                    <a:p>
+                      <a:pPr>
+                        <a:buNone/>
+                      </a:pPr>
+                      <a:endParaRPr lang="en-US" sz="1600" dirty="0">
+                        <a:solidFill>
+                          <a:schemeClr val="bg1">
+                            <a:lumMod val="10000"/>
+                          </a:schemeClr>
+                        </a:solidFill>
+                        <a:cs typeface="+mn-lt"/>
+                      </a:endParaRPr>
+                    </a:p>
+                  </a:txBody>
+                  <a:tcPr anchor="ctr">
+                    <a:lnL>
+                      <a:noFill/>
+                    </a:lnL>
+                    <a:lnR w="38100" cmpd="sng">
+                      <a:solidFill>
+                        <a:schemeClr val="tx1"/>
+                      </a:solidFill>
+                      <a:prstDash val="solid"/>
+                    </a:lnR>
+                    <a:lnT>
+                      <a:noFill/>
+                    </a:lnT>
+                    <a:noFill/>
+                  </a:tcPr>
+                </a:tc>
+                <a:tc rowSpan="2" hMerge="1">
+                  <a:tcPr anchor="ctr">
+                    <a:lnL>
+                      <a:noFill/>
+                    </a:lnL>
+                    <a:lnR w="38100" cmpd="sng">
+                      <a:solidFill>
+                        <a:schemeClr val="tx1"/>
+                      </a:solidFill>
+                      <a:prstDash val="solid"/>
+                    </a:lnR>
+                    <a:lnT>
+                      <a:noFill/>
+                    </a:lnT>
+                    <a:noFill/>
+                  </a:tcPr>
+                </a:tc>
+                <a:tc gridSpan="3">
+                  <a:txBody>
+                    <a:bodyPr/>
+                    <a:p>
+                      <a:pPr algn="ctr">
+                        <a:buNone/>
+                      </a:pPr>
+                      <a:r>
+                        <a:rPr lang="de-DE" altLang="en-US" sz="1600" dirty="0">
+                          <a:cs typeface="+mn-lt"/>
+                        </a:rPr>
+                        <a:t>Computation Time (s)</a:t>
+                      </a:r>
+                      <a:endParaRPr lang="de-DE" altLang="en-US" sz="1600" dirty="0">
+                        <a:cs typeface="+mn-lt"/>
+                      </a:endParaRPr>
+                    </a:p>
+                  </a:txBody>
+                  <a:tcPr anchor="ctr">
+                    <a:lnL w="38100" cmpd="sng">
+                      <a:solidFill>
+                        <a:schemeClr val="tx1"/>
+                      </a:solidFill>
+                      <a:prstDash val="solid"/>
+                    </a:lnL>
+                    <a:lnR w="38100" cmpd="sng">
+                      <a:solidFill>
+                        <a:schemeClr val="tx1"/>
+                      </a:solidFill>
+                      <a:prstDash val="solid"/>
+                    </a:lnR>
+                    <a:lnT w="38100" cmpd="sng">
+                      <a:solidFill>
+                        <a:schemeClr val="tx1"/>
+                      </a:solidFill>
+                      <a:prstDash val="solid"/>
+                    </a:lnT>
+                  </a:tcPr>
+                </a:tc>
+                <a:tc hMerge="1">
+                  <a:tcPr anchor="ctr">
+                    <a:lnL w="38100" cap="flat" cmpd="sng" algn="ctr">
+                      <a:solidFill>
+                        <a:schemeClr val="tx1"/>
+                      </a:solidFill>
+                      <a:prstDash val="solid"/>
+                      <a:round/>
+                      <a:headEnd type="none" w="med" len="med"/>
+                      <a:tailEnd type="none" w="med" len="med"/>
+                    </a:lnL>
+                    <a:lnR w="38100" cmpd="sng">
+                      <a:solidFill>
+                        <a:schemeClr val="tx1"/>
+                      </a:solidFill>
+                      <a:prstDash val="solid"/>
+                    </a:lnR>
+                    <a:lnT w="38100" cmpd="sng">
+                      <a:solidFill>
+                        <a:schemeClr val="tx1"/>
+                      </a:solidFill>
+                      <a:prstDash val="solid"/>
+                    </a:lnT>
+                  </a:tcPr>
+                </a:tc>
+                <a:tc hMerge="1">
+                  <a:tcPr anchor="ctr">
+                    <a:lnR w="38100" cmpd="sng">
+                      <a:solidFill>
+                        <a:schemeClr val="tx1"/>
+                      </a:solidFill>
+                      <a:prstDash val="solid"/>
+                    </a:lnR>
+                    <a:lnT w="38100" cmpd="sng">
+                      <a:solidFill>
+                        <a:schemeClr val="tx1"/>
+                      </a:solidFill>
+                      <a:prstDash val="solid"/>
+                    </a:lnT>
+                    <a:lnB w="38100" cmpd="sng">
+                      <a:solidFill>
+                        <a:schemeClr val="tx1"/>
+                      </a:solidFill>
+                      <a:prstDash val="solid"/>
+                    </a:lnB>
+                  </a:tcPr>
+                </a:tc>
+                <a:tc rowSpan="2">
+                  <a:txBody>
+                    <a:bodyPr/>
+                    <a:p>
+                      <a:pPr algn="ctr">
+                        <a:buNone/>
+                      </a:pPr>
+                      <a:r>
+                        <a:rPr lang="de-DE" altLang="en-US" sz="1600" dirty="0">
+                          <a:cs typeface="+mn-lt"/>
+                        </a:rPr>
+                        <a:t>Maneuver Duration (s)</a:t>
+                      </a:r>
+                      <a:endParaRPr lang="de-DE" altLang="en-US" sz="1600" dirty="0">
+                        <a:cs typeface="+mn-lt"/>
+                      </a:endParaRPr>
+                    </a:p>
+                  </a:txBody>
+                  <a:tcPr anchor="ctr">
+                    <a:lnR w="38100" cmpd="sng">
+                      <a:solidFill>
+                        <a:schemeClr val="tx1"/>
+                      </a:solidFill>
+                      <a:prstDash val="solid"/>
+                    </a:lnR>
+                    <a:lnT w="38100" cmpd="sng">
+                      <a:solidFill>
+                        <a:schemeClr val="tx1"/>
+                      </a:solidFill>
+                      <a:prstDash val="solid"/>
+                    </a:lnT>
+                    <a:lnB w="38100" cmpd="sng">
+                      <a:solidFill>
+                        <a:schemeClr val="tx1"/>
+                      </a:solidFill>
+                      <a:prstDash val="solid"/>
+                    </a:lnB>
+                  </a:tcPr>
+                </a:tc>
+              </a:tr>
+              <a:tr h="548640">
+                <a:tc vMerge="1" gridSpan="2">
+                  <a:tcPr anchor="ctr">
+                    <a:lnL>
+                      <a:noFill/>
+                    </a:lnL>
+                    <a:lnR w="38100" cmpd="sng">
+                      <a:solidFill>
+                        <a:schemeClr val="tx1"/>
+                      </a:solidFill>
+                      <a:prstDash val="solid"/>
+                    </a:lnR>
+                    <a:lnT>
+                      <a:noFill/>
+                    </a:lnT>
+                    <a:noFill/>
+                  </a:tcPr>
+                </a:tc>
+                <a:tc vMerge="1" hMerge="1">
+                  <a:tcPr anchor="ctr">
+                    <a:lnL>
+                      <a:noFill/>
+                    </a:lnL>
+                    <a:lnR w="38100" cmpd="sng">
+                      <a:solidFill>
+                        <a:schemeClr val="tx1"/>
+                      </a:solidFill>
+                      <a:prstDash val="solid"/>
+                    </a:lnR>
+                    <a:lnT>
+                      <a:noFill/>
+                    </a:lnT>
+                    <a:noFill/>
+                  </a:tcPr>
+                </a:tc>
+                <a:tc>
+                  <a:txBody>
+                    <a:bodyPr/>
+                    <a:p>
+                      <a:pPr algn="ctr">
+                        <a:buNone/>
+                      </a:pPr>
+                      <a:r>
+                        <a:rPr lang="de-DE" altLang="en-US" sz="1600" dirty="0">
+                          <a:cs typeface="+mn-lt"/>
+                        </a:rPr>
+                        <a:t>Total </a:t>
+                      </a:r>
+                      <a:endParaRPr lang="de-DE" altLang="en-US" sz="1600" dirty="0">
+                        <a:cs typeface="+mn-lt"/>
+                      </a:endParaRPr>
+                    </a:p>
+                  </a:txBody>
+                  <a:tcPr anchor="ctr">
+                    <a:lnL w="38100" cmpd="sng">
+                      <a:solidFill>
+                        <a:schemeClr val="tx1"/>
+                      </a:solidFill>
+                      <a:prstDash val="solid"/>
+                    </a:lnL>
+                    <a:lnR w="38100" cmpd="sng">
+                      <a:solidFill>
+                        <a:schemeClr val="tx1"/>
+                      </a:solidFill>
+                      <a:prstDash val="solid"/>
+                    </a:lnR>
+                    <a:lnT w="38100" cmpd="sng">
+                      <a:solidFill>
+                        <a:schemeClr val="tx1"/>
+                      </a:solidFill>
+                      <a:prstDash val="solid"/>
+                    </a:lnT>
+                    <a:lnB w="38100" cmpd="sng">
+                      <a:solidFill>
+                        <a:schemeClr val="tx1"/>
+                      </a:solidFill>
+                      <a:prstDash val="solid"/>
+                    </a:lnB>
+                    <a:solidFill>
+                      <a:schemeClr val="accent4"/>
+                    </a:solidFill>
+                  </a:tcPr>
+                </a:tc>
+                <a:tc>
+                  <a:txBody>
+                    <a:bodyPr/>
+                    <a:p>
+                      <a:pPr algn="ctr">
+                        <a:buNone/>
+                      </a:pPr>
+                      <a:r>
+                        <a:rPr lang="de-DE" altLang="en-US" sz="1600">
+                          <a:cs typeface="+mn-lt"/>
+                        </a:rPr>
+                        <a:t>Fatrop</a:t>
+                      </a:r>
+                      <a:endParaRPr lang="de-DE" altLang="en-US" sz="1600">
+                        <a:cs typeface="+mn-lt"/>
+                      </a:endParaRPr>
+                    </a:p>
+                  </a:txBody>
+                  <a:tcPr anchor="ctr">
+                    <a:lnL w="38100" cap="flat" cmpd="sng" algn="ctr">
+                      <a:solidFill>
+                        <a:schemeClr val="tx1"/>
+                      </a:solidFill>
+                      <a:prstDash val="solid"/>
+                      <a:round/>
+                      <a:headEnd type="none" w="med" len="med"/>
+                      <a:tailEnd type="none" w="med" len="med"/>
+                    </a:lnL>
+                    <a:lnR w="38100" cmpd="sng">
+                      <a:solidFill>
+                        <a:schemeClr val="tx1"/>
+                      </a:solidFill>
+                      <a:prstDash val="solid"/>
+                    </a:lnR>
+                    <a:lnT w="38100" cmpd="sng">
+                      <a:solidFill>
+                        <a:schemeClr val="tx1"/>
+                      </a:solidFill>
+                      <a:prstDash val="solid"/>
+                    </a:lnT>
+                    <a:lnB w="38100" cmpd="sng">
+                      <a:solidFill>
+                        <a:schemeClr val="tx1"/>
+                      </a:solidFill>
+                      <a:prstDash val="solid"/>
+                    </a:lnB>
+                    <a:solidFill>
+                      <a:schemeClr val="accent4"/>
+                    </a:solidFill>
+                  </a:tcPr>
+                </a:tc>
+                <a:tc>
+                  <a:txBody>
+                    <a:bodyPr/>
+                    <a:p>
+                      <a:pPr algn="ctr">
+                        <a:buNone/>
+                      </a:pPr>
+                      <a:r>
+                        <a:rPr lang="de-DE" altLang="en-US" sz="1600">
+                          <a:cs typeface="+mn-lt"/>
+                        </a:rPr>
+                        <a:t>PSO</a:t>
+                      </a:r>
+                      <a:endParaRPr lang="de-DE" altLang="en-US" sz="1600">
+                        <a:cs typeface="+mn-lt"/>
+                      </a:endParaRPr>
+                    </a:p>
+                  </a:txBody>
+                  <a:tcPr anchor="ctr">
+                    <a:lnR w="38100" cmpd="sng">
+                      <a:solidFill>
+                        <a:schemeClr val="tx1"/>
+                      </a:solidFill>
+                      <a:prstDash val="solid"/>
+                    </a:lnR>
+                    <a:lnT w="38100" cmpd="sng">
+                      <a:solidFill>
+                        <a:schemeClr val="tx1"/>
+                      </a:solidFill>
+                      <a:prstDash val="solid"/>
+                    </a:lnT>
+                    <a:lnB w="38100" cmpd="sng">
+                      <a:solidFill>
+                        <a:schemeClr val="tx1"/>
+                      </a:solidFill>
+                      <a:prstDash val="solid"/>
+                    </a:lnB>
+                    <a:solidFill>
+                      <a:schemeClr val="accent4"/>
+                    </a:solidFill>
+                  </a:tcPr>
+                </a:tc>
+                <a:tc vMerge="1">
+                  <a:tcPr anchor="ctr">
+                    <a:lnR w="38100" cmpd="sng">
+                      <a:solidFill>
+                        <a:schemeClr val="tx1"/>
+                      </a:solidFill>
+                      <a:prstDash val="solid"/>
+                    </a:lnR>
+                    <a:lnT w="38100" cmpd="sng">
+                      <a:solidFill>
+                        <a:schemeClr val="tx1"/>
+                      </a:solidFill>
+                      <a:prstDash val="solid"/>
+                    </a:lnT>
+                    <a:lnB w="38100" cmpd="sng">
+                      <a:solidFill>
+                        <a:schemeClr val="tx1"/>
+                      </a:solidFill>
+                      <a:prstDash val="solid"/>
+                    </a:lnB>
+                  </a:tcPr>
+                </a:tc>
+              </a:tr>
+              <a:tr h="548640">
+                <a:tc rowSpan="2">
+                  <a:txBody>
+                    <a:bodyPr/>
+                    <a:p>
+                      <a:pPr algn="ctr">
+                        <a:buNone/>
+                      </a:pPr>
+                      <a:r>
+                        <a:rPr lang="de-DE" altLang="en-US" sz="1600" b="1" dirty="0">
+                          <a:solidFill>
+                            <a:schemeClr val="bg1"/>
+                          </a:solidFill>
+                          <a:cs typeface="+mn-lt"/>
+                        </a:rPr>
+                        <a:t>Close to fixed initial guess</a:t>
+                      </a:r>
+                      <a:endParaRPr lang="de-DE" altLang="en-US" sz="1600" b="1" dirty="0">
+                        <a:solidFill>
+                          <a:schemeClr val="bg1"/>
+                        </a:solidFill>
+                        <a:cs typeface="+mn-lt"/>
+                      </a:endParaRPr>
+                    </a:p>
+                  </a:txBody>
+                  <a:tcPr vert="horz" anchor="ctr">
+                    <a:lnL w="38100" cmpd="sng">
+                      <a:solidFill>
+                        <a:schemeClr val="tx1"/>
+                      </a:solidFill>
+                      <a:prstDash val="solid"/>
+                    </a:lnL>
+                    <a:lnR w="38100" cmpd="sng">
+                      <a:solidFill>
+                        <a:schemeClr val="tx1"/>
+                      </a:solidFill>
+                      <a:prstDash val="solid"/>
+                    </a:lnR>
+                    <a:solidFill>
+                      <a:schemeClr val="accent1"/>
+                    </a:solidFill>
+                  </a:tcPr>
+                </a:tc>
+                <a:tc>
+                  <a:txBody>
+                    <a:bodyPr/>
+                    <a:p>
+                      <a:pPr>
+                        <a:buNone/>
+                      </a:pPr>
+                      <a:r>
+                        <a:rPr lang="de-DE" altLang="en-US" sz="1600" b="0" dirty="0">
+                          <a:solidFill>
+                            <a:schemeClr val="bg1"/>
+                          </a:solidFill>
+                          <a:cs typeface="+mn-lt"/>
+                        </a:rPr>
+                        <a:t>PSO + Fatrop</a:t>
+                      </a:r>
+                      <a:endParaRPr lang="de-DE" altLang="en-US" sz="1600" b="0" dirty="0">
+                        <a:solidFill>
+                          <a:schemeClr val="bg1"/>
+                        </a:solidFill>
+                        <a:cs typeface="+mn-lt"/>
+                      </a:endParaRPr>
+                    </a:p>
+                  </a:txBody>
+                  <a:tcPr anchor="ctr">
+                    <a:lnL w="38100" cmpd="sng">
+                      <a:solidFill>
+                        <a:schemeClr val="tx1"/>
+                      </a:solidFill>
+                      <a:prstDash val="solid"/>
+                    </a:lnL>
+                    <a:lnR w="38100" cmpd="sng">
+                      <a:solidFill>
+                        <a:schemeClr val="tx1"/>
+                      </a:solidFill>
+                      <a:prstDash val="solid"/>
+                    </a:lnR>
+                    <a:solidFill>
+                      <a:schemeClr val="accent4"/>
+                    </a:solidFill>
+                  </a:tcPr>
+                </a:tc>
+                <a:tc>
+                  <a:txBody>
+                    <a:bodyPr/>
+                    <a:p>
+                      <a:pPr>
+                        <a:buNone/>
+                      </a:pPr>
+                      <a:r>
+                        <a:rPr lang="de-DE" altLang="en-US" sz="1600" dirty="0">
+                          <a:solidFill>
+                            <a:schemeClr val="bg1">
+                              <a:lumMod val="10000"/>
+                            </a:schemeClr>
+                          </a:solidFill>
+                          <a:cs typeface="+mn-lt"/>
+                        </a:rPr>
+                        <a:t>0.16</a:t>
+                      </a:r>
+                      <a:endParaRPr lang="de-DE" altLang="en-US" sz="1600" dirty="0">
+                        <a:solidFill>
+                          <a:schemeClr val="bg1">
+                            <a:lumMod val="10000"/>
+                          </a:schemeClr>
+                        </a:solidFill>
+                        <a:cs typeface="+mn-lt"/>
+                      </a:endParaRPr>
+                    </a:p>
+                  </a:txBody>
+                  <a:tcPr anchor="ctr">
+                    <a:lnL w="38100" cmpd="sng">
+                      <a:solidFill>
+                        <a:schemeClr val="tx1"/>
+                      </a:solidFill>
+                      <a:prstDash val="solid"/>
+                    </a:lnL>
+                    <a:lnT w="38100" cmpd="sng">
+                      <a:solidFill>
+                        <a:schemeClr val="tx1"/>
+                      </a:solidFill>
+                      <a:prstDash val="solid"/>
+                    </a:lnT>
+                  </a:tcPr>
+                </a:tc>
+                <a:tc>
+                  <a:txBody>
+                    <a:bodyPr/>
+                    <a:p>
+                      <a:pPr>
+                        <a:buNone/>
+                      </a:pPr>
+                      <a:r>
+                        <a:rPr lang="de-DE" altLang="en-US" sz="1600" dirty="0">
+                          <a:solidFill>
+                            <a:schemeClr val="bg1">
+                              <a:lumMod val="10000"/>
+                            </a:schemeClr>
+                          </a:solidFill>
+                          <a:cs typeface="+mn-lt"/>
+                        </a:rPr>
+                        <a:t>0.016</a:t>
+                      </a:r>
+                      <a:endParaRPr lang="de-DE" altLang="en-US" sz="1600" dirty="0">
+                        <a:solidFill>
+                          <a:schemeClr val="bg1">
+                            <a:lumMod val="10000"/>
+                          </a:schemeClr>
+                        </a:solidFill>
+                        <a:cs typeface="+mn-lt"/>
+                      </a:endParaRPr>
+                    </a:p>
+                  </a:txBody>
+                  <a:tcPr anchor="ctr">
+                    <a:lnL w="38100" cap="flat" cmpd="sng" algn="ctr">
+                      <a:solidFill>
+                        <a:schemeClr val="tx1"/>
+                      </a:solidFill>
+                      <a:prstDash val="solid"/>
+                      <a:round/>
+                      <a:headEnd type="none" w="med" len="med"/>
+                      <a:tailEnd type="none" w="med" len="med"/>
+                    </a:lnL>
+                    <a:lnR w="12700">
+                      <a:solidFill>
+                        <a:schemeClr val="tx1"/>
+                      </a:solidFill>
+                      <a:prstDash val="solid"/>
+                    </a:lnR>
+                    <a:lnT w="38100" cmpd="sng">
+                      <a:solidFill>
+                        <a:schemeClr val="tx1"/>
+                      </a:solidFill>
+                      <a:prstDash val="solid"/>
+                    </a:lnT>
+                  </a:tcPr>
+                </a:tc>
+                <a:tc>
+                  <a:txBody>
+                    <a:bodyPr/>
+                    <a:p>
+                      <a:pPr>
+                        <a:buNone/>
+                      </a:pPr>
+                      <a:r>
+                        <a:rPr lang="de-DE" altLang="en-US" sz="1600" dirty="0">
+                          <a:solidFill>
+                            <a:schemeClr val="bg1">
+                              <a:lumMod val="10000"/>
+                            </a:schemeClr>
+                          </a:solidFill>
+                          <a:cs typeface="+mn-lt"/>
+                        </a:rPr>
+                        <a:t>0.15</a:t>
+                      </a:r>
+                      <a:endParaRPr lang="de-DE" altLang="en-US" sz="1600" dirty="0">
+                        <a:solidFill>
+                          <a:schemeClr val="bg1">
+                            <a:lumMod val="10000"/>
+                          </a:schemeClr>
+                        </a:solidFill>
+                        <a:cs typeface="+mn-lt"/>
+                      </a:endParaRPr>
+                    </a:p>
+                  </a:txBody>
+                  <a:tcPr anchor="ctr">
+                    <a:lnL w="12700">
+                      <a:solidFill>
+                        <a:schemeClr val="tx1"/>
+                      </a:solidFill>
+                      <a:prstDash val="solid"/>
+                    </a:lnL>
+                    <a:lnR w="38100" cmpd="sng">
+                      <a:solidFill>
+                        <a:schemeClr val="tx1"/>
+                      </a:solidFill>
+                      <a:prstDash val="solid"/>
+                    </a:lnR>
+                  </a:tcPr>
+                </a:tc>
+                <a:tc>
+                  <a:txBody>
+                    <a:bodyPr/>
+                    <a:p>
+                      <a:pPr>
+                        <a:buNone/>
+                      </a:pPr>
+                      <a:r>
+                        <a:rPr lang="de-DE" altLang="en-US" sz="1600" dirty="0">
+                          <a:solidFill>
+                            <a:schemeClr val="bg1">
+                              <a:lumMod val="10000"/>
+                            </a:schemeClr>
+                          </a:solidFill>
+                          <a:cs typeface="+mn-lt"/>
+                        </a:rPr>
+                        <a:t>3.24</a:t>
+                      </a:r>
+                      <a:endParaRPr lang="de-DE" altLang="en-US" sz="1600" dirty="0">
+                        <a:solidFill>
+                          <a:schemeClr val="bg1">
+                            <a:lumMod val="10000"/>
+                          </a:schemeClr>
+                        </a:solidFill>
+                        <a:cs typeface="+mn-lt"/>
+                      </a:endParaRPr>
+                    </a:p>
+                  </a:txBody>
+                  <a:tcPr anchor="ctr">
+                    <a:lnL w="12700">
+                      <a:solidFill>
+                        <a:schemeClr val="tx1"/>
+                      </a:solidFill>
+                      <a:prstDash val="solid"/>
+                    </a:lnL>
+                    <a:lnR w="38100" cmpd="sng">
+                      <a:solidFill>
+                        <a:schemeClr val="tx1"/>
+                      </a:solidFill>
+                      <a:prstDash val="solid"/>
+                    </a:lnR>
+                  </a:tcPr>
+                </a:tc>
+              </a:tr>
+              <a:tr h="548640">
+                <a:tc vMerge="1">
+                  <a:tcPr anchor="ctr">
+                    <a:lnL w="38100" cmpd="sng">
+                      <a:solidFill>
+                        <a:schemeClr val="tx1"/>
+                      </a:solidFill>
+                      <a:prstDash val="solid"/>
+                    </a:lnL>
+                    <a:lnR w="38100" cmpd="sng">
+                      <a:solidFill>
+                        <a:schemeClr val="tx1"/>
+                      </a:solidFill>
+                      <a:prstDash val="solid"/>
+                    </a:lnR>
+                    <a:solidFill>
+                      <a:schemeClr val="accent1"/>
+                    </a:solidFill>
+                  </a:tcPr>
+                </a:tc>
+                <a:tc>
+                  <a:txBody>
+                    <a:bodyPr/>
+                    <a:p>
+                      <a:pPr>
+                        <a:buNone/>
+                      </a:pPr>
+                      <a:r>
+                        <a:rPr lang="de-DE" altLang="en-US" sz="1600" b="0" dirty="0">
+                          <a:solidFill>
+                            <a:schemeClr val="bg1"/>
+                          </a:solidFill>
+                          <a:cs typeface="+mn-lt"/>
+                        </a:rPr>
+                        <a:t>Only Fatrop</a:t>
+                      </a:r>
+                      <a:endParaRPr lang="de-DE" altLang="en-US" sz="1600" b="0" dirty="0">
+                        <a:solidFill>
+                          <a:schemeClr val="bg1"/>
+                        </a:solidFill>
+                        <a:cs typeface="+mn-lt"/>
+                      </a:endParaRPr>
+                    </a:p>
+                  </a:txBody>
+                  <a:tcPr anchor="ctr">
+                    <a:lnL w="38100" cmpd="sng">
+                      <a:solidFill>
+                        <a:schemeClr val="tx1"/>
+                      </a:solidFill>
+                      <a:prstDash val="solid"/>
+                    </a:lnL>
+                    <a:lnR w="38100" cmpd="sng">
+                      <a:solidFill>
+                        <a:schemeClr val="tx1"/>
+                      </a:solidFill>
+                      <a:prstDash val="solid"/>
+                    </a:lnR>
+                    <a:solidFill>
+                      <a:schemeClr val="accent4"/>
+                    </a:solidFill>
+                  </a:tcPr>
+                </a:tc>
+                <a:tc>
+                  <a:txBody>
+                    <a:bodyPr/>
+                    <a:p>
+                      <a:pPr>
+                        <a:buNone/>
+                      </a:pPr>
+                      <a:r>
+                        <a:rPr lang="de-DE" altLang="en-US" sz="1600" dirty="0">
+                          <a:solidFill>
+                            <a:schemeClr val="bg1">
+                              <a:lumMod val="10000"/>
+                            </a:schemeClr>
+                          </a:solidFill>
+                          <a:cs typeface="+mn-lt"/>
+                        </a:rPr>
+                        <a:t>0.12s</a:t>
+                      </a:r>
+                      <a:endParaRPr lang="de-DE" altLang="en-US" sz="1600" dirty="0">
+                        <a:solidFill>
+                          <a:schemeClr val="bg1">
+                            <a:lumMod val="10000"/>
+                          </a:schemeClr>
+                        </a:solidFill>
+                        <a:cs typeface="+mn-lt"/>
+                      </a:endParaRPr>
+                    </a:p>
+                  </a:txBody>
+                  <a:tcPr anchor="ctr">
+                    <a:lnL w="38100" cmpd="sng">
+                      <a:solidFill>
+                        <a:schemeClr val="tx1"/>
+                      </a:solidFill>
+                      <a:prstDash val="solid"/>
+                    </a:lnL>
+                  </a:tcPr>
+                </a:tc>
+                <a:tc>
+                  <a:txBody>
+                    <a:bodyPr/>
+                    <a:p>
+                      <a:pPr>
+                        <a:buNone/>
+                      </a:pPr>
+                      <a:r>
+                        <a:rPr lang="de-DE" altLang="en-US" sz="1600" dirty="0">
+                          <a:solidFill>
+                            <a:schemeClr val="bg1">
+                              <a:lumMod val="10000"/>
+                            </a:schemeClr>
+                          </a:solidFill>
+                          <a:cs typeface="+mn-lt"/>
+                        </a:rPr>
+                        <a:t>0.12</a:t>
+                      </a:r>
+                      <a:endParaRPr lang="de-DE" altLang="en-US" sz="1600" dirty="0">
+                        <a:solidFill>
+                          <a:schemeClr val="bg1">
+                            <a:lumMod val="10000"/>
+                          </a:schemeClr>
+                        </a:solidFill>
+                        <a:cs typeface="+mn-lt"/>
+                      </a:endParaRPr>
+                    </a:p>
+                  </a:txBody>
+                  <a:tcPr anchor="ctr">
+                    <a:lnL w="38100" cap="flat" cmpd="sng" algn="ctr">
+                      <a:solidFill>
+                        <a:schemeClr val="tx1"/>
+                      </a:solidFill>
+                      <a:prstDash val="solid"/>
+                      <a:round/>
+                      <a:headEnd type="none" w="med" len="med"/>
+                      <a:tailEnd type="none" w="med" len="med"/>
+                    </a:lnL>
+                    <a:lnR w="12700">
+                      <a:solidFill>
+                        <a:schemeClr val="tx1"/>
+                      </a:solidFill>
+                      <a:prstDash val="solid"/>
+                    </a:lnR>
+                  </a:tcPr>
+                </a:tc>
+                <a:tc>
+                  <a:txBody>
+                    <a:bodyPr/>
+                    <a:p>
+                      <a:pPr>
+                        <a:buNone/>
+                      </a:pPr>
+                      <a:r>
+                        <a:rPr lang="de-DE" altLang="en-US" sz="1600">
+                          <a:solidFill>
+                            <a:schemeClr val="bg1">
+                              <a:lumMod val="10000"/>
+                            </a:schemeClr>
+                          </a:solidFill>
+                          <a:cs typeface="+mn-lt"/>
+                        </a:rPr>
+                        <a:t>-</a:t>
+                      </a:r>
+                      <a:endParaRPr lang="de-DE" altLang="en-US" sz="1600">
+                        <a:solidFill>
+                          <a:schemeClr val="bg1">
+                            <a:lumMod val="10000"/>
+                          </a:schemeClr>
+                        </a:solidFill>
+                        <a:cs typeface="+mn-lt"/>
+                      </a:endParaRPr>
+                    </a:p>
+                  </a:txBody>
+                  <a:tcPr anchor="ctr">
+                    <a:lnL w="12700">
+                      <a:solidFill>
+                        <a:schemeClr val="tx1"/>
+                      </a:solidFill>
+                      <a:prstDash val="solid"/>
+                    </a:lnL>
+                    <a:lnR w="38100" cmpd="sng">
+                      <a:solidFill>
+                        <a:schemeClr val="tx1"/>
+                      </a:solidFill>
+                      <a:prstDash val="solid"/>
+                    </a:lnR>
+                  </a:tcPr>
+                </a:tc>
+                <a:tc>
+                  <a:txBody>
+                    <a:bodyPr/>
+                    <a:p>
+                      <a:pPr>
+                        <a:buNone/>
+                      </a:pPr>
+                      <a:r>
+                        <a:rPr lang="de-DE" altLang="en-US" sz="1600">
+                          <a:solidFill>
+                            <a:schemeClr val="bg1">
+                              <a:lumMod val="10000"/>
+                            </a:schemeClr>
+                          </a:solidFill>
+                          <a:cs typeface="+mn-lt"/>
+                        </a:rPr>
+                        <a:t>3.24</a:t>
+                      </a:r>
+                      <a:endParaRPr lang="de-DE" altLang="en-US" sz="1600">
+                        <a:solidFill>
+                          <a:schemeClr val="bg1">
+                            <a:lumMod val="10000"/>
+                          </a:schemeClr>
+                        </a:solidFill>
+                        <a:cs typeface="+mn-lt"/>
+                      </a:endParaRPr>
+                    </a:p>
+                  </a:txBody>
+                  <a:tcPr anchor="ctr">
+                    <a:lnL w="12700">
+                      <a:solidFill>
+                        <a:schemeClr val="tx1"/>
+                      </a:solidFill>
+                      <a:prstDash val="solid"/>
+                    </a:lnL>
+                    <a:lnR w="38100" cmpd="sng">
+                      <a:solidFill>
+                        <a:schemeClr val="tx1"/>
+                      </a:solidFill>
+                      <a:prstDash val="solid"/>
+                    </a:lnR>
+                  </a:tcPr>
+                </a:tc>
+              </a:tr>
+              <a:tr h="548640">
+                <a:tc rowSpan="2">
+                  <a:txBody>
+                    <a:bodyPr/>
+                    <a:p>
+                      <a:pPr algn="ctr">
+                        <a:buNone/>
+                      </a:pPr>
+                      <a:r>
+                        <a:rPr lang="de-DE" altLang="en-US" sz="1600" b="1" dirty="0">
+                          <a:solidFill>
+                            <a:schemeClr val="bg1"/>
+                          </a:solidFill>
+                          <a:cs typeface="+mn-lt"/>
+                        </a:rPr>
+                        <a:t>Very different from fixed initial guess</a:t>
+                      </a:r>
+                      <a:endParaRPr lang="de-DE" altLang="en-US" sz="1600" b="1" dirty="0">
+                        <a:solidFill>
+                          <a:schemeClr val="bg1"/>
+                        </a:solidFill>
+                        <a:cs typeface="+mn-lt"/>
+                      </a:endParaRPr>
+                    </a:p>
+                  </a:txBody>
+                  <a:tcPr vert="horz" anchor="ctr">
+                    <a:lnL w="38100" cmpd="sng">
+                      <a:solidFill>
+                        <a:schemeClr val="tx1"/>
+                      </a:solidFill>
+                      <a:prstDash val="solid"/>
+                    </a:lnL>
+                    <a:lnR w="38100" cmpd="sng">
+                      <a:solidFill>
+                        <a:schemeClr val="tx1"/>
+                      </a:solidFill>
+                      <a:prstDash val="solid"/>
+                    </a:lnR>
+                    <a:lnB w="38100" cmpd="sng">
+                      <a:solidFill>
+                        <a:schemeClr val="tx1"/>
+                      </a:solidFill>
+                      <a:prstDash val="solid"/>
+                    </a:lnB>
+                    <a:solidFill>
+                      <a:schemeClr val="accent1"/>
+                    </a:solidFill>
+                  </a:tcPr>
+                </a:tc>
+                <a:tc>
+                  <a:txBody>
+                    <a:bodyPr/>
+                    <a:p>
+                      <a:pPr>
+                        <a:buNone/>
+                      </a:pPr>
+                      <a:r>
+                        <a:rPr lang="de-DE" altLang="en-US" sz="1600" b="0" dirty="0">
+                          <a:solidFill>
+                            <a:schemeClr val="bg1"/>
+                          </a:solidFill>
+                          <a:cs typeface="+mn-lt"/>
+                        </a:rPr>
+                        <a:t>PSO + Fatrop</a:t>
+                      </a:r>
+                      <a:endParaRPr lang="de-DE" altLang="en-US" sz="1600" b="0" dirty="0">
+                        <a:solidFill>
+                          <a:schemeClr val="bg1"/>
+                        </a:solidFill>
+                        <a:cs typeface="+mn-lt"/>
+                      </a:endParaRPr>
+                    </a:p>
+                  </a:txBody>
+                  <a:tcPr anchor="ctr">
+                    <a:lnL w="38100" cmpd="sng">
+                      <a:solidFill>
+                        <a:schemeClr val="tx1"/>
+                      </a:solidFill>
+                      <a:prstDash val="solid"/>
+                    </a:lnL>
+                    <a:lnR w="38100" cmpd="sng">
+                      <a:solidFill>
+                        <a:schemeClr val="tx1"/>
+                      </a:solidFill>
+                      <a:prstDash val="solid"/>
+                    </a:lnR>
+                    <a:solidFill>
+                      <a:schemeClr val="accent4"/>
+                    </a:solidFill>
+                  </a:tcPr>
+                </a:tc>
+                <a:tc>
+                  <a:txBody>
+                    <a:bodyPr/>
+                    <a:p>
+                      <a:pPr>
+                        <a:buNone/>
+                      </a:pPr>
+                      <a:r>
+                        <a:rPr lang="de-DE" altLang="en-US" sz="1600">
+                          <a:solidFill>
+                            <a:schemeClr val="bg1">
+                              <a:lumMod val="10000"/>
+                            </a:schemeClr>
+                          </a:solidFill>
+                          <a:cs typeface="+mn-lt"/>
+                        </a:rPr>
+                        <a:t>0.2</a:t>
+                      </a:r>
+                      <a:endParaRPr lang="de-DE" altLang="en-US" sz="1600">
+                        <a:solidFill>
+                          <a:schemeClr val="bg1">
+                            <a:lumMod val="10000"/>
+                          </a:schemeClr>
+                        </a:solidFill>
+                        <a:cs typeface="+mn-lt"/>
+                      </a:endParaRPr>
+                    </a:p>
+                  </a:txBody>
+                  <a:tcPr anchor="ctr">
+                    <a:lnL w="38100" cmpd="sng">
+                      <a:solidFill>
+                        <a:schemeClr val="tx1"/>
+                      </a:solidFill>
+                      <a:prstDash val="solid"/>
+                    </a:lnL>
+                  </a:tcPr>
+                </a:tc>
+                <a:tc>
+                  <a:txBody>
+                    <a:bodyPr/>
+                    <a:p>
+                      <a:pPr>
+                        <a:buNone/>
+                      </a:pPr>
+                      <a:r>
+                        <a:rPr lang="de-DE" altLang="en-US" sz="1600" dirty="0">
+                          <a:solidFill>
+                            <a:schemeClr val="bg1">
+                              <a:lumMod val="10000"/>
+                            </a:schemeClr>
+                          </a:solidFill>
+                          <a:cs typeface="+mn-lt"/>
+                        </a:rPr>
+                        <a:t>0.03</a:t>
+                      </a:r>
+                      <a:endParaRPr lang="de-DE" altLang="en-US" sz="1600" dirty="0">
+                        <a:solidFill>
+                          <a:schemeClr val="bg1">
+                            <a:lumMod val="10000"/>
+                          </a:schemeClr>
+                        </a:solidFill>
+                        <a:cs typeface="+mn-lt"/>
+                      </a:endParaRPr>
+                    </a:p>
+                  </a:txBody>
+                  <a:tcPr anchor="ctr">
+                    <a:lnL w="38100" cap="flat" cmpd="sng" algn="ctr">
+                      <a:solidFill>
+                        <a:schemeClr val="tx1"/>
+                      </a:solidFill>
+                      <a:prstDash val="solid"/>
+                      <a:round/>
+                      <a:headEnd type="none" w="med" len="med"/>
+                      <a:tailEnd type="none" w="med" len="med"/>
+                    </a:lnL>
+                    <a:lnR w="12700">
+                      <a:solidFill>
+                        <a:schemeClr val="tx1"/>
+                      </a:solidFill>
+                      <a:prstDash val="solid"/>
+                    </a:lnR>
+                  </a:tcPr>
+                </a:tc>
+                <a:tc>
+                  <a:txBody>
+                    <a:bodyPr/>
+                    <a:p>
+                      <a:pPr>
+                        <a:buNone/>
+                      </a:pPr>
+                      <a:r>
+                        <a:rPr lang="de-DE" altLang="en-US" sz="1600">
+                          <a:solidFill>
+                            <a:schemeClr val="bg1">
+                              <a:lumMod val="10000"/>
+                            </a:schemeClr>
+                          </a:solidFill>
+                          <a:cs typeface="+mn-lt"/>
+                        </a:rPr>
+                        <a:t>0.17</a:t>
+                      </a:r>
+                      <a:endParaRPr lang="de-DE" altLang="en-US" sz="1600">
+                        <a:solidFill>
+                          <a:schemeClr val="bg1">
+                            <a:lumMod val="10000"/>
+                          </a:schemeClr>
+                        </a:solidFill>
+                        <a:cs typeface="+mn-lt"/>
+                      </a:endParaRPr>
+                    </a:p>
+                  </a:txBody>
+                  <a:tcPr anchor="ctr">
+                    <a:lnL w="12700">
+                      <a:solidFill>
+                        <a:schemeClr val="tx1"/>
+                      </a:solidFill>
+                      <a:prstDash val="solid"/>
+                    </a:lnL>
+                    <a:lnR w="38100" cmpd="sng">
+                      <a:solidFill>
+                        <a:schemeClr val="tx1"/>
+                      </a:solidFill>
+                      <a:prstDash val="solid"/>
+                    </a:lnR>
+                  </a:tcPr>
+                </a:tc>
+                <a:tc>
+                  <a:txBody>
+                    <a:bodyPr/>
+                    <a:p>
+                      <a:pPr>
+                        <a:buNone/>
+                      </a:pPr>
+                      <a:r>
+                        <a:rPr lang="de-DE" altLang="en-US" sz="1600">
+                          <a:solidFill>
+                            <a:schemeClr val="bg1">
+                              <a:lumMod val="10000"/>
+                            </a:schemeClr>
+                          </a:solidFill>
+                          <a:cs typeface="+mn-lt"/>
+                        </a:rPr>
+                        <a:t>3.44</a:t>
+                      </a:r>
+                      <a:endParaRPr lang="de-DE" altLang="en-US" sz="1600">
+                        <a:solidFill>
+                          <a:schemeClr val="bg1">
+                            <a:lumMod val="10000"/>
+                          </a:schemeClr>
+                        </a:solidFill>
+                        <a:cs typeface="+mn-lt"/>
+                      </a:endParaRPr>
+                    </a:p>
+                  </a:txBody>
+                  <a:tcPr anchor="ctr">
+                    <a:lnL w="12700">
+                      <a:solidFill>
+                        <a:schemeClr val="tx1"/>
+                      </a:solidFill>
+                      <a:prstDash val="solid"/>
+                    </a:lnL>
+                    <a:lnR w="38100" cmpd="sng">
+                      <a:solidFill>
+                        <a:schemeClr val="tx1"/>
+                      </a:solidFill>
+                      <a:prstDash val="solid"/>
+                    </a:lnR>
+                  </a:tcPr>
+                </a:tc>
+              </a:tr>
+              <a:tr h="548640">
+                <a:tc vMerge="1">
+                  <a:tcPr anchor="ctr">
+                    <a:lnL w="38100" cmpd="sng">
+                      <a:solidFill>
+                        <a:schemeClr val="tx1"/>
+                      </a:solidFill>
+                      <a:prstDash val="solid"/>
+                    </a:lnL>
+                    <a:lnR w="38100" cmpd="sng">
+                      <a:solidFill>
+                        <a:schemeClr val="tx1"/>
+                      </a:solidFill>
+                      <a:prstDash val="solid"/>
+                    </a:lnR>
+                    <a:lnB w="38100" cmpd="sng">
+                      <a:solidFill>
+                        <a:schemeClr val="tx1"/>
+                      </a:solidFill>
+                      <a:prstDash val="solid"/>
+                    </a:lnB>
+                    <a:solidFill>
+                      <a:schemeClr val="accent1"/>
+                    </a:solidFill>
+                  </a:tcPr>
+                </a:tc>
+                <a:tc>
+                  <a:txBody>
+                    <a:bodyPr/>
+                    <a:p>
+                      <a:pPr>
+                        <a:buNone/>
+                      </a:pPr>
+                      <a:r>
+                        <a:rPr lang="de-DE" altLang="en-US" sz="1600" b="0" dirty="0">
+                          <a:solidFill>
+                            <a:schemeClr val="bg1"/>
+                          </a:solidFill>
+                          <a:cs typeface="+mn-lt"/>
+                        </a:rPr>
+                        <a:t>Only Fatrop</a:t>
+                      </a:r>
+                      <a:endParaRPr lang="de-DE" altLang="en-US" sz="1600" b="0" dirty="0">
+                        <a:solidFill>
+                          <a:schemeClr val="bg1"/>
+                        </a:solidFill>
+                        <a:cs typeface="+mn-lt"/>
+                      </a:endParaRPr>
+                    </a:p>
+                  </a:txBody>
+                  <a:tcPr anchor="ctr">
+                    <a:lnL w="38100" cmpd="sng">
+                      <a:solidFill>
+                        <a:schemeClr val="tx1"/>
+                      </a:solidFill>
+                      <a:prstDash val="solid"/>
+                    </a:lnL>
+                    <a:lnR w="38100" cmpd="sng">
+                      <a:solidFill>
+                        <a:schemeClr val="tx1"/>
+                      </a:solidFill>
+                      <a:prstDash val="solid"/>
+                    </a:lnR>
+                    <a:lnB w="38100" cmpd="sng">
+                      <a:solidFill>
+                        <a:schemeClr val="tx1"/>
+                      </a:solidFill>
+                      <a:prstDash val="solid"/>
+                    </a:lnB>
+                    <a:solidFill>
+                      <a:schemeClr val="accent4"/>
+                    </a:solidFill>
+                  </a:tcPr>
+                </a:tc>
+                <a:tc>
+                  <a:txBody>
+                    <a:bodyPr/>
+                    <a:p>
+                      <a:pPr>
+                        <a:buNone/>
+                      </a:pPr>
+                      <a:r>
+                        <a:rPr lang="de-DE" altLang="en-US" sz="1600">
+                          <a:solidFill>
+                            <a:schemeClr val="bg1">
+                              <a:lumMod val="10000"/>
+                            </a:schemeClr>
+                          </a:solidFill>
+                          <a:cs typeface="+mn-lt"/>
+                        </a:rPr>
+                        <a:t>0.58</a:t>
+                      </a:r>
+                      <a:endParaRPr lang="de-DE" altLang="en-US" sz="1600">
+                        <a:solidFill>
+                          <a:schemeClr val="bg1">
+                            <a:lumMod val="10000"/>
+                          </a:schemeClr>
+                        </a:solidFill>
+                        <a:cs typeface="+mn-lt"/>
+                      </a:endParaRPr>
+                    </a:p>
+                  </a:txBody>
+                  <a:tcPr anchor="ctr">
+                    <a:lnL w="38100" cmpd="sng">
+                      <a:solidFill>
+                        <a:schemeClr val="tx1"/>
+                      </a:solidFill>
+                      <a:prstDash val="solid"/>
+                    </a:lnL>
+                    <a:lnB w="38100" cmpd="sng">
+                      <a:solidFill>
+                        <a:schemeClr val="tx1"/>
+                      </a:solidFill>
+                      <a:prstDash val="solid"/>
+                    </a:lnB>
+                  </a:tcPr>
+                </a:tc>
+                <a:tc>
+                  <a:txBody>
+                    <a:bodyPr/>
+                    <a:p>
+                      <a:pPr>
+                        <a:buNone/>
+                      </a:pPr>
+                      <a:r>
+                        <a:rPr lang="de-DE" altLang="en-US" sz="1600" dirty="0">
+                          <a:solidFill>
+                            <a:schemeClr val="bg1">
+                              <a:lumMod val="10000"/>
+                            </a:schemeClr>
+                          </a:solidFill>
+                          <a:cs typeface="+mn-lt"/>
+                        </a:rPr>
+                        <a:t>0.58</a:t>
+                      </a:r>
+                      <a:endParaRPr lang="de-DE" altLang="en-US" sz="1600" dirty="0">
+                        <a:solidFill>
+                          <a:schemeClr val="bg1">
+                            <a:lumMod val="10000"/>
+                          </a:schemeClr>
+                        </a:solidFill>
+                        <a:cs typeface="+mn-lt"/>
+                      </a:endParaRPr>
+                    </a:p>
+                  </a:txBody>
+                  <a:tcPr anchor="ctr">
+                    <a:lnL w="38100" cap="flat" cmpd="sng" algn="ctr">
+                      <a:solidFill>
+                        <a:schemeClr val="tx1"/>
+                      </a:solidFill>
+                      <a:prstDash val="solid"/>
+                      <a:round/>
+                      <a:headEnd type="none" w="med" len="med"/>
+                      <a:tailEnd type="none" w="med" len="med"/>
+                    </a:lnL>
+                    <a:lnR w="12700">
+                      <a:solidFill>
+                        <a:schemeClr val="tx1"/>
+                      </a:solidFill>
+                      <a:prstDash val="solid"/>
+                    </a:lnR>
+                    <a:lnB w="38100" cmpd="sng">
+                      <a:solidFill>
+                        <a:schemeClr val="tx1"/>
+                      </a:solidFill>
+                      <a:prstDash val="solid"/>
+                    </a:lnB>
+                  </a:tcPr>
+                </a:tc>
+                <a:tc>
+                  <a:txBody>
+                    <a:bodyPr/>
+                    <a:p>
+                      <a:pPr>
+                        <a:buNone/>
+                      </a:pPr>
+                      <a:r>
+                        <a:rPr lang="de-DE" altLang="en-US" sz="1600">
+                          <a:solidFill>
+                            <a:schemeClr val="bg1">
+                              <a:lumMod val="10000"/>
+                            </a:schemeClr>
+                          </a:solidFill>
+                          <a:cs typeface="+mn-lt"/>
+                        </a:rPr>
+                        <a:t>-</a:t>
+                      </a:r>
+                      <a:endParaRPr lang="de-DE" altLang="en-US" sz="1600">
+                        <a:solidFill>
+                          <a:schemeClr val="bg1">
+                            <a:lumMod val="10000"/>
+                          </a:schemeClr>
+                        </a:solidFill>
+                        <a:cs typeface="+mn-lt"/>
+                      </a:endParaRPr>
+                    </a:p>
+                  </a:txBody>
+                  <a:tcPr anchor="ctr">
+                    <a:lnL w="12700">
+                      <a:solidFill>
+                        <a:schemeClr val="tx1"/>
+                      </a:solidFill>
+                      <a:prstDash val="solid"/>
+                    </a:lnL>
+                    <a:lnR w="38100" cmpd="sng">
+                      <a:solidFill>
+                        <a:schemeClr val="tx1"/>
+                      </a:solidFill>
+                      <a:prstDash val="solid"/>
+                    </a:lnR>
+                    <a:lnB w="38100" cmpd="sng">
+                      <a:solidFill>
+                        <a:schemeClr val="tx1"/>
+                      </a:solidFill>
+                      <a:prstDash val="solid"/>
+                    </a:lnB>
+                  </a:tcPr>
+                </a:tc>
+                <a:tc>
+                  <a:txBody>
+                    <a:bodyPr/>
+                    <a:p>
+                      <a:pPr>
+                        <a:buNone/>
+                      </a:pPr>
+                      <a:r>
+                        <a:rPr lang="de-DE" altLang="en-US" sz="1600">
+                          <a:solidFill>
+                            <a:schemeClr val="bg1">
+                              <a:lumMod val="10000"/>
+                            </a:schemeClr>
+                          </a:solidFill>
+                          <a:cs typeface="+mn-lt"/>
+                        </a:rPr>
+                        <a:t>3.50</a:t>
+                      </a:r>
+                      <a:endParaRPr lang="de-DE" altLang="en-US" sz="1600">
+                        <a:solidFill>
+                          <a:schemeClr val="bg1">
+                            <a:lumMod val="10000"/>
+                          </a:schemeClr>
+                        </a:solidFill>
+                        <a:cs typeface="+mn-lt"/>
+                      </a:endParaRPr>
+                    </a:p>
+                  </a:txBody>
+                  <a:tcPr anchor="ctr">
+                    <a:lnL w="12700">
+                      <a:solidFill>
+                        <a:schemeClr val="tx1"/>
+                      </a:solidFill>
+                      <a:prstDash val="solid"/>
+                    </a:lnL>
+                    <a:lnR w="38100" cmpd="sng">
+                      <a:solidFill>
+                        <a:schemeClr val="tx1"/>
+                      </a:solidFill>
+                      <a:prstDash val="solid"/>
+                    </a:lnR>
+                    <a:lnB w="38100" cmpd="sng">
+                      <a:solidFill>
+                        <a:schemeClr val="tx1"/>
+                      </a:solidFill>
+                      <a:prstDash val="solid"/>
+                    </a:lnB>
+                  </a:tcPr>
+                </a:tc>
+              </a:tr>
+            </a:tbl>
+          </a:graphicData>
+        </a:graphic>
+      </p:graphicFrame>
     </p:spTree>
   </p:cSld>
   <p:clrMapOvr>
@@ -15677,13 +16948,7 @@
           <p:nvPr/>
         </p:nvPicPr>
         <p:blipFill>
-          <a:blip r:embed="rId1">
-            <a:extLst>
-              <a:ext uri="{28A0092B-C50C-407E-A947-70E740481C1C}">
-                <a14:useLocalDpi xmlns:a14="http://schemas.microsoft.com/office/drawing/2010/main" val="0"/>
-              </a:ext>
-            </a:extLst>
-          </a:blip>
+          <a:blip r:embed="rId1"/>
           <a:srcRect/>
           <a:stretch>
             <a:fillRect/>
